--- a/models/モデルシートver0.pptx
+++ b/models/モデルシートver0.pptx
@@ -9,7 +9,7 @@
     <p:sldId id="257" r:id="rId3"/>
   </p:sldIdLst>
   <p:sldSz cx="12801600" cy="9601200" type="A3"/>
-  <p:notesSz cx="6858000" cy="9144000"/>
+  <p:notesSz cx="6797675" cy="9872663"/>
   <p:defaultTextStyle>
     <a:defPPr>
       <a:defRPr lang="ja-JP"/>
@@ -289,7 +289,7 @@
           <a:p>
             <a:fld id="{C474B4CA-5347-4033-9CF6-D10F59E92A5D}" type="datetimeFigureOut">
               <a:rPr kumimoji="1" lang="ja-JP" altLang="en-US" smtClean="0"/>
-              <a:t>2012/9/3</a:t>
+              <a:t>2012/9/4</a:t>
             </a:fld>
             <a:endParaRPr kumimoji="1" lang="ja-JP" altLang="en-US"/>
           </a:p>
@@ -491,7 +491,7 @@
           <a:p>
             <a:fld id="{C474B4CA-5347-4033-9CF6-D10F59E92A5D}" type="datetimeFigureOut">
               <a:rPr kumimoji="1" lang="ja-JP" altLang="en-US" smtClean="0"/>
-              <a:t>2012/9/3</a:t>
+              <a:t>2012/9/4</a:t>
             </a:fld>
             <a:endParaRPr kumimoji="1" lang="ja-JP" altLang="en-US"/>
           </a:p>
@@ -703,7 +703,7 @@
           <a:p>
             <a:fld id="{C474B4CA-5347-4033-9CF6-D10F59E92A5D}" type="datetimeFigureOut">
               <a:rPr kumimoji="1" lang="ja-JP" altLang="en-US" smtClean="0"/>
-              <a:t>2012/9/3</a:t>
+              <a:t>2012/9/4</a:t>
             </a:fld>
             <a:endParaRPr kumimoji="1" lang="ja-JP" altLang="en-US"/>
           </a:p>
@@ -905,7 +905,7 @@
           <a:p>
             <a:fld id="{C474B4CA-5347-4033-9CF6-D10F59E92A5D}" type="datetimeFigureOut">
               <a:rPr kumimoji="1" lang="ja-JP" altLang="en-US" smtClean="0"/>
-              <a:t>2012/9/3</a:t>
+              <a:t>2012/9/4</a:t>
             </a:fld>
             <a:endParaRPr kumimoji="1" lang="ja-JP" altLang="en-US"/>
           </a:p>
@@ -1151,7 +1151,7 @@
           <a:p>
             <a:fld id="{C474B4CA-5347-4033-9CF6-D10F59E92A5D}" type="datetimeFigureOut">
               <a:rPr kumimoji="1" lang="ja-JP" altLang="en-US" smtClean="0"/>
-              <a:t>2012/9/3</a:t>
+              <a:t>2012/9/4</a:t>
             </a:fld>
             <a:endParaRPr kumimoji="1" lang="ja-JP" altLang="en-US"/>
           </a:p>
@@ -1503,7 +1503,7 @@
           <a:p>
             <a:fld id="{C474B4CA-5347-4033-9CF6-D10F59E92A5D}" type="datetimeFigureOut">
               <a:rPr kumimoji="1" lang="ja-JP" altLang="en-US" smtClean="0"/>
-              <a:t>2012/9/3</a:t>
+              <a:t>2012/9/4</a:t>
             </a:fld>
             <a:endParaRPr kumimoji="1" lang="ja-JP" altLang="en-US"/>
           </a:p>
@@ -1989,7 +1989,7 @@
           <a:p>
             <a:fld id="{C474B4CA-5347-4033-9CF6-D10F59E92A5D}" type="datetimeFigureOut">
               <a:rPr kumimoji="1" lang="ja-JP" altLang="en-US" smtClean="0"/>
-              <a:t>2012/9/3</a:t>
+              <a:t>2012/9/4</a:t>
             </a:fld>
             <a:endParaRPr kumimoji="1" lang="ja-JP" altLang="en-US"/>
           </a:p>
@@ -2107,7 +2107,7 @@
           <a:p>
             <a:fld id="{C474B4CA-5347-4033-9CF6-D10F59E92A5D}" type="datetimeFigureOut">
               <a:rPr kumimoji="1" lang="ja-JP" altLang="en-US" smtClean="0"/>
-              <a:t>2012/9/3</a:t>
+              <a:t>2012/9/4</a:t>
             </a:fld>
             <a:endParaRPr kumimoji="1" lang="ja-JP" altLang="en-US"/>
           </a:p>
@@ -2202,7 +2202,7 @@
           <a:p>
             <a:fld id="{C474B4CA-5347-4033-9CF6-D10F59E92A5D}" type="datetimeFigureOut">
               <a:rPr kumimoji="1" lang="ja-JP" altLang="en-US" smtClean="0"/>
-              <a:t>2012/9/3</a:t>
+              <a:t>2012/9/4</a:t>
             </a:fld>
             <a:endParaRPr kumimoji="1" lang="ja-JP" altLang="en-US"/>
           </a:p>
@@ -2511,7 +2511,7 @@
           <a:p>
             <a:fld id="{C474B4CA-5347-4033-9CF6-D10F59E92A5D}" type="datetimeFigureOut">
               <a:rPr kumimoji="1" lang="ja-JP" altLang="en-US" smtClean="0"/>
-              <a:t>2012/9/3</a:t>
+              <a:t>2012/9/4</a:t>
             </a:fld>
             <a:endParaRPr kumimoji="1" lang="ja-JP" altLang="en-US"/>
           </a:p>
@@ -2764,7 +2764,7 @@
           <a:p>
             <a:fld id="{C474B4CA-5347-4033-9CF6-D10F59E92A5D}" type="datetimeFigureOut">
               <a:rPr kumimoji="1" lang="ja-JP" altLang="en-US" smtClean="0"/>
-              <a:t>2012/9/3</a:t>
+              <a:t>2012/9/4</a:t>
             </a:fld>
             <a:endParaRPr kumimoji="1" lang="ja-JP" altLang="en-US"/>
           </a:p>
@@ -3009,7 +3009,7 @@
           <a:p>
             <a:fld id="{C474B4CA-5347-4033-9CF6-D10F59E92A5D}" type="datetimeFigureOut">
               <a:rPr kumimoji="1" lang="ja-JP" altLang="en-US" smtClean="0"/>
-              <a:t>2012/9/3</a:t>
+              <a:t>2012/9/4</a:t>
             </a:fld>
             <a:endParaRPr kumimoji="1" lang="ja-JP" altLang="en-US"/>
           </a:p>
@@ -3399,7 +3399,7 @@
           <a:bodyPr/>
           <a:lstStyle/>
           <a:p>
-            <a:endParaRPr kumimoji="1" lang="ja-JP" altLang="en-US"/>
+            <a:endParaRPr kumimoji="1" lang="ja-JP" altLang="en-US" dirty="0"/>
           </a:p>
         </p:txBody>
       </p:sp>
@@ -3460,8 +3460,8 @@
         </p:nvSpPr>
         <p:spPr>
           <a:xfrm>
-            <a:off x="1000200" y="1848272"/>
-            <a:ext cx="6480720" cy="4708981"/>
+            <a:off x="1432248" y="1019804"/>
+            <a:ext cx="3672408" cy="1446550"/>
           </a:xfrm>
           <a:prstGeom prst="rect">
             <a:avLst/>
@@ -3475,8 +3475,292 @@
           <a:lstStyle/>
           <a:p>
             <a:r>
+              <a:rPr kumimoji="1" lang="ja-JP" altLang="en-US" sz="2400" dirty="0" smtClean="0">
+                <a:latin typeface="メイリオ" pitchFamily="50" charset="-128"/>
+                <a:ea typeface="メイリオ" pitchFamily="50" charset="-128"/>
+                <a:cs typeface="メイリオ" pitchFamily="50" charset="-128"/>
+              </a:rPr>
+              <a:t>目標</a:t>
+            </a:r>
+            <a:r>
+              <a:rPr lang="ja-JP" altLang="en-US" sz="2400" dirty="0" smtClean="0">
+                <a:latin typeface="メイリオ" pitchFamily="50" charset="-128"/>
+                <a:ea typeface="メイリオ" pitchFamily="50" charset="-128"/>
+                <a:cs typeface="メイリオ" pitchFamily="50" charset="-128"/>
+              </a:rPr>
+              <a:t>：</a:t>
+            </a:r>
+            <a:r>
+              <a:rPr lang="ja-JP" altLang="en-US" sz="2400" dirty="0">
+                <a:latin typeface="メイリオ" pitchFamily="50" charset="-128"/>
+                <a:ea typeface="メイリオ" pitchFamily="50" charset="-128"/>
+                <a:cs typeface="メイリオ" pitchFamily="50" charset="-128"/>
+              </a:rPr>
+              <a:t>全国大会</a:t>
+            </a:r>
+            <a:r>
+              <a:rPr lang="ja-JP" altLang="en-US" sz="2400" dirty="0" smtClean="0">
+                <a:latin typeface="メイリオ" pitchFamily="50" charset="-128"/>
+                <a:ea typeface="メイリオ" pitchFamily="50" charset="-128"/>
+                <a:cs typeface="メイリオ" pitchFamily="50" charset="-128"/>
+              </a:rPr>
+              <a:t>出場</a:t>
+            </a:r>
+            <a:endParaRPr lang="en-US" altLang="ja-JP" sz="1600" dirty="0" smtClean="0">
+              <a:latin typeface="メイリオ" pitchFamily="50" charset="-128"/>
+              <a:ea typeface="メイリオ" pitchFamily="50" charset="-128"/>
+              <a:cs typeface="メイリオ" pitchFamily="50" charset="-128"/>
+            </a:endParaRPr>
+          </a:p>
+          <a:p>
+            <a:r>
+              <a:rPr lang="ja-JP" altLang="en-US" sz="1600" dirty="0" smtClean="0">
+                <a:latin typeface="メイリオ" pitchFamily="50" charset="-128"/>
+                <a:ea typeface="メイリオ" pitchFamily="50" charset="-128"/>
+                <a:cs typeface="メイリオ" pitchFamily="50" charset="-128"/>
+              </a:rPr>
+              <a:t>そのために・・・</a:t>
+            </a:r>
+            <a:endParaRPr lang="en-US" altLang="ja-JP" sz="1600" dirty="0" smtClean="0">
+              <a:latin typeface="メイリオ" pitchFamily="50" charset="-128"/>
+              <a:ea typeface="メイリオ" pitchFamily="50" charset="-128"/>
+              <a:cs typeface="メイリオ" pitchFamily="50" charset="-128"/>
+            </a:endParaRPr>
+          </a:p>
+          <a:p>
+            <a:r>
+              <a:rPr lang="ja-JP" altLang="en-US" sz="1600" dirty="0" smtClean="0">
+                <a:latin typeface="メイリオ" pitchFamily="50" charset="-128"/>
+                <a:ea typeface="メイリオ" pitchFamily="50" charset="-128"/>
+                <a:cs typeface="メイリオ" pitchFamily="50" charset="-128"/>
+              </a:rPr>
+              <a:t>・全難所をクリア</a:t>
+            </a:r>
+            <a:endParaRPr lang="en-US" altLang="ja-JP" sz="1600" dirty="0">
+              <a:latin typeface="メイリオ" pitchFamily="50" charset="-128"/>
+              <a:ea typeface="メイリオ" pitchFamily="50" charset="-128"/>
+              <a:cs typeface="メイリオ" pitchFamily="50" charset="-128"/>
+            </a:endParaRPr>
+          </a:p>
+          <a:p>
+            <a:r>
+              <a:rPr lang="ja-JP" altLang="en-US" sz="1600" dirty="0" smtClean="0">
+                <a:latin typeface="メイリオ" pitchFamily="50" charset="-128"/>
+                <a:ea typeface="メイリオ" pitchFamily="50" charset="-128"/>
+                <a:cs typeface="メイリオ" pitchFamily="50" charset="-128"/>
+              </a:rPr>
+              <a:t>・高速かつ正確な</a:t>
+            </a:r>
+            <a:r>
+              <a:rPr lang="ja-JP" altLang="en-US" sz="1600" dirty="0" smtClean="0">
+                <a:latin typeface="メイリオ" pitchFamily="50" charset="-128"/>
+                <a:ea typeface="メイリオ" pitchFamily="50" charset="-128"/>
+                <a:cs typeface="メイリオ" pitchFamily="50" charset="-128"/>
+              </a:rPr>
+              <a:t>ライントレース</a:t>
+            </a:r>
+            <a:endParaRPr kumimoji="1" lang="en-US" altLang="ja-JP" sz="1600" dirty="0">
+              <a:latin typeface="メイリオ" pitchFamily="50" charset="-128"/>
+              <a:ea typeface="メイリオ" pitchFamily="50" charset="-128"/>
+              <a:cs typeface="メイリオ" pitchFamily="50" charset="-128"/>
+            </a:endParaRPr>
+          </a:p>
+          <a:p>
+            <a:r>
+              <a:rPr lang="ja-JP" altLang="en-US" sz="1600" dirty="0" smtClean="0">
+                <a:latin typeface="メイリオ" pitchFamily="50" charset="-128"/>
+                <a:ea typeface="メイリオ" pitchFamily="50" charset="-128"/>
+                <a:cs typeface="メイリオ" pitchFamily="50" charset="-128"/>
+              </a:rPr>
+              <a:t>・</a:t>
+            </a:r>
+            <a:r>
+              <a:rPr lang="ja-JP" altLang="en-US" sz="1600" dirty="0" smtClean="0">
+                <a:latin typeface="メイリオ" pitchFamily="50" charset="-128"/>
+                <a:ea typeface="メイリオ" pitchFamily="50" charset="-128"/>
+                <a:cs typeface="メイリオ" pitchFamily="50" charset="-128"/>
+              </a:rPr>
+              <a:t>区間に応じた走行ができる</a:t>
+            </a:r>
+            <a:endParaRPr kumimoji="1" lang="ja-JP" altLang="en-US" sz="1600" dirty="0"/>
+          </a:p>
+        </p:txBody>
+      </p:sp>
+      <p:sp>
+        <p:nvSpPr>
+          <p:cNvPr id="2" name="テキスト ボックス 1"/>
+          <p:cNvSpPr txBox="1"/>
+          <p:nvPr/>
+        </p:nvSpPr>
+        <p:spPr>
+          <a:xfrm>
+            <a:off x="424136" y="1040798"/>
+            <a:ext cx="861774" cy="2679682"/>
+          </a:xfrm>
+          <a:prstGeom prst="rect">
+            <a:avLst/>
+          </a:prstGeom>
+          <a:noFill/>
+        </p:spPr>
+        <p:txBody>
+          <a:bodyPr vert="eaVert" wrap="square" rtlCol="0">
+            <a:spAutoFit/>
+          </a:bodyPr>
+          <a:lstStyle/>
+          <a:p>
+            <a:r>
+              <a:rPr kumimoji="1" lang="ja-JP" altLang="en-US" sz="4400" dirty="0" smtClean="0"/>
+              <a:t>１　</a:t>
+            </a:r>
+            <a:r>
+              <a:rPr kumimoji="1" lang="ja-JP" altLang="en-US" sz="3200" dirty="0" smtClean="0"/>
+              <a:t>要求分析</a:t>
+            </a:r>
+            <a:endParaRPr kumimoji="1" lang="ja-JP" altLang="en-US" sz="3200" dirty="0"/>
+          </a:p>
+        </p:txBody>
+      </p:sp>
+      <p:pic>
+        <p:nvPicPr>
+          <p:cNvPr id="1027" name="Picture 3" descr="C:\Users\HOMMA\Desktop\要求図0.jpg"/>
+          <p:cNvPicPr>
+            <a:picLocks noChangeAspect="1" noChangeArrowheads="1"/>
+          </p:cNvPicPr>
+          <p:nvPr/>
+        </p:nvPicPr>
+        <p:blipFill>
+          <a:blip r:embed="rId2" cstate="print">
+            <a:extLst>
+              <a:ext uri="{28A0092B-C50C-407E-A947-70E740481C1C}">
+                <a14:useLocalDpi xmlns:a14="http://schemas.microsoft.com/office/drawing/2010/main" val="0"/>
+              </a:ext>
+            </a:extLst>
+          </a:blip>
+          <a:srcRect/>
+          <a:stretch>
+            <a:fillRect/>
+          </a:stretch>
+        </p:blipFill>
+        <p:spPr bwMode="auto">
+          <a:xfrm>
+            <a:off x="1089479" y="2784376"/>
+            <a:ext cx="11215977" cy="3734088"/>
+          </a:xfrm>
+          <a:prstGeom prst="rect">
+            <a:avLst/>
+          </a:prstGeom>
+          <a:noFill/>
+          <a:extLst>
+            <a:ext uri="{909E8E84-426E-40DD-AFC4-6F175D3DCCD1}">
+              <a14:hiddenFill xmlns:a14="http://schemas.microsoft.com/office/drawing/2010/main">
+                <a:solidFill>
+                  <a:srgbClr val="FFFFFF"/>
+                </a:solidFill>
+              </a14:hiddenFill>
+            </a:ext>
+          </a:extLst>
+        </p:spPr>
+      </p:pic>
+      <p:sp>
+        <p:nvSpPr>
+          <p:cNvPr id="6" name="テキスト ボックス 5"/>
+          <p:cNvSpPr txBox="1"/>
+          <p:nvPr/>
+        </p:nvSpPr>
+        <p:spPr>
+          <a:xfrm>
+            <a:off x="5823520" y="1920280"/>
+            <a:ext cx="5518224" cy="400110"/>
+          </a:xfrm>
+          <a:prstGeom prst="rect">
+            <a:avLst/>
+          </a:prstGeom>
+          <a:noFill/>
+        </p:spPr>
+        <p:txBody>
+          <a:bodyPr wrap="square" rtlCol="0">
+            <a:spAutoFit/>
+          </a:bodyPr>
+          <a:lstStyle/>
+          <a:p>
+            <a:r>
+              <a:rPr kumimoji="1" lang="ja-JP" altLang="en-US" sz="2000" b="1" dirty="0" smtClean="0"/>
+              <a:t>この目標を実現するために要求され</a:t>
+            </a:r>
+            <a:r>
+              <a:rPr lang="ja-JP" altLang="en-US" sz="2000" b="1" dirty="0" smtClean="0"/>
+              <a:t>ることを抽出</a:t>
+            </a:r>
+            <a:endParaRPr kumimoji="1" lang="ja-JP" altLang="en-US" sz="2000" b="1" dirty="0"/>
+          </a:p>
+        </p:txBody>
+      </p:sp>
+      <p:pic>
+        <p:nvPicPr>
+          <p:cNvPr id="1029" name="Picture 5" descr="C:\Users\HOMMA\Desktop\ユースケース図.jpg"/>
+          <p:cNvPicPr>
+            <a:picLocks noChangeAspect="1" noChangeArrowheads="1"/>
+          </p:cNvPicPr>
+          <p:nvPr/>
+        </p:nvPicPr>
+        <p:blipFill>
+          <a:blip r:embed="rId3">
+            <a:extLst>
+              <a:ext uri="{28A0092B-C50C-407E-A947-70E740481C1C}">
+                <a14:useLocalDpi xmlns:a14="http://schemas.microsoft.com/office/drawing/2010/main" val="0"/>
+              </a:ext>
+            </a:extLst>
+          </a:blip>
+          <a:srcRect/>
+          <a:stretch>
+            <a:fillRect/>
+          </a:stretch>
+        </p:blipFill>
+        <p:spPr bwMode="auto">
+          <a:xfrm>
+            <a:off x="1576264" y="6518464"/>
+            <a:ext cx="4095750" cy="2657475"/>
+          </a:xfrm>
+          <a:prstGeom prst="rect">
+            <a:avLst/>
+          </a:prstGeom>
+          <a:noFill/>
+          <a:extLst>
+            <a:ext uri="{909E8E84-426E-40DD-AFC4-6F175D3DCCD1}">
+              <a14:hiddenFill xmlns:a14="http://schemas.microsoft.com/office/drawing/2010/main">
+                <a:solidFill>
+                  <a:srgbClr val="FFFFFF"/>
+                </a:solidFill>
+              </a14:hiddenFill>
+            </a:ext>
+          </a:extLst>
+        </p:spPr>
+      </p:pic>
+      <p:sp>
+        <p:nvSpPr>
+          <p:cNvPr id="3" name="テキスト ボックス 2"/>
+          <p:cNvSpPr txBox="1"/>
+          <p:nvPr/>
+        </p:nvSpPr>
+        <p:spPr>
+          <a:xfrm>
+            <a:off x="5823520" y="6744816"/>
+            <a:ext cx="3240360" cy="2015936"/>
+          </a:xfrm>
+          <a:prstGeom prst="rect">
+            <a:avLst/>
+          </a:prstGeom>
+          <a:noFill/>
+        </p:spPr>
+        <p:txBody>
+          <a:bodyPr wrap="square" rtlCol="0">
+            <a:spAutoFit/>
+          </a:bodyPr>
+          <a:lstStyle/>
+          <a:p>
+            <a:r>
               <a:rPr kumimoji="1" lang="ja-JP" altLang="en-US" dirty="0" smtClean="0"/>
-              <a:t>コンセプト</a:t>
+              <a:t>ユースケース記述</a:t>
             </a:r>
             <a:endParaRPr kumimoji="1" lang="en-US" altLang="ja-JP" dirty="0" smtClean="0"/>
           </a:p>
@@ -3484,39 +3768,41 @@
             <a:endParaRPr lang="en-US" altLang="ja-JP" dirty="0"/>
           </a:p>
           <a:p>
+            <a:endParaRPr kumimoji="1" lang="en-US" altLang="ja-JP" dirty="0" smtClean="0"/>
+          </a:p>
+          <a:p>
+            <a:endParaRPr lang="en-US" altLang="ja-JP" dirty="0"/>
+          </a:p>
+          <a:p>
+            <a:endParaRPr kumimoji="1" lang="ja-JP" altLang="en-US" dirty="0"/>
+          </a:p>
+        </p:txBody>
+      </p:sp>
+      <p:sp>
+        <p:nvSpPr>
+          <p:cNvPr id="10" name="テキスト ボックス 9"/>
+          <p:cNvSpPr txBox="1"/>
+          <p:nvPr/>
+        </p:nvSpPr>
+        <p:spPr>
+          <a:xfrm>
+            <a:off x="9353128" y="6744816"/>
+            <a:ext cx="3240360" cy="2015936"/>
+          </a:xfrm>
+          <a:prstGeom prst="rect">
+            <a:avLst/>
+          </a:prstGeom>
+          <a:noFill/>
+        </p:spPr>
+        <p:txBody>
+          <a:bodyPr wrap="square" rtlCol="0">
+            <a:spAutoFit/>
+          </a:bodyPr>
+          <a:lstStyle/>
+          <a:p>
             <a:r>
               <a:rPr lang="ja-JP" altLang="en-US" dirty="0" smtClean="0"/>
-              <a:t>・高速かつ正確なライントレース</a:t>
-            </a:r>
-            <a:endParaRPr lang="en-US" altLang="ja-JP" dirty="0" smtClean="0"/>
-          </a:p>
-          <a:p>
-            <a:endParaRPr kumimoji="1" lang="en-US" altLang="ja-JP" dirty="0"/>
-          </a:p>
-          <a:p>
-            <a:r>
-              <a:rPr lang="ja-JP" altLang="en-US" dirty="0" smtClean="0"/>
-              <a:t>・自分の位置を正確に把握できる</a:t>
-            </a:r>
-            <a:endParaRPr lang="en-US" altLang="ja-JP" dirty="0" smtClean="0"/>
-          </a:p>
-          <a:p>
-            <a:endParaRPr kumimoji="1" lang="en-US" altLang="ja-JP" dirty="0"/>
-          </a:p>
-          <a:p>
-            <a:r>
-              <a:rPr lang="ja-JP" altLang="en-US" dirty="0" smtClean="0"/>
-              <a:t>・安定した尻尾走行</a:t>
-            </a:r>
-            <a:endParaRPr lang="en-US" altLang="ja-JP" dirty="0" smtClean="0"/>
-          </a:p>
-          <a:p>
-            <a:endParaRPr kumimoji="1" lang="en-US" altLang="ja-JP" dirty="0"/>
-          </a:p>
-          <a:p>
-            <a:r>
-              <a:rPr lang="ja-JP" altLang="en-US" dirty="0"/>
-              <a:t>・</a:t>
+              <a:t>非機能要件の検討</a:t>
             </a:r>
             <a:endParaRPr kumimoji="1" lang="en-US" altLang="ja-JP" dirty="0" smtClean="0"/>
           </a:p>
@@ -3525,6 +3811,9 @@
           </a:p>
           <a:p>
             <a:endParaRPr kumimoji="1" lang="en-US" altLang="ja-JP" dirty="0" smtClean="0"/>
+          </a:p>
+          <a:p>
+            <a:endParaRPr lang="en-US" altLang="ja-JP" dirty="0"/>
           </a:p>
           <a:p>
             <a:endParaRPr kumimoji="1" lang="ja-JP" altLang="en-US" dirty="0"/>

--- a/models/モデルシートver0.pptx
+++ b/models/モデルシートver0.pptx
@@ -7,6 +7,7 @@
   <p:sldIdLst>
     <p:sldId id="256" r:id="rId2"/>
     <p:sldId id="257" r:id="rId3"/>
+    <p:sldId id="258" r:id="rId4"/>
   </p:sldIdLst>
   <p:sldSz cx="12801600" cy="9601200" type="A3"/>
   <p:notesSz cx="6797675" cy="9872663"/>
@@ -289,7 +290,7 @@
           <a:p>
             <a:fld id="{C474B4CA-5347-4033-9CF6-D10F59E92A5D}" type="datetimeFigureOut">
               <a:rPr kumimoji="1" lang="ja-JP" altLang="en-US" smtClean="0"/>
-              <a:t>2012/9/4</a:t>
+              <a:t>2012/9/5</a:t>
             </a:fld>
             <a:endParaRPr kumimoji="1" lang="ja-JP" altLang="en-US"/>
           </a:p>
@@ -491,7 +492,7 @@
           <a:p>
             <a:fld id="{C474B4CA-5347-4033-9CF6-D10F59E92A5D}" type="datetimeFigureOut">
               <a:rPr kumimoji="1" lang="ja-JP" altLang="en-US" smtClean="0"/>
-              <a:t>2012/9/4</a:t>
+              <a:t>2012/9/5</a:t>
             </a:fld>
             <a:endParaRPr kumimoji="1" lang="ja-JP" altLang="en-US"/>
           </a:p>
@@ -703,7 +704,7 @@
           <a:p>
             <a:fld id="{C474B4CA-5347-4033-9CF6-D10F59E92A5D}" type="datetimeFigureOut">
               <a:rPr kumimoji="1" lang="ja-JP" altLang="en-US" smtClean="0"/>
-              <a:t>2012/9/4</a:t>
+              <a:t>2012/9/5</a:t>
             </a:fld>
             <a:endParaRPr kumimoji="1" lang="ja-JP" altLang="en-US"/>
           </a:p>
@@ -905,7 +906,7 @@
           <a:p>
             <a:fld id="{C474B4CA-5347-4033-9CF6-D10F59E92A5D}" type="datetimeFigureOut">
               <a:rPr kumimoji="1" lang="ja-JP" altLang="en-US" smtClean="0"/>
-              <a:t>2012/9/4</a:t>
+              <a:t>2012/9/5</a:t>
             </a:fld>
             <a:endParaRPr kumimoji="1" lang="ja-JP" altLang="en-US"/>
           </a:p>
@@ -1151,7 +1152,7 @@
           <a:p>
             <a:fld id="{C474B4CA-5347-4033-9CF6-D10F59E92A5D}" type="datetimeFigureOut">
               <a:rPr kumimoji="1" lang="ja-JP" altLang="en-US" smtClean="0"/>
-              <a:t>2012/9/4</a:t>
+              <a:t>2012/9/5</a:t>
             </a:fld>
             <a:endParaRPr kumimoji="1" lang="ja-JP" altLang="en-US"/>
           </a:p>
@@ -1503,7 +1504,7 @@
           <a:p>
             <a:fld id="{C474B4CA-5347-4033-9CF6-D10F59E92A5D}" type="datetimeFigureOut">
               <a:rPr kumimoji="1" lang="ja-JP" altLang="en-US" smtClean="0"/>
-              <a:t>2012/9/4</a:t>
+              <a:t>2012/9/5</a:t>
             </a:fld>
             <a:endParaRPr kumimoji="1" lang="ja-JP" altLang="en-US"/>
           </a:p>
@@ -1989,7 +1990,7 @@
           <a:p>
             <a:fld id="{C474B4CA-5347-4033-9CF6-D10F59E92A5D}" type="datetimeFigureOut">
               <a:rPr kumimoji="1" lang="ja-JP" altLang="en-US" smtClean="0"/>
-              <a:t>2012/9/4</a:t>
+              <a:t>2012/9/5</a:t>
             </a:fld>
             <a:endParaRPr kumimoji="1" lang="ja-JP" altLang="en-US"/>
           </a:p>
@@ -2107,7 +2108,7 @@
           <a:p>
             <a:fld id="{C474B4CA-5347-4033-9CF6-D10F59E92A5D}" type="datetimeFigureOut">
               <a:rPr kumimoji="1" lang="ja-JP" altLang="en-US" smtClean="0"/>
-              <a:t>2012/9/4</a:t>
+              <a:t>2012/9/5</a:t>
             </a:fld>
             <a:endParaRPr kumimoji="1" lang="ja-JP" altLang="en-US"/>
           </a:p>
@@ -2202,7 +2203,7 @@
           <a:p>
             <a:fld id="{C474B4CA-5347-4033-9CF6-D10F59E92A5D}" type="datetimeFigureOut">
               <a:rPr kumimoji="1" lang="ja-JP" altLang="en-US" smtClean="0"/>
-              <a:t>2012/9/4</a:t>
+              <a:t>2012/9/5</a:t>
             </a:fld>
             <a:endParaRPr kumimoji="1" lang="ja-JP" altLang="en-US"/>
           </a:p>
@@ -2511,7 +2512,7 @@
           <a:p>
             <a:fld id="{C474B4CA-5347-4033-9CF6-D10F59E92A5D}" type="datetimeFigureOut">
               <a:rPr kumimoji="1" lang="ja-JP" altLang="en-US" smtClean="0"/>
-              <a:t>2012/9/4</a:t>
+              <a:t>2012/9/5</a:t>
             </a:fld>
             <a:endParaRPr kumimoji="1" lang="ja-JP" altLang="en-US"/>
           </a:p>
@@ -2764,7 +2765,7 @@
           <a:p>
             <a:fld id="{C474B4CA-5347-4033-9CF6-D10F59E92A5D}" type="datetimeFigureOut">
               <a:rPr kumimoji="1" lang="ja-JP" altLang="en-US" smtClean="0"/>
-              <a:t>2012/9/4</a:t>
+              <a:t>2012/9/5</a:t>
             </a:fld>
             <a:endParaRPr kumimoji="1" lang="ja-JP" altLang="en-US"/>
           </a:p>
@@ -3009,7 +3010,7 @@
           <a:p>
             <a:fld id="{C474B4CA-5347-4033-9CF6-D10F59E92A5D}" type="datetimeFigureOut">
               <a:rPr kumimoji="1" lang="ja-JP" altLang="en-US" smtClean="0"/>
-              <a:t>2012/9/4</a:t>
+              <a:t>2012/9/5</a:t>
             </a:fld>
             <a:endParaRPr kumimoji="1" lang="ja-JP" altLang="en-US"/>
           </a:p>
@@ -3460,7 +3461,7 @@
         </p:nvSpPr>
         <p:spPr>
           <a:xfrm>
-            <a:off x="1432248" y="1019804"/>
+            <a:off x="1459320" y="1019804"/>
             <a:ext cx="3672408" cy="1446550"/>
           </a:xfrm>
           <a:prstGeom prst="rect">
@@ -3549,41 +3550,29 @@
                 <a:ea typeface="メイリオ" pitchFamily="50" charset="-128"/>
                 <a:cs typeface="メイリオ" pitchFamily="50" charset="-128"/>
               </a:rPr>
-              <a:t>・高速かつ正確な</a:t>
-            </a:r>
+              <a:t>・高速かつ正確なライントレース</a:t>
+            </a:r>
+            <a:endParaRPr kumimoji="1" lang="en-US" altLang="ja-JP" sz="1600" dirty="0">
+              <a:latin typeface="メイリオ" pitchFamily="50" charset="-128"/>
+              <a:ea typeface="メイリオ" pitchFamily="50" charset="-128"/>
+              <a:cs typeface="メイリオ" pitchFamily="50" charset="-128"/>
+            </a:endParaRPr>
+          </a:p>
+          <a:p>
             <a:r>
               <a:rPr lang="ja-JP" altLang="en-US" sz="1600" dirty="0" smtClean="0">
                 <a:latin typeface="メイリオ" pitchFamily="50" charset="-128"/>
                 <a:ea typeface="メイリオ" pitchFamily="50" charset="-128"/>
                 <a:cs typeface="メイリオ" pitchFamily="50" charset="-128"/>
               </a:rPr>
-              <a:t>ライントレース</a:t>
-            </a:r>
-            <a:endParaRPr kumimoji="1" lang="en-US" altLang="ja-JP" sz="1600" dirty="0">
+              <a:t>・区間に応じた走行ができる</a:t>
+            </a:r>
+            <a:endParaRPr kumimoji="1" lang="ja-JP" altLang="en-US" sz="1600" dirty="0">
               <a:latin typeface="メイリオ" pitchFamily="50" charset="-128"/>
               <a:ea typeface="メイリオ" pitchFamily="50" charset="-128"/>
               <a:cs typeface="メイリオ" pitchFamily="50" charset="-128"/>
             </a:endParaRPr>
           </a:p>
-          <a:p>
-            <a:r>
-              <a:rPr lang="ja-JP" altLang="en-US" sz="1600" dirty="0" smtClean="0">
-                <a:latin typeface="メイリオ" pitchFamily="50" charset="-128"/>
-                <a:ea typeface="メイリオ" pitchFamily="50" charset="-128"/>
-                <a:cs typeface="メイリオ" pitchFamily="50" charset="-128"/>
-              </a:rPr>
-              <a:t>・</a:t>
-            </a:r>
-            <a:r>
-              <a:rPr lang="ja-JP" altLang="en-US" sz="1600" dirty="0" smtClean="0">
-                <a:latin typeface="メイリオ" pitchFamily="50" charset="-128"/>
-                <a:ea typeface="メイリオ" pitchFamily="50" charset="-128"/>
-                <a:cs typeface="メイリオ" pitchFamily="50" charset="-128"/>
-              </a:rPr>
-              <a:t>区間に応じた走行ができる</a:t>
-            </a:r>
-            <a:endParaRPr kumimoji="1" lang="ja-JP" altLang="en-US" sz="1600" dirty="0"/>
-          </a:p>
         </p:txBody>
       </p:sp>
       <p:sp>
@@ -3594,8 +3583,8 @@
         </p:nvSpPr>
         <p:spPr>
           <a:xfrm>
-            <a:off x="424136" y="1040798"/>
-            <a:ext cx="861774" cy="2679682"/>
+            <a:off x="435492" y="1126513"/>
+            <a:ext cx="677108" cy="1945895"/>
           </a:xfrm>
           <a:prstGeom prst="rect">
             <a:avLst/>
@@ -3609,20 +3598,214 @@
           <a:lstStyle/>
           <a:p>
             <a:r>
-              <a:rPr kumimoji="1" lang="ja-JP" altLang="en-US" sz="4400" dirty="0" smtClean="0"/>
-              <a:t>１　</a:t>
-            </a:r>
-            <a:r>
-              <a:rPr kumimoji="1" lang="ja-JP" altLang="en-US" sz="3200" dirty="0" smtClean="0"/>
+              <a:rPr kumimoji="1" lang="ja-JP" altLang="en-US" sz="2000" dirty="0" smtClean="0">
+                <a:latin typeface="メイリオ" pitchFamily="50" charset="-128"/>
+                <a:ea typeface="メイリオ" pitchFamily="50" charset="-128"/>
+                <a:cs typeface="メイリオ" pitchFamily="50" charset="-128"/>
+              </a:rPr>
+              <a:t>１</a:t>
+            </a:r>
+            <a:r>
+              <a:rPr kumimoji="1" lang="ja-JP" altLang="en-US" sz="3200" dirty="0" smtClean="0">
+                <a:latin typeface="メイリオ" pitchFamily="50" charset="-128"/>
+                <a:ea typeface="メイリオ" pitchFamily="50" charset="-128"/>
+                <a:cs typeface="メイリオ" pitchFamily="50" charset="-128"/>
+              </a:rPr>
+              <a:t>　</a:t>
+            </a:r>
+            <a:r>
+              <a:rPr kumimoji="1" lang="ja-JP" altLang="en-US" sz="2000" dirty="0" smtClean="0">
+                <a:latin typeface="メイリオ" pitchFamily="50" charset="-128"/>
+                <a:ea typeface="メイリオ" pitchFamily="50" charset="-128"/>
+                <a:cs typeface="メイリオ" pitchFamily="50" charset="-128"/>
+              </a:rPr>
               <a:t>要求分析</a:t>
             </a:r>
-            <a:endParaRPr kumimoji="1" lang="ja-JP" altLang="en-US" sz="3200" dirty="0"/>
+            <a:endParaRPr kumimoji="1" lang="ja-JP" altLang="en-US" sz="2000" dirty="0">
+              <a:latin typeface="メイリオ" pitchFamily="50" charset="-128"/>
+              <a:ea typeface="メイリオ" pitchFamily="50" charset="-128"/>
+              <a:cs typeface="メイリオ" pitchFamily="50" charset="-128"/>
+            </a:endParaRPr>
+          </a:p>
+        </p:txBody>
+      </p:sp>
+      <p:sp>
+        <p:nvSpPr>
+          <p:cNvPr id="3" name="テキスト ボックス 2"/>
+          <p:cNvSpPr txBox="1"/>
+          <p:nvPr/>
+        </p:nvSpPr>
+        <p:spPr>
+          <a:xfrm>
+            <a:off x="5320680" y="7248872"/>
+            <a:ext cx="2088232" cy="2400657"/>
+          </a:xfrm>
+          <a:prstGeom prst="rect">
+            <a:avLst/>
+          </a:prstGeom>
+          <a:noFill/>
+        </p:spPr>
+        <p:txBody>
+          <a:bodyPr wrap="square" rtlCol="0">
+            <a:spAutoFit/>
+          </a:bodyPr>
+          <a:lstStyle/>
+          <a:p>
+            <a:r>
+              <a:rPr kumimoji="1" lang="ja-JP" altLang="en-US" dirty="0" smtClean="0">
+                <a:latin typeface="メイリオ" pitchFamily="50" charset="-128"/>
+                <a:ea typeface="メイリオ" pitchFamily="50" charset="-128"/>
+                <a:cs typeface="メイリオ" pitchFamily="50" charset="-128"/>
+              </a:rPr>
+              <a:t>ユースケース記述</a:t>
+            </a:r>
+            <a:endParaRPr kumimoji="1" lang="en-US" altLang="ja-JP" dirty="0" smtClean="0">
+              <a:latin typeface="メイリオ" pitchFamily="50" charset="-128"/>
+              <a:ea typeface="メイリオ" pitchFamily="50" charset="-128"/>
+              <a:cs typeface="メイリオ" pitchFamily="50" charset="-128"/>
+            </a:endParaRPr>
+          </a:p>
+          <a:p>
+            <a:endParaRPr lang="en-US" altLang="ja-JP" dirty="0">
+              <a:latin typeface="メイリオ" pitchFamily="50" charset="-128"/>
+              <a:ea typeface="メイリオ" pitchFamily="50" charset="-128"/>
+              <a:cs typeface="メイリオ" pitchFamily="50" charset="-128"/>
+            </a:endParaRPr>
+          </a:p>
+          <a:p>
+            <a:endParaRPr kumimoji="1" lang="en-US" altLang="ja-JP" dirty="0" smtClean="0">
+              <a:latin typeface="メイリオ" pitchFamily="50" charset="-128"/>
+              <a:ea typeface="メイリオ" pitchFamily="50" charset="-128"/>
+              <a:cs typeface="メイリオ" pitchFamily="50" charset="-128"/>
+            </a:endParaRPr>
+          </a:p>
+          <a:p>
+            <a:endParaRPr lang="en-US" altLang="ja-JP" dirty="0">
+              <a:latin typeface="メイリオ" pitchFamily="50" charset="-128"/>
+              <a:ea typeface="メイリオ" pitchFamily="50" charset="-128"/>
+              <a:cs typeface="メイリオ" pitchFamily="50" charset="-128"/>
+            </a:endParaRPr>
+          </a:p>
+          <a:p>
+            <a:endParaRPr kumimoji="1" lang="ja-JP" altLang="en-US" dirty="0">
+              <a:latin typeface="メイリオ" pitchFamily="50" charset="-128"/>
+              <a:ea typeface="メイリオ" pitchFamily="50" charset="-128"/>
+              <a:cs typeface="メイリオ" pitchFamily="50" charset="-128"/>
+            </a:endParaRPr>
+          </a:p>
+        </p:txBody>
+      </p:sp>
+      <p:sp>
+        <p:nvSpPr>
+          <p:cNvPr id="10" name="テキスト ボックス 9"/>
+          <p:cNvSpPr txBox="1"/>
+          <p:nvPr/>
+        </p:nvSpPr>
+        <p:spPr>
+          <a:xfrm>
+            <a:off x="7960543" y="7104856"/>
+            <a:ext cx="2952328" cy="1446550"/>
+          </a:xfrm>
+          <a:prstGeom prst="rect">
+            <a:avLst/>
+          </a:prstGeom>
+          <a:noFill/>
+        </p:spPr>
+        <p:txBody>
+          <a:bodyPr wrap="square" rtlCol="0">
+            <a:spAutoFit/>
+          </a:bodyPr>
+          <a:lstStyle/>
+          <a:p>
+            <a:r>
+              <a:rPr lang="ja-JP" altLang="en-US" sz="1100" dirty="0" smtClean="0">
+                <a:latin typeface="メイリオ" pitchFamily="50" charset="-128"/>
+                <a:ea typeface="メイリオ" pitchFamily="50" charset="-128"/>
+                <a:cs typeface="メイリオ" pitchFamily="50" charset="-128"/>
+              </a:rPr>
+              <a:t>・高速走行を実現するためには、コースの形状に合わせた旋回量を求める必要がある　</a:t>
+            </a:r>
+            <a:r>
+              <a:rPr lang="en-US" altLang="ja-JP" sz="1100" dirty="0" smtClean="0">
+                <a:latin typeface="メイリオ" pitchFamily="50" charset="-128"/>
+                <a:ea typeface="メイリオ" pitchFamily="50" charset="-128"/>
+                <a:cs typeface="メイリオ" pitchFamily="50" charset="-128"/>
+              </a:rPr>
+              <a:t>P.5</a:t>
+            </a:r>
+            <a:r>
+              <a:rPr lang="ja-JP" altLang="en-US" sz="1100" dirty="0" smtClean="0">
+                <a:latin typeface="メイリオ" pitchFamily="50" charset="-128"/>
+                <a:ea typeface="メイリオ" pitchFamily="50" charset="-128"/>
+                <a:cs typeface="メイリオ" pitchFamily="50" charset="-128"/>
+              </a:rPr>
+              <a:t>要素技術</a:t>
+            </a:r>
+            <a:endParaRPr lang="en-US" altLang="ja-JP" sz="1100" dirty="0" smtClean="0">
+              <a:latin typeface="メイリオ" pitchFamily="50" charset="-128"/>
+              <a:ea typeface="メイリオ" pitchFamily="50" charset="-128"/>
+              <a:cs typeface="メイリオ" pitchFamily="50" charset="-128"/>
+            </a:endParaRPr>
+          </a:p>
+          <a:p>
+            <a:endParaRPr lang="en-US" altLang="ja-JP" sz="1100" dirty="0" smtClean="0">
+              <a:latin typeface="メイリオ" pitchFamily="50" charset="-128"/>
+              <a:ea typeface="メイリオ" pitchFamily="50" charset="-128"/>
+              <a:cs typeface="メイリオ" pitchFamily="50" charset="-128"/>
+            </a:endParaRPr>
+          </a:p>
+          <a:p>
+            <a:r>
+              <a:rPr kumimoji="1" lang="ja-JP" altLang="en-US" sz="1100" dirty="0" smtClean="0">
+                <a:latin typeface="メイリオ" pitchFamily="50" charset="-128"/>
+                <a:ea typeface="メイリオ" pitchFamily="50" charset="-128"/>
+                <a:cs typeface="メイリオ" pitchFamily="50" charset="-128"/>
+              </a:rPr>
+              <a:t>・</a:t>
+            </a:r>
+            <a:r>
+              <a:rPr kumimoji="1" lang="en-US" altLang="ja-JP" sz="1100" dirty="0" smtClean="0">
+                <a:latin typeface="メイリオ" pitchFamily="50" charset="-128"/>
+                <a:ea typeface="メイリオ" pitchFamily="50" charset="-128"/>
+                <a:cs typeface="メイリオ" pitchFamily="50" charset="-128"/>
+              </a:rPr>
+              <a:t>ET</a:t>
+            </a:r>
+            <a:r>
+              <a:rPr kumimoji="1" lang="ja-JP" altLang="en-US" sz="1100" dirty="0" smtClean="0">
+                <a:latin typeface="メイリオ" pitchFamily="50" charset="-128"/>
+                <a:ea typeface="メイリオ" pitchFamily="50" charset="-128"/>
+                <a:cs typeface="メイリオ" pitchFamily="50" charset="-128"/>
+              </a:rPr>
+              <a:t>ロボコンにおいて、転倒は致命的である。そのために車体の安定化を図る必要がある。車体のぶれを防ぐ工夫が必要　</a:t>
+            </a:r>
+            <a:r>
+              <a:rPr kumimoji="1" lang="en-US" altLang="ja-JP" sz="1100" dirty="0" smtClean="0">
+                <a:latin typeface="メイリオ" pitchFamily="50" charset="-128"/>
+                <a:ea typeface="メイリオ" pitchFamily="50" charset="-128"/>
+                <a:cs typeface="メイリオ" pitchFamily="50" charset="-128"/>
+              </a:rPr>
+              <a:t>P.5</a:t>
+            </a:r>
+            <a:r>
+              <a:rPr lang="ja-JP" altLang="en-US" sz="1100" dirty="0" smtClean="0">
+                <a:latin typeface="メイリオ" pitchFamily="50" charset="-128"/>
+                <a:ea typeface="メイリオ" pitchFamily="50" charset="-128"/>
+                <a:cs typeface="メイリオ" pitchFamily="50" charset="-128"/>
+              </a:rPr>
+              <a:t>要素技術</a:t>
+            </a:r>
+            <a:endParaRPr lang="en-US" altLang="ja-JP" sz="1100" dirty="0" smtClean="0">
+              <a:latin typeface="メイリオ" pitchFamily="50" charset="-128"/>
+              <a:ea typeface="メイリオ" pitchFamily="50" charset="-128"/>
+              <a:cs typeface="メイリオ" pitchFamily="50" charset="-128"/>
+            </a:endParaRPr>
           </a:p>
         </p:txBody>
       </p:sp>
       <p:pic>
         <p:nvPicPr>
-          <p:cNvPr id="1027" name="Picture 3" descr="C:\Users\HOMMA\Desktop\要求図0.jpg"/>
+          <p:cNvPr id="1026" name="Picture 2" descr="C:\Users\HOMMA\Desktop\要求図0.png"/>
           <p:cNvPicPr>
             <a:picLocks noChangeAspect="1" noChangeArrowheads="1"/>
           </p:cNvPicPr>
@@ -3643,13 +3826,24 @@
         </p:blipFill>
         <p:spPr bwMode="auto">
           <a:xfrm>
-            <a:off x="1089479" y="2784376"/>
-            <a:ext cx="11215977" cy="3734088"/>
+            <a:off x="1792288" y="2640360"/>
+            <a:ext cx="9794160" cy="3533187"/>
           </a:xfrm>
           <a:prstGeom prst="rect">
             <a:avLst/>
           </a:prstGeom>
-          <a:noFill/>
+          <a:ln w="88900" cap="sq" cmpd="thickThin">
+            <a:solidFill>
+              <a:srgbClr val="000000"/>
+            </a:solidFill>
+            <a:prstDash val="solid"/>
+            <a:miter lim="800000"/>
+          </a:ln>
+          <a:effectLst>
+            <a:innerShdw blurRad="76200">
+              <a:srgbClr val="000000"/>
+            </a:innerShdw>
+          </a:effectLst>
           <a:extLst>
             <a:ext uri="{909E8E84-426E-40DD-AFC4-6F175D3DCCD1}">
               <a14:hiddenFill xmlns:a14="http://schemas.microsoft.com/office/drawing/2010/main">
@@ -3661,43 +3855,9 @@
           </a:extLst>
         </p:spPr>
       </p:pic>
-      <p:sp>
-        <p:nvSpPr>
-          <p:cNvPr id="6" name="テキスト ボックス 5"/>
-          <p:cNvSpPr txBox="1"/>
-          <p:nvPr/>
-        </p:nvSpPr>
-        <p:spPr>
-          <a:xfrm>
-            <a:off x="5823520" y="1920280"/>
-            <a:ext cx="5518224" cy="400110"/>
-          </a:xfrm>
-          <a:prstGeom prst="rect">
-            <a:avLst/>
-          </a:prstGeom>
-          <a:noFill/>
-        </p:spPr>
-        <p:txBody>
-          <a:bodyPr wrap="square" rtlCol="0">
-            <a:spAutoFit/>
-          </a:bodyPr>
-          <a:lstStyle/>
-          <a:p>
-            <a:r>
-              <a:rPr kumimoji="1" lang="ja-JP" altLang="en-US" sz="2000" b="1" dirty="0" smtClean="0"/>
-              <a:t>この目標を実現するために要求され</a:t>
-            </a:r>
-            <a:r>
-              <a:rPr lang="ja-JP" altLang="en-US" sz="2000" b="1" dirty="0" smtClean="0"/>
-              <a:t>ることを抽出</a:t>
-            </a:r>
-            <a:endParaRPr kumimoji="1" lang="ja-JP" altLang="en-US" sz="2000" b="1" dirty="0"/>
-          </a:p>
-        </p:txBody>
-      </p:sp>
       <p:pic>
         <p:nvPicPr>
-          <p:cNvPr id="1029" name="Picture 5" descr="C:\Users\HOMMA\Desktop\ユースケース図.jpg"/>
+          <p:cNvPr id="5" name="Picture 3" descr="C:\Users\HOMMA\Desktop\ユースケース図.png"/>
           <p:cNvPicPr>
             <a:picLocks noChangeAspect="1" noChangeArrowheads="1"/>
           </p:cNvPicPr>
@@ -3718,8 +3878,404 @@
         </p:blipFill>
         <p:spPr bwMode="auto">
           <a:xfrm>
-            <a:off x="1576264" y="6518464"/>
-            <a:ext cx="4095750" cy="2657475"/>
+            <a:off x="1011344" y="7392888"/>
+            <a:ext cx="3794269" cy="1961034"/>
+          </a:xfrm>
+          <a:prstGeom prst="rect">
+            <a:avLst/>
+          </a:prstGeom>
+          <a:ln w="88900" cap="sq" cmpd="thickThin">
+            <a:solidFill>
+              <a:srgbClr val="000000"/>
+            </a:solidFill>
+            <a:prstDash val="solid"/>
+            <a:miter lim="800000"/>
+          </a:ln>
+          <a:effectLst>
+            <a:innerShdw blurRad="76200">
+              <a:srgbClr val="000000"/>
+            </a:innerShdw>
+          </a:effectLst>
+          <a:extLst>
+            <a:ext uri="{909E8E84-426E-40DD-AFC4-6F175D3DCCD1}">
+              <a14:hiddenFill xmlns:a14="http://schemas.microsoft.com/office/drawing/2010/main">
+                <a:solidFill>
+                  <a:srgbClr val="FFFFFF"/>
+                </a:solidFill>
+              </a14:hiddenFill>
+            </a:ext>
+          </a:extLst>
+        </p:spPr>
+      </p:pic>
+      <p:sp>
+        <p:nvSpPr>
+          <p:cNvPr id="7" name="角丸四角形吹き出し 6"/>
+          <p:cNvSpPr/>
+          <p:nvPr/>
+        </p:nvSpPr>
+        <p:spPr>
+          <a:xfrm>
+            <a:off x="8896647" y="2280320"/>
+            <a:ext cx="2016224" cy="1079656"/>
+          </a:xfrm>
+          <a:prstGeom prst="wedgeRoundRectCallout">
+            <a:avLst/>
+          </a:prstGeom>
+        </p:spPr>
+        <p:style>
+          <a:lnRef idx="2">
+            <a:schemeClr val="accent6">
+              <a:shade val="50000"/>
+            </a:schemeClr>
+          </a:lnRef>
+          <a:fillRef idx="1">
+            <a:schemeClr val="accent6"/>
+          </a:fillRef>
+          <a:effectRef idx="0">
+            <a:schemeClr val="accent6"/>
+          </a:effectRef>
+          <a:fontRef idx="minor">
+            <a:schemeClr val="lt1"/>
+          </a:fontRef>
+        </p:style>
+        <p:txBody>
+          <a:bodyPr vert="horz" rtlCol="0" anchor="ctr"/>
+          <a:lstStyle/>
+          <a:p>
+            <a:r>
+              <a:rPr lang="ja-JP" altLang="en-US" sz="1050" b="1" dirty="0">
+                <a:latin typeface="メイリオ" pitchFamily="50" charset="-128"/>
+                <a:ea typeface="メイリオ" pitchFamily="50" charset="-128"/>
+                <a:cs typeface="メイリオ" pitchFamily="50" charset="-128"/>
+              </a:rPr>
+              <a:t>この目標を実現するために要求されることを</a:t>
+            </a:r>
+            <a:r>
+              <a:rPr lang="en-US" altLang="ja-JP" sz="1050" b="1" dirty="0" err="1">
+                <a:latin typeface="メイリオ" pitchFamily="50" charset="-128"/>
+                <a:ea typeface="メイリオ" pitchFamily="50" charset="-128"/>
+                <a:cs typeface="メイリオ" pitchFamily="50" charset="-128"/>
+              </a:rPr>
+              <a:t>SysML</a:t>
+            </a:r>
+            <a:r>
+              <a:rPr lang="ja-JP" altLang="en-US" sz="1050" b="1" dirty="0">
+                <a:latin typeface="メイリオ" pitchFamily="50" charset="-128"/>
+                <a:ea typeface="メイリオ" pitchFamily="50" charset="-128"/>
+                <a:cs typeface="メイリオ" pitchFamily="50" charset="-128"/>
+              </a:rPr>
+              <a:t>の要求図を使って抽出</a:t>
+            </a:r>
+            <a:endParaRPr lang="ja-JP" altLang="en-US" sz="1050" b="1" dirty="0">
+              <a:latin typeface="メイリオ" pitchFamily="50" charset="-128"/>
+              <a:ea typeface="メイリオ" pitchFamily="50" charset="-128"/>
+              <a:cs typeface="メイリオ" pitchFamily="50" charset="-128"/>
+            </a:endParaRPr>
+          </a:p>
+        </p:txBody>
+      </p:sp>
+      <p:sp>
+        <p:nvSpPr>
+          <p:cNvPr id="12" name="角丸四角形吹き出し 11"/>
+          <p:cNvSpPr/>
+          <p:nvPr/>
+        </p:nvSpPr>
+        <p:spPr>
+          <a:xfrm>
+            <a:off x="1576264" y="6384776"/>
+            <a:ext cx="2016224" cy="1079656"/>
+          </a:xfrm>
+          <a:prstGeom prst="wedgeRoundRectCallout">
+            <a:avLst/>
+          </a:prstGeom>
+        </p:spPr>
+        <p:style>
+          <a:lnRef idx="2">
+            <a:schemeClr val="accent6">
+              <a:shade val="50000"/>
+            </a:schemeClr>
+          </a:lnRef>
+          <a:fillRef idx="1">
+            <a:schemeClr val="accent6"/>
+          </a:fillRef>
+          <a:effectRef idx="0">
+            <a:schemeClr val="accent6"/>
+          </a:effectRef>
+          <a:fontRef idx="minor">
+            <a:schemeClr val="lt1"/>
+          </a:fontRef>
+        </p:style>
+        <p:txBody>
+          <a:bodyPr vert="horz" rtlCol="0" anchor="ctr"/>
+          <a:lstStyle/>
+          <a:p>
+            <a:r>
+              <a:rPr lang="ja-JP" altLang="en-US" sz="1050" b="1" dirty="0" smtClean="0">
+                <a:latin typeface="メイリオ" pitchFamily="50" charset="-128"/>
+                <a:ea typeface="メイリオ" pitchFamily="50" charset="-128"/>
+                <a:cs typeface="メイリオ" pitchFamily="50" charset="-128"/>
+              </a:rPr>
+              <a:t>要求図から抽出された機能要件</a:t>
+            </a:r>
+            <a:endParaRPr lang="ja-JP" altLang="en-US" sz="1050" b="1" dirty="0">
+              <a:latin typeface="メイリオ" pitchFamily="50" charset="-128"/>
+              <a:ea typeface="メイリオ" pitchFamily="50" charset="-128"/>
+              <a:cs typeface="メイリオ" pitchFamily="50" charset="-128"/>
+            </a:endParaRPr>
+          </a:p>
+        </p:txBody>
+      </p:sp>
+      <p:sp>
+        <p:nvSpPr>
+          <p:cNvPr id="13" name="角丸四角形吹き出し 12"/>
+          <p:cNvSpPr/>
+          <p:nvPr/>
+        </p:nvSpPr>
+        <p:spPr>
+          <a:xfrm>
+            <a:off x="7264896" y="6439130"/>
+            <a:ext cx="1440160" cy="539828"/>
+          </a:xfrm>
+          <a:prstGeom prst="wedgeRoundRectCallout">
+            <a:avLst/>
+          </a:prstGeom>
+        </p:spPr>
+        <p:style>
+          <a:lnRef idx="2">
+            <a:schemeClr val="accent6">
+              <a:shade val="50000"/>
+            </a:schemeClr>
+          </a:lnRef>
+          <a:fillRef idx="1">
+            <a:schemeClr val="accent6"/>
+          </a:fillRef>
+          <a:effectRef idx="0">
+            <a:schemeClr val="accent6"/>
+          </a:effectRef>
+          <a:fontRef idx="minor">
+            <a:schemeClr val="lt1"/>
+          </a:fontRef>
+        </p:style>
+        <p:txBody>
+          <a:bodyPr vert="horz" rtlCol="0" anchor="ctr"/>
+          <a:lstStyle/>
+          <a:p>
+            <a:r>
+              <a:rPr lang="ja-JP" altLang="en-US" sz="1050" b="1" dirty="0">
+                <a:latin typeface="メイリオ" pitchFamily="50" charset="-128"/>
+                <a:ea typeface="メイリオ" pitchFamily="50" charset="-128"/>
+                <a:cs typeface="メイリオ" pitchFamily="50" charset="-128"/>
+              </a:rPr>
+              <a:t>非機能</a:t>
+            </a:r>
+            <a:r>
+              <a:rPr lang="ja-JP" altLang="en-US" sz="1050" b="1" dirty="0" smtClean="0">
+                <a:latin typeface="メイリオ" pitchFamily="50" charset="-128"/>
+                <a:ea typeface="メイリオ" pitchFamily="50" charset="-128"/>
+                <a:cs typeface="メイリオ" pitchFamily="50" charset="-128"/>
+              </a:rPr>
+              <a:t>要件の抽出</a:t>
+            </a:r>
+            <a:endParaRPr lang="ja-JP" altLang="en-US" sz="1050" b="1" dirty="0">
+              <a:latin typeface="メイリオ" pitchFamily="50" charset="-128"/>
+              <a:ea typeface="メイリオ" pitchFamily="50" charset="-128"/>
+              <a:cs typeface="メイリオ" pitchFamily="50" charset="-128"/>
+            </a:endParaRPr>
+          </a:p>
+        </p:txBody>
+      </p:sp>
+      <p:sp>
+        <p:nvSpPr>
+          <p:cNvPr id="14" name="テキスト ボックス 13"/>
+          <p:cNvSpPr txBox="1"/>
+          <p:nvPr/>
+        </p:nvSpPr>
+        <p:spPr>
+          <a:xfrm>
+            <a:off x="8705056" y="6602541"/>
+            <a:ext cx="3240360" cy="1292662"/>
+          </a:xfrm>
+          <a:prstGeom prst="rect">
+            <a:avLst/>
+          </a:prstGeom>
+          <a:noFill/>
+        </p:spPr>
+        <p:txBody>
+          <a:bodyPr wrap="square" rtlCol="0">
+            <a:spAutoFit/>
+          </a:bodyPr>
+          <a:lstStyle/>
+          <a:p>
+            <a:r>
+              <a:rPr lang="ja-JP" altLang="en-US" sz="1400" dirty="0" smtClean="0">
+                <a:latin typeface="メイリオ" pitchFamily="50" charset="-128"/>
+                <a:ea typeface="メイリオ" pitchFamily="50" charset="-128"/>
+                <a:cs typeface="メイリオ" pitchFamily="50" charset="-128"/>
+              </a:rPr>
+              <a:t>要求図から非機能要件として安全性や、性能面で重要と考えられることを抽出</a:t>
+            </a:r>
+            <a:endParaRPr kumimoji="1" lang="en-US" altLang="ja-JP" dirty="0" smtClean="0">
+              <a:latin typeface="メイリオ" pitchFamily="50" charset="-128"/>
+              <a:ea typeface="メイリオ" pitchFamily="50" charset="-128"/>
+              <a:cs typeface="メイリオ" pitchFamily="50" charset="-128"/>
+            </a:endParaRPr>
+          </a:p>
+          <a:p>
+            <a:endParaRPr lang="en-US" altLang="ja-JP" dirty="0">
+              <a:latin typeface="メイリオ" pitchFamily="50" charset="-128"/>
+              <a:ea typeface="メイリオ" pitchFamily="50" charset="-128"/>
+              <a:cs typeface="メイリオ" pitchFamily="50" charset="-128"/>
+            </a:endParaRPr>
+          </a:p>
+          <a:p>
+            <a:endParaRPr kumimoji="1" lang="ja-JP" altLang="en-US" dirty="0">
+              <a:latin typeface="メイリオ" pitchFamily="50" charset="-128"/>
+              <a:ea typeface="メイリオ" pitchFamily="50" charset="-128"/>
+              <a:cs typeface="メイリオ" pitchFamily="50" charset="-128"/>
+            </a:endParaRPr>
+          </a:p>
+        </p:txBody>
+      </p:sp>
+      <p:sp>
+        <p:nvSpPr>
+          <p:cNvPr id="8" name="右矢印 7"/>
+          <p:cNvSpPr/>
+          <p:nvPr/>
+        </p:nvSpPr>
+        <p:spPr>
+          <a:xfrm rot="5400000">
+            <a:off x="6796844" y="1524236"/>
+            <a:ext cx="936104" cy="720080"/>
+          </a:xfrm>
+          <a:prstGeom prst="rightArrow">
+            <a:avLst/>
+          </a:prstGeom>
+        </p:spPr>
+        <p:style>
+          <a:lnRef idx="2">
+            <a:schemeClr val="accent6">
+              <a:shade val="50000"/>
+            </a:schemeClr>
+          </a:lnRef>
+          <a:fillRef idx="1">
+            <a:schemeClr val="accent6"/>
+          </a:fillRef>
+          <a:effectRef idx="0">
+            <a:schemeClr val="accent6"/>
+          </a:effectRef>
+          <a:fontRef idx="minor">
+            <a:schemeClr val="lt1"/>
+          </a:fontRef>
+        </p:style>
+        <p:txBody>
+          <a:bodyPr rtlCol="0" anchor="ctr"/>
+          <a:lstStyle/>
+          <a:p>
+            <a:pPr algn="ctr"/>
+            <a:endParaRPr kumimoji="1" lang="ja-JP" altLang="en-US"/>
+          </a:p>
+        </p:txBody>
+      </p:sp>
+      <p:sp>
+        <p:nvSpPr>
+          <p:cNvPr id="16" name="テキスト ボックス 15"/>
+          <p:cNvSpPr txBox="1"/>
+          <p:nvPr/>
+        </p:nvSpPr>
+        <p:spPr>
+          <a:xfrm>
+            <a:off x="6148772" y="918265"/>
+            <a:ext cx="3672408" cy="707886"/>
+          </a:xfrm>
+          <a:prstGeom prst="rect">
+            <a:avLst/>
+          </a:prstGeom>
+          <a:noFill/>
+        </p:spPr>
+        <p:txBody>
+          <a:bodyPr wrap="square" rtlCol="0">
+            <a:spAutoFit/>
+          </a:bodyPr>
+          <a:lstStyle/>
+          <a:p>
+            <a:r>
+              <a:rPr lang="ja-JP" altLang="en-US" sz="2400" dirty="0" smtClean="0">
+                <a:latin typeface="メイリオ" pitchFamily="50" charset="-128"/>
+                <a:ea typeface="メイリオ" pitchFamily="50" charset="-128"/>
+                <a:cs typeface="メイリオ" pitchFamily="50" charset="-128"/>
+              </a:rPr>
+              <a:t>目標を詳細に分析</a:t>
+            </a:r>
+            <a:endParaRPr lang="en-US" altLang="ja-JP" sz="1600" dirty="0" smtClean="0">
+              <a:latin typeface="メイリオ" pitchFamily="50" charset="-128"/>
+              <a:ea typeface="メイリオ" pitchFamily="50" charset="-128"/>
+              <a:cs typeface="メイリオ" pitchFamily="50" charset="-128"/>
+            </a:endParaRPr>
+          </a:p>
+          <a:p>
+            <a:endParaRPr lang="en-US" altLang="ja-JP" sz="1600" dirty="0" smtClean="0">
+              <a:latin typeface="メイリオ" pitchFamily="50" charset="-128"/>
+              <a:ea typeface="メイリオ" pitchFamily="50" charset="-128"/>
+              <a:cs typeface="メイリオ" pitchFamily="50" charset="-128"/>
+            </a:endParaRPr>
+          </a:p>
+        </p:txBody>
+      </p:sp>
+    </p:spTree>
+    <p:extLst>
+      <p:ext uri="{BB962C8B-B14F-4D97-AF65-F5344CB8AC3E}">
+        <p14:creationId xmlns:p14="http://schemas.microsoft.com/office/powerpoint/2010/main" val="4144289442"/>
+      </p:ext>
+    </p:extLst>
+  </p:cSld>
+  <p:clrMapOvr>
+    <a:masterClrMapping/>
+  </p:clrMapOvr>
+</p:sld>
+</file>
+
+<file path=ppt/slides/slide3.xml><?xml version="1.0" encoding="utf-8"?>
+<p:sld xmlns:a="http://schemas.openxmlformats.org/drawingml/2006/main" xmlns:r="http://schemas.openxmlformats.org/officeDocument/2006/relationships" xmlns:p="http://schemas.openxmlformats.org/presentationml/2006/main">
+  <p:cSld>
+    <p:spTree>
+      <p:nvGrpSpPr>
+        <p:cNvPr id="1" name=""/>
+        <p:cNvGrpSpPr/>
+        <p:nvPr/>
+      </p:nvGrpSpPr>
+      <p:grpSpPr>
+        <a:xfrm>
+          <a:off x="0" y="0"/>
+          <a:ext cx="0" cy="0"/>
+          <a:chOff x="0" y="0"/>
+          <a:chExt cx="0" cy="0"/>
+        </a:xfrm>
+      </p:grpSpPr>
+      <p:pic>
+        <p:nvPicPr>
+          <p:cNvPr id="2050" name="Picture 2" descr="C:\Users\HOMMA\Desktop\クラス図4.png"/>
+          <p:cNvPicPr>
+            <a:picLocks noChangeAspect="1" noChangeArrowheads="1"/>
+          </p:cNvPicPr>
+          <p:nvPr/>
+        </p:nvPicPr>
+        <p:blipFill>
+          <a:blip r:embed="rId2" cstate="print">
+            <a:extLst>
+              <a:ext uri="{28A0092B-C50C-407E-A947-70E740481C1C}">
+                <a14:useLocalDpi xmlns:a14="http://schemas.microsoft.com/office/drawing/2010/main" val="0"/>
+              </a:ext>
+            </a:extLst>
+          </a:blip>
+          <a:srcRect/>
+          <a:stretch>
+            <a:fillRect/>
+          </a:stretch>
+        </p:blipFill>
+        <p:spPr bwMode="auto">
+          <a:xfrm>
+            <a:off x="928192" y="1344216"/>
+            <a:ext cx="10532407" cy="6424768"/>
           </a:xfrm>
           <a:prstGeom prst="rect">
             <a:avLst/>
@@ -3736,94 +4292,10 @@
           </a:extLst>
         </p:spPr>
       </p:pic>
-      <p:sp>
-        <p:nvSpPr>
-          <p:cNvPr id="3" name="テキスト ボックス 2"/>
-          <p:cNvSpPr txBox="1"/>
-          <p:nvPr/>
-        </p:nvSpPr>
-        <p:spPr>
-          <a:xfrm>
-            <a:off x="5823520" y="6744816"/>
-            <a:ext cx="3240360" cy="2015936"/>
-          </a:xfrm>
-          <a:prstGeom prst="rect">
-            <a:avLst/>
-          </a:prstGeom>
-          <a:noFill/>
-        </p:spPr>
-        <p:txBody>
-          <a:bodyPr wrap="square" rtlCol="0">
-            <a:spAutoFit/>
-          </a:bodyPr>
-          <a:lstStyle/>
-          <a:p>
-            <a:r>
-              <a:rPr kumimoji="1" lang="ja-JP" altLang="en-US" dirty="0" smtClean="0"/>
-              <a:t>ユースケース記述</a:t>
-            </a:r>
-            <a:endParaRPr kumimoji="1" lang="en-US" altLang="ja-JP" dirty="0" smtClean="0"/>
-          </a:p>
-          <a:p>
-            <a:endParaRPr lang="en-US" altLang="ja-JP" dirty="0"/>
-          </a:p>
-          <a:p>
-            <a:endParaRPr kumimoji="1" lang="en-US" altLang="ja-JP" dirty="0" smtClean="0"/>
-          </a:p>
-          <a:p>
-            <a:endParaRPr lang="en-US" altLang="ja-JP" dirty="0"/>
-          </a:p>
-          <a:p>
-            <a:endParaRPr kumimoji="1" lang="ja-JP" altLang="en-US" dirty="0"/>
-          </a:p>
-        </p:txBody>
-      </p:sp>
-      <p:sp>
-        <p:nvSpPr>
-          <p:cNvPr id="10" name="テキスト ボックス 9"/>
-          <p:cNvSpPr txBox="1"/>
-          <p:nvPr/>
-        </p:nvSpPr>
-        <p:spPr>
-          <a:xfrm>
-            <a:off x="9353128" y="6744816"/>
-            <a:ext cx="3240360" cy="2015936"/>
-          </a:xfrm>
-          <a:prstGeom prst="rect">
-            <a:avLst/>
-          </a:prstGeom>
-          <a:noFill/>
-        </p:spPr>
-        <p:txBody>
-          <a:bodyPr wrap="square" rtlCol="0">
-            <a:spAutoFit/>
-          </a:bodyPr>
-          <a:lstStyle/>
-          <a:p>
-            <a:r>
-              <a:rPr lang="ja-JP" altLang="en-US" dirty="0" smtClean="0"/>
-              <a:t>非機能要件の検討</a:t>
-            </a:r>
-            <a:endParaRPr kumimoji="1" lang="en-US" altLang="ja-JP" dirty="0" smtClean="0"/>
-          </a:p>
-          <a:p>
-            <a:endParaRPr lang="en-US" altLang="ja-JP" dirty="0"/>
-          </a:p>
-          <a:p>
-            <a:endParaRPr kumimoji="1" lang="en-US" altLang="ja-JP" dirty="0" smtClean="0"/>
-          </a:p>
-          <a:p>
-            <a:endParaRPr lang="en-US" altLang="ja-JP" dirty="0"/>
-          </a:p>
-          <a:p>
-            <a:endParaRPr kumimoji="1" lang="ja-JP" altLang="en-US" dirty="0"/>
-          </a:p>
-        </p:txBody>
-      </p:sp>
     </p:spTree>
     <p:extLst>
       <p:ext uri="{BB962C8B-B14F-4D97-AF65-F5344CB8AC3E}">
-        <p14:creationId xmlns:p14="http://schemas.microsoft.com/office/powerpoint/2010/main" val="4144289442"/>
+        <p14:creationId xmlns:p14="http://schemas.microsoft.com/office/powerpoint/2010/main" val="2897553396"/>
       </p:ext>
     </p:extLst>
   </p:cSld>

--- a/models/モデルシートver0.pptx
+++ b/models/モデルシートver0.pptx
@@ -8,6 +8,7 @@
     <p:sldId id="256" r:id="rId2"/>
     <p:sldId id="257" r:id="rId3"/>
     <p:sldId id="258" r:id="rId4"/>
+    <p:sldId id="259" r:id="rId5"/>
   </p:sldIdLst>
   <p:sldSz cx="12801600" cy="9601200" type="A3"/>
   <p:notesSz cx="6797675" cy="9872663"/>
@@ -290,7 +291,7 @@
           <a:p>
             <a:fld id="{C474B4CA-5347-4033-9CF6-D10F59E92A5D}" type="datetimeFigureOut">
               <a:rPr kumimoji="1" lang="ja-JP" altLang="en-US" smtClean="0"/>
-              <a:t>2012/9/5</a:t>
+              <a:t>2012/9/6</a:t>
             </a:fld>
             <a:endParaRPr kumimoji="1" lang="ja-JP" altLang="en-US"/>
           </a:p>
@@ -492,7 +493,7 @@
           <a:p>
             <a:fld id="{C474B4CA-5347-4033-9CF6-D10F59E92A5D}" type="datetimeFigureOut">
               <a:rPr kumimoji="1" lang="ja-JP" altLang="en-US" smtClean="0"/>
-              <a:t>2012/9/5</a:t>
+              <a:t>2012/9/6</a:t>
             </a:fld>
             <a:endParaRPr kumimoji="1" lang="ja-JP" altLang="en-US"/>
           </a:p>
@@ -704,7 +705,7 @@
           <a:p>
             <a:fld id="{C474B4CA-5347-4033-9CF6-D10F59E92A5D}" type="datetimeFigureOut">
               <a:rPr kumimoji="1" lang="ja-JP" altLang="en-US" smtClean="0"/>
-              <a:t>2012/9/5</a:t>
+              <a:t>2012/9/6</a:t>
             </a:fld>
             <a:endParaRPr kumimoji="1" lang="ja-JP" altLang="en-US"/>
           </a:p>
@@ -906,7 +907,7 @@
           <a:p>
             <a:fld id="{C474B4CA-5347-4033-9CF6-D10F59E92A5D}" type="datetimeFigureOut">
               <a:rPr kumimoji="1" lang="ja-JP" altLang="en-US" smtClean="0"/>
-              <a:t>2012/9/5</a:t>
+              <a:t>2012/9/6</a:t>
             </a:fld>
             <a:endParaRPr kumimoji="1" lang="ja-JP" altLang="en-US"/>
           </a:p>
@@ -1152,7 +1153,7 @@
           <a:p>
             <a:fld id="{C474B4CA-5347-4033-9CF6-D10F59E92A5D}" type="datetimeFigureOut">
               <a:rPr kumimoji="1" lang="ja-JP" altLang="en-US" smtClean="0"/>
-              <a:t>2012/9/5</a:t>
+              <a:t>2012/9/6</a:t>
             </a:fld>
             <a:endParaRPr kumimoji="1" lang="ja-JP" altLang="en-US"/>
           </a:p>
@@ -1504,7 +1505,7 @@
           <a:p>
             <a:fld id="{C474B4CA-5347-4033-9CF6-D10F59E92A5D}" type="datetimeFigureOut">
               <a:rPr kumimoji="1" lang="ja-JP" altLang="en-US" smtClean="0"/>
-              <a:t>2012/9/5</a:t>
+              <a:t>2012/9/6</a:t>
             </a:fld>
             <a:endParaRPr kumimoji="1" lang="ja-JP" altLang="en-US"/>
           </a:p>
@@ -1990,7 +1991,7 @@
           <a:p>
             <a:fld id="{C474B4CA-5347-4033-9CF6-D10F59E92A5D}" type="datetimeFigureOut">
               <a:rPr kumimoji="1" lang="ja-JP" altLang="en-US" smtClean="0"/>
-              <a:t>2012/9/5</a:t>
+              <a:t>2012/9/6</a:t>
             </a:fld>
             <a:endParaRPr kumimoji="1" lang="ja-JP" altLang="en-US"/>
           </a:p>
@@ -2108,7 +2109,7 @@
           <a:p>
             <a:fld id="{C474B4CA-5347-4033-9CF6-D10F59E92A5D}" type="datetimeFigureOut">
               <a:rPr kumimoji="1" lang="ja-JP" altLang="en-US" smtClean="0"/>
-              <a:t>2012/9/5</a:t>
+              <a:t>2012/9/6</a:t>
             </a:fld>
             <a:endParaRPr kumimoji="1" lang="ja-JP" altLang="en-US"/>
           </a:p>
@@ -2203,7 +2204,7 @@
           <a:p>
             <a:fld id="{C474B4CA-5347-4033-9CF6-D10F59E92A5D}" type="datetimeFigureOut">
               <a:rPr kumimoji="1" lang="ja-JP" altLang="en-US" smtClean="0"/>
-              <a:t>2012/9/5</a:t>
+              <a:t>2012/9/6</a:t>
             </a:fld>
             <a:endParaRPr kumimoji="1" lang="ja-JP" altLang="en-US"/>
           </a:p>
@@ -2512,7 +2513,7 @@
           <a:p>
             <a:fld id="{C474B4CA-5347-4033-9CF6-D10F59E92A5D}" type="datetimeFigureOut">
               <a:rPr kumimoji="1" lang="ja-JP" altLang="en-US" smtClean="0"/>
-              <a:t>2012/9/5</a:t>
+              <a:t>2012/9/6</a:t>
             </a:fld>
             <a:endParaRPr kumimoji="1" lang="ja-JP" altLang="en-US"/>
           </a:p>
@@ -2765,7 +2766,7 @@
           <a:p>
             <a:fld id="{C474B4CA-5347-4033-9CF6-D10F59E92A5D}" type="datetimeFigureOut">
               <a:rPr kumimoji="1" lang="ja-JP" altLang="en-US" smtClean="0"/>
-              <a:t>2012/9/5</a:t>
+              <a:t>2012/9/6</a:t>
             </a:fld>
             <a:endParaRPr kumimoji="1" lang="ja-JP" altLang="en-US"/>
           </a:p>
@@ -3010,7 +3011,7 @@
           <a:p>
             <a:fld id="{C474B4CA-5347-4033-9CF6-D10F59E92A5D}" type="datetimeFigureOut">
               <a:rPr kumimoji="1" lang="ja-JP" altLang="en-US" smtClean="0"/>
-              <a:t>2012/9/5</a:t>
+              <a:t>2012/9/6</a:t>
             </a:fld>
             <a:endParaRPr kumimoji="1" lang="ja-JP" altLang="en-US"/>
           </a:p>
@@ -3461,7 +3462,7 @@
         </p:nvSpPr>
         <p:spPr>
           <a:xfrm>
-            <a:off x="1459320" y="1019804"/>
+            <a:off x="1459320" y="653667"/>
             <a:ext cx="3672408" cy="1446550"/>
           </a:xfrm>
           <a:prstGeom prst="rect">
@@ -3583,7 +3584,7 @@
         </p:nvSpPr>
         <p:spPr>
           <a:xfrm>
-            <a:off x="435492" y="1126513"/>
+            <a:off x="435492" y="760376"/>
             <a:ext cx="677108" cy="1945895"/>
           </a:xfrm>
           <a:prstGeom prst="rect">
@@ -3637,7 +3638,7 @@
         </p:nvSpPr>
         <p:spPr>
           <a:xfrm>
-            <a:off x="5320680" y="7248872"/>
+            <a:off x="14440088" y="6548018"/>
             <a:ext cx="2088232" cy="2400657"/>
           </a:xfrm>
           <a:prstGeom prst="rect">
@@ -3703,7 +3704,7 @@
         </p:nvSpPr>
         <p:spPr>
           <a:xfrm>
-            <a:off x="7960543" y="7104856"/>
+            <a:off x="8634120" y="7171928"/>
             <a:ext cx="2952328" cy="1446550"/>
           </a:xfrm>
           <a:prstGeom prst="rect">
@@ -3826,7 +3827,7 @@
         </p:blipFill>
         <p:spPr bwMode="auto">
           <a:xfrm>
-            <a:off x="1792288" y="2640360"/>
+            <a:off x="1792288" y="2128941"/>
             <a:ext cx="9794160" cy="3533187"/>
           </a:xfrm>
           <a:prstGeom prst="rect">
@@ -3864,7 +3865,7 @@
           <p:nvPr/>
         </p:nvPicPr>
         <p:blipFill>
-          <a:blip r:embed="rId3">
+          <a:blip r:embed="rId3" cstate="print">
             <a:extLst>
               <a:ext uri="{28A0092B-C50C-407E-A947-70E740481C1C}">
                 <a14:useLocalDpi xmlns:a14="http://schemas.microsoft.com/office/drawing/2010/main" val="0"/>
@@ -3878,8 +3879,8 @@
         </p:blipFill>
         <p:spPr bwMode="auto">
           <a:xfrm>
-            <a:off x="1011344" y="7392888"/>
-            <a:ext cx="3794269" cy="1961034"/>
+            <a:off x="9926270" y="6291781"/>
+            <a:ext cx="3492633" cy="1805136"/>
           </a:xfrm>
           <a:prstGeom prst="rect">
             <a:avLst/>
@@ -3915,7 +3916,7 @@
         </p:nvSpPr>
         <p:spPr>
           <a:xfrm>
-            <a:off x="8896647" y="2280320"/>
+            <a:off x="8896647" y="1914183"/>
             <a:ext cx="2016224" cy="1079656"/>
           </a:xfrm>
           <a:prstGeom prst="wedgeRoundRectCallout">
@@ -3966,11 +3967,6 @@
               </a:rPr>
               <a:t>の要求図を使って抽出</a:t>
             </a:r>
-            <a:endParaRPr lang="ja-JP" altLang="en-US" sz="1050" b="1" dirty="0">
-              <a:latin typeface="メイリオ" pitchFamily="50" charset="-128"/>
-              <a:ea typeface="メイリオ" pitchFamily="50" charset="-128"/>
-              <a:cs typeface="メイリオ" pitchFamily="50" charset="-128"/>
-            </a:endParaRPr>
           </a:p>
         </p:txBody>
       </p:sp>
@@ -3982,8 +3978,8 @@
         </p:nvSpPr>
         <p:spPr>
           <a:xfrm>
-            <a:off x="1576264" y="6384776"/>
-            <a:ext cx="2016224" cy="1079656"/>
+            <a:off x="9893454" y="5088468"/>
+            <a:ext cx="2016224" cy="618907"/>
           </a:xfrm>
           <a:prstGeom prst="wedgeRoundRectCallout">
             <a:avLst/>
@@ -4033,7 +4029,7 @@
         </p:nvSpPr>
         <p:spPr>
           <a:xfrm>
-            <a:off x="7264896" y="6439130"/>
+            <a:off x="7977708" y="6332627"/>
             <a:ext cx="1440160" cy="539828"/>
           </a:xfrm>
           <a:prstGeom prst="wedgeRoundRectCallout">
@@ -4144,7 +4140,7 @@
         </p:nvSpPr>
         <p:spPr>
           <a:xfrm rot="5400000">
-            <a:off x="6796844" y="1524236"/>
+            <a:off x="6796844" y="1158099"/>
             <a:ext cx="936104" cy="720080"/>
           </a:xfrm>
           <a:prstGeom prst="rightArrow">
@@ -4184,7 +4180,7 @@
         </p:nvSpPr>
         <p:spPr>
           <a:xfrm>
-            <a:off x="6148772" y="918265"/>
+            <a:off x="6148772" y="552128"/>
             <a:ext cx="3672408" cy="707886"/>
           </a:xfrm>
           <a:prstGeom prst="rect">
@@ -4218,6 +4214,641 @@
               <a:ea typeface="メイリオ" pitchFamily="50" charset="-128"/>
               <a:cs typeface="メイリオ" pitchFamily="50" charset="-128"/>
             </a:endParaRPr>
+          </a:p>
+        </p:txBody>
+      </p:sp>
+      <p:graphicFrame>
+        <p:nvGraphicFramePr>
+          <p:cNvPr id="6" name="表 5"/>
+          <p:cNvGraphicFramePr>
+            <a:graphicFrameLocks noGrp="1"/>
+          </p:cNvGraphicFramePr>
+          <p:nvPr>
+            <p:extLst>
+              <p:ext uri="{D42A27DB-BD31-4B8C-83A1-F6EECF244321}">
+                <p14:modId xmlns:p14="http://schemas.microsoft.com/office/powerpoint/2010/main" val="3605374333"/>
+              </p:ext>
+            </p:extLst>
+          </p:nvPr>
+        </p:nvGraphicFramePr>
+        <p:xfrm>
+          <a:off x="13864024" y="5679001"/>
+          <a:ext cx="2412268" cy="3760584"/>
+        </p:xfrm>
+        <a:graphic>
+          <a:graphicData uri="http://schemas.openxmlformats.org/drawingml/2006/table">
+            <a:tbl>
+              <a:tblPr>
+                <a:tableStyleId>{5C22544A-7EE6-4342-B048-85BDC9FD1C3A}</a:tableStyleId>
+              </a:tblPr>
+              <a:tblGrid>
+                <a:gridCol w="405822"/>
+                <a:gridCol w="107959"/>
+                <a:gridCol w="1898487"/>
+              </a:tblGrid>
+              <a:tr h="614018">
+                <a:tc gridSpan="3">
+                  <a:txBody>
+                    <a:bodyPr/>
+                    <a:lstStyle/>
+                    <a:p>
+                      <a:pPr indent="133350" algn="ctr">
+                        <a:spcAft>
+                          <a:spcPts val="0"/>
+                        </a:spcAft>
+                      </a:pPr>
+                      <a:r>
+                        <a:rPr lang="ja-JP" sz="1200" kern="100" dirty="0">
+                          <a:effectLst/>
+                        </a:rPr>
+                        <a:t>ユースケース記述</a:t>
+                      </a:r>
+                      <a:endParaRPr lang="ja-JP" sz="1200" kern="100" dirty="0">
+                        <a:effectLst/>
+                        <a:latin typeface="Century"/>
+                        <a:ea typeface="ＭＳ 明朝"/>
+                        <a:cs typeface="Times New Roman"/>
+                      </a:endParaRPr>
+                    </a:p>
+                  </a:txBody>
+                  <a:tcPr marL="62865" marR="62865" marT="0" marB="0"/>
+                </a:tc>
+                <a:tc hMerge="1">
+                  <a:txBody>
+                    <a:bodyPr/>
+                    <a:lstStyle/>
+                    <a:p>
+                      <a:endParaRPr kumimoji="1" lang="ja-JP" altLang="en-US"/>
+                    </a:p>
+                  </a:txBody>
+                  <a:tcPr/>
+                </a:tc>
+                <a:tc hMerge="1">
+                  <a:txBody>
+                    <a:bodyPr/>
+                    <a:lstStyle/>
+                    <a:p>
+                      <a:endParaRPr kumimoji="1" lang="ja-JP" altLang="en-US"/>
+                    </a:p>
+                  </a:txBody>
+                  <a:tcPr/>
+                </a:tc>
+              </a:tr>
+              <a:tr h="786641">
+                <a:tc gridSpan="2">
+                  <a:txBody>
+                    <a:bodyPr/>
+                    <a:lstStyle/>
+                    <a:p>
+                      <a:pPr algn="just">
+                        <a:spcAft>
+                          <a:spcPts val="0"/>
+                        </a:spcAft>
+                      </a:pPr>
+                      <a:r>
+                        <a:rPr lang="ja-JP" sz="1200" kern="100">
+                          <a:effectLst/>
+                        </a:rPr>
+                        <a:t>ユースケース名</a:t>
+                      </a:r>
+                      <a:endParaRPr lang="ja-JP" sz="1200" kern="100">
+                        <a:effectLst/>
+                        <a:latin typeface="Century"/>
+                        <a:ea typeface="ＭＳ 明朝"/>
+                        <a:cs typeface="Times New Roman"/>
+                      </a:endParaRPr>
+                    </a:p>
+                  </a:txBody>
+                  <a:tcPr marL="62865" marR="62865" marT="0" marB="0"/>
+                </a:tc>
+                <a:tc hMerge="1">
+                  <a:txBody>
+                    <a:bodyPr/>
+                    <a:lstStyle/>
+                    <a:p>
+                      <a:endParaRPr kumimoji="1" lang="ja-JP" altLang="en-US"/>
+                    </a:p>
+                  </a:txBody>
+                  <a:tcPr/>
+                </a:tc>
+                <a:tc>
+                  <a:txBody>
+                    <a:bodyPr/>
+                    <a:lstStyle/>
+                    <a:p>
+                      <a:pPr algn="just">
+                        <a:spcAft>
+                          <a:spcPts val="0"/>
+                        </a:spcAft>
+                      </a:pPr>
+                      <a:r>
+                        <a:rPr lang="ja-JP" sz="1200" kern="100" dirty="0">
+                          <a:effectLst/>
+                        </a:rPr>
+                        <a:t>コースを完走する</a:t>
+                      </a:r>
+                      <a:endParaRPr lang="ja-JP" sz="1200" kern="100" dirty="0">
+                        <a:effectLst/>
+                        <a:latin typeface="Century"/>
+                        <a:ea typeface="ＭＳ 明朝"/>
+                        <a:cs typeface="Times New Roman"/>
+                      </a:endParaRPr>
+                    </a:p>
+                  </a:txBody>
+                  <a:tcPr marL="62865" marR="62865" marT="0" marB="0"/>
+                </a:tc>
+              </a:tr>
+              <a:tr h="393321">
+                <a:tc gridSpan="2">
+                  <a:txBody>
+                    <a:bodyPr/>
+                    <a:lstStyle/>
+                    <a:p>
+                      <a:pPr algn="just">
+                        <a:spcAft>
+                          <a:spcPts val="0"/>
+                        </a:spcAft>
+                      </a:pPr>
+                      <a:r>
+                        <a:rPr lang="ja-JP" sz="1200" kern="100">
+                          <a:effectLst/>
+                        </a:rPr>
+                        <a:t>事前条件</a:t>
+                      </a:r>
+                      <a:endParaRPr lang="ja-JP" sz="1200" kern="100">
+                        <a:effectLst/>
+                        <a:latin typeface="Century"/>
+                        <a:ea typeface="ＭＳ 明朝"/>
+                        <a:cs typeface="Times New Roman"/>
+                      </a:endParaRPr>
+                    </a:p>
+                  </a:txBody>
+                  <a:tcPr marL="62865" marR="62865" marT="0" marB="0"/>
+                </a:tc>
+                <a:tc hMerge="1">
+                  <a:txBody>
+                    <a:bodyPr/>
+                    <a:lstStyle/>
+                    <a:p>
+                      <a:endParaRPr kumimoji="1" lang="ja-JP" altLang="en-US"/>
+                    </a:p>
+                  </a:txBody>
+                  <a:tcPr/>
+                </a:tc>
+                <a:tc>
+                  <a:txBody>
+                    <a:bodyPr/>
+                    <a:lstStyle/>
+                    <a:p>
+                      <a:pPr algn="just">
+                        <a:spcAft>
+                          <a:spcPts val="0"/>
+                        </a:spcAft>
+                      </a:pPr>
+                      <a:r>
+                        <a:rPr lang="ja-JP" sz="1200" kern="100" dirty="0">
+                          <a:effectLst/>
+                        </a:rPr>
+                        <a:t>キャリブレーションが終わっている</a:t>
+                      </a:r>
+                      <a:endParaRPr lang="ja-JP" sz="1200" kern="100" dirty="0">
+                        <a:effectLst/>
+                        <a:latin typeface="Century"/>
+                        <a:ea typeface="ＭＳ 明朝"/>
+                        <a:cs typeface="Times New Roman"/>
+                      </a:endParaRPr>
+                    </a:p>
+                  </a:txBody>
+                  <a:tcPr marL="62865" marR="62865" marT="0" marB="0"/>
+                </a:tc>
+              </a:tr>
+              <a:tr h="393321">
+                <a:tc gridSpan="2">
+                  <a:txBody>
+                    <a:bodyPr/>
+                    <a:lstStyle/>
+                    <a:p>
+                      <a:pPr algn="just">
+                        <a:spcAft>
+                          <a:spcPts val="0"/>
+                        </a:spcAft>
+                      </a:pPr>
+                      <a:r>
+                        <a:rPr lang="ja-JP" sz="1200" kern="100" dirty="0">
+                          <a:effectLst/>
+                        </a:rPr>
+                        <a:t>事後条件</a:t>
+                      </a:r>
+                      <a:endParaRPr lang="ja-JP" sz="1200" kern="100" dirty="0">
+                        <a:effectLst/>
+                        <a:latin typeface="Century"/>
+                        <a:ea typeface="ＭＳ 明朝"/>
+                        <a:cs typeface="Times New Roman"/>
+                      </a:endParaRPr>
+                    </a:p>
+                  </a:txBody>
+                  <a:tcPr marL="62865" marR="62865" marT="0" marB="0"/>
+                </a:tc>
+                <a:tc hMerge="1">
+                  <a:txBody>
+                    <a:bodyPr/>
+                    <a:lstStyle/>
+                    <a:p>
+                      <a:endParaRPr kumimoji="1" lang="ja-JP" altLang="en-US"/>
+                    </a:p>
+                  </a:txBody>
+                  <a:tcPr/>
+                </a:tc>
+                <a:tc>
+                  <a:txBody>
+                    <a:bodyPr/>
+                    <a:lstStyle/>
+                    <a:p>
+                      <a:pPr algn="just">
+                        <a:spcAft>
+                          <a:spcPts val="0"/>
+                        </a:spcAft>
+                      </a:pPr>
+                      <a:r>
+                        <a:rPr lang="ja-JP" sz="1200" kern="100" dirty="0">
+                          <a:effectLst/>
+                        </a:rPr>
+                        <a:t>ガレージイン区間で完全停止状態になっている</a:t>
+                      </a:r>
+                      <a:endParaRPr lang="ja-JP" sz="1200" kern="100" dirty="0">
+                        <a:effectLst/>
+                        <a:latin typeface="Century"/>
+                        <a:ea typeface="ＭＳ 明朝"/>
+                        <a:cs typeface="Times New Roman"/>
+                      </a:endParaRPr>
+                    </a:p>
+                  </a:txBody>
+                  <a:tcPr marL="62865" marR="62865" marT="0" marB="0"/>
+                </a:tc>
+              </a:tr>
+              <a:tr h="1573283">
+                <a:tc>
+                  <a:txBody>
+                    <a:bodyPr/>
+                    <a:lstStyle/>
+                    <a:p>
+                      <a:pPr algn="just">
+                        <a:spcAft>
+                          <a:spcPts val="0"/>
+                        </a:spcAft>
+                      </a:pPr>
+                      <a:r>
+                        <a:rPr lang="ja-JP" sz="1200" kern="100" dirty="0">
+                          <a:effectLst/>
+                        </a:rPr>
+                        <a:t>基本フロー</a:t>
+                      </a:r>
+                      <a:endParaRPr lang="ja-JP" sz="1200" kern="100" dirty="0">
+                        <a:effectLst/>
+                        <a:latin typeface="Century"/>
+                        <a:ea typeface="ＭＳ 明朝"/>
+                        <a:cs typeface="Times New Roman"/>
+                      </a:endParaRPr>
+                    </a:p>
+                  </a:txBody>
+                  <a:tcPr marL="62865" marR="62865" marT="0" marB="0"/>
+                </a:tc>
+                <a:tc gridSpan="2">
+                  <a:txBody>
+                    <a:bodyPr/>
+                    <a:lstStyle/>
+                    <a:p>
+                      <a:pPr algn="just">
+                        <a:spcAft>
+                          <a:spcPts val="0"/>
+                        </a:spcAft>
+                      </a:pPr>
+                      <a:r>
+                        <a:rPr lang="en-US" sz="1200" kern="100" dirty="0">
+                          <a:effectLst/>
+                        </a:rPr>
+                        <a:t>1. </a:t>
+                      </a:r>
+                      <a:r>
+                        <a:rPr lang="ja-JP" sz="1200" kern="100" dirty="0">
+                          <a:effectLst/>
+                        </a:rPr>
+                        <a:t>競技者は走行体をスタート位置に設置する。</a:t>
+                      </a:r>
+                    </a:p>
+                    <a:p>
+                      <a:pPr algn="just">
+                        <a:spcAft>
+                          <a:spcPts val="0"/>
+                        </a:spcAft>
+                      </a:pPr>
+                      <a:r>
+                        <a:rPr lang="en-US" sz="1200" kern="100" dirty="0">
+                          <a:effectLst/>
+                        </a:rPr>
+                        <a:t>2. </a:t>
+                      </a:r>
+                      <a:r>
+                        <a:rPr lang="ja-JP" sz="1200" kern="100" dirty="0">
+                          <a:effectLst/>
+                        </a:rPr>
+                        <a:t>競技者は走行体に無線で走行スタートを指示する。</a:t>
+                      </a:r>
+                    </a:p>
+                    <a:p>
+                      <a:pPr algn="just">
+                        <a:spcAft>
+                          <a:spcPts val="0"/>
+                        </a:spcAft>
+                      </a:pPr>
+                      <a:r>
+                        <a:rPr lang="en-US" sz="1200" kern="100" dirty="0">
+                          <a:effectLst/>
+                        </a:rPr>
+                        <a:t>3.</a:t>
+                      </a:r>
+                      <a:r>
+                        <a:rPr lang="ja-JP" sz="1200" kern="100" dirty="0">
+                          <a:effectLst/>
+                        </a:rPr>
+                        <a:t>走行体がコースを走行する。</a:t>
+                      </a:r>
+                    </a:p>
+                    <a:p>
+                      <a:pPr algn="just">
+                        <a:spcAft>
+                          <a:spcPts val="0"/>
+                        </a:spcAft>
+                      </a:pPr>
+                      <a:r>
+                        <a:rPr lang="en-US" sz="1200" kern="100" dirty="0">
+                          <a:effectLst/>
+                        </a:rPr>
+                        <a:t>4.</a:t>
+                      </a:r>
+                      <a:r>
+                        <a:rPr lang="ja-JP" sz="1200" kern="100" dirty="0">
+                          <a:effectLst/>
+                        </a:rPr>
+                        <a:t>走行体がガレージで停止する。</a:t>
+                      </a:r>
+                      <a:endParaRPr lang="ja-JP" sz="1200" kern="100" dirty="0">
+                        <a:effectLst/>
+                        <a:latin typeface="Century"/>
+                        <a:ea typeface="ＭＳ 明朝"/>
+                        <a:cs typeface="Times New Roman"/>
+                      </a:endParaRPr>
+                    </a:p>
+                  </a:txBody>
+                  <a:tcPr marL="62865" marR="62865" marT="0" marB="0"/>
+                </a:tc>
+                <a:tc hMerge="1">
+                  <a:txBody>
+                    <a:bodyPr/>
+                    <a:lstStyle/>
+                    <a:p>
+                      <a:endParaRPr kumimoji="1" lang="ja-JP" altLang="en-US"/>
+                    </a:p>
+                  </a:txBody>
+                  <a:tcPr/>
+                </a:tc>
+              </a:tr>
+            </a:tbl>
+          </a:graphicData>
+        </a:graphic>
+      </p:graphicFrame>
+      <p:sp>
+        <p:nvSpPr>
+          <p:cNvPr id="9" name="Rectangle 1"/>
+          <p:cNvSpPr>
+            <a:spLocks noChangeArrowheads="1"/>
+          </p:cNvSpPr>
+          <p:nvPr/>
+        </p:nvSpPr>
+        <p:spPr bwMode="auto">
+          <a:xfrm>
+            <a:off x="3984625" y="4687888"/>
+            <a:ext cx="12801600" cy="457200"/>
+          </a:xfrm>
+          <a:prstGeom prst="rect">
+            <a:avLst/>
+          </a:prstGeom>
+          <a:noFill/>
+          <a:ln>
+            <a:noFill/>
+          </a:ln>
+          <a:effectLst/>
+          <a:extLst>
+            <a:ext uri="{909E8E84-426E-40DD-AFC4-6F175D3DCCD1}">
+              <a14:hiddenFill xmlns:a14="http://schemas.microsoft.com/office/drawing/2010/main">
+                <a:solidFill>
+                  <a:schemeClr val="accent1"/>
+                </a:solidFill>
+              </a14:hiddenFill>
+            </a:ext>
+            <a:ext uri="{91240B29-F687-4F45-9708-019B960494DF}">
+              <a14:hiddenLine xmlns:a14="http://schemas.microsoft.com/office/drawing/2010/main" w="9525">
+                <a:solidFill>
+                  <a:schemeClr val="tx1"/>
+                </a:solidFill>
+                <a:miter lim="800000"/>
+                <a:headEnd/>
+                <a:tailEnd/>
+              </a14:hiddenLine>
+            </a:ext>
+            <a:ext uri="{AF507438-7753-43E0-B8FC-AC1667EBCBE1}">
+              <a14:hiddenEffects xmlns:a14="http://schemas.microsoft.com/office/drawing/2010/main">
+                <a:effectLst>
+                  <a:outerShdw dist="35921" dir="2700000" algn="ctr" rotWithShape="0">
+                    <a:schemeClr val="bg2"/>
+                  </a:outerShdw>
+                </a:effectLst>
+              </a14:hiddenEffects>
+            </a:ext>
+          </a:extLst>
+        </p:spPr>
+        <p:txBody>
+          <a:bodyPr vert="horz" wrap="none" lIns="91440" tIns="45720" rIns="91440" bIns="45720" numCol="1" anchor="ctr" anchorCtr="0" compatLnSpc="1">
+            <a:prstTxWarp prst="textNoShape">
+              <a:avLst/>
+            </a:prstTxWarp>
+            <a:spAutoFit/>
+          </a:bodyPr>
+          <a:lstStyle/>
+          <a:p>
+            <a:pPr marL="0" marR="0" lvl="0" indent="133350" algn="l" defTabSz="914400" rtl="0" eaLnBrk="1" fontAlgn="base" latinLnBrk="0" hangingPunct="1">
+              <a:lnSpc>
+                <a:spcPct val="100000"/>
+              </a:lnSpc>
+              <a:spcBef>
+                <a:spcPct val="0"/>
+              </a:spcBef>
+              <a:spcAft>
+                <a:spcPct val="0"/>
+              </a:spcAft>
+              <a:buClrTx/>
+              <a:buSzTx/>
+              <a:buFontTx/>
+              <a:buNone/>
+              <a:tabLst/>
+            </a:pPr>
+            <a:endParaRPr kumimoji="1" lang="ja-JP" altLang="ja-JP" sz="1800" b="0" i="0" u="none" strike="noStrike" cap="none" normalizeH="0" baseline="0" smtClean="0">
+              <a:ln>
+                <a:noFill/>
+              </a:ln>
+              <a:solidFill>
+                <a:schemeClr val="tx1"/>
+              </a:solidFill>
+              <a:effectLst/>
+              <a:latin typeface="Arial" pitchFamily="34" charset="0"/>
+              <a:ea typeface="ＭＳ Ｐゴシック" pitchFamily="50" charset="-128"/>
+              <a:cs typeface="ＭＳ Ｐゴシック" pitchFamily="50" charset="-128"/>
+            </a:endParaRPr>
+          </a:p>
+        </p:txBody>
+      </p:sp>
+      <p:sp>
+        <p:nvSpPr>
+          <p:cNvPr id="17" name="テキスト ボックス 16"/>
+          <p:cNvSpPr txBox="1"/>
+          <p:nvPr/>
+        </p:nvSpPr>
+        <p:spPr>
+          <a:xfrm>
+            <a:off x="14440088" y="5495773"/>
+            <a:ext cx="2376264" cy="584775"/>
+          </a:xfrm>
+          <a:prstGeom prst="rect">
+            <a:avLst/>
+          </a:prstGeom>
+          <a:noFill/>
+        </p:spPr>
+        <p:txBody>
+          <a:bodyPr wrap="square" rtlCol="0">
+            <a:spAutoFit/>
+          </a:bodyPr>
+          <a:lstStyle/>
+          <a:p>
+            <a:r>
+              <a:rPr lang="ja-JP" altLang="en-US" sz="1600" dirty="0" smtClean="0">
+                <a:latin typeface="メイリオ" pitchFamily="50" charset="-128"/>
+                <a:ea typeface="メイリオ" pitchFamily="50" charset="-128"/>
+                <a:cs typeface="メイリオ" pitchFamily="50" charset="-128"/>
+              </a:rPr>
+              <a:t>ユースケース記述の例</a:t>
+            </a:r>
+            <a:endParaRPr lang="en-US" altLang="ja-JP" sz="1600" dirty="0" smtClean="0">
+              <a:latin typeface="メイリオ" pitchFamily="50" charset="-128"/>
+              <a:ea typeface="メイリオ" pitchFamily="50" charset="-128"/>
+              <a:cs typeface="メイリオ" pitchFamily="50" charset="-128"/>
+            </a:endParaRPr>
+          </a:p>
+          <a:p>
+            <a:endParaRPr lang="en-US" altLang="ja-JP" sz="1600" dirty="0" smtClean="0">
+              <a:latin typeface="メイリオ" pitchFamily="50" charset="-128"/>
+              <a:ea typeface="メイリオ" pitchFamily="50" charset="-128"/>
+              <a:cs typeface="メイリオ" pitchFamily="50" charset="-128"/>
+            </a:endParaRPr>
+          </a:p>
+        </p:txBody>
+      </p:sp>
+      <p:pic>
+        <p:nvPicPr>
+          <p:cNvPr id="11" name="Picture 2"/>
+          <p:cNvPicPr>
+            <a:picLocks noChangeAspect="1" noChangeArrowheads="1"/>
+          </p:cNvPicPr>
+          <p:nvPr/>
+        </p:nvPicPr>
+        <p:blipFill>
+          <a:blip r:embed="rId4" cstate="print">
+            <a:extLst>
+              <a:ext uri="{28A0092B-C50C-407E-A947-70E740481C1C}">
+                <a14:useLocalDpi xmlns:a14="http://schemas.microsoft.com/office/drawing/2010/main" val="0"/>
+              </a:ext>
+            </a:extLst>
+          </a:blip>
+          <a:srcRect/>
+          <a:stretch>
+            <a:fillRect/>
+          </a:stretch>
+        </p:blipFill>
+        <p:spPr bwMode="auto">
+          <a:xfrm>
+            <a:off x="871992" y="6605020"/>
+            <a:ext cx="3985717" cy="2645103"/>
+          </a:xfrm>
+          <a:prstGeom prst="rect">
+            <a:avLst/>
+          </a:prstGeom>
+          <a:noFill/>
+          <a:ln>
+            <a:noFill/>
+          </a:ln>
+          <a:effectLst/>
+          <a:extLst>
+            <a:ext uri="{909E8E84-426E-40DD-AFC4-6F175D3DCCD1}">
+              <a14:hiddenFill xmlns:a14="http://schemas.microsoft.com/office/drawing/2010/main">
+                <a:solidFill>
+                  <a:schemeClr val="accent1"/>
+                </a:solidFill>
+              </a14:hiddenFill>
+            </a:ext>
+            <a:ext uri="{91240B29-F687-4F45-9708-019B960494DF}">
+              <a14:hiddenLine xmlns:a14="http://schemas.microsoft.com/office/drawing/2010/main" w="9525">
+                <a:solidFill>
+                  <a:schemeClr val="tx1"/>
+                </a:solidFill>
+                <a:miter lim="800000"/>
+                <a:headEnd/>
+                <a:tailEnd/>
+              </a14:hiddenLine>
+            </a:ext>
+            <a:ext uri="{AF507438-7753-43E0-B8FC-AC1667EBCBE1}">
+              <a14:hiddenEffects xmlns:a14="http://schemas.microsoft.com/office/drawing/2010/main">
+                <a:effectLst>
+                  <a:outerShdw dist="35921" dir="2700000" algn="ctr" rotWithShape="0">
+                    <a:schemeClr val="bg2"/>
+                  </a:outerShdw>
+                </a:effectLst>
+              </a14:hiddenEffects>
+            </a:ext>
+          </a:extLst>
+        </p:spPr>
+      </p:pic>
+      <p:sp>
+        <p:nvSpPr>
+          <p:cNvPr id="15" name="テキスト ボックス 14"/>
+          <p:cNvSpPr txBox="1"/>
+          <p:nvPr/>
+        </p:nvSpPr>
+        <p:spPr>
+          <a:xfrm>
+            <a:off x="871992" y="6070964"/>
+            <a:ext cx="2288448" cy="527804"/>
+          </a:xfrm>
+          <a:prstGeom prst="roundRect">
+            <a:avLst/>
+          </a:prstGeom>
+          <a:noFill/>
+          <a:ln>
+            <a:solidFill>
+              <a:schemeClr val="accent1"/>
+            </a:solidFill>
+          </a:ln>
+        </p:spPr>
+        <p:txBody>
+          <a:bodyPr wrap="square" rtlCol="0">
+            <a:spAutoFit/>
+          </a:bodyPr>
+          <a:lstStyle/>
+          <a:p>
+            <a:pPr algn="ctr"/>
+            <a:r>
+              <a:rPr kumimoji="1" lang="ja-JP" altLang="en-US" dirty="0" smtClean="0"/>
+              <a:t>ドメイン分析</a:t>
+            </a:r>
+            <a:endParaRPr kumimoji="1" lang="ja-JP" altLang="en-US" dirty="0"/>
           </a:p>
         </p:txBody>
       </p:sp>
@@ -4253,14 +4884,14 @@
       </p:grpSpPr>
       <p:pic>
         <p:nvPicPr>
-          <p:cNvPr id="2050" name="Picture 2" descr="C:\Users\HOMMA\Desktop\クラス図4.png"/>
+          <p:cNvPr id="2051" name="Picture 3"/>
           <p:cNvPicPr>
             <a:picLocks noChangeAspect="1" noChangeArrowheads="1"/>
           </p:cNvPicPr>
           <p:nvPr/>
         </p:nvPicPr>
         <p:blipFill>
-          <a:blip r:embed="rId2" cstate="print">
+          <a:blip r:embed="rId2">
             <a:extLst>
               <a:ext uri="{28A0092B-C50C-407E-A947-70E740481C1C}">
                 <a14:useLocalDpi xmlns:a14="http://schemas.microsoft.com/office/drawing/2010/main" val="0"/>
@@ -4274,20 +4905,107 @@
         </p:blipFill>
         <p:spPr bwMode="auto">
           <a:xfrm>
-            <a:off x="928192" y="1344216"/>
-            <a:ext cx="10532407" cy="6424768"/>
+            <a:off x="1288232" y="762314"/>
+            <a:ext cx="2576657" cy="1787410"/>
           </a:xfrm>
           <a:prstGeom prst="rect">
             <a:avLst/>
           </a:prstGeom>
           <a:noFill/>
+          <a:ln>
+            <a:noFill/>
+          </a:ln>
+          <a:effectLst/>
           <a:extLst>
             <a:ext uri="{909E8E84-426E-40DD-AFC4-6F175D3DCCD1}">
               <a14:hiddenFill xmlns:a14="http://schemas.microsoft.com/office/drawing/2010/main">
                 <a:solidFill>
-                  <a:srgbClr val="FFFFFF"/>
+                  <a:schemeClr val="accent1"/>
                 </a:solidFill>
               </a14:hiddenFill>
+            </a:ext>
+            <a:ext uri="{91240B29-F687-4F45-9708-019B960494DF}">
+              <a14:hiddenLine xmlns:a14="http://schemas.microsoft.com/office/drawing/2010/main" w="9525">
+                <a:solidFill>
+                  <a:schemeClr val="tx1"/>
+                </a:solidFill>
+                <a:miter lim="800000"/>
+                <a:headEnd/>
+                <a:tailEnd/>
+              </a14:hiddenLine>
+            </a:ext>
+            <a:ext uri="{AF507438-7753-43E0-B8FC-AC1667EBCBE1}">
+              <a14:hiddenEffects xmlns:a14="http://schemas.microsoft.com/office/drawing/2010/main">
+                <a:effectLst>
+                  <a:outerShdw dist="35921" dir="2700000" algn="ctr" rotWithShape="0">
+                    <a:schemeClr val="bg2"/>
+                  </a:outerShdw>
+                </a:effectLst>
+              </a14:hiddenEffects>
+            </a:ext>
+          </a:extLst>
+        </p:spPr>
+      </p:pic>
+      <p:pic>
+        <p:nvPicPr>
+          <p:cNvPr id="2053" name="Picture 5"/>
+          <p:cNvPicPr>
+            <a:picLocks noChangeAspect="1" noChangeArrowheads="1"/>
+          </p:cNvPicPr>
+          <p:nvPr/>
+        </p:nvPicPr>
+        <p:blipFill>
+          <a:blip r:embed="rId3">
+            <a:extLst>
+              <a:ext uri="{28A0092B-C50C-407E-A947-70E740481C1C}">
+                <a14:useLocalDpi xmlns:a14="http://schemas.microsoft.com/office/drawing/2010/main" val="0"/>
+              </a:ext>
+            </a:extLst>
+          </a:blip>
+          <a:srcRect/>
+          <a:stretch>
+            <a:fillRect/>
+          </a:stretch>
+        </p:blipFill>
+        <p:spPr bwMode="auto">
+          <a:xfrm>
+            <a:off x="784176" y="2856384"/>
+            <a:ext cx="10402243" cy="6503320"/>
+          </a:xfrm>
+          <a:prstGeom prst="rect">
+            <a:avLst/>
+          </a:prstGeom>
+          <a:noFill/>
+          <a:ln>
+            <a:noFill/>
+          </a:ln>
+          <a:effectLst/>
+          <a:extLst>
+            <a:ext uri="{909E8E84-426E-40DD-AFC4-6F175D3DCCD1}">
+              <a14:hiddenFill xmlns:a14="http://schemas.microsoft.com/office/drawing/2010/main">
+                <a:solidFill>
+                  <a:schemeClr val="accent1"/>
+                </a:solidFill>
+              </a14:hiddenFill>
+            </a:ext>
+            <a:ext uri="{91240B29-F687-4F45-9708-019B960494DF}">
+              <a14:hiddenLine xmlns:a14="http://schemas.microsoft.com/office/drawing/2010/main" w="9525">
+                <a:solidFill>
+                  <a:schemeClr val="tx1"/>
+                </a:solidFill>
+                <a:miter lim="800000"/>
+                <a:headEnd/>
+                <a:tailEnd/>
+              </a14:hiddenLine>
+            </a:ext>
+            <a:ext uri="{AF507438-7753-43E0-B8FC-AC1667EBCBE1}">
+              <a14:hiddenEffects xmlns:a14="http://schemas.microsoft.com/office/drawing/2010/main">
+                <a:effectLst>
+                  <a:outerShdw dist="35921" dir="2700000" algn="ctr" rotWithShape="0">
+                    <a:schemeClr val="bg2"/>
+                  </a:outerShdw>
+                </a:effectLst>
+              </a14:hiddenEffects>
             </a:ext>
           </a:extLst>
         </p:spPr>
@@ -4296,6 +5014,551 @@
     <p:extLst>
       <p:ext uri="{BB962C8B-B14F-4D97-AF65-F5344CB8AC3E}">
         <p14:creationId xmlns:p14="http://schemas.microsoft.com/office/powerpoint/2010/main" val="2897553396"/>
+      </p:ext>
+    </p:extLst>
+  </p:cSld>
+  <p:clrMapOvr>
+    <a:masterClrMapping/>
+  </p:clrMapOvr>
+</p:sld>
+</file>
+
+<file path=ppt/slides/slide4.xml><?xml version="1.0" encoding="utf-8"?>
+<p:sld xmlns:a="http://schemas.openxmlformats.org/drawingml/2006/main" xmlns:r="http://schemas.openxmlformats.org/officeDocument/2006/relationships" xmlns:p="http://schemas.openxmlformats.org/presentationml/2006/main">
+  <p:cSld>
+    <p:spTree>
+      <p:nvGrpSpPr>
+        <p:cNvPr id="1" name=""/>
+        <p:cNvGrpSpPr/>
+        <p:nvPr/>
+      </p:nvGrpSpPr>
+      <p:grpSpPr>
+        <a:xfrm>
+          <a:off x="0" y="0"/>
+          <a:ext cx="0" cy="0"/>
+          <a:chOff x="0" y="0"/>
+          <a:chExt cx="0" cy="0"/>
+        </a:xfrm>
+      </p:grpSpPr>
+      <p:graphicFrame>
+        <p:nvGraphicFramePr>
+          <p:cNvPr id="2" name="表 1"/>
+          <p:cNvGraphicFramePr>
+            <a:graphicFrameLocks noGrp="1"/>
+          </p:cNvGraphicFramePr>
+          <p:nvPr>
+            <p:extLst>
+              <p:ext uri="{D42A27DB-BD31-4B8C-83A1-F6EECF244321}">
+                <p14:modId xmlns:p14="http://schemas.microsoft.com/office/powerpoint/2010/main" val="3553923333"/>
+              </p:ext>
+            </p:extLst>
+          </p:nvPr>
+        </p:nvGraphicFramePr>
+        <p:xfrm>
+          <a:off x="2152327" y="2712368"/>
+          <a:ext cx="8640961" cy="2448272"/>
+        </p:xfrm>
+        <a:graphic>
+          <a:graphicData uri="http://schemas.openxmlformats.org/drawingml/2006/table">
+            <a:tbl>
+              <a:tblPr firstRow="1" bandRow="1">
+                <a:tableStyleId>{5C22544A-7EE6-4342-B048-85BDC9FD1C3A}</a:tableStyleId>
+              </a:tblPr>
+              <a:tblGrid>
+                <a:gridCol w="2114305"/>
+                <a:gridCol w="1239421"/>
+                <a:gridCol w="1531047"/>
+                <a:gridCol w="3756188"/>
+              </a:tblGrid>
+              <a:tr h="389364">
+                <a:tc>
+                  <a:txBody>
+                    <a:bodyPr/>
+                    <a:lstStyle/>
+                    <a:p>
+                      <a:r>
+                        <a:rPr kumimoji="1" lang="ja-JP" altLang="en-US" sz="1600" dirty="0" smtClean="0"/>
+                        <a:t>タスク名</a:t>
+                      </a:r>
+                      <a:endParaRPr kumimoji="1" lang="ja-JP" altLang="en-US" sz="1600" dirty="0"/>
+                    </a:p>
+                  </a:txBody>
+                  <a:tcPr/>
+                </a:tc>
+                <a:tc>
+                  <a:txBody>
+                    <a:bodyPr/>
+                    <a:lstStyle/>
+                    <a:p>
+                      <a:r>
+                        <a:rPr kumimoji="1" lang="ja-JP" altLang="en-US" sz="1600" dirty="0" smtClean="0"/>
+                        <a:t>優先度</a:t>
+                      </a:r>
+                      <a:endParaRPr kumimoji="1" lang="ja-JP" altLang="en-US" sz="1600" dirty="0"/>
+                    </a:p>
+                  </a:txBody>
+                  <a:tcPr/>
+                </a:tc>
+                <a:tc>
+                  <a:txBody>
+                    <a:bodyPr/>
+                    <a:lstStyle/>
+                    <a:p>
+                      <a:r>
+                        <a:rPr kumimoji="1" lang="ja-JP" altLang="en-US" sz="1600" dirty="0" smtClean="0"/>
+                        <a:t>周期 </a:t>
+                      </a:r>
+                      <a:r>
+                        <a:rPr kumimoji="1" lang="en-US" altLang="ja-JP" sz="1600" dirty="0" smtClean="0"/>
+                        <a:t>[</a:t>
+                      </a:r>
+                      <a:r>
+                        <a:rPr kumimoji="1" lang="en-US" altLang="ja-JP" sz="1600" dirty="0" err="1" smtClean="0"/>
+                        <a:t>ms</a:t>
+                      </a:r>
+                      <a:r>
+                        <a:rPr kumimoji="1" lang="en-US" altLang="ja-JP" sz="1600" dirty="0" smtClean="0"/>
+                        <a:t>]</a:t>
+                      </a:r>
+                      <a:endParaRPr kumimoji="1" lang="ja-JP" altLang="en-US" sz="1600" dirty="0"/>
+                    </a:p>
+                  </a:txBody>
+                  <a:tcPr/>
+                </a:tc>
+                <a:tc>
+                  <a:txBody>
+                    <a:bodyPr/>
+                    <a:lstStyle/>
+                    <a:p>
+                      <a:r>
+                        <a:rPr kumimoji="1" lang="ja-JP" altLang="en-US" sz="1600" dirty="0" smtClean="0"/>
+                        <a:t>理由</a:t>
+                      </a:r>
+                      <a:endParaRPr kumimoji="1" lang="ja-JP" altLang="en-US" sz="1600" dirty="0"/>
+                    </a:p>
+                  </a:txBody>
+                  <a:tcPr/>
+                </a:tc>
+              </a:tr>
+              <a:tr h="955711">
+                <a:tc>
+                  <a:txBody>
+                    <a:bodyPr/>
+                    <a:lstStyle/>
+                    <a:p>
+                      <a:r>
+                        <a:rPr kumimoji="1" lang="ja-JP" altLang="en-US" sz="1600" dirty="0" smtClean="0"/>
+                        <a:t>駆動タスク</a:t>
+                      </a:r>
+                      <a:endParaRPr kumimoji="1" lang="ja-JP" altLang="en-US" sz="1600" dirty="0"/>
+                    </a:p>
+                  </a:txBody>
+                  <a:tcPr/>
+                </a:tc>
+                <a:tc>
+                  <a:txBody>
+                    <a:bodyPr/>
+                    <a:lstStyle/>
+                    <a:p>
+                      <a:r>
+                        <a:rPr kumimoji="1" lang="ja-JP" altLang="en-US" sz="1600" dirty="0" smtClean="0"/>
+                        <a:t>１</a:t>
+                      </a:r>
+                      <a:endParaRPr kumimoji="1" lang="ja-JP" altLang="en-US" sz="1600" dirty="0"/>
+                    </a:p>
+                  </a:txBody>
+                  <a:tcPr/>
+                </a:tc>
+                <a:tc>
+                  <a:txBody>
+                    <a:bodyPr/>
+                    <a:lstStyle/>
+                    <a:p>
+                      <a:r>
+                        <a:rPr kumimoji="1" lang="en-US" altLang="ja-JP" sz="1600" dirty="0" smtClean="0"/>
+                        <a:t>4</a:t>
+                      </a:r>
+                    </a:p>
+                  </a:txBody>
+                  <a:tcPr/>
+                </a:tc>
+                <a:tc>
+                  <a:txBody>
+                    <a:bodyPr/>
+                    <a:lstStyle/>
+                    <a:p>
+                      <a:r>
+                        <a:rPr kumimoji="1" lang="ja-JP" altLang="en-US" sz="1600" dirty="0" smtClean="0"/>
+                        <a:t>制約条件より</a:t>
+                      </a:r>
+                      <a:r>
+                        <a:rPr kumimoji="1" lang="en-US" altLang="ja-JP" sz="1600" dirty="0" smtClean="0"/>
+                        <a:t>4ms</a:t>
+                      </a:r>
+                      <a:r>
+                        <a:rPr kumimoji="1" lang="ja-JP" altLang="en-US" sz="1600" dirty="0" smtClean="0"/>
+                        <a:t>で実行する必要があるバランサーとそれに関連する処理をまとめた。</a:t>
+                      </a:r>
+                      <a:endParaRPr kumimoji="1" lang="en-US" altLang="ja-JP" sz="1600" dirty="0" smtClean="0"/>
+                    </a:p>
+                  </a:txBody>
+                  <a:tcPr/>
+                </a:tc>
+              </a:tr>
+              <a:tr h="430660">
+                <a:tc>
+                  <a:txBody>
+                    <a:bodyPr/>
+                    <a:lstStyle/>
+                    <a:p>
+                      <a:r>
+                        <a:rPr kumimoji="1" lang="ja-JP" altLang="en-US" sz="1600" dirty="0" smtClean="0"/>
+                        <a:t>外部状況監視タスク</a:t>
+                      </a:r>
+                      <a:endParaRPr kumimoji="1" lang="ja-JP" altLang="en-US" sz="1600" dirty="0"/>
+                    </a:p>
+                  </a:txBody>
+                  <a:tcPr/>
+                </a:tc>
+                <a:tc>
+                  <a:txBody>
+                    <a:bodyPr/>
+                    <a:lstStyle/>
+                    <a:p>
+                      <a:r>
+                        <a:rPr kumimoji="1" lang="ja-JP" altLang="en-US" sz="1600" dirty="0" smtClean="0"/>
+                        <a:t>２</a:t>
+                      </a:r>
+                      <a:endParaRPr kumimoji="1" lang="ja-JP" altLang="en-US" sz="1600" dirty="0"/>
+                    </a:p>
+                  </a:txBody>
+                  <a:tcPr/>
+                </a:tc>
+                <a:tc>
+                  <a:txBody>
+                    <a:bodyPr/>
+                    <a:lstStyle/>
+                    <a:p>
+                      <a:r>
+                        <a:rPr kumimoji="1" lang="en-US" altLang="ja-JP" sz="1600" dirty="0" smtClean="0"/>
+                        <a:t>50</a:t>
+                      </a:r>
+                      <a:endParaRPr kumimoji="1" lang="ja-JP" altLang="en-US" sz="1600" dirty="0"/>
+                    </a:p>
+                  </a:txBody>
+                  <a:tcPr/>
+                </a:tc>
+                <a:tc>
+                  <a:txBody>
+                    <a:bodyPr/>
+                    <a:lstStyle/>
+                    <a:p>
+                      <a:r>
+                        <a:rPr kumimoji="1" lang="ja-JP" altLang="en-US" sz="1600" dirty="0" smtClean="0"/>
+                        <a:t>外部状況は急激な変化をしない。</a:t>
+                      </a:r>
+                      <a:endParaRPr kumimoji="1" lang="ja-JP" altLang="en-US" sz="1600" dirty="0"/>
+                    </a:p>
+                  </a:txBody>
+                  <a:tcPr/>
+                </a:tc>
+              </a:tr>
+              <a:tr h="672537">
+                <a:tc>
+                  <a:txBody>
+                    <a:bodyPr/>
+                    <a:lstStyle/>
+                    <a:p>
+                      <a:r>
+                        <a:rPr kumimoji="1" lang="ja-JP" altLang="en-US" sz="1600" dirty="0" smtClean="0"/>
+                        <a:t>ログ送信</a:t>
+                      </a:r>
+                      <a:endParaRPr kumimoji="1" lang="ja-JP" altLang="en-US" sz="1600" dirty="0"/>
+                    </a:p>
+                  </a:txBody>
+                  <a:tcPr/>
+                </a:tc>
+                <a:tc>
+                  <a:txBody>
+                    <a:bodyPr/>
+                    <a:lstStyle/>
+                    <a:p>
+                      <a:r>
+                        <a:rPr kumimoji="1" lang="ja-JP" altLang="en-US" sz="1600" dirty="0" smtClean="0"/>
+                        <a:t>３</a:t>
+                      </a:r>
+                      <a:endParaRPr kumimoji="1" lang="ja-JP" altLang="en-US" sz="1600" dirty="0"/>
+                    </a:p>
+                  </a:txBody>
+                  <a:tcPr/>
+                </a:tc>
+                <a:tc>
+                  <a:txBody>
+                    <a:bodyPr/>
+                    <a:lstStyle/>
+                    <a:p>
+                      <a:r>
+                        <a:rPr kumimoji="1" lang="en-US" altLang="ja-JP" sz="1600" dirty="0" smtClean="0"/>
+                        <a:t>50</a:t>
+                      </a:r>
+                      <a:endParaRPr kumimoji="1" lang="ja-JP" altLang="en-US" sz="1600" dirty="0"/>
+                    </a:p>
+                  </a:txBody>
+                  <a:tcPr/>
+                </a:tc>
+                <a:tc>
+                  <a:txBody>
+                    <a:bodyPr/>
+                    <a:lstStyle/>
+                    <a:p>
+                      <a:r>
+                        <a:rPr kumimoji="1" lang="ja-JP" altLang="en-US" sz="1600" dirty="0" smtClean="0"/>
+                        <a:t>走行に直接関係しないため、優先度は一番低い。</a:t>
+                      </a:r>
+                      <a:endParaRPr kumimoji="1" lang="en-US" altLang="ja-JP" sz="1600" dirty="0" smtClean="0"/>
+                    </a:p>
+                  </a:txBody>
+                  <a:tcPr/>
+                </a:tc>
+              </a:tr>
+            </a:tbl>
+          </a:graphicData>
+        </a:graphic>
+      </p:graphicFrame>
+      <p:sp>
+        <p:nvSpPr>
+          <p:cNvPr id="3" name="テキスト ボックス 2"/>
+          <p:cNvSpPr txBox="1"/>
+          <p:nvPr/>
+        </p:nvSpPr>
+        <p:spPr>
+          <a:xfrm>
+            <a:off x="3232448" y="1063735"/>
+            <a:ext cx="4032448" cy="1169551"/>
+          </a:xfrm>
+          <a:prstGeom prst="rect">
+            <a:avLst/>
+          </a:prstGeom>
+          <a:noFill/>
+        </p:spPr>
+        <p:txBody>
+          <a:bodyPr wrap="square" rtlCol="0">
+            <a:spAutoFit/>
+          </a:bodyPr>
+          <a:lstStyle/>
+          <a:p>
+            <a:r>
+              <a:rPr kumimoji="1" lang="ja-JP" altLang="en-US" sz="1400" dirty="0" smtClean="0">
+                <a:latin typeface="メイリオ" pitchFamily="50" charset="-128"/>
+                <a:ea typeface="メイリオ" pitchFamily="50" charset="-128"/>
+                <a:cs typeface="メイリオ" pitchFamily="50" charset="-128"/>
+              </a:rPr>
+              <a:t>設計方針</a:t>
+            </a:r>
+            <a:endParaRPr kumimoji="1" lang="en-US" altLang="ja-JP" sz="1400" dirty="0" smtClean="0">
+              <a:latin typeface="メイリオ" pitchFamily="50" charset="-128"/>
+              <a:ea typeface="メイリオ" pitchFamily="50" charset="-128"/>
+              <a:cs typeface="メイリオ" pitchFamily="50" charset="-128"/>
+            </a:endParaRPr>
+          </a:p>
+          <a:p>
+            <a:r>
+              <a:rPr lang="ja-JP" altLang="en-US" sz="1400" dirty="0" smtClean="0">
+                <a:latin typeface="メイリオ" pitchFamily="50" charset="-128"/>
+                <a:ea typeface="メイリオ" pitchFamily="50" charset="-128"/>
+                <a:cs typeface="メイリオ" pitchFamily="50" charset="-128"/>
+              </a:rPr>
+              <a:t>①　オーバヘッドを考慮し、タスクの数は最小限に</a:t>
+            </a:r>
+            <a:endParaRPr lang="en-US" altLang="ja-JP" sz="1400" dirty="0">
+              <a:latin typeface="メイリオ" pitchFamily="50" charset="-128"/>
+              <a:ea typeface="メイリオ" pitchFamily="50" charset="-128"/>
+              <a:cs typeface="メイリオ" pitchFamily="50" charset="-128"/>
+            </a:endParaRPr>
+          </a:p>
+          <a:p>
+            <a:r>
+              <a:rPr kumimoji="1" lang="ja-JP" altLang="en-US" sz="1400" dirty="0" smtClean="0">
+                <a:latin typeface="メイリオ" pitchFamily="50" charset="-128"/>
+                <a:ea typeface="メイリオ" pitchFamily="50" charset="-128"/>
+                <a:cs typeface="メイリオ" pitchFamily="50" charset="-128"/>
+              </a:rPr>
+              <a:t>②　駆動タスクへの影響が最小限に抑える。</a:t>
+            </a:r>
+            <a:endParaRPr kumimoji="1" lang="en-US" altLang="ja-JP" sz="1400" dirty="0" smtClean="0">
+              <a:latin typeface="メイリオ" pitchFamily="50" charset="-128"/>
+              <a:ea typeface="メイリオ" pitchFamily="50" charset="-128"/>
+              <a:cs typeface="メイリオ" pitchFamily="50" charset="-128"/>
+            </a:endParaRPr>
+          </a:p>
+          <a:p>
+            <a:r>
+              <a:rPr lang="ja-JP" altLang="en-US" sz="1400" dirty="0" smtClean="0">
+                <a:latin typeface="メイリオ" pitchFamily="50" charset="-128"/>
+                <a:ea typeface="メイリオ" pitchFamily="50" charset="-128"/>
+                <a:cs typeface="メイリオ" pitchFamily="50" charset="-128"/>
+              </a:rPr>
+              <a:t>③　走行体の動作スピードを考慮した周期決定</a:t>
+            </a:r>
+            <a:endParaRPr kumimoji="1" lang="ja-JP" altLang="en-US" sz="1400" dirty="0">
+              <a:latin typeface="メイリオ" pitchFamily="50" charset="-128"/>
+              <a:ea typeface="メイリオ" pitchFamily="50" charset="-128"/>
+              <a:cs typeface="メイリオ" pitchFamily="50" charset="-128"/>
+            </a:endParaRPr>
+          </a:p>
+        </p:txBody>
+      </p:sp>
+      <p:sp>
+        <p:nvSpPr>
+          <p:cNvPr id="4" name="テキスト ボックス 3"/>
+          <p:cNvSpPr txBox="1"/>
+          <p:nvPr/>
+        </p:nvSpPr>
+        <p:spPr>
+          <a:xfrm>
+            <a:off x="7552928" y="740569"/>
+            <a:ext cx="4464496" cy="1384995"/>
+          </a:xfrm>
+          <a:prstGeom prst="rect">
+            <a:avLst/>
+          </a:prstGeom>
+          <a:noFill/>
+        </p:spPr>
+        <p:txBody>
+          <a:bodyPr wrap="square" rtlCol="0">
+            <a:spAutoFit/>
+          </a:bodyPr>
+          <a:lstStyle/>
+          <a:p>
+            <a:r>
+              <a:rPr lang="ja-JP" altLang="en-US" sz="1400" dirty="0">
+                <a:latin typeface="メイリオ" pitchFamily="50" charset="-128"/>
+                <a:ea typeface="メイリオ" pitchFamily="50" charset="-128"/>
+                <a:cs typeface="メイリオ" pitchFamily="50" charset="-128"/>
+              </a:rPr>
+              <a:t>制約</a:t>
+            </a:r>
+            <a:endParaRPr kumimoji="1" lang="en-US" altLang="ja-JP" sz="1400" dirty="0" smtClean="0">
+              <a:latin typeface="メイリオ" pitchFamily="50" charset="-128"/>
+              <a:ea typeface="メイリオ" pitchFamily="50" charset="-128"/>
+              <a:cs typeface="メイリオ" pitchFamily="50" charset="-128"/>
+            </a:endParaRPr>
+          </a:p>
+          <a:p>
+            <a:r>
+              <a:rPr lang="ja-JP" altLang="en-US" sz="1400" dirty="0" smtClean="0">
+                <a:latin typeface="メイリオ" pitchFamily="50" charset="-128"/>
+                <a:ea typeface="メイリオ" pitchFamily="50" charset="-128"/>
+                <a:cs typeface="メイリオ" pitchFamily="50" charset="-128"/>
+              </a:rPr>
+              <a:t>①　</a:t>
+            </a:r>
+            <a:r>
+              <a:rPr lang="en-US" altLang="ja-JP" sz="1400" dirty="0" smtClean="0">
+                <a:latin typeface="メイリオ" pitchFamily="50" charset="-128"/>
+                <a:ea typeface="メイリオ" pitchFamily="50" charset="-128"/>
+                <a:cs typeface="メイリオ" pitchFamily="50" charset="-128"/>
+              </a:rPr>
+              <a:t>API</a:t>
+            </a:r>
+            <a:r>
+              <a:rPr lang="ja-JP" altLang="en-US" sz="1400" dirty="0" smtClean="0">
+                <a:latin typeface="メイリオ" pitchFamily="50" charset="-128"/>
+                <a:ea typeface="メイリオ" pitchFamily="50" charset="-128"/>
+                <a:cs typeface="メイリオ" pitchFamily="50" charset="-128"/>
+              </a:rPr>
+              <a:t>の仕様上、倒立制御は</a:t>
+            </a:r>
+            <a:r>
+              <a:rPr lang="en-US" altLang="ja-JP" sz="1400" dirty="0" smtClean="0">
+                <a:latin typeface="メイリオ" pitchFamily="50" charset="-128"/>
+                <a:ea typeface="メイリオ" pitchFamily="50" charset="-128"/>
+                <a:cs typeface="メイリオ" pitchFamily="50" charset="-128"/>
+              </a:rPr>
+              <a:t>4ms</a:t>
+            </a:r>
+            <a:r>
+              <a:rPr lang="ja-JP" altLang="en-US" sz="1400" dirty="0" smtClean="0">
+                <a:latin typeface="メイリオ" pitchFamily="50" charset="-128"/>
+                <a:ea typeface="メイリオ" pitchFamily="50" charset="-128"/>
+                <a:cs typeface="メイリオ" pitchFamily="50" charset="-128"/>
+              </a:rPr>
+              <a:t>周期で実行しなければならない。</a:t>
+            </a:r>
+            <a:endParaRPr lang="en-US" altLang="ja-JP" sz="1400" dirty="0">
+              <a:latin typeface="メイリオ" pitchFamily="50" charset="-128"/>
+              <a:ea typeface="メイリオ" pitchFamily="50" charset="-128"/>
+              <a:cs typeface="メイリオ" pitchFamily="50" charset="-128"/>
+            </a:endParaRPr>
+          </a:p>
+          <a:p>
+            <a:r>
+              <a:rPr kumimoji="1" lang="ja-JP" altLang="en-US" sz="1400" dirty="0" smtClean="0">
+                <a:latin typeface="メイリオ" pitchFamily="50" charset="-128"/>
+                <a:ea typeface="メイリオ" pitchFamily="50" charset="-128"/>
+                <a:cs typeface="メイリオ" pitchFamily="50" charset="-128"/>
+              </a:rPr>
+              <a:t>②　超音波センサの</a:t>
+            </a:r>
+            <a:r>
+              <a:rPr lang="ja-JP" altLang="en-US" sz="1400" dirty="0" smtClean="0">
+                <a:latin typeface="メイリオ" pitchFamily="50" charset="-128"/>
+                <a:ea typeface="メイリオ" pitchFamily="50" charset="-128"/>
+                <a:cs typeface="メイリオ" pitchFamily="50" charset="-128"/>
+              </a:rPr>
+              <a:t>特性上、</a:t>
+            </a:r>
+            <a:r>
+              <a:rPr lang="en-US" altLang="ja-JP" sz="1400" dirty="0" smtClean="0">
+                <a:latin typeface="メイリオ" pitchFamily="50" charset="-128"/>
+                <a:ea typeface="メイリオ" pitchFamily="50" charset="-128"/>
+                <a:cs typeface="メイリオ" pitchFamily="50" charset="-128"/>
+              </a:rPr>
+              <a:t>50m</a:t>
+            </a:r>
+            <a:r>
+              <a:rPr lang="ja-JP" altLang="en-US" sz="1400" dirty="0" smtClean="0">
+                <a:latin typeface="メイリオ" pitchFamily="50" charset="-128"/>
+                <a:ea typeface="メイリオ" pitchFamily="50" charset="-128"/>
+                <a:cs typeface="メイリオ" pitchFamily="50" charset="-128"/>
+              </a:rPr>
+              <a:t>周期以上でセンサ</a:t>
+            </a:r>
+            <a:r>
+              <a:rPr lang="en-US" altLang="ja-JP" sz="1400" dirty="0" smtClean="0">
+                <a:latin typeface="メイリオ" pitchFamily="50" charset="-128"/>
+                <a:ea typeface="メイリオ" pitchFamily="50" charset="-128"/>
+                <a:cs typeface="メイリオ" pitchFamily="50" charset="-128"/>
+              </a:rPr>
+              <a:t>API</a:t>
+            </a:r>
+            <a:r>
+              <a:rPr lang="ja-JP" altLang="en-US" sz="1400" dirty="0" smtClean="0">
+                <a:latin typeface="メイリオ" pitchFamily="50" charset="-128"/>
+                <a:ea typeface="メイリオ" pitchFamily="50" charset="-128"/>
+                <a:cs typeface="メイリオ" pitchFamily="50" charset="-128"/>
+              </a:rPr>
+              <a:t>にアクセスしなければならない。</a:t>
+            </a:r>
+            <a:endParaRPr lang="en-US" altLang="ja-JP" sz="1400" dirty="0" smtClean="0">
+              <a:latin typeface="メイリオ" pitchFamily="50" charset="-128"/>
+              <a:ea typeface="メイリオ" pitchFamily="50" charset="-128"/>
+              <a:cs typeface="メイリオ" pitchFamily="50" charset="-128"/>
+            </a:endParaRPr>
+          </a:p>
+          <a:p>
+            <a:endParaRPr kumimoji="1" lang="ja-JP" altLang="en-US" sz="1400" dirty="0">
+              <a:latin typeface="メイリオ" pitchFamily="50" charset="-128"/>
+              <a:ea typeface="メイリオ" pitchFamily="50" charset="-128"/>
+              <a:cs typeface="メイリオ" pitchFamily="50" charset="-128"/>
+            </a:endParaRPr>
+          </a:p>
+        </p:txBody>
+      </p:sp>
+    </p:spTree>
+    <p:extLst>
+      <p:ext uri="{BB962C8B-B14F-4D97-AF65-F5344CB8AC3E}">
+        <p14:creationId xmlns:p14="http://schemas.microsoft.com/office/powerpoint/2010/main" val="3065159278"/>
       </p:ext>
     </p:extLst>
   </p:cSld>

--- a/models/モデルシートver0.pptx
+++ b/models/モデルシートver0.pptx
@@ -6,9 +6,10 @@
   </p:sldMasterIdLst>
   <p:sldIdLst>
     <p:sldId id="256" r:id="rId2"/>
-    <p:sldId id="257" r:id="rId3"/>
-    <p:sldId id="258" r:id="rId4"/>
-    <p:sldId id="259" r:id="rId5"/>
+    <p:sldId id="260" r:id="rId3"/>
+    <p:sldId id="257" r:id="rId4"/>
+    <p:sldId id="258" r:id="rId5"/>
+    <p:sldId id="259" r:id="rId6"/>
   </p:sldIdLst>
   <p:sldSz cx="12801600" cy="9601200" type="A3"/>
   <p:notesSz cx="6797675" cy="9872663"/>
@@ -291,7 +292,7 @@
           <a:p>
             <a:fld id="{C474B4CA-5347-4033-9CF6-D10F59E92A5D}" type="datetimeFigureOut">
               <a:rPr kumimoji="1" lang="ja-JP" altLang="en-US" smtClean="0"/>
-              <a:t>2012/9/6</a:t>
+              <a:t>2012/9/7</a:t>
             </a:fld>
             <a:endParaRPr kumimoji="1" lang="ja-JP" altLang="en-US"/>
           </a:p>
@@ -493,7 +494,7 @@
           <a:p>
             <a:fld id="{C474B4CA-5347-4033-9CF6-D10F59E92A5D}" type="datetimeFigureOut">
               <a:rPr kumimoji="1" lang="ja-JP" altLang="en-US" smtClean="0"/>
-              <a:t>2012/9/6</a:t>
+              <a:t>2012/9/7</a:t>
             </a:fld>
             <a:endParaRPr kumimoji="1" lang="ja-JP" altLang="en-US"/>
           </a:p>
@@ -705,7 +706,7 @@
           <a:p>
             <a:fld id="{C474B4CA-5347-4033-9CF6-D10F59E92A5D}" type="datetimeFigureOut">
               <a:rPr kumimoji="1" lang="ja-JP" altLang="en-US" smtClean="0"/>
-              <a:t>2012/9/6</a:t>
+              <a:t>2012/9/7</a:t>
             </a:fld>
             <a:endParaRPr kumimoji="1" lang="ja-JP" altLang="en-US"/>
           </a:p>
@@ -907,7 +908,7 @@
           <a:p>
             <a:fld id="{C474B4CA-5347-4033-9CF6-D10F59E92A5D}" type="datetimeFigureOut">
               <a:rPr kumimoji="1" lang="ja-JP" altLang="en-US" smtClean="0"/>
-              <a:t>2012/9/6</a:t>
+              <a:t>2012/9/7</a:t>
             </a:fld>
             <a:endParaRPr kumimoji="1" lang="ja-JP" altLang="en-US"/>
           </a:p>
@@ -1153,7 +1154,7 @@
           <a:p>
             <a:fld id="{C474B4CA-5347-4033-9CF6-D10F59E92A5D}" type="datetimeFigureOut">
               <a:rPr kumimoji="1" lang="ja-JP" altLang="en-US" smtClean="0"/>
-              <a:t>2012/9/6</a:t>
+              <a:t>2012/9/7</a:t>
             </a:fld>
             <a:endParaRPr kumimoji="1" lang="ja-JP" altLang="en-US"/>
           </a:p>
@@ -1505,7 +1506,7 @@
           <a:p>
             <a:fld id="{C474B4CA-5347-4033-9CF6-D10F59E92A5D}" type="datetimeFigureOut">
               <a:rPr kumimoji="1" lang="ja-JP" altLang="en-US" smtClean="0"/>
-              <a:t>2012/9/6</a:t>
+              <a:t>2012/9/7</a:t>
             </a:fld>
             <a:endParaRPr kumimoji="1" lang="ja-JP" altLang="en-US"/>
           </a:p>
@@ -1991,7 +1992,7 @@
           <a:p>
             <a:fld id="{C474B4CA-5347-4033-9CF6-D10F59E92A5D}" type="datetimeFigureOut">
               <a:rPr kumimoji="1" lang="ja-JP" altLang="en-US" smtClean="0"/>
-              <a:t>2012/9/6</a:t>
+              <a:t>2012/9/7</a:t>
             </a:fld>
             <a:endParaRPr kumimoji="1" lang="ja-JP" altLang="en-US"/>
           </a:p>
@@ -2109,7 +2110,7 @@
           <a:p>
             <a:fld id="{C474B4CA-5347-4033-9CF6-D10F59E92A5D}" type="datetimeFigureOut">
               <a:rPr kumimoji="1" lang="ja-JP" altLang="en-US" smtClean="0"/>
-              <a:t>2012/9/6</a:t>
+              <a:t>2012/9/7</a:t>
             </a:fld>
             <a:endParaRPr kumimoji="1" lang="ja-JP" altLang="en-US"/>
           </a:p>
@@ -2204,7 +2205,7 @@
           <a:p>
             <a:fld id="{C474B4CA-5347-4033-9CF6-D10F59E92A5D}" type="datetimeFigureOut">
               <a:rPr kumimoji="1" lang="ja-JP" altLang="en-US" smtClean="0"/>
-              <a:t>2012/9/6</a:t>
+              <a:t>2012/9/7</a:t>
             </a:fld>
             <a:endParaRPr kumimoji="1" lang="ja-JP" altLang="en-US"/>
           </a:p>
@@ -2513,7 +2514,7 @@
           <a:p>
             <a:fld id="{C474B4CA-5347-4033-9CF6-D10F59E92A5D}" type="datetimeFigureOut">
               <a:rPr kumimoji="1" lang="ja-JP" altLang="en-US" smtClean="0"/>
-              <a:t>2012/9/6</a:t>
+              <a:t>2012/9/7</a:t>
             </a:fld>
             <a:endParaRPr kumimoji="1" lang="ja-JP" altLang="en-US"/>
           </a:p>
@@ -2766,7 +2767,7 @@
           <a:p>
             <a:fld id="{C474B4CA-5347-4033-9CF6-D10F59E92A5D}" type="datetimeFigureOut">
               <a:rPr kumimoji="1" lang="ja-JP" altLang="en-US" smtClean="0"/>
-              <a:t>2012/9/6</a:t>
+              <a:t>2012/9/7</a:t>
             </a:fld>
             <a:endParaRPr kumimoji="1" lang="ja-JP" altLang="en-US"/>
           </a:p>
@@ -3011,7 +3012,7 @@
           <a:p>
             <a:fld id="{C474B4CA-5347-4033-9CF6-D10F59E92A5D}" type="datetimeFigureOut">
               <a:rPr kumimoji="1" lang="ja-JP" altLang="en-US" smtClean="0"/>
-              <a:t>2012/9/6</a:t>
+              <a:t>2012/9/7</a:t>
             </a:fld>
             <a:endParaRPr kumimoji="1" lang="ja-JP" altLang="en-US"/>
           </a:p>
@@ -3424,6 +3425,45 @@
           </a:p>
         </p:txBody>
       </p:sp>
+      <p:sp>
+        <p:nvSpPr>
+          <p:cNvPr id="5" name="AutoShape 4" descr="https://mail-attachment.googleusercontent.com/attachment/u/0/?ui=2&amp;ik=877ad86120&amp;view=att&amp;th=1399c23513ebfc40&amp;attid=0.1&amp;disp=inline&amp;realattid=f_h6rzu9dm0&amp;safe=1&amp;zw&amp;saduie=AG9B_P__3uaOvH3J3r6FIq7EvWYr&amp;sadet=1346944401212&amp;sads=pbVCxJMUxmlQQlCN8LctOAYwT_E&amp;sadssc=1"/>
+          <p:cNvSpPr>
+            <a:spLocks noChangeAspect="1" noChangeArrowheads="1"/>
+          </p:cNvSpPr>
+          <p:nvPr/>
+        </p:nvSpPr>
+        <p:spPr bwMode="auto">
+          <a:xfrm>
+            <a:off x="155575" y="-144463"/>
+            <a:ext cx="304800" cy="304801"/>
+          </a:xfrm>
+          <a:prstGeom prst="rect">
+            <a:avLst/>
+          </a:prstGeom>
+          <a:noFill/>
+          <a:extLst>
+            <a:ext uri="{909E8E84-426E-40DD-AFC4-6F175D3DCCD1}">
+              <a14:hiddenFill xmlns:a14="http://schemas.microsoft.com/office/drawing/2010/main">
+                <a:solidFill>
+                  <a:srgbClr val="FFFFFF"/>
+                </a:solidFill>
+              </a14:hiddenFill>
+            </a:ext>
+          </a:extLst>
+        </p:spPr>
+        <p:txBody>
+          <a:bodyPr vert="horz" wrap="square" lIns="91440" tIns="45720" rIns="91440" bIns="45720" numCol="1" anchor="t" anchorCtr="0" compatLnSpc="1">
+            <a:prstTxWarp prst="textNoShape">
+              <a:avLst/>
+            </a:prstTxWarp>
+          </a:bodyPr>
+          <a:lstStyle/>
+          <a:p>
+            <a:endParaRPr lang="ja-JP" altLang="en-US"/>
+          </a:p>
+        </p:txBody>
+      </p:sp>
     </p:spTree>
     <p:extLst>
       <p:ext uri="{BB962C8B-B14F-4D97-AF65-F5344CB8AC3E}">
@@ -3438,6 +3478,143 @@
 </file>
 
 <file path=ppt/slides/slide2.xml><?xml version="1.0" encoding="utf-8"?>
+<p:sld xmlns:a="http://schemas.openxmlformats.org/drawingml/2006/main" xmlns:r="http://schemas.openxmlformats.org/officeDocument/2006/relationships" xmlns:p="http://schemas.openxmlformats.org/presentationml/2006/main">
+  <p:cSld>
+    <p:spTree>
+      <p:nvGrpSpPr>
+        <p:cNvPr id="1" name=""/>
+        <p:cNvGrpSpPr/>
+        <p:nvPr/>
+      </p:nvGrpSpPr>
+      <p:grpSpPr>
+        <a:xfrm>
+          <a:off x="0" y="0"/>
+          <a:ext cx="0" cy="0"/>
+          <a:chOff x="0" y="0"/>
+          <a:chExt cx="0" cy="0"/>
+        </a:xfrm>
+      </p:grpSpPr>
+      <p:sp>
+        <p:nvSpPr>
+          <p:cNvPr id="2" name="タイトル 1"/>
+          <p:cNvSpPr>
+            <a:spLocks noGrp="1"/>
+          </p:cNvSpPr>
+          <p:nvPr>
+            <p:ph type="ctrTitle"/>
+          </p:nvPr>
+        </p:nvSpPr>
+        <p:spPr/>
+        <p:txBody>
+          <a:bodyPr/>
+          <a:lstStyle/>
+          <a:p>
+            <a:endParaRPr kumimoji="1" lang="ja-JP" altLang="en-US" dirty="0"/>
+          </a:p>
+        </p:txBody>
+      </p:sp>
+      <p:sp>
+        <p:nvSpPr>
+          <p:cNvPr id="3" name="サブタイトル 2"/>
+          <p:cNvSpPr>
+            <a:spLocks noGrp="1"/>
+          </p:cNvSpPr>
+          <p:nvPr>
+            <p:ph type="subTitle" idx="1"/>
+          </p:nvPr>
+        </p:nvSpPr>
+        <p:spPr/>
+        <p:txBody>
+          <a:bodyPr/>
+          <a:lstStyle/>
+          <a:p>
+            <a:endParaRPr kumimoji="1" lang="ja-JP" altLang="en-US"/>
+          </a:p>
+        </p:txBody>
+      </p:sp>
+      <p:pic>
+        <p:nvPicPr>
+          <p:cNvPr id="4" name="図 3"/>
+          <p:cNvPicPr>
+            <a:picLocks noChangeAspect="1"/>
+          </p:cNvPicPr>
+          <p:nvPr/>
+        </p:nvPicPr>
+        <p:blipFill>
+          <a:blip r:embed="rId2">
+            <a:extLst>
+              <a:ext uri="{28A0092B-C50C-407E-A947-70E740481C1C}">
+                <a14:useLocalDpi xmlns:a14="http://schemas.microsoft.com/office/drawing/2010/main" val="0"/>
+              </a:ext>
+            </a:extLst>
+          </a:blip>
+          <a:stretch>
+            <a:fillRect/>
+          </a:stretch>
+        </p:blipFill>
+        <p:spPr>
+          <a:xfrm>
+            <a:off x="1936304" y="3000400"/>
+            <a:ext cx="10236224" cy="6600800"/>
+          </a:xfrm>
+          <a:prstGeom prst="rect">
+            <a:avLst/>
+          </a:prstGeom>
+        </p:spPr>
+      </p:pic>
+      <p:sp>
+        <p:nvSpPr>
+          <p:cNvPr id="5" name="AutoShape 4" descr="https://mail-attachment.googleusercontent.com/attachment/u/0/?ui=2&amp;ik=877ad86120&amp;view=att&amp;th=1399c23513ebfc40&amp;attid=0.1&amp;disp=inline&amp;realattid=f_h6rzu9dm0&amp;safe=1&amp;zw&amp;saduie=AG9B_P__3uaOvH3J3r6FIq7EvWYr&amp;sadet=1346944401212&amp;sads=pbVCxJMUxmlQQlCN8LctOAYwT_E&amp;sadssc=1"/>
+          <p:cNvSpPr>
+            <a:spLocks noChangeAspect="1" noChangeArrowheads="1"/>
+          </p:cNvSpPr>
+          <p:nvPr/>
+        </p:nvSpPr>
+        <p:spPr bwMode="auto">
+          <a:xfrm>
+            <a:off x="155575" y="-144463"/>
+            <a:ext cx="304800" cy="304801"/>
+          </a:xfrm>
+          <a:prstGeom prst="rect">
+            <a:avLst/>
+          </a:prstGeom>
+          <a:noFill/>
+          <a:extLst>
+            <a:ext uri="{909E8E84-426E-40DD-AFC4-6F175D3DCCD1}">
+              <a14:hiddenFill xmlns:a14="http://schemas.microsoft.com/office/drawing/2010/main">
+                <a:solidFill>
+                  <a:srgbClr val="FFFFFF"/>
+                </a:solidFill>
+              </a14:hiddenFill>
+            </a:ext>
+          </a:extLst>
+        </p:spPr>
+        <p:txBody>
+          <a:bodyPr vert="horz" wrap="square" lIns="91440" tIns="45720" rIns="91440" bIns="45720" numCol="1" anchor="t" anchorCtr="0" compatLnSpc="1">
+            <a:prstTxWarp prst="textNoShape">
+              <a:avLst/>
+            </a:prstTxWarp>
+          </a:bodyPr>
+          <a:lstStyle/>
+          <a:p>
+            <a:endParaRPr lang="ja-JP" altLang="en-US"/>
+          </a:p>
+        </p:txBody>
+      </p:sp>
+    </p:spTree>
+    <p:extLst>
+      <p:ext uri="{BB962C8B-B14F-4D97-AF65-F5344CB8AC3E}">
+        <p14:creationId xmlns:p14="http://schemas.microsoft.com/office/powerpoint/2010/main" val="55564575"/>
+      </p:ext>
+    </p:extLst>
+  </p:cSld>
+  <p:clrMapOvr>
+    <a:masterClrMapping/>
+  </p:clrMapOvr>
+</p:sld>
+</file>
+
+<file path=ppt/slides/slide3.xml><?xml version="1.0" encoding="utf-8"?>
 <p:sld xmlns:a="http://schemas.openxmlformats.org/drawingml/2006/main" xmlns:r="http://schemas.openxmlformats.org/officeDocument/2006/relationships" xmlns:p="http://schemas.openxmlformats.org/presentationml/2006/main">
   <p:cSld>
     <p:spTree>
@@ -4865,7 +5042,7 @@
 </p:sld>
 </file>
 
-<file path=ppt/slides/slide3.xml><?xml version="1.0" encoding="utf-8"?>
+<file path=ppt/slides/slide4.xml><?xml version="1.0" encoding="utf-8"?>
 <p:sld xmlns:a="http://schemas.openxmlformats.org/drawingml/2006/main" xmlns:r="http://schemas.openxmlformats.org/officeDocument/2006/relationships" xmlns:p="http://schemas.openxmlformats.org/presentationml/2006/main">
   <p:cSld>
     <p:spTree>
@@ -5023,7 +5200,7 @@
 </p:sld>
 </file>
 
-<file path=ppt/slides/slide4.xml><?xml version="1.0" encoding="utf-8"?>
+<file path=ppt/slides/slide5.xml><?xml version="1.0" encoding="utf-8"?>
 <p:sld xmlns:a="http://schemas.openxmlformats.org/drawingml/2006/main" xmlns:r="http://schemas.openxmlformats.org/officeDocument/2006/relationships" xmlns:p="http://schemas.openxmlformats.org/presentationml/2006/main">
   <p:cSld>
     <p:spTree>
@@ -5383,7 +5560,23 @@
                 <a:ea typeface="メイリオ" pitchFamily="50" charset="-128"/>
                 <a:cs typeface="メイリオ" pitchFamily="50" charset="-128"/>
               </a:rPr>
-              <a:t>②　駆動タスクへの影響が最小限に抑える。</a:t>
+              <a:t>②　駆動タスクへの</a:t>
+            </a:r>
+            <a:r>
+              <a:rPr kumimoji="1" lang="ja-JP" altLang="en-US" sz="1400" dirty="0" smtClean="0">
+                <a:latin typeface="メイリオ" pitchFamily="50" charset="-128"/>
+                <a:ea typeface="メイリオ" pitchFamily="50" charset="-128"/>
+                <a:cs typeface="メイリオ" pitchFamily="50" charset="-128"/>
+              </a:rPr>
+              <a:t>影響を最小限</a:t>
+            </a:r>
+            <a:r>
+              <a:rPr kumimoji="1" lang="ja-JP" altLang="en-US" sz="1400" dirty="0" smtClean="0">
+                <a:latin typeface="メイリオ" pitchFamily="50" charset="-128"/>
+                <a:ea typeface="メイリオ" pitchFamily="50" charset="-128"/>
+                <a:cs typeface="メイリオ" pitchFamily="50" charset="-128"/>
+              </a:rPr>
+              <a:t>に抑える。</a:t>
             </a:r>
             <a:endParaRPr kumimoji="1" lang="en-US" altLang="ja-JP" sz="1400" dirty="0" smtClean="0">
               <a:latin typeface="メイリオ" pitchFamily="50" charset="-128"/>

--- a/models/モデルシートver0.pptx
+++ b/models/モデルシートver0.pptx
@@ -3554,7 +3554,7 @@
         </p:blipFill>
         <p:spPr>
           <a:xfrm>
-            <a:off x="1936304" y="3000400"/>
+            <a:off x="1792288" y="2280320"/>
             <a:ext cx="10236224" cy="6600800"/>
           </a:xfrm>
           <a:prstGeom prst="rect">
@@ -4317,7 +4317,7 @@
         </p:nvSpPr>
         <p:spPr>
           <a:xfrm rot="5400000">
-            <a:off x="6796844" y="1158099"/>
+            <a:off x="5320680" y="5196480"/>
             <a:ext cx="936104" cy="720080"/>
           </a:xfrm>
           <a:prstGeom prst="rightArrow">
@@ -4357,7 +4357,7 @@
         </p:nvSpPr>
         <p:spPr>
           <a:xfrm>
-            <a:off x="6148772" y="552128"/>
+            <a:off x="4672608" y="6332627"/>
             <a:ext cx="3672408" cy="707886"/>
           </a:xfrm>
           <a:prstGeom prst="rect">
@@ -5029,6 +5029,47 @@
           </a:p>
         </p:txBody>
       </p:sp>
+      <p:pic>
+        <p:nvPicPr>
+          <p:cNvPr id="18" name="Picture 2" descr="C:\Users\HOMMA\Downloads\ロボコン\ロボコンロゴ3.png"/>
+          <p:cNvPicPr>
+            <a:picLocks noChangeAspect="1" noChangeArrowheads="1"/>
+          </p:cNvPicPr>
+          <p:nvPr/>
+        </p:nvPicPr>
+        <p:blipFill>
+          <a:blip r:embed="rId5" cstate="print">
+            <a:extLst>
+              <a:ext uri="{28A0092B-C50C-407E-A947-70E740481C1C}">
+                <a14:useLocalDpi xmlns:a14="http://schemas.microsoft.com/office/drawing/2010/main" val="0"/>
+              </a:ext>
+            </a:extLst>
+          </a:blip>
+          <a:srcRect/>
+          <a:stretch>
+            <a:fillRect/>
+          </a:stretch>
+        </p:blipFill>
+        <p:spPr bwMode="auto">
+          <a:xfrm>
+            <a:off x="7264896" y="433650"/>
+            <a:ext cx="4998154" cy="1512776"/>
+          </a:xfrm>
+          <a:prstGeom prst="rect">
+            <a:avLst/>
+          </a:prstGeom>
+          <a:noFill/>
+          <a:extLst>
+            <a:ext uri="{909E8E84-426E-40DD-AFC4-6F175D3DCCD1}">
+              <a14:hiddenFill xmlns:a14="http://schemas.microsoft.com/office/drawing/2010/main">
+                <a:solidFill>
+                  <a:srgbClr val="FFFFFF"/>
+                </a:solidFill>
+              </a14:hiddenFill>
+            </a:ext>
+          </a:extLst>
+        </p:spPr>
+      </p:pic>
     </p:spTree>
     <p:extLst>
       <p:ext uri="{BB962C8B-B14F-4D97-AF65-F5344CB8AC3E}">
@@ -5560,23 +5601,7 @@
                 <a:ea typeface="メイリオ" pitchFamily="50" charset="-128"/>
                 <a:cs typeface="メイリオ" pitchFamily="50" charset="-128"/>
               </a:rPr>
-              <a:t>②　駆動タスクへの</a:t>
-            </a:r>
-            <a:r>
-              <a:rPr kumimoji="1" lang="ja-JP" altLang="en-US" sz="1400" dirty="0" smtClean="0">
-                <a:latin typeface="メイリオ" pitchFamily="50" charset="-128"/>
-                <a:ea typeface="メイリオ" pitchFamily="50" charset="-128"/>
-                <a:cs typeface="メイリオ" pitchFamily="50" charset="-128"/>
-              </a:rPr>
-              <a:t>影響を最小限</a:t>
-            </a:r>
-            <a:r>
-              <a:rPr kumimoji="1" lang="ja-JP" altLang="en-US" sz="1400" dirty="0" smtClean="0">
-                <a:latin typeface="メイリオ" pitchFamily="50" charset="-128"/>
-                <a:ea typeface="メイリオ" pitchFamily="50" charset="-128"/>
-                <a:cs typeface="メイリオ" pitchFamily="50" charset="-128"/>
-              </a:rPr>
-              <a:t>に抑える。</a:t>
+              <a:t>②　駆動タスクへの影響を最小限に抑える。</a:t>
             </a:r>
             <a:endParaRPr kumimoji="1" lang="en-US" altLang="ja-JP" sz="1400" dirty="0" smtClean="0">
               <a:latin typeface="メイリオ" pitchFamily="50" charset="-128"/>

--- a/models/モデルシートver0.pptx
+++ b/models/モデルシートver0.pptx
@@ -9,7 +9,8 @@
     <p:sldId id="260" r:id="rId3"/>
     <p:sldId id="257" r:id="rId4"/>
     <p:sldId id="258" r:id="rId5"/>
-    <p:sldId id="259" r:id="rId6"/>
+    <p:sldId id="261" r:id="rId6"/>
+    <p:sldId id="259" r:id="rId7"/>
   </p:sldIdLst>
   <p:sldSz cx="12801600" cy="9601200" type="A3"/>
   <p:notesSz cx="6797675" cy="9872663"/>
@@ -3532,36 +3533,6 @@
           </a:p>
         </p:txBody>
       </p:sp>
-      <p:pic>
-        <p:nvPicPr>
-          <p:cNvPr id="4" name="図 3"/>
-          <p:cNvPicPr>
-            <a:picLocks noChangeAspect="1"/>
-          </p:cNvPicPr>
-          <p:nvPr/>
-        </p:nvPicPr>
-        <p:blipFill>
-          <a:blip r:embed="rId2">
-            <a:extLst>
-              <a:ext uri="{28A0092B-C50C-407E-A947-70E740481C1C}">
-                <a14:useLocalDpi xmlns:a14="http://schemas.microsoft.com/office/drawing/2010/main" val="0"/>
-              </a:ext>
-            </a:extLst>
-          </a:blip>
-          <a:stretch>
-            <a:fillRect/>
-          </a:stretch>
-        </p:blipFill>
-        <p:spPr>
-          <a:xfrm>
-            <a:off x="1792288" y="2280320"/>
-            <a:ext cx="10236224" cy="6600800"/>
-          </a:xfrm>
-          <a:prstGeom prst="rect">
-            <a:avLst/>
-          </a:prstGeom>
-        </p:spPr>
-      </p:pic>
       <p:sp>
         <p:nvSpPr>
           <p:cNvPr id="5" name="AutoShape 4" descr="https://mail-attachment.googleusercontent.com/attachment/u/0/?ui=2&amp;ik=877ad86120&amp;view=att&amp;th=1399c23513ebfc40&amp;attid=0.1&amp;disp=inline&amp;realattid=f_h6rzu9dm0&amp;safe=1&amp;zw&amp;saduie=AG9B_P__3uaOvH3J3r6FIq7EvWYr&amp;sadet=1346944401212&amp;sads=pbVCxJMUxmlQQlCN8LctOAYwT_E&amp;sadssc=1"/>
@@ -3631,359 +3602,9 @@
           <a:chExt cx="0" cy="0"/>
         </a:xfrm>
       </p:grpSpPr>
-      <p:sp>
-        <p:nvSpPr>
-          <p:cNvPr id="4" name="テキスト ボックス 3"/>
-          <p:cNvSpPr txBox="1"/>
-          <p:nvPr/>
-        </p:nvSpPr>
-        <p:spPr>
-          <a:xfrm>
-            <a:off x="1459320" y="653667"/>
-            <a:ext cx="3672408" cy="1446550"/>
-          </a:xfrm>
-          <a:prstGeom prst="rect">
-            <a:avLst/>
-          </a:prstGeom>
-          <a:noFill/>
-        </p:spPr>
-        <p:txBody>
-          <a:bodyPr wrap="square" rtlCol="0">
-            <a:spAutoFit/>
-          </a:bodyPr>
-          <a:lstStyle/>
-          <a:p>
-            <a:r>
-              <a:rPr kumimoji="1" lang="ja-JP" altLang="en-US" sz="2400" dirty="0" smtClean="0">
-                <a:latin typeface="メイリオ" pitchFamily="50" charset="-128"/>
-                <a:ea typeface="メイリオ" pitchFamily="50" charset="-128"/>
-                <a:cs typeface="メイリオ" pitchFamily="50" charset="-128"/>
-              </a:rPr>
-              <a:t>目標</a:t>
-            </a:r>
-            <a:r>
-              <a:rPr lang="ja-JP" altLang="en-US" sz="2400" dirty="0" smtClean="0">
-                <a:latin typeface="メイリオ" pitchFamily="50" charset="-128"/>
-                <a:ea typeface="メイリオ" pitchFamily="50" charset="-128"/>
-                <a:cs typeface="メイリオ" pitchFamily="50" charset="-128"/>
-              </a:rPr>
-              <a:t>：</a:t>
-            </a:r>
-            <a:r>
-              <a:rPr lang="ja-JP" altLang="en-US" sz="2400" dirty="0">
-                <a:latin typeface="メイリオ" pitchFamily="50" charset="-128"/>
-                <a:ea typeface="メイリオ" pitchFamily="50" charset="-128"/>
-                <a:cs typeface="メイリオ" pitchFamily="50" charset="-128"/>
-              </a:rPr>
-              <a:t>全国大会</a:t>
-            </a:r>
-            <a:r>
-              <a:rPr lang="ja-JP" altLang="en-US" sz="2400" dirty="0" smtClean="0">
-                <a:latin typeface="メイリオ" pitchFamily="50" charset="-128"/>
-                <a:ea typeface="メイリオ" pitchFamily="50" charset="-128"/>
-                <a:cs typeface="メイリオ" pitchFamily="50" charset="-128"/>
-              </a:rPr>
-              <a:t>出場</a:t>
-            </a:r>
-            <a:endParaRPr lang="en-US" altLang="ja-JP" sz="1600" dirty="0" smtClean="0">
-              <a:latin typeface="メイリオ" pitchFamily="50" charset="-128"/>
-              <a:ea typeface="メイリオ" pitchFamily="50" charset="-128"/>
-              <a:cs typeface="メイリオ" pitchFamily="50" charset="-128"/>
-            </a:endParaRPr>
-          </a:p>
-          <a:p>
-            <a:r>
-              <a:rPr lang="ja-JP" altLang="en-US" sz="1600" dirty="0" smtClean="0">
-                <a:latin typeface="メイリオ" pitchFamily="50" charset="-128"/>
-                <a:ea typeface="メイリオ" pitchFamily="50" charset="-128"/>
-                <a:cs typeface="メイリオ" pitchFamily="50" charset="-128"/>
-              </a:rPr>
-              <a:t>そのために・・・</a:t>
-            </a:r>
-            <a:endParaRPr lang="en-US" altLang="ja-JP" sz="1600" dirty="0" smtClean="0">
-              <a:latin typeface="メイリオ" pitchFamily="50" charset="-128"/>
-              <a:ea typeface="メイリオ" pitchFamily="50" charset="-128"/>
-              <a:cs typeface="メイリオ" pitchFamily="50" charset="-128"/>
-            </a:endParaRPr>
-          </a:p>
-          <a:p>
-            <a:r>
-              <a:rPr lang="ja-JP" altLang="en-US" sz="1600" dirty="0" smtClean="0">
-                <a:latin typeface="メイリオ" pitchFamily="50" charset="-128"/>
-                <a:ea typeface="メイリオ" pitchFamily="50" charset="-128"/>
-                <a:cs typeface="メイリオ" pitchFamily="50" charset="-128"/>
-              </a:rPr>
-              <a:t>・全難所をクリア</a:t>
-            </a:r>
-            <a:endParaRPr lang="en-US" altLang="ja-JP" sz="1600" dirty="0">
-              <a:latin typeface="メイリオ" pitchFamily="50" charset="-128"/>
-              <a:ea typeface="メイリオ" pitchFamily="50" charset="-128"/>
-              <a:cs typeface="メイリオ" pitchFamily="50" charset="-128"/>
-            </a:endParaRPr>
-          </a:p>
-          <a:p>
-            <a:r>
-              <a:rPr lang="ja-JP" altLang="en-US" sz="1600" dirty="0" smtClean="0">
-                <a:latin typeface="メイリオ" pitchFamily="50" charset="-128"/>
-                <a:ea typeface="メイリオ" pitchFamily="50" charset="-128"/>
-                <a:cs typeface="メイリオ" pitchFamily="50" charset="-128"/>
-              </a:rPr>
-              <a:t>・高速かつ正確なライントレース</a:t>
-            </a:r>
-            <a:endParaRPr kumimoji="1" lang="en-US" altLang="ja-JP" sz="1600" dirty="0">
-              <a:latin typeface="メイリオ" pitchFamily="50" charset="-128"/>
-              <a:ea typeface="メイリオ" pitchFamily="50" charset="-128"/>
-              <a:cs typeface="メイリオ" pitchFamily="50" charset="-128"/>
-            </a:endParaRPr>
-          </a:p>
-          <a:p>
-            <a:r>
-              <a:rPr lang="ja-JP" altLang="en-US" sz="1600" dirty="0" smtClean="0">
-                <a:latin typeface="メイリオ" pitchFamily="50" charset="-128"/>
-                <a:ea typeface="メイリオ" pitchFamily="50" charset="-128"/>
-                <a:cs typeface="メイリオ" pitchFamily="50" charset="-128"/>
-              </a:rPr>
-              <a:t>・区間に応じた走行ができる</a:t>
-            </a:r>
-            <a:endParaRPr kumimoji="1" lang="ja-JP" altLang="en-US" sz="1600" dirty="0">
-              <a:latin typeface="メイリオ" pitchFamily="50" charset="-128"/>
-              <a:ea typeface="メイリオ" pitchFamily="50" charset="-128"/>
-              <a:cs typeface="メイリオ" pitchFamily="50" charset="-128"/>
-            </a:endParaRPr>
-          </a:p>
-        </p:txBody>
-      </p:sp>
-      <p:sp>
-        <p:nvSpPr>
-          <p:cNvPr id="2" name="テキスト ボックス 1"/>
-          <p:cNvSpPr txBox="1"/>
-          <p:nvPr/>
-        </p:nvSpPr>
-        <p:spPr>
-          <a:xfrm>
-            <a:off x="435492" y="760376"/>
-            <a:ext cx="677108" cy="1945895"/>
-          </a:xfrm>
-          <a:prstGeom prst="rect">
-            <a:avLst/>
-          </a:prstGeom>
-          <a:noFill/>
-        </p:spPr>
-        <p:txBody>
-          <a:bodyPr vert="eaVert" wrap="square" rtlCol="0">
-            <a:spAutoFit/>
-          </a:bodyPr>
-          <a:lstStyle/>
-          <a:p>
-            <a:r>
-              <a:rPr kumimoji="1" lang="ja-JP" altLang="en-US" sz="2000" dirty="0" smtClean="0">
-                <a:latin typeface="メイリオ" pitchFamily="50" charset="-128"/>
-                <a:ea typeface="メイリオ" pitchFamily="50" charset="-128"/>
-                <a:cs typeface="メイリオ" pitchFamily="50" charset="-128"/>
-              </a:rPr>
-              <a:t>１</a:t>
-            </a:r>
-            <a:r>
-              <a:rPr kumimoji="1" lang="ja-JP" altLang="en-US" sz="3200" dirty="0" smtClean="0">
-                <a:latin typeface="メイリオ" pitchFamily="50" charset="-128"/>
-                <a:ea typeface="メイリオ" pitchFamily="50" charset="-128"/>
-                <a:cs typeface="メイリオ" pitchFamily="50" charset="-128"/>
-              </a:rPr>
-              <a:t>　</a:t>
-            </a:r>
-            <a:r>
-              <a:rPr kumimoji="1" lang="ja-JP" altLang="en-US" sz="2000" dirty="0" smtClean="0">
-                <a:latin typeface="メイリオ" pitchFamily="50" charset="-128"/>
-                <a:ea typeface="メイリオ" pitchFamily="50" charset="-128"/>
-                <a:cs typeface="メイリオ" pitchFamily="50" charset="-128"/>
-              </a:rPr>
-              <a:t>要求分析</a:t>
-            </a:r>
-            <a:endParaRPr kumimoji="1" lang="ja-JP" altLang="en-US" sz="2000" dirty="0">
-              <a:latin typeface="メイリオ" pitchFamily="50" charset="-128"/>
-              <a:ea typeface="メイリオ" pitchFamily="50" charset="-128"/>
-              <a:cs typeface="メイリオ" pitchFamily="50" charset="-128"/>
-            </a:endParaRPr>
-          </a:p>
-        </p:txBody>
-      </p:sp>
-      <p:sp>
-        <p:nvSpPr>
-          <p:cNvPr id="3" name="テキスト ボックス 2"/>
-          <p:cNvSpPr txBox="1"/>
-          <p:nvPr/>
-        </p:nvSpPr>
-        <p:spPr>
-          <a:xfrm>
-            <a:off x="14440088" y="6548018"/>
-            <a:ext cx="2088232" cy="2400657"/>
-          </a:xfrm>
-          <a:prstGeom prst="rect">
-            <a:avLst/>
-          </a:prstGeom>
-          <a:noFill/>
-        </p:spPr>
-        <p:txBody>
-          <a:bodyPr wrap="square" rtlCol="0">
-            <a:spAutoFit/>
-          </a:bodyPr>
-          <a:lstStyle/>
-          <a:p>
-            <a:r>
-              <a:rPr kumimoji="1" lang="ja-JP" altLang="en-US" dirty="0" smtClean="0">
-                <a:latin typeface="メイリオ" pitchFamily="50" charset="-128"/>
-                <a:ea typeface="メイリオ" pitchFamily="50" charset="-128"/>
-                <a:cs typeface="メイリオ" pitchFamily="50" charset="-128"/>
-              </a:rPr>
-              <a:t>ユースケース記述</a:t>
-            </a:r>
-            <a:endParaRPr kumimoji="1" lang="en-US" altLang="ja-JP" dirty="0" smtClean="0">
-              <a:latin typeface="メイリオ" pitchFamily="50" charset="-128"/>
-              <a:ea typeface="メイリオ" pitchFamily="50" charset="-128"/>
-              <a:cs typeface="メイリオ" pitchFamily="50" charset="-128"/>
-            </a:endParaRPr>
-          </a:p>
-          <a:p>
-            <a:endParaRPr lang="en-US" altLang="ja-JP" dirty="0">
-              <a:latin typeface="メイリオ" pitchFamily="50" charset="-128"/>
-              <a:ea typeface="メイリオ" pitchFamily="50" charset="-128"/>
-              <a:cs typeface="メイリオ" pitchFamily="50" charset="-128"/>
-            </a:endParaRPr>
-          </a:p>
-          <a:p>
-            <a:endParaRPr kumimoji="1" lang="en-US" altLang="ja-JP" dirty="0" smtClean="0">
-              <a:latin typeface="メイリオ" pitchFamily="50" charset="-128"/>
-              <a:ea typeface="メイリオ" pitchFamily="50" charset="-128"/>
-              <a:cs typeface="メイリオ" pitchFamily="50" charset="-128"/>
-            </a:endParaRPr>
-          </a:p>
-          <a:p>
-            <a:endParaRPr lang="en-US" altLang="ja-JP" dirty="0">
-              <a:latin typeface="メイリオ" pitchFamily="50" charset="-128"/>
-              <a:ea typeface="メイリオ" pitchFamily="50" charset="-128"/>
-              <a:cs typeface="メイリオ" pitchFamily="50" charset="-128"/>
-            </a:endParaRPr>
-          </a:p>
-          <a:p>
-            <a:endParaRPr kumimoji="1" lang="ja-JP" altLang="en-US" dirty="0">
-              <a:latin typeface="メイリオ" pitchFamily="50" charset="-128"/>
-              <a:ea typeface="メイリオ" pitchFamily="50" charset="-128"/>
-              <a:cs typeface="メイリオ" pitchFamily="50" charset="-128"/>
-            </a:endParaRPr>
-          </a:p>
-        </p:txBody>
-      </p:sp>
-      <p:sp>
-        <p:nvSpPr>
-          <p:cNvPr id="10" name="テキスト ボックス 9"/>
-          <p:cNvSpPr txBox="1"/>
-          <p:nvPr/>
-        </p:nvSpPr>
-        <p:spPr>
-          <a:xfrm>
-            <a:off x="8634120" y="7171928"/>
-            <a:ext cx="2952328" cy="1446550"/>
-          </a:xfrm>
-          <a:prstGeom prst="rect">
-            <a:avLst/>
-          </a:prstGeom>
-          <a:noFill/>
-        </p:spPr>
-        <p:txBody>
-          <a:bodyPr wrap="square" rtlCol="0">
-            <a:spAutoFit/>
-          </a:bodyPr>
-          <a:lstStyle/>
-          <a:p>
-            <a:r>
-              <a:rPr lang="ja-JP" altLang="en-US" sz="1100" dirty="0" smtClean="0">
-                <a:latin typeface="メイリオ" pitchFamily="50" charset="-128"/>
-                <a:ea typeface="メイリオ" pitchFamily="50" charset="-128"/>
-                <a:cs typeface="メイリオ" pitchFamily="50" charset="-128"/>
-              </a:rPr>
-              <a:t>・高速走行を実現するためには、コースの形状に合わせた旋回量を求める必要がある　</a:t>
-            </a:r>
-            <a:r>
-              <a:rPr lang="en-US" altLang="ja-JP" sz="1100" dirty="0" smtClean="0">
-                <a:latin typeface="メイリオ" pitchFamily="50" charset="-128"/>
-                <a:ea typeface="メイリオ" pitchFamily="50" charset="-128"/>
-                <a:cs typeface="メイリオ" pitchFamily="50" charset="-128"/>
-              </a:rPr>
-              <a:t>P.5</a:t>
-            </a:r>
-            <a:r>
-              <a:rPr lang="ja-JP" altLang="en-US" sz="1100" dirty="0" smtClean="0">
-                <a:latin typeface="メイリオ" pitchFamily="50" charset="-128"/>
-                <a:ea typeface="メイリオ" pitchFamily="50" charset="-128"/>
-                <a:cs typeface="メイリオ" pitchFamily="50" charset="-128"/>
-              </a:rPr>
-              <a:t>要素技術</a:t>
-            </a:r>
-            <a:endParaRPr lang="en-US" altLang="ja-JP" sz="1100" dirty="0" smtClean="0">
-              <a:latin typeface="メイリオ" pitchFamily="50" charset="-128"/>
-              <a:ea typeface="メイリオ" pitchFamily="50" charset="-128"/>
-              <a:cs typeface="メイリオ" pitchFamily="50" charset="-128"/>
-            </a:endParaRPr>
-          </a:p>
-          <a:p>
-            <a:endParaRPr lang="en-US" altLang="ja-JP" sz="1100" dirty="0" smtClean="0">
-              <a:latin typeface="メイリオ" pitchFamily="50" charset="-128"/>
-              <a:ea typeface="メイリオ" pitchFamily="50" charset="-128"/>
-              <a:cs typeface="メイリオ" pitchFamily="50" charset="-128"/>
-            </a:endParaRPr>
-          </a:p>
-          <a:p>
-            <a:r>
-              <a:rPr kumimoji="1" lang="ja-JP" altLang="en-US" sz="1100" dirty="0" smtClean="0">
-                <a:latin typeface="メイリオ" pitchFamily="50" charset="-128"/>
-                <a:ea typeface="メイリオ" pitchFamily="50" charset="-128"/>
-                <a:cs typeface="メイリオ" pitchFamily="50" charset="-128"/>
-              </a:rPr>
-              <a:t>・</a:t>
-            </a:r>
-            <a:r>
-              <a:rPr kumimoji="1" lang="en-US" altLang="ja-JP" sz="1100" dirty="0" smtClean="0">
-                <a:latin typeface="メイリオ" pitchFamily="50" charset="-128"/>
-                <a:ea typeface="メイリオ" pitchFamily="50" charset="-128"/>
-                <a:cs typeface="メイリオ" pitchFamily="50" charset="-128"/>
-              </a:rPr>
-              <a:t>ET</a:t>
-            </a:r>
-            <a:r>
-              <a:rPr kumimoji="1" lang="ja-JP" altLang="en-US" sz="1100" dirty="0" smtClean="0">
-                <a:latin typeface="メイリオ" pitchFamily="50" charset="-128"/>
-                <a:ea typeface="メイリオ" pitchFamily="50" charset="-128"/>
-                <a:cs typeface="メイリオ" pitchFamily="50" charset="-128"/>
-              </a:rPr>
-              <a:t>ロボコンにおいて、転倒は致命的である。そのために車体の安定化を図る必要がある。車体のぶれを防ぐ工夫が必要　</a:t>
-            </a:r>
-            <a:r>
-              <a:rPr kumimoji="1" lang="en-US" altLang="ja-JP" sz="1100" dirty="0" smtClean="0">
-                <a:latin typeface="メイリオ" pitchFamily="50" charset="-128"/>
-                <a:ea typeface="メイリオ" pitchFamily="50" charset="-128"/>
-                <a:cs typeface="メイリオ" pitchFamily="50" charset="-128"/>
-              </a:rPr>
-              <a:t>P.5</a:t>
-            </a:r>
-            <a:r>
-              <a:rPr lang="ja-JP" altLang="en-US" sz="1100" dirty="0" smtClean="0">
-                <a:latin typeface="メイリオ" pitchFamily="50" charset="-128"/>
-                <a:ea typeface="メイリオ" pitchFamily="50" charset="-128"/>
-                <a:cs typeface="メイリオ" pitchFamily="50" charset="-128"/>
-              </a:rPr>
-              <a:t>要素技術</a:t>
-            </a:r>
-            <a:endParaRPr lang="en-US" altLang="ja-JP" sz="1100" dirty="0" smtClean="0">
-              <a:latin typeface="メイリオ" pitchFamily="50" charset="-128"/>
-              <a:ea typeface="メイリオ" pitchFamily="50" charset="-128"/>
-              <a:cs typeface="メイリオ" pitchFamily="50" charset="-128"/>
-            </a:endParaRPr>
-          </a:p>
-        </p:txBody>
-      </p:sp>
       <p:pic>
         <p:nvPicPr>
-          <p:cNvPr id="1026" name="Picture 2" descr="C:\Users\HOMMA\Desktop\要求図0.png"/>
+          <p:cNvPr id="2050" name="Picture 2" descr="C:\Users\HOMMA\Desktop\要求図0.emf"/>
           <p:cNvPicPr>
             <a:picLocks noChangeAspect="1" noChangeArrowheads="1"/>
           </p:cNvPicPr>
@@ -4004,24 +3625,13 @@
         </p:blipFill>
         <p:spPr bwMode="auto">
           <a:xfrm>
-            <a:off x="1792288" y="2128941"/>
-            <a:ext cx="9794160" cy="3533187"/>
+            <a:off x="1459320" y="2148240"/>
+            <a:ext cx="9324744" cy="3385440"/>
           </a:xfrm>
           <a:prstGeom prst="rect">
             <a:avLst/>
           </a:prstGeom>
-          <a:ln w="88900" cap="sq" cmpd="thickThin">
-            <a:solidFill>
-              <a:srgbClr val="000000"/>
-            </a:solidFill>
-            <a:prstDash val="solid"/>
-            <a:miter lim="800000"/>
-          </a:ln>
-          <a:effectLst>
-            <a:innerShdw blurRad="76200">
-              <a:srgbClr val="000000"/>
-            </a:innerShdw>
-          </a:effectLst>
+          <a:noFill/>
           <a:extLst>
             <a:ext uri="{909E8E84-426E-40DD-AFC4-6F175D3DCCD1}">
               <a14:hiddenFill xmlns:a14="http://schemas.microsoft.com/office/drawing/2010/main">
@@ -4033,6 +3643,236 @@
           </a:extLst>
         </p:spPr>
       </p:pic>
+      <p:sp>
+        <p:nvSpPr>
+          <p:cNvPr id="4" name="テキスト ボックス 3"/>
+          <p:cNvSpPr txBox="1"/>
+          <p:nvPr/>
+        </p:nvSpPr>
+        <p:spPr>
+          <a:xfrm>
+            <a:off x="1324236" y="796914"/>
+            <a:ext cx="3672408" cy="1107996"/>
+          </a:xfrm>
+          <a:prstGeom prst="rect">
+            <a:avLst/>
+          </a:prstGeom>
+          <a:noFill/>
+        </p:spPr>
+        <p:txBody>
+          <a:bodyPr wrap="square" rtlCol="0">
+            <a:spAutoFit/>
+          </a:bodyPr>
+          <a:lstStyle/>
+          <a:p>
+            <a:r>
+              <a:rPr kumimoji="1" lang="ja-JP" altLang="en-US" sz="1800" dirty="0" smtClean="0">
+                <a:latin typeface="メイリオ" pitchFamily="50" charset="-128"/>
+                <a:ea typeface="メイリオ" pitchFamily="50" charset="-128"/>
+                <a:cs typeface="メイリオ" pitchFamily="50" charset="-128"/>
+              </a:rPr>
+              <a:t>目標</a:t>
+            </a:r>
+            <a:r>
+              <a:rPr lang="ja-JP" altLang="en-US" sz="1800" dirty="0" smtClean="0">
+                <a:latin typeface="メイリオ" pitchFamily="50" charset="-128"/>
+                <a:ea typeface="メイリオ" pitchFamily="50" charset="-128"/>
+                <a:cs typeface="メイリオ" pitchFamily="50" charset="-128"/>
+              </a:rPr>
+              <a:t>：</a:t>
+            </a:r>
+            <a:r>
+              <a:rPr lang="ja-JP" altLang="en-US" sz="1800" dirty="0">
+                <a:latin typeface="メイリオ" pitchFamily="50" charset="-128"/>
+                <a:ea typeface="メイリオ" pitchFamily="50" charset="-128"/>
+                <a:cs typeface="メイリオ" pitchFamily="50" charset="-128"/>
+              </a:rPr>
+              <a:t>全国大会</a:t>
+            </a:r>
+            <a:r>
+              <a:rPr lang="ja-JP" altLang="en-US" sz="1800" dirty="0" smtClean="0">
+                <a:latin typeface="メイリオ" pitchFamily="50" charset="-128"/>
+                <a:ea typeface="メイリオ" pitchFamily="50" charset="-128"/>
+                <a:cs typeface="メイリオ" pitchFamily="50" charset="-128"/>
+              </a:rPr>
+              <a:t>出場</a:t>
+            </a:r>
+            <a:endParaRPr lang="en-US" altLang="ja-JP" sz="1200" dirty="0" smtClean="0">
+              <a:latin typeface="メイリオ" pitchFamily="50" charset="-128"/>
+              <a:ea typeface="メイリオ" pitchFamily="50" charset="-128"/>
+              <a:cs typeface="メイリオ" pitchFamily="50" charset="-128"/>
+            </a:endParaRPr>
+          </a:p>
+          <a:p>
+            <a:r>
+              <a:rPr lang="ja-JP" altLang="en-US" sz="1200" dirty="0" smtClean="0">
+                <a:latin typeface="メイリオ" pitchFamily="50" charset="-128"/>
+                <a:ea typeface="メイリオ" pitchFamily="50" charset="-128"/>
+                <a:cs typeface="メイリオ" pitchFamily="50" charset="-128"/>
+              </a:rPr>
+              <a:t>そのために・・・</a:t>
+            </a:r>
+            <a:endParaRPr lang="en-US" altLang="ja-JP" sz="1200" dirty="0" smtClean="0">
+              <a:latin typeface="メイリオ" pitchFamily="50" charset="-128"/>
+              <a:ea typeface="メイリオ" pitchFamily="50" charset="-128"/>
+              <a:cs typeface="メイリオ" pitchFamily="50" charset="-128"/>
+            </a:endParaRPr>
+          </a:p>
+          <a:p>
+            <a:r>
+              <a:rPr lang="ja-JP" altLang="en-US" sz="1200" dirty="0" smtClean="0">
+                <a:latin typeface="メイリオ" pitchFamily="50" charset="-128"/>
+                <a:ea typeface="メイリオ" pitchFamily="50" charset="-128"/>
+                <a:cs typeface="メイリオ" pitchFamily="50" charset="-128"/>
+              </a:rPr>
+              <a:t>・全難所をクリア</a:t>
+            </a:r>
+            <a:endParaRPr lang="en-US" altLang="ja-JP" sz="1200" dirty="0">
+              <a:latin typeface="メイリオ" pitchFamily="50" charset="-128"/>
+              <a:ea typeface="メイリオ" pitchFamily="50" charset="-128"/>
+              <a:cs typeface="メイリオ" pitchFamily="50" charset="-128"/>
+            </a:endParaRPr>
+          </a:p>
+          <a:p>
+            <a:r>
+              <a:rPr lang="ja-JP" altLang="en-US" sz="1200" dirty="0" smtClean="0">
+                <a:latin typeface="メイリオ" pitchFamily="50" charset="-128"/>
+                <a:ea typeface="メイリオ" pitchFamily="50" charset="-128"/>
+                <a:cs typeface="メイリオ" pitchFamily="50" charset="-128"/>
+              </a:rPr>
+              <a:t>・高速かつ正確なライントレース</a:t>
+            </a:r>
+            <a:endParaRPr kumimoji="1" lang="en-US" altLang="ja-JP" sz="1200" dirty="0">
+              <a:latin typeface="メイリオ" pitchFamily="50" charset="-128"/>
+              <a:ea typeface="メイリオ" pitchFamily="50" charset="-128"/>
+              <a:cs typeface="メイリオ" pitchFamily="50" charset="-128"/>
+            </a:endParaRPr>
+          </a:p>
+          <a:p>
+            <a:r>
+              <a:rPr lang="ja-JP" altLang="en-US" sz="1200" dirty="0" smtClean="0">
+                <a:latin typeface="メイリオ" pitchFamily="50" charset="-128"/>
+                <a:ea typeface="メイリオ" pitchFamily="50" charset="-128"/>
+                <a:cs typeface="メイリオ" pitchFamily="50" charset="-128"/>
+              </a:rPr>
+              <a:t>・区間に応じた走行ができる</a:t>
+            </a:r>
+            <a:endParaRPr kumimoji="1" lang="ja-JP" altLang="en-US" sz="1200" dirty="0">
+              <a:latin typeface="メイリオ" pitchFamily="50" charset="-128"/>
+              <a:ea typeface="メイリオ" pitchFamily="50" charset="-128"/>
+              <a:cs typeface="メイリオ" pitchFamily="50" charset="-128"/>
+            </a:endParaRPr>
+          </a:p>
+        </p:txBody>
+      </p:sp>
+      <p:sp>
+        <p:nvSpPr>
+          <p:cNvPr id="10" name="テキスト ボックス 9"/>
+          <p:cNvSpPr txBox="1"/>
+          <p:nvPr/>
+        </p:nvSpPr>
+        <p:spPr>
+          <a:xfrm>
+            <a:off x="5045997" y="8001373"/>
+            <a:ext cx="2952328" cy="1446550"/>
+          </a:xfrm>
+          <a:prstGeom prst="rect">
+            <a:avLst/>
+          </a:prstGeom>
+          <a:noFill/>
+        </p:spPr>
+        <p:txBody>
+          <a:bodyPr wrap="square" rtlCol="0">
+            <a:spAutoFit/>
+          </a:bodyPr>
+          <a:lstStyle/>
+          <a:p>
+            <a:r>
+              <a:rPr lang="ja-JP" altLang="en-US" sz="1100" dirty="0" smtClean="0">
+                <a:latin typeface="メイリオ" pitchFamily="50" charset="-128"/>
+                <a:ea typeface="メイリオ" pitchFamily="50" charset="-128"/>
+                <a:cs typeface="メイリオ" pitchFamily="50" charset="-128"/>
+              </a:rPr>
+              <a:t>・高速走行を実現するためには、コースの形状に合わせた旋回量を求める必要がある　</a:t>
+            </a:r>
+            <a:r>
+              <a:rPr lang="en-US" altLang="ja-JP" sz="1100" dirty="0" smtClean="0">
+                <a:latin typeface="メイリオ" pitchFamily="50" charset="-128"/>
+                <a:ea typeface="メイリオ" pitchFamily="50" charset="-128"/>
+                <a:cs typeface="メイリオ" pitchFamily="50" charset="-128"/>
+              </a:rPr>
+              <a:t>P.5</a:t>
+            </a:r>
+            <a:r>
+              <a:rPr lang="ja-JP" altLang="en-US" sz="1100" dirty="0" smtClean="0">
+                <a:latin typeface="メイリオ" pitchFamily="50" charset="-128"/>
+                <a:ea typeface="メイリオ" pitchFamily="50" charset="-128"/>
+                <a:cs typeface="メイリオ" pitchFamily="50" charset="-128"/>
+              </a:rPr>
+              <a:t>要素技術</a:t>
+            </a:r>
+            <a:endParaRPr lang="en-US" altLang="ja-JP" sz="1100" dirty="0" smtClean="0">
+              <a:latin typeface="メイリオ" pitchFamily="50" charset="-128"/>
+              <a:ea typeface="メイリオ" pitchFamily="50" charset="-128"/>
+              <a:cs typeface="メイリオ" pitchFamily="50" charset="-128"/>
+            </a:endParaRPr>
+          </a:p>
+          <a:p>
+            <a:endParaRPr lang="en-US" altLang="ja-JP" sz="1100" dirty="0" smtClean="0">
+              <a:latin typeface="メイリオ" pitchFamily="50" charset="-128"/>
+              <a:ea typeface="メイリオ" pitchFamily="50" charset="-128"/>
+              <a:cs typeface="メイリオ" pitchFamily="50" charset="-128"/>
+            </a:endParaRPr>
+          </a:p>
+          <a:p>
+            <a:r>
+              <a:rPr kumimoji="1" lang="ja-JP" altLang="en-US" sz="1100" dirty="0" smtClean="0">
+                <a:latin typeface="メイリオ" pitchFamily="50" charset="-128"/>
+                <a:ea typeface="メイリオ" pitchFamily="50" charset="-128"/>
+                <a:cs typeface="メイリオ" pitchFamily="50" charset="-128"/>
+              </a:rPr>
+              <a:t>・</a:t>
+            </a:r>
+            <a:r>
+              <a:rPr kumimoji="1" lang="en-US" altLang="ja-JP" sz="1100" dirty="0" smtClean="0">
+                <a:latin typeface="メイリオ" pitchFamily="50" charset="-128"/>
+                <a:ea typeface="メイリオ" pitchFamily="50" charset="-128"/>
+                <a:cs typeface="メイリオ" pitchFamily="50" charset="-128"/>
+              </a:rPr>
+              <a:t>ET</a:t>
+            </a:r>
+            <a:r>
+              <a:rPr kumimoji="1" lang="ja-JP" altLang="en-US" sz="1100" dirty="0" smtClean="0">
+                <a:latin typeface="メイリオ" pitchFamily="50" charset="-128"/>
+                <a:ea typeface="メイリオ" pitchFamily="50" charset="-128"/>
+                <a:cs typeface="メイリオ" pitchFamily="50" charset="-128"/>
+              </a:rPr>
+              <a:t>ロボコンにおいて、転倒は致命的である。そのために車体の安定化を図る必要がある。車体のぶれを防ぐ工夫が必要　</a:t>
+            </a:r>
+            <a:r>
+              <a:rPr kumimoji="1" lang="en-US" altLang="ja-JP" sz="1100" dirty="0" smtClean="0">
+                <a:latin typeface="メイリオ" pitchFamily="50" charset="-128"/>
+                <a:ea typeface="メイリオ" pitchFamily="50" charset="-128"/>
+                <a:cs typeface="メイリオ" pitchFamily="50" charset="-128"/>
+              </a:rPr>
+              <a:t>P.5</a:t>
+            </a:r>
+            <a:r>
+              <a:rPr lang="ja-JP" altLang="en-US" sz="1100" dirty="0" smtClean="0">
+                <a:latin typeface="メイリオ" pitchFamily="50" charset="-128"/>
+                <a:ea typeface="メイリオ" pitchFamily="50" charset="-128"/>
+                <a:cs typeface="メイリオ" pitchFamily="50" charset="-128"/>
+              </a:rPr>
+              <a:t>要素技術</a:t>
+            </a:r>
+            <a:endParaRPr lang="en-US" altLang="ja-JP" sz="1100" dirty="0" smtClean="0">
+              <a:latin typeface="メイリオ" pitchFamily="50" charset="-128"/>
+              <a:ea typeface="メイリオ" pitchFamily="50" charset="-128"/>
+              <a:cs typeface="メイリオ" pitchFamily="50" charset="-128"/>
+            </a:endParaRPr>
+          </a:p>
+        </p:txBody>
+      </p:sp>
       <p:pic>
         <p:nvPicPr>
           <p:cNvPr id="5" name="Picture 3" descr="C:\Users\HOMMA\Desktop\ユースケース図.png"/>
@@ -4056,23 +3896,21 @@
         </p:blipFill>
         <p:spPr bwMode="auto">
           <a:xfrm>
-            <a:off x="9926270" y="6291781"/>
-            <a:ext cx="3492633" cy="1805136"/>
+            <a:off x="4926408" y="5666528"/>
+            <a:ext cx="3479538" cy="1798368"/>
           </a:xfrm>
           <a:prstGeom prst="rect">
             <a:avLst/>
           </a:prstGeom>
-          <a:ln w="88900" cap="sq" cmpd="thickThin">
-            <a:solidFill>
-              <a:srgbClr val="000000"/>
-            </a:solidFill>
-            <a:prstDash val="solid"/>
-            <a:miter lim="800000"/>
+          <a:ln>
+            <a:noFill/>
           </a:ln>
           <a:effectLst>
-            <a:innerShdw blurRad="76200">
-              <a:srgbClr val="000000"/>
-            </a:innerShdw>
+            <a:outerShdw blurRad="292100" dist="139700" dir="2700000" algn="tl" rotWithShape="0">
+              <a:srgbClr val="333333">
+                <a:alpha val="65000"/>
+              </a:srgbClr>
+            </a:outerShdw>
           </a:effectLst>
           <a:extLst>
             <a:ext uri="{909E8E84-426E-40DD-AFC4-6F175D3DCCD1}">
@@ -4155,11 +3993,15 @@
         </p:nvSpPr>
         <p:spPr>
           <a:xfrm>
-            <a:off x="9893454" y="5088468"/>
+            <a:off x="10785376" y="5169319"/>
             <a:ext cx="2016224" cy="618907"/>
           </a:xfrm>
           <a:prstGeom prst="wedgeRoundRectCallout">
-            <a:avLst/>
+            <a:avLst>
+              <a:gd name="adj1" fmla="val -37840"/>
+              <a:gd name="adj2" fmla="val 89176"/>
+              <a:gd name="adj3" fmla="val 16667"/>
+            </a:avLst>
           </a:prstGeom>
         </p:spPr>
         <p:style>
@@ -4206,11 +4048,15 @@
         </p:nvSpPr>
         <p:spPr>
           <a:xfrm>
-            <a:off x="7977708" y="6332627"/>
+            <a:off x="3063999" y="8908095"/>
             <a:ext cx="1440160" cy="539828"/>
           </a:xfrm>
           <a:prstGeom prst="wedgeRoundRectCallout">
-            <a:avLst/>
+            <a:avLst>
+              <a:gd name="adj1" fmla="val 78816"/>
+              <a:gd name="adj2" fmla="val -45720"/>
+              <a:gd name="adj3" fmla="val 16667"/>
+            </a:avLst>
           </a:prstGeom>
         </p:spPr>
         <p:style>
@@ -4265,7 +4111,7 @@
         </p:nvSpPr>
         <p:spPr>
           <a:xfrm>
-            <a:off x="8705056" y="6602541"/>
+            <a:off x="5045997" y="7464896"/>
             <a:ext cx="3240360" cy="1292662"/>
           </a:xfrm>
           <a:prstGeom prst="rect">
@@ -4316,8 +4162,8 @@
           <p:nvPr/>
         </p:nvSpPr>
         <p:spPr>
-          <a:xfrm rot="5400000">
-            <a:off x="5320680" y="5196480"/>
+          <a:xfrm rot="2407939">
+            <a:off x="3746211" y="1118908"/>
             <a:ext cx="936104" cy="720080"/>
           </a:xfrm>
           <a:prstGeom prst="rightArrow">
@@ -4357,8 +4203,8 @@
         </p:nvSpPr>
         <p:spPr>
           <a:xfrm>
-            <a:off x="4672608" y="6332627"/>
-            <a:ext cx="3672408" cy="707886"/>
+            <a:off x="4504159" y="996947"/>
+            <a:ext cx="2760737" cy="707886"/>
           </a:xfrm>
           <a:prstGeom prst="rect">
             <a:avLst/>
@@ -4403,14 +4249,14 @@
           <p:nvPr>
             <p:extLst>
               <p:ext uri="{D42A27DB-BD31-4B8C-83A1-F6EECF244321}">
-                <p14:modId xmlns:p14="http://schemas.microsoft.com/office/powerpoint/2010/main" val="3605374333"/>
+                <p14:modId xmlns:p14="http://schemas.microsoft.com/office/powerpoint/2010/main" val="3317499707"/>
               </p:ext>
             </p:extLst>
           </p:nvPr>
         </p:nvGraphicFramePr>
         <p:xfrm>
-          <a:off x="13864024" y="5679001"/>
-          <a:ext cx="2412268" cy="3760584"/>
+          <a:off x="8904150" y="6028176"/>
+          <a:ext cx="2412268" cy="3395788"/>
         </p:xfrm>
         <a:graphic>
           <a:graphicData uri="http://schemas.openxmlformats.org/drawingml/2006/table">
@@ -4423,7 +4269,7 @@
                 <a:gridCol w="107959"/>
                 <a:gridCol w="1898487"/>
               </a:tblGrid>
-              <a:tr h="614018">
+              <a:tr h="249222">
                 <a:tc gridSpan="3">
                   <a:txBody>
                     <a:bodyPr/>
@@ -4884,51 +4730,6 @@
           </a:p>
         </p:txBody>
       </p:sp>
-      <p:sp>
-        <p:nvSpPr>
-          <p:cNvPr id="17" name="テキスト ボックス 16"/>
-          <p:cNvSpPr txBox="1"/>
-          <p:nvPr/>
-        </p:nvSpPr>
-        <p:spPr>
-          <a:xfrm>
-            <a:off x="14440088" y="5495773"/>
-            <a:ext cx="2376264" cy="584775"/>
-          </a:xfrm>
-          <a:prstGeom prst="rect">
-            <a:avLst/>
-          </a:prstGeom>
-          <a:noFill/>
-        </p:spPr>
-        <p:txBody>
-          <a:bodyPr wrap="square" rtlCol="0">
-            <a:spAutoFit/>
-          </a:bodyPr>
-          <a:lstStyle/>
-          <a:p>
-            <a:r>
-              <a:rPr lang="ja-JP" altLang="en-US" sz="1600" dirty="0" smtClean="0">
-                <a:latin typeface="メイリオ" pitchFamily="50" charset="-128"/>
-                <a:ea typeface="メイリオ" pitchFamily="50" charset="-128"/>
-                <a:cs typeface="メイリオ" pitchFamily="50" charset="-128"/>
-              </a:rPr>
-              <a:t>ユースケース記述の例</a:t>
-            </a:r>
-            <a:endParaRPr lang="en-US" altLang="ja-JP" sz="1600" dirty="0" smtClean="0">
-              <a:latin typeface="メイリオ" pitchFamily="50" charset="-128"/>
-              <a:ea typeface="メイリオ" pitchFamily="50" charset="-128"/>
-              <a:cs typeface="メイリオ" pitchFamily="50" charset="-128"/>
-            </a:endParaRPr>
-          </a:p>
-          <a:p>
-            <a:endParaRPr lang="en-US" altLang="ja-JP" sz="1600" dirty="0" smtClean="0">
-              <a:latin typeface="メイリオ" pitchFamily="50" charset="-128"/>
-              <a:ea typeface="メイリオ" pitchFamily="50" charset="-128"/>
-              <a:cs typeface="メイリオ" pitchFamily="50" charset="-128"/>
-            </a:endParaRPr>
-          </a:p>
-        </p:txBody>
-      </p:sp>
       <p:pic>
         <p:nvPicPr>
           <p:cNvPr id="11" name="Picture 2"/>
@@ -4952,8 +4753,8 @@
         </p:blipFill>
         <p:spPr bwMode="auto">
           <a:xfrm>
-            <a:off x="871992" y="6605020"/>
-            <a:ext cx="3985717" cy="2645103"/>
+            <a:off x="1304408" y="6425795"/>
+            <a:ext cx="3422288" cy="2271186"/>
           </a:xfrm>
           <a:prstGeom prst="rect">
             <a:avLst/>
@@ -5001,7 +4802,7 @@
         </p:nvSpPr>
         <p:spPr>
           <a:xfrm>
-            <a:off x="871992" y="6070964"/>
+            <a:off x="1308292" y="5816646"/>
             <a:ext cx="2288448" cy="527804"/>
           </a:xfrm>
           <a:prstGeom prst="roundRect">
@@ -5052,8 +4853,8 @@
         </p:blipFill>
         <p:spPr bwMode="auto">
           <a:xfrm>
-            <a:off x="7264896" y="433650"/>
-            <a:ext cx="4998154" cy="1512776"/>
+            <a:off x="7827231" y="192088"/>
+            <a:ext cx="4566106" cy="1382009"/>
           </a:xfrm>
           <a:prstGeom prst="rect">
             <a:avLst/>
@@ -5070,6 +4871,265 @@
           </a:extLst>
         </p:spPr>
       </p:pic>
+      <p:grpSp>
+        <p:nvGrpSpPr>
+          <p:cNvPr id="19" name="グループ化 18"/>
+          <p:cNvGrpSpPr/>
+          <p:nvPr/>
+        </p:nvGrpSpPr>
+        <p:grpSpPr>
+          <a:xfrm>
+            <a:off x="486650" y="494969"/>
+            <a:ext cx="492569" cy="8969226"/>
+            <a:chOff x="486650" y="494969"/>
+            <a:chExt cx="492569" cy="8969226"/>
+          </a:xfrm>
+        </p:grpSpPr>
+        <p:sp>
+          <p:nvSpPr>
+            <p:cNvPr id="22" name="テキスト ボックス 21"/>
+            <p:cNvSpPr txBox="1"/>
+            <p:nvPr/>
+          </p:nvSpPr>
+          <p:spPr>
+            <a:xfrm>
+              <a:off x="486650" y="2287530"/>
+              <a:ext cx="492443" cy="1792990"/>
+            </a:xfrm>
+            <a:prstGeom prst="rect">
+              <a:avLst/>
+            </a:prstGeom>
+            <a:solidFill>
+              <a:schemeClr val="tx2">
+                <a:lumMod val="20000"/>
+                <a:lumOff val="80000"/>
+              </a:schemeClr>
+            </a:solidFill>
+            <a:ln w="38100">
+              <a:solidFill>
+                <a:srgbClr val="00B0F0"/>
+              </a:solidFill>
+            </a:ln>
+          </p:spPr>
+          <p:txBody>
+            <a:bodyPr vert="eaVert" wrap="square" rtlCol="0">
+              <a:spAutoFit/>
+            </a:bodyPr>
+            <a:lstStyle/>
+            <a:p>
+              <a:r>
+                <a:rPr kumimoji="1" lang="ja-JP" altLang="en-US" sz="2000" dirty="0" smtClean="0">
+                  <a:latin typeface="メイリオ" pitchFamily="50" charset="-128"/>
+                  <a:ea typeface="メイリオ" pitchFamily="50" charset="-128"/>
+                  <a:cs typeface="メイリオ" pitchFamily="50" charset="-128"/>
+                </a:rPr>
+                <a:t>２　構造</a:t>
+              </a:r>
+              <a:endParaRPr kumimoji="1" lang="en-US" altLang="ja-JP" sz="2000" dirty="0" smtClean="0">
+                <a:latin typeface="メイリオ" pitchFamily="50" charset="-128"/>
+                <a:ea typeface="メイリオ" pitchFamily="50" charset="-128"/>
+                <a:cs typeface="メイリオ" pitchFamily="50" charset="-128"/>
+              </a:endParaRPr>
+            </a:p>
+          </p:txBody>
+        </p:sp>
+        <p:sp>
+          <p:nvSpPr>
+            <p:cNvPr id="23" name="テキスト ボックス 22"/>
+            <p:cNvSpPr txBox="1"/>
+            <p:nvPr/>
+          </p:nvSpPr>
+          <p:spPr>
+            <a:xfrm>
+              <a:off x="486652" y="4084073"/>
+              <a:ext cx="492443" cy="1796648"/>
+            </a:xfrm>
+            <a:prstGeom prst="rect">
+              <a:avLst/>
+            </a:prstGeom>
+            <a:noFill/>
+            <a:ln w="38100">
+              <a:solidFill>
+                <a:srgbClr val="00B0F0"/>
+              </a:solidFill>
+            </a:ln>
+          </p:spPr>
+          <p:txBody>
+            <a:bodyPr vert="eaVert" wrap="square" rtlCol="0">
+              <a:spAutoFit/>
+            </a:bodyPr>
+            <a:lstStyle/>
+            <a:p>
+              <a:r>
+                <a:rPr lang="ja-JP" altLang="en-US" sz="2000" dirty="0" smtClean="0">
+                  <a:latin typeface="メイリオ" pitchFamily="50" charset="-128"/>
+                  <a:ea typeface="メイリオ" pitchFamily="50" charset="-128"/>
+                  <a:cs typeface="メイリオ" pitchFamily="50" charset="-128"/>
+                </a:rPr>
+                <a:t>３　</a:t>
+              </a:r>
+              <a:r>
+                <a:rPr lang="ja-JP" altLang="en-US" sz="2000" dirty="0">
+                  <a:latin typeface="メイリオ" pitchFamily="50" charset="-128"/>
+                  <a:ea typeface="メイリオ" pitchFamily="50" charset="-128"/>
+                  <a:cs typeface="メイリオ" pitchFamily="50" charset="-128"/>
+                </a:rPr>
+                <a:t>振る舞い</a:t>
+              </a:r>
+              <a:endParaRPr lang="en-US" altLang="ja-JP" sz="2000" dirty="0" smtClean="0">
+                <a:latin typeface="メイリオ" pitchFamily="50" charset="-128"/>
+                <a:ea typeface="メイリオ" pitchFamily="50" charset="-128"/>
+                <a:cs typeface="メイリオ" pitchFamily="50" charset="-128"/>
+              </a:endParaRPr>
+            </a:p>
+          </p:txBody>
+        </p:sp>
+        <p:sp>
+          <p:nvSpPr>
+            <p:cNvPr id="24" name="テキスト ボックス 23"/>
+            <p:cNvSpPr txBox="1"/>
+            <p:nvPr/>
+          </p:nvSpPr>
+          <p:spPr>
+            <a:xfrm>
+              <a:off x="486718" y="5897647"/>
+              <a:ext cx="492443" cy="1783274"/>
+            </a:xfrm>
+            <a:prstGeom prst="rect">
+              <a:avLst/>
+            </a:prstGeom>
+            <a:noFill/>
+            <a:ln w="38100">
+              <a:solidFill>
+                <a:srgbClr val="00B0F0"/>
+              </a:solidFill>
+            </a:ln>
+          </p:spPr>
+          <p:txBody>
+            <a:bodyPr vert="eaVert" wrap="square" rtlCol="0">
+              <a:spAutoFit/>
+            </a:bodyPr>
+            <a:lstStyle/>
+            <a:p>
+              <a:r>
+                <a:rPr lang="ja-JP" altLang="en-US" sz="2000" dirty="0">
+                  <a:latin typeface="メイリオ" pitchFamily="50" charset="-128"/>
+                  <a:ea typeface="メイリオ" pitchFamily="50" charset="-128"/>
+                  <a:cs typeface="メイリオ" pitchFamily="50" charset="-128"/>
+                </a:rPr>
+                <a:t>４</a:t>
+              </a:r>
+              <a:r>
+                <a:rPr lang="ja-JP" altLang="en-US" sz="2000" dirty="0" smtClean="0">
+                  <a:latin typeface="メイリオ" pitchFamily="50" charset="-128"/>
+                  <a:ea typeface="メイリオ" pitchFamily="50" charset="-128"/>
+                  <a:cs typeface="メイリオ" pitchFamily="50" charset="-128"/>
+                </a:rPr>
+                <a:t>　走行戦略</a:t>
+              </a:r>
+              <a:endParaRPr lang="en-US" altLang="ja-JP" sz="2000" dirty="0" smtClean="0">
+                <a:latin typeface="メイリオ" pitchFamily="50" charset="-128"/>
+                <a:ea typeface="メイリオ" pitchFamily="50" charset="-128"/>
+                <a:cs typeface="メイリオ" pitchFamily="50" charset="-128"/>
+              </a:endParaRPr>
+            </a:p>
+          </p:txBody>
+        </p:sp>
+        <p:sp>
+          <p:nvSpPr>
+            <p:cNvPr id="26" name="テキスト ボックス 25"/>
+            <p:cNvSpPr txBox="1"/>
+            <p:nvPr/>
+          </p:nvSpPr>
+          <p:spPr>
+            <a:xfrm>
+              <a:off x="486651" y="494969"/>
+              <a:ext cx="492443" cy="1785352"/>
+            </a:xfrm>
+            <a:prstGeom prst="rect">
+              <a:avLst/>
+            </a:prstGeom>
+            <a:noFill/>
+            <a:ln w="38100">
+              <a:solidFill>
+                <a:srgbClr val="00B0F0"/>
+              </a:solidFill>
+            </a:ln>
+          </p:spPr>
+          <p:txBody>
+            <a:bodyPr vert="eaVert" wrap="square" rtlCol="0">
+              <a:spAutoFit/>
+            </a:bodyPr>
+            <a:lstStyle/>
+            <a:p>
+              <a:r>
+                <a:rPr lang="ja-JP" altLang="en-US" sz="2000" dirty="0" smtClean="0">
+                  <a:latin typeface="メイリオ" pitchFamily="50" charset="-128"/>
+                  <a:ea typeface="メイリオ" pitchFamily="50" charset="-128"/>
+                  <a:cs typeface="メイリオ" pitchFamily="50" charset="-128"/>
+                </a:rPr>
+                <a:t>１</a:t>
+              </a:r>
+              <a:r>
+                <a:rPr kumimoji="1" lang="ja-JP" altLang="en-US" sz="2000" dirty="0" smtClean="0">
+                  <a:latin typeface="メイリオ" pitchFamily="50" charset="-128"/>
+                  <a:ea typeface="メイリオ" pitchFamily="50" charset="-128"/>
+                  <a:cs typeface="メイリオ" pitchFamily="50" charset="-128"/>
+                </a:rPr>
+                <a:t>　要求分析</a:t>
+              </a:r>
+              <a:endParaRPr kumimoji="1" lang="en-US" altLang="ja-JP" sz="2000" dirty="0" smtClean="0">
+                <a:latin typeface="メイリオ" pitchFamily="50" charset="-128"/>
+                <a:ea typeface="メイリオ" pitchFamily="50" charset="-128"/>
+                <a:cs typeface="メイリオ" pitchFamily="50" charset="-128"/>
+              </a:endParaRPr>
+            </a:p>
+          </p:txBody>
+        </p:sp>
+        <p:sp>
+          <p:nvSpPr>
+            <p:cNvPr id="27" name="テキスト ボックス 26"/>
+            <p:cNvSpPr txBox="1"/>
+            <p:nvPr/>
+          </p:nvSpPr>
+          <p:spPr>
+            <a:xfrm>
+              <a:off x="486776" y="7680921"/>
+              <a:ext cx="492443" cy="1783274"/>
+            </a:xfrm>
+            <a:prstGeom prst="rect">
+              <a:avLst/>
+            </a:prstGeom>
+            <a:noFill/>
+            <a:ln w="38100">
+              <a:solidFill>
+                <a:srgbClr val="00B0F0"/>
+              </a:solidFill>
+            </a:ln>
+          </p:spPr>
+          <p:txBody>
+            <a:bodyPr vert="eaVert" wrap="square" rtlCol="0">
+              <a:spAutoFit/>
+            </a:bodyPr>
+            <a:lstStyle/>
+            <a:p>
+              <a:r>
+                <a:rPr lang="ja-JP" altLang="en-US" sz="2000" dirty="0" smtClean="0">
+                  <a:latin typeface="メイリオ" pitchFamily="50" charset="-128"/>
+                  <a:ea typeface="メイリオ" pitchFamily="50" charset="-128"/>
+                  <a:cs typeface="メイリオ" pitchFamily="50" charset="-128"/>
+                </a:rPr>
+                <a:t>５　要素技術</a:t>
+              </a:r>
+              <a:endParaRPr lang="en-US" altLang="ja-JP" sz="2000" dirty="0" smtClean="0">
+                <a:latin typeface="メイリオ" pitchFamily="50" charset="-128"/>
+                <a:ea typeface="メイリオ" pitchFamily="50" charset="-128"/>
+                <a:cs typeface="メイリオ" pitchFamily="50" charset="-128"/>
+              </a:endParaRPr>
+            </a:p>
+          </p:txBody>
+        </p:sp>
+      </p:grpSp>
     </p:spTree>
     <p:extLst>
       <p:ext uri="{BB962C8B-B14F-4D97-AF65-F5344CB8AC3E}">
@@ -5123,8 +5183,8 @@
         </p:blipFill>
         <p:spPr bwMode="auto">
           <a:xfrm>
-            <a:off x="1288232" y="762314"/>
-            <a:ext cx="2576657" cy="1787410"/>
+            <a:off x="1447792" y="1068255"/>
+            <a:ext cx="2432641" cy="1687507"/>
           </a:xfrm>
           <a:prstGeom prst="rect">
             <a:avLst/>
@@ -5166,14 +5226,123 @@
       </p:pic>
       <p:pic>
         <p:nvPicPr>
-          <p:cNvPr id="2053" name="Picture 5"/>
+          <p:cNvPr id="4" name="Picture 2" descr="C:\Users\HOMMA\Desktop\クラス図　基本構造.emf"/>
+          <p:cNvPicPr>
+            <a:picLocks noChangeAspect="1" noChangeArrowheads="1"/>
+          </p:cNvPicPr>
+          <p:nvPr/>
+        </p:nvPicPr>
+        <p:blipFill rotWithShape="1">
+          <a:blip r:embed="rId3" cstate="print">
+            <a:extLst>
+              <a:ext uri="{28A0092B-C50C-407E-A947-70E740481C1C}">
+                <a14:useLocalDpi xmlns:a14="http://schemas.microsoft.com/office/drawing/2010/main" val="0"/>
+              </a:ext>
+            </a:extLst>
+          </a:blip>
+          <a:srcRect l="5084" t="4265" r="862" b="12126"/>
+          <a:stretch/>
+        </p:blipFill>
+        <p:spPr bwMode="auto">
+          <a:xfrm>
+            <a:off x="1432248" y="3732716"/>
+            <a:ext cx="9937104" cy="5570109"/>
+          </a:xfrm>
+          <a:prstGeom prst="rect">
+            <a:avLst/>
+          </a:prstGeom>
+          <a:noFill/>
+          <a:extLst>
+            <a:ext uri="{909E8E84-426E-40DD-AFC4-6F175D3DCCD1}">
+              <a14:hiddenFill xmlns:a14="http://schemas.microsoft.com/office/drawing/2010/main">
+                <a:solidFill>
+                  <a:srgbClr val="FFFFFF"/>
+                </a:solidFill>
+              </a14:hiddenFill>
+            </a:ext>
+          </a:extLst>
+        </p:spPr>
+      </p:pic>
+      <p:sp>
+        <p:nvSpPr>
+          <p:cNvPr id="2" name="下矢印 1"/>
+          <p:cNvSpPr/>
+          <p:nvPr/>
+        </p:nvSpPr>
+        <p:spPr>
+          <a:xfrm>
+            <a:off x="2593396" y="2864297"/>
+            <a:ext cx="432048" cy="737457"/>
+          </a:xfrm>
+          <a:prstGeom prst="downArrow">
+            <a:avLst/>
+          </a:prstGeom>
+        </p:spPr>
+        <p:style>
+          <a:lnRef idx="2">
+            <a:schemeClr val="accent5">
+              <a:shade val="50000"/>
+            </a:schemeClr>
+          </a:lnRef>
+          <a:fillRef idx="1">
+            <a:schemeClr val="accent5"/>
+          </a:fillRef>
+          <a:effectRef idx="0">
+            <a:schemeClr val="accent5"/>
+          </a:effectRef>
+          <a:fontRef idx="minor">
+            <a:schemeClr val="lt1"/>
+          </a:fontRef>
+        </p:style>
+        <p:txBody>
+          <a:bodyPr rtlCol="0" anchor="ctr"/>
+          <a:lstStyle/>
+          <a:p>
+            <a:pPr algn="ctr"/>
+            <a:endParaRPr kumimoji="1" lang="ja-JP" altLang="en-US"/>
+          </a:p>
+        </p:txBody>
+      </p:sp>
+      <p:sp>
+        <p:nvSpPr>
+          <p:cNvPr id="3" name="テキスト ボックス 2"/>
+          <p:cNvSpPr txBox="1"/>
+          <p:nvPr/>
+        </p:nvSpPr>
+        <p:spPr>
+          <a:xfrm>
+            <a:off x="3025444" y="2640360"/>
+            <a:ext cx="2694195" cy="861774"/>
+          </a:xfrm>
+          <a:prstGeom prst="rect">
+            <a:avLst/>
+          </a:prstGeom>
+          <a:noFill/>
+        </p:spPr>
+        <p:txBody>
+          <a:bodyPr wrap="square" rtlCol="0">
+            <a:spAutoFit/>
+          </a:bodyPr>
+          <a:lstStyle/>
+          <a:p>
+            <a:r>
+              <a:rPr kumimoji="1" lang="ja-JP" altLang="en-US" dirty="0" smtClean="0"/>
+              <a:t>走行関連クラスを詳細化</a:t>
+            </a:r>
+            <a:endParaRPr kumimoji="1" lang="ja-JP" altLang="en-US" dirty="0"/>
+          </a:p>
+        </p:txBody>
+      </p:sp>
+      <p:pic>
+        <p:nvPicPr>
+          <p:cNvPr id="12" name="Picture 2" descr="C:\Users\HOMMA\Downloads\ロボコン\ロボコンロゴ3.png"/>
           <p:cNvPicPr>
             <a:picLocks noChangeAspect="1" noChangeArrowheads="1"/>
           </p:cNvPicPr>
           <p:nvPr/>
         </p:nvPicPr>
         <p:blipFill>
-          <a:blip r:embed="rId3">
+          <a:blip r:embed="rId4" cstate="print">
             <a:extLst>
               <a:ext uri="{28A0092B-C50C-407E-A947-70E740481C1C}">
                 <a14:useLocalDpi xmlns:a14="http://schemas.microsoft.com/office/drawing/2010/main" val="0"/>
@@ -5187,47 +5356,252 @@
         </p:blipFill>
         <p:spPr bwMode="auto">
           <a:xfrm>
-            <a:off x="784176" y="2856384"/>
-            <a:ext cx="10402243" cy="6503320"/>
+            <a:off x="9425136" y="364338"/>
+            <a:ext cx="3022742" cy="914883"/>
           </a:xfrm>
           <a:prstGeom prst="rect">
             <a:avLst/>
           </a:prstGeom>
           <a:noFill/>
-          <a:ln>
-            <a:noFill/>
-          </a:ln>
-          <a:effectLst/>
           <a:extLst>
             <a:ext uri="{909E8E84-426E-40DD-AFC4-6F175D3DCCD1}">
               <a14:hiddenFill xmlns:a14="http://schemas.microsoft.com/office/drawing/2010/main">
                 <a:solidFill>
-                  <a:schemeClr val="accent1"/>
+                  <a:srgbClr val="FFFFFF"/>
                 </a:solidFill>
               </a14:hiddenFill>
-            </a:ext>
-            <a:ext uri="{91240B29-F687-4F45-9708-019B960494DF}">
-              <a14:hiddenLine xmlns:a14="http://schemas.microsoft.com/office/drawing/2010/main" w="9525">
-                <a:solidFill>
-                  <a:schemeClr val="tx1"/>
-                </a:solidFill>
-                <a:miter lim="800000"/>
-                <a:headEnd/>
-                <a:tailEnd/>
-              </a14:hiddenLine>
-            </a:ext>
-            <a:ext uri="{AF507438-7753-43E0-B8FC-AC1667EBCBE1}">
-              <a14:hiddenEffects xmlns:a14="http://schemas.microsoft.com/office/drawing/2010/main">
-                <a:effectLst>
-                  <a:outerShdw dist="35921" dir="2700000" algn="ctr" rotWithShape="0">
-                    <a:schemeClr val="bg2"/>
-                  </a:outerShdw>
-                </a:effectLst>
-              </a14:hiddenEffects>
             </a:ext>
           </a:extLst>
         </p:spPr>
       </p:pic>
+      <p:sp>
+        <p:nvSpPr>
+          <p:cNvPr id="15" name="テキスト ボックス 14"/>
+          <p:cNvSpPr txBox="1"/>
+          <p:nvPr/>
+        </p:nvSpPr>
+        <p:spPr>
+          <a:xfrm>
+            <a:off x="2132676" y="425454"/>
+            <a:ext cx="1736388" cy="461665"/>
+          </a:xfrm>
+          <a:prstGeom prst="rect">
+            <a:avLst/>
+          </a:prstGeom>
+          <a:noFill/>
+          <a:ln w="38100">
+            <a:solidFill>
+              <a:srgbClr val="00B0F0"/>
+            </a:solidFill>
+          </a:ln>
+        </p:spPr>
+        <p:txBody>
+          <a:bodyPr vert="horz" wrap="square" rtlCol="0">
+            <a:spAutoFit/>
+          </a:bodyPr>
+          <a:lstStyle/>
+          <a:p>
+            <a:r>
+              <a:rPr kumimoji="1" lang="ja-JP" altLang="en-US" sz="2400" dirty="0" smtClean="0">
+                <a:latin typeface="メイリオ" pitchFamily="50" charset="-128"/>
+                <a:ea typeface="メイリオ" pitchFamily="50" charset="-128"/>
+                <a:cs typeface="メイリオ" pitchFamily="50" charset="-128"/>
+              </a:rPr>
+              <a:t>２構造分析</a:t>
+            </a:r>
+            <a:endParaRPr kumimoji="1" lang="en-US" altLang="ja-JP" sz="2400" dirty="0" smtClean="0">
+              <a:latin typeface="メイリオ" pitchFamily="50" charset="-128"/>
+              <a:ea typeface="メイリオ" pitchFamily="50" charset="-128"/>
+              <a:cs typeface="メイリオ" pitchFamily="50" charset="-128"/>
+            </a:endParaRPr>
+          </a:p>
+        </p:txBody>
+      </p:sp>
+      <p:sp>
+        <p:nvSpPr>
+          <p:cNvPr id="16" name="テキスト ボックス 15"/>
+          <p:cNvSpPr txBox="1"/>
+          <p:nvPr/>
+        </p:nvSpPr>
+        <p:spPr>
+          <a:xfrm>
+            <a:off x="3851552" y="425455"/>
+            <a:ext cx="1736388" cy="461665"/>
+          </a:xfrm>
+          <a:prstGeom prst="rect">
+            <a:avLst/>
+          </a:prstGeom>
+          <a:solidFill>
+            <a:schemeClr val="tx2">
+              <a:lumMod val="20000"/>
+              <a:lumOff val="80000"/>
+            </a:schemeClr>
+          </a:solidFill>
+          <a:ln w="38100">
+            <a:solidFill>
+              <a:srgbClr val="00B0F0"/>
+            </a:solidFill>
+          </a:ln>
+        </p:spPr>
+        <p:txBody>
+          <a:bodyPr vert="horz" wrap="square" rtlCol="0">
+            <a:spAutoFit/>
+          </a:bodyPr>
+          <a:lstStyle/>
+          <a:p>
+            <a:r>
+              <a:rPr lang="ja-JP" altLang="en-US" sz="2400" dirty="0" smtClean="0">
+                <a:latin typeface="メイリオ" pitchFamily="50" charset="-128"/>
+                <a:ea typeface="メイリオ" pitchFamily="50" charset="-128"/>
+                <a:cs typeface="メイリオ" pitchFamily="50" charset="-128"/>
+              </a:rPr>
+              <a:t>３振舞設計</a:t>
+            </a:r>
+            <a:endParaRPr lang="en-US" altLang="ja-JP" sz="2400" dirty="0" smtClean="0">
+              <a:latin typeface="メイリオ" pitchFamily="50" charset="-128"/>
+              <a:ea typeface="メイリオ" pitchFamily="50" charset="-128"/>
+              <a:cs typeface="メイリオ" pitchFamily="50" charset="-128"/>
+            </a:endParaRPr>
+          </a:p>
+        </p:txBody>
+      </p:sp>
+      <p:sp>
+        <p:nvSpPr>
+          <p:cNvPr id="17" name="テキスト ボックス 16"/>
+          <p:cNvSpPr txBox="1"/>
+          <p:nvPr/>
+        </p:nvSpPr>
+        <p:spPr>
+          <a:xfrm>
+            <a:off x="5609272" y="423471"/>
+            <a:ext cx="1736388" cy="461665"/>
+          </a:xfrm>
+          <a:prstGeom prst="rect">
+            <a:avLst/>
+          </a:prstGeom>
+          <a:noFill/>
+          <a:ln w="38100">
+            <a:solidFill>
+              <a:srgbClr val="00B0F0"/>
+            </a:solidFill>
+          </a:ln>
+        </p:spPr>
+        <p:txBody>
+          <a:bodyPr vert="horz" wrap="square" rtlCol="0">
+            <a:spAutoFit/>
+          </a:bodyPr>
+          <a:lstStyle/>
+          <a:p>
+            <a:r>
+              <a:rPr lang="ja-JP" altLang="en-US" sz="2400" dirty="0" smtClean="0">
+                <a:latin typeface="メイリオ" pitchFamily="50" charset="-128"/>
+                <a:ea typeface="メイリオ" pitchFamily="50" charset="-128"/>
+                <a:cs typeface="メイリオ" pitchFamily="50" charset="-128"/>
+              </a:rPr>
+              <a:t>４走行戦略</a:t>
+            </a:r>
+            <a:endParaRPr lang="en-US" altLang="ja-JP" sz="2400" dirty="0" smtClean="0">
+              <a:latin typeface="メイリオ" pitchFamily="50" charset="-128"/>
+              <a:ea typeface="メイリオ" pitchFamily="50" charset="-128"/>
+              <a:cs typeface="メイリオ" pitchFamily="50" charset="-128"/>
+            </a:endParaRPr>
+          </a:p>
+        </p:txBody>
+      </p:sp>
+      <p:sp>
+        <p:nvSpPr>
+          <p:cNvPr id="18" name="テキスト ボックス 17"/>
+          <p:cNvSpPr txBox="1"/>
+          <p:nvPr/>
+        </p:nvSpPr>
+        <p:spPr>
+          <a:xfrm>
+            <a:off x="383419" y="431702"/>
+            <a:ext cx="1736832" cy="461665"/>
+          </a:xfrm>
+          <a:prstGeom prst="rect">
+            <a:avLst/>
+          </a:prstGeom>
+          <a:noFill/>
+          <a:ln w="38100">
+            <a:solidFill>
+              <a:srgbClr val="00B0F0"/>
+            </a:solidFill>
+          </a:ln>
+        </p:spPr>
+        <p:txBody>
+          <a:bodyPr vert="horz" wrap="square" rtlCol="0">
+            <a:spAutoFit/>
+          </a:bodyPr>
+          <a:lstStyle/>
+          <a:p>
+            <a:r>
+              <a:rPr lang="ja-JP" altLang="en-US" sz="2400" dirty="0" smtClean="0">
+                <a:latin typeface="メイリオ" pitchFamily="50" charset="-128"/>
+                <a:ea typeface="メイリオ" pitchFamily="50" charset="-128"/>
+                <a:cs typeface="メイリオ" pitchFamily="50" charset="-128"/>
+              </a:rPr>
+              <a:t>１</a:t>
+            </a:r>
+            <a:r>
+              <a:rPr kumimoji="1" lang="ja-JP" altLang="en-US" sz="2400" dirty="0" smtClean="0">
+                <a:latin typeface="メイリオ" pitchFamily="50" charset="-128"/>
+                <a:ea typeface="メイリオ" pitchFamily="50" charset="-128"/>
+                <a:cs typeface="メイリオ" pitchFamily="50" charset="-128"/>
+              </a:rPr>
+              <a:t>要求分析</a:t>
+            </a:r>
+            <a:endParaRPr kumimoji="1" lang="en-US" altLang="ja-JP" sz="2400" dirty="0" smtClean="0">
+              <a:latin typeface="メイリオ" pitchFamily="50" charset="-128"/>
+              <a:ea typeface="メイリオ" pitchFamily="50" charset="-128"/>
+              <a:cs typeface="メイリオ" pitchFamily="50" charset="-128"/>
+            </a:endParaRPr>
+          </a:p>
+        </p:txBody>
+      </p:sp>
+      <p:sp>
+        <p:nvSpPr>
+          <p:cNvPr id="19" name="テキスト ボックス 18"/>
+          <p:cNvSpPr txBox="1"/>
+          <p:nvPr/>
+        </p:nvSpPr>
+        <p:spPr>
+          <a:xfrm>
+            <a:off x="7345982" y="428906"/>
+            <a:ext cx="1736388" cy="461665"/>
+          </a:xfrm>
+          <a:prstGeom prst="rect">
+            <a:avLst/>
+          </a:prstGeom>
+          <a:noFill/>
+          <a:ln w="38100">
+            <a:solidFill>
+              <a:srgbClr val="00B0F0"/>
+            </a:solidFill>
+          </a:ln>
+        </p:spPr>
+        <p:txBody>
+          <a:bodyPr vert="horz" wrap="square" rtlCol="0">
+            <a:spAutoFit/>
+          </a:bodyPr>
+          <a:lstStyle/>
+          <a:p>
+            <a:r>
+              <a:rPr lang="ja-JP" altLang="en-US" sz="2400" dirty="0" smtClean="0">
+                <a:latin typeface="メイリオ" pitchFamily="50" charset="-128"/>
+                <a:ea typeface="メイリオ" pitchFamily="50" charset="-128"/>
+                <a:cs typeface="メイリオ" pitchFamily="50" charset="-128"/>
+              </a:rPr>
+              <a:t>５要素技術</a:t>
+            </a:r>
+            <a:endParaRPr lang="en-US" altLang="ja-JP" sz="2400" dirty="0" smtClean="0">
+              <a:latin typeface="メイリオ" pitchFamily="50" charset="-128"/>
+              <a:ea typeface="メイリオ" pitchFamily="50" charset="-128"/>
+              <a:cs typeface="メイリオ" pitchFamily="50" charset="-128"/>
+            </a:endParaRPr>
+          </a:p>
+        </p:txBody>
+      </p:sp>
     </p:spTree>
     <p:extLst>
       <p:ext uri="{BB962C8B-B14F-4D97-AF65-F5344CB8AC3E}">
@@ -5258,23 +5632,689 @@
           <a:chExt cx="0" cy="0"/>
         </a:xfrm>
       </p:grpSpPr>
+      <p:grpSp>
+        <p:nvGrpSpPr>
+          <p:cNvPr id="5" name="グループ化 4"/>
+          <p:cNvGrpSpPr/>
+          <p:nvPr/>
+        </p:nvGrpSpPr>
+        <p:grpSpPr>
+          <a:xfrm>
+            <a:off x="463408" y="552128"/>
+            <a:ext cx="492629" cy="8208912"/>
+            <a:chOff x="486654" y="494969"/>
+            <a:chExt cx="492629" cy="7197372"/>
+          </a:xfrm>
+        </p:grpSpPr>
+        <p:sp>
+          <p:nvSpPr>
+            <p:cNvPr id="7" name="テキスト ボックス 6"/>
+            <p:cNvSpPr txBox="1"/>
+            <p:nvPr/>
+          </p:nvSpPr>
+          <p:spPr>
+            <a:xfrm>
+              <a:off x="486807" y="1900902"/>
+              <a:ext cx="492443" cy="1459245"/>
+            </a:xfrm>
+            <a:prstGeom prst="rect">
+              <a:avLst/>
+            </a:prstGeom>
+            <a:noFill/>
+            <a:ln w="38100">
+              <a:solidFill>
+                <a:srgbClr val="00B0F0"/>
+              </a:solidFill>
+            </a:ln>
+          </p:spPr>
+          <p:txBody>
+            <a:bodyPr vert="eaVert" wrap="square" rtlCol="0">
+              <a:spAutoFit/>
+            </a:bodyPr>
+            <a:lstStyle/>
+            <a:p>
+              <a:r>
+                <a:rPr kumimoji="1" lang="ja-JP" altLang="en-US" sz="2000" dirty="0" smtClean="0">
+                  <a:latin typeface="メイリオ" pitchFamily="50" charset="-128"/>
+                  <a:ea typeface="メイリオ" pitchFamily="50" charset="-128"/>
+                  <a:cs typeface="メイリオ" pitchFamily="50" charset="-128"/>
+                </a:rPr>
+                <a:t>２構造分析</a:t>
+              </a:r>
+              <a:endParaRPr kumimoji="1" lang="en-US" altLang="ja-JP" sz="2000" dirty="0" smtClean="0">
+                <a:latin typeface="メイリオ" pitchFamily="50" charset="-128"/>
+                <a:ea typeface="メイリオ" pitchFamily="50" charset="-128"/>
+                <a:cs typeface="メイリオ" pitchFamily="50" charset="-128"/>
+              </a:endParaRPr>
+            </a:p>
+          </p:txBody>
+        </p:sp>
+        <p:sp>
+          <p:nvSpPr>
+            <p:cNvPr id="8" name="テキスト ボックス 7"/>
+            <p:cNvSpPr txBox="1"/>
+            <p:nvPr/>
+          </p:nvSpPr>
+          <p:spPr>
+            <a:xfrm>
+              <a:off x="486840" y="3372541"/>
+              <a:ext cx="492443" cy="1427834"/>
+            </a:xfrm>
+            <a:prstGeom prst="rect">
+              <a:avLst/>
+            </a:prstGeom>
+            <a:solidFill>
+              <a:schemeClr val="tx2">
+                <a:lumMod val="20000"/>
+                <a:lumOff val="80000"/>
+              </a:schemeClr>
+            </a:solidFill>
+            <a:ln w="38100">
+              <a:solidFill>
+                <a:srgbClr val="00B0F0"/>
+              </a:solidFill>
+            </a:ln>
+          </p:spPr>
+          <p:txBody>
+            <a:bodyPr vert="eaVert" wrap="square" rtlCol="0">
+              <a:spAutoFit/>
+            </a:bodyPr>
+            <a:lstStyle/>
+            <a:p>
+              <a:r>
+                <a:rPr lang="ja-JP" altLang="en-US" sz="2000" dirty="0" smtClean="0">
+                  <a:latin typeface="メイリオ" pitchFamily="50" charset="-128"/>
+                  <a:ea typeface="メイリオ" pitchFamily="50" charset="-128"/>
+                  <a:cs typeface="メイリオ" pitchFamily="50" charset="-128"/>
+                </a:rPr>
+                <a:t>３振舞設計</a:t>
+              </a:r>
+              <a:endParaRPr lang="en-US" altLang="ja-JP" sz="2000" dirty="0" smtClean="0">
+                <a:latin typeface="メイリオ" pitchFamily="50" charset="-128"/>
+                <a:ea typeface="メイリオ" pitchFamily="50" charset="-128"/>
+                <a:cs typeface="メイリオ" pitchFamily="50" charset="-128"/>
+              </a:endParaRPr>
+            </a:p>
+          </p:txBody>
+        </p:sp>
+        <p:sp>
+          <p:nvSpPr>
+            <p:cNvPr id="9" name="テキスト ボックス 8"/>
+            <p:cNvSpPr txBox="1"/>
+            <p:nvPr/>
+          </p:nvSpPr>
+          <p:spPr>
+            <a:xfrm>
+              <a:off x="486780" y="4800375"/>
+              <a:ext cx="492443" cy="1438386"/>
+            </a:xfrm>
+            <a:prstGeom prst="rect">
+              <a:avLst/>
+            </a:prstGeom>
+            <a:noFill/>
+            <a:ln w="38100">
+              <a:solidFill>
+                <a:srgbClr val="00B0F0"/>
+              </a:solidFill>
+            </a:ln>
+          </p:spPr>
+          <p:txBody>
+            <a:bodyPr vert="eaVert" wrap="square" rtlCol="0">
+              <a:spAutoFit/>
+            </a:bodyPr>
+            <a:lstStyle/>
+            <a:p>
+              <a:r>
+                <a:rPr lang="ja-JP" altLang="en-US" sz="2000" dirty="0" smtClean="0">
+                  <a:latin typeface="メイリオ" pitchFamily="50" charset="-128"/>
+                  <a:ea typeface="メイリオ" pitchFamily="50" charset="-128"/>
+                  <a:cs typeface="メイリオ" pitchFamily="50" charset="-128"/>
+                </a:rPr>
+                <a:t>４走行戦略</a:t>
+              </a:r>
+              <a:endParaRPr lang="en-US" altLang="ja-JP" sz="2000" dirty="0" smtClean="0">
+                <a:latin typeface="メイリオ" pitchFamily="50" charset="-128"/>
+                <a:ea typeface="メイリオ" pitchFamily="50" charset="-128"/>
+                <a:cs typeface="メイリオ" pitchFamily="50" charset="-128"/>
+              </a:endParaRPr>
+            </a:p>
+          </p:txBody>
+        </p:sp>
+        <p:sp>
+          <p:nvSpPr>
+            <p:cNvPr id="10" name="テキスト ボックス 9"/>
+            <p:cNvSpPr txBox="1"/>
+            <p:nvPr/>
+          </p:nvSpPr>
+          <p:spPr>
+            <a:xfrm>
+              <a:off x="486654" y="494969"/>
+              <a:ext cx="492443" cy="1430210"/>
+            </a:xfrm>
+            <a:prstGeom prst="rect">
+              <a:avLst/>
+            </a:prstGeom>
+            <a:noFill/>
+            <a:ln w="38100">
+              <a:solidFill>
+                <a:srgbClr val="00B0F0"/>
+              </a:solidFill>
+            </a:ln>
+          </p:spPr>
+          <p:txBody>
+            <a:bodyPr vert="horz" wrap="square" rtlCol="0">
+              <a:spAutoFit/>
+            </a:bodyPr>
+            <a:lstStyle/>
+            <a:p>
+              <a:r>
+                <a:rPr lang="ja-JP" altLang="en-US" sz="2000" dirty="0" smtClean="0">
+                  <a:latin typeface="メイリオ" pitchFamily="50" charset="-128"/>
+                  <a:ea typeface="メイリオ" pitchFamily="50" charset="-128"/>
+                  <a:cs typeface="メイリオ" pitchFamily="50" charset="-128"/>
+                </a:rPr>
+                <a:t>１</a:t>
+              </a:r>
+              <a:r>
+                <a:rPr kumimoji="1" lang="ja-JP" altLang="en-US" sz="2000" dirty="0" smtClean="0">
+                  <a:latin typeface="メイリオ" pitchFamily="50" charset="-128"/>
+                  <a:ea typeface="メイリオ" pitchFamily="50" charset="-128"/>
+                  <a:cs typeface="メイリオ" pitchFamily="50" charset="-128"/>
+                </a:rPr>
+                <a:t>要求分析</a:t>
+              </a:r>
+              <a:endParaRPr kumimoji="1" lang="en-US" altLang="ja-JP" sz="2000" dirty="0" smtClean="0">
+                <a:latin typeface="メイリオ" pitchFamily="50" charset="-128"/>
+                <a:ea typeface="メイリオ" pitchFamily="50" charset="-128"/>
+                <a:cs typeface="メイリオ" pitchFamily="50" charset="-128"/>
+              </a:endParaRPr>
+            </a:p>
+          </p:txBody>
+        </p:sp>
+        <p:sp>
+          <p:nvSpPr>
+            <p:cNvPr id="11" name="テキスト ボックス 10"/>
+            <p:cNvSpPr txBox="1"/>
+            <p:nvPr/>
+          </p:nvSpPr>
+          <p:spPr>
+            <a:xfrm>
+              <a:off x="486781" y="6240636"/>
+              <a:ext cx="492443" cy="1451705"/>
+            </a:xfrm>
+            <a:prstGeom prst="rect">
+              <a:avLst/>
+            </a:prstGeom>
+            <a:noFill/>
+            <a:ln w="38100">
+              <a:solidFill>
+                <a:srgbClr val="00B0F0"/>
+              </a:solidFill>
+            </a:ln>
+          </p:spPr>
+          <p:txBody>
+            <a:bodyPr vert="eaVert" wrap="square" rtlCol="0">
+              <a:spAutoFit/>
+            </a:bodyPr>
+            <a:lstStyle/>
+            <a:p>
+              <a:r>
+                <a:rPr lang="ja-JP" altLang="en-US" sz="2000" dirty="0" smtClean="0">
+                  <a:latin typeface="メイリオ" pitchFamily="50" charset="-128"/>
+                  <a:ea typeface="メイリオ" pitchFamily="50" charset="-128"/>
+                  <a:cs typeface="メイリオ" pitchFamily="50" charset="-128"/>
+                </a:rPr>
+                <a:t>５要素技術</a:t>
+              </a:r>
+              <a:endParaRPr lang="en-US" altLang="ja-JP" sz="2000" dirty="0" smtClean="0">
+                <a:latin typeface="メイリオ" pitchFamily="50" charset="-128"/>
+                <a:ea typeface="メイリオ" pitchFamily="50" charset="-128"/>
+                <a:cs typeface="メイリオ" pitchFamily="50" charset="-128"/>
+              </a:endParaRPr>
+            </a:p>
+          </p:txBody>
+        </p:sp>
+      </p:grpSp>
+      <p:pic>
+        <p:nvPicPr>
+          <p:cNvPr id="12" name="Picture 2" descr="C:\Users\HOMMA\Downloads\ロボコン\ロボコンロゴ3.png"/>
+          <p:cNvPicPr>
+            <a:picLocks noChangeAspect="1" noChangeArrowheads="1"/>
+          </p:cNvPicPr>
+          <p:nvPr/>
+        </p:nvPicPr>
+        <p:blipFill>
+          <a:blip r:embed="rId2" cstate="print">
+            <a:extLst>
+              <a:ext uri="{28A0092B-C50C-407E-A947-70E740481C1C}">
+                <a14:useLocalDpi xmlns:a14="http://schemas.microsoft.com/office/drawing/2010/main" val="0"/>
+              </a:ext>
+            </a:extLst>
+          </a:blip>
+          <a:srcRect/>
+          <a:stretch>
+            <a:fillRect/>
+          </a:stretch>
+        </p:blipFill>
+        <p:spPr bwMode="auto">
+          <a:xfrm>
+            <a:off x="9759687" y="299492"/>
+            <a:ext cx="2820410" cy="853645"/>
+          </a:xfrm>
+          <a:prstGeom prst="rect">
+            <a:avLst/>
+          </a:prstGeom>
+          <a:noFill/>
+          <a:extLst>
+            <a:ext uri="{909E8E84-426E-40DD-AFC4-6F175D3DCCD1}">
+              <a14:hiddenFill xmlns:a14="http://schemas.microsoft.com/office/drawing/2010/main">
+                <a:solidFill>
+                  <a:srgbClr val="FFFFFF"/>
+                </a:solidFill>
+              </a14:hiddenFill>
+            </a:ext>
+          </a:extLst>
+        </p:spPr>
+      </p:pic>
+      <p:pic>
+        <p:nvPicPr>
+          <p:cNvPr id="3074" name="Picture 2" descr="C:\Users\HOMMA\Desktop\駆動シーケンス.emf"/>
+          <p:cNvPicPr>
+            <a:picLocks noChangeAspect="1" noChangeArrowheads="1"/>
+          </p:cNvPicPr>
+          <p:nvPr/>
+        </p:nvPicPr>
+        <p:blipFill rotWithShape="1">
+          <a:blip r:embed="rId3">
+            <a:extLst>
+              <a:ext uri="{28A0092B-C50C-407E-A947-70E740481C1C}">
+                <a14:useLocalDpi xmlns:a14="http://schemas.microsoft.com/office/drawing/2010/main" val="0"/>
+              </a:ext>
+            </a:extLst>
+          </a:blip>
+          <a:srcRect l="2873" t="5401" r="1440" b="5163"/>
+          <a:stretch/>
+        </p:blipFill>
+        <p:spPr bwMode="auto">
+          <a:xfrm>
+            <a:off x="1497235" y="3123356"/>
+            <a:ext cx="4989661" cy="2872763"/>
+          </a:xfrm>
+          <a:prstGeom prst="rect">
+            <a:avLst/>
+          </a:prstGeom>
+          <a:noFill/>
+          <a:ln w="28575">
+            <a:solidFill>
+              <a:srgbClr val="00B050"/>
+            </a:solidFill>
+          </a:ln>
+          <a:extLst>
+            <a:ext uri="{909E8E84-426E-40DD-AFC4-6F175D3DCCD1}">
+              <a14:hiddenFill xmlns:a14="http://schemas.microsoft.com/office/drawing/2010/main">
+                <a:solidFill>
+                  <a:srgbClr val="FFFFFF"/>
+                </a:solidFill>
+              </a14:hiddenFill>
+            </a:ext>
+          </a:extLst>
+        </p:spPr>
+      </p:pic>
+      <p:sp>
+        <p:nvSpPr>
+          <p:cNvPr id="14" name="テキスト ボックス 13"/>
+          <p:cNvSpPr txBox="1"/>
+          <p:nvPr/>
+        </p:nvSpPr>
+        <p:spPr>
+          <a:xfrm>
+            <a:off x="1615727" y="2708461"/>
+            <a:ext cx="3046100" cy="615553"/>
+          </a:xfrm>
+          <a:prstGeom prst="rect">
+            <a:avLst/>
+          </a:prstGeom>
+          <a:noFill/>
+        </p:spPr>
+        <p:txBody>
+          <a:bodyPr wrap="square" rtlCol="0">
+            <a:spAutoFit/>
+          </a:bodyPr>
+          <a:lstStyle/>
+          <a:p>
+            <a:r>
+              <a:rPr lang="ja-JP" altLang="en-US" sz="1800" dirty="0" smtClean="0">
+                <a:latin typeface="メイリオ" pitchFamily="50" charset="-128"/>
+                <a:ea typeface="メイリオ" pitchFamily="50" charset="-128"/>
+                <a:cs typeface="メイリオ" pitchFamily="50" charset="-128"/>
+              </a:rPr>
+              <a:t>走行中の駆動部の振る舞い</a:t>
+            </a:r>
+            <a:endParaRPr lang="en-US" altLang="ja-JP" sz="1200" dirty="0" smtClean="0">
+              <a:latin typeface="メイリオ" pitchFamily="50" charset="-128"/>
+              <a:ea typeface="メイリオ" pitchFamily="50" charset="-128"/>
+              <a:cs typeface="メイリオ" pitchFamily="50" charset="-128"/>
+            </a:endParaRPr>
+          </a:p>
+          <a:p>
+            <a:endParaRPr lang="en-US" altLang="ja-JP" sz="1600" dirty="0" smtClean="0">
+              <a:latin typeface="メイリオ" pitchFamily="50" charset="-128"/>
+              <a:ea typeface="メイリオ" pitchFamily="50" charset="-128"/>
+              <a:cs typeface="メイリオ" pitchFamily="50" charset="-128"/>
+            </a:endParaRPr>
+          </a:p>
+        </p:txBody>
+      </p:sp>
+      <p:pic>
+        <p:nvPicPr>
+          <p:cNvPr id="3075" name="Picture 3" descr="C:\Users\HOMMA\Desktop\区間切り替えシーケンス図.emf"/>
+          <p:cNvPicPr>
+            <a:picLocks noChangeAspect="1" noChangeArrowheads="1"/>
+          </p:cNvPicPr>
+          <p:nvPr/>
+        </p:nvPicPr>
+        <p:blipFill rotWithShape="1">
+          <a:blip r:embed="rId4" cstate="print">
+            <a:extLst>
+              <a:ext uri="{28A0092B-C50C-407E-A947-70E740481C1C}">
+                <a14:useLocalDpi xmlns:a14="http://schemas.microsoft.com/office/drawing/2010/main" val="0"/>
+              </a:ext>
+            </a:extLst>
+          </a:blip>
+          <a:srcRect l="2371" t="4676" r="1299" b="3986"/>
+          <a:stretch/>
+        </p:blipFill>
+        <p:spPr bwMode="auto">
+          <a:xfrm>
+            <a:off x="6954496" y="3129859"/>
+            <a:ext cx="4928467" cy="3067076"/>
+          </a:xfrm>
+          <a:prstGeom prst="rect">
+            <a:avLst/>
+          </a:prstGeom>
+          <a:noFill/>
+          <a:ln w="28575">
+            <a:solidFill>
+              <a:srgbClr val="00B050"/>
+            </a:solidFill>
+          </a:ln>
+          <a:extLst>
+            <a:ext uri="{909E8E84-426E-40DD-AFC4-6F175D3DCCD1}">
+              <a14:hiddenFill xmlns:a14="http://schemas.microsoft.com/office/drawing/2010/main">
+                <a:solidFill>
+                  <a:srgbClr val="FFFFFF"/>
+                </a:solidFill>
+              </a14:hiddenFill>
+            </a:ext>
+          </a:extLst>
+        </p:spPr>
+      </p:pic>
+      <p:sp>
+        <p:nvSpPr>
+          <p:cNvPr id="17" name="テキスト ボックス 16"/>
+          <p:cNvSpPr txBox="1"/>
+          <p:nvPr/>
+        </p:nvSpPr>
+        <p:spPr>
+          <a:xfrm>
+            <a:off x="1307431" y="645742"/>
+            <a:ext cx="7920881" cy="1323439"/>
+          </a:xfrm>
+          <a:prstGeom prst="rect">
+            <a:avLst/>
+          </a:prstGeom>
+          <a:noFill/>
+        </p:spPr>
+        <p:txBody>
+          <a:bodyPr wrap="square" rtlCol="0">
+            <a:spAutoFit/>
+          </a:bodyPr>
+          <a:lstStyle/>
+          <a:p>
+            <a:r>
+              <a:rPr lang="en-US" altLang="ja-JP" sz="1600" dirty="0" smtClean="0">
+                <a:latin typeface="メイリオ" pitchFamily="50" charset="-128"/>
+                <a:ea typeface="メイリオ" pitchFamily="50" charset="-128"/>
+                <a:cs typeface="メイリオ" pitchFamily="50" charset="-128"/>
+              </a:rPr>
+              <a:t>ET</a:t>
+            </a:r>
+            <a:r>
+              <a:rPr lang="ja-JP" altLang="en-US" sz="1600" dirty="0" smtClean="0">
+                <a:latin typeface="メイリオ" pitchFamily="50" charset="-128"/>
+                <a:ea typeface="メイリオ" pitchFamily="50" charset="-128"/>
+                <a:cs typeface="メイリオ" pitchFamily="50" charset="-128"/>
+              </a:rPr>
+              <a:t>ロボコンはコースを細かく分割した区間の連続によって構成されていると分析しました。区間ごとに最適な前進量などのパラメータが存在し、新たな区間への切替条件があるとしました。区間が切り替わらない間は同一のパラメータを元に走行するのみに専念します。</a:t>
+            </a:r>
+            <a:endParaRPr lang="en-US" altLang="ja-JP" sz="1100" dirty="0" smtClean="0">
+              <a:latin typeface="メイリオ" pitchFamily="50" charset="-128"/>
+              <a:ea typeface="メイリオ" pitchFamily="50" charset="-128"/>
+              <a:cs typeface="メイリオ" pitchFamily="50" charset="-128"/>
+            </a:endParaRPr>
+          </a:p>
+          <a:p>
+            <a:endParaRPr lang="en-US" altLang="ja-JP" sz="1600" dirty="0" smtClean="0">
+              <a:latin typeface="メイリオ" pitchFamily="50" charset="-128"/>
+              <a:ea typeface="メイリオ" pitchFamily="50" charset="-128"/>
+              <a:cs typeface="メイリオ" pitchFamily="50" charset="-128"/>
+            </a:endParaRPr>
+          </a:p>
+        </p:txBody>
+      </p:sp>
+      <p:sp>
+        <p:nvSpPr>
+          <p:cNvPr id="18" name="テキスト ボックス 17"/>
+          <p:cNvSpPr txBox="1"/>
+          <p:nvPr/>
+        </p:nvSpPr>
+        <p:spPr>
+          <a:xfrm>
+            <a:off x="7419705" y="2215196"/>
+            <a:ext cx="3168352" cy="892552"/>
+          </a:xfrm>
+          <a:prstGeom prst="rect">
+            <a:avLst/>
+          </a:prstGeom>
+          <a:noFill/>
+        </p:spPr>
+        <p:txBody>
+          <a:bodyPr wrap="square" rtlCol="0">
+            <a:spAutoFit/>
+          </a:bodyPr>
+          <a:lstStyle/>
+          <a:p>
+            <a:r>
+              <a:rPr lang="ja-JP" altLang="en-US" sz="1800" dirty="0" smtClean="0">
+                <a:latin typeface="メイリオ" pitchFamily="50" charset="-128"/>
+                <a:ea typeface="メイリオ" pitchFamily="50" charset="-128"/>
+                <a:cs typeface="メイリオ" pitchFamily="50" charset="-128"/>
+              </a:rPr>
+              <a:t>区間の切替から目標駆動パラメータを設定する振る舞い</a:t>
+            </a:r>
+            <a:endParaRPr lang="en-US" altLang="ja-JP" sz="1200" dirty="0" smtClean="0">
+              <a:latin typeface="メイリオ" pitchFamily="50" charset="-128"/>
+              <a:ea typeface="メイリオ" pitchFamily="50" charset="-128"/>
+              <a:cs typeface="メイリオ" pitchFamily="50" charset="-128"/>
+            </a:endParaRPr>
+          </a:p>
+          <a:p>
+            <a:endParaRPr lang="en-US" altLang="ja-JP" sz="1600" dirty="0" smtClean="0">
+              <a:latin typeface="メイリオ" pitchFamily="50" charset="-128"/>
+              <a:ea typeface="メイリオ" pitchFamily="50" charset="-128"/>
+              <a:cs typeface="メイリオ" pitchFamily="50" charset="-128"/>
+            </a:endParaRPr>
+          </a:p>
+        </p:txBody>
+      </p:sp>
+      <p:sp>
+        <p:nvSpPr>
+          <p:cNvPr id="13" name="角丸四角形 12"/>
+          <p:cNvSpPr/>
+          <p:nvPr/>
+        </p:nvSpPr>
+        <p:spPr>
+          <a:xfrm>
+            <a:off x="1497235" y="6226367"/>
+            <a:ext cx="1684619" cy="936104"/>
+          </a:xfrm>
+          <a:prstGeom prst="roundRect">
+            <a:avLst/>
+          </a:prstGeom>
+        </p:spPr>
+        <p:style>
+          <a:lnRef idx="2">
+            <a:schemeClr val="accent5">
+              <a:shade val="50000"/>
+            </a:schemeClr>
+          </a:lnRef>
+          <a:fillRef idx="1">
+            <a:schemeClr val="accent5"/>
+          </a:fillRef>
+          <a:effectRef idx="0">
+            <a:schemeClr val="accent5"/>
+          </a:effectRef>
+          <a:fontRef idx="minor">
+            <a:schemeClr val="lt1"/>
+          </a:fontRef>
+        </p:style>
+        <p:txBody>
+          <a:bodyPr rtlCol="0" anchor="ctr"/>
+          <a:lstStyle/>
+          <a:p>
+            <a:pPr algn="ctr"/>
+            <a:r>
+              <a:rPr lang="ja-JP" altLang="en-US" sz="1200" dirty="0" smtClean="0"/>
+              <a:t>この２つの振る舞いが別タスクで呼ばれて走行システムが構成されている。</a:t>
+            </a:r>
+            <a:endParaRPr kumimoji="1" lang="ja-JP" altLang="en-US" sz="1200" dirty="0"/>
+          </a:p>
+        </p:txBody>
+      </p:sp>
+      <p:cxnSp>
+        <p:nvCxnSpPr>
+          <p:cNvPr id="25" name="直線矢印コネクタ 24"/>
+          <p:cNvCxnSpPr>
+            <a:stCxn id="13" idx="0"/>
+          </p:cNvCxnSpPr>
+          <p:nvPr/>
+        </p:nvCxnSpPr>
+        <p:spPr>
+          <a:xfrm flipV="1">
+            <a:off x="2339545" y="5557136"/>
+            <a:ext cx="694555" cy="669231"/>
+          </a:xfrm>
+          <a:prstGeom prst="straightConnector1">
+            <a:avLst/>
+          </a:prstGeom>
+          <a:ln w="34925">
+            <a:tailEnd type="arrow"/>
+          </a:ln>
+        </p:spPr>
+        <p:style>
+          <a:lnRef idx="1">
+            <a:schemeClr val="accent1"/>
+          </a:lnRef>
+          <a:fillRef idx="0">
+            <a:schemeClr val="accent1"/>
+          </a:fillRef>
+          <a:effectRef idx="0">
+            <a:schemeClr val="accent1"/>
+          </a:effectRef>
+          <a:fontRef idx="minor">
+            <a:schemeClr val="tx1"/>
+          </a:fontRef>
+        </p:style>
+      </p:cxnSp>
+      <p:cxnSp>
+        <p:nvCxnSpPr>
+          <p:cNvPr id="26" name="直線矢印コネクタ 25"/>
+          <p:cNvCxnSpPr/>
+          <p:nvPr/>
+        </p:nvCxnSpPr>
+        <p:spPr>
+          <a:xfrm flipV="1">
+            <a:off x="3138777" y="5996119"/>
+            <a:ext cx="4414151" cy="748697"/>
+          </a:xfrm>
+          <a:prstGeom prst="straightConnector1">
+            <a:avLst/>
+          </a:prstGeom>
+          <a:ln w="34925">
+            <a:tailEnd type="arrow"/>
+          </a:ln>
+        </p:spPr>
+        <p:style>
+          <a:lnRef idx="1">
+            <a:schemeClr val="accent1"/>
+          </a:lnRef>
+          <a:fillRef idx="0">
+            <a:schemeClr val="accent1"/>
+          </a:fillRef>
+          <a:effectRef idx="0">
+            <a:schemeClr val="accent1"/>
+          </a:effectRef>
+          <a:fontRef idx="minor">
+            <a:schemeClr val="tx1"/>
+          </a:fontRef>
+        </p:style>
+      </p:cxnSp>
+      <p:pic>
+        <p:nvPicPr>
+          <p:cNvPr id="3076" name="Picture 4" descr="C:\Users\HOMMA\Desktop\タスク構成.emf"/>
+          <p:cNvPicPr>
+            <a:picLocks noChangeAspect="1" noChangeArrowheads="1"/>
+          </p:cNvPicPr>
+          <p:nvPr/>
+        </p:nvPicPr>
+        <p:blipFill rotWithShape="1">
+          <a:blip r:embed="rId5">
+            <a:extLst>
+              <a:ext uri="{28A0092B-C50C-407E-A947-70E740481C1C}">
+                <a14:useLocalDpi xmlns:a14="http://schemas.microsoft.com/office/drawing/2010/main" val="0"/>
+              </a:ext>
+            </a:extLst>
+          </a:blip>
+          <a:srcRect l="1549" t="7611" r="25238" b="13613"/>
+          <a:stretch/>
+        </p:blipFill>
+        <p:spPr bwMode="auto">
+          <a:xfrm>
+            <a:off x="5639701" y="6637256"/>
+            <a:ext cx="3690709" cy="2304030"/>
+          </a:xfrm>
+          <a:prstGeom prst="rect">
+            <a:avLst/>
+          </a:prstGeom>
+          <a:noFill/>
+          <a:extLst>
+            <a:ext uri="{909E8E84-426E-40DD-AFC4-6F175D3DCCD1}">
+              <a14:hiddenFill xmlns:a14="http://schemas.microsoft.com/office/drawing/2010/main">
+                <a:solidFill>
+                  <a:srgbClr val="FFFFFF"/>
+                </a:solidFill>
+              </a14:hiddenFill>
+            </a:ext>
+          </a:extLst>
+        </p:spPr>
+      </p:pic>
       <p:graphicFrame>
         <p:nvGraphicFramePr>
-          <p:cNvPr id="2" name="表 1"/>
+          <p:cNvPr id="34" name="表 33"/>
           <p:cNvGraphicFramePr>
             <a:graphicFrameLocks noGrp="1"/>
           </p:cNvGraphicFramePr>
           <p:nvPr>
             <p:extLst>
               <p:ext uri="{D42A27DB-BD31-4B8C-83A1-F6EECF244321}">
-                <p14:modId xmlns:p14="http://schemas.microsoft.com/office/powerpoint/2010/main" val="3553923333"/>
+                <p14:modId xmlns:p14="http://schemas.microsoft.com/office/powerpoint/2010/main" val="3046943943"/>
               </p:ext>
             </p:extLst>
           </p:nvPr>
         </p:nvGraphicFramePr>
         <p:xfrm>
-          <a:off x="2152327" y="2712368"/>
-          <a:ext cx="8640961" cy="2448272"/>
+          <a:off x="9411744" y="6274306"/>
+          <a:ext cx="3168353" cy="2996158"/>
         </p:xfrm>
         <a:graphic>
           <a:graphicData uri="http://schemas.openxmlformats.org/drawingml/2006/table">
@@ -5283,22 +6323,22 @@
                 <a:tableStyleId>{5C22544A-7EE6-4342-B048-85BDC9FD1C3A}</a:tableStyleId>
               </a:tblPr>
               <a:tblGrid>
-                <a:gridCol w="2114305"/>
-                <a:gridCol w="1239421"/>
-                <a:gridCol w="1531047"/>
-                <a:gridCol w="3756188"/>
+                <a:gridCol w="775245"/>
+                <a:gridCol w="664915"/>
+                <a:gridCol w="576065"/>
+                <a:gridCol w="1152128"/>
               </a:tblGrid>
-              <a:tr h="389364">
+              <a:tr h="542518">
                 <a:tc>
                   <a:txBody>
                     <a:bodyPr/>
                     <a:lstStyle/>
                     <a:p>
                       <a:r>
-                        <a:rPr kumimoji="1" lang="ja-JP" altLang="en-US" sz="1600" dirty="0" smtClean="0"/>
+                        <a:rPr kumimoji="1" lang="ja-JP" altLang="en-US" sz="1100" dirty="0" smtClean="0"/>
                         <a:t>タスク名</a:t>
                       </a:r>
-                      <a:endParaRPr kumimoji="1" lang="ja-JP" altLang="en-US" sz="1600" dirty="0"/>
+                      <a:endParaRPr kumimoji="1" lang="ja-JP" altLang="en-US" sz="1100" dirty="0"/>
                     </a:p>
                   </a:txBody>
                   <a:tcPr/>
@@ -5309,10 +6349,10 @@
                     <a:lstStyle/>
                     <a:p>
                       <a:r>
-                        <a:rPr kumimoji="1" lang="ja-JP" altLang="en-US" sz="1600" dirty="0" smtClean="0"/>
+                        <a:rPr kumimoji="1" lang="ja-JP" altLang="en-US" sz="1100" dirty="0" smtClean="0"/>
                         <a:t>優先度</a:t>
                       </a:r>
-                      <a:endParaRPr kumimoji="1" lang="ja-JP" altLang="en-US" sz="1600" dirty="0"/>
+                      <a:endParaRPr kumimoji="1" lang="ja-JP" altLang="en-US" sz="1100" dirty="0"/>
                     </a:p>
                   </a:txBody>
                   <a:tcPr/>
@@ -5323,22 +6363,22 @@
                     <a:lstStyle/>
                     <a:p>
                       <a:r>
-                        <a:rPr kumimoji="1" lang="ja-JP" altLang="en-US" sz="1600" dirty="0" smtClean="0"/>
+                        <a:rPr kumimoji="1" lang="ja-JP" altLang="en-US" sz="1100" dirty="0" smtClean="0"/>
                         <a:t>周期 </a:t>
                       </a:r>
                       <a:r>
-                        <a:rPr kumimoji="1" lang="en-US" altLang="ja-JP" sz="1600" dirty="0" smtClean="0"/>
+                        <a:rPr kumimoji="1" lang="en-US" altLang="ja-JP" sz="1100" dirty="0" smtClean="0"/>
                         <a:t>[</a:t>
                       </a:r>
                       <a:r>
-                        <a:rPr kumimoji="1" lang="en-US" altLang="ja-JP" sz="1600" dirty="0" err="1" smtClean="0"/>
+                        <a:rPr kumimoji="1" lang="en-US" altLang="ja-JP" sz="1100" dirty="0" err="1" smtClean="0"/>
                         <a:t>ms</a:t>
                       </a:r>
                       <a:r>
-                        <a:rPr kumimoji="1" lang="en-US" altLang="ja-JP" sz="1600" dirty="0" smtClean="0"/>
+                        <a:rPr kumimoji="1" lang="en-US" altLang="ja-JP" sz="1100" dirty="0" smtClean="0"/>
                         <a:t>]</a:t>
                       </a:r>
-                      <a:endParaRPr kumimoji="1" lang="ja-JP" altLang="en-US" sz="1600" dirty="0"/>
+                      <a:endParaRPr kumimoji="1" lang="ja-JP" altLang="en-US" sz="1100" dirty="0"/>
                     </a:p>
                   </a:txBody>
                   <a:tcPr/>
@@ -5349,26 +6389,26 @@
                     <a:lstStyle/>
                     <a:p>
                       <a:r>
-                        <a:rPr kumimoji="1" lang="ja-JP" altLang="en-US" sz="1600" dirty="0" smtClean="0"/>
+                        <a:rPr kumimoji="1" lang="ja-JP" altLang="en-US" sz="1100" dirty="0" smtClean="0"/>
                         <a:t>理由</a:t>
                       </a:r>
-                      <a:endParaRPr kumimoji="1" lang="ja-JP" altLang="en-US" sz="1600" dirty="0"/>
+                      <a:endParaRPr kumimoji="1" lang="ja-JP" altLang="en-US" sz="1100" dirty="0"/>
                     </a:p>
                   </a:txBody>
                   <a:tcPr/>
                 </a:tc>
               </a:tr>
-              <a:tr h="955711">
+              <a:tr h="680411">
                 <a:tc>
                   <a:txBody>
                     <a:bodyPr/>
                     <a:lstStyle/>
                     <a:p>
                       <a:r>
-                        <a:rPr kumimoji="1" lang="ja-JP" altLang="en-US" sz="1600" dirty="0" smtClean="0"/>
+                        <a:rPr kumimoji="1" lang="ja-JP" altLang="en-US" sz="1100" dirty="0" smtClean="0"/>
                         <a:t>駆動タスク</a:t>
                       </a:r>
-                      <a:endParaRPr kumimoji="1" lang="ja-JP" altLang="en-US" sz="1600" dirty="0"/>
+                      <a:endParaRPr kumimoji="1" lang="ja-JP" altLang="en-US" sz="1100" dirty="0"/>
                     </a:p>
                   </a:txBody>
                   <a:tcPr/>
@@ -5379,10 +6419,10 @@
                     <a:lstStyle/>
                     <a:p>
                       <a:r>
-                        <a:rPr kumimoji="1" lang="ja-JP" altLang="en-US" sz="1600" dirty="0" smtClean="0"/>
+                        <a:rPr kumimoji="1" lang="ja-JP" altLang="en-US" sz="1100" dirty="0" smtClean="0"/>
                         <a:t>１</a:t>
                       </a:r>
-                      <a:endParaRPr kumimoji="1" lang="ja-JP" altLang="en-US" sz="1600" dirty="0"/>
+                      <a:endParaRPr kumimoji="1" lang="ja-JP" altLang="en-US" sz="1100" dirty="0"/>
                     </a:p>
                   </a:txBody>
                   <a:tcPr/>
@@ -5393,7 +6433,7 @@
                     <a:lstStyle/>
                     <a:p>
                       <a:r>
-                        <a:rPr kumimoji="1" lang="en-US" altLang="ja-JP" sz="1600" dirty="0" smtClean="0"/>
+                        <a:rPr kumimoji="1" lang="en-US" altLang="ja-JP" sz="1100" dirty="0" smtClean="0"/>
                         <a:t>4</a:t>
                       </a:r>
                     </a:p>
@@ -5406,34 +6446,34 @@
                     <a:lstStyle/>
                     <a:p>
                       <a:r>
-                        <a:rPr kumimoji="1" lang="ja-JP" altLang="en-US" sz="1600" dirty="0" smtClean="0"/>
+                        <a:rPr kumimoji="1" lang="ja-JP" altLang="en-US" sz="1100" dirty="0" smtClean="0"/>
                         <a:t>制約条件より</a:t>
                       </a:r>
                       <a:r>
-                        <a:rPr kumimoji="1" lang="en-US" altLang="ja-JP" sz="1600" dirty="0" smtClean="0"/>
+                        <a:rPr kumimoji="1" lang="en-US" altLang="ja-JP" sz="1100" dirty="0" smtClean="0"/>
                         <a:t>4ms</a:t>
                       </a:r>
                       <a:r>
-                        <a:rPr kumimoji="1" lang="ja-JP" altLang="en-US" sz="1600" dirty="0" smtClean="0"/>
+                        <a:rPr kumimoji="1" lang="ja-JP" altLang="en-US" sz="1100" dirty="0" smtClean="0"/>
                         <a:t>で実行する必要があるバランサーとそれに関連する処理をまとめた。</a:t>
                       </a:r>
-                      <a:endParaRPr kumimoji="1" lang="en-US" altLang="ja-JP" sz="1600" dirty="0" smtClean="0"/>
+                      <a:endParaRPr kumimoji="1" lang="en-US" altLang="ja-JP" sz="1100" dirty="0" smtClean="0"/>
                     </a:p>
                   </a:txBody>
                   <a:tcPr/>
                 </a:tc>
               </a:tr>
-              <a:tr h="430660">
+              <a:tr h="563499">
                 <a:tc>
                   <a:txBody>
                     <a:bodyPr/>
                     <a:lstStyle/>
                     <a:p>
                       <a:r>
-                        <a:rPr kumimoji="1" lang="ja-JP" altLang="en-US" sz="1600" dirty="0" smtClean="0"/>
+                        <a:rPr kumimoji="1" lang="ja-JP" altLang="en-US" sz="1100" dirty="0" smtClean="0"/>
                         <a:t>外部状況監視タスク</a:t>
                       </a:r>
-                      <a:endParaRPr kumimoji="1" lang="ja-JP" altLang="en-US" sz="1600" dirty="0"/>
+                      <a:endParaRPr kumimoji="1" lang="ja-JP" altLang="en-US" sz="1100" dirty="0"/>
                     </a:p>
                   </a:txBody>
                   <a:tcPr/>
@@ -5444,10 +6484,10 @@
                     <a:lstStyle/>
                     <a:p>
                       <a:r>
-                        <a:rPr kumimoji="1" lang="ja-JP" altLang="en-US" sz="1600" dirty="0" smtClean="0"/>
+                        <a:rPr kumimoji="1" lang="ja-JP" altLang="en-US" sz="1100" dirty="0" smtClean="0"/>
                         <a:t>２</a:t>
                       </a:r>
-                      <a:endParaRPr kumimoji="1" lang="ja-JP" altLang="en-US" sz="1600" dirty="0"/>
+                      <a:endParaRPr kumimoji="1" lang="ja-JP" altLang="en-US" sz="1100" dirty="0"/>
                     </a:p>
                   </a:txBody>
                   <a:tcPr/>
@@ -5458,10 +6498,10 @@
                     <a:lstStyle/>
                     <a:p>
                       <a:r>
-                        <a:rPr kumimoji="1" lang="en-US" altLang="ja-JP" sz="1600" dirty="0" smtClean="0"/>
+                        <a:rPr kumimoji="1" lang="en-US" altLang="ja-JP" sz="1100" dirty="0" smtClean="0"/>
                         <a:t>50</a:t>
                       </a:r>
-                      <a:endParaRPr kumimoji="1" lang="ja-JP" altLang="en-US" sz="1600" dirty="0"/>
+                      <a:endParaRPr kumimoji="1" lang="ja-JP" altLang="en-US" sz="1100" dirty="0"/>
                     </a:p>
                   </a:txBody>
                   <a:tcPr/>
@@ -5472,26 +6512,26 @@
                     <a:lstStyle/>
                     <a:p>
                       <a:r>
-                        <a:rPr kumimoji="1" lang="ja-JP" altLang="en-US" sz="1600" dirty="0" smtClean="0"/>
+                        <a:rPr kumimoji="1" lang="ja-JP" altLang="en-US" sz="1100" dirty="0" smtClean="0"/>
                         <a:t>外部状況は急激な変化をしない。</a:t>
                       </a:r>
-                      <a:endParaRPr kumimoji="1" lang="ja-JP" altLang="en-US" sz="1600" dirty="0"/>
+                      <a:endParaRPr kumimoji="1" lang="ja-JP" altLang="en-US" sz="1100" dirty="0"/>
                     </a:p>
                   </a:txBody>
                   <a:tcPr/>
                 </a:tc>
               </a:tr>
-              <a:tr h="672537">
+              <a:tr h="684624">
                 <a:tc>
                   <a:txBody>
                     <a:bodyPr/>
                     <a:lstStyle/>
                     <a:p>
                       <a:r>
-                        <a:rPr kumimoji="1" lang="ja-JP" altLang="en-US" sz="1600" dirty="0" smtClean="0"/>
+                        <a:rPr kumimoji="1" lang="ja-JP" altLang="en-US" sz="1100" dirty="0" smtClean="0"/>
                         <a:t>ログ送信</a:t>
                       </a:r>
-                      <a:endParaRPr kumimoji="1" lang="ja-JP" altLang="en-US" sz="1600" dirty="0"/>
+                      <a:endParaRPr kumimoji="1" lang="ja-JP" altLang="en-US" sz="1100" dirty="0"/>
                     </a:p>
                   </a:txBody>
                   <a:tcPr/>
@@ -5502,10 +6542,10 @@
                     <a:lstStyle/>
                     <a:p>
                       <a:r>
-                        <a:rPr kumimoji="1" lang="ja-JP" altLang="en-US" sz="1600" dirty="0" smtClean="0"/>
+                        <a:rPr kumimoji="1" lang="ja-JP" altLang="en-US" sz="1100" dirty="0" smtClean="0"/>
                         <a:t>３</a:t>
                       </a:r>
-                      <a:endParaRPr kumimoji="1" lang="ja-JP" altLang="en-US" sz="1600" dirty="0"/>
+                      <a:endParaRPr kumimoji="1" lang="ja-JP" altLang="en-US" sz="1100" dirty="0"/>
                     </a:p>
                   </a:txBody>
                   <a:tcPr/>
@@ -5516,10 +6556,10 @@
                     <a:lstStyle/>
                     <a:p>
                       <a:r>
-                        <a:rPr kumimoji="1" lang="en-US" altLang="ja-JP" sz="1600" dirty="0" smtClean="0"/>
+                        <a:rPr kumimoji="1" lang="en-US" altLang="ja-JP" sz="1100" dirty="0" smtClean="0"/>
                         <a:t>50</a:t>
                       </a:r>
-                      <a:endParaRPr kumimoji="1" lang="ja-JP" altLang="en-US" sz="1600" dirty="0"/>
+                      <a:endParaRPr kumimoji="1" lang="ja-JP" altLang="en-US" sz="1100" dirty="0"/>
                     </a:p>
                   </a:txBody>
                   <a:tcPr/>
@@ -5530,10 +6570,10 @@
                     <a:lstStyle/>
                     <a:p>
                       <a:r>
-                        <a:rPr kumimoji="1" lang="ja-JP" altLang="en-US" sz="1600" dirty="0" smtClean="0"/>
+                        <a:rPr kumimoji="1" lang="ja-JP" altLang="en-US" sz="1100" dirty="0" smtClean="0"/>
                         <a:t>走行に直接関係しないため、優先度は一番低い。</a:t>
                       </a:r>
-                      <a:endParaRPr kumimoji="1" lang="en-US" altLang="ja-JP" sz="1600" dirty="0" smtClean="0"/>
+                      <a:endParaRPr kumimoji="1" lang="en-US" altLang="ja-JP" sz="1100" dirty="0" smtClean="0"/>
                     </a:p>
                   </a:txBody>
                   <a:tcPr/>
@@ -5545,14 +6585,14 @@
       </p:graphicFrame>
       <p:sp>
         <p:nvSpPr>
-          <p:cNvPr id="3" name="テキスト ボックス 2"/>
+          <p:cNvPr id="35" name="テキスト ボックス 34"/>
           <p:cNvSpPr txBox="1"/>
           <p:nvPr/>
         </p:nvSpPr>
         <p:spPr>
           <a:xfrm>
-            <a:off x="3232448" y="1063735"/>
-            <a:ext cx="4032448" cy="1169551"/>
+            <a:off x="1502287" y="7346990"/>
+            <a:ext cx="1946026" cy="1615827"/>
           </a:xfrm>
           <a:prstGeom prst="rect">
             <a:avLst/>
@@ -5566,14 +6606,30 @@
           <a:lstStyle/>
           <a:p>
             <a:r>
-              <a:rPr kumimoji="1" lang="ja-JP" altLang="en-US" sz="1400" dirty="0" smtClean="0">
+              <a:rPr kumimoji="1" lang="ja-JP" altLang="en-US" sz="1100" dirty="0" smtClean="0">
                 <a:latin typeface="メイリオ" pitchFamily="50" charset="-128"/>
                 <a:ea typeface="メイリオ" pitchFamily="50" charset="-128"/>
                 <a:cs typeface="メイリオ" pitchFamily="50" charset="-128"/>
               </a:rPr>
-              <a:t>設計方針</a:t>
-            </a:r>
-            <a:endParaRPr kumimoji="1" lang="en-US" altLang="ja-JP" sz="1400" dirty="0" smtClean="0">
+              <a:t>さらに</a:t>
+            </a:r>
+            <a:r>
+              <a:rPr lang="ja-JP" altLang="en-US" sz="1100" dirty="0">
+                <a:latin typeface="メイリオ" pitchFamily="50" charset="-128"/>
+                <a:ea typeface="メイリオ" pitchFamily="50" charset="-128"/>
+                <a:cs typeface="メイリオ" pitchFamily="50" charset="-128"/>
+              </a:rPr>
+              <a:t>これらの</a:t>
+            </a:r>
+            <a:r>
+              <a:rPr kumimoji="1" lang="ja-JP" altLang="en-US" sz="1100" dirty="0" smtClean="0">
+                <a:latin typeface="メイリオ" pitchFamily="50" charset="-128"/>
+                <a:ea typeface="メイリオ" pitchFamily="50" charset="-128"/>
+                <a:cs typeface="メイリオ" pitchFamily="50" charset="-128"/>
+              </a:rPr>
+              <a:t>設計方針を元に全体のタスク分割を検討</a:t>
+            </a:r>
+            <a:endParaRPr kumimoji="1" lang="en-US" altLang="ja-JP" sz="1100" dirty="0" smtClean="0">
               <a:latin typeface="メイリオ" pitchFamily="50" charset="-128"/>
               <a:ea typeface="メイリオ" pitchFamily="50" charset="-128"/>
               <a:cs typeface="メイリオ" pitchFamily="50" charset="-128"/>
@@ -5581,14 +6637,14 @@
           </a:p>
           <a:p>
             <a:r>
-              <a:rPr lang="ja-JP" altLang="en-US" sz="1400" dirty="0" smtClean="0">
+              <a:rPr lang="ja-JP" altLang="en-US" sz="1100" dirty="0" smtClean="0">
                 <a:latin typeface="メイリオ" pitchFamily="50" charset="-128"/>
                 <a:ea typeface="メイリオ" pitchFamily="50" charset="-128"/>
                 <a:cs typeface="メイリオ" pitchFamily="50" charset="-128"/>
               </a:rPr>
               <a:t>①　オーバヘッドを考慮し、タスクの数は最小限に</a:t>
             </a:r>
-            <a:endParaRPr lang="en-US" altLang="ja-JP" sz="1400" dirty="0">
+            <a:endParaRPr lang="en-US" altLang="ja-JP" sz="1100" dirty="0">
               <a:latin typeface="メイリオ" pitchFamily="50" charset="-128"/>
               <a:ea typeface="メイリオ" pitchFamily="50" charset="-128"/>
               <a:cs typeface="メイリオ" pitchFamily="50" charset="-128"/>
@@ -5596,14 +6652,14 @@
           </a:p>
           <a:p>
             <a:r>
-              <a:rPr kumimoji="1" lang="ja-JP" altLang="en-US" sz="1400" dirty="0" smtClean="0">
+              <a:rPr kumimoji="1" lang="ja-JP" altLang="en-US" sz="1100" dirty="0" smtClean="0">
                 <a:latin typeface="メイリオ" pitchFamily="50" charset="-128"/>
                 <a:ea typeface="メイリオ" pitchFamily="50" charset="-128"/>
                 <a:cs typeface="メイリオ" pitchFamily="50" charset="-128"/>
               </a:rPr>
               <a:t>②　駆動タスクへの影響を最小限に抑える。</a:t>
             </a:r>
-            <a:endParaRPr kumimoji="1" lang="en-US" altLang="ja-JP" sz="1400" dirty="0" smtClean="0">
+            <a:endParaRPr kumimoji="1" lang="en-US" altLang="ja-JP" sz="1100" dirty="0" smtClean="0">
               <a:latin typeface="メイリオ" pitchFamily="50" charset="-128"/>
               <a:ea typeface="メイリオ" pitchFamily="50" charset="-128"/>
               <a:cs typeface="メイリオ" pitchFamily="50" charset="-128"/>
@@ -5611,14 +6667,14 @@
           </a:p>
           <a:p>
             <a:r>
-              <a:rPr lang="ja-JP" altLang="en-US" sz="1400" dirty="0" smtClean="0">
+              <a:rPr lang="ja-JP" altLang="en-US" sz="1100" dirty="0" smtClean="0">
                 <a:latin typeface="メイリオ" pitchFamily="50" charset="-128"/>
                 <a:ea typeface="メイリオ" pitchFamily="50" charset="-128"/>
                 <a:cs typeface="メイリオ" pitchFamily="50" charset="-128"/>
               </a:rPr>
               <a:t>③　走行体の動作スピードを考慮した周期決定</a:t>
             </a:r>
-            <a:endParaRPr kumimoji="1" lang="ja-JP" altLang="en-US" sz="1400" dirty="0">
+            <a:endParaRPr kumimoji="1" lang="ja-JP" altLang="en-US" sz="1100" dirty="0">
               <a:latin typeface="メイリオ" pitchFamily="50" charset="-128"/>
               <a:ea typeface="メイリオ" pitchFamily="50" charset="-128"/>
               <a:cs typeface="メイリオ" pitchFamily="50" charset="-128"/>
@@ -5628,14 +6684,14 @@
       </p:sp>
       <p:sp>
         <p:nvSpPr>
-          <p:cNvPr id="4" name="テキスト ボックス 3"/>
+          <p:cNvPr id="36" name="テキスト ボックス 35"/>
           <p:cNvSpPr txBox="1"/>
           <p:nvPr/>
         </p:nvSpPr>
         <p:spPr>
           <a:xfrm>
-            <a:off x="7552928" y="740569"/>
-            <a:ext cx="4464496" cy="1384995"/>
+            <a:off x="3473762" y="7454712"/>
+            <a:ext cx="2154529" cy="1492716"/>
           </a:xfrm>
           <a:prstGeom prst="rect">
             <a:avLst/>
@@ -5649,14 +6705,14 @@
           <a:lstStyle/>
           <a:p>
             <a:r>
-              <a:rPr lang="ja-JP" altLang="en-US" sz="1400" dirty="0">
+              <a:rPr lang="ja-JP" altLang="en-US" sz="1100" dirty="0">
                 <a:latin typeface="メイリオ" pitchFamily="50" charset="-128"/>
                 <a:ea typeface="メイリオ" pitchFamily="50" charset="-128"/>
                 <a:cs typeface="メイリオ" pitchFamily="50" charset="-128"/>
               </a:rPr>
               <a:t>制約</a:t>
             </a:r>
-            <a:endParaRPr kumimoji="1" lang="en-US" altLang="ja-JP" sz="1400" dirty="0" smtClean="0">
+            <a:endParaRPr kumimoji="1" lang="en-US" altLang="ja-JP" sz="1100" dirty="0" smtClean="0">
               <a:latin typeface="メイリオ" pitchFamily="50" charset="-128"/>
               <a:ea typeface="メイリオ" pitchFamily="50" charset="-128"/>
               <a:cs typeface="メイリオ" pitchFamily="50" charset="-128"/>
@@ -5664,7 +6720,7 @@
           </a:p>
           <a:p>
             <a:r>
-              <a:rPr lang="ja-JP" altLang="en-US" sz="1400" dirty="0" smtClean="0">
+              <a:rPr lang="ja-JP" altLang="en-US" sz="1100" dirty="0" smtClean="0">
                 <a:latin typeface="メイリオ" pitchFamily="50" charset="-128"/>
                 <a:ea typeface="メイリオ" pitchFamily="50" charset="-128"/>
                 <a:cs typeface="メイリオ" pitchFamily="50" charset="-128"/>
@@ -5672,7 +6728,7 @@
               <a:t>①　</a:t>
             </a:r>
             <a:r>
-              <a:rPr lang="en-US" altLang="ja-JP" sz="1400" dirty="0" smtClean="0">
+              <a:rPr lang="en-US" altLang="ja-JP" sz="1100" dirty="0" smtClean="0">
                 <a:latin typeface="メイリオ" pitchFamily="50" charset="-128"/>
                 <a:ea typeface="メイリオ" pitchFamily="50" charset="-128"/>
                 <a:cs typeface="メイリオ" pitchFamily="50" charset="-128"/>
@@ -5680,7 +6736,7 @@
               <a:t>API</a:t>
             </a:r>
             <a:r>
-              <a:rPr lang="ja-JP" altLang="en-US" sz="1400" dirty="0" smtClean="0">
+              <a:rPr lang="ja-JP" altLang="en-US" sz="1100" dirty="0" smtClean="0">
                 <a:latin typeface="メイリオ" pitchFamily="50" charset="-128"/>
                 <a:ea typeface="メイリオ" pitchFamily="50" charset="-128"/>
                 <a:cs typeface="メイリオ" pitchFamily="50" charset="-128"/>
@@ -5688,7 +6744,7 @@
               <a:t>の仕様上、倒立制御は</a:t>
             </a:r>
             <a:r>
-              <a:rPr lang="en-US" altLang="ja-JP" sz="1400" dirty="0" smtClean="0">
+              <a:rPr lang="en-US" altLang="ja-JP" sz="1100" dirty="0" smtClean="0">
                 <a:latin typeface="メイリオ" pitchFamily="50" charset="-128"/>
                 <a:ea typeface="メイリオ" pitchFamily="50" charset="-128"/>
                 <a:cs typeface="メイリオ" pitchFamily="50" charset="-128"/>
@@ -5696,14 +6752,14 @@
               <a:t>4ms</a:t>
             </a:r>
             <a:r>
-              <a:rPr lang="ja-JP" altLang="en-US" sz="1400" dirty="0" smtClean="0">
+              <a:rPr lang="ja-JP" altLang="en-US" sz="1100" dirty="0" smtClean="0">
                 <a:latin typeface="メイリオ" pitchFamily="50" charset="-128"/>
                 <a:ea typeface="メイリオ" pitchFamily="50" charset="-128"/>
                 <a:cs typeface="メイリオ" pitchFamily="50" charset="-128"/>
               </a:rPr>
               <a:t>周期で実行しなければならない。</a:t>
             </a:r>
-            <a:endParaRPr lang="en-US" altLang="ja-JP" sz="1400" dirty="0">
+            <a:endParaRPr lang="en-US" altLang="ja-JP" sz="1100" dirty="0">
               <a:latin typeface="メイリオ" pitchFamily="50" charset="-128"/>
               <a:ea typeface="メイリオ" pitchFamily="50" charset="-128"/>
               <a:cs typeface="メイリオ" pitchFamily="50" charset="-128"/>
@@ -5711,7 +6767,7 @@
           </a:p>
           <a:p>
             <a:r>
-              <a:rPr kumimoji="1" lang="ja-JP" altLang="en-US" sz="1400" dirty="0" smtClean="0">
+              <a:rPr kumimoji="1" lang="ja-JP" altLang="en-US" sz="1100" dirty="0" smtClean="0">
                 <a:latin typeface="メイリオ" pitchFamily="50" charset="-128"/>
                 <a:ea typeface="メイリオ" pitchFamily="50" charset="-128"/>
                 <a:cs typeface="メイリオ" pitchFamily="50" charset="-128"/>
@@ -5719,7 +6775,7 @@
               <a:t>②　超音波センサの</a:t>
             </a:r>
             <a:r>
-              <a:rPr lang="ja-JP" altLang="en-US" sz="1400" dirty="0" smtClean="0">
+              <a:rPr lang="ja-JP" altLang="en-US" sz="1100" dirty="0" smtClean="0">
                 <a:latin typeface="メイリオ" pitchFamily="50" charset="-128"/>
                 <a:ea typeface="メイリオ" pitchFamily="50" charset="-128"/>
                 <a:cs typeface="メイリオ" pitchFamily="50" charset="-128"/>
@@ -5727,7 +6783,7 @@
               <a:t>特性上、</a:t>
             </a:r>
             <a:r>
-              <a:rPr lang="en-US" altLang="ja-JP" sz="1400" dirty="0" smtClean="0">
+              <a:rPr lang="en-US" altLang="ja-JP" sz="1100" dirty="0" smtClean="0">
                 <a:latin typeface="メイリオ" pitchFamily="50" charset="-128"/>
                 <a:ea typeface="メイリオ" pitchFamily="50" charset="-128"/>
                 <a:cs typeface="メイリオ" pitchFamily="50" charset="-128"/>
@@ -5735,7 +6791,7 @@
               <a:t>50m</a:t>
             </a:r>
             <a:r>
-              <a:rPr lang="ja-JP" altLang="en-US" sz="1400" dirty="0" smtClean="0">
+              <a:rPr lang="ja-JP" altLang="en-US" sz="1100" dirty="0" smtClean="0">
                 <a:latin typeface="メイリオ" pitchFamily="50" charset="-128"/>
                 <a:ea typeface="メイリオ" pitchFamily="50" charset="-128"/>
                 <a:cs typeface="メイリオ" pitchFamily="50" charset="-128"/>
@@ -5743,7 +6799,7 @@
               <a:t>周期以上でセンサ</a:t>
             </a:r>
             <a:r>
-              <a:rPr lang="en-US" altLang="ja-JP" sz="1400" dirty="0" smtClean="0">
+              <a:rPr lang="en-US" altLang="ja-JP" sz="1100" dirty="0" smtClean="0">
                 <a:latin typeface="メイリオ" pitchFamily="50" charset="-128"/>
                 <a:ea typeface="メイリオ" pitchFamily="50" charset="-128"/>
                 <a:cs typeface="メイリオ" pitchFamily="50" charset="-128"/>
@@ -5751,14 +6807,14 @@
               <a:t>API</a:t>
             </a:r>
             <a:r>
-              <a:rPr lang="ja-JP" altLang="en-US" sz="1400" dirty="0" smtClean="0">
+              <a:rPr lang="ja-JP" altLang="en-US" sz="1100" dirty="0" smtClean="0">
                 <a:latin typeface="メイリオ" pitchFamily="50" charset="-128"/>
                 <a:ea typeface="メイリオ" pitchFamily="50" charset="-128"/>
                 <a:cs typeface="メイリオ" pitchFamily="50" charset="-128"/>
               </a:rPr>
               <a:t>にアクセスしなければならない。</a:t>
             </a:r>
-            <a:endParaRPr lang="en-US" altLang="ja-JP" sz="1400" dirty="0" smtClean="0">
+            <a:endParaRPr lang="en-US" altLang="ja-JP" sz="1100" dirty="0" smtClean="0">
               <a:latin typeface="メイリオ" pitchFamily="50" charset="-128"/>
               <a:ea typeface="メイリオ" pitchFamily="50" charset="-128"/>
               <a:cs typeface="メイリオ" pitchFamily="50" charset="-128"/>
@@ -5773,6 +6829,36 @@
           </a:p>
         </p:txBody>
       </p:sp>
+    </p:spTree>
+    <p:extLst>
+      <p:ext uri="{BB962C8B-B14F-4D97-AF65-F5344CB8AC3E}">
+        <p14:creationId xmlns:p14="http://schemas.microsoft.com/office/powerpoint/2010/main" val="2743933651"/>
+      </p:ext>
+    </p:extLst>
+  </p:cSld>
+  <p:clrMapOvr>
+    <a:masterClrMapping/>
+  </p:clrMapOvr>
+</p:sld>
+</file>
+
+<file path=ppt/slides/slide6.xml><?xml version="1.0" encoding="utf-8"?>
+<p:sld xmlns:a="http://schemas.openxmlformats.org/drawingml/2006/main" xmlns:r="http://schemas.openxmlformats.org/officeDocument/2006/relationships" xmlns:p="http://schemas.openxmlformats.org/presentationml/2006/main">
+  <p:cSld>
+    <p:spTree>
+      <p:nvGrpSpPr>
+        <p:cNvPr id="1" name=""/>
+        <p:cNvGrpSpPr/>
+        <p:nvPr/>
+      </p:nvGrpSpPr>
+      <p:grpSpPr>
+        <a:xfrm>
+          <a:off x="0" y="0"/>
+          <a:ext cx="0" cy="0"/>
+          <a:chOff x="0" y="0"/>
+          <a:chExt cx="0" cy="0"/>
+        </a:xfrm>
+      </p:grpSpPr>
     </p:spTree>
     <p:extLst>
       <p:ext uri="{BB962C8B-B14F-4D97-AF65-F5344CB8AC3E}">

--- a/models/モデルシートver0.pptx
+++ b/models/モデルシートver0.pptx
@@ -6,11 +6,10 @@
   </p:sldMasterIdLst>
   <p:sldIdLst>
     <p:sldId id="256" r:id="rId2"/>
-    <p:sldId id="260" r:id="rId3"/>
-    <p:sldId id="257" r:id="rId4"/>
-    <p:sldId id="258" r:id="rId5"/>
-    <p:sldId id="261" r:id="rId6"/>
-    <p:sldId id="259" r:id="rId7"/>
+    <p:sldId id="257" r:id="rId3"/>
+    <p:sldId id="258" r:id="rId4"/>
+    <p:sldId id="261" r:id="rId5"/>
+    <p:sldId id="259" r:id="rId6"/>
   </p:sldIdLst>
   <p:sldSz cx="12801600" cy="9601200" type="A3"/>
   <p:notesSz cx="6797675" cy="9872663"/>
@@ -3495,113 +3494,6 @@
           <a:chExt cx="0" cy="0"/>
         </a:xfrm>
       </p:grpSpPr>
-      <p:sp>
-        <p:nvSpPr>
-          <p:cNvPr id="2" name="タイトル 1"/>
-          <p:cNvSpPr>
-            <a:spLocks noGrp="1"/>
-          </p:cNvSpPr>
-          <p:nvPr>
-            <p:ph type="ctrTitle"/>
-          </p:nvPr>
-        </p:nvSpPr>
-        <p:spPr/>
-        <p:txBody>
-          <a:bodyPr/>
-          <a:lstStyle/>
-          <a:p>
-            <a:endParaRPr kumimoji="1" lang="ja-JP" altLang="en-US" dirty="0"/>
-          </a:p>
-        </p:txBody>
-      </p:sp>
-      <p:sp>
-        <p:nvSpPr>
-          <p:cNvPr id="3" name="サブタイトル 2"/>
-          <p:cNvSpPr>
-            <a:spLocks noGrp="1"/>
-          </p:cNvSpPr>
-          <p:nvPr>
-            <p:ph type="subTitle" idx="1"/>
-          </p:nvPr>
-        </p:nvSpPr>
-        <p:spPr/>
-        <p:txBody>
-          <a:bodyPr/>
-          <a:lstStyle/>
-          <a:p>
-            <a:endParaRPr kumimoji="1" lang="ja-JP" altLang="en-US"/>
-          </a:p>
-        </p:txBody>
-      </p:sp>
-      <p:sp>
-        <p:nvSpPr>
-          <p:cNvPr id="5" name="AutoShape 4" descr="https://mail-attachment.googleusercontent.com/attachment/u/0/?ui=2&amp;ik=877ad86120&amp;view=att&amp;th=1399c23513ebfc40&amp;attid=0.1&amp;disp=inline&amp;realattid=f_h6rzu9dm0&amp;safe=1&amp;zw&amp;saduie=AG9B_P__3uaOvH3J3r6FIq7EvWYr&amp;sadet=1346944401212&amp;sads=pbVCxJMUxmlQQlCN8LctOAYwT_E&amp;sadssc=1"/>
-          <p:cNvSpPr>
-            <a:spLocks noChangeAspect="1" noChangeArrowheads="1"/>
-          </p:cNvSpPr>
-          <p:nvPr/>
-        </p:nvSpPr>
-        <p:spPr bwMode="auto">
-          <a:xfrm>
-            <a:off x="155575" y="-144463"/>
-            <a:ext cx="304800" cy="304801"/>
-          </a:xfrm>
-          <a:prstGeom prst="rect">
-            <a:avLst/>
-          </a:prstGeom>
-          <a:noFill/>
-          <a:extLst>
-            <a:ext uri="{909E8E84-426E-40DD-AFC4-6F175D3DCCD1}">
-              <a14:hiddenFill xmlns:a14="http://schemas.microsoft.com/office/drawing/2010/main">
-                <a:solidFill>
-                  <a:srgbClr val="FFFFFF"/>
-                </a:solidFill>
-              </a14:hiddenFill>
-            </a:ext>
-          </a:extLst>
-        </p:spPr>
-        <p:txBody>
-          <a:bodyPr vert="horz" wrap="square" lIns="91440" tIns="45720" rIns="91440" bIns="45720" numCol="1" anchor="t" anchorCtr="0" compatLnSpc="1">
-            <a:prstTxWarp prst="textNoShape">
-              <a:avLst/>
-            </a:prstTxWarp>
-          </a:bodyPr>
-          <a:lstStyle/>
-          <a:p>
-            <a:endParaRPr lang="ja-JP" altLang="en-US"/>
-          </a:p>
-        </p:txBody>
-      </p:sp>
-    </p:spTree>
-    <p:extLst>
-      <p:ext uri="{BB962C8B-B14F-4D97-AF65-F5344CB8AC3E}">
-        <p14:creationId xmlns:p14="http://schemas.microsoft.com/office/powerpoint/2010/main" val="55564575"/>
-      </p:ext>
-    </p:extLst>
-  </p:cSld>
-  <p:clrMapOvr>
-    <a:masterClrMapping/>
-  </p:clrMapOvr>
-</p:sld>
-</file>
-
-<file path=ppt/slides/slide3.xml><?xml version="1.0" encoding="utf-8"?>
-<p:sld xmlns:a="http://schemas.openxmlformats.org/drawingml/2006/main" xmlns:r="http://schemas.openxmlformats.org/officeDocument/2006/relationships" xmlns:p="http://schemas.openxmlformats.org/presentationml/2006/main">
-  <p:cSld>
-    <p:spTree>
-      <p:nvGrpSpPr>
-        <p:cNvPr id="1" name=""/>
-        <p:cNvGrpSpPr/>
-        <p:nvPr/>
-      </p:nvGrpSpPr>
-      <p:grpSpPr>
-        <a:xfrm>
-          <a:off x="0" y="0"/>
-          <a:ext cx="0" cy="0"/>
-          <a:chOff x="0" y="0"/>
-          <a:chExt cx="0" cy="0"/>
-        </a:xfrm>
-      </p:grpSpPr>
       <p:pic>
         <p:nvPicPr>
           <p:cNvPr id="2050" name="Picture 2" descr="C:\Users\HOMMA\Desktop\要求図0.emf"/>
@@ -3873,56 +3765,6 @@
           </a:p>
         </p:txBody>
       </p:sp>
-      <p:pic>
-        <p:nvPicPr>
-          <p:cNvPr id="5" name="Picture 3" descr="C:\Users\HOMMA\Desktop\ユースケース図.png"/>
-          <p:cNvPicPr>
-            <a:picLocks noChangeAspect="1" noChangeArrowheads="1"/>
-          </p:cNvPicPr>
-          <p:nvPr/>
-        </p:nvPicPr>
-        <p:blipFill>
-          <a:blip r:embed="rId3" cstate="print">
-            <a:extLst>
-              <a:ext uri="{28A0092B-C50C-407E-A947-70E740481C1C}">
-                <a14:useLocalDpi xmlns:a14="http://schemas.microsoft.com/office/drawing/2010/main" val="0"/>
-              </a:ext>
-            </a:extLst>
-          </a:blip>
-          <a:srcRect/>
-          <a:stretch>
-            <a:fillRect/>
-          </a:stretch>
-        </p:blipFill>
-        <p:spPr bwMode="auto">
-          <a:xfrm>
-            <a:off x="4926408" y="5666528"/>
-            <a:ext cx="3479538" cy="1798368"/>
-          </a:xfrm>
-          <a:prstGeom prst="rect">
-            <a:avLst/>
-          </a:prstGeom>
-          <a:ln>
-            <a:noFill/>
-          </a:ln>
-          <a:effectLst>
-            <a:outerShdw blurRad="292100" dist="139700" dir="2700000" algn="tl" rotWithShape="0">
-              <a:srgbClr val="333333">
-                <a:alpha val="65000"/>
-              </a:srgbClr>
-            </a:outerShdw>
-          </a:effectLst>
-          <a:extLst>
-            <a:ext uri="{909E8E84-426E-40DD-AFC4-6F175D3DCCD1}">
-              <a14:hiddenFill xmlns:a14="http://schemas.microsoft.com/office/drawing/2010/main">
-                <a:solidFill>
-                  <a:srgbClr val="FFFFFF"/>
-                </a:solidFill>
-              </a14:hiddenFill>
-            </a:ext>
-          </a:extLst>
-        </p:spPr>
-      </p:pic>
       <p:sp>
         <p:nvSpPr>
           <p:cNvPr id="7" name="角丸四角形吹き出し 6"/>
@@ -3993,7 +3835,7 @@
         </p:nvSpPr>
         <p:spPr>
           <a:xfrm>
-            <a:off x="10785376" y="5169319"/>
+            <a:off x="10784064" y="4687888"/>
             <a:ext cx="2016224" cy="618907"/>
           </a:xfrm>
           <a:prstGeom prst="wedgeRoundRectCallout">
@@ -4240,406 +4082,6 @@
           </a:p>
         </p:txBody>
       </p:sp>
-      <p:graphicFrame>
-        <p:nvGraphicFramePr>
-          <p:cNvPr id="6" name="表 5"/>
-          <p:cNvGraphicFramePr>
-            <a:graphicFrameLocks noGrp="1"/>
-          </p:cNvGraphicFramePr>
-          <p:nvPr>
-            <p:extLst>
-              <p:ext uri="{D42A27DB-BD31-4B8C-83A1-F6EECF244321}">
-                <p14:modId xmlns:p14="http://schemas.microsoft.com/office/powerpoint/2010/main" val="3317499707"/>
-              </p:ext>
-            </p:extLst>
-          </p:nvPr>
-        </p:nvGraphicFramePr>
-        <p:xfrm>
-          <a:off x="8904150" y="6028176"/>
-          <a:ext cx="2412268" cy="3395788"/>
-        </p:xfrm>
-        <a:graphic>
-          <a:graphicData uri="http://schemas.openxmlformats.org/drawingml/2006/table">
-            <a:tbl>
-              <a:tblPr>
-                <a:tableStyleId>{5C22544A-7EE6-4342-B048-85BDC9FD1C3A}</a:tableStyleId>
-              </a:tblPr>
-              <a:tblGrid>
-                <a:gridCol w="405822"/>
-                <a:gridCol w="107959"/>
-                <a:gridCol w="1898487"/>
-              </a:tblGrid>
-              <a:tr h="249222">
-                <a:tc gridSpan="3">
-                  <a:txBody>
-                    <a:bodyPr/>
-                    <a:lstStyle/>
-                    <a:p>
-                      <a:pPr indent="133350" algn="ctr">
-                        <a:spcAft>
-                          <a:spcPts val="0"/>
-                        </a:spcAft>
-                      </a:pPr>
-                      <a:r>
-                        <a:rPr lang="ja-JP" sz="1200" kern="100" dirty="0">
-                          <a:effectLst/>
-                        </a:rPr>
-                        <a:t>ユースケース記述</a:t>
-                      </a:r>
-                      <a:endParaRPr lang="ja-JP" sz="1200" kern="100" dirty="0">
-                        <a:effectLst/>
-                        <a:latin typeface="Century"/>
-                        <a:ea typeface="ＭＳ 明朝"/>
-                        <a:cs typeface="Times New Roman"/>
-                      </a:endParaRPr>
-                    </a:p>
-                  </a:txBody>
-                  <a:tcPr marL="62865" marR="62865" marT="0" marB="0"/>
-                </a:tc>
-                <a:tc hMerge="1">
-                  <a:txBody>
-                    <a:bodyPr/>
-                    <a:lstStyle/>
-                    <a:p>
-                      <a:endParaRPr kumimoji="1" lang="ja-JP" altLang="en-US"/>
-                    </a:p>
-                  </a:txBody>
-                  <a:tcPr/>
-                </a:tc>
-                <a:tc hMerge="1">
-                  <a:txBody>
-                    <a:bodyPr/>
-                    <a:lstStyle/>
-                    <a:p>
-                      <a:endParaRPr kumimoji="1" lang="ja-JP" altLang="en-US"/>
-                    </a:p>
-                  </a:txBody>
-                  <a:tcPr/>
-                </a:tc>
-              </a:tr>
-              <a:tr h="786641">
-                <a:tc gridSpan="2">
-                  <a:txBody>
-                    <a:bodyPr/>
-                    <a:lstStyle/>
-                    <a:p>
-                      <a:pPr algn="just">
-                        <a:spcAft>
-                          <a:spcPts val="0"/>
-                        </a:spcAft>
-                      </a:pPr>
-                      <a:r>
-                        <a:rPr lang="ja-JP" sz="1200" kern="100">
-                          <a:effectLst/>
-                        </a:rPr>
-                        <a:t>ユースケース名</a:t>
-                      </a:r>
-                      <a:endParaRPr lang="ja-JP" sz="1200" kern="100">
-                        <a:effectLst/>
-                        <a:latin typeface="Century"/>
-                        <a:ea typeface="ＭＳ 明朝"/>
-                        <a:cs typeface="Times New Roman"/>
-                      </a:endParaRPr>
-                    </a:p>
-                  </a:txBody>
-                  <a:tcPr marL="62865" marR="62865" marT="0" marB="0"/>
-                </a:tc>
-                <a:tc hMerge="1">
-                  <a:txBody>
-                    <a:bodyPr/>
-                    <a:lstStyle/>
-                    <a:p>
-                      <a:endParaRPr kumimoji="1" lang="ja-JP" altLang="en-US"/>
-                    </a:p>
-                  </a:txBody>
-                  <a:tcPr/>
-                </a:tc>
-                <a:tc>
-                  <a:txBody>
-                    <a:bodyPr/>
-                    <a:lstStyle/>
-                    <a:p>
-                      <a:pPr algn="just">
-                        <a:spcAft>
-                          <a:spcPts val="0"/>
-                        </a:spcAft>
-                      </a:pPr>
-                      <a:r>
-                        <a:rPr lang="ja-JP" sz="1200" kern="100" dirty="0">
-                          <a:effectLst/>
-                        </a:rPr>
-                        <a:t>コースを完走する</a:t>
-                      </a:r>
-                      <a:endParaRPr lang="ja-JP" sz="1200" kern="100" dirty="0">
-                        <a:effectLst/>
-                        <a:latin typeface="Century"/>
-                        <a:ea typeface="ＭＳ 明朝"/>
-                        <a:cs typeface="Times New Roman"/>
-                      </a:endParaRPr>
-                    </a:p>
-                  </a:txBody>
-                  <a:tcPr marL="62865" marR="62865" marT="0" marB="0"/>
-                </a:tc>
-              </a:tr>
-              <a:tr h="393321">
-                <a:tc gridSpan="2">
-                  <a:txBody>
-                    <a:bodyPr/>
-                    <a:lstStyle/>
-                    <a:p>
-                      <a:pPr algn="just">
-                        <a:spcAft>
-                          <a:spcPts val="0"/>
-                        </a:spcAft>
-                      </a:pPr>
-                      <a:r>
-                        <a:rPr lang="ja-JP" sz="1200" kern="100">
-                          <a:effectLst/>
-                        </a:rPr>
-                        <a:t>事前条件</a:t>
-                      </a:r>
-                      <a:endParaRPr lang="ja-JP" sz="1200" kern="100">
-                        <a:effectLst/>
-                        <a:latin typeface="Century"/>
-                        <a:ea typeface="ＭＳ 明朝"/>
-                        <a:cs typeface="Times New Roman"/>
-                      </a:endParaRPr>
-                    </a:p>
-                  </a:txBody>
-                  <a:tcPr marL="62865" marR="62865" marT="0" marB="0"/>
-                </a:tc>
-                <a:tc hMerge="1">
-                  <a:txBody>
-                    <a:bodyPr/>
-                    <a:lstStyle/>
-                    <a:p>
-                      <a:endParaRPr kumimoji="1" lang="ja-JP" altLang="en-US"/>
-                    </a:p>
-                  </a:txBody>
-                  <a:tcPr/>
-                </a:tc>
-                <a:tc>
-                  <a:txBody>
-                    <a:bodyPr/>
-                    <a:lstStyle/>
-                    <a:p>
-                      <a:pPr algn="just">
-                        <a:spcAft>
-                          <a:spcPts val="0"/>
-                        </a:spcAft>
-                      </a:pPr>
-                      <a:r>
-                        <a:rPr lang="ja-JP" sz="1200" kern="100" dirty="0">
-                          <a:effectLst/>
-                        </a:rPr>
-                        <a:t>キャリブレーションが終わっている</a:t>
-                      </a:r>
-                      <a:endParaRPr lang="ja-JP" sz="1200" kern="100" dirty="0">
-                        <a:effectLst/>
-                        <a:latin typeface="Century"/>
-                        <a:ea typeface="ＭＳ 明朝"/>
-                        <a:cs typeface="Times New Roman"/>
-                      </a:endParaRPr>
-                    </a:p>
-                  </a:txBody>
-                  <a:tcPr marL="62865" marR="62865" marT="0" marB="0"/>
-                </a:tc>
-              </a:tr>
-              <a:tr h="393321">
-                <a:tc gridSpan="2">
-                  <a:txBody>
-                    <a:bodyPr/>
-                    <a:lstStyle/>
-                    <a:p>
-                      <a:pPr algn="just">
-                        <a:spcAft>
-                          <a:spcPts val="0"/>
-                        </a:spcAft>
-                      </a:pPr>
-                      <a:r>
-                        <a:rPr lang="ja-JP" sz="1200" kern="100" dirty="0">
-                          <a:effectLst/>
-                        </a:rPr>
-                        <a:t>事後条件</a:t>
-                      </a:r>
-                      <a:endParaRPr lang="ja-JP" sz="1200" kern="100" dirty="0">
-                        <a:effectLst/>
-                        <a:latin typeface="Century"/>
-                        <a:ea typeface="ＭＳ 明朝"/>
-                        <a:cs typeface="Times New Roman"/>
-                      </a:endParaRPr>
-                    </a:p>
-                  </a:txBody>
-                  <a:tcPr marL="62865" marR="62865" marT="0" marB="0"/>
-                </a:tc>
-                <a:tc hMerge="1">
-                  <a:txBody>
-                    <a:bodyPr/>
-                    <a:lstStyle/>
-                    <a:p>
-                      <a:endParaRPr kumimoji="1" lang="ja-JP" altLang="en-US"/>
-                    </a:p>
-                  </a:txBody>
-                  <a:tcPr/>
-                </a:tc>
-                <a:tc>
-                  <a:txBody>
-                    <a:bodyPr/>
-                    <a:lstStyle/>
-                    <a:p>
-                      <a:pPr algn="just">
-                        <a:spcAft>
-                          <a:spcPts val="0"/>
-                        </a:spcAft>
-                      </a:pPr>
-                      <a:r>
-                        <a:rPr lang="ja-JP" sz="1200" kern="100" dirty="0">
-                          <a:effectLst/>
-                        </a:rPr>
-                        <a:t>ガレージイン区間で完全停止状態になっている</a:t>
-                      </a:r>
-                      <a:endParaRPr lang="ja-JP" sz="1200" kern="100" dirty="0">
-                        <a:effectLst/>
-                        <a:latin typeface="Century"/>
-                        <a:ea typeface="ＭＳ 明朝"/>
-                        <a:cs typeface="Times New Roman"/>
-                      </a:endParaRPr>
-                    </a:p>
-                  </a:txBody>
-                  <a:tcPr marL="62865" marR="62865" marT="0" marB="0"/>
-                </a:tc>
-              </a:tr>
-              <a:tr h="1573283">
-                <a:tc>
-                  <a:txBody>
-                    <a:bodyPr/>
-                    <a:lstStyle/>
-                    <a:p>
-                      <a:pPr algn="just">
-                        <a:spcAft>
-                          <a:spcPts val="0"/>
-                        </a:spcAft>
-                      </a:pPr>
-                      <a:r>
-                        <a:rPr lang="ja-JP" sz="1200" kern="100" dirty="0">
-                          <a:effectLst/>
-                        </a:rPr>
-                        <a:t>基本フロー</a:t>
-                      </a:r>
-                      <a:endParaRPr lang="ja-JP" sz="1200" kern="100" dirty="0">
-                        <a:effectLst/>
-                        <a:latin typeface="Century"/>
-                        <a:ea typeface="ＭＳ 明朝"/>
-                        <a:cs typeface="Times New Roman"/>
-                      </a:endParaRPr>
-                    </a:p>
-                  </a:txBody>
-                  <a:tcPr marL="62865" marR="62865" marT="0" marB="0"/>
-                </a:tc>
-                <a:tc gridSpan="2">
-                  <a:txBody>
-                    <a:bodyPr/>
-                    <a:lstStyle/>
-                    <a:p>
-                      <a:pPr algn="just">
-                        <a:spcAft>
-                          <a:spcPts val="0"/>
-                        </a:spcAft>
-                      </a:pPr>
-                      <a:r>
-                        <a:rPr lang="en-US" sz="1200" kern="100" dirty="0">
-                          <a:effectLst/>
-                        </a:rPr>
-                        <a:t>1. </a:t>
-                      </a:r>
-                      <a:r>
-                        <a:rPr lang="ja-JP" sz="1200" kern="100" dirty="0">
-                          <a:effectLst/>
-                        </a:rPr>
-                        <a:t>競技者は走行体をスタート位置に設置する。</a:t>
-                      </a:r>
-                    </a:p>
-                    <a:p>
-                      <a:pPr algn="just">
-                        <a:spcAft>
-                          <a:spcPts val="0"/>
-                        </a:spcAft>
-                      </a:pPr>
-                      <a:r>
-                        <a:rPr lang="en-US" sz="1200" kern="100" dirty="0">
-                          <a:effectLst/>
-                        </a:rPr>
-                        <a:t>2. </a:t>
-                      </a:r>
-                      <a:r>
-                        <a:rPr lang="ja-JP" sz="1200" kern="100" dirty="0">
-                          <a:effectLst/>
-                        </a:rPr>
-                        <a:t>競技者は走行体に無線で走行スタートを指示する。</a:t>
-                      </a:r>
-                    </a:p>
-                    <a:p>
-                      <a:pPr algn="just">
-                        <a:spcAft>
-                          <a:spcPts val="0"/>
-                        </a:spcAft>
-                      </a:pPr>
-                      <a:r>
-                        <a:rPr lang="en-US" sz="1200" kern="100" dirty="0">
-                          <a:effectLst/>
-                        </a:rPr>
-                        <a:t>3.</a:t>
-                      </a:r>
-                      <a:r>
-                        <a:rPr lang="ja-JP" sz="1200" kern="100" dirty="0">
-                          <a:effectLst/>
-                        </a:rPr>
-                        <a:t>走行体がコースを走行する。</a:t>
-                      </a:r>
-                    </a:p>
-                    <a:p>
-                      <a:pPr algn="just">
-                        <a:spcAft>
-                          <a:spcPts val="0"/>
-                        </a:spcAft>
-                      </a:pPr>
-                      <a:r>
-                        <a:rPr lang="en-US" sz="1200" kern="100" dirty="0">
-                          <a:effectLst/>
-                        </a:rPr>
-                        <a:t>4.</a:t>
-                      </a:r>
-                      <a:r>
-                        <a:rPr lang="ja-JP" sz="1200" kern="100" dirty="0">
-                          <a:effectLst/>
-                        </a:rPr>
-                        <a:t>走行体がガレージで停止する。</a:t>
-                      </a:r>
-                      <a:endParaRPr lang="ja-JP" sz="1200" kern="100" dirty="0">
-                        <a:effectLst/>
-                        <a:latin typeface="Century"/>
-                        <a:ea typeface="ＭＳ 明朝"/>
-                        <a:cs typeface="Times New Roman"/>
-                      </a:endParaRPr>
-                    </a:p>
-                  </a:txBody>
-                  <a:tcPr marL="62865" marR="62865" marT="0" marB="0"/>
-                </a:tc>
-                <a:tc hMerge="1">
-                  <a:txBody>
-                    <a:bodyPr/>
-                    <a:lstStyle/>
-                    <a:p>
-                      <a:endParaRPr kumimoji="1" lang="ja-JP" altLang="en-US"/>
-                    </a:p>
-                  </a:txBody>
-                  <a:tcPr/>
-                </a:tc>
-              </a:tr>
-            </a:tbl>
-          </a:graphicData>
-        </a:graphic>
-      </p:graphicFrame>
       <p:sp>
         <p:nvSpPr>
           <p:cNvPr id="9" name="Rectangle 1"/>
@@ -4739,7 +4181,7 @@
           <p:nvPr/>
         </p:nvPicPr>
         <p:blipFill>
-          <a:blip r:embed="rId4" cstate="print">
+          <a:blip r:embed="rId3" cstate="print">
             <a:extLst>
               <a:ext uri="{28A0092B-C50C-407E-A947-70E740481C1C}">
                 <a14:useLocalDpi xmlns:a14="http://schemas.microsoft.com/office/drawing/2010/main" val="0"/>
@@ -4839,7 +4281,7 @@
           <p:nvPr/>
         </p:nvPicPr>
         <p:blipFill>
-          <a:blip r:embed="rId5" cstate="print">
+          <a:blip r:embed="rId4" cstate="print">
             <a:extLst>
               <a:ext uri="{28A0092B-C50C-407E-A947-70E740481C1C}">
                 <a14:useLocalDpi xmlns:a14="http://schemas.microsoft.com/office/drawing/2010/main" val="0"/>
@@ -4853,7 +4295,7 @@
         </p:blipFill>
         <p:spPr bwMode="auto">
           <a:xfrm>
-            <a:off x="7827231" y="192088"/>
+            <a:off x="8016134" y="192088"/>
             <a:ext cx="4566106" cy="1382009"/>
           </a:xfrm>
           <a:prstGeom prst="rect">
@@ -5130,6 +4572,869 @@
           </p:txBody>
         </p:sp>
       </p:grpSp>
+      <p:graphicFrame>
+        <p:nvGraphicFramePr>
+          <p:cNvPr id="28" name="表 27"/>
+          <p:cNvGraphicFramePr>
+            <a:graphicFrameLocks noGrp="1"/>
+          </p:cNvGraphicFramePr>
+          <p:nvPr>
+            <p:extLst>
+              <p:ext uri="{D42A27DB-BD31-4B8C-83A1-F6EECF244321}">
+                <p14:modId xmlns:p14="http://schemas.microsoft.com/office/powerpoint/2010/main" val="2194891567"/>
+              </p:ext>
+            </p:extLst>
+          </p:nvPr>
+        </p:nvGraphicFramePr>
+        <p:xfrm>
+          <a:off x="9032084" y="7066050"/>
+          <a:ext cx="3503959" cy="2535869"/>
+        </p:xfrm>
+        <a:graphic>
+          <a:graphicData uri="http://schemas.openxmlformats.org/drawingml/2006/table">
+            <a:tbl>
+              <a:tblPr/>
+              <a:tblGrid>
+                <a:gridCol w="589480"/>
+                <a:gridCol w="156816"/>
+                <a:gridCol w="2757663"/>
+              </a:tblGrid>
+              <a:tr h="276979">
+                <a:tc gridSpan="3">
+                  <a:txBody>
+                    <a:bodyPr/>
+                    <a:lstStyle/>
+                    <a:p>
+                      <a:pPr indent="133350" algn="ctr">
+                        <a:spcAft>
+                          <a:spcPts val="0"/>
+                        </a:spcAft>
+                      </a:pPr>
+                      <a:r>
+                        <a:rPr lang="ja-JP" sz="1050" kern="100" dirty="0">
+                          <a:effectLst/>
+                          <a:latin typeface="Century"/>
+                          <a:ea typeface="メイリオ"/>
+                          <a:cs typeface="Times New Roman"/>
+                        </a:rPr>
+                        <a:t>ユースケース記述</a:t>
+                      </a:r>
+                      <a:endParaRPr lang="ja-JP" sz="1050" kern="100" dirty="0">
+                        <a:effectLst/>
+                        <a:latin typeface="Century"/>
+                        <a:ea typeface="ＭＳ 明朝"/>
+                        <a:cs typeface="Times New Roman"/>
+                      </a:endParaRPr>
+                    </a:p>
+                  </a:txBody>
+                  <a:tcPr marL="62865" marR="62865" marT="0" marB="0">
+                    <a:lnL w="12700" cap="flat" cmpd="sng" algn="ctr">
+                      <a:solidFill>
+                        <a:srgbClr val="000000"/>
+                      </a:solidFill>
+                      <a:prstDash val="solid"/>
+                      <a:round/>
+                      <a:headEnd type="none" w="med" len="med"/>
+                      <a:tailEnd type="none" w="med" len="med"/>
+                    </a:lnL>
+                    <a:lnR w="12700" cap="flat" cmpd="sng" algn="ctr">
+                      <a:solidFill>
+                        <a:srgbClr val="000000"/>
+                      </a:solidFill>
+                      <a:prstDash val="solid"/>
+                      <a:round/>
+                      <a:headEnd type="none" w="med" len="med"/>
+                      <a:tailEnd type="none" w="med" len="med"/>
+                    </a:lnR>
+                    <a:lnT w="12700" cap="flat" cmpd="sng" algn="ctr">
+                      <a:solidFill>
+                        <a:srgbClr val="000000"/>
+                      </a:solidFill>
+                      <a:prstDash val="solid"/>
+                      <a:round/>
+                      <a:headEnd type="none" w="med" len="med"/>
+                      <a:tailEnd type="none" w="med" len="med"/>
+                    </a:lnT>
+                    <a:lnB w="12700" cap="flat" cmpd="sng" algn="ctr">
+                      <a:solidFill>
+                        <a:srgbClr val="000000"/>
+                      </a:solidFill>
+                      <a:prstDash val="solid"/>
+                      <a:round/>
+                      <a:headEnd type="none" w="med" len="med"/>
+                      <a:tailEnd type="none" w="med" len="med"/>
+                    </a:lnB>
+                    <a:solidFill>
+                      <a:srgbClr val="FFFFA5"/>
+                    </a:solidFill>
+                  </a:tcPr>
+                </a:tc>
+                <a:tc hMerge="1">
+                  <a:txBody>
+                    <a:bodyPr/>
+                    <a:lstStyle/>
+                    <a:p>
+                      <a:endParaRPr kumimoji="1" lang="ja-JP" altLang="en-US"/>
+                    </a:p>
+                  </a:txBody>
+                  <a:tcPr/>
+                </a:tc>
+                <a:tc hMerge="1">
+                  <a:txBody>
+                    <a:bodyPr/>
+                    <a:lstStyle/>
+                    <a:p>
+                      <a:endParaRPr kumimoji="1" lang="ja-JP" altLang="en-US"/>
+                    </a:p>
+                  </a:txBody>
+                  <a:tcPr/>
+                </a:tc>
+              </a:tr>
+              <a:tr h="553957">
+                <a:tc gridSpan="2">
+                  <a:txBody>
+                    <a:bodyPr/>
+                    <a:lstStyle/>
+                    <a:p>
+                      <a:pPr algn="just">
+                        <a:spcAft>
+                          <a:spcPts val="0"/>
+                        </a:spcAft>
+                      </a:pPr>
+                      <a:r>
+                        <a:rPr lang="ja-JP" sz="1050" kern="100">
+                          <a:effectLst/>
+                          <a:latin typeface="Century"/>
+                          <a:ea typeface="メイリオ"/>
+                          <a:cs typeface="Times New Roman"/>
+                        </a:rPr>
+                        <a:t>ユースケース名</a:t>
+                      </a:r>
+                      <a:endParaRPr lang="ja-JP" sz="1050" kern="100">
+                        <a:effectLst/>
+                        <a:latin typeface="Century"/>
+                        <a:ea typeface="ＭＳ 明朝"/>
+                        <a:cs typeface="Times New Roman"/>
+                      </a:endParaRPr>
+                    </a:p>
+                  </a:txBody>
+                  <a:tcPr marL="62865" marR="62865" marT="0" marB="0">
+                    <a:lnL w="12700" cap="flat" cmpd="sng" algn="ctr">
+                      <a:solidFill>
+                        <a:srgbClr val="000000"/>
+                      </a:solidFill>
+                      <a:prstDash val="solid"/>
+                      <a:round/>
+                      <a:headEnd type="none" w="med" len="med"/>
+                      <a:tailEnd type="none" w="med" len="med"/>
+                    </a:lnL>
+                    <a:lnR w="12700" cap="flat" cmpd="sng" algn="ctr">
+                      <a:solidFill>
+                        <a:srgbClr val="000000"/>
+                      </a:solidFill>
+                      <a:prstDash val="solid"/>
+                      <a:round/>
+                      <a:headEnd type="none" w="med" len="med"/>
+                      <a:tailEnd type="none" w="med" len="med"/>
+                    </a:lnR>
+                    <a:lnT w="12700" cap="flat" cmpd="sng" algn="ctr">
+                      <a:solidFill>
+                        <a:srgbClr val="000000"/>
+                      </a:solidFill>
+                      <a:prstDash val="solid"/>
+                      <a:round/>
+                      <a:headEnd type="none" w="med" len="med"/>
+                      <a:tailEnd type="none" w="med" len="med"/>
+                    </a:lnT>
+                    <a:lnB w="12700" cap="flat" cmpd="sng" algn="ctr">
+                      <a:solidFill>
+                        <a:srgbClr val="000000"/>
+                      </a:solidFill>
+                      <a:prstDash val="solid"/>
+                      <a:round/>
+                      <a:headEnd type="none" w="med" len="med"/>
+                      <a:tailEnd type="none" w="med" len="med"/>
+                    </a:lnB>
+                    <a:solidFill>
+                      <a:srgbClr val="FFFFA5"/>
+                    </a:solidFill>
+                  </a:tcPr>
+                </a:tc>
+                <a:tc hMerge="1">
+                  <a:txBody>
+                    <a:bodyPr/>
+                    <a:lstStyle/>
+                    <a:p>
+                      <a:endParaRPr kumimoji="1" lang="ja-JP" altLang="en-US"/>
+                    </a:p>
+                  </a:txBody>
+                  <a:tcPr/>
+                </a:tc>
+                <a:tc>
+                  <a:txBody>
+                    <a:bodyPr/>
+                    <a:lstStyle/>
+                    <a:p>
+                      <a:pPr algn="just">
+                        <a:spcAft>
+                          <a:spcPts val="0"/>
+                        </a:spcAft>
+                      </a:pPr>
+                      <a:r>
+                        <a:rPr lang="ja-JP" sz="1050" kern="100" dirty="0">
+                          <a:effectLst/>
+                          <a:latin typeface="Century"/>
+                          <a:ea typeface="メイリオ"/>
+                          <a:cs typeface="Times New Roman"/>
+                        </a:rPr>
+                        <a:t>コースを完走する</a:t>
+                      </a:r>
+                      <a:endParaRPr lang="ja-JP" sz="1050" kern="100" dirty="0">
+                        <a:effectLst/>
+                        <a:latin typeface="Century"/>
+                        <a:ea typeface="ＭＳ 明朝"/>
+                        <a:cs typeface="Times New Roman"/>
+                      </a:endParaRPr>
+                    </a:p>
+                  </a:txBody>
+                  <a:tcPr marL="62865" marR="62865" marT="0" marB="0">
+                    <a:lnL w="12700" cap="flat" cmpd="sng" algn="ctr">
+                      <a:solidFill>
+                        <a:srgbClr val="000000"/>
+                      </a:solidFill>
+                      <a:prstDash val="solid"/>
+                      <a:round/>
+                      <a:headEnd type="none" w="med" len="med"/>
+                      <a:tailEnd type="none" w="med" len="med"/>
+                    </a:lnL>
+                    <a:lnR w="12700" cap="flat" cmpd="sng" algn="ctr">
+                      <a:solidFill>
+                        <a:srgbClr val="000000"/>
+                      </a:solidFill>
+                      <a:prstDash val="solid"/>
+                      <a:round/>
+                      <a:headEnd type="none" w="med" len="med"/>
+                      <a:tailEnd type="none" w="med" len="med"/>
+                    </a:lnR>
+                    <a:lnT w="12700" cap="flat" cmpd="sng" algn="ctr">
+                      <a:solidFill>
+                        <a:srgbClr val="000000"/>
+                      </a:solidFill>
+                      <a:prstDash val="solid"/>
+                      <a:round/>
+                      <a:headEnd type="none" w="med" len="med"/>
+                      <a:tailEnd type="none" w="med" len="med"/>
+                    </a:lnT>
+                    <a:lnB w="12700" cap="flat" cmpd="sng" algn="ctr">
+                      <a:solidFill>
+                        <a:srgbClr val="000000"/>
+                      </a:solidFill>
+                      <a:prstDash val="solid"/>
+                      <a:round/>
+                      <a:headEnd type="none" w="med" len="med"/>
+                      <a:tailEnd type="none" w="med" len="med"/>
+                    </a:lnB>
+                    <a:solidFill>
+                      <a:srgbClr val="FFFFA5"/>
+                    </a:solidFill>
+                  </a:tcPr>
+                </a:tc>
+              </a:tr>
+              <a:tr h="276979">
+                <a:tc gridSpan="2">
+                  <a:txBody>
+                    <a:bodyPr/>
+                    <a:lstStyle/>
+                    <a:p>
+                      <a:pPr algn="just">
+                        <a:spcAft>
+                          <a:spcPts val="0"/>
+                        </a:spcAft>
+                      </a:pPr>
+                      <a:r>
+                        <a:rPr lang="ja-JP" sz="1050" kern="100">
+                          <a:effectLst/>
+                          <a:latin typeface="Century"/>
+                          <a:ea typeface="メイリオ"/>
+                          <a:cs typeface="Times New Roman"/>
+                        </a:rPr>
+                        <a:t>事前条件</a:t>
+                      </a:r>
+                      <a:endParaRPr lang="ja-JP" sz="1050" kern="100">
+                        <a:effectLst/>
+                        <a:latin typeface="Century"/>
+                        <a:ea typeface="ＭＳ 明朝"/>
+                        <a:cs typeface="Times New Roman"/>
+                      </a:endParaRPr>
+                    </a:p>
+                  </a:txBody>
+                  <a:tcPr marL="62865" marR="62865" marT="0" marB="0">
+                    <a:lnL w="12700" cap="flat" cmpd="sng" algn="ctr">
+                      <a:solidFill>
+                        <a:srgbClr val="000000"/>
+                      </a:solidFill>
+                      <a:prstDash val="solid"/>
+                      <a:round/>
+                      <a:headEnd type="none" w="med" len="med"/>
+                      <a:tailEnd type="none" w="med" len="med"/>
+                    </a:lnL>
+                    <a:lnR w="12700" cap="flat" cmpd="sng" algn="ctr">
+                      <a:solidFill>
+                        <a:srgbClr val="000000"/>
+                      </a:solidFill>
+                      <a:prstDash val="solid"/>
+                      <a:round/>
+                      <a:headEnd type="none" w="med" len="med"/>
+                      <a:tailEnd type="none" w="med" len="med"/>
+                    </a:lnR>
+                    <a:lnT w="12700" cap="flat" cmpd="sng" algn="ctr">
+                      <a:solidFill>
+                        <a:srgbClr val="000000"/>
+                      </a:solidFill>
+                      <a:prstDash val="solid"/>
+                      <a:round/>
+                      <a:headEnd type="none" w="med" len="med"/>
+                      <a:tailEnd type="none" w="med" len="med"/>
+                    </a:lnT>
+                    <a:lnB w="12700" cap="flat" cmpd="sng" algn="ctr">
+                      <a:solidFill>
+                        <a:srgbClr val="000000"/>
+                      </a:solidFill>
+                      <a:prstDash val="solid"/>
+                      <a:round/>
+                      <a:headEnd type="none" w="med" len="med"/>
+                      <a:tailEnd type="none" w="med" len="med"/>
+                    </a:lnB>
+                    <a:solidFill>
+                      <a:srgbClr val="FFFFA5"/>
+                    </a:solidFill>
+                  </a:tcPr>
+                </a:tc>
+                <a:tc hMerge="1">
+                  <a:txBody>
+                    <a:bodyPr/>
+                    <a:lstStyle/>
+                    <a:p>
+                      <a:endParaRPr kumimoji="1" lang="ja-JP" altLang="en-US"/>
+                    </a:p>
+                  </a:txBody>
+                  <a:tcPr/>
+                </a:tc>
+                <a:tc>
+                  <a:txBody>
+                    <a:bodyPr/>
+                    <a:lstStyle/>
+                    <a:p>
+                      <a:pPr algn="just">
+                        <a:spcAft>
+                          <a:spcPts val="0"/>
+                        </a:spcAft>
+                      </a:pPr>
+                      <a:r>
+                        <a:rPr lang="ja-JP" sz="1050" kern="100">
+                          <a:effectLst/>
+                          <a:latin typeface="Century"/>
+                          <a:ea typeface="メイリオ"/>
+                          <a:cs typeface="Times New Roman"/>
+                        </a:rPr>
+                        <a:t>キャリブレーションが終わっている</a:t>
+                      </a:r>
+                      <a:endParaRPr lang="ja-JP" sz="1050" kern="100">
+                        <a:effectLst/>
+                        <a:latin typeface="Century"/>
+                        <a:ea typeface="ＭＳ 明朝"/>
+                        <a:cs typeface="Times New Roman"/>
+                      </a:endParaRPr>
+                    </a:p>
+                  </a:txBody>
+                  <a:tcPr marL="62865" marR="62865" marT="0" marB="0">
+                    <a:lnL w="12700" cap="flat" cmpd="sng" algn="ctr">
+                      <a:solidFill>
+                        <a:srgbClr val="000000"/>
+                      </a:solidFill>
+                      <a:prstDash val="solid"/>
+                      <a:round/>
+                      <a:headEnd type="none" w="med" len="med"/>
+                      <a:tailEnd type="none" w="med" len="med"/>
+                    </a:lnL>
+                    <a:lnR w="12700" cap="flat" cmpd="sng" algn="ctr">
+                      <a:solidFill>
+                        <a:srgbClr val="000000"/>
+                      </a:solidFill>
+                      <a:prstDash val="solid"/>
+                      <a:round/>
+                      <a:headEnd type="none" w="med" len="med"/>
+                      <a:tailEnd type="none" w="med" len="med"/>
+                    </a:lnR>
+                    <a:lnT w="12700" cap="flat" cmpd="sng" algn="ctr">
+                      <a:solidFill>
+                        <a:srgbClr val="000000"/>
+                      </a:solidFill>
+                      <a:prstDash val="solid"/>
+                      <a:round/>
+                      <a:headEnd type="none" w="med" len="med"/>
+                      <a:tailEnd type="none" w="med" len="med"/>
+                    </a:lnT>
+                    <a:lnB w="12700" cap="flat" cmpd="sng" algn="ctr">
+                      <a:solidFill>
+                        <a:srgbClr val="000000"/>
+                      </a:solidFill>
+                      <a:prstDash val="solid"/>
+                      <a:round/>
+                      <a:headEnd type="none" w="med" len="med"/>
+                      <a:tailEnd type="none" w="med" len="med"/>
+                    </a:lnB>
+                    <a:solidFill>
+                      <a:srgbClr val="FFFFA5"/>
+                    </a:solidFill>
+                  </a:tcPr>
+                </a:tc>
+              </a:tr>
+              <a:tr h="313127">
+                <a:tc gridSpan="2">
+                  <a:txBody>
+                    <a:bodyPr/>
+                    <a:lstStyle/>
+                    <a:p>
+                      <a:pPr algn="just">
+                        <a:spcAft>
+                          <a:spcPts val="0"/>
+                        </a:spcAft>
+                      </a:pPr>
+                      <a:r>
+                        <a:rPr lang="ja-JP" sz="1050" kern="100">
+                          <a:effectLst/>
+                          <a:latin typeface="Century"/>
+                          <a:ea typeface="メイリオ"/>
+                          <a:cs typeface="Times New Roman"/>
+                        </a:rPr>
+                        <a:t>事後条件</a:t>
+                      </a:r>
+                      <a:endParaRPr lang="ja-JP" sz="1050" kern="100">
+                        <a:effectLst/>
+                        <a:latin typeface="Century"/>
+                        <a:ea typeface="ＭＳ 明朝"/>
+                        <a:cs typeface="Times New Roman"/>
+                      </a:endParaRPr>
+                    </a:p>
+                  </a:txBody>
+                  <a:tcPr marL="62865" marR="62865" marT="0" marB="0">
+                    <a:lnL w="12700" cap="flat" cmpd="sng" algn="ctr">
+                      <a:solidFill>
+                        <a:srgbClr val="000000"/>
+                      </a:solidFill>
+                      <a:prstDash val="solid"/>
+                      <a:round/>
+                      <a:headEnd type="none" w="med" len="med"/>
+                      <a:tailEnd type="none" w="med" len="med"/>
+                    </a:lnL>
+                    <a:lnR w="12700" cap="flat" cmpd="sng" algn="ctr">
+                      <a:solidFill>
+                        <a:srgbClr val="000000"/>
+                      </a:solidFill>
+                      <a:prstDash val="solid"/>
+                      <a:round/>
+                      <a:headEnd type="none" w="med" len="med"/>
+                      <a:tailEnd type="none" w="med" len="med"/>
+                    </a:lnR>
+                    <a:lnT w="12700" cap="flat" cmpd="sng" algn="ctr">
+                      <a:solidFill>
+                        <a:srgbClr val="000000"/>
+                      </a:solidFill>
+                      <a:prstDash val="solid"/>
+                      <a:round/>
+                      <a:headEnd type="none" w="med" len="med"/>
+                      <a:tailEnd type="none" w="med" len="med"/>
+                    </a:lnT>
+                    <a:lnB w="12700" cap="flat" cmpd="sng" algn="ctr">
+                      <a:solidFill>
+                        <a:srgbClr val="000000"/>
+                      </a:solidFill>
+                      <a:prstDash val="solid"/>
+                      <a:round/>
+                      <a:headEnd type="none" w="med" len="med"/>
+                      <a:tailEnd type="none" w="med" len="med"/>
+                    </a:lnB>
+                    <a:solidFill>
+                      <a:srgbClr val="FFFFA5"/>
+                    </a:solidFill>
+                  </a:tcPr>
+                </a:tc>
+                <a:tc hMerge="1">
+                  <a:txBody>
+                    <a:bodyPr/>
+                    <a:lstStyle/>
+                    <a:p>
+                      <a:endParaRPr kumimoji="1" lang="ja-JP" altLang="en-US"/>
+                    </a:p>
+                  </a:txBody>
+                  <a:tcPr/>
+                </a:tc>
+                <a:tc>
+                  <a:txBody>
+                    <a:bodyPr/>
+                    <a:lstStyle/>
+                    <a:p>
+                      <a:pPr algn="just">
+                        <a:spcAft>
+                          <a:spcPts val="0"/>
+                        </a:spcAft>
+                      </a:pPr>
+                      <a:r>
+                        <a:rPr lang="ja-JP" sz="1050" kern="100">
+                          <a:effectLst/>
+                          <a:latin typeface="Century"/>
+                          <a:ea typeface="メイリオ"/>
+                          <a:cs typeface="Times New Roman"/>
+                        </a:rPr>
+                        <a:t>ガレージイン区間で完全停止状態になっている</a:t>
+                      </a:r>
+                      <a:endParaRPr lang="ja-JP" sz="1050" kern="100">
+                        <a:effectLst/>
+                        <a:latin typeface="Century"/>
+                        <a:ea typeface="ＭＳ 明朝"/>
+                        <a:cs typeface="Times New Roman"/>
+                      </a:endParaRPr>
+                    </a:p>
+                  </a:txBody>
+                  <a:tcPr marL="62865" marR="62865" marT="0" marB="0">
+                    <a:lnL w="12700" cap="flat" cmpd="sng" algn="ctr">
+                      <a:solidFill>
+                        <a:srgbClr val="000000"/>
+                      </a:solidFill>
+                      <a:prstDash val="solid"/>
+                      <a:round/>
+                      <a:headEnd type="none" w="med" len="med"/>
+                      <a:tailEnd type="none" w="med" len="med"/>
+                    </a:lnL>
+                    <a:lnR w="12700" cap="flat" cmpd="sng" algn="ctr">
+                      <a:solidFill>
+                        <a:srgbClr val="000000"/>
+                      </a:solidFill>
+                      <a:prstDash val="solid"/>
+                      <a:round/>
+                      <a:headEnd type="none" w="med" len="med"/>
+                      <a:tailEnd type="none" w="med" len="med"/>
+                    </a:lnR>
+                    <a:lnT w="12700" cap="flat" cmpd="sng" algn="ctr">
+                      <a:solidFill>
+                        <a:srgbClr val="000000"/>
+                      </a:solidFill>
+                      <a:prstDash val="solid"/>
+                      <a:round/>
+                      <a:headEnd type="none" w="med" len="med"/>
+                      <a:tailEnd type="none" w="med" len="med"/>
+                    </a:lnT>
+                    <a:lnB w="12700" cap="flat" cmpd="sng" algn="ctr">
+                      <a:solidFill>
+                        <a:srgbClr val="000000"/>
+                      </a:solidFill>
+                      <a:prstDash val="solid"/>
+                      <a:round/>
+                      <a:headEnd type="none" w="med" len="med"/>
+                      <a:tailEnd type="none" w="med" len="med"/>
+                    </a:lnB>
+                    <a:solidFill>
+                      <a:srgbClr val="FFFFA5"/>
+                    </a:solidFill>
+                  </a:tcPr>
+                </a:tc>
+              </a:tr>
+              <a:tr h="1107914">
+                <a:tc>
+                  <a:txBody>
+                    <a:bodyPr/>
+                    <a:lstStyle/>
+                    <a:p>
+                      <a:pPr algn="just">
+                        <a:spcAft>
+                          <a:spcPts val="0"/>
+                        </a:spcAft>
+                      </a:pPr>
+                      <a:r>
+                        <a:rPr lang="ja-JP" sz="1050" kern="100" dirty="0">
+                          <a:effectLst/>
+                          <a:latin typeface="Century"/>
+                          <a:ea typeface="メイリオ"/>
+                          <a:cs typeface="Times New Roman"/>
+                        </a:rPr>
+                        <a:t>基本フロー</a:t>
+                      </a:r>
+                      <a:endParaRPr lang="ja-JP" sz="1050" kern="100" dirty="0">
+                        <a:effectLst/>
+                        <a:latin typeface="Century"/>
+                        <a:ea typeface="ＭＳ 明朝"/>
+                        <a:cs typeface="Times New Roman"/>
+                      </a:endParaRPr>
+                    </a:p>
+                  </a:txBody>
+                  <a:tcPr marL="62865" marR="62865" marT="0" marB="0">
+                    <a:lnL w="12700" cap="flat" cmpd="sng" algn="ctr">
+                      <a:solidFill>
+                        <a:srgbClr val="000000"/>
+                      </a:solidFill>
+                      <a:prstDash val="solid"/>
+                      <a:round/>
+                      <a:headEnd type="none" w="med" len="med"/>
+                      <a:tailEnd type="none" w="med" len="med"/>
+                    </a:lnL>
+                    <a:lnR w="12700" cap="flat" cmpd="sng" algn="ctr">
+                      <a:solidFill>
+                        <a:srgbClr val="000000"/>
+                      </a:solidFill>
+                      <a:prstDash val="solid"/>
+                      <a:round/>
+                      <a:headEnd type="none" w="med" len="med"/>
+                      <a:tailEnd type="none" w="med" len="med"/>
+                    </a:lnR>
+                    <a:lnT w="12700" cap="flat" cmpd="sng" algn="ctr">
+                      <a:solidFill>
+                        <a:srgbClr val="000000"/>
+                      </a:solidFill>
+                      <a:prstDash val="solid"/>
+                      <a:round/>
+                      <a:headEnd type="none" w="med" len="med"/>
+                      <a:tailEnd type="none" w="med" len="med"/>
+                    </a:lnT>
+                    <a:lnB w="12700" cap="flat" cmpd="sng" algn="ctr">
+                      <a:solidFill>
+                        <a:srgbClr val="000000"/>
+                      </a:solidFill>
+                      <a:prstDash val="solid"/>
+                      <a:round/>
+                      <a:headEnd type="none" w="med" len="med"/>
+                      <a:tailEnd type="none" w="med" len="med"/>
+                    </a:lnB>
+                    <a:solidFill>
+                      <a:srgbClr val="FFFFA5"/>
+                    </a:solidFill>
+                  </a:tcPr>
+                </a:tc>
+                <a:tc gridSpan="2">
+                  <a:txBody>
+                    <a:bodyPr/>
+                    <a:lstStyle/>
+                    <a:p>
+                      <a:pPr algn="just">
+                        <a:spcAft>
+                          <a:spcPts val="0"/>
+                        </a:spcAft>
+                      </a:pPr>
+                      <a:r>
+                        <a:rPr lang="en-US" sz="1050" kern="100" dirty="0">
+                          <a:effectLst/>
+                          <a:latin typeface="メイリオ"/>
+                          <a:ea typeface="ＭＳ 明朝"/>
+                          <a:cs typeface="Times New Roman"/>
+                        </a:rPr>
+                        <a:t>1. </a:t>
+                      </a:r>
+                      <a:r>
+                        <a:rPr lang="ja-JP" sz="1050" kern="100" dirty="0">
+                          <a:effectLst/>
+                          <a:latin typeface="Century"/>
+                          <a:ea typeface="メイリオ"/>
+                          <a:cs typeface="Times New Roman"/>
+                        </a:rPr>
+                        <a:t>競技者は走行体をスタート位置に設置する。</a:t>
+                      </a:r>
+                      <a:endParaRPr lang="ja-JP" sz="1050" kern="100" dirty="0">
+                        <a:effectLst/>
+                        <a:latin typeface="Century"/>
+                        <a:ea typeface="ＭＳ 明朝"/>
+                        <a:cs typeface="Times New Roman"/>
+                      </a:endParaRPr>
+                    </a:p>
+                    <a:p>
+                      <a:pPr algn="just">
+                        <a:spcAft>
+                          <a:spcPts val="0"/>
+                        </a:spcAft>
+                      </a:pPr>
+                      <a:r>
+                        <a:rPr lang="en-US" sz="1050" kern="100" dirty="0">
+                          <a:effectLst/>
+                          <a:latin typeface="メイリオ"/>
+                          <a:ea typeface="ＭＳ 明朝"/>
+                          <a:cs typeface="Times New Roman"/>
+                        </a:rPr>
+                        <a:t>2. </a:t>
+                      </a:r>
+                      <a:r>
+                        <a:rPr lang="ja-JP" sz="1050" kern="100" dirty="0">
+                          <a:effectLst/>
+                          <a:latin typeface="Century"/>
+                          <a:ea typeface="メイリオ"/>
+                          <a:cs typeface="Times New Roman"/>
+                        </a:rPr>
+                        <a:t>競技者は走行体に無線で走行スタートを指示する。</a:t>
+                      </a:r>
+                      <a:endParaRPr lang="ja-JP" sz="1050" kern="100" dirty="0">
+                        <a:effectLst/>
+                        <a:latin typeface="Century"/>
+                        <a:ea typeface="ＭＳ 明朝"/>
+                        <a:cs typeface="Times New Roman"/>
+                      </a:endParaRPr>
+                    </a:p>
+                    <a:p>
+                      <a:pPr algn="just">
+                        <a:spcAft>
+                          <a:spcPts val="0"/>
+                        </a:spcAft>
+                      </a:pPr>
+                      <a:r>
+                        <a:rPr lang="en-US" sz="1050" kern="100" dirty="0">
+                          <a:effectLst/>
+                          <a:latin typeface="メイリオ"/>
+                          <a:ea typeface="ＭＳ 明朝"/>
+                          <a:cs typeface="Times New Roman"/>
+                        </a:rPr>
+                        <a:t>3.</a:t>
+                      </a:r>
+                      <a:r>
+                        <a:rPr lang="ja-JP" sz="1050" kern="100" dirty="0">
+                          <a:effectLst/>
+                          <a:latin typeface="Century"/>
+                          <a:ea typeface="メイリオ"/>
+                          <a:cs typeface="Times New Roman"/>
+                        </a:rPr>
+                        <a:t>走行体がコースを走行する。</a:t>
+                      </a:r>
+                      <a:endParaRPr lang="ja-JP" sz="1050" kern="100" dirty="0">
+                        <a:effectLst/>
+                        <a:latin typeface="Century"/>
+                        <a:ea typeface="ＭＳ 明朝"/>
+                        <a:cs typeface="Times New Roman"/>
+                      </a:endParaRPr>
+                    </a:p>
+                    <a:p>
+                      <a:pPr algn="just">
+                        <a:spcAft>
+                          <a:spcPts val="0"/>
+                        </a:spcAft>
+                      </a:pPr>
+                      <a:r>
+                        <a:rPr lang="en-US" sz="1050" kern="100" dirty="0">
+                          <a:effectLst/>
+                          <a:latin typeface="メイリオ"/>
+                          <a:ea typeface="ＭＳ 明朝"/>
+                          <a:cs typeface="Times New Roman"/>
+                        </a:rPr>
+                        <a:t>4.</a:t>
+                      </a:r>
+                      <a:r>
+                        <a:rPr lang="ja-JP" sz="1050" kern="100" dirty="0">
+                          <a:effectLst/>
+                          <a:latin typeface="Century"/>
+                          <a:ea typeface="メイリオ"/>
+                          <a:cs typeface="Times New Roman"/>
+                        </a:rPr>
+                        <a:t>走行体がガレージで停止する。</a:t>
+                      </a:r>
+                      <a:endParaRPr lang="ja-JP" sz="1050" kern="100" dirty="0">
+                        <a:effectLst/>
+                        <a:latin typeface="Century"/>
+                        <a:ea typeface="ＭＳ 明朝"/>
+                        <a:cs typeface="Times New Roman"/>
+                      </a:endParaRPr>
+                    </a:p>
+                  </a:txBody>
+                  <a:tcPr marL="62865" marR="62865" marT="0" marB="0">
+                    <a:lnL w="12700" cap="flat" cmpd="sng" algn="ctr">
+                      <a:solidFill>
+                        <a:srgbClr val="000000"/>
+                      </a:solidFill>
+                      <a:prstDash val="solid"/>
+                      <a:round/>
+                      <a:headEnd type="none" w="med" len="med"/>
+                      <a:tailEnd type="none" w="med" len="med"/>
+                    </a:lnL>
+                    <a:lnR w="12700" cap="flat" cmpd="sng" algn="ctr">
+                      <a:solidFill>
+                        <a:srgbClr val="000000"/>
+                      </a:solidFill>
+                      <a:prstDash val="solid"/>
+                      <a:round/>
+                      <a:headEnd type="none" w="med" len="med"/>
+                      <a:tailEnd type="none" w="med" len="med"/>
+                    </a:lnR>
+                    <a:lnT w="12700" cap="flat" cmpd="sng" algn="ctr">
+                      <a:solidFill>
+                        <a:srgbClr val="000000"/>
+                      </a:solidFill>
+                      <a:prstDash val="solid"/>
+                      <a:round/>
+                      <a:headEnd type="none" w="med" len="med"/>
+                      <a:tailEnd type="none" w="med" len="med"/>
+                    </a:lnT>
+                    <a:lnB w="12700" cap="flat" cmpd="sng" algn="ctr">
+                      <a:solidFill>
+                        <a:srgbClr val="000000"/>
+                      </a:solidFill>
+                      <a:prstDash val="solid"/>
+                      <a:round/>
+                      <a:headEnd type="none" w="med" len="med"/>
+                      <a:tailEnd type="none" w="med" len="med"/>
+                    </a:lnB>
+                    <a:solidFill>
+                      <a:srgbClr val="FFFFA5"/>
+                    </a:solidFill>
+                  </a:tcPr>
+                </a:tc>
+                <a:tc hMerge="1">
+                  <a:txBody>
+                    <a:bodyPr/>
+                    <a:lstStyle/>
+                    <a:p>
+                      <a:endParaRPr kumimoji="1" lang="ja-JP" altLang="en-US"/>
+                    </a:p>
+                  </a:txBody>
+                  <a:tcPr/>
+                </a:tc>
+              </a:tr>
+            </a:tbl>
+          </a:graphicData>
+        </a:graphic>
+      </p:graphicFrame>
+      <p:pic>
+        <p:nvPicPr>
+          <p:cNvPr id="1026" name="Picture 2" descr="C:\Users\HOMMA\Documents\ET2012\diagrams\ユースケース図.emf"/>
+          <p:cNvPicPr>
+            <a:picLocks noChangeAspect="1" noChangeArrowheads="1"/>
+          </p:cNvPicPr>
+          <p:nvPr/>
+        </p:nvPicPr>
+        <p:blipFill rotWithShape="1">
+          <a:blip r:embed="rId5">
+            <a:extLst>
+              <a:ext uri="{28A0092B-C50C-407E-A947-70E740481C1C}">
+                <a14:useLocalDpi xmlns:a14="http://schemas.microsoft.com/office/drawing/2010/main" val="0"/>
+              </a:ext>
+            </a:extLst>
+          </a:blip>
+          <a:srcRect l="5644" t="14409" r="2906" b="6820"/>
+          <a:stretch/>
+        </p:blipFill>
+        <p:spPr bwMode="auto">
+          <a:xfrm>
+            <a:off x="8896647" y="5620053"/>
+            <a:ext cx="3222966" cy="1611483"/>
+          </a:xfrm>
+          <a:prstGeom prst="rect">
+            <a:avLst/>
+          </a:prstGeom>
+          <a:noFill/>
+          <a:extLst>
+            <a:ext uri="{909E8E84-426E-40DD-AFC4-6F175D3DCCD1}">
+              <a14:hiddenFill xmlns:a14="http://schemas.microsoft.com/office/drawing/2010/main">
+                <a:solidFill>
+                  <a:srgbClr val="FFFFFF"/>
+                </a:solidFill>
+              </a14:hiddenFill>
+            </a:ext>
+          </a:extLst>
+        </p:spPr>
+      </p:pic>
     </p:spTree>
     <p:extLst>
       <p:ext uri="{BB962C8B-B14F-4D97-AF65-F5344CB8AC3E}">
@@ -5143,7 +5448,7 @@
 </p:sld>
 </file>
 
-<file path=ppt/slides/slide4.xml><?xml version="1.0" encoding="utf-8"?>
+<file path=ppt/slides/slide3.xml><?xml version="1.0" encoding="utf-8"?>
 <p:sld xmlns:a="http://schemas.openxmlformats.org/drawingml/2006/main" xmlns:r="http://schemas.openxmlformats.org/officeDocument/2006/relationships" xmlns:p="http://schemas.openxmlformats.org/presentationml/2006/main">
   <p:cSld>
     <p:spTree>
@@ -5312,7 +5617,7 @@
         <p:spPr>
           <a:xfrm>
             <a:off x="3025444" y="2640360"/>
-            <a:ext cx="2694195" cy="861774"/>
+            <a:ext cx="2583827" cy="861774"/>
           </a:xfrm>
           <a:prstGeom prst="rect">
             <a:avLst/>
@@ -5356,8 +5661,8 @@
         </p:blipFill>
         <p:spPr bwMode="auto">
           <a:xfrm>
-            <a:off x="9425136" y="364338"/>
-            <a:ext cx="3022742" cy="914883"/>
+            <a:off x="9137104" y="425455"/>
+            <a:ext cx="3529255" cy="1068188"/>
           </a:xfrm>
           <a:prstGeom prst="rect">
             <a:avLst/>
@@ -5615,7 +5920,7 @@
 </p:sld>
 </file>
 
-<file path=ppt/slides/slide5.xml><?xml version="1.0" encoding="utf-8"?>
+<file path=ppt/slides/slide4.xml><?xml version="1.0" encoding="utf-8"?>
 <p:sld xmlns:a="http://schemas.openxmlformats.org/drawingml/2006/main" xmlns:r="http://schemas.openxmlformats.org/officeDocument/2006/relationships" xmlns:p="http://schemas.openxmlformats.org/presentationml/2006/main">
   <p:cSld>
     <p:spTree>
@@ -5968,13 +6273,18 @@
         </p:nvSpPr>
         <p:spPr>
           <a:xfrm>
-            <a:off x="1615727" y="2708461"/>
-            <a:ext cx="3046100" cy="615553"/>
+            <a:off x="1432248" y="1960773"/>
+            <a:ext cx="3744416" cy="1015663"/>
           </a:xfrm>
           <a:prstGeom prst="rect">
             <a:avLst/>
           </a:prstGeom>
           <a:noFill/>
+          <a:ln w="19050">
+            <a:solidFill>
+              <a:srgbClr val="00B050"/>
+            </a:solidFill>
+          </a:ln>
         </p:spPr>
         <p:txBody>
           <a:bodyPr wrap="square" rtlCol="0">
@@ -5983,21 +6293,53 @@
           <a:lstStyle/>
           <a:p>
             <a:r>
-              <a:rPr lang="ja-JP" altLang="en-US" sz="1800" dirty="0" smtClean="0">
+              <a:rPr lang="ja-JP" altLang="en-US" sz="1200" dirty="0" smtClean="0">
                 <a:latin typeface="メイリオ" pitchFamily="50" charset="-128"/>
                 <a:ea typeface="メイリオ" pitchFamily="50" charset="-128"/>
                 <a:cs typeface="メイリオ" pitchFamily="50" charset="-128"/>
               </a:rPr>
-              <a:t>走行中の駆動部の振る舞い</a:t>
-            </a:r>
-            <a:endParaRPr lang="en-US" altLang="ja-JP" sz="1200" dirty="0" smtClean="0">
-              <a:latin typeface="メイリオ" pitchFamily="50" charset="-128"/>
-              <a:ea typeface="メイリオ" pitchFamily="50" charset="-128"/>
-              <a:cs typeface="メイリオ" pitchFamily="50" charset="-128"/>
-            </a:endParaRPr>
-          </a:p>
-          <a:p>
-            <a:endParaRPr lang="en-US" altLang="ja-JP" sz="1600" dirty="0" smtClean="0">
+              <a:t>下図は走行中</a:t>
+            </a:r>
+            <a:r>
+              <a:rPr lang="ja-JP" altLang="en-US" sz="1200" dirty="0" smtClean="0">
+                <a:latin typeface="メイリオ" pitchFamily="50" charset="-128"/>
+                <a:ea typeface="メイリオ" pitchFamily="50" charset="-128"/>
+                <a:cs typeface="メイリオ" pitchFamily="50" charset="-128"/>
+              </a:rPr>
+              <a:t>の駆動部の</a:t>
+            </a:r>
+            <a:r>
+              <a:rPr lang="ja-JP" altLang="en-US" sz="1200" dirty="0" smtClean="0">
+                <a:latin typeface="メイリオ" pitchFamily="50" charset="-128"/>
+                <a:ea typeface="メイリオ" pitchFamily="50" charset="-128"/>
+                <a:cs typeface="メイリオ" pitchFamily="50" charset="-128"/>
+              </a:rPr>
+              <a:t>振る舞いです。すでに設定されているパラメータを元に旋回量を計算し、モータを駆動している振る舞いです。</a:t>
+            </a:r>
+            <a:r>
+              <a:rPr lang="en-US" altLang="ja-JP" sz="1200" dirty="0" smtClean="0">
+                <a:latin typeface="メイリオ" pitchFamily="50" charset="-128"/>
+                <a:ea typeface="メイリオ" pitchFamily="50" charset="-128"/>
+                <a:cs typeface="メイリオ" pitchFamily="50" charset="-128"/>
+              </a:rPr>
+              <a:t/>
+            </a:r>
+            <a:br>
+              <a:rPr lang="en-US" altLang="ja-JP" sz="1200" dirty="0" smtClean="0">
+                <a:latin typeface="メイリオ" pitchFamily="50" charset="-128"/>
+                <a:ea typeface="メイリオ" pitchFamily="50" charset="-128"/>
+                <a:cs typeface="メイリオ" pitchFamily="50" charset="-128"/>
+              </a:rPr>
+            </a:br>
+            <a:r>
+              <a:rPr lang="ja-JP" altLang="en-US" sz="1200" dirty="0" smtClean="0">
+                <a:latin typeface="メイリオ" pitchFamily="50" charset="-128"/>
+                <a:ea typeface="メイリオ" pitchFamily="50" charset="-128"/>
+                <a:cs typeface="メイリオ" pitchFamily="50" charset="-128"/>
+              </a:rPr>
+              <a:t>この振る舞いを繰り返すことにより、どの区間でも同様の振る舞いで走行することが可能です。</a:t>
+            </a:r>
+            <a:endParaRPr lang="en-US" altLang="ja-JP" sz="1100" dirty="0" smtClean="0">
               <a:latin typeface="メイリオ" pitchFamily="50" charset="-128"/>
               <a:ea typeface="メイリオ" pitchFamily="50" charset="-128"/>
               <a:cs typeface="メイリオ" pitchFamily="50" charset="-128"/>
@@ -6058,7 +6400,7 @@
         <p:spPr>
           <a:xfrm>
             <a:off x="1307431" y="645742"/>
-            <a:ext cx="7920881" cy="1323439"/>
+            <a:ext cx="8111298" cy="1077218"/>
           </a:xfrm>
           <a:prstGeom prst="rect">
             <a:avLst/>
@@ -6085,7 +6427,87 @@
                 <a:ea typeface="メイリオ" pitchFamily="50" charset="-128"/>
                 <a:cs typeface="メイリオ" pitchFamily="50" charset="-128"/>
               </a:rPr>
-              <a:t>ロボコンはコースを細かく分割した区間の連続によって構成されていると分析しました。区間ごとに最適な前進量などのパラメータが存在し、新たな区間への切替条件があるとしました。区間が切り替わらない間は同一のパラメータを元に走行するのみに専念します。</a:t>
+              <a:t>ロボコンはコースを細かく分割した</a:t>
+            </a:r>
+            <a:r>
+              <a:rPr lang="ja-JP" altLang="en-US" sz="1600" u="sng" dirty="0" smtClean="0">
+                <a:latin typeface="メイリオ" pitchFamily="50" charset="-128"/>
+                <a:ea typeface="メイリオ" pitchFamily="50" charset="-128"/>
+                <a:cs typeface="メイリオ" pitchFamily="50" charset="-128"/>
+              </a:rPr>
+              <a:t>区間の連続</a:t>
+            </a:r>
+            <a:r>
+              <a:rPr lang="ja-JP" altLang="en-US" sz="1600" dirty="0" smtClean="0">
+                <a:latin typeface="メイリオ" pitchFamily="50" charset="-128"/>
+                <a:ea typeface="メイリオ" pitchFamily="50" charset="-128"/>
+                <a:cs typeface="メイリオ" pitchFamily="50" charset="-128"/>
+              </a:rPr>
+              <a:t>によって構成されていると分析しました。区間ごとに最適な前進量などの</a:t>
+            </a:r>
+            <a:r>
+              <a:rPr lang="ja-JP" altLang="en-US" sz="1600" dirty="0" smtClean="0">
+                <a:latin typeface="メイリオ" pitchFamily="50" charset="-128"/>
+                <a:ea typeface="メイリオ" pitchFamily="50" charset="-128"/>
+                <a:cs typeface="メイリオ" pitchFamily="50" charset="-128"/>
+              </a:rPr>
+              <a:t>パラメータ</a:t>
+            </a:r>
+            <a:r>
+              <a:rPr lang="ja-JP" altLang="en-US" sz="1600" dirty="0" smtClean="0">
+                <a:latin typeface="メイリオ" pitchFamily="50" charset="-128"/>
+                <a:ea typeface="メイリオ" pitchFamily="50" charset="-128"/>
+                <a:cs typeface="メイリオ" pitchFamily="50" charset="-128"/>
+              </a:rPr>
+              <a:t>と</a:t>
+            </a:r>
+            <a:r>
+              <a:rPr lang="ja-JP" altLang="en-US" sz="1600" dirty="0" smtClean="0">
+                <a:latin typeface="メイリオ" pitchFamily="50" charset="-128"/>
+                <a:ea typeface="メイリオ" pitchFamily="50" charset="-128"/>
+                <a:cs typeface="メイリオ" pitchFamily="50" charset="-128"/>
+              </a:rPr>
+              <a:t>区間の</a:t>
+            </a:r>
+            <a:r>
+              <a:rPr lang="ja-JP" altLang="en-US" sz="1600" dirty="0" smtClean="0">
+                <a:latin typeface="メイリオ" pitchFamily="50" charset="-128"/>
+                <a:ea typeface="メイリオ" pitchFamily="50" charset="-128"/>
+                <a:cs typeface="メイリオ" pitchFamily="50" charset="-128"/>
+              </a:rPr>
+              <a:t>切替条件が</a:t>
+            </a:r>
+            <a:r>
+              <a:rPr lang="ja-JP" altLang="en-US" sz="1600" dirty="0" smtClean="0">
+                <a:latin typeface="メイリオ" pitchFamily="50" charset="-128"/>
+                <a:ea typeface="メイリオ" pitchFamily="50" charset="-128"/>
+                <a:cs typeface="メイリオ" pitchFamily="50" charset="-128"/>
+              </a:rPr>
+              <a:t>あり、区間</a:t>
+            </a:r>
+            <a:r>
+              <a:rPr lang="ja-JP" altLang="en-US" sz="1600" dirty="0" smtClean="0">
+                <a:latin typeface="メイリオ" pitchFamily="50" charset="-128"/>
+                <a:ea typeface="メイリオ" pitchFamily="50" charset="-128"/>
+                <a:cs typeface="メイリオ" pitchFamily="50" charset="-128"/>
+              </a:rPr>
+              <a:t>が切り替わらない間は同一のパラメータを元に走行</a:t>
+            </a:r>
+            <a:r>
+              <a:rPr lang="ja-JP" altLang="en-US" sz="1600" dirty="0" smtClean="0">
+                <a:latin typeface="メイリオ" pitchFamily="50" charset="-128"/>
+                <a:ea typeface="メイリオ" pitchFamily="50" charset="-128"/>
+                <a:cs typeface="メイリオ" pitchFamily="50" charset="-128"/>
+              </a:rPr>
+              <a:t>することのみ</a:t>
+            </a:r>
+            <a:r>
+              <a:rPr lang="ja-JP" altLang="en-US" sz="1600" dirty="0" smtClean="0">
+                <a:latin typeface="メイリオ" pitchFamily="50" charset="-128"/>
+                <a:ea typeface="メイリオ" pitchFamily="50" charset="-128"/>
+                <a:cs typeface="メイリオ" pitchFamily="50" charset="-128"/>
+              </a:rPr>
+              <a:t>に専念します。</a:t>
             </a:r>
             <a:endParaRPr lang="en-US" altLang="ja-JP" sz="1100" dirty="0" smtClean="0">
               <a:latin typeface="メイリオ" pitchFamily="50" charset="-128"/>
@@ -6842,7 +7264,7 @@
 </p:sld>
 </file>
 
-<file path=ppt/slides/slide6.xml><?xml version="1.0" encoding="utf-8"?>
+<file path=ppt/slides/slide5.xml><?xml version="1.0" encoding="utf-8"?>
 <p:sld xmlns:a="http://schemas.openxmlformats.org/drawingml/2006/main" xmlns:r="http://schemas.openxmlformats.org/officeDocument/2006/relationships" xmlns:p="http://schemas.openxmlformats.org/presentationml/2006/main">
   <p:cSld>
     <p:spTree>

--- a/models/モデルシートver0.pptx
+++ b/models/モデルシートver0.pptx
@@ -5917,6 +5917,13 @@
   <p:clrMapOvr>
     <a:masterClrMapping/>
   </p:clrMapOvr>
+  <p:timing>
+    <p:tnLst>
+      <p:par>
+        <p:cTn id="1" dur="indefinite" restart="never" nodeType="tmRoot"/>
+      </p:par>
+    </p:tnLst>
+  </p:timing>
 </p:sld>
 </file>
 
@@ -6242,7 +6249,7 @@
         </p:blipFill>
         <p:spPr bwMode="auto">
           <a:xfrm>
-            <a:off x="1497235" y="3123356"/>
+            <a:off x="1429614" y="2476833"/>
             <a:ext cx="4989661" cy="2872763"/>
           </a:xfrm>
           <a:prstGeom prst="rect">
@@ -6273,8 +6280,8 @@
         </p:nvSpPr>
         <p:spPr>
           <a:xfrm>
-            <a:off x="1432248" y="1960773"/>
-            <a:ext cx="3744416" cy="1015663"/>
+            <a:off x="1429614" y="1545273"/>
+            <a:ext cx="5054648" cy="830997"/>
           </a:xfrm>
           <a:prstGeom prst="rect">
             <a:avLst/>
@@ -6298,23 +6305,7 @@
                 <a:ea typeface="メイリオ" pitchFamily="50" charset="-128"/>
                 <a:cs typeface="メイリオ" pitchFamily="50" charset="-128"/>
               </a:rPr>
-              <a:t>下図は走行中</a:t>
-            </a:r>
-            <a:r>
-              <a:rPr lang="ja-JP" altLang="en-US" sz="1200" dirty="0" smtClean="0">
-                <a:latin typeface="メイリオ" pitchFamily="50" charset="-128"/>
-                <a:ea typeface="メイリオ" pitchFamily="50" charset="-128"/>
-                <a:cs typeface="メイリオ" pitchFamily="50" charset="-128"/>
-              </a:rPr>
-              <a:t>の駆動部の</a:t>
-            </a:r>
-            <a:r>
-              <a:rPr lang="ja-JP" altLang="en-US" sz="1200" dirty="0" smtClean="0">
-                <a:latin typeface="メイリオ" pitchFamily="50" charset="-128"/>
-                <a:ea typeface="メイリオ" pitchFamily="50" charset="-128"/>
-                <a:cs typeface="メイリオ" pitchFamily="50" charset="-128"/>
-              </a:rPr>
-              <a:t>振る舞いです。すでに設定されているパラメータを元に旋回量を計算し、モータを駆動している振る舞いです。</a:t>
+              <a:t>下図は走行中の駆動部の振る舞いです。すでに設定されているパラメータを元に旋回量を計算し、モータを駆動している振る舞いです。</a:t>
             </a:r>
             <a:r>
               <a:rPr lang="en-US" altLang="ja-JP" sz="1200" dirty="0" smtClean="0">
@@ -6368,7 +6359,7 @@
         </p:blipFill>
         <p:spPr bwMode="auto">
           <a:xfrm>
-            <a:off x="6954496" y="3129859"/>
+            <a:off x="1276769" y="6191445"/>
             <a:ext cx="4928467" cy="3067076"/>
           </a:xfrm>
           <a:prstGeom prst="rect">
@@ -6443,71 +6434,7 @@
                 <a:ea typeface="メイリオ" pitchFamily="50" charset="-128"/>
                 <a:cs typeface="メイリオ" pitchFamily="50" charset="-128"/>
               </a:rPr>
-              <a:t>によって構成されていると分析しました。区間ごとに最適な前進量などの</a:t>
-            </a:r>
-            <a:r>
-              <a:rPr lang="ja-JP" altLang="en-US" sz="1600" dirty="0" smtClean="0">
-                <a:latin typeface="メイリオ" pitchFamily="50" charset="-128"/>
-                <a:ea typeface="メイリオ" pitchFamily="50" charset="-128"/>
-                <a:cs typeface="メイリオ" pitchFamily="50" charset="-128"/>
-              </a:rPr>
-              <a:t>パラメータ</a:t>
-            </a:r>
-            <a:r>
-              <a:rPr lang="ja-JP" altLang="en-US" sz="1600" dirty="0" smtClean="0">
-                <a:latin typeface="メイリオ" pitchFamily="50" charset="-128"/>
-                <a:ea typeface="メイリオ" pitchFamily="50" charset="-128"/>
-                <a:cs typeface="メイリオ" pitchFamily="50" charset="-128"/>
-              </a:rPr>
-              <a:t>と</a:t>
-            </a:r>
-            <a:r>
-              <a:rPr lang="ja-JP" altLang="en-US" sz="1600" dirty="0" smtClean="0">
-                <a:latin typeface="メイリオ" pitchFamily="50" charset="-128"/>
-                <a:ea typeface="メイリオ" pitchFamily="50" charset="-128"/>
-                <a:cs typeface="メイリオ" pitchFamily="50" charset="-128"/>
-              </a:rPr>
-              <a:t>区間の</a:t>
-            </a:r>
-            <a:r>
-              <a:rPr lang="ja-JP" altLang="en-US" sz="1600" dirty="0" smtClean="0">
-                <a:latin typeface="メイリオ" pitchFamily="50" charset="-128"/>
-                <a:ea typeface="メイリオ" pitchFamily="50" charset="-128"/>
-                <a:cs typeface="メイリオ" pitchFamily="50" charset="-128"/>
-              </a:rPr>
-              <a:t>切替条件が</a:t>
-            </a:r>
-            <a:r>
-              <a:rPr lang="ja-JP" altLang="en-US" sz="1600" dirty="0" smtClean="0">
-                <a:latin typeface="メイリオ" pitchFamily="50" charset="-128"/>
-                <a:ea typeface="メイリオ" pitchFamily="50" charset="-128"/>
-                <a:cs typeface="メイリオ" pitchFamily="50" charset="-128"/>
-              </a:rPr>
-              <a:t>あり、区間</a:t>
-            </a:r>
-            <a:r>
-              <a:rPr lang="ja-JP" altLang="en-US" sz="1600" dirty="0" smtClean="0">
-                <a:latin typeface="メイリオ" pitchFamily="50" charset="-128"/>
-                <a:ea typeface="メイリオ" pitchFamily="50" charset="-128"/>
-                <a:cs typeface="メイリオ" pitchFamily="50" charset="-128"/>
-              </a:rPr>
-              <a:t>が切り替わらない間は同一のパラメータを元に走行</a:t>
-            </a:r>
-            <a:r>
-              <a:rPr lang="ja-JP" altLang="en-US" sz="1600" dirty="0" smtClean="0">
-                <a:latin typeface="メイリオ" pitchFamily="50" charset="-128"/>
-                <a:ea typeface="メイリオ" pitchFamily="50" charset="-128"/>
-                <a:cs typeface="メイリオ" pitchFamily="50" charset="-128"/>
-              </a:rPr>
-              <a:t>することのみ</a:t>
-            </a:r>
-            <a:r>
-              <a:rPr lang="ja-JP" altLang="en-US" sz="1600" dirty="0" smtClean="0">
-                <a:latin typeface="メイリオ" pitchFamily="50" charset="-128"/>
-                <a:ea typeface="メイリオ" pitchFamily="50" charset="-128"/>
-                <a:cs typeface="メイリオ" pitchFamily="50" charset="-128"/>
-              </a:rPr>
-              <a:t>に専念します。</a:t>
+              <a:t>によって構成されていると分析しました。区間ごとに最適な前進量などのパラメータと区間の切替条件があり、区間が切り替わらない間は同一のパラメータを元に走行することのみに専念します。</a:t>
             </a:r>
             <a:endParaRPr lang="en-US" altLang="ja-JP" sz="1100" dirty="0" smtClean="0">
               <a:latin typeface="メイリオ" pitchFamily="50" charset="-128"/>
@@ -6532,8 +6459,8 @@
         </p:nvSpPr>
         <p:spPr>
           <a:xfrm>
-            <a:off x="7419705" y="2215196"/>
-            <a:ext cx="3168352" cy="892552"/>
+            <a:off x="2800400" y="5515336"/>
+            <a:ext cx="3168352" cy="769441"/>
           </a:xfrm>
           <a:prstGeom prst="rect">
             <a:avLst/>
@@ -6547,14 +6474,14 @@
           <a:lstStyle/>
           <a:p>
             <a:r>
-              <a:rPr lang="ja-JP" altLang="en-US" sz="1800" dirty="0" smtClean="0">
+              <a:rPr lang="ja-JP" altLang="en-US" sz="1400" dirty="0" smtClean="0">
                 <a:latin typeface="メイリオ" pitchFamily="50" charset="-128"/>
                 <a:ea typeface="メイリオ" pitchFamily="50" charset="-128"/>
                 <a:cs typeface="メイリオ" pitchFamily="50" charset="-128"/>
               </a:rPr>
               <a:t>区間の切替から目標駆動パラメータを設定する振る舞い</a:t>
             </a:r>
-            <a:endParaRPr lang="en-US" altLang="ja-JP" sz="1200" dirty="0" smtClean="0">
+            <a:endParaRPr lang="en-US" altLang="ja-JP" sz="1050" dirty="0" smtClean="0">
               <a:latin typeface="メイリオ" pitchFamily="50" charset="-128"/>
               <a:ea typeface="メイリオ" pitchFamily="50" charset="-128"/>
               <a:cs typeface="メイリオ" pitchFamily="50" charset="-128"/>
@@ -6577,7 +6504,7 @@
         </p:nvSpPr>
         <p:spPr>
           <a:xfrm>
-            <a:off x="1497235" y="6226367"/>
+            <a:off x="2080320" y="4933614"/>
             <a:ext cx="1684619" cy="936104"/>
           </a:xfrm>
           <a:prstGeom prst="roundRect">
@@ -6623,7 +6550,7 @@
         </p:nvCxnSpPr>
         <p:spPr>
           <a:xfrm flipV="1">
-            <a:off x="2339545" y="5557136"/>
+            <a:off x="2922630" y="4264383"/>
             <a:ext cx="694555" cy="669231"/>
           </a:xfrm>
           <a:prstGeom prst="straightConnector1">
@@ -6655,9 +6582,9 @@
           <p:nvPr/>
         </p:nvCxnSpPr>
         <p:spPr>
-          <a:xfrm flipV="1">
-            <a:off x="3138777" y="5996119"/>
-            <a:ext cx="4414151" cy="748697"/>
+          <a:xfrm flipH="1">
+            <a:off x="2368352" y="5261266"/>
+            <a:ext cx="1008112" cy="2131622"/>
           </a:xfrm>
           <a:prstGeom prst="straightConnector1">
             <a:avLst/>
@@ -6681,9 +6608,1216 @@
           </a:fontRef>
         </p:style>
       </p:cxnSp>
+      <p:graphicFrame>
+        <p:nvGraphicFramePr>
+          <p:cNvPr id="34" name="表 33"/>
+          <p:cNvGraphicFramePr>
+            <a:graphicFrameLocks noGrp="1"/>
+          </p:cNvGraphicFramePr>
+          <p:nvPr>
+            <p:extLst>
+              <p:ext uri="{D42A27DB-BD31-4B8C-83A1-F6EECF244321}">
+                <p14:modId xmlns:p14="http://schemas.microsoft.com/office/powerpoint/2010/main" val="1805457977"/>
+              </p:ext>
+            </p:extLst>
+          </p:nvPr>
+        </p:nvGraphicFramePr>
+        <p:xfrm>
+          <a:off x="9106872" y="2280320"/>
+          <a:ext cx="3384376" cy="1840733"/>
+        </p:xfrm>
+        <a:graphic>
+          <a:graphicData uri="http://schemas.openxmlformats.org/drawingml/2006/table">
+            <a:tbl>
+              <a:tblPr firstRow="1" bandRow="1">
+                <a:tableStyleId>{5C22544A-7EE6-4342-B048-85BDC9FD1C3A}</a:tableStyleId>
+              </a:tblPr>
+              <a:tblGrid>
+                <a:gridCol w="912975"/>
+                <a:gridCol w="748909"/>
+                <a:gridCol w="524237"/>
+                <a:gridCol w="1198255"/>
+              </a:tblGrid>
+              <a:tr h="560573">
+                <a:tc>
+                  <a:txBody>
+                    <a:bodyPr/>
+                    <a:lstStyle/>
+                    <a:p>
+                      <a:pPr algn="ctr"/>
+                      <a:r>
+                        <a:rPr kumimoji="1" lang="ja-JP" altLang="en-US" sz="1050" dirty="0" smtClean="0">
+                          <a:solidFill>
+                            <a:schemeClr val="tx1"/>
+                          </a:solidFill>
+                        </a:rPr>
+                        <a:t>タスク名</a:t>
+                      </a:r>
+                      <a:endParaRPr kumimoji="1" lang="ja-JP" altLang="en-US" sz="1050" dirty="0">
+                        <a:solidFill>
+                          <a:schemeClr val="tx1"/>
+                        </a:solidFill>
+                      </a:endParaRPr>
+                    </a:p>
+                  </a:txBody>
+                  <a:tcPr>
+                    <a:lnL w="12700" cap="flat" cmpd="sng" algn="ctr">
+                      <a:solidFill>
+                        <a:schemeClr val="tx1"/>
+                      </a:solidFill>
+                      <a:prstDash val="solid"/>
+                      <a:round/>
+                      <a:headEnd type="none" w="med" len="med"/>
+                      <a:tailEnd type="none" w="med" len="med"/>
+                    </a:lnL>
+                    <a:lnR w="12700" cap="flat" cmpd="sng" algn="ctr">
+                      <a:solidFill>
+                        <a:schemeClr val="tx1"/>
+                      </a:solidFill>
+                      <a:prstDash val="solid"/>
+                      <a:round/>
+                      <a:headEnd type="none" w="med" len="med"/>
+                      <a:tailEnd type="none" w="med" len="med"/>
+                    </a:lnR>
+                    <a:lnT w="12700" cap="flat" cmpd="sng" algn="ctr">
+                      <a:solidFill>
+                        <a:schemeClr val="tx1"/>
+                      </a:solidFill>
+                      <a:prstDash val="solid"/>
+                      <a:round/>
+                      <a:headEnd type="none" w="med" len="med"/>
+                      <a:tailEnd type="none" w="med" len="med"/>
+                    </a:lnT>
+                    <a:lnB w="12700" cap="flat" cmpd="sng" algn="ctr">
+                      <a:solidFill>
+                        <a:schemeClr val="tx1"/>
+                      </a:solidFill>
+                      <a:prstDash val="solid"/>
+                      <a:round/>
+                      <a:headEnd type="none" w="med" len="med"/>
+                      <a:tailEnd type="none" w="med" len="med"/>
+                    </a:lnB>
+                    <a:lnTlToBr w="12700" cmpd="sng">
+                      <a:noFill/>
+                      <a:prstDash val="solid"/>
+                    </a:lnTlToBr>
+                    <a:lnBlToTr w="12700" cmpd="sng">
+                      <a:noFill/>
+                      <a:prstDash val="solid"/>
+                    </a:lnBlToTr>
+                    <a:noFill/>
+                  </a:tcPr>
+                </a:tc>
+                <a:tc>
+                  <a:txBody>
+                    <a:bodyPr/>
+                    <a:lstStyle/>
+                    <a:p>
+                      <a:pPr algn="ctr"/>
+                      <a:r>
+                        <a:rPr kumimoji="1" lang="ja-JP" altLang="en-US" sz="1050" dirty="0" smtClean="0">
+                          <a:solidFill>
+                            <a:schemeClr val="tx1"/>
+                          </a:solidFill>
+                        </a:rPr>
+                        <a:t>優先度</a:t>
+                      </a:r>
+                      <a:endParaRPr kumimoji="1" lang="ja-JP" altLang="en-US" sz="1050" dirty="0">
+                        <a:solidFill>
+                          <a:schemeClr val="tx1"/>
+                        </a:solidFill>
+                      </a:endParaRPr>
+                    </a:p>
+                  </a:txBody>
+                  <a:tcPr>
+                    <a:lnL w="12700" cap="flat" cmpd="sng" algn="ctr">
+                      <a:solidFill>
+                        <a:schemeClr val="tx1"/>
+                      </a:solidFill>
+                      <a:prstDash val="solid"/>
+                      <a:round/>
+                      <a:headEnd type="none" w="med" len="med"/>
+                      <a:tailEnd type="none" w="med" len="med"/>
+                    </a:lnL>
+                    <a:lnR w="12700" cap="flat" cmpd="sng" algn="ctr">
+                      <a:solidFill>
+                        <a:schemeClr val="tx1"/>
+                      </a:solidFill>
+                      <a:prstDash val="solid"/>
+                      <a:round/>
+                      <a:headEnd type="none" w="med" len="med"/>
+                      <a:tailEnd type="none" w="med" len="med"/>
+                    </a:lnR>
+                    <a:lnT w="12700" cap="flat" cmpd="sng" algn="ctr">
+                      <a:solidFill>
+                        <a:schemeClr val="tx1"/>
+                      </a:solidFill>
+                      <a:prstDash val="solid"/>
+                      <a:round/>
+                      <a:headEnd type="none" w="med" len="med"/>
+                      <a:tailEnd type="none" w="med" len="med"/>
+                    </a:lnT>
+                    <a:lnB w="12700" cap="flat" cmpd="sng" algn="ctr">
+                      <a:solidFill>
+                        <a:schemeClr val="tx1"/>
+                      </a:solidFill>
+                      <a:prstDash val="solid"/>
+                      <a:round/>
+                      <a:headEnd type="none" w="med" len="med"/>
+                      <a:tailEnd type="none" w="med" len="med"/>
+                    </a:lnB>
+                    <a:lnTlToBr w="12700" cmpd="sng">
+                      <a:noFill/>
+                      <a:prstDash val="solid"/>
+                    </a:lnTlToBr>
+                    <a:lnBlToTr w="12700" cmpd="sng">
+                      <a:noFill/>
+                      <a:prstDash val="solid"/>
+                    </a:lnBlToTr>
+                    <a:noFill/>
+                  </a:tcPr>
+                </a:tc>
+                <a:tc>
+                  <a:txBody>
+                    <a:bodyPr/>
+                    <a:lstStyle/>
+                    <a:p>
+                      <a:pPr algn="ctr"/>
+                      <a:r>
+                        <a:rPr kumimoji="1" lang="ja-JP" altLang="en-US" sz="1050" dirty="0" smtClean="0">
+                          <a:solidFill>
+                            <a:schemeClr val="tx1"/>
+                          </a:solidFill>
+                        </a:rPr>
+                        <a:t>周期 </a:t>
+                      </a:r>
+                      <a:r>
+                        <a:rPr kumimoji="1" lang="en-US" altLang="ja-JP" sz="1050" dirty="0" smtClean="0">
+                          <a:solidFill>
+                            <a:schemeClr val="tx1"/>
+                          </a:solidFill>
+                        </a:rPr>
+                        <a:t>[</a:t>
+                      </a:r>
+                      <a:r>
+                        <a:rPr kumimoji="1" lang="en-US" altLang="ja-JP" sz="1050" dirty="0" err="1" smtClean="0">
+                          <a:solidFill>
+                            <a:schemeClr val="tx1"/>
+                          </a:solidFill>
+                        </a:rPr>
+                        <a:t>ms</a:t>
+                      </a:r>
+                      <a:r>
+                        <a:rPr kumimoji="1" lang="en-US" altLang="ja-JP" sz="1050" dirty="0" smtClean="0">
+                          <a:solidFill>
+                            <a:schemeClr val="tx1"/>
+                          </a:solidFill>
+                        </a:rPr>
+                        <a:t>]</a:t>
+                      </a:r>
+                      <a:endParaRPr kumimoji="1" lang="ja-JP" altLang="en-US" sz="1050" dirty="0">
+                        <a:solidFill>
+                          <a:schemeClr val="tx1"/>
+                        </a:solidFill>
+                      </a:endParaRPr>
+                    </a:p>
+                  </a:txBody>
+                  <a:tcPr>
+                    <a:lnL w="12700" cap="flat" cmpd="sng" algn="ctr">
+                      <a:solidFill>
+                        <a:schemeClr val="tx1"/>
+                      </a:solidFill>
+                      <a:prstDash val="solid"/>
+                      <a:round/>
+                      <a:headEnd type="none" w="med" len="med"/>
+                      <a:tailEnd type="none" w="med" len="med"/>
+                    </a:lnL>
+                    <a:lnR w="12700" cap="flat" cmpd="sng" algn="ctr">
+                      <a:solidFill>
+                        <a:schemeClr val="tx1"/>
+                      </a:solidFill>
+                      <a:prstDash val="solid"/>
+                      <a:round/>
+                      <a:headEnd type="none" w="med" len="med"/>
+                      <a:tailEnd type="none" w="med" len="med"/>
+                    </a:lnR>
+                    <a:lnT w="12700" cap="flat" cmpd="sng" algn="ctr">
+                      <a:solidFill>
+                        <a:schemeClr val="tx1"/>
+                      </a:solidFill>
+                      <a:prstDash val="solid"/>
+                      <a:round/>
+                      <a:headEnd type="none" w="med" len="med"/>
+                      <a:tailEnd type="none" w="med" len="med"/>
+                    </a:lnT>
+                    <a:lnB w="12700" cap="flat" cmpd="sng" algn="ctr">
+                      <a:solidFill>
+                        <a:schemeClr val="tx1"/>
+                      </a:solidFill>
+                      <a:prstDash val="solid"/>
+                      <a:round/>
+                      <a:headEnd type="none" w="med" len="med"/>
+                      <a:tailEnd type="none" w="med" len="med"/>
+                    </a:lnB>
+                    <a:lnTlToBr w="12700" cmpd="sng">
+                      <a:noFill/>
+                      <a:prstDash val="solid"/>
+                    </a:lnTlToBr>
+                    <a:lnBlToTr w="12700" cmpd="sng">
+                      <a:noFill/>
+                      <a:prstDash val="solid"/>
+                    </a:lnBlToTr>
+                    <a:noFill/>
+                  </a:tcPr>
+                </a:tc>
+                <a:tc>
+                  <a:txBody>
+                    <a:bodyPr/>
+                    <a:lstStyle/>
+                    <a:p>
+                      <a:pPr algn="ctr"/>
+                      <a:r>
+                        <a:rPr kumimoji="1" lang="ja-JP" altLang="en-US" sz="1050" dirty="0" smtClean="0">
+                          <a:solidFill>
+                            <a:schemeClr val="tx1"/>
+                          </a:solidFill>
+                        </a:rPr>
+                        <a:t>理由</a:t>
+                      </a:r>
+                      <a:endParaRPr kumimoji="1" lang="ja-JP" altLang="en-US" sz="1050" dirty="0">
+                        <a:solidFill>
+                          <a:schemeClr val="tx1"/>
+                        </a:solidFill>
+                      </a:endParaRPr>
+                    </a:p>
+                  </a:txBody>
+                  <a:tcPr>
+                    <a:lnL w="12700" cap="flat" cmpd="sng" algn="ctr">
+                      <a:solidFill>
+                        <a:schemeClr val="tx1"/>
+                      </a:solidFill>
+                      <a:prstDash val="solid"/>
+                      <a:round/>
+                      <a:headEnd type="none" w="med" len="med"/>
+                      <a:tailEnd type="none" w="med" len="med"/>
+                    </a:lnL>
+                    <a:lnR w="12700" cap="flat" cmpd="sng" algn="ctr">
+                      <a:solidFill>
+                        <a:schemeClr val="tx1"/>
+                      </a:solidFill>
+                      <a:prstDash val="solid"/>
+                      <a:round/>
+                      <a:headEnd type="none" w="med" len="med"/>
+                      <a:tailEnd type="none" w="med" len="med"/>
+                    </a:lnR>
+                    <a:lnT w="12700" cap="flat" cmpd="sng" algn="ctr">
+                      <a:solidFill>
+                        <a:schemeClr val="tx1"/>
+                      </a:solidFill>
+                      <a:prstDash val="solid"/>
+                      <a:round/>
+                      <a:headEnd type="none" w="med" len="med"/>
+                      <a:tailEnd type="none" w="med" len="med"/>
+                    </a:lnT>
+                    <a:lnB w="12700" cap="flat" cmpd="sng" algn="ctr">
+                      <a:solidFill>
+                        <a:schemeClr val="tx1"/>
+                      </a:solidFill>
+                      <a:prstDash val="solid"/>
+                      <a:round/>
+                      <a:headEnd type="none" w="med" len="med"/>
+                      <a:tailEnd type="none" w="med" len="med"/>
+                    </a:lnB>
+                    <a:lnTlToBr w="12700" cmpd="sng">
+                      <a:noFill/>
+                      <a:prstDash val="solid"/>
+                    </a:lnTlToBr>
+                    <a:lnBlToTr w="12700" cmpd="sng">
+                      <a:noFill/>
+                      <a:prstDash val="solid"/>
+                    </a:lnBlToTr>
+                    <a:noFill/>
+                  </a:tcPr>
+                </a:tc>
+              </a:tr>
+              <a:tr h="432557">
+                <a:tc>
+                  <a:txBody>
+                    <a:bodyPr/>
+                    <a:lstStyle/>
+                    <a:p>
+                      <a:pPr algn="ctr"/>
+                      <a:r>
+                        <a:rPr kumimoji="1" lang="ja-JP" altLang="en-US" sz="1050" dirty="0" smtClean="0"/>
+                        <a:t>駆動タスク</a:t>
+                      </a:r>
+                      <a:endParaRPr kumimoji="1" lang="ja-JP" altLang="en-US" sz="1050" dirty="0"/>
+                    </a:p>
+                  </a:txBody>
+                  <a:tcPr>
+                    <a:lnL w="12700" cap="flat" cmpd="sng" algn="ctr">
+                      <a:solidFill>
+                        <a:schemeClr val="tx1"/>
+                      </a:solidFill>
+                      <a:prstDash val="solid"/>
+                      <a:round/>
+                      <a:headEnd type="none" w="med" len="med"/>
+                      <a:tailEnd type="none" w="med" len="med"/>
+                    </a:lnL>
+                    <a:lnR w="12700" cap="flat" cmpd="sng" algn="ctr">
+                      <a:solidFill>
+                        <a:schemeClr val="tx1"/>
+                      </a:solidFill>
+                      <a:prstDash val="solid"/>
+                      <a:round/>
+                      <a:headEnd type="none" w="med" len="med"/>
+                      <a:tailEnd type="none" w="med" len="med"/>
+                    </a:lnR>
+                    <a:lnT w="12700" cap="flat" cmpd="sng" algn="ctr">
+                      <a:solidFill>
+                        <a:schemeClr val="tx1"/>
+                      </a:solidFill>
+                      <a:prstDash val="solid"/>
+                      <a:round/>
+                      <a:headEnd type="none" w="med" len="med"/>
+                      <a:tailEnd type="none" w="med" len="med"/>
+                    </a:lnT>
+                    <a:lnB w="12700" cap="flat" cmpd="sng" algn="ctr">
+                      <a:solidFill>
+                        <a:schemeClr val="tx1"/>
+                      </a:solidFill>
+                      <a:prstDash val="solid"/>
+                      <a:round/>
+                      <a:headEnd type="none" w="med" len="med"/>
+                      <a:tailEnd type="none" w="med" len="med"/>
+                    </a:lnB>
+                    <a:lnTlToBr w="12700" cmpd="sng">
+                      <a:noFill/>
+                      <a:prstDash val="solid"/>
+                    </a:lnTlToBr>
+                    <a:lnBlToTr w="12700" cmpd="sng">
+                      <a:noFill/>
+                      <a:prstDash val="solid"/>
+                    </a:lnBlToTr>
+                    <a:noFill/>
+                  </a:tcPr>
+                </a:tc>
+                <a:tc>
+                  <a:txBody>
+                    <a:bodyPr/>
+                    <a:lstStyle/>
+                    <a:p>
+                      <a:pPr algn="ctr"/>
+                      <a:r>
+                        <a:rPr kumimoji="1" lang="ja-JP" altLang="en-US" sz="1050" dirty="0" smtClean="0"/>
+                        <a:t>１</a:t>
+                      </a:r>
+                      <a:endParaRPr kumimoji="1" lang="ja-JP" altLang="en-US" sz="1050" dirty="0"/>
+                    </a:p>
+                  </a:txBody>
+                  <a:tcPr>
+                    <a:lnL w="12700" cap="flat" cmpd="sng" algn="ctr">
+                      <a:solidFill>
+                        <a:schemeClr val="tx1"/>
+                      </a:solidFill>
+                      <a:prstDash val="solid"/>
+                      <a:round/>
+                      <a:headEnd type="none" w="med" len="med"/>
+                      <a:tailEnd type="none" w="med" len="med"/>
+                    </a:lnL>
+                    <a:lnR w="12700" cap="flat" cmpd="sng" algn="ctr">
+                      <a:solidFill>
+                        <a:schemeClr val="tx1"/>
+                      </a:solidFill>
+                      <a:prstDash val="solid"/>
+                      <a:round/>
+                      <a:headEnd type="none" w="med" len="med"/>
+                      <a:tailEnd type="none" w="med" len="med"/>
+                    </a:lnR>
+                    <a:lnT w="12700" cap="flat" cmpd="sng" algn="ctr">
+                      <a:solidFill>
+                        <a:schemeClr val="tx1"/>
+                      </a:solidFill>
+                      <a:prstDash val="solid"/>
+                      <a:round/>
+                      <a:headEnd type="none" w="med" len="med"/>
+                      <a:tailEnd type="none" w="med" len="med"/>
+                    </a:lnT>
+                    <a:lnB w="12700" cap="flat" cmpd="sng" algn="ctr">
+                      <a:solidFill>
+                        <a:schemeClr val="tx1"/>
+                      </a:solidFill>
+                      <a:prstDash val="solid"/>
+                      <a:round/>
+                      <a:headEnd type="none" w="med" len="med"/>
+                      <a:tailEnd type="none" w="med" len="med"/>
+                    </a:lnB>
+                    <a:lnTlToBr w="12700" cmpd="sng">
+                      <a:noFill/>
+                      <a:prstDash val="solid"/>
+                    </a:lnTlToBr>
+                    <a:lnBlToTr w="12700" cmpd="sng">
+                      <a:noFill/>
+                      <a:prstDash val="solid"/>
+                    </a:lnBlToTr>
+                    <a:noFill/>
+                  </a:tcPr>
+                </a:tc>
+                <a:tc>
+                  <a:txBody>
+                    <a:bodyPr/>
+                    <a:lstStyle/>
+                    <a:p>
+                      <a:pPr algn="ctr"/>
+                      <a:r>
+                        <a:rPr kumimoji="1" lang="en-US" altLang="ja-JP" sz="1050" dirty="0" smtClean="0"/>
+                        <a:t>4</a:t>
+                      </a:r>
+                    </a:p>
+                  </a:txBody>
+                  <a:tcPr>
+                    <a:lnL w="12700" cap="flat" cmpd="sng" algn="ctr">
+                      <a:solidFill>
+                        <a:schemeClr val="tx1"/>
+                      </a:solidFill>
+                      <a:prstDash val="solid"/>
+                      <a:round/>
+                      <a:headEnd type="none" w="med" len="med"/>
+                      <a:tailEnd type="none" w="med" len="med"/>
+                    </a:lnL>
+                    <a:lnR w="12700" cap="flat" cmpd="sng" algn="ctr">
+                      <a:solidFill>
+                        <a:schemeClr val="tx1"/>
+                      </a:solidFill>
+                      <a:prstDash val="solid"/>
+                      <a:round/>
+                      <a:headEnd type="none" w="med" len="med"/>
+                      <a:tailEnd type="none" w="med" len="med"/>
+                    </a:lnR>
+                    <a:lnT w="12700" cap="flat" cmpd="sng" algn="ctr">
+                      <a:solidFill>
+                        <a:schemeClr val="tx1"/>
+                      </a:solidFill>
+                      <a:prstDash val="solid"/>
+                      <a:round/>
+                      <a:headEnd type="none" w="med" len="med"/>
+                      <a:tailEnd type="none" w="med" len="med"/>
+                    </a:lnT>
+                    <a:lnB w="12700" cap="flat" cmpd="sng" algn="ctr">
+                      <a:solidFill>
+                        <a:schemeClr val="tx1"/>
+                      </a:solidFill>
+                      <a:prstDash val="solid"/>
+                      <a:round/>
+                      <a:headEnd type="none" w="med" len="med"/>
+                      <a:tailEnd type="none" w="med" len="med"/>
+                    </a:lnB>
+                    <a:lnTlToBr w="12700" cmpd="sng">
+                      <a:noFill/>
+                      <a:prstDash val="solid"/>
+                    </a:lnTlToBr>
+                    <a:lnBlToTr w="12700" cmpd="sng">
+                      <a:noFill/>
+                      <a:prstDash val="solid"/>
+                    </a:lnBlToTr>
+                    <a:noFill/>
+                  </a:tcPr>
+                </a:tc>
+                <a:tc>
+                  <a:txBody>
+                    <a:bodyPr/>
+                    <a:lstStyle/>
+                    <a:p>
+                      <a:pPr algn="ctr"/>
+                      <a:r>
+                        <a:rPr kumimoji="1" lang="ja-JP" altLang="en-US" sz="900" dirty="0" smtClean="0"/>
+                        <a:t>制約条件より</a:t>
+                      </a:r>
+                      <a:r>
+                        <a:rPr kumimoji="1" lang="en-US" altLang="ja-JP" sz="900" dirty="0" smtClean="0"/>
+                        <a:t>4ms</a:t>
+                      </a:r>
+                      <a:r>
+                        <a:rPr kumimoji="1" lang="ja-JP" altLang="en-US" sz="900" dirty="0" smtClean="0"/>
+                        <a:t>で実行する必要があるバランサーとそれに関連</a:t>
+                      </a:r>
+                      <a:r>
+                        <a:rPr kumimoji="1" lang="ja-JP" altLang="en-US" sz="900" dirty="0" smtClean="0"/>
+                        <a:t>する駆動処理</a:t>
+                      </a:r>
+                      <a:r>
+                        <a:rPr kumimoji="1" lang="ja-JP" altLang="en-US" sz="900" dirty="0" smtClean="0"/>
+                        <a:t>をまとめた。</a:t>
+                      </a:r>
+                      <a:endParaRPr kumimoji="1" lang="en-US" altLang="ja-JP" sz="900" dirty="0" smtClean="0"/>
+                    </a:p>
+                  </a:txBody>
+                  <a:tcPr>
+                    <a:lnL w="12700" cap="flat" cmpd="sng" algn="ctr">
+                      <a:solidFill>
+                        <a:schemeClr val="tx1"/>
+                      </a:solidFill>
+                      <a:prstDash val="solid"/>
+                      <a:round/>
+                      <a:headEnd type="none" w="med" len="med"/>
+                      <a:tailEnd type="none" w="med" len="med"/>
+                    </a:lnL>
+                    <a:lnR w="12700" cap="flat" cmpd="sng" algn="ctr">
+                      <a:solidFill>
+                        <a:schemeClr val="tx1"/>
+                      </a:solidFill>
+                      <a:prstDash val="solid"/>
+                      <a:round/>
+                      <a:headEnd type="none" w="med" len="med"/>
+                      <a:tailEnd type="none" w="med" len="med"/>
+                    </a:lnR>
+                    <a:lnT w="12700" cap="flat" cmpd="sng" algn="ctr">
+                      <a:solidFill>
+                        <a:schemeClr val="tx1"/>
+                      </a:solidFill>
+                      <a:prstDash val="solid"/>
+                      <a:round/>
+                      <a:headEnd type="none" w="med" len="med"/>
+                      <a:tailEnd type="none" w="med" len="med"/>
+                    </a:lnT>
+                    <a:lnB w="12700" cap="flat" cmpd="sng" algn="ctr">
+                      <a:solidFill>
+                        <a:schemeClr val="tx1"/>
+                      </a:solidFill>
+                      <a:prstDash val="solid"/>
+                      <a:round/>
+                      <a:headEnd type="none" w="med" len="med"/>
+                      <a:tailEnd type="none" w="med" len="med"/>
+                    </a:lnB>
+                    <a:lnTlToBr w="12700" cmpd="sng">
+                      <a:noFill/>
+                      <a:prstDash val="solid"/>
+                    </a:lnTlToBr>
+                    <a:lnBlToTr w="12700" cmpd="sng">
+                      <a:noFill/>
+                      <a:prstDash val="solid"/>
+                    </a:lnBlToTr>
+                    <a:noFill/>
+                  </a:tcPr>
+                </a:tc>
+              </a:tr>
+              <a:tr h="356223">
+                <a:tc>
+                  <a:txBody>
+                    <a:bodyPr/>
+                    <a:lstStyle/>
+                    <a:p>
+                      <a:pPr algn="ctr"/>
+                      <a:r>
+                        <a:rPr kumimoji="1" lang="ja-JP" altLang="en-US" sz="1050" dirty="0" smtClean="0"/>
+                        <a:t>外部状況監視タスク</a:t>
+                      </a:r>
+                      <a:endParaRPr kumimoji="1" lang="ja-JP" altLang="en-US" sz="1050" dirty="0"/>
+                    </a:p>
+                  </a:txBody>
+                  <a:tcPr>
+                    <a:lnL w="12700" cap="flat" cmpd="sng" algn="ctr">
+                      <a:solidFill>
+                        <a:schemeClr val="tx1"/>
+                      </a:solidFill>
+                      <a:prstDash val="solid"/>
+                      <a:round/>
+                      <a:headEnd type="none" w="med" len="med"/>
+                      <a:tailEnd type="none" w="med" len="med"/>
+                    </a:lnL>
+                    <a:lnR w="12700" cap="flat" cmpd="sng" algn="ctr">
+                      <a:solidFill>
+                        <a:schemeClr val="tx1"/>
+                      </a:solidFill>
+                      <a:prstDash val="solid"/>
+                      <a:round/>
+                      <a:headEnd type="none" w="med" len="med"/>
+                      <a:tailEnd type="none" w="med" len="med"/>
+                    </a:lnR>
+                    <a:lnT w="12700" cap="flat" cmpd="sng" algn="ctr">
+                      <a:solidFill>
+                        <a:schemeClr val="tx1"/>
+                      </a:solidFill>
+                      <a:prstDash val="solid"/>
+                      <a:round/>
+                      <a:headEnd type="none" w="med" len="med"/>
+                      <a:tailEnd type="none" w="med" len="med"/>
+                    </a:lnT>
+                    <a:lnB w="12700" cap="flat" cmpd="sng" algn="ctr">
+                      <a:solidFill>
+                        <a:schemeClr val="tx1"/>
+                      </a:solidFill>
+                      <a:prstDash val="solid"/>
+                      <a:round/>
+                      <a:headEnd type="none" w="med" len="med"/>
+                      <a:tailEnd type="none" w="med" len="med"/>
+                    </a:lnB>
+                    <a:lnTlToBr w="12700" cmpd="sng">
+                      <a:noFill/>
+                      <a:prstDash val="solid"/>
+                    </a:lnTlToBr>
+                    <a:lnBlToTr w="12700" cmpd="sng">
+                      <a:noFill/>
+                      <a:prstDash val="solid"/>
+                    </a:lnBlToTr>
+                    <a:noFill/>
+                  </a:tcPr>
+                </a:tc>
+                <a:tc>
+                  <a:txBody>
+                    <a:bodyPr/>
+                    <a:lstStyle/>
+                    <a:p>
+                      <a:pPr algn="ctr"/>
+                      <a:r>
+                        <a:rPr kumimoji="1" lang="ja-JP" altLang="en-US" sz="1050" dirty="0" smtClean="0"/>
+                        <a:t>２</a:t>
+                      </a:r>
+                      <a:endParaRPr kumimoji="1" lang="ja-JP" altLang="en-US" sz="1050" dirty="0"/>
+                    </a:p>
+                  </a:txBody>
+                  <a:tcPr>
+                    <a:lnL w="12700" cap="flat" cmpd="sng" algn="ctr">
+                      <a:solidFill>
+                        <a:schemeClr val="tx1"/>
+                      </a:solidFill>
+                      <a:prstDash val="solid"/>
+                      <a:round/>
+                      <a:headEnd type="none" w="med" len="med"/>
+                      <a:tailEnd type="none" w="med" len="med"/>
+                    </a:lnL>
+                    <a:lnR w="12700" cap="flat" cmpd="sng" algn="ctr">
+                      <a:solidFill>
+                        <a:schemeClr val="tx1"/>
+                      </a:solidFill>
+                      <a:prstDash val="solid"/>
+                      <a:round/>
+                      <a:headEnd type="none" w="med" len="med"/>
+                      <a:tailEnd type="none" w="med" len="med"/>
+                    </a:lnR>
+                    <a:lnT w="12700" cap="flat" cmpd="sng" algn="ctr">
+                      <a:solidFill>
+                        <a:schemeClr val="tx1"/>
+                      </a:solidFill>
+                      <a:prstDash val="solid"/>
+                      <a:round/>
+                      <a:headEnd type="none" w="med" len="med"/>
+                      <a:tailEnd type="none" w="med" len="med"/>
+                    </a:lnT>
+                    <a:lnB w="12700" cap="flat" cmpd="sng" algn="ctr">
+                      <a:solidFill>
+                        <a:schemeClr val="tx1"/>
+                      </a:solidFill>
+                      <a:prstDash val="solid"/>
+                      <a:round/>
+                      <a:headEnd type="none" w="med" len="med"/>
+                      <a:tailEnd type="none" w="med" len="med"/>
+                    </a:lnB>
+                    <a:lnTlToBr w="12700" cmpd="sng">
+                      <a:noFill/>
+                      <a:prstDash val="solid"/>
+                    </a:lnTlToBr>
+                    <a:lnBlToTr w="12700" cmpd="sng">
+                      <a:noFill/>
+                      <a:prstDash val="solid"/>
+                    </a:lnBlToTr>
+                    <a:noFill/>
+                  </a:tcPr>
+                </a:tc>
+                <a:tc>
+                  <a:txBody>
+                    <a:bodyPr/>
+                    <a:lstStyle/>
+                    <a:p>
+                      <a:pPr algn="ctr"/>
+                      <a:r>
+                        <a:rPr kumimoji="1" lang="en-US" altLang="ja-JP" sz="1050" dirty="0" smtClean="0"/>
+                        <a:t>10</a:t>
+                      </a:r>
+                      <a:endParaRPr kumimoji="1" lang="ja-JP" altLang="en-US" sz="1050" dirty="0"/>
+                    </a:p>
+                  </a:txBody>
+                  <a:tcPr>
+                    <a:lnL w="12700" cap="flat" cmpd="sng" algn="ctr">
+                      <a:solidFill>
+                        <a:schemeClr val="tx1"/>
+                      </a:solidFill>
+                      <a:prstDash val="solid"/>
+                      <a:round/>
+                      <a:headEnd type="none" w="med" len="med"/>
+                      <a:tailEnd type="none" w="med" len="med"/>
+                    </a:lnL>
+                    <a:lnR w="12700" cap="flat" cmpd="sng" algn="ctr">
+                      <a:solidFill>
+                        <a:schemeClr val="tx1"/>
+                      </a:solidFill>
+                      <a:prstDash val="solid"/>
+                      <a:round/>
+                      <a:headEnd type="none" w="med" len="med"/>
+                      <a:tailEnd type="none" w="med" len="med"/>
+                    </a:lnR>
+                    <a:lnT w="12700" cap="flat" cmpd="sng" algn="ctr">
+                      <a:solidFill>
+                        <a:schemeClr val="tx1"/>
+                      </a:solidFill>
+                      <a:prstDash val="solid"/>
+                      <a:round/>
+                      <a:headEnd type="none" w="med" len="med"/>
+                      <a:tailEnd type="none" w="med" len="med"/>
+                    </a:lnT>
+                    <a:lnB w="12700" cap="flat" cmpd="sng" algn="ctr">
+                      <a:solidFill>
+                        <a:schemeClr val="tx1"/>
+                      </a:solidFill>
+                      <a:prstDash val="solid"/>
+                      <a:round/>
+                      <a:headEnd type="none" w="med" len="med"/>
+                      <a:tailEnd type="none" w="med" len="med"/>
+                    </a:lnB>
+                    <a:lnTlToBr w="12700" cmpd="sng">
+                      <a:noFill/>
+                      <a:prstDash val="solid"/>
+                    </a:lnTlToBr>
+                    <a:lnBlToTr w="12700" cmpd="sng">
+                      <a:noFill/>
+                      <a:prstDash val="solid"/>
+                    </a:lnBlToTr>
+                    <a:noFill/>
+                  </a:tcPr>
+                </a:tc>
+                <a:tc>
+                  <a:txBody>
+                    <a:bodyPr/>
+                    <a:lstStyle/>
+                    <a:p>
+                      <a:pPr algn="ctr"/>
+                      <a:r>
+                        <a:rPr kumimoji="1" lang="ja-JP" altLang="en-US" sz="900" dirty="0" smtClean="0"/>
+                        <a:t>区間の切替は１ｃｍ以内で行えれば十分であると考えた。</a:t>
+                      </a:r>
+                      <a:endParaRPr kumimoji="1" lang="ja-JP" altLang="en-US" sz="900" dirty="0"/>
+                    </a:p>
+                  </a:txBody>
+                  <a:tcPr>
+                    <a:lnL w="12700" cap="flat" cmpd="sng" algn="ctr">
+                      <a:solidFill>
+                        <a:schemeClr val="tx1"/>
+                      </a:solidFill>
+                      <a:prstDash val="solid"/>
+                      <a:round/>
+                      <a:headEnd type="none" w="med" len="med"/>
+                      <a:tailEnd type="none" w="med" len="med"/>
+                    </a:lnL>
+                    <a:lnR w="12700" cap="flat" cmpd="sng" algn="ctr">
+                      <a:solidFill>
+                        <a:schemeClr val="tx1"/>
+                      </a:solidFill>
+                      <a:prstDash val="solid"/>
+                      <a:round/>
+                      <a:headEnd type="none" w="med" len="med"/>
+                      <a:tailEnd type="none" w="med" len="med"/>
+                    </a:lnR>
+                    <a:lnT w="12700" cap="flat" cmpd="sng" algn="ctr">
+                      <a:solidFill>
+                        <a:schemeClr val="tx1"/>
+                      </a:solidFill>
+                      <a:prstDash val="solid"/>
+                      <a:round/>
+                      <a:headEnd type="none" w="med" len="med"/>
+                      <a:tailEnd type="none" w="med" len="med"/>
+                    </a:lnT>
+                    <a:lnB w="12700" cap="flat" cmpd="sng" algn="ctr">
+                      <a:solidFill>
+                        <a:schemeClr val="tx1"/>
+                      </a:solidFill>
+                      <a:prstDash val="solid"/>
+                      <a:round/>
+                      <a:headEnd type="none" w="med" len="med"/>
+                      <a:tailEnd type="none" w="med" len="med"/>
+                    </a:lnB>
+                    <a:lnTlToBr w="12700" cmpd="sng">
+                      <a:noFill/>
+                      <a:prstDash val="solid"/>
+                    </a:lnTlToBr>
+                    <a:lnBlToTr w="12700" cmpd="sng">
+                      <a:noFill/>
+                      <a:prstDash val="solid"/>
+                    </a:lnBlToTr>
+                    <a:noFill/>
+                  </a:tcPr>
+                </a:tc>
+              </a:tr>
+            </a:tbl>
+          </a:graphicData>
+        </a:graphic>
+      </p:graphicFrame>
+      <p:sp>
+        <p:nvSpPr>
+          <p:cNvPr id="35" name="テキスト ボックス 34"/>
+          <p:cNvSpPr txBox="1"/>
+          <p:nvPr/>
+        </p:nvSpPr>
+        <p:spPr>
+          <a:xfrm>
+            <a:off x="6708590" y="2219039"/>
+            <a:ext cx="2092950" cy="2046714"/>
+          </a:xfrm>
+          <a:prstGeom prst="rect">
+            <a:avLst/>
+          </a:prstGeom>
+          <a:noFill/>
+        </p:spPr>
+        <p:txBody>
+          <a:bodyPr wrap="square" rtlCol="0">
+            <a:spAutoFit/>
+          </a:bodyPr>
+          <a:lstStyle/>
+          <a:p>
+            <a:r>
+              <a:rPr lang="ja-JP" altLang="en-US" sz="1400" u="sng" dirty="0">
+                <a:latin typeface="メイリオ" pitchFamily="50" charset="-128"/>
+                <a:ea typeface="メイリオ" pitchFamily="50" charset="-128"/>
+                <a:cs typeface="メイリオ" pitchFamily="50" charset="-128"/>
+              </a:rPr>
+              <a:t>制約</a:t>
+            </a:r>
+            <a:endParaRPr lang="en-US" altLang="ja-JP" sz="1400" u="sng" dirty="0">
+              <a:latin typeface="メイリオ" pitchFamily="50" charset="-128"/>
+              <a:ea typeface="メイリオ" pitchFamily="50" charset="-128"/>
+              <a:cs typeface="メイリオ" pitchFamily="50" charset="-128"/>
+            </a:endParaRPr>
+          </a:p>
+          <a:p>
+            <a:r>
+              <a:rPr lang="ja-JP" altLang="en-US" sz="1100" dirty="0">
+                <a:latin typeface="メイリオ" pitchFamily="50" charset="-128"/>
+                <a:ea typeface="メイリオ" pitchFamily="50" charset="-128"/>
+                <a:cs typeface="メイリオ" pitchFamily="50" charset="-128"/>
+              </a:rPr>
+              <a:t>①　</a:t>
+            </a:r>
+            <a:r>
+              <a:rPr lang="en-US" altLang="ja-JP" sz="1100" dirty="0">
+                <a:latin typeface="メイリオ" pitchFamily="50" charset="-128"/>
+                <a:ea typeface="メイリオ" pitchFamily="50" charset="-128"/>
+                <a:cs typeface="メイリオ" pitchFamily="50" charset="-128"/>
+              </a:rPr>
+              <a:t>API</a:t>
+            </a:r>
+            <a:r>
+              <a:rPr lang="ja-JP" altLang="en-US" sz="1100" dirty="0">
+                <a:latin typeface="メイリオ" pitchFamily="50" charset="-128"/>
+                <a:ea typeface="メイリオ" pitchFamily="50" charset="-128"/>
+                <a:cs typeface="メイリオ" pitchFamily="50" charset="-128"/>
+              </a:rPr>
+              <a:t>の仕様上、倒立制御は</a:t>
+            </a:r>
+            <a:r>
+              <a:rPr lang="en-US" altLang="ja-JP" sz="1100" dirty="0">
+                <a:latin typeface="メイリオ" pitchFamily="50" charset="-128"/>
+                <a:ea typeface="メイリオ" pitchFamily="50" charset="-128"/>
+                <a:cs typeface="メイリオ" pitchFamily="50" charset="-128"/>
+              </a:rPr>
+              <a:t>4ms</a:t>
+            </a:r>
+            <a:r>
+              <a:rPr lang="ja-JP" altLang="en-US" sz="1100" dirty="0">
+                <a:latin typeface="メイリオ" pitchFamily="50" charset="-128"/>
+                <a:ea typeface="メイリオ" pitchFamily="50" charset="-128"/>
+                <a:cs typeface="メイリオ" pitchFamily="50" charset="-128"/>
+              </a:rPr>
+              <a:t>周期で実行しなければならない</a:t>
+            </a:r>
+            <a:r>
+              <a:rPr lang="ja-JP" altLang="en-US" sz="1100" dirty="0" smtClean="0">
+                <a:latin typeface="メイリオ" pitchFamily="50" charset="-128"/>
+                <a:ea typeface="メイリオ" pitchFamily="50" charset="-128"/>
+                <a:cs typeface="メイリオ" pitchFamily="50" charset="-128"/>
+              </a:rPr>
+              <a:t>。</a:t>
+            </a:r>
+            <a:endParaRPr kumimoji="1" lang="en-US" altLang="ja-JP" sz="1100" dirty="0" smtClean="0">
+              <a:latin typeface="メイリオ" pitchFamily="50" charset="-128"/>
+              <a:ea typeface="メイリオ" pitchFamily="50" charset="-128"/>
+              <a:cs typeface="メイリオ" pitchFamily="50" charset="-128"/>
+            </a:endParaRPr>
+          </a:p>
+          <a:p>
+            <a:r>
+              <a:rPr kumimoji="1" lang="ja-JP" altLang="en-US" sz="1400" u="sng" dirty="0" smtClean="0">
+                <a:latin typeface="メイリオ" pitchFamily="50" charset="-128"/>
+                <a:ea typeface="メイリオ" pitchFamily="50" charset="-128"/>
+                <a:cs typeface="メイリオ" pitchFamily="50" charset="-128"/>
+              </a:rPr>
+              <a:t>設計方針</a:t>
+            </a:r>
+            <a:endParaRPr kumimoji="1" lang="en-US" altLang="ja-JP" sz="1100" u="sng" dirty="0" smtClean="0">
+              <a:latin typeface="メイリオ" pitchFamily="50" charset="-128"/>
+              <a:ea typeface="メイリオ" pitchFamily="50" charset="-128"/>
+              <a:cs typeface="メイリオ" pitchFamily="50" charset="-128"/>
+            </a:endParaRPr>
+          </a:p>
+          <a:p>
+            <a:r>
+              <a:rPr lang="ja-JP" altLang="en-US" sz="1100" dirty="0" smtClean="0">
+                <a:latin typeface="メイリオ" pitchFamily="50" charset="-128"/>
+                <a:ea typeface="メイリオ" pitchFamily="50" charset="-128"/>
+                <a:cs typeface="メイリオ" pitchFamily="50" charset="-128"/>
+              </a:rPr>
+              <a:t>①　オーバヘッドを考慮し、タスクの数は最小限に</a:t>
+            </a:r>
+            <a:endParaRPr lang="en-US" altLang="ja-JP" sz="1100" dirty="0">
+              <a:latin typeface="メイリオ" pitchFamily="50" charset="-128"/>
+              <a:ea typeface="メイリオ" pitchFamily="50" charset="-128"/>
+              <a:cs typeface="メイリオ" pitchFamily="50" charset="-128"/>
+            </a:endParaRPr>
+          </a:p>
+          <a:p>
+            <a:r>
+              <a:rPr kumimoji="1" lang="ja-JP" altLang="en-US" sz="1100" dirty="0" smtClean="0">
+                <a:latin typeface="メイリオ" pitchFamily="50" charset="-128"/>
+                <a:ea typeface="メイリオ" pitchFamily="50" charset="-128"/>
+                <a:cs typeface="メイリオ" pitchFamily="50" charset="-128"/>
+              </a:rPr>
+              <a:t>②　駆動タスクへの影響を最小限に抑える。</a:t>
+            </a:r>
+            <a:endParaRPr kumimoji="1" lang="en-US" altLang="ja-JP" sz="1100" dirty="0" smtClean="0">
+              <a:latin typeface="メイリオ" pitchFamily="50" charset="-128"/>
+              <a:ea typeface="メイリオ" pitchFamily="50" charset="-128"/>
+              <a:cs typeface="メイリオ" pitchFamily="50" charset="-128"/>
+            </a:endParaRPr>
+          </a:p>
+          <a:p>
+            <a:r>
+              <a:rPr lang="ja-JP" altLang="en-US" sz="1100" dirty="0" smtClean="0">
+                <a:latin typeface="メイリオ" pitchFamily="50" charset="-128"/>
+                <a:ea typeface="メイリオ" pitchFamily="50" charset="-128"/>
+                <a:cs typeface="メイリオ" pitchFamily="50" charset="-128"/>
+              </a:rPr>
+              <a:t>③　</a:t>
+            </a:r>
+            <a:r>
+              <a:rPr lang="ja-JP" altLang="en-US" sz="1100" dirty="0" smtClean="0">
+                <a:latin typeface="メイリオ" pitchFamily="50" charset="-128"/>
+                <a:ea typeface="メイリオ" pitchFamily="50" charset="-128"/>
+                <a:cs typeface="メイリオ" pitchFamily="50" charset="-128"/>
+              </a:rPr>
+              <a:t>区間切り替わりの検知に必要十分な周期を割り当てる</a:t>
+            </a:r>
+            <a:endParaRPr kumimoji="1" lang="ja-JP" altLang="en-US" sz="1100" dirty="0">
+              <a:latin typeface="メイリオ" pitchFamily="50" charset="-128"/>
+              <a:ea typeface="メイリオ" pitchFamily="50" charset="-128"/>
+              <a:cs typeface="メイリオ" pitchFamily="50" charset="-128"/>
+            </a:endParaRPr>
+          </a:p>
+        </p:txBody>
+      </p:sp>
+      <p:sp>
+        <p:nvSpPr>
+          <p:cNvPr id="2" name="テキスト ボックス 1"/>
+          <p:cNvSpPr txBox="1"/>
+          <p:nvPr/>
+        </p:nvSpPr>
+        <p:spPr>
+          <a:xfrm>
+            <a:off x="6720422" y="1545273"/>
+            <a:ext cx="1922049" cy="477054"/>
+          </a:xfrm>
+          <a:prstGeom prst="rect">
+            <a:avLst/>
+          </a:prstGeom>
+          <a:noFill/>
+          <a:ln w="28575">
+            <a:solidFill>
+              <a:schemeClr val="accent1"/>
+            </a:solidFill>
+          </a:ln>
+        </p:spPr>
+        <p:txBody>
+          <a:bodyPr wrap="square" rtlCol="0">
+            <a:spAutoFit/>
+          </a:bodyPr>
+          <a:lstStyle/>
+          <a:p>
+            <a:r>
+              <a:rPr kumimoji="1" lang="ja-JP" altLang="en-US" dirty="0" smtClean="0"/>
+              <a:t>並行性設計</a:t>
+            </a:r>
+            <a:endParaRPr kumimoji="1" lang="ja-JP" altLang="en-US" dirty="0"/>
+          </a:p>
+        </p:txBody>
+      </p:sp>
+      <p:sp>
+        <p:nvSpPr>
+          <p:cNvPr id="6" name="角丸四角形吹き出し 5"/>
+          <p:cNvSpPr/>
+          <p:nvPr/>
+        </p:nvSpPr>
+        <p:spPr>
+          <a:xfrm>
+            <a:off x="9418729" y="1207314"/>
+            <a:ext cx="2817317" cy="976030"/>
+          </a:xfrm>
+          <a:prstGeom prst="wedgeRoundRectCallout">
+            <a:avLst>
+              <a:gd name="adj1" fmla="val -39101"/>
+              <a:gd name="adj2" fmla="val 176983"/>
+              <a:gd name="adj3" fmla="val 16667"/>
+            </a:avLst>
+          </a:prstGeom>
+          <a:noFill/>
+        </p:spPr>
+        <p:style>
+          <a:lnRef idx="2">
+            <a:schemeClr val="accent1">
+              <a:shade val="50000"/>
+            </a:schemeClr>
+          </a:lnRef>
+          <a:fillRef idx="1">
+            <a:schemeClr val="accent1"/>
+          </a:fillRef>
+          <a:effectRef idx="0">
+            <a:schemeClr val="accent1"/>
+          </a:effectRef>
+          <a:fontRef idx="minor">
+            <a:schemeClr val="lt1"/>
+          </a:fontRef>
+        </p:style>
+        <p:txBody>
+          <a:bodyPr rtlCol="0" anchor="ctr"/>
+          <a:lstStyle/>
+          <a:p>
+            <a:pPr algn="ctr"/>
+            <a:r>
+              <a:rPr kumimoji="1" lang="ja-JP" altLang="en-US" sz="1100" dirty="0" smtClean="0">
+                <a:solidFill>
+                  <a:schemeClr val="tx1"/>
+                </a:solidFill>
+              </a:rPr>
+              <a:t>最高速度である６０ｃｍ</a:t>
+            </a:r>
+            <a:r>
+              <a:rPr kumimoji="1" lang="en-US" altLang="ja-JP" sz="1100" dirty="0" smtClean="0">
+                <a:solidFill>
+                  <a:schemeClr val="tx1"/>
+                </a:solidFill>
+              </a:rPr>
+              <a:t>/s</a:t>
+            </a:r>
+            <a:r>
+              <a:rPr kumimoji="1" lang="ja-JP" altLang="en-US" sz="1100" dirty="0" smtClean="0">
+                <a:solidFill>
+                  <a:schemeClr val="tx1"/>
+                </a:solidFill>
+              </a:rPr>
+              <a:t>で走行中に走行距離で切り替えた場合最大０．６</a:t>
+            </a:r>
+            <a:r>
+              <a:rPr kumimoji="1" lang="en-US" altLang="ja-JP" sz="1100" dirty="0" smtClean="0">
+                <a:solidFill>
+                  <a:schemeClr val="tx1"/>
+                </a:solidFill>
+              </a:rPr>
+              <a:t>cm</a:t>
+            </a:r>
+            <a:r>
+              <a:rPr kumimoji="1" lang="ja-JP" altLang="en-US" sz="1100" dirty="0" smtClean="0">
+                <a:solidFill>
+                  <a:schemeClr val="tx1"/>
+                </a:solidFill>
+              </a:rPr>
+              <a:t>以内に区間を切り替えられるため周期１０ｍｓは妥当であると判断した。また、他のセンサ類の取得値の変化を元に区間を</a:t>
+            </a:r>
+            <a:r>
+              <a:rPr lang="ja-JP" altLang="en-US" sz="1100" dirty="0">
+                <a:solidFill>
+                  <a:schemeClr val="tx1"/>
+                </a:solidFill>
+              </a:rPr>
+              <a:t>切り替えて</a:t>
+            </a:r>
+            <a:r>
+              <a:rPr lang="ja-JP" altLang="en-US" sz="1100" dirty="0" smtClean="0">
+                <a:solidFill>
+                  <a:schemeClr val="tx1"/>
+                </a:solidFill>
+              </a:rPr>
+              <a:t>も十分</a:t>
+            </a:r>
+            <a:r>
+              <a:rPr lang="ja-JP" altLang="en-US" sz="1100" dirty="0" smtClean="0"/>
+              <a:t>な応答が得られた。</a:t>
+            </a:r>
+            <a:endParaRPr kumimoji="1" lang="en-US" altLang="ja-JP" sz="1100" dirty="0" smtClean="0"/>
+          </a:p>
+        </p:txBody>
+      </p:sp>
+      <p:sp>
+        <p:nvSpPr>
+          <p:cNvPr id="16" name="テキスト ボックス 15"/>
+          <p:cNvSpPr txBox="1"/>
+          <p:nvPr/>
+        </p:nvSpPr>
+        <p:spPr>
+          <a:xfrm>
+            <a:off x="9155897" y="4163628"/>
+            <a:ext cx="1739737" cy="246221"/>
+          </a:xfrm>
+          <a:prstGeom prst="rect">
+            <a:avLst/>
+          </a:prstGeom>
+          <a:noFill/>
+        </p:spPr>
+        <p:txBody>
+          <a:bodyPr wrap="square" rtlCol="0">
+            <a:spAutoFit/>
+          </a:bodyPr>
+          <a:lstStyle/>
+          <a:p>
+            <a:r>
+              <a:rPr kumimoji="1" lang="ja-JP" altLang="en-US" sz="1000" dirty="0" smtClean="0"/>
+              <a:t>優先度は値が若いほど高い</a:t>
+            </a:r>
+            <a:endParaRPr kumimoji="1" lang="ja-JP" altLang="en-US" sz="1000" dirty="0"/>
+          </a:p>
+        </p:txBody>
+      </p:sp>
+      <p:sp>
+        <p:nvSpPr>
+          <p:cNvPr id="31" name="テキスト ボックス 30"/>
+          <p:cNvSpPr txBox="1"/>
+          <p:nvPr/>
+        </p:nvSpPr>
+        <p:spPr>
+          <a:xfrm>
+            <a:off x="6656790" y="4500958"/>
+            <a:ext cx="2302108" cy="369332"/>
+          </a:xfrm>
+          <a:prstGeom prst="rect">
+            <a:avLst/>
+          </a:prstGeom>
+          <a:noFill/>
+          <a:ln w="28575">
+            <a:noFill/>
+          </a:ln>
+        </p:spPr>
+        <p:txBody>
+          <a:bodyPr wrap="square" rtlCol="0">
+            <a:spAutoFit/>
+          </a:bodyPr>
+          <a:lstStyle/>
+          <a:p>
+            <a:r>
+              <a:rPr lang="ja-JP" altLang="en-US" sz="1800" u="sng" dirty="0" smtClean="0"/>
+              <a:t>構造・振る舞い</a:t>
+            </a:r>
+            <a:endParaRPr kumimoji="1" lang="ja-JP" altLang="en-US" sz="1800" u="sng" dirty="0"/>
+          </a:p>
+        </p:txBody>
+      </p:sp>
       <p:pic>
         <p:nvPicPr>
-          <p:cNvPr id="3076" name="Picture 4" descr="C:\Users\HOMMA\Desktop\タスク構成.emf"/>
+          <p:cNvPr id="1027" name="Picture 3" descr="C:\Users\HOMMA\Documents\ET2012\diagrams\駆動TASK呼び出しシーケンス.emf"/>
           <p:cNvPicPr>
             <a:picLocks noChangeAspect="1" noChangeArrowheads="1"/>
           </p:cNvPicPr>
@@ -6697,13 +7831,13 @@
               </a:ext>
             </a:extLst>
           </a:blip>
-          <a:srcRect l="1549" t="7611" r="25238" b="13613"/>
+          <a:srcRect l="21333" t="11500" r="3996" b="10198"/>
           <a:stretch/>
         </p:blipFill>
         <p:spPr bwMode="auto">
           <a:xfrm>
-            <a:off x="5639701" y="6637256"/>
-            <a:ext cx="3690709" cy="2304030"/>
+            <a:off x="6773990" y="7564451"/>
+            <a:ext cx="1962150" cy="1694070"/>
           </a:xfrm>
           <a:prstGeom prst="rect">
             <a:avLst/>
@@ -6720,301 +7854,94 @@
           </a:extLst>
         </p:spPr>
       </p:pic>
-      <p:graphicFrame>
-        <p:nvGraphicFramePr>
-          <p:cNvPr id="34" name="表 33"/>
-          <p:cNvGraphicFramePr>
-            <a:graphicFrameLocks noGrp="1"/>
-          </p:cNvGraphicFramePr>
-          <p:nvPr>
-            <p:extLst>
-              <p:ext uri="{D42A27DB-BD31-4B8C-83A1-F6EECF244321}">
-                <p14:modId xmlns:p14="http://schemas.microsoft.com/office/powerpoint/2010/main" val="3046943943"/>
-              </p:ext>
-            </p:extLst>
-          </p:nvPr>
-        </p:nvGraphicFramePr>
-        <p:xfrm>
-          <a:off x="9411744" y="6274306"/>
-          <a:ext cx="3168353" cy="2996158"/>
-        </p:xfrm>
-        <a:graphic>
-          <a:graphicData uri="http://schemas.openxmlformats.org/drawingml/2006/table">
-            <a:tbl>
-              <a:tblPr firstRow="1" bandRow="1">
-                <a:tableStyleId>{5C22544A-7EE6-4342-B048-85BDC9FD1C3A}</a:tableStyleId>
-              </a:tblPr>
-              <a:tblGrid>
-                <a:gridCol w="775245"/>
-                <a:gridCol w="664915"/>
-                <a:gridCol w="576065"/>
-                <a:gridCol w="1152128"/>
-              </a:tblGrid>
-              <a:tr h="542518">
-                <a:tc>
-                  <a:txBody>
-                    <a:bodyPr/>
-                    <a:lstStyle/>
-                    <a:p>
-                      <a:r>
-                        <a:rPr kumimoji="1" lang="ja-JP" altLang="en-US" sz="1100" dirty="0" smtClean="0"/>
-                        <a:t>タスク名</a:t>
-                      </a:r>
-                      <a:endParaRPr kumimoji="1" lang="ja-JP" altLang="en-US" sz="1100" dirty="0"/>
-                    </a:p>
-                  </a:txBody>
-                  <a:tcPr/>
-                </a:tc>
-                <a:tc>
-                  <a:txBody>
-                    <a:bodyPr/>
-                    <a:lstStyle/>
-                    <a:p>
-                      <a:r>
-                        <a:rPr kumimoji="1" lang="ja-JP" altLang="en-US" sz="1100" dirty="0" smtClean="0"/>
-                        <a:t>優先度</a:t>
-                      </a:r>
-                      <a:endParaRPr kumimoji="1" lang="ja-JP" altLang="en-US" sz="1100" dirty="0"/>
-                    </a:p>
-                  </a:txBody>
-                  <a:tcPr/>
-                </a:tc>
-                <a:tc>
-                  <a:txBody>
-                    <a:bodyPr/>
-                    <a:lstStyle/>
-                    <a:p>
-                      <a:r>
-                        <a:rPr kumimoji="1" lang="ja-JP" altLang="en-US" sz="1100" dirty="0" smtClean="0"/>
-                        <a:t>周期 </a:t>
-                      </a:r>
-                      <a:r>
-                        <a:rPr kumimoji="1" lang="en-US" altLang="ja-JP" sz="1100" dirty="0" smtClean="0"/>
-                        <a:t>[</a:t>
-                      </a:r>
-                      <a:r>
-                        <a:rPr kumimoji="1" lang="en-US" altLang="ja-JP" sz="1100" dirty="0" err="1" smtClean="0"/>
-                        <a:t>ms</a:t>
-                      </a:r>
-                      <a:r>
-                        <a:rPr kumimoji="1" lang="en-US" altLang="ja-JP" sz="1100" dirty="0" smtClean="0"/>
-                        <a:t>]</a:t>
-                      </a:r>
-                      <a:endParaRPr kumimoji="1" lang="ja-JP" altLang="en-US" sz="1100" dirty="0"/>
-                    </a:p>
-                  </a:txBody>
-                  <a:tcPr/>
-                </a:tc>
-                <a:tc>
-                  <a:txBody>
-                    <a:bodyPr/>
-                    <a:lstStyle/>
-                    <a:p>
-                      <a:r>
-                        <a:rPr kumimoji="1" lang="ja-JP" altLang="en-US" sz="1100" dirty="0" smtClean="0"/>
-                        <a:t>理由</a:t>
-                      </a:r>
-                      <a:endParaRPr kumimoji="1" lang="ja-JP" altLang="en-US" sz="1100" dirty="0"/>
-                    </a:p>
-                  </a:txBody>
-                  <a:tcPr/>
-                </a:tc>
-              </a:tr>
-              <a:tr h="680411">
-                <a:tc>
-                  <a:txBody>
-                    <a:bodyPr/>
-                    <a:lstStyle/>
-                    <a:p>
-                      <a:r>
-                        <a:rPr kumimoji="1" lang="ja-JP" altLang="en-US" sz="1100" dirty="0" smtClean="0"/>
-                        <a:t>駆動タスク</a:t>
-                      </a:r>
-                      <a:endParaRPr kumimoji="1" lang="ja-JP" altLang="en-US" sz="1100" dirty="0"/>
-                    </a:p>
-                  </a:txBody>
-                  <a:tcPr/>
-                </a:tc>
-                <a:tc>
-                  <a:txBody>
-                    <a:bodyPr/>
-                    <a:lstStyle/>
-                    <a:p>
-                      <a:r>
-                        <a:rPr kumimoji="1" lang="ja-JP" altLang="en-US" sz="1100" dirty="0" smtClean="0"/>
-                        <a:t>１</a:t>
-                      </a:r>
-                      <a:endParaRPr kumimoji="1" lang="ja-JP" altLang="en-US" sz="1100" dirty="0"/>
-                    </a:p>
-                  </a:txBody>
-                  <a:tcPr/>
-                </a:tc>
-                <a:tc>
-                  <a:txBody>
-                    <a:bodyPr/>
-                    <a:lstStyle/>
-                    <a:p>
-                      <a:r>
-                        <a:rPr kumimoji="1" lang="en-US" altLang="ja-JP" sz="1100" dirty="0" smtClean="0"/>
-                        <a:t>4</a:t>
-                      </a:r>
-                    </a:p>
-                  </a:txBody>
-                  <a:tcPr/>
-                </a:tc>
-                <a:tc>
-                  <a:txBody>
-                    <a:bodyPr/>
-                    <a:lstStyle/>
-                    <a:p>
-                      <a:r>
-                        <a:rPr kumimoji="1" lang="ja-JP" altLang="en-US" sz="1100" dirty="0" smtClean="0"/>
-                        <a:t>制約条件より</a:t>
-                      </a:r>
-                      <a:r>
-                        <a:rPr kumimoji="1" lang="en-US" altLang="ja-JP" sz="1100" dirty="0" smtClean="0"/>
-                        <a:t>4ms</a:t>
-                      </a:r>
-                      <a:r>
-                        <a:rPr kumimoji="1" lang="ja-JP" altLang="en-US" sz="1100" dirty="0" smtClean="0"/>
-                        <a:t>で実行する必要があるバランサーとそれに関連する処理をまとめた。</a:t>
-                      </a:r>
-                      <a:endParaRPr kumimoji="1" lang="en-US" altLang="ja-JP" sz="1100" dirty="0" smtClean="0"/>
-                    </a:p>
-                  </a:txBody>
-                  <a:tcPr/>
-                </a:tc>
-              </a:tr>
-              <a:tr h="563499">
-                <a:tc>
-                  <a:txBody>
-                    <a:bodyPr/>
-                    <a:lstStyle/>
-                    <a:p>
-                      <a:r>
-                        <a:rPr kumimoji="1" lang="ja-JP" altLang="en-US" sz="1100" dirty="0" smtClean="0"/>
-                        <a:t>外部状況監視タスク</a:t>
-                      </a:r>
-                      <a:endParaRPr kumimoji="1" lang="ja-JP" altLang="en-US" sz="1100" dirty="0"/>
-                    </a:p>
-                  </a:txBody>
-                  <a:tcPr/>
-                </a:tc>
-                <a:tc>
-                  <a:txBody>
-                    <a:bodyPr/>
-                    <a:lstStyle/>
-                    <a:p>
-                      <a:r>
-                        <a:rPr kumimoji="1" lang="ja-JP" altLang="en-US" sz="1100" dirty="0" smtClean="0"/>
-                        <a:t>２</a:t>
-                      </a:r>
-                      <a:endParaRPr kumimoji="1" lang="ja-JP" altLang="en-US" sz="1100" dirty="0"/>
-                    </a:p>
-                  </a:txBody>
-                  <a:tcPr/>
-                </a:tc>
-                <a:tc>
-                  <a:txBody>
-                    <a:bodyPr/>
-                    <a:lstStyle/>
-                    <a:p>
-                      <a:r>
-                        <a:rPr kumimoji="1" lang="en-US" altLang="ja-JP" sz="1100" dirty="0" smtClean="0"/>
-                        <a:t>50</a:t>
-                      </a:r>
-                      <a:endParaRPr kumimoji="1" lang="ja-JP" altLang="en-US" sz="1100" dirty="0"/>
-                    </a:p>
-                  </a:txBody>
-                  <a:tcPr/>
-                </a:tc>
-                <a:tc>
-                  <a:txBody>
-                    <a:bodyPr/>
-                    <a:lstStyle/>
-                    <a:p>
-                      <a:r>
-                        <a:rPr kumimoji="1" lang="ja-JP" altLang="en-US" sz="1100" dirty="0" smtClean="0"/>
-                        <a:t>外部状況は急激な変化をしない。</a:t>
-                      </a:r>
-                      <a:endParaRPr kumimoji="1" lang="ja-JP" altLang="en-US" sz="1100" dirty="0"/>
-                    </a:p>
-                  </a:txBody>
-                  <a:tcPr/>
-                </a:tc>
-              </a:tr>
-              <a:tr h="684624">
-                <a:tc>
-                  <a:txBody>
-                    <a:bodyPr/>
-                    <a:lstStyle/>
-                    <a:p>
-                      <a:r>
-                        <a:rPr kumimoji="1" lang="ja-JP" altLang="en-US" sz="1100" dirty="0" smtClean="0"/>
-                        <a:t>ログ送信</a:t>
-                      </a:r>
-                      <a:endParaRPr kumimoji="1" lang="ja-JP" altLang="en-US" sz="1100" dirty="0"/>
-                    </a:p>
-                  </a:txBody>
-                  <a:tcPr/>
-                </a:tc>
-                <a:tc>
-                  <a:txBody>
-                    <a:bodyPr/>
-                    <a:lstStyle/>
-                    <a:p>
-                      <a:r>
-                        <a:rPr kumimoji="1" lang="ja-JP" altLang="en-US" sz="1100" dirty="0" smtClean="0"/>
-                        <a:t>３</a:t>
-                      </a:r>
-                      <a:endParaRPr kumimoji="1" lang="ja-JP" altLang="en-US" sz="1100" dirty="0"/>
-                    </a:p>
-                  </a:txBody>
-                  <a:tcPr/>
-                </a:tc>
-                <a:tc>
-                  <a:txBody>
-                    <a:bodyPr/>
-                    <a:lstStyle/>
-                    <a:p>
-                      <a:r>
-                        <a:rPr kumimoji="1" lang="en-US" altLang="ja-JP" sz="1100" dirty="0" smtClean="0"/>
-                        <a:t>50</a:t>
-                      </a:r>
-                      <a:endParaRPr kumimoji="1" lang="ja-JP" altLang="en-US" sz="1100" dirty="0"/>
-                    </a:p>
-                  </a:txBody>
-                  <a:tcPr/>
-                </a:tc>
-                <a:tc>
-                  <a:txBody>
-                    <a:bodyPr/>
-                    <a:lstStyle/>
-                    <a:p>
-                      <a:r>
-                        <a:rPr kumimoji="1" lang="ja-JP" altLang="en-US" sz="1100" dirty="0" smtClean="0"/>
-                        <a:t>走行に直接関係しないため、優先度は一番低い。</a:t>
-                      </a:r>
-                      <a:endParaRPr kumimoji="1" lang="en-US" altLang="ja-JP" sz="1100" dirty="0" smtClean="0"/>
-                    </a:p>
-                  </a:txBody>
-                  <a:tcPr/>
-                </a:tc>
-              </a:tr>
-            </a:tbl>
-          </a:graphicData>
-        </a:graphic>
-      </p:graphicFrame>
-      <p:sp>
-        <p:nvSpPr>
-          <p:cNvPr id="35" name="テキスト ボックス 34"/>
+      <p:pic>
+        <p:nvPicPr>
+          <p:cNvPr id="1028" name="Picture 4" descr="C:\Users\HOMMA\Documents\ET2012\diagrams\外部状況監視TASK呼び出しシーケンス.emf"/>
+          <p:cNvPicPr>
+            <a:picLocks noChangeAspect="1" noChangeArrowheads="1"/>
+          </p:cNvPicPr>
+          <p:nvPr/>
+        </p:nvPicPr>
+        <p:blipFill rotWithShape="1">
+          <a:blip r:embed="rId6">
+            <a:extLst>
+              <a:ext uri="{28A0092B-C50C-407E-A947-70E740481C1C}">
+                <a14:useLocalDpi xmlns:a14="http://schemas.microsoft.com/office/drawing/2010/main" val="0"/>
+              </a:ext>
+            </a:extLst>
+          </a:blip>
+          <a:srcRect l="9097" t="12627" r="3339" b="13111"/>
+          <a:stretch/>
+        </p:blipFill>
+        <p:spPr bwMode="auto">
+          <a:xfrm>
+            <a:off x="9752771" y="7769589"/>
+            <a:ext cx="1951129" cy="1349375"/>
+          </a:xfrm>
+          <a:prstGeom prst="rect">
+            <a:avLst/>
+          </a:prstGeom>
+          <a:noFill/>
+          <a:extLst>
+            <a:ext uri="{909E8E84-426E-40DD-AFC4-6F175D3DCCD1}">
+              <a14:hiddenFill xmlns:a14="http://schemas.microsoft.com/office/drawing/2010/main">
+                <a:solidFill>
+                  <a:srgbClr val="FFFFFF"/>
+                </a:solidFill>
+              </a14:hiddenFill>
+            </a:ext>
+          </a:extLst>
+        </p:spPr>
+      </p:pic>
+      <p:pic>
+        <p:nvPicPr>
+          <p:cNvPr id="1030" name="Picture 6" descr="C:\Users\HOMMA\Documents\ET2012\diagrams\タスク構成.emf"/>
+          <p:cNvPicPr>
+            <a:picLocks noChangeAspect="1" noChangeArrowheads="1"/>
+          </p:cNvPicPr>
+          <p:nvPr/>
+        </p:nvPicPr>
+        <p:blipFill rotWithShape="1">
+          <a:blip r:embed="rId7">
+            <a:extLst>
+              <a:ext uri="{28A0092B-C50C-407E-A947-70E740481C1C}">
+                <a14:useLocalDpi xmlns:a14="http://schemas.microsoft.com/office/drawing/2010/main" val="0"/>
+              </a:ext>
+            </a:extLst>
+          </a:blip>
+          <a:srcRect l="4995" t="8692" r="5430" b="4470"/>
+          <a:stretch/>
+        </p:blipFill>
+        <p:spPr bwMode="auto">
+          <a:xfrm>
+            <a:off x="6636025" y="5179229"/>
+            <a:ext cx="2803801" cy="2024432"/>
+          </a:xfrm>
+          <a:prstGeom prst="rect">
+            <a:avLst/>
+          </a:prstGeom>
+          <a:noFill/>
+          <a:extLst>
+            <a:ext uri="{909E8E84-426E-40DD-AFC4-6F175D3DCCD1}">
+              <a14:hiddenFill xmlns:a14="http://schemas.microsoft.com/office/drawing/2010/main">
+                <a:solidFill>
+                  <a:srgbClr val="FFFFFF"/>
+                </a:solidFill>
+              </a14:hiddenFill>
+            </a:ext>
+          </a:extLst>
+        </p:spPr>
+      </p:pic>
+      <p:sp>
+        <p:nvSpPr>
+          <p:cNvPr id="22" name="テキスト ボックス 21"/>
           <p:cNvSpPr txBox="1"/>
           <p:nvPr/>
         </p:nvSpPr>
         <p:spPr>
           <a:xfrm>
-            <a:off x="1502287" y="7346990"/>
-            <a:ext cx="1946026" cy="1615827"/>
+            <a:off x="10638955" y="9536104"/>
+            <a:ext cx="2232248" cy="954107"/>
           </a:xfrm>
           <a:prstGeom prst="rect">
             <a:avLst/>
@@ -7028,229 +7955,52 @@
           <a:lstStyle/>
           <a:p>
             <a:r>
-              <a:rPr kumimoji="1" lang="ja-JP" altLang="en-US" sz="1100" dirty="0" smtClean="0">
-                <a:latin typeface="メイリオ" pitchFamily="50" charset="-128"/>
-                <a:ea typeface="メイリオ" pitchFamily="50" charset="-128"/>
-                <a:cs typeface="メイリオ" pitchFamily="50" charset="-128"/>
-              </a:rPr>
-              <a:t>さらに</a:t>
-            </a:r>
-            <a:r>
-              <a:rPr lang="ja-JP" altLang="en-US" sz="1100" dirty="0">
-                <a:latin typeface="メイリオ" pitchFamily="50" charset="-128"/>
-                <a:ea typeface="メイリオ" pitchFamily="50" charset="-128"/>
-                <a:cs typeface="メイリオ" pitchFamily="50" charset="-128"/>
-              </a:rPr>
-              <a:t>これらの</a:t>
-            </a:r>
-            <a:r>
-              <a:rPr kumimoji="1" lang="ja-JP" altLang="en-US" sz="1100" dirty="0" smtClean="0">
-                <a:latin typeface="メイリオ" pitchFamily="50" charset="-128"/>
-                <a:ea typeface="メイリオ" pitchFamily="50" charset="-128"/>
-                <a:cs typeface="メイリオ" pitchFamily="50" charset="-128"/>
-              </a:rPr>
-              <a:t>設計方針を元に全体のタスク分割を検討</a:t>
-            </a:r>
-            <a:endParaRPr kumimoji="1" lang="en-US" altLang="ja-JP" sz="1100" dirty="0" smtClean="0">
-              <a:latin typeface="メイリオ" pitchFamily="50" charset="-128"/>
-              <a:ea typeface="メイリオ" pitchFamily="50" charset="-128"/>
-              <a:cs typeface="メイリオ" pitchFamily="50" charset="-128"/>
-            </a:endParaRPr>
-          </a:p>
-          <a:p>
-            <a:r>
-              <a:rPr lang="ja-JP" altLang="en-US" sz="1100" dirty="0" smtClean="0">
-                <a:latin typeface="メイリオ" pitchFamily="50" charset="-128"/>
-                <a:ea typeface="メイリオ" pitchFamily="50" charset="-128"/>
-                <a:cs typeface="メイリオ" pitchFamily="50" charset="-128"/>
-              </a:rPr>
-              <a:t>①　オーバヘッドを考慮し、タスクの数は最小限に</a:t>
-            </a:r>
-            <a:endParaRPr lang="en-US" altLang="ja-JP" sz="1100" dirty="0">
-              <a:latin typeface="メイリオ" pitchFamily="50" charset="-128"/>
-              <a:ea typeface="メイリオ" pitchFamily="50" charset="-128"/>
-              <a:cs typeface="メイリオ" pitchFamily="50" charset="-128"/>
-            </a:endParaRPr>
-          </a:p>
-          <a:p>
-            <a:r>
-              <a:rPr kumimoji="1" lang="ja-JP" altLang="en-US" sz="1100" dirty="0" smtClean="0">
-                <a:latin typeface="メイリオ" pitchFamily="50" charset="-128"/>
-                <a:ea typeface="メイリオ" pitchFamily="50" charset="-128"/>
-                <a:cs typeface="メイリオ" pitchFamily="50" charset="-128"/>
-              </a:rPr>
-              <a:t>②　駆動タスクへの影響を最小限に抑える。</a:t>
-            </a:r>
-            <a:endParaRPr kumimoji="1" lang="en-US" altLang="ja-JP" sz="1100" dirty="0" smtClean="0">
-              <a:latin typeface="メイリオ" pitchFamily="50" charset="-128"/>
-              <a:ea typeface="メイリオ" pitchFamily="50" charset="-128"/>
-              <a:cs typeface="メイリオ" pitchFamily="50" charset="-128"/>
-            </a:endParaRPr>
-          </a:p>
-          <a:p>
-            <a:r>
-              <a:rPr lang="ja-JP" altLang="en-US" sz="1100" dirty="0" smtClean="0">
-                <a:latin typeface="メイリオ" pitchFamily="50" charset="-128"/>
-                <a:ea typeface="メイリオ" pitchFamily="50" charset="-128"/>
-                <a:cs typeface="メイリオ" pitchFamily="50" charset="-128"/>
-              </a:rPr>
-              <a:t>③　走行体の動作スピードを考慮した周期決定</a:t>
-            </a:r>
-            <a:endParaRPr kumimoji="1" lang="ja-JP" altLang="en-US" sz="1100" dirty="0">
-              <a:latin typeface="メイリオ" pitchFamily="50" charset="-128"/>
-              <a:ea typeface="メイリオ" pitchFamily="50" charset="-128"/>
-              <a:cs typeface="メイリオ" pitchFamily="50" charset="-128"/>
-            </a:endParaRPr>
-          </a:p>
-        </p:txBody>
-      </p:sp>
-      <p:sp>
-        <p:nvSpPr>
-          <p:cNvPr id="36" name="テキスト ボックス 35"/>
-          <p:cNvSpPr txBox="1"/>
+              <a:rPr kumimoji="1" lang="ja-JP" altLang="en-US" sz="1400" dirty="0" smtClean="0"/>
+              <a:t>上の方針を元にタスクを設計した。振る舞いは左の要素間の振る舞いを呼び出している。</a:t>
+            </a:r>
+            <a:endParaRPr kumimoji="1" lang="ja-JP" altLang="en-US" dirty="0"/>
+          </a:p>
+        </p:txBody>
+      </p:sp>
+      <p:pic>
+        <p:nvPicPr>
+          <p:cNvPr id="1031" name="Picture 7" descr="C:\Users\HOMMA\Documents\ET2012\diagrams\タスク呼び出しシーケンス図.emf"/>
+          <p:cNvPicPr>
+            <a:picLocks noChangeAspect="1" noChangeArrowheads="1"/>
+          </p:cNvPicPr>
           <p:nvPr/>
-        </p:nvSpPr>
-        <p:spPr>
+        </p:nvPicPr>
+        <p:blipFill rotWithShape="1">
+          <a:blip r:embed="rId8" cstate="print">
+            <a:extLst>
+              <a:ext uri="{28A0092B-C50C-407E-A947-70E740481C1C}">
+                <a14:useLocalDpi xmlns:a14="http://schemas.microsoft.com/office/drawing/2010/main" val="0"/>
+              </a:ext>
+            </a:extLst>
+          </a:blip>
+          <a:srcRect l="3286" t="5757" r="1607" b="5181"/>
+          <a:stretch/>
+        </p:blipFill>
+        <p:spPr bwMode="auto">
           <a:xfrm>
-            <a:off x="3473762" y="7454712"/>
-            <a:ext cx="2154529" cy="1492716"/>
+            <a:off x="9464121" y="5165915"/>
+            <a:ext cx="3039958" cy="2226971"/>
           </a:xfrm>
           <a:prstGeom prst="rect">
             <a:avLst/>
           </a:prstGeom>
           <a:noFill/>
+          <a:extLst>
+            <a:ext uri="{909E8E84-426E-40DD-AFC4-6F175D3DCCD1}">
+              <a14:hiddenFill xmlns:a14="http://schemas.microsoft.com/office/drawing/2010/main">
+                <a:solidFill>
+                  <a:srgbClr val="FFFFFF"/>
+                </a:solidFill>
+              </a14:hiddenFill>
+            </a:ext>
+          </a:extLst>
         </p:spPr>
-        <p:txBody>
-          <a:bodyPr wrap="square" rtlCol="0">
-            <a:spAutoFit/>
-          </a:bodyPr>
-          <a:lstStyle/>
-          <a:p>
-            <a:r>
-              <a:rPr lang="ja-JP" altLang="en-US" sz="1100" dirty="0">
-                <a:latin typeface="メイリオ" pitchFamily="50" charset="-128"/>
-                <a:ea typeface="メイリオ" pitchFamily="50" charset="-128"/>
-                <a:cs typeface="メイリオ" pitchFamily="50" charset="-128"/>
-              </a:rPr>
-              <a:t>制約</a:t>
-            </a:r>
-            <a:endParaRPr kumimoji="1" lang="en-US" altLang="ja-JP" sz="1100" dirty="0" smtClean="0">
-              <a:latin typeface="メイリオ" pitchFamily="50" charset="-128"/>
-              <a:ea typeface="メイリオ" pitchFamily="50" charset="-128"/>
-              <a:cs typeface="メイリオ" pitchFamily="50" charset="-128"/>
-            </a:endParaRPr>
-          </a:p>
-          <a:p>
-            <a:r>
-              <a:rPr lang="ja-JP" altLang="en-US" sz="1100" dirty="0" smtClean="0">
-                <a:latin typeface="メイリオ" pitchFamily="50" charset="-128"/>
-                <a:ea typeface="メイリオ" pitchFamily="50" charset="-128"/>
-                <a:cs typeface="メイリオ" pitchFamily="50" charset="-128"/>
-              </a:rPr>
-              <a:t>①　</a:t>
-            </a:r>
-            <a:r>
-              <a:rPr lang="en-US" altLang="ja-JP" sz="1100" dirty="0" smtClean="0">
-                <a:latin typeface="メイリオ" pitchFamily="50" charset="-128"/>
-                <a:ea typeface="メイリオ" pitchFamily="50" charset="-128"/>
-                <a:cs typeface="メイリオ" pitchFamily="50" charset="-128"/>
-              </a:rPr>
-              <a:t>API</a:t>
-            </a:r>
-            <a:r>
-              <a:rPr lang="ja-JP" altLang="en-US" sz="1100" dirty="0" smtClean="0">
-                <a:latin typeface="メイリオ" pitchFamily="50" charset="-128"/>
-                <a:ea typeface="メイリオ" pitchFamily="50" charset="-128"/>
-                <a:cs typeface="メイリオ" pitchFamily="50" charset="-128"/>
-              </a:rPr>
-              <a:t>の仕様上、倒立制御は</a:t>
-            </a:r>
-            <a:r>
-              <a:rPr lang="en-US" altLang="ja-JP" sz="1100" dirty="0" smtClean="0">
-                <a:latin typeface="メイリオ" pitchFamily="50" charset="-128"/>
-                <a:ea typeface="メイリオ" pitchFamily="50" charset="-128"/>
-                <a:cs typeface="メイリオ" pitchFamily="50" charset="-128"/>
-              </a:rPr>
-              <a:t>4ms</a:t>
-            </a:r>
-            <a:r>
-              <a:rPr lang="ja-JP" altLang="en-US" sz="1100" dirty="0" smtClean="0">
-                <a:latin typeface="メイリオ" pitchFamily="50" charset="-128"/>
-                <a:ea typeface="メイリオ" pitchFamily="50" charset="-128"/>
-                <a:cs typeface="メイリオ" pitchFamily="50" charset="-128"/>
-              </a:rPr>
-              <a:t>周期で実行しなければならない。</a:t>
-            </a:r>
-            <a:endParaRPr lang="en-US" altLang="ja-JP" sz="1100" dirty="0">
-              <a:latin typeface="メイリオ" pitchFamily="50" charset="-128"/>
-              <a:ea typeface="メイリオ" pitchFamily="50" charset="-128"/>
-              <a:cs typeface="メイリオ" pitchFamily="50" charset="-128"/>
-            </a:endParaRPr>
-          </a:p>
-          <a:p>
-            <a:r>
-              <a:rPr kumimoji="1" lang="ja-JP" altLang="en-US" sz="1100" dirty="0" smtClean="0">
-                <a:latin typeface="メイリオ" pitchFamily="50" charset="-128"/>
-                <a:ea typeface="メイリオ" pitchFamily="50" charset="-128"/>
-                <a:cs typeface="メイリオ" pitchFamily="50" charset="-128"/>
-              </a:rPr>
-              <a:t>②　超音波センサの</a:t>
-            </a:r>
-            <a:r>
-              <a:rPr lang="ja-JP" altLang="en-US" sz="1100" dirty="0" smtClean="0">
-                <a:latin typeface="メイリオ" pitchFamily="50" charset="-128"/>
-                <a:ea typeface="メイリオ" pitchFamily="50" charset="-128"/>
-                <a:cs typeface="メイリオ" pitchFamily="50" charset="-128"/>
-              </a:rPr>
-              <a:t>特性上、</a:t>
-            </a:r>
-            <a:r>
-              <a:rPr lang="en-US" altLang="ja-JP" sz="1100" dirty="0" smtClean="0">
-                <a:latin typeface="メイリオ" pitchFamily="50" charset="-128"/>
-                <a:ea typeface="メイリオ" pitchFamily="50" charset="-128"/>
-                <a:cs typeface="メイリオ" pitchFamily="50" charset="-128"/>
-              </a:rPr>
-              <a:t>50m</a:t>
-            </a:r>
-            <a:r>
-              <a:rPr lang="ja-JP" altLang="en-US" sz="1100" dirty="0" smtClean="0">
-                <a:latin typeface="メイリオ" pitchFamily="50" charset="-128"/>
-                <a:ea typeface="メイリオ" pitchFamily="50" charset="-128"/>
-                <a:cs typeface="メイリオ" pitchFamily="50" charset="-128"/>
-              </a:rPr>
-              <a:t>周期以上でセンサ</a:t>
-            </a:r>
-            <a:r>
-              <a:rPr lang="en-US" altLang="ja-JP" sz="1100" dirty="0" smtClean="0">
-                <a:latin typeface="メイリオ" pitchFamily="50" charset="-128"/>
-                <a:ea typeface="メイリオ" pitchFamily="50" charset="-128"/>
-                <a:cs typeface="メイリオ" pitchFamily="50" charset="-128"/>
-              </a:rPr>
-              <a:t>API</a:t>
-            </a:r>
-            <a:r>
-              <a:rPr lang="ja-JP" altLang="en-US" sz="1100" dirty="0" smtClean="0">
-                <a:latin typeface="メイリオ" pitchFamily="50" charset="-128"/>
-                <a:ea typeface="メイリオ" pitchFamily="50" charset="-128"/>
-                <a:cs typeface="メイリオ" pitchFamily="50" charset="-128"/>
-              </a:rPr>
-              <a:t>にアクセスしなければならない。</a:t>
-            </a:r>
-            <a:endParaRPr lang="en-US" altLang="ja-JP" sz="1100" dirty="0" smtClean="0">
-              <a:latin typeface="メイリオ" pitchFamily="50" charset="-128"/>
-              <a:ea typeface="メイリオ" pitchFamily="50" charset="-128"/>
-              <a:cs typeface="メイリオ" pitchFamily="50" charset="-128"/>
-            </a:endParaRPr>
-          </a:p>
-          <a:p>
-            <a:endParaRPr kumimoji="1" lang="ja-JP" altLang="en-US" sz="1400" dirty="0">
-              <a:latin typeface="メイリオ" pitchFamily="50" charset="-128"/>
-              <a:ea typeface="メイリオ" pitchFamily="50" charset="-128"/>
-              <a:cs typeface="メイリオ" pitchFamily="50" charset="-128"/>
-            </a:endParaRPr>
-          </a:p>
-        </p:txBody>
-      </p:sp>
+      </p:pic>
     </p:spTree>
     <p:extLst>
       <p:ext uri="{BB962C8B-B14F-4D97-AF65-F5344CB8AC3E}">
@@ -7261,6 +8011,13 @@
   <p:clrMapOvr>
     <a:masterClrMapping/>
   </p:clrMapOvr>
+  <p:timing>
+    <p:tnLst>
+      <p:par>
+        <p:cTn id="1" dur="indefinite" restart="never" nodeType="tmRoot"/>
+      </p:par>
+    </p:tnLst>
+  </p:timing>
 </p:sld>
 </file>
 
@@ -7291,6 +8048,13 @@
   <p:clrMapOvr>
     <a:masterClrMapping/>
   </p:clrMapOvr>
+  <p:timing>
+    <p:tnLst>
+      <p:par>
+        <p:cTn id="1" dur="indefinite" restart="never" nodeType="tmRoot"/>
+      </p:par>
+    </p:tnLst>
+  </p:timing>
 </p:sld>
 </file>
 

--- a/models/モデルシートver0.pptx
+++ b/models/モデルシートver0.pptx
@@ -4195,7 +4195,7 @@
         </p:blipFill>
         <p:spPr bwMode="auto">
           <a:xfrm>
-            <a:off x="1304408" y="6425795"/>
+            <a:off x="2072935" y="6301372"/>
             <a:ext cx="3422288" cy="2271186"/>
           </a:xfrm>
           <a:prstGeom prst="rect">
@@ -7139,15 +7139,7 @@
                       </a:r>
                       <a:r>
                         <a:rPr kumimoji="1" lang="ja-JP" altLang="en-US" sz="900" dirty="0" smtClean="0"/>
-                        <a:t>で実行する必要があるバランサーとそれに関連</a:t>
-                      </a:r>
-                      <a:r>
-                        <a:rPr kumimoji="1" lang="ja-JP" altLang="en-US" sz="900" dirty="0" smtClean="0"/>
-                        <a:t>する駆動処理</a:t>
-                      </a:r>
-                      <a:r>
-                        <a:rPr kumimoji="1" lang="ja-JP" altLang="en-US" sz="900" dirty="0" smtClean="0"/>
-                        <a:t>をまとめた。</a:t>
+                        <a:t>で実行する必要があるバランサーとそれに関連する駆動処理をまとめた。</a:t>
                       </a:r>
                       <a:endParaRPr kumimoji="1" lang="en-US" altLang="ja-JP" sz="900" dirty="0" smtClean="0"/>
                     </a:p>
@@ -7594,15 +7586,7 @@
                 <a:ea typeface="メイリオ" pitchFamily="50" charset="-128"/>
                 <a:cs typeface="メイリオ" pitchFamily="50" charset="-128"/>
               </a:rPr>
-              <a:t>③　</a:t>
-            </a:r>
-            <a:r>
-              <a:rPr lang="ja-JP" altLang="en-US" sz="1100" dirty="0" smtClean="0">
-                <a:latin typeface="メイリオ" pitchFamily="50" charset="-128"/>
-                <a:ea typeface="メイリオ" pitchFamily="50" charset="-128"/>
-                <a:cs typeface="メイリオ" pitchFamily="50" charset="-128"/>
-              </a:rPr>
-              <a:t>区間切り替わりの検知に必要十分な周期を割り当てる</a:t>
+              <a:t>③　区間切り替わりの検知に必要十分な周期を割り当てる</a:t>
             </a:r>
             <a:endParaRPr kumimoji="1" lang="ja-JP" altLang="en-US" sz="1100" dirty="0">
               <a:latin typeface="メイリオ" pitchFamily="50" charset="-128"/>
@@ -8038,6 +8022,3441 @@
           <a:chExt cx="0" cy="0"/>
         </a:xfrm>
       </p:grpSpPr>
+      <p:pic>
+        <p:nvPicPr>
+          <p:cNvPr id="2" name="Picture 2"/>
+          <p:cNvPicPr>
+            <a:picLocks noChangeAspect="1" noChangeArrowheads="1"/>
+          </p:cNvPicPr>
+          <p:nvPr/>
+        </p:nvPicPr>
+        <p:blipFill rotWithShape="1">
+          <a:blip r:embed="rId2" cstate="print">
+            <a:extLst>
+              <a:ext uri="{28A0092B-C50C-407E-A947-70E740481C1C}">
+                <a14:useLocalDpi xmlns:a14="http://schemas.microsoft.com/office/drawing/2010/main" val="0"/>
+              </a:ext>
+            </a:extLst>
+          </a:blip>
+          <a:srcRect r="1089"/>
+          <a:stretch/>
+        </p:blipFill>
+        <p:spPr bwMode="auto">
+          <a:xfrm>
+            <a:off x="688058" y="208623"/>
+            <a:ext cx="6712024" cy="4503434"/>
+          </a:xfrm>
+          <a:prstGeom prst="rect">
+            <a:avLst/>
+          </a:prstGeom>
+          <a:noFill/>
+          <a:ln>
+            <a:noFill/>
+          </a:ln>
+          <a:effectLst/>
+          <a:extLst>
+            <a:ext uri="{909E8E84-426E-40DD-AFC4-6F175D3DCCD1}">
+              <a14:hiddenFill xmlns:a14="http://schemas.microsoft.com/office/drawing/2010/main">
+                <a:solidFill>
+                  <a:schemeClr val="accent1"/>
+                </a:solidFill>
+              </a14:hiddenFill>
+            </a:ext>
+            <a:ext uri="{91240B29-F687-4F45-9708-019B960494DF}">
+              <a14:hiddenLine xmlns:a14="http://schemas.microsoft.com/office/drawing/2010/main" w="9525">
+                <a:solidFill>
+                  <a:schemeClr val="tx1"/>
+                </a:solidFill>
+                <a:miter lim="800000"/>
+                <a:headEnd/>
+                <a:tailEnd/>
+              </a14:hiddenLine>
+            </a:ext>
+            <a:ext uri="{AF507438-7753-43E0-B8FC-AC1667EBCBE1}">
+              <a14:hiddenEffects xmlns:a14="http://schemas.microsoft.com/office/drawing/2010/main">
+                <a:effectLst>
+                  <a:outerShdw dist="35921" dir="2700000" algn="ctr" rotWithShape="0">
+                    <a:schemeClr val="bg2"/>
+                  </a:outerShdw>
+                </a:effectLst>
+              </a14:hiddenEffects>
+            </a:ext>
+          </a:extLst>
+        </p:spPr>
+      </p:pic>
+      <p:sp>
+        <p:nvSpPr>
+          <p:cNvPr id="3" name="角丸四角形 2"/>
+          <p:cNvSpPr/>
+          <p:nvPr/>
+        </p:nvSpPr>
+        <p:spPr>
+          <a:xfrm>
+            <a:off x="4871780" y="397027"/>
+            <a:ext cx="2520280" cy="576064"/>
+          </a:xfrm>
+          <a:prstGeom prst="roundRect">
+            <a:avLst/>
+          </a:prstGeom>
+          <a:solidFill>
+            <a:schemeClr val="accent1">
+              <a:alpha val="30000"/>
+            </a:schemeClr>
+          </a:solidFill>
+        </p:spPr>
+        <p:style>
+          <a:lnRef idx="2">
+            <a:schemeClr val="accent1">
+              <a:shade val="50000"/>
+            </a:schemeClr>
+          </a:lnRef>
+          <a:fillRef idx="1">
+            <a:schemeClr val="accent1"/>
+          </a:fillRef>
+          <a:effectRef idx="0">
+            <a:schemeClr val="accent1"/>
+          </a:effectRef>
+          <a:fontRef idx="minor">
+            <a:schemeClr val="lt1"/>
+          </a:fontRef>
+        </p:style>
+        <p:txBody>
+          <a:bodyPr rtlCol="0" anchor="ctr"/>
+          <a:lstStyle/>
+          <a:p>
+            <a:pPr algn="ctr"/>
+            <a:endParaRPr kumimoji="1" lang="ja-JP" altLang="en-US"/>
+          </a:p>
+        </p:txBody>
+      </p:sp>
+      <p:sp>
+        <p:nvSpPr>
+          <p:cNvPr id="4" name="角丸四角形 3"/>
+          <p:cNvSpPr/>
+          <p:nvPr/>
+        </p:nvSpPr>
+        <p:spPr>
+          <a:xfrm>
+            <a:off x="4191916" y="397027"/>
+            <a:ext cx="679864" cy="576064"/>
+          </a:xfrm>
+          <a:prstGeom prst="roundRect">
+            <a:avLst/>
+          </a:prstGeom>
+          <a:solidFill>
+            <a:schemeClr val="accent2">
+              <a:lumMod val="75000"/>
+              <a:alpha val="30000"/>
+            </a:schemeClr>
+          </a:solidFill>
+          <a:ln>
+            <a:solidFill>
+              <a:schemeClr val="accent2">
+                <a:lumMod val="75000"/>
+              </a:schemeClr>
+            </a:solidFill>
+          </a:ln>
+        </p:spPr>
+        <p:style>
+          <a:lnRef idx="2">
+            <a:schemeClr val="accent1">
+              <a:shade val="50000"/>
+            </a:schemeClr>
+          </a:lnRef>
+          <a:fillRef idx="1">
+            <a:schemeClr val="accent1"/>
+          </a:fillRef>
+          <a:effectRef idx="0">
+            <a:schemeClr val="accent1"/>
+          </a:effectRef>
+          <a:fontRef idx="minor">
+            <a:schemeClr val="lt1"/>
+          </a:fontRef>
+        </p:style>
+        <p:txBody>
+          <a:bodyPr rtlCol="0" anchor="ctr"/>
+          <a:lstStyle/>
+          <a:p>
+            <a:pPr algn="ctr"/>
+            <a:endParaRPr kumimoji="1" lang="ja-JP" altLang="en-US"/>
+          </a:p>
+        </p:txBody>
+      </p:sp>
+      <p:sp>
+        <p:nvSpPr>
+          <p:cNvPr id="5" name="角丸四角形 4"/>
+          <p:cNvSpPr/>
+          <p:nvPr/>
+        </p:nvSpPr>
+        <p:spPr>
+          <a:xfrm>
+            <a:off x="2063468" y="397027"/>
+            <a:ext cx="2128448" cy="576064"/>
+          </a:xfrm>
+          <a:prstGeom prst="roundRect">
+            <a:avLst/>
+          </a:prstGeom>
+          <a:solidFill>
+            <a:schemeClr val="accent3">
+              <a:lumMod val="50000"/>
+              <a:alpha val="30000"/>
+            </a:schemeClr>
+          </a:solidFill>
+          <a:ln>
+            <a:solidFill>
+              <a:schemeClr val="accent3">
+                <a:lumMod val="75000"/>
+              </a:schemeClr>
+            </a:solidFill>
+          </a:ln>
+        </p:spPr>
+        <p:style>
+          <a:lnRef idx="2">
+            <a:schemeClr val="accent1">
+              <a:shade val="50000"/>
+            </a:schemeClr>
+          </a:lnRef>
+          <a:fillRef idx="1">
+            <a:schemeClr val="accent1"/>
+          </a:fillRef>
+          <a:effectRef idx="0">
+            <a:schemeClr val="accent1"/>
+          </a:effectRef>
+          <a:fontRef idx="minor">
+            <a:schemeClr val="lt1"/>
+          </a:fontRef>
+        </p:style>
+        <p:txBody>
+          <a:bodyPr rtlCol="0" anchor="ctr"/>
+          <a:lstStyle/>
+          <a:p>
+            <a:pPr algn="ctr"/>
+            <a:endParaRPr kumimoji="1" lang="ja-JP" altLang="en-US"/>
+          </a:p>
+        </p:txBody>
+      </p:sp>
+      <p:sp>
+        <p:nvSpPr>
+          <p:cNvPr id="6" name="角丸四角形 5"/>
+          <p:cNvSpPr/>
+          <p:nvPr/>
+        </p:nvSpPr>
+        <p:spPr>
+          <a:xfrm rot="18826557">
+            <a:off x="582684" y="680744"/>
+            <a:ext cx="1889398" cy="1126092"/>
+          </a:xfrm>
+          <a:custGeom>
+            <a:avLst/>
+            <a:gdLst>
+              <a:gd name="connsiteX0" fmla="*/ 0 w 1402298"/>
+              <a:gd name="connsiteY0" fmla="*/ 96013 h 576064"/>
+              <a:gd name="connsiteX1" fmla="*/ 96013 w 1402298"/>
+              <a:gd name="connsiteY1" fmla="*/ 0 h 576064"/>
+              <a:gd name="connsiteX2" fmla="*/ 1306285 w 1402298"/>
+              <a:gd name="connsiteY2" fmla="*/ 0 h 576064"/>
+              <a:gd name="connsiteX3" fmla="*/ 1402298 w 1402298"/>
+              <a:gd name="connsiteY3" fmla="*/ 96013 h 576064"/>
+              <a:gd name="connsiteX4" fmla="*/ 1402298 w 1402298"/>
+              <a:gd name="connsiteY4" fmla="*/ 480051 h 576064"/>
+              <a:gd name="connsiteX5" fmla="*/ 1306285 w 1402298"/>
+              <a:gd name="connsiteY5" fmla="*/ 576064 h 576064"/>
+              <a:gd name="connsiteX6" fmla="*/ 96013 w 1402298"/>
+              <a:gd name="connsiteY6" fmla="*/ 576064 h 576064"/>
+              <a:gd name="connsiteX7" fmla="*/ 0 w 1402298"/>
+              <a:gd name="connsiteY7" fmla="*/ 480051 h 576064"/>
+              <a:gd name="connsiteX8" fmla="*/ 0 w 1402298"/>
+              <a:gd name="connsiteY8" fmla="*/ 96013 h 576064"/>
+              <a:gd name="connsiteX0" fmla="*/ 0 w 1402298"/>
+              <a:gd name="connsiteY0" fmla="*/ 182434 h 662485"/>
+              <a:gd name="connsiteX1" fmla="*/ 96013 w 1402298"/>
+              <a:gd name="connsiteY1" fmla="*/ 86421 h 662485"/>
+              <a:gd name="connsiteX2" fmla="*/ 1297353 w 1402298"/>
+              <a:gd name="connsiteY2" fmla="*/ 0 h 662485"/>
+              <a:gd name="connsiteX3" fmla="*/ 1402298 w 1402298"/>
+              <a:gd name="connsiteY3" fmla="*/ 182434 h 662485"/>
+              <a:gd name="connsiteX4" fmla="*/ 1402298 w 1402298"/>
+              <a:gd name="connsiteY4" fmla="*/ 566472 h 662485"/>
+              <a:gd name="connsiteX5" fmla="*/ 1306285 w 1402298"/>
+              <a:gd name="connsiteY5" fmla="*/ 662485 h 662485"/>
+              <a:gd name="connsiteX6" fmla="*/ 96013 w 1402298"/>
+              <a:gd name="connsiteY6" fmla="*/ 662485 h 662485"/>
+              <a:gd name="connsiteX7" fmla="*/ 0 w 1402298"/>
+              <a:gd name="connsiteY7" fmla="*/ 566472 h 662485"/>
+              <a:gd name="connsiteX8" fmla="*/ 0 w 1402298"/>
+              <a:gd name="connsiteY8" fmla="*/ 182434 h 662485"/>
+              <a:gd name="connsiteX0" fmla="*/ 0 w 1402298"/>
+              <a:gd name="connsiteY0" fmla="*/ 188627 h 668678"/>
+              <a:gd name="connsiteX1" fmla="*/ 96013 w 1402298"/>
+              <a:gd name="connsiteY1" fmla="*/ 92614 h 668678"/>
+              <a:gd name="connsiteX2" fmla="*/ 1259760 w 1402298"/>
+              <a:gd name="connsiteY2" fmla="*/ 0 h 668678"/>
+              <a:gd name="connsiteX3" fmla="*/ 1402298 w 1402298"/>
+              <a:gd name="connsiteY3" fmla="*/ 188627 h 668678"/>
+              <a:gd name="connsiteX4" fmla="*/ 1402298 w 1402298"/>
+              <a:gd name="connsiteY4" fmla="*/ 572665 h 668678"/>
+              <a:gd name="connsiteX5" fmla="*/ 1306285 w 1402298"/>
+              <a:gd name="connsiteY5" fmla="*/ 668678 h 668678"/>
+              <a:gd name="connsiteX6" fmla="*/ 96013 w 1402298"/>
+              <a:gd name="connsiteY6" fmla="*/ 668678 h 668678"/>
+              <a:gd name="connsiteX7" fmla="*/ 0 w 1402298"/>
+              <a:gd name="connsiteY7" fmla="*/ 572665 h 668678"/>
+              <a:gd name="connsiteX8" fmla="*/ 0 w 1402298"/>
+              <a:gd name="connsiteY8" fmla="*/ 188627 h 668678"/>
+              <a:gd name="connsiteX0" fmla="*/ 0 w 1732461"/>
+              <a:gd name="connsiteY0" fmla="*/ 96013 h 576064"/>
+              <a:gd name="connsiteX1" fmla="*/ 96013 w 1732461"/>
+              <a:gd name="connsiteY1" fmla="*/ 0 h 576064"/>
+              <a:gd name="connsiteX2" fmla="*/ 1727363 w 1732461"/>
+              <a:gd name="connsiteY2" fmla="*/ 219183 h 576064"/>
+              <a:gd name="connsiteX3" fmla="*/ 1402298 w 1732461"/>
+              <a:gd name="connsiteY3" fmla="*/ 96013 h 576064"/>
+              <a:gd name="connsiteX4" fmla="*/ 1402298 w 1732461"/>
+              <a:gd name="connsiteY4" fmla="*/ 480051 h 576064"/>
+              <a:gd name="connsiteX5" fmla="*/ 1306285 w 1732461"/>
+              <a:gd name="connsiteY5" fmla="*/ 576064 h 576064"/>
+              <a:gd name="connsiteX6" fmla="*/ 96013 w 1732461"/>
+              <a:gd name="connsiteY6" fmla="*/ 576064 h 576064"/>
+              <a:gd name="connsiteX7" fmla="*/ 0 w 1732461"/>
+              <a:gd name="connsiteY7" fmla="*/ 480051 h 576064"/>
+              <a:gd name="connsiteX8" fmla="*/ 0 w 1732461"/>
+              <a:gd name="connsiteY8" fmla="*/ 96013 h 576064"/>
+              <a:gd name="connsiteX0" fmla="*/ 0 w 1402298"/>
+              <a:gd name="connsiteY0" fmla="*/ 188626 h 668677"/>
+              <a:gd name="connsiteX1" fmla="*/ 96013 w 1402298"/>
+              <a:gd name="connsiteY1" fmla="*/ 92613 h 668677"/>
+              <a:gd name="connsiteX2" fmla="*/ 1259760 w 1402298"/>
+              <a:gd name="connsiteY2" fmla="*/ 0 h 668677"/>
+              <a:gd name="connsiteX3" fmla="*/ 1402298 w 1402298"/>
+              <a:gd name="connsiteY3" fmla="*/ 188626 h 668677"/>
+              <a:gd name="connsiteX4" fmla="*/ 1402298 w 1402298"/>
+              <a:gd name="connsiteY4" fmla="*/ 572664 h 668677"/>
+              <a:gd name="connsiteX5" fmla="*/ 1306285 w 1402298"/>
+              <a:gd name="connsiteY5" fmla="*/ 668677 h 668677"/>
+              <a:gd name="connsiteX6" fmla="*/ 96013 w 1402298"/>
+              <a:gd name="connsiteY6" fmla="*/ 668677 h 668677"/>
+              <a:gd name="connsiteX7" fmla="*/ 0 w 1402298"/>
+              <a:gd name="connsiteY7" fmla="*/ 572664 h 668677"/>
+              <a:gd name="connsiteX8" fmla="*/ 0 w 1402298"/>
+              <a:gd name="connsiteY8" fmla="*/ 188626 h 668677"/>
+              <a:gd name="connsiteX0" fmla="*/ 0 w 1653527"/>
+              <a:gd name="connsiteY0" fmla="*/ 188626 h 668677"/>
+              <a:gd name="connsiteX1" fmla="*/ 96013 w 1653527"/>
+              <a:gd name="connsiteY1" fmla="*/ 92613 h 668677"/>
+              <a:gd name="connsiteX2" fmla="*/ 1259760 w 1653527"/>
+              <a:gd name="connsiteY2" fmla="*/ 0 h 668677"/>
+              <a:gd name="connsiteX3" fmla="*/ 1653527 w 1653527"/>
+              <a:gd name="connsiteY3" fmla="*/ 285614 h 668677"/>
+              <a:gd name="connsiteX4" fmla="*/ 1402298 w 1653527"/>
+              <a:gd name="connsiteY4" fmla="*/ 572664 h 668677"/>
+              <a:gd name="connsiteX5" fmla="*/ 1306285 w 1653527"/>
+              <a:gd name="connsiteY5" fmla="*/ 668677 h 668677"/>
+              <a:gd name="connsiteX6" fmla="*/ 96013 w 1653527"/>
+              <a:gd name="connsiteY6" fmla="*/ 668677 h 668677"/>
+              <a:gd name="connsiteX7" fmla="*/ 0 w 1653527"/>
+              <a:gd name="connsiteY7" fmla="*/ 572664 h 668677"/>
+              <a:gd name="connsiteX8" fmla="*/ 0 w 1653527"/>
+              <a:gd name="connsiteY8" fmla="*/ 188626 h 668677"/>
+              <a:gd name="connsiteX0" fmla="*/ 0 w 1653527"/>
+              <a:gd name="connsiteY0" fmla="*/ 188626 h 668677"/>
+              <a:gd name="connsiteX1" fmla="*/ 96013 w 1653527"/>
+              <a:gd name="connsiteY1" fmla="*/ 92613 h 668677"/>
+              <a:gd name="connsiteX2" fmla="*/ 1259760 w 1653527"/>
+              <a:gd name="connsiteY2" fmla="*/ 0 h 668677"/>
+              <a:gd name="connsiteX3" fmla="*/ 1653527 w 1653527"/>
+              <a:gd name="connsiteY3" fmla="*/ 285614 h 668677"/>
+              <a:gd name="connsiteX4" fmla="*/ 1365626 w 1653527"/>
+              <a:gd name="connsiteY4" fmla="*/ 523376 h 668677"/>
+              <a:gd name="connsiteX5" fmla="*/ 1306285 w 1653527"/>
+              <a:gd name="connsiteY5" fmla="*/ 668677 h 668677"/>
+              <a:gd name="connsiteX6" fmla="*/ 96013 w 1653527"/>
+              <a:gd name="connsiteY6" fmla="*/ 668677 h 668677"/>
+              <a:gd name="connsiteX7" fmla="*/ 0 w 1653527"/>
+              <a:gd name="connsiteY7" fmla="*/ 572664 h 668677"/>
+              <a:gd name="connsiteX8" fmla="*/ 0 w 1653527"/>
+              <a:gd name="connsiteY8" fmla="*/ 188626 h 668677"/>
+              <a:gd name="connsiteX0" fmla="*/ 0 w 1653527"/>
+              <a:gd name="connsiteY0" fmla="*/ 188626 h 668677"/>
+              <a:gd name="connsiteX1" fmla="*/ 96013 w 1653527"/>
+              <a:gd name="connsiteY1" fmla="*/ 92613 h 668677"/>
+              <a:gd name="connsiteX2" fmla="*/ 1259760 w 1653527"/>
+              <a:gd name="connsiteY2" fmla="*/ 0 h 668677"/>
+              <a:gd name="connsiteX3" fmla="*/ 1653527 w 1653527"/>
+              <a:gd name="connsiteY3" fmla="*/ 285614 h 668677"/>
+              <a:gd name="connsiteX4" fmla="*/ 1365626 w 1653527"/>
+              <a:gd name="connsiteY4" fmla="*/ 523376 h 668677"/>
+              <a:gd name="connsiteX5" fmla="*/ 1248065 w 1653527"/>
+              <a:gd name="connsiteY5" fmla="*/ 618928 h 668677"/>
+              <a:gd name="connsiteX6" fmla="*/ 96013 w 1653527"/>
+              <a:gd name="connsiteY6" fmla="*/ 668677 h 668677"/>
+              <a:gd name="connsiteX7" fmla="*/ 0 w 1653527"/>
+              <a:gd name="connsiteY7" fmla="*/ 572664 h 668677"/>
+              <a:gd name="connsiteX8" fmla="*/ 0 w 1653527"/>
+              <a:gd name="connsiteY8" fmla="*/ 188626 h 668677"/>
+              <a:gd name="connsiteX0" fmla="*/ 0 w 1653527"/>
+              <a:gd name="connsiteY0" fmla="*/ 188626 h 668677"/>
+              <a:gd name="connsiteX1" fmla="*/ 96013 w 1653527"/>
+              <a:gd name="connsiteY1" fmla="*/ 92613 h 668677"/>
+              <a:gd name="connsiteX2" fmla="*/ 1259760 w 1653527"/>
+              <a:gd name="connsiteY2" fmla="*/ 0 h 668677"/>
+              <a:gd name="connsiteX3" fmla="*/ 1653527 w 1653527"/>
+              <a:gd name="connsiteY3" fmla="*/ 285614 h 668677"/>
+              <a:gd name="connsiteX4" fmla="*/ 1408491 w 1653527"/>
+              <a:gd name="connsiteY4" fmla="*/ 535071 h 668677"/>
+              <a:gd name="connsiteX5" fmla="*/ 1248065 w 1653527"/>
+              <a:gd name="connsiteY5" fmla="*/ 618928 h 668677"/>
+              <a:gd name="connsiteX6" fmla="*/ 96013 w 1653527"/>
+              <a:gd name="connsiteY6" fmla="*/ 668677 h 668677"/>
+              <a:gd name="connsiteX7" fmla="*/ 0 w 1653527"/>
+              <a:gd name="connsiteY7" fmla="*/ 572664 h 668677"/>
+              <a:gd name="connsiteX8" fmla="*/ 0 w 1653527"/>
+              <a:gd name="connsiteY8" fmla="*/ 188626 h 668677"/>
+              <a:gd name="connsiteX0" fmla="*/ 0 w 1653527"/>
+              <a:gd name="connsiteY0" fmla="*/ 222914 h 702965"/>
+              <a:gd name="connsiteX1" fmla="*/ 96013 w 1653527"/>
+              <a:gd name="connsiteY1" fmla="*/ 126901 h 702965"/>
+              <a:gd name="connsiteX2" fmla="*/ 935525 w 1653527"/>
+              <a:gd name="connsiteY2" fmla="*/ 15272 h 702965"/>
+              <a:gd name="connsiteX3" fmla="*/ 1259760 w 1653527"/>
+              <a:gd name="connsiteY3" fmla="*/ 34288 h 702965"/>
+              <a:gd name="connsiteX4" fmla="*/ 1653527 w 1653527"/>
+              <a:gd name="connsiteY4" fmla="*/ 319902 h 702965"/>
+              <a:gd name="connsiteX5" fmla="*/ 1408491 w 1653527"/>
+              <a:gd name="connsiteY5" fmla="*/ 569359 h 702965"/>
+              <a:gd name="connsiteX6" fmla="*/ 1248065 w 1653527"/>
+              <a:gd name="connsiteY6" fmla="*/ 653216 h 702965"/>
+              <a:gd name="connsiteX7" fmla="*/ 96013 w 1653527"/>
+              <a:gd name="connsiteY7" fmla="*/ 702965 h 702965"/>
+              <a:gd name="connsiteX8" fmla="*/ 0 w 1653527"/>
+              <a:gd name="connsiteY8" fmla="*/ 606952 h 702965"/>
+              <a:gd name="connsiteX9" fmla="*/ 0 w 1653527"/>
+              <a:gd name="connsiteY9" fmla="*/ 222914 h 702965"/>
+              <a:gd name="connsiteX0" fmla="*/ 0 w 1653527"/>
+              <a:gd name="connsiteY0" fmla="*/ 262323 h 742374"/>
+              <a:gd name="connsiteX1" fmla="*/ 96013 w 1653527"/>
+              <a:gd name="connsiteY1" fmla="*/ 166310 h 742374"/>
+              <a:gd name="connsiteX2" fmla="*/ 935525 w 1653527"/>
+              <a:gd name="connsiteY2" fmla="*/ 54681 h 742374"/>
+              <a:gd name="connsiteX3" fmla="*/ 1163946 w 1653527"/>
+              <a:gd name="connsiteY3" fmla="*/ 17756 h 742374"/>
+              <a:gd name="connsiteX4" fmla="*/ 1653527 w 1653527"/>
+              <a:gd name="connsiteY4" fmla="*/ 359311 h 742374"/>
+              <a:gd name="connsiteX5" fmla="*/ 1408491 w 1653527"/>
+              <a:gd name="connsiteY5" fmla="*/ 608768 h 742374"/>
+              <a:gd name="connsiteX6" fmla="*/ 1248065 w 1653527"/>
+              <a:gd name="connsiteY6" fmla="*/ 692625 h 742374"/>
+              <a:gd name="connsiteX7" fmla="*/ 96013 w 1653527"/>
+              <a:gd name="connsiteY7" fmla="*/ 742374 h 742374"/>
+              <a:gd name="connsiteX8" fmla="*/ 0 w 1653527"/>
+              <a:gd name="connsiteY8" fmla="*/ 646361 h 742374"/>
+              <a:gd name="connsiteX9" fmla="*/ 0 w 1653527"/>
+              <a:gd name="connsiteY9" fmla="*/ 262323 h 742374"/>
+              <a:gd name="connsiteX0" fmla="*/ 0 w 1653527"/>
+              <a:gd name="connsiteY0" fmla="*/ 281477 h 761528"/>
+              <a:gd name="connsiteX1" fmla="*/ 96013 w 1653527"/>
+              <a:gd name="connsiteY1" fmla="*/ 185464 h 761528"/>
+              <a:gd name="connsiteX2" fmla="*/ 866761 w 1653527"/>
+              <a:gd name="connsiteY2" fmla="*/ 13082 h 761528"/>
+              <a:gd name="connsiteX3" fmla="*/ 1163946 w 1653527"/>
+              <a:gd name="connsiteY3" fmla="*/ 36910 h 761528"/>
+              <a:gd name="connsiteX4" fmla="*/ 1653527 w 1653527"/>
+              <a:gd name="connsiteY4" fmla="*/ 378465 h 761528"/>
+              <a:gd name="connsiteX5" fmla="*/ 1408491 w 1653527"/>
+              <a:gd name="connsiteY5" fmla="*/ 627922 h 761528"/>
+              <a:gd name="connsiteX6" fmla="*/ 1248065 w 1653527"/>
+              <a:gd name="connsiteY6" fmla="*/ 711779 h 761528"/>
+              <a:gd name="connsiteX7" fmla="*/ 96013 w 1653527"/>
+              <a:gd name="connsiteY7" fmla="*/ 761528 h 761528"/>
+              <a:gd name="connsiteX8" fmla="*/ 0 w 1653527"/>
+              <a:gd name="connsiteY8" fmla="*/ 665515 h 761528"/>
+              <a:gd name="connsiteX9" fmla="*/ 0 w 1653527"/>
+              <a:gd name="connsiteY9" fmla="*/ 281477 h 761528"/>
+              <a:gd name="connsiteX0" fmla="*/ 1023 w 1654550"/>
+              <a:gd name="connsiteY0" fmla="*/ 281477 h 761528"/>
+              <a:gd name="connsiteX1" fmla="*/ 42684 w 1654550"/>
+              <a:gd name="connsiteY1" fmla="*/ 459161 h 761528"/>
+              <a:gd name="connsiteX2" fmla="*/ 867784 w 1654550"/>
+              <a:gd name="connsiteY2" fmla="*/ 13082 h 761528"/>
+              <a:gd name="connsiteX3" fmla="*/ 1164969 w 1654550"/>
+              <a:gd name="connsiteY3" fmla="*/ 36910 h 761528"/>
+              <a:gd name="connsiteX4" fmla="*/ 1654550 w 1654550"/>
+              <a:gd name="connsiteY4" fmla="*/ 378465 h 761528"/>
+              <a:gd name="connsiteX5" fmla="*/ 1409514 w 1654550"/>
+              <a:gd name="connsiteY5" fmla="*/ 627922 h 761528"/>
+              <a:gd name="connsiteX6" fmla="*/ 1249088 w 1654550"/>
+              <a:gd name="connsiteY6" fmla="*/ 711779 h 761528"/>
+              <a:gd name="connsiteX7" fmla="*/ 97036 w 1654550"/>
+              <a:gd name="connsiteY7" fmla="*/ 761528 h 761528"/>
+              <a:gd name="connsiteX8" fmla="*/ 1023 w 1654550"/>
+              <a:gd name="connsiteY8" fmla="*/ 665515 h 761528"/>
+              <a:gd name="connsiteX9" fmla="*/ 1023 w 1654550"/>
+              <a:gd name="connsiteY9" fmla="*/ 281477 h 761528"/>
+              <a:gd name="connsiteX0" fmla="*/ 0 w 1747544"/>
+              <a:gd name="connsiteY0" fmla="*/ 645947 h 761528"/>
+              <a:gd name="connsiteX1" fmla="*/ 135678 w 1747544"/>
+              <a:gd name="connsiteY1" fmla="*/ 459161 h 761528"/>
+              <a:gd name="connsiteX2" fmla="*/ 960778 w 1747544"/>
+              <a:gd name="connsiteY2" fmla="*/ 13082 h 761528"/>
+              <a:gd name="connsiteX3" fmla="*/ 1257963 w 1747544"/>
+              <a:gd name="connsiteY3" fmla="*/ 36910 h 761528"/>
+              <a:gd name="connsiteX4" fmla="*/ 1747544 w 1747544"/>
+              <a:gd name="connsiteY4" fmla="*/ 378465 h 761528"/>
+              <a:gd name="connsiteX5" fmla="*/ 1502508 w 1747544"/>
+              <a:gd name="connsiteY5" fmla="*/ 627922 h 761528"/>
+              <a:gd name="connsiteX6" fmla="*/ 1342082 w 1747544"/>
+              <a:gd name="connsiteY6" fmla="*/ 711779 h 761528"/>
+              <a:gd name="connsiteX7" fmla="*/ 190030 w 1747544"/>
+              <a:gd name="connsiteY7" fmla="*/ 761528 h 761528"/>
+              <a:gd name="connsiteX8" fmla="*/ 94017 w 1747544"/>
+              <a:gd name="connsiteY8" fmla="*/ 665515 h 761528"/>
+              <a:gd name="connsiteX9" fmla="*/ 0 w 1747544"/>
+              <a:gd name="connsiteY9" fmla="*/ 645947 h 761528"/>
+              <a:gd name="connsiteX0" fmla="*/ 0 w 1747544"/>
+              <a:gd name="connsiteY0" fmla="*/ 645947 h 1000624"/>
+              <a:gd name="connsiteX1" fmla="*/ 135678 w 1747544"/>
+              <a:gd name="connsiteY1" fmla="*/ 459161 h 1000624"/>
+              <a:gd name="connsiteX2" fmla="*/ 960778 w 1747544"/>
+              <a:gd name="connsiteY2" fmla="*/ 13082 h 1000624"/>
+              <a:gd name="connsiteX3" fmla="*/ 1257963 w 1747544"/>
+              <a:gd name="connsiteY3" fmla="*/ 36910 h 1000624"/>
+              <a:gd name="connsiteX4" fmla="*/ 1747544 w 1747544"/>
+              <a:gd name="connsiteY4" fmla="*/ 378465 h 1000624"/>
+              <a:gd name="connsiteX5" fmla="*/ 1502508 w 1747544"/>
+              <a:gd name="connsiteY5" fmla="*/ 627922 h 1000624"/>
+              <a:gd name="connsiteX6" fmla="*/ 1342082 w 1747544"/>
+              <a:gd name="connsiteY6" fmla="*/ 711779 h 1000624"/>
+              <a:gd name="connsiteX7" fmla="*/ 281930 w 1747544"/>
+              <a:gd name="connsiteY7" fmla="*/ 1000624 h 1000624"/>
+              <a:gd name="connsiteX8" fmla="*/ 94017 w 1747544"/>
+              <a:gd name="connsiteY8" fmla="*/ 665515 h 1000624"/>
+              <a:gd name="connsiteX9" fmla="*/ 0 w 1747544"/>
+              <a:gd name="connsiteY9" fmla="*/ 645947 h 1000624"/>
+              <a:gd name="connsiteX0" fmla="*/ 0 w 1747544"/>
+              <a:gd name="connsiteY0" fmla="*/ 645947 h 1000624"/>
+              <a:gd name="connsiteX1" fmla="*/ 135678 w 1747544"/>
+              <a:gd name="connsiteY1" fmla="*/ 459161 h 1000624"/>
+              <a:gd name="connsiteX2" fmla="*/ 960778 w 1747544"/>
+              <a:gd name="connsiteY2" fmla="*/ 13082 h 1000624"/>
+              <a:gd name="connsiteX3" fmla="*/ 1257963 w 1747544"/>
+              <a:gd name="connsiteY3" fmla="*/ 36910 h 1000624"/>
+              <a:gd name="connsiteX4" fmla="*/ 1747544 w 1747544"/>
+              <a:gd name="connsiteY4" fmla="*/ 378465 h 1000624"/>
+              <a:gd name="connsiteX5" fmla="*/ 1502508 w 1747544"/>
+              <a:gd name="connsiteY5" fmla="*/ 627922 h 1000624"/>
+              <a:gd name="connsiteX6" fmla="*/ 1342082 w 1747544"/>
+              <a:gd name="connsiteY6" fmla="*/ 711779 h 1000624"/>
+              <a:gd name="connsiteX7" fmla="*/ 281930 w 1747544"/>
+              <a:gd name="connsiteY7" fmla="*/ 1000624 h 1000624"/>
+              <a:gd name="connsiteX8" fmla="*/ 94017 w 1747544"/>
+              <a:gd name="connsiteY8" fmla="*/ 665515 h 1000624"/>
+              <a:gd name="connsiteX9" fmla="*/ 0 w 1747544"/>
+              <a:gd name="connsiteY9" fmla="*/ 645947 h 1000624"/>
+              <a:gd name="connsiteX0" fmla="*/ 0 w 1747544"/>
+              <a:gd name="connsiteY0" fmla="*/ 645947 h 1000624"/>
+              <a:gd name="connsiteX1" fmla="*/ 135678 w 1747544"/>
+              <a:gd name="connsiteY1" fmla="*/ 459161 h 1000624"/>
+              <a:gd name="connsiteX2" fmla="*/ 960778 w 1747544"/>
+              <a:gd name="connsiteY2" fmla="*/ 13082 h 1000624"/>
+              <a:gd name="connsiteX3" fmla="*/ 1257963 w 1747544"/>
+              <a:gd name="connsiteY3" fmla="*/ 36910 h 1000624"/>
+              <a:gd name="connsiteX4" fmla="*/ 1747544 w 1747544"/>
+              <a:gd name="connsiteY4" fmla="*/ 378465 h 1000624"/>
+              <a:gd name="connsiteX5" fmla="*/ 1502508 w 1747544"/>
+              <a:gd name="connsiteY5" fmla="*/ 627922 h 1000624"/>
+              <a:gd name="connsiteX6" fmla="*/ 1342082 w 1747544"/>
+              <a:gd name="connsiteY6" fmla="*/ 711779 h 1000624"/>
+              <a:gd name="connsiteX7" fmla="*/ 1171858 w 1747544"/>
+              <a:gd name="connsiteY7" fmla="*/ 475689 h 1000624"/>
+              <a:gd name="connsiteX8" fmla="*/ 281930 w 1747544"/>
+              <a:gd name="connsiteY8" fmla="*/ 1000624 h 1000624"/>
+              <a:gd name="connsiteX9" fmla="*/ 94017 w 1747544"/>
+              <a:gd name="connsiteY9" fmla="*/ 665515 h 1000624"/>
+              <a:gd name="connsiteX10" fmla="*/ 0 w 1747544"/>
+              <a:gd name="connsiteY10" fmla="*/ 645947 h 1000624"/>
+              <a:gd name="connsiteX0" fmla="*/ 0 w 1747544"/>
+              <a:gd name="connsiteY0" fmla="*/ 645947 h 1000624"/>
+              <a:gd name="connsiteX1" fmla="*/ 135678 w 1747544"/>
+              <a:gd name="connsiteY1" fmla="*/ 459161 h 1000624"/>
+              <a:gd name="connsiteX2" fmla="*/ 960778 w 1747544"/>
+              <a:gd name="connsiteY2" fmla="*/ 13082 h 1000624"/>
+              <a:gd name="connsiteX3" fmla="*/ 1257963 w 1747544"/>
+              <a:gd name="connsiteY3" fmla="*/ 36910 h 1000624"/>
+              <a:gd name="connsiteX4" fmla="*/ 1747544 w 1747544"/>
+              <a:gd name="connsiteY4" fmla="*/ 378465 h 1000624"/>
+              <a:gd name="connsiteX5" fmla="*/ 1502508 w 1747544"/>
+              <a:gd name="connsiteY5" fmla="*/ 627922 h 1000624"/>
+              <a:gd name="connsiteX6" fmla="*/ 1342082 w 1747544"/>
+              <a:gd name="connsiteY6" fmla="*/ 711779 h 1000624"/>
+              <a:gd name="connsiteX7" fmla="*/ 1171858 w 1747544"/>
+              <a:gd name="connsiteY7" fmla="*/ 475689 h 1000624"/>
+              <a:gd name="connsiteX8" fmla="*/ 281930 w 1747544"/>
+              <a:gd name="connsiteY8" fmla="*/ 1000624 h 1000624"/>
+              <a:gd name="connsiteX9" fmla="*/ 94017 w 1747544"/>
+              <a:gd name="connsiteY9" fmla="*/ 665515 h 1000624"/>
+              <a:gd name="connsiteX10" fmla="*/ 0 w 1747544"/>
+              <a:gd name="connsiteY10" fmla="*/ 645947 h 1000624"/>
+              <a:gd name="connsiteX0" fmla="*/ 0 w 1747544"/>
+              <a:gd name="connsiteY0" fmla="*/ 645947 h 1000624"/>
+              <a:gd name="connsiteX1" fmla="*/ 135678 w 1747544"/>
+              <a:gd name="connsiteY1" fmla="*/ 459161 h 1000624"/>
+              <a:gd name="connsiteX2" fmla="*/ 960778 w 1747544"/>
+              <a:gd name="connsiteY2" fmla="*/ 13082 h 1000624"/>
+              <a:gd name="connsiteX3" fmla="*/ 1257963 w 1747544"/>
+              <a:gd name="connsiteY3" fmla="*/ 36910 h 1000624"/>
+              <a:gd name="connsiteX4" fmla="*/ 1747544 w 1747544"/>
+              <a:gd name="connsiteY4" fmla="*/ 378465 h 1000624"/>
+              <a:gd name="connsiteX5" fmla="*/ 1502508 w 1747544"/>
+              <a:gd name="connsiteY5" fmla="*/ 627922 h 1000624"/>
+              <a:gd name="connsiteX6" fmla="*/ 1342082 w 1747544"/>
+              <a:gd name="connsiteY6" fmla="*/ 711779 h 1000624"/>
+              <a:gd name="connsiteX7" fmla="*/ 1131962 w 1747544"/>
+              <a:gd name="connsiteY7" fmla="*/ 577235 h 1000624"/>
+              <a:gd name="connsiteX8" fmla="*/ 281930 w 1747544"/>
+              <a:gd name="connsiteY8" fmla="*/ 1000624 h 1000624"/>
+              <a:gd name="connsiteX9" fmla="*/ 94017 w 1747544"/>
+              <a:gd name="connsiteY9" fmla="*/ 665515 h 1000624"/>
+              <a:gd name="connsiteX10" fmla="*/ 0 w 1747544"/>
+              <a:gd name="connsiteY10" fmla="*/ 645947 h 1000624"/>
+              <a:gd name="connsiteX0" fmla="*/ 0 w 1747544"/>
+              <a:gd name="connsiteY0" fmla="*/ 645947 h 1000624"/>
+              <a:gd name="connsiteX1" fmla="*/ 135678 w 1747544"/>
+              <a:gd name="connsiteY1" fmla="*/ 459161 h 1000624"/>
+              <a:gd name="connsiteX2" fmla="*/ 960778 w 1747544"/>
+              <a:gd name="connsiteY2" fmla="*/ 13082 h 1000624"/>
+              <a:gd name="connsiteX3" fmla="*/ 1257963 w 1747544"/>
+              <a:gd name="connsiteY3" fmla="*/ 36910 h 1000624"/>
+              <a:gd name="connsiteX4" fmla="*/ 1747544 w 1747544"/>
+              <a:gd name="connsiteY4" fmla="*/ 378465 h 1000624"/>
+              <a:gd name="connsiteX5" fmla="*/ 1502508 w 1747544"/>
+              <a:gd name="connsiteY5" fmla="*/ 627922 h 1000624"/>
+              <a:gd name="connsiteX6" fmla="*/ 1342082 w 1747544"/>
+              <a:gd name="connsiteY6" fmla="*/ 711779 h 1000624"/>
+              <a:gd name="connsiteX7" fmla="*/ 1114765 w 1747544"/>
+              <a:gd name="connsiteY7" fmla="*/ 625372 h 1000624"/>
+              <a:gd name="connsiteX8" fmla="*/ 281930 w 1747544"/>
+              <a:gd name="connsiteY8" fmla="*/ 1000624 h 1000624"/>
+              <a:gd name="connsiteX9" fmla="*/ 94017 w 1747544"/>
+              <a:gd name="connsiteY9" fmla="*/ 665515 h 1000624"/>
+              <a:gd name="connsiteX10" fmla="*/ 0 w 1747544"/>
+              <a:gd name="connsiteY10" fmla="*/ 645947 h 1000624"/>
+              <a:gd name="connsiteX0" fmla="*/ 0 w 1747544"/>
+              <a:gd name="connsiteY0" fmla="*/ 645947 h 1000624"/>
+              <a:gd name="connsiteX1" fmla="*/ 135678 w 1747544"/>
+              <a:gd name="connsiteY1" fmla="*/ 459161 h 1000624"/>
+              <a:gd name="connsiteX2" fmla="*/ 960778 w 1747544"/>
+              <a:gd name="connsiteY2" fmla="*/ 13082 h 1000624"/>
+              <a:gd name="connsiteX3" fmla="*/ 1257963 w 1747544"/>
+              <a:gd name="connsiteY3" fmla="*/ 36910 h 1000624"/>
+              <a:gd name="connsiteX4" fmla="*/ 1747544 w 1747544"/>
+              <a:gd name="connsiteY4" fmla="*/ 378465 h 1000624"/>
+              <a:gd name="connsiteX5" fmla="*/ 1502508 w 1747544"/>
+              <a:gd name="connsiteY5" fmla="*/ 627922 h 1000624"/>
+              <a:gd name="connsiteX6" fmla="*/ 1342082 w 1747544"/>
+              <a:gd name="connsiteY6" fmla="*/ 711779 h 1000624"/>
+              <a:gd name="connsiteX7" fmla="*/ 1215621 w 1747544"/>
+              <a:gd name="connsiteY7" fmla="*/ 697589 h 1000624"/>
+              <a:gd name="connsiteX8" fmla="*/ 1114765 w 1747544"/>
+              <a:gd name="connsiteY8" fmla="*/ 625372 h 1000624"/>
+              <a:gd name="connsiteX9" fmla="*/ 281930 w 1747544"/>
+              <a:gd name="connsiteY9" fmla="*/ 1000624 h 1000624"/>
+              <a:gd name="connsiteX10" fmla="*/ 94017 w 1747544"/>
+              <a:gd name="connsiteY10" fmla="*/ 665515 h 1000624"/>
+              <a:gd name="connsiteX11" fmla="*/ 0 w 1747544"/>
+              <a:gd name="connsiteY11" fmla="*/ 645947 h 1000624"/>
+              <a:gd name="connsiteX0" fmla="*/ 0 w 1747544"/>
+              <a:gd name="connsiteY0" fmla="*/ 645947 h 1000624"/>
+              <a:gd name="connsiteX1" fmla="*/ 135678 w 1747544"/>
+              <a:gd name="connsiteY1" fmla="*/ 459161 h 1000624"/>
+              <a:gd name="connsiteX2" fmla="*/ 960778 w 1747544"/>
+              <a:gd name="connsiteY2" fmla="*/ 13082 h 1000624"/>
+              <a:gd name="connsiteX3" fmla="*/ 1257963 w 1747544"/>
+              <a:gd name="connsiteY3" fmla="*/ 36910 h 1000624"/>
+              <a:gd name="connsiteX4" fmla="*/ 1747544 w 1747544"/>
+              <a:gd name="connsiteY4" fmla="*/ 378465 h 1000624"/>
+              <a:gd name="connsiteX5" fmla="*/ 1502508 w 1747544"/>
+              <a:gd name="connsiteY5" fmla="*/ 627922 h 1000624"/>
+              <a:gd name="connsiteX6" fmla="*/ 1342082 w 1747544"/>
+              <a:gd name="connsiteY6" fmla="*/ 711779 h 1000624"/>
+              <a:gd name="connsiteX7" fmla="*/ 1297433 w 1747544"/>
+              <a:gd name="connsiteY7" fmla="*/ 652180 h 1000624"/>
+              <a:gd name="connsiteX8" fmla="*/ 1114765 w 1747544"/>
+              <a:gd name="connsiteY8" fmla="*/ 625372 h 1000624"/>
+              <a:gd name="connsiteX9" fmla="*/ 281930 w 1747544"/>
+              <a:gd name="connsiteY9" fmla="*/ 1000624 h 1000624"/>
+              <a:gd name="connsiteX10" fmla="*/ 94017 w 1747544"/>
+              <a:gd name="connsiteY10" fmla="*/ 665515 h 1000624"/>
+              <a:gd name="connsiteX11" fmla="*/ 0 w 1747544"/>
+              <a:gd name="connsiteY11" fmla="*/ 645947 h 1000624"/>
+              <a:gd name="connsiteX0" fmla="*/ 0 w 1747544"/>
+              <a:gd name="connsiteY0" fmla="*/ 645947 h 1000624"/>
+              <a:gd name="connsiteX1" fmla="*/ 135678 w 1747544"/>
+              <a:gd name="connsiteY1" fmla="*/ 459161 h 1000624"/>
+              <a:gd name="connsiteX2" fmla="*/ 960778 w 1747544"/>
+              <a:gd name="connsiteY2" fmla="*/ 13082 h 1000624"/>
+              <a:gd name="connsiteX3" fmla="*/ 1257963 w 1747544"/>
+              <a:gd name="connsiteY3" fmla="*/ 36910 h 1000624"/>
+              <a:gd name="connsiteX4" fmla="*/ 1747544 w 1747544"/>
+              <a:gd name="connsiteY4" fmla="*/ 378465 h 1000624"/>
+              <a:gd name="connsiteX5" fmla="*/ 1502508 w 1747544"/>
+              <a:gd name="connsiteY5" fmla="*/ 627922 h 1000624"/>
+              <a:gd name="connsiteX6" fmla="*/ 1352974 w 1747544"/>
+              <a:gd name="connsiteY6" fmla="*/ 674960 h 1000624"/>
+              <a:gd name="connsiteX7" fmla="*/ 1297433 w 1747544"/>
+              <a:gd name="connsiteY7" fmla="*/ 652180 h 1000624"/>
+              <a:gd name="connsiteX8" fmla="*/ 1114765 w 1747544"/>
+              <a:gd name="connsiteY8" fmla="*/ 625372 h 1000624"/>
+              <a:gd name="connsiteX9" fmla="*/ 281930 w 1747544"/>
+              <a:gd name="connsiteY9" fmla="*/ 1000624 h 1000624"/>
+              <a:gd name="connsiteX10" fmla="*/ 94017 w 1747544"/>
+              <a:gd name="connsiteY10" fmla="*/ 665515 h 1000624"/>
+              <a:gd name="connsiteX11" fmla="*/ 0 w 1747544"/>
+              <a:gd name="connsiteY11" fmla="*/ 645947 h 1000624"/>
+              <a:gd name="connsiteX0" fmla="*/ 0 w 1747544"/>
+              <a:gd name="connsiteY0" fmla="*/ 645947 h 1000624"/>
+              <a:gd name="connsiteX1" fmla="*/ 135678 w 1747544"/>
+              <a:gd name="connsiteY1" fmla="*/ 459161 h 1000624"/>
+              <a:gd name="connsiteX2" fmla="*/ 960778 w 1747544"/>
+              <a:gd name="connsiteY2" fmla="*/ 13082 h 1000624"/>
+              <a:gd name="connsiteX3" fmla="*/ 1257963 w 1747544"/>
+              <a:gd name="connsiteY3" fmla="*/ 36910 h 1000624"/>
+              <a:gd name="connsiteX4" fmla="*/ 1747544 w 1747544"/>
+              <a:gd name="connsiteY4" fmla="*/ 378465 h 1000624"/>
+              <a:gd name="connsiteX5" fmla="*/ 1502508 w 1747544"/>
+              <a:gd name="connsiteY5" fmla="*/ 627922 h 1000624"/>
+              <a:gd name="connsiteX6" fmla="*/ 1352974 w 1747544"/>
+              <a:gd name="connsiteY6" fmla="*/ 674960 h 1000624"/>
+              <a:gd name="connsiteX7" fmla="*/ 1297433 w 1747544"/>
+              <a:gd name="connsiteY7" fmla="*/ 652180 h 1000624"/>
+              <a:gd name="connsiteX8" fmla="*/ 1095571 w 1747544"/>
+              <a:gd name="connsiteY8" fmla="*/ 577805 h 1000624"/>
+              <a:gd name="connsiteX9" fmla="*/ 281930 w 1747544"/>
+              <a:gd name="connsiteY9" fmla="*/ 1000624 h 1000624"/>
+              <a:gd name="connsiteX10" fmla="*/ 94017 w 1747544"/>
+              <a:gd name="connsiteY10" fmla="*/ 665515 h 1000624"/>
+              <a:gd name="connsiteX11" fmla="*/ 0 w 1747544"/>
+              <a:gd name="connsiteY11" fmla="*/ 645947 h 1000624"/>
+              <a:gd name="connsiteX0" fmla="*/ 0 w 1747544"/>
+              <a:gd name="connsiteY0" fmla="*/ 645947 h 1000624"/>
+              <a:gd name="connsiteX1" fmla="*/ 135678 w 1747544"/>
+              <a:gd name="connsiteY1" fmla="*/ 459161 h 1000624"/>
+              <a:gd name="connsiteX2" fmla="*/ 960778 w 1747544"/>
+              <a:gd name="connsiteY2" fmla="*/ 13082 h 1000624"/>
+              <a:gd name="connsiteX3" fmla="*/ 1257963 w 1747544"/>
+              <a:gd name="connsiteY3" fmla="*/ 36910 h 1000624"/>
+              <a:gd name="connsiteX4" fmla="*/ 1747544 w 1747544"/>
+              <a:gd name="connsiteY4" fmla="*/ 378465 h 1000624"/>
+              <a:gd name="connsiteX5" fmla="*/ 1502508 w 1747544"/>
+              <a:gd name="connsiteY5" fmla="*/ 627922 h 1000624"/>
+              <a:gd name="connsiteX6" fmla="*/ 1352974 w 1747544"/>
+              <a:gd name="connsiteY6" fmla="*/ 674960 h 1000624"/>
+              <a:gd name="connsiteX7" fmla="*/ 1297433 w 1747544"/>
+              <a:gd name="connsiteY7" fmla="*/ 652180 h 1000624"/>
+              <a:gd name="connsiteX8" fmla="*/ 1095571 w 1747544"/>
+              <a:gd name="connsiteY8" fmla="*/ 577805 h 1000624"/>
+              <a:gd name="connsiteX9" fmla="*/ 281930 w 1747544"/>
+              <a:gd name="connsiteY9" fmla="*/ 1000624 h 1000624"/>
+              <a:gd name="connsiteX10" fmla="*/ 94017 w 1747544"/>
+              <a:gd name="connsiteY10" fmla="*/ 665515 h 1000624"/>
+              <a:gd name="connsiteX11" fmla="*/ 0 w 1747544"/>
+              <a:gd name="connsiteY11" fmla="*/ 645947 h 1000624"/>
+              <a:gd name="connsiteX0" fmla="*/ 0 w 1747544"/>
+              <a:gd name="connsiteY0" fmla="*/ 645947 h 1000624"/>
+              <a:gd name="connsiteX1" fmla="*/ 135678 w 1747544"/>
+              <a:gd name="connsiteY1" fmla="*/ 459161 h 1000624"/>
+              <a:gd name="connsiteX2" fmla="*/ 960778 w 1747544"/>
+              <a:gd name="connsiteY2" fmla="*/ 13082 h 1000624"/>
+              <a:gd name="connsiteX3" fmla="*/ 1257963 w 1747544"/>
+              <a:gd name="connsiteY3" fmla="*/ 36910 h 1000624"/>
+              <a:gd name="connsiteX4" fmla="*/ 1747544 w 1747544"/>
+              <a:gd name="connsiteY4" fmla="*/ 378465 h 1000624"/>
+              <a:gd name="connsiteX5" fmla="*/ 1502508 w 1747544"/>
+              <a:gd name="connsiteY5" fmla="*/ 627922 h 1000624"/>
+              <a:gd name="connsiteX6" fmla="*/ 1352974 w 1747544"/>
+              <a:gd name="connsiteY6" fmla="*/ 674960 h 1000624"/>
+              <a:gd name="connsiteX7" fmla="*/ 1297433 w 1747544"/>
+              <a:gd name="connsiteY7" fmla="*/ 652180 h 1000624"/>
+              <a:gd name="connsiteX8" fmla="*/ 1095571 w 1747544"/>
+              <a:gd name="connsiteY8" fmla="*/ 577805 h 1000624"/>
+              <a:gd name="connsiteX9" fmla="*/ 281930 w 1747544"/>
+              <a:gd name="connsiteY9" fmla="*/ 1000624 h 1000624"/>
+              <a:gd name="connsiteX10" fmla="*/ 94017 w 1747544"/>
+              <a:gd name="connsiteY10" fmla="*/ 665515 h 1000624"/>
+              <a:gd name="connsiteX11" fmla="*/ 0 w 1747544"/>
+              <a:gd name="connsiteY11" fmla="*/ 645947 h 1000624"/>
+              <a:gd name="connsiteX0" fmla="*/ 0 w 1876074"/>
+              <a:gd name="connsiteY0" fmla="*/ 828460 h 1000624"/>
+              <a:gd name="connsiteX1" fmla="*/ 264208 w 1876074"/>
+              <a:gd name="connsiteY1" fmla="*/ 459161 h 1000624"/>
+              <a:gd name="connsiteX2" fmla="*/ 1089308 w 1876074"/>
+              <a:gd name="connsiteY2" fmla="*/ 13082 h 1000624"/>
+              <a:gd name="connsiteX3" fmla="*/ 1386493 w 1876074"/>
+              <a:gd name="connsiteY3" fmla="*/ 36910 h 1000624"/>
+              <a:gd name="connsiteX4" fmla="*/ 1876074 w 1876074"/>
+              <a:gd name="connsiteY4" fmla="*/ 378465 h 1000624"/>
+              <a:gd name="connsiteX5" fmla="*/ 1631038 w 1876074"/>
+              <a:gd name="connsiteY5" fmla="*/ 627922 h 1000624"/>
+              <a:gd name="connsiteX6" fmla="*/ 1481504 w 1876074"/>
+              <a:gd name="connsiteY6" fmla="*/ 674960 h 1000624"/>
+              <a:gd name="connsiteX7" fmla="*/ 1425963 w 1876074"/>
+              <a:gd name="connsiteY7" fmla="*/ 652180 h 1000624"/>
+              <a:gd name="connsiteX8" fmla="*/ 1224101 w 1876074"/>
+              <a:gd name="connsiteY8" fmla="*/ 577805 h 1000624"/>
+              <a:gd name="connsiteX9" fmla="*/ 410460 w 1876074"/>
+              <a:gd name="connsiteY9" fmla="*/ 1000624 h 1000624"/>
+              <a:gd name="connsiteX10" fmla="*/ 222547 w 1876074"/>
+              <a:gd name="connsiteY10" fmla="*/ 665515 h 1000624"/>
+              <a:gd name="connsiteX11" fmla="*/ 0 w 1876074"/>
+              <a:gd name="connsiteY11" fmla="*/ 828460 h 1000624"/>
+              <a:gd name="connsiteX0" fmla="*/ 0 w 1876074"/>
+              <a:gd name="connsiteY0" fmla="*/ 828460 h 1121942"/>
+              <a:gd name="connsiteX1" fmla="*/ 264208 w 1876074"/>
+              <a:gd name="connsiteY1" fmla="*/ 459161 h 1121942"/>
+              <a:gd name="connsiteX2" fmla="*/ 1089308 w 1876074"/>
+              <a:gd name="connsiteY2" fmla="*/ 13082 h 1121942"/>
+              <a:gd name="connsiteX3" fmla="*/ 1386493 w 1876074"/>
+              <a:gd name="connsiteY3" fmla="*/ 36910 h 1121942"/>
+              <a:gd name="connsiteX4" fmla="*/ 1876074 w 1876074"/>
+              <a:gd name="connsiteY4" fmla="*/ 378465 h 1121942"/>
+              <a:gd name="connsiteX5" fmla="*/ 1631038 w 1876074"/>
+              <a:gd name="connsiteY5" fmla="*/ 627922 h 1121942"/>
+              <a:gd name="connsiteX6" fmla="*/ 1481504 w 1876074"/>
+              <a:gd name="connsiteY6" fmla="*/ 674960 h 1121942"/>
+              <a:gd name="connsiteX7" fmla="*/ 1425963 w 1876074"/>
+              <a:gd name="connsiteY7" fmla="*/ 652180 h 1121942"/>
+              <a:gd name="connsiteX8" fmla="*/ 1224101 w 1876074"/>
+              <a:gd name="connsiteY8" fmla="*/ 577805 h 1121942"/>
+              <a:gd name="connsiteX9" fmla="*/ 410460 w 1876074"/>
+              <a:gd name="connsiteY9" fmla="*/ 1000624 h 1121942"/>
+              <a:gd name="connsiteX10" fmla="*/ 280388 w 1876074"/>
+              <a:gd name="connsiteY10" fmla="*/ 1111375 h 1121942"/>
+              <a:gd name="connsiteX11" fmla="*/ 0 w 1876074"/>
+              <a:gd name="connsiteY11" fmla="*/ 828460 h 1121942"/>
+              <a:gd name="connsiteX0" fmla="*/ 0 w 1876074"/>
+              <a:gd name="connsiteY0" fmla="*/ 828460 h 1124135"/>
+              <a:gd name="connsiteX1" fmla="*/ 264208 w 1876074"/>
+              <a:gd name="connsiteY1" fmla="*/ 459161 h 1124135"/>
+              <a:gd name="connsiteX2" fmla="*/ 1089308 w 1876074"/>
+              <a:gd name="connsiteY2" fmla="*/ 13082 h 1124135"/>
+              <a:gd name="connsiteX3" fmla="*/ 1386493 w 1876074"/>
+              <a:gd name="connsiteY3" fmla="*/ 36910 h 1124135"/>
+              <a:gd name="connsiteX4" fmla="*/ 1876074 w 1876074"/>
+              <a:gd name="connsiteY4" fmla="*/ 378465 h 1124135"/>
+              <a:gd name="connsiteX5" fmla="*/ 1631038 w 1876074"/>
+              <a:gd name="connsiteY5" fmla="*/ 627922 h 1124135"/>
+              <a:gd name="connsiteX6" fmla="*/ 1481504 w 1876074"/>
+              <a:gd name="connsiteY6" fmla="*/ 674960 h 1124135"/>
+              <a:gd name="connsiteX7" fmla="*/ 1425963 w 1876074"/>
+              <a:gd name="connsiteY7" fmla="*/ 652180 h 1124135"/>
+              <a:gd name="connsiteX8" fmla="*/ 1224101 w 1876074"/>
+              <a:gd name="connsiteY8" fmla="*/ 577805 h 1124135"/>
+              <a:gd name="connsiteX9" fmla="*/ 443409 w 1876074"/>
+              <a:gd name="connsiteY9" fmla="*/ 1035012 h 1124135"/>
+              <a:gd name="connsiteX10" fmla="*/ 280388 w 1876074"/>
+              <a:gd name="connsiteY10" fmla="*/ 1111375 h 1124135"/>
+              <a:gd name="connsiteX11" fmla="*/ 0 w 1876074"/>
+              <a:gd name="connsiteY11" fmla="*/ 828460 h 1124135"/>
+              <a:gd name="connsiteX0" fmla="*/ 0 w 1876074"/>
+              <a:gd name="connsiteY0" fmla="*/ 828460 h 1161400"/>
+              <a:gd name="connsiteX1" fmla="*/ 264208 w 1876074"/>
+              <a:gd name="connsiteY1" fmla="*/ 459161 h 1161400"/>
+              <a:gd name="connsiteX2" fmla="*/ 1089308 w 1876074"/>
+              <a:gd name="connsiteY2" fmla="*/ 13082 h 1161400"/>
+              <a:gd name="connsiteX3" fmla="*/ 1386493 w 1876074"/>
+              <a:gd name="connsiteY3" fmla="*/ 36910 h 1161400"/>
+              <a:gd name="connsiteX4" fmla="*/ 1876074 w 1876074"/>
+              <a:gd name="connsiteY4" fmla="*/ 378465 h 1161400"/>
+              <a:gd name="connsiteX5" fmla="*/ 1631038 w 1876074"/>
+              <a:gd name="connsiteY5" fmla="*/ 627922 h 1161400"/>
+              <a:gd name="connsiteX6" fmla="*/ 1481504 w 1876074"/>
+              <a:gd name="connsiteY6" fmla="*/ 674960 h 1161400"/>
+              <a:gd name="connsiteX7" fmla="*/ 1425963 w 1876074"/>
+              <a:gd name="connsiteY7" fmla="*/ 652180 h 1161400"/>
+              <a:gd name="connsiteX8" fmla="*/ 1224101 w 1876074"/>
+              <a:gd name="connsiteY8" fmla="*/ 577805 h 1161400"/>
+              <a:gd name="connsiteX9" fmla="*/ 366605 w 1876074"/>
+              <a:gd name="connsiteY9" fmla="*/ 1161369 h 1161400"/>
+              <a:gd name="connsiteX10" fmla="*/ 280388 w 1876074"/>
+              <a:gd name="connsiteY10" fmla="*/ 1111375 h 1161400"/>
+              <a:gd name="connsiteX11" fmla="*/ 0 w 1876074"/>
+              <a:gd name="connsiteY11" fmla="*/ 828460 h 1161400"/>
+              <a:gd name="connsiteX0" fmla="*/ 0 w 1876074"/>
+              <a:gd name="connsiteY0" fmla="*/ 828460 h 1161400"/>
+              <a:gd name="connsiteX1" fmla="*/ 264208 w 1876074"/>
+              <a:gd name="connsiteY1" fmla="*/ 459161 h 1161400"/>
+              <a:gd name="connsiteX2" fmla="*/ 1089308 w 1876074"/>
+              <a:gd name="connsiteY2" fmla="*/ 13082 h 1161400"/>
+              <a:gd name="connsiteX3" fmla="*/ 1386493 w 1876074"/>
+              <a:gd name="connsiteY3" fmla="*/ 36910 h 1161400"/>
+              <a:gd name="connsiteX4" fmla="*/ 1876074 w 1876074"/>
+              <a:gd name="connsiteY4" fmla="*/ 378465 h 1161400"/>
+              <a:gd name="connsiteX5" fmla="*/ 1515694 w 1876074"/>
+              <a:gd name="connsiteY5" fmla="*/ 745034 h 1161400"/>
+              <a:gd name="connsiteX6" fmla="*/ 1481504 w 1876074"/>
+              <a:gd name="connsiteY6" fmla="*/ 674960 h 1161400"/>
+              <a:gd name="connsiteX7" fmla="*/ 1425963 w 1876074"/>
+              <a:gd name="connsiteY7" fmla="*/ 652180 h 1161400"/>
+              <a:gd name="connsiteX8" fmla="*/ 1224101 w 1876074"/>
+              <a:gd name="connsiteY8" fmla="*/ 577805 h 1161400"/>
+              <a:gd name="connsiteX9" fmla="*/ 366605 w 1876074"/>
+              <a:gd name="connsiteY9" fmla="*/ 1161369 h 1161400"/>
+              <a:gd name="connsiteX10" fmla="*/ 280388 w 1876074"/>
+              <a:gd name="connsiteY10" fmla="*/ 1111375 h 1161400"/>
+              <a:gd name="connsiteX11" fmla="*/ 0 w 1876074"/>
+              <a:gd name="connsiteY11" fmla="*/ 828460 h 1161400"/>
+              <a:gd name="connsiteX0" fmla="*/ 0 w 1876074"/>
+              <a:gd name="connsiteY0" fmla="*/ 828460 h 1161400"/>
+              <a:gd name="connsiteX1" fmla="*/ 264208 w 1876074"/>
+              <a:gd name="connsiteY1" fmla="*/ 459161 h 1161400"/>
+              <a:gd name="connsiteX2" fmla="*/ 1089308 w 1876074"/>
+              <a:gd name="connsiteY2" fmla="*/ 13082 h 1161400"/>
+              <a:gd name="connsiteX3" fmla="*/ 1386493 w 1876074"/>
+              <a:gd name="connsiteY3" fmla="*/ 36910 h 1161400"/>
+              <a:gd name="connsiteX4" fmla="*/ 1876074 w 1876074"/>
+              <a:gd name="connsiteY4" fmla="*/ 378465 h 1161400"/>
+              <a:gd name="connsiteX5" fmla="*/ 1515694 w 1876074"/>
+              <a:gd name="connsiteY5" fmla="*/ 745034 h 1161400"/>
+              <a:gd name="connsiteX6" fmla="*/ 1458864 w 1876074"/>
+              <a:gd name="connsiteY6" fmla="*/ 709845 h 1161400"/>
+              <a:gd name="connsiteX7" fmla="*/ 1425963 w 1876074"/>
+              <a:gd name="connsiteY7" fmla="*/ 652180 h 1161400"/>
+              <a:gd name="connsiteX8" fmla="*/ 1224101 w 1876074"/>
+              <a:gd name="connsiteY8" fmla="*/ 577805 h 1161400"/>
+              <a:gd name="connsiteX9" fmla="*/ 366605 w 1876074"/>
+              <a:gd name="connsiteY9" fmla="*/ 1161369 h 1161400"/>
+              <a:gd name="connsiteX10" fmla="*/ 280388 w 1876074"/>
+              <a:gd name="connsiteY10" fmla="*/ 1111375 h 1161400"/>
+              <a:gd name="connsiteX11" fmla="*/ 0 w 1876074"/>
+              <a:gd name="connsiteY11" fmla="*/ 828460 h 1161400"/>
+              <a:gd name="connsiteX0" fmla="*/ 0 w 1876074"/>
+              <a:gd name="connsiteY0" fmla="*/ 828460 h 1161400"/>
+              <a:gd name="connsiteX1" fmla="*/ 264208 w 1876074"/>
+              <a:gd name="connsiteY1" fmla="*/ 459161 h 1161400"/>
+              <a:gd name="connsiteX2" fmla="*/ 1089308 w 1876074"/>
+              <a:gd name="connsiteY2" fmla="*/ 13082 h 1161400"/>
+              <a:gd name="connsiteX3" fmla="*/ 1386493 w 1876074"/>
+              <a:gd name="connsiteY3" fmla="*/ 36910 h 1161400"/>
+              <a:gd name="connsiteX4" fmla="*/ 1876074 w 1876074"/>
+              <a:gd name="connsiteY4" fmla="*/ 378465 h 1161400"/>
+              <a:gd name="connsiteX5" fmla="*/ 1515694 w 1876074"/>
+              <a:gd name="connsiteY5" fmla="*/ 745034 h 1161400"/>
+              <a:gd name="connsiteX6" fmla="*/ 1458864 w 1876074"/>
+              <a:gd name="connsiteY6" fmla="*/ 709845 h 1161400"/>
+              <a:gd name="connsiteX7" fmla="*/ 1403466 w 1876074"/>
+              <a:gd name="connsiteY7" fmla="*/ 680330 h 1161400"/>
+              <a:gd name="connsiteX8" fmla="*/ 1224101 w 1876074"/>
+              <a:gd name="connsiteY8" fmla="*/ 577805 h 1161400"/>
+              <a:gd name="connsiteX9" fmla="*/ 366605 w 1876074"/>
+              <a:gd name="connsiteY9" fmla="*/ 1161369 h 1161400"/>
+              <a:gd name="connsiteX10" fmla="*/ 280388 w 1876074"/>
+              <a:gd name="connsiteY10" fmla="*/ 1111375 h 1161400"/>
+              <a:gd name="connsiteX11" fmla="*/ 0 w 1876074"/>
+              <a:gd name="connsiteY11" fmla="*/ 828460 h 1161400"/>
+              <a:gd name="connsiteX0" fmla="*/ 0 w 1876074"/>
+              <a:gd name="connsiteY0" fmla="*/ 828460 h 1161400"/>
+              <a:gd name="connsiteX1" fmla="*/ 264208 w 1876074"/>
+              <a:gd name="connsiteY1" fmla="*/ 459161 h 1161400"/>
+              <a:gd name="connsiteX2" fmla="*/ 1089308 w 1876074"/>
+              <a:gd name="connsiteY2" fmla="*/ 13082 h 1161400"/>
+              <a:gd name="connsiteX3" fmla="*/ 1386493 w 1876074"/>
+              <a:gd name="connsiteY3" fmla="*/ 36910 h 1161400"/>
+              <a:gd name="connsiteX4" fmla="*/ 1876074 w 1876074"/>
+              <a:gd name="connsiteY4" fmla="*/ 378465 h 1161400"/>
+              <a:gd name="connsiteX5" fmla="*/ 1515694 w 1876074"/>
+              <a:gd name="connsiteY5" fmla="*/ 745034 h 1161400"/>
+              <a:gd name="connsiteX6" fmla="*/ 1471902 w 1876074"/>
+              <a:gd name="connsiteY6" fmla="*/ 740739 h 1161400"/>
+              <a:gd name="connsiteX7" fmla="*/ 1458864 w 1876074"/>
+              <a:gd name="connsiteY7" fmla="*/ 709845 h 1161400"/>
+              <a:gd name="connsiteX8" fmla="*/ 1403466 w 1876074"/>
+              <a:gd name="connsiteY8" fmla="*/ 680330 h 1161400"/>
+              <a:gd name="connsiteX9" fmla="*/ 1224101 w 1876074"/>
+              <a:gd name="connsiteY9" fmla="*/ 577805 h 1161400"/>
+              <a:gd name="connsiteX10" fmla="*/ 366605 w 1876074"/>
+              <a:gd name="connsiteY10" fmla="*/ 1161369 h 1161400"/>
+              <a:gd name="connsiteX11" fmla="*/ 280388 w 1876074"/>
+              <a:gd name="connsiteY11" fmla="*/ 1111375 h 1161400"/>
+              <a:gd name="connsiteX12" fmla="*/ 0 w 1876074"/>
+              <a:gd name="connsiteY12" fmla="*/ 828460 h 1161400"/>
+              <a:gd name="connsiteX0" fmla="*/ 0 w 1889398"/>
+              <a:gd name="connsiteY0" fmla="*/ 828460 h 1161400"/>
+              <a:gd name="connsiteX1" fmla="*/ 264208 w 1889398"/>
+              <a:gd name="connsiteY1" fmla="*/ 459161 h 1161400"/>
+              <a:gd name="connsiteX2" fmla="*/ 1089308 w 1889398"/>
+              <a:gd name="connsiteY2" fmla="*/ 13082 h 1161400"/>
+              <a:gd name="connsiteX3" fmla="*/ 1386493 w 1889398"/>
+              <a:gd name="connsiteY3" fmla="*/ 36910 h 1161400"/>
+              <a:gd name="connsiteX4" fmla="*/ 1889398 w 1889398"/>
+              <a:gd name="connsiteY4" fmla="*/ 385486 h 1161400"/>
+              <a:gd name="connsiteX5" fmla="*/ 1515694 w 1889398"/>
+              <a:gd name="connsiteY5" fmla="*/ 745034 h 1161400"/>
+              <a:gd name="connsiteX6" fmla="*/ 1471902 w 1889398"/>
+              <a:gd name="connsiteY6" fmla="*/ 740739 h 1161400"/>
+              <a:gd name="connsiteX7" fmla="*/ 1458864 w 1889398"/>
+              <a:gd name="connsiteY7" fmla="*/ 709845 h 1161400"/>
+              <a:gd name="connsiteX8" fmla="*/ 1403466 w 1889398"/>
+              <a:gd name="connsiteY8" fmla="*/ 680330 h 1161400"/>
+              <a:gd name="connsiteX9" fmla="*/ 1224101 w 1889398"/>
+              <a:gd name="connsiteY9" fmla="*/ 577805 h 1161400"/>
+              <a:gd name="connsiteX10" fmla="*/ 366605 w 1889398"/>
+              <a:gd name="connsiteY10" fmla="*/ 1161369 h 1161400"/>
+              <a:gd name="connsiteX11" fmla="*/ 280388 w 1889398"/>
+              <a:gd name="connsiteY11" fmla="*/ 1111375 h 1161400"/>
+              <a:gd name="connsiteX12" fmla="*/ 0 w 1889398"/>
+              <a:gd name="connsiteY12" fmla="*/ 828460 h 1161400"/>
+              <a:gd name="connsiteX0" fmla="*/ 0 w 1889398"/>
+              <a:gd name="connsiteY0" fmla="*/ 819390 h 1152330"/>
+              <a:gd name="connsiteX1" fmla="*/ 264208 w 1889398"/>
+              <a:gd name="connsiteY1" fmla="*/ 450091 h 1152330"/>
+              <a:gd name="connsiteX2" fmla="*/ 1089308 w 1889398"/>
+              <a:gd name="connsiteY2" fmla="*/ 4012 h 1152330"/>
+              <a:gd name="connsiteX3" fmla="*/ 1380543 w 1889398"/>
+              <a:gd name="connsiteY3" fmla="*/ 69817 h 1152330"/>
+              <a:gd name="connsiteX4" fmla="*/ 1889398 w 1889398"/>
+              <a:gd name="connsiteY4" fmla="*/ 376416 h 1152330"/>
+              <a:gd name="connsiteX5" fmla="*/ 1515694 w 1889398"/>
+              <a:gd name="connsiteY5" fmla="*/ 735964 h 1152330"/>
+              <a:gd name="connsiteX6" fmla="*/ 1471902 w 1889398"/>
+              <a:gd name="connsiteY6" fmla="*/ 731669 h 1152330"/>
+              <a:gd name="connsiteX7" fmla="*/ 1458864 w 1889398"/>
+              <a:gd name="connsiteY7" fmla="*/ 700775 h 1152330"/>
+              <a:gd name="connsiteX8" fmla="*/ 1403466 w 1889398"/>
+              <a:gd name="connsiteY8" fmla="*/ 671260 h 1152330"/>
+              <a:gd name="connsiteX9" fmla="*/ 1224101 w 1889398"/>
+              <a:gd name="connsiteY9" fmla="*/ 568735 h 1152330"/>
+              <a:gd name="connsiteX10" fmla="*/ 366605 w 1889398"/>
+              <a:gd name="connsiteY10" fmla="*/ 1152299 h 1152330"/>
+              <a:gd name="connsiteX11" fmla="*/ 280388 w 1889398"/>
+              <a:gd name="connsiteY11" fmla="*/ 1102305 h 1152330"/>
+              <a:gd name="connsiteX12" fmla="*/ 0 w 1889398"/>
+              <a:gd name="connsiteY12" fmla="*/ 819390 h 1152330"/>
+              <a:gd name="connsiteX0" fmla="*/ 0 w 1889398"/>
+              <a:gd name="connsiteY0" fmla="*/ 786566 h 1119506"/>
+              <a:gd name="connsiteX1" fmla="*/ 264208 w 1889398"/>
+              <a:gd name="connsiteY1" fmla="*/ 417267 h 1119506"/>
+              <a:gd name="connsiteX2" fmla="*/ 1076625 w 1889398"/>
+              <a:gd name="connsiteY2" fmla="*/ 13021 h 1119506"/>
+              <a:gd name="connsiteX3" fmla="*/ 1380543 w 1889398"/>
+              <a:gd name="connsiteY3" fmla="*/ 36993 h 1119506"/>
+              <a:gd name="connsiteX4" fmla="*/ 1889398 w 1889398"/>
+              <a:gd name="connsiteY4" fmla="*/ 343592 h 1119506"/>
+              <a:gd name="connsiteX5" fmla="*/ 1515694 w 1889398"/>
+              <a:gd name="connsiteY5" fmla="*/ 703140 h 1119506"/>
+              <a:gd name="connsiteX6" fmla="*/ 1471902 w 1889398"/>
+              <a:gd name="connsiteY6" fmla="*/ 698845 h 1119506"/>
+              <a:gd name="connsiteX7" fmla="*/ 1458864 w 1889398"/>
+              <a:gd name="connsiteY7" fmla="*/ 667951 h 1119506"/>
+              <a:gd name="connsiteX8" fmla="*/ 1403466 w 1889398"/>
+              <a:gd name="connsiteY8" fmla="*/ 638436 h 1119506"/>
+              <a:gd name="connsiteX9" fmla="*/ 1224101 w 1889398"/>
+              <a:gd name="connsiteY9" fmla="*/ 535911 h 1119506"/>
+              <a:gd name="connsiteX10" fmla="*/ 366605 w 1889398"/>
+              <a:gd name="connsiteY10" fmla="*/ 1119475 h 1119506"/>
+              <a:gd name="connsiteX11" fmla="*/ 280388 w 1889398"/>
+              <a:gd name="connsiteY11" fmla="*/ 1069481 h 1119506"/>
+              <a:gd name="connsiteX12" fmla="*/ 0 w 1889398"/>
+              <a:gd name="connsiteY12" fmla="*/ 786566 h 1119506"/>
+              <a:gd name="connsiteX0" fmla="*/ 0 w 1889398"/>
+              <a:gd name="connsiteY0" fmla="*/ 786566 h 1119506"/>
+              <a:gd name="connsiteX1" fmla="*/ 290493 w 1889398"/>
+              <a:gd name="connsiteY1" fmla="*/ 448144 h 1119506"/>
+              <a:gd name="connsiteX2" fmla="*/ 1076625 w 1889398"/>
+              <a:gd name="connsiteY2" fmla="*/ 13021 h 1119506"/>
+              <a:gd name="connsiteX3" fmla="*/ 1380543 w 1889398"/>
+              <a:gd name="connsiteY3" fmla="*/ 36993 h 1119506"/>
+              <a:gd name="connsiteX4" fmla="*/ 1889398 w 1889398"/>
+              <a:gd name="connsiteY4" fmla="*/ 343592 h 1119506"/>
+              <a:gd name="connsiteX5" fmla="*/ 1515694 w 1889398"/>
+              <a:gd name="connsiteY5" fmla="*/ 703140 h 1119506"/>
+              <a:gd name="connsiteX6" fmla="*/ 1471902 w 1889398"/>
+              <a:gd name="connsiteY6" fmla="*/ 698845 h 1119506"/>
+              <a:gd name="connsiteX7" fmla="*/ 1458864 w 1889398"/>
+              <a:gd name="connsiteY7" fmla="*/ 667951 h 1119506"/>
+              <a:gd name="connsiteX8" fmla="*/ 1403466 w 1889398"/>
+              <a:gd name="connsiteY8" fmla="*/ 638436 h 1119506"/>
+              <a:gd name="connsiteX9" fmla="*/ 1224101 w 1889398"/>
+              <a:gd name="connsiteY9" fmla="*/ 535911 h 1119506"/>
+              <a:gd name="connsiteX10" fmla="*/ 366605 w 1889398"/>
+              <a:gd name="connsiteY10" fmla="*/ 1119475 h 1119506"/>
+              <a:gd name="connsiteX11" fmla="*/ 280388 w 1889398"/>
+              <a:gd name="connsiteY11" fmla="*/ 1069481 h 1119506"/>
+              <a:gd name="connsiteX12" fmla="*/ 0 w 1889398"/>
+              <a:gd name="connsiteY12" fmla="*/ 786566 h 1119506"/>
+              <a:gd name="connsiteX0" fmla="*/ 0 w 1889398"/>
+              <a:gd name="connsiteY0" fmla="*/ 793152 h 1126092"/>
+              <a:gd name="connsiteX1" fmla="*/ 290493 w 1889398"/>
+              <a:gd name="connsiteY1" fmla="*/ 454730 h 1126092"/>
+              <a:gd name="connsiteX2" fmla="*/ 1066740 w 1889398"/>
+              <a:gd name="connsiteY2" fmla="*/ 9291 h 1126092"/>
+              <a:gd name="connsiteX3" fmla="*/ 1380543 w 1889398"/>
+              <a:gd name="connsiteY3" fmla="*/ 43579 h 1126092"/>
+              <a:gd name="connsiteX4" fmla="*/ 1889398 w 1889398"/>
+              <a:gd name="connsiteY4" fmla="*/ 350178 h 1126092"/>
+              <a:gd name="connsiteX5" fmla="*/ 1515694 w 1889398"/>
+              <a:gd name="connsiteY5" fmla="*/ 709726 h 1126092"/>
+              <a:gd name="connsiteX6" fmla="*/ 1471902 w 1889398"/>
+              <a:gd name="connsiteY6" fmla="*/ 705431 h 1126092"/>
+              <a:gd name="connsiteX7" fmla="*/ 1458864 w 1889398"/>
+              <a:gd name="connsiteY7" fmla="*/ 674537 h 1126092"/>
+              <a:gd name="connsiteX8" fmla="*/ 1403466 w 1889398"/>
+              <a:gd name="connsiteY8" fmla="*/ 645022 h 1126092"/>
+              <a:gd name="connsiteX9" fmla="*/ 1224101 w 1889398"/>
+              <a:gd name="connsiteY9" fmla="*/ 542497 h 1126092"/>
+              <a:gd name="connsiteX10" fmla="*/ 366605 w 1889398"/>
+              <a:gd name="connsiteY10" fmla="*/ 1126061 h 1126092"/>
+              <a:gd name="connsiteX11" fmla="*/ 280388 w 1889398"/>
+              <a:gd name="connsiteY11" fmla="*/ 1076067 h 1126092"/>
+              <a:gd name="connsiteX12" fmla="*/ 0 w 1889398"/>
+              <a:gd name="connsiteY12" fmla="*/ 793152 h 1126092"/>
+              <a:gd name="connsiteX0" fmla="*/ 0 w 1889398"/>
+              <a:gd name="connsiteY0" fmla="*/ 793152 h 1126092"/>
+              <a:gd name="connsiteX1" fmla="*/ 290493 w 1889398"/>
+              <a:gd name="connsiteY1" fmla="*/ 454730 h 1126092"/>
+              <a:gd name="connsiteX2" fmla="*/ 1066740 w 1889398"/>
+              <a:gd name="connsiteY2" fmla="*/ 9291 h 1126092"/>
+              <a:gd name="connsiteX3" fmla="*/ 1380543 w 1889398"/>
+              <a:gd name="connsiteY3" fmla="*/ 43579 h 1126092"/>
+              <a:gd name="connsiteX4" fmla="*/ 1889398 w 1889398"/>
+              <a:gd name="connsiteY4" fmla="*/ 350178 h 1126092"/>
+              <a:gd name="connsiteX5" fmla="*/ 1515694 w 1889398"/>
+              <a:gd name="connsiteY5" fmla="*/ 709726 h 1126092"/>
+              <a:gd name="connsiteX6" fmla="*/ 1471902 w 1889398"/>
+              <a:gd name="connsiteY6" fmla="*/ 705431 h 1126092"/>
+              <a:gd name="connsiteX7" fmla="*/ 1458864 w 1889398"/>
+              <a:gd name="connsiteY7" fmla="*/ 674537 h 1126092"/>
+              <a:gd name="connsiteX8" fmla="*/ 1403466 w 1889398"/>
+              <a:gd name="connsiteY8" fmla="*/ 645022 h 1126092"/>
+              <a:gd name="connsiteX9" fmla="*/ 1224101 w 1889398"/>
+              <a:gd name="connsiteY9" fmla="*/ 542497 h 1126092"/>
+              <a:gd name="connsiteX10" fmla="*/ 366605 w 1889398"/>
+              <a:gd name="connsiteY10" fmla="*/ 1126061 h 1126092"/>
+              <a:gd name="connsiteX11" fmla="*/ 280388 w 1889398"/>
+              <a:gd name="connsiteY11" fmla="*/ 1076067 h 1126092"/>
+              <a:gd name="connsiteX12" fmla="*/ 0 w 1889398"/>
+              <a:gd name="connsiteY12" fmla="*/ 793152 h 1126092"/>
+              <a:gd name="connsiteX0" fmla="*/ 0 w 1889398"/>
+              <a:gd name="connsiteY0" fmla="*/ 793152 h 1126092"/>
+              <a:gd name="connsiteX1" fmla="*/ 290493 w 1889398"/>
+              <a:gd name="connsiteY1" fmla="*/ 454730 h 1126092"/>
+              <a:gd name="connsiteX2" fmla="*/ 1066740 w 1889398"/>
+              <a:gd name="connsiteY2" fmla="*/ 9291 h 1126092"/>
+              <a:gd name="connsiteX3" fmla="*/ 1380543 w 1889398"/>
+              <a:gd name="connsiteY3" fmla="*/ 43579 h 1126092"/>
+              <a:gd name="connsiteX4" fmla="*/ 1889398 w 1889398"/>
+              <a:gd name="connsiteY4" fmla="*/ 350178 h 1126092"/>
+              <a:gd name="connsiteX5" fmla="*/ 1515694 w 1889398"/>
+              <a:gd name="connsiteY5" fmla="*/ 709726 h 1126092"/>
+              <a:gd name="connsiteX6" fmla="*/ 1471902 w 1889398"/>
+              <a:gd name="connsiteY6" fmla="*/ 705431 h 1126092"/>
+              <a:gd name="connsiteX7" fmla="*/ 1458864 w 1889398"/>
+              <a:gd name="connsiteY7" fmla="*/ 674537 h 1126092"/>
+              <a:gd name="connsiteX8" fmla="*/ 1403466 w 1889398"/>
+              <a:gd name="connsiteY8" fmla="*/ 645022 h 1126092"/>
+              <a:gd name="connsiteX9" fmla="*/ 1224101 w 1889398"/>
+              <a:gd name="connsiteY9" fmla="*/ 542497 h 1126092"/>
+              <a:gd name="connsiteX10" fmla="*/ 366605 w 1889398"/>
+              <a:gd name="connsiteY10" fmla="*/ 1126061 h 1126092"/>
+              <a:gd name="connsiteX11" fmla="*/ 280388 w 1889398"/>
+              <a:gd name="connsiteY11" fmla="*/ 1076067 h 1126092"/>
+              <a:gd name="connsiteX12" fmla="*/ 0 w 1889398"/>
+              <a:gd name="connsiteY12" fmla="*/ 793152 h 1126092"/>
+              <a:gd name="connsiteX0" fmla="*/ 0 w 1889398"/>
+              <a:gd name="connsiteY0" fmla="*/ 793152 h 1126092"/>
+              <a:gd name="connsiteX1" fmla="*/ 290493 w 1889398"/>
+              <a:gd name="connsiteY1" fmla="*/ 454730 h 1126092"/>
+              <a:gd name="connsiteX2" fmla="*/ 1066740 w 1889398"/>
+              <a:gd name="connsiteY2" fmla="*/ 9291 h 1126092"/>
+              <a:gd name="connsiteX3" fmla="*/ 1380543 w 1889398"/>
+              <a:gd name="connsiteY3" fmla="*/ 43579 h 1126092"/>
+              <a:gd name="connsiteX4" fmla="*/ 1889398 w 1889398"/>
+              <a:gd name="connsiteY4" fmla="*/ 350178 h 1126092"/>
+              <a:gd name="connsiteX5" fmla="*/ 1515694 w 1889398"/>
+              <a:gd name="connsiteY5" fmla="*/ 709726 h 1126092"/>
+              <a:gd name="connsiteX6" fmla="*/ 1471902 w 1889398"/>
+              <a:gd name="connsiteY6" fmla="*/ 705431 h 1126092"/>
+              <a:gd name="connsiteX7" fmla="*/ 1458864 w 1889398"/>
+              <a:gd name="connsiteY7" fmla="*/ 674537 h 1126092"/>
+              <a:gd name="connsiteX8" fmla="*/ 1403466 w 1889398"/>
+              <a:gd name="connsiteY8" fmla="*/ 645022 h 1126092"/>
+              <a:gd name="connsiteX9" fmla="*/ 1224101 w 1889398"/>
+              <a:gd name="connsiteY9" fmla="*/ 542497 h 1126092"/>
+              <a:gd name="connsiteX10" fmla="*/ 366605 w 1889398"/>
+              <a:gd name="connsiteY10" fmla="*/ 1126061 h 1126092"/>
+              <a:gd name="connsiteX11" fmla="*/ 280388 w 1889398"/>
+              <a:gd name="connsiteY11" fmla="*/ 1076067 h 1126092"/>
+              <a:gd name="connsiteX12" fmla="*/ 0 w 1889398"/>
+              <a:gd name="connsiteY12" fmla="*/ 793152 h 1126092"/>
+              <a:gd name="connsiteX0" fmla="*/ 0 w 1889398"/>
+              <a:gd name="connsiteY0" fmla="*/ 793152 h 1126092"/>
+              <a:gd name="connsiteX1" fmla="*/ 290493 w 1889398"/>
+              <a:gd name="connsiteY1" fmla="*/ 454730 h 1126092"/>
+              <a:gd name="connsiteX2" fmla="*/ 1066740 w 1889398"/>
+              <a:gd name="connsiteY2" fmla="*/ 9291 h 1126092"/>
+              <a:gd name="connsiteX3" fmla="*/ 1380543 w 1889398"/>
+              <a:gd name="connsiteY3" fmla="*/ 43579 h 1126092"/>
+              <a:gd name="connsiteX4" fmla="*/ 1889398 w 1889398"/>
+              <a:gd name="connsiteY4" fmla="*/ 350178 h 1126092"/>
+              <a:gd name="connsiteX5" fmla="*/ 1515694 w 1889398"/>
+              <a:gd name="connsiteY5" fmla="*/ 709726 h 1126092"/>
+              <a:gd name="connsiteX6" fmla="*/ 1471902 w 1889398"/>
+              <a:gd name="connsiteY6" fmla="*/ 705431 h 1126092"/>
+              <a:gd name="connsiteX7" fmla="*/ 1458864 w 1889398"/>
+              <a:gd name="connsiteY7" fmla="*/ 674537 h 1126092"/>
+              <a:gd name="connsiteX8" fmla="*/ 1403466 w 1889398"/>
+              <a:gd name="connsiteY8" fmla="*/ 645022 h 1126092"/>
+              <a:gd name="connsiteX9" fmla="*/ 1224101 w 1889398"/>
+              <a:gd name="connsiteY9" fmla="*/ 542497 h 1126092"/>
+              <a:gd name="connsiteX10" fmla="*/ 366605 w 1889398"/>
+              <a:gd name="connsiteY10" fmla="*/ 1126061 h 1126092"/>
+              <a:gd name="connsiteX11" fmla="*/ 280388 w 1889398"/>
+              <a:gd name="connsiteY11" fmla="*/ 1076067 h 1126092"/>
+              <a:gd name="connsiteX12" fmla="*/ 0 w 1889398"/>
+              <a:gd name="connsiteY12" fmla="*/ 793152 h 1126092"/>
+            </a:gdLst>
+            <a:ahLst/>
+            <a:cxnLst>
+              <a:cxn ang="0">
+                <a:pos x="connsiteX0" y="connsiteY0"/>
+              </a:cxn>
+              <a:cxn ang="0">
+                <a:pos x="connsiteX1" y="connsiteY1"/>
+              </a:cxn>
+              <a:cxn ang="0">
+                <a:pos x="connsiteX2" y="connsiteY2"/>
+              </a:cxn>
+              <a:cxn ang="0">
+                <a:pos x="connsiteX3" y="connsiteY3"/>
+              </a:cxn>
+              <a:cxn ang="0">
+                <a:pos x="connsiteX4" y="connsiteY4"/>
+              </a:cxn>
+              <a:cxn ang="0">
+                <a:pos x="connsiteX5" y="connsiteY5"/>
+              </a:cxn>
+              <a:cxn ang="0">
+                <a:pos x="connsiteX6" y="connsiteY6"/>
+              </a:cxn>
+              <a:cxn ang="0">
+                <a:pos x="connsiteX7" y="connsiteY7"/>
+              </a:cxn>
+              <a:cxn ang="0">
+                <a:pos x="connsiteX8" y="connsiteY8"/>
+              </a:cxn>
+              <a:cxn ang="0">
+                <a:pos x="connsiteX9" y="connsiteY9"/>
+              </a:cxn>
+              <a:cxn ang="0">
+                <a:pos x="connsiteX10" y="connsiteY10"/>
+              </a:cxn>
+              <a:cxn ang="0">
+                <a:pos x="connsiteX11" y="connsiteY11"/>
+              </a:cxn>
+              <a:cxn ang="0">
+                <a:pos x="connsiteX12" y="connsiteY12"/>
+              </a:cxn>
+            </a:cxnLst>
+            <a:rect l="l" t="t" r="r" b="b"/>
+            <a:pathLst>
+              <a:path w="1889398" h="1126092">
+                <a:moveTo>
+                  <a:pt x="0" y="793152"/>
+                </a:moveTo>
+                <a:cubicBezTo>
+                  <a:pt x="0" y="740125"/>
+                  <a:pt x="205294" y="541619"/>
+                  <a:pt x="290493" y="454730"/>
+                </a:cubicBezTo>
+                <a:cubicBezTo>
+                  <a:pt x="467525" y="325361"/>
+                  <a:pt x="791907" y="26367"/>
+                  <a:pt x="1066740" y="9291"/>
+                </a:cubicBezTo>
+                <a:cubicBezTo>
+                  <a:pt x="1260698" y="-6144"/>
+                  <a:pt x="1310275" y="-7036"/>
+                  <a:pt x="1380543" y="43579"/>
+                </a:cubicBezTo>
+                <a:cubicBezTo>
+                  <a:pt x="1433570" y="43579"/>
+                  <a:pt x="1889398" y="297151"/>
+                  <a:pt x="1889398" y="350178"/>
+                </a:cubicBezTo>
+                <a:lnTo>
+                  <a:pt x="1515694" y="709726"/>
+                </a:lnTo>
+                <a:cubicBezTo>
+                  <a:pt x="1450386" y="765938"/>
+                  <a:pt x="1481374" y="711296"/>
+                  <a:pt x="1471902" y="705431"/>
+                </a:cubicBezTo>
+                <a:cubicBezTo>
+                  <a:pt x="1462430" y="699566"/>
+                  <a:pt x="1472324" y="680439"/>
+                  <a:pt x="1458864" y="674537"/>
+                </a:cubicBezTo>
+                <a:cubicBezTo>
+                  <a:pt x="1414871" y="675451"/>
+                  <a:pt x="1441352" y="659423"/>
+                  <a:pt x="1403466" y="645022"/>
+                </a:cubicBezTo>
+                <a:cubicBezTo>
+                  <a:pt x="1365580" y="630621"/>
+                  <a:pt x="1411033" y="613248"/>
+                  <a:pt x="1224101" y="542497"/>
+                </a:cubicBezTo>
+                <a:cubicBezTo>
+                  <a:pt x="940235" y="372772"/>
+                  <a:pt x="537532" y="1123879"/>
+                  <a:pt x="366605" y="1126061"/>
+                </a:cubicBezTo>
+                <a:cubicBezTo>
+                  <a:pt x="313578" y="1126061"/>
+                  <a:pt x="280388" y="1129094"/>
+                  <a:pt x="280388" y="1076067"/>
+                </a:cubicBezTo>
+                <a:lnTo>
+                  <a:pt x="0" y="793152"/>
+                </a:lnTo>
+                <a:close/>
+              </a:path>
+            </a:pathLst>
+          </a:custGeom>
+          <a:solidFill>
+            <a:schemeClr val="accent3">
+              <a:lumMod val="50000"/>
+              <a:alpha val="30000"/>
+            </a:schemeClr>
+          </a:solidFill>
+          <a:ln>
+            <a:solidFill>
+              <a:schemeClr val="accent3">
+                <a:lumMod val="75000"/>
+              </a:schemeClr>
+            </a:solidFill>
+          </a:ln>
+        </p:spPr>
+        <p:style>
+          <a:lnRef idx="2">
+            <a:schemeClr val="accent1">
+              <a:shade val="50000"/>
+            </a:schemeClr>
+          </a:lnRef>
+          <a:fillRef idx="1">
+            <a:schemeClr val="accent1"/>
+          </a:fillRef>
+          <a:effectRef idx="0">
+            <a:schemeClr val="accent1"/>
+          </a:effectRef>
+          <a:fontRef idx="minor">
+            <a:schemeClr val="lt1"/>
+          </a:fontRef>
+        </p:style>
+        <p:txBody>
+          <a:bodyPr rtlCol="0" anchor="ctr"/>
+          <a:lstStyle/>
+          <a:p>
+            <a:pPr algn="ctr"/>
+            <a:endParaRPr kumimoji="1" lang="ja-JP" altLang="en-US"/>
+          </a:p>
+        </p:txBody>
+      </p:sp>
+      <p:sp>
+        <p:nvSpPr>
+          <p:cNvPr id="8" name="角丸四角形 7"/>
+          <p:cNvSpPr/>
+          <p:nvPr/>
+        </p:nvSpPr>
+        <p:spPr>
+          <a:xfrm>
+            <a:off x="568152" y="2280320"/>
+            <a:ext cx="792088" cy="360040"/>
+          </a:xfrm>
+          <a:prstGeom prst="roundRect">
+            <a:avLst/>
+          </a:prstGeom>
+        </p:spPr>
+        <p:style>
+          <a:lnRef idx="2">
+            <a:schemeClr val="accent1">
+              <a:shade val="50000"/>
+            </a:schemeClr>
+          </a:lnRef>
+          <a:fillRef idx="1">
+            <a:schemeClr val="accent1"/>
+          </a:fillRef>
+          <a:effectRef idx="0">
+            <a:schemeClr val="accent1"/>
+          </a:effectRef>
+          <a:fontRef idx="minor">
+            <a:schemeClr val="lt1"/>
+          </a:fontRef>
+        </p:style>
+        <p:txBody>
+          <a:bodyPr rtlCol="0" anchor="ctr"/>
+          <a:lstStyle/>
+          <a:p>
+            <a:pPr algn="ctr"/>
+            <a:endParaRPr kumimoji="1" lang="ja-JP" altLang="en-US"/>
+          </a:p>
+        </p:txBody>
+      </p:sp>
+      <p:grpSp>
+        <p:nvGrpSpPr>
+          <p:cNvPr id="100" name="グループ化 99"/>
+          <p:cNvGrpSpPr/>
+          <p:nvPr/>
+        </p:nvGrpSpPr>
+        <p:grpSpPr>
+          <a:xfrm>
+            <a:off x="3024705" y="4966114"/>
+            <a:ext cx="4412379" cy="3034158"/>
+            <a:chOff x="4856320" y="5016624"/>
+            <a:chExt cx="4412379" cy="3034158"/>
+          </a:xfrm>
+        </p:grpSpPr>
+        <p:pic>
+          <p:nvPicPr>
+            <p:cNvPr id="9" name="Picture 2"/>
+            <p:cNvPicPr>
+              <a:picLocks noChangeAspect="1" noChangeArrowheads="1"/>
+            </p:cNvPicPr>
+            <p:nvPr/>
+          </p:nvPicPr>
+          <p:blipFill rotWithShape="1">
+            <a:blip r:embed="rId2" cstate="print">
+              <a:extLst>
+                <a:ext uri="{28A0092B-C50C-407E-A947-70E740481C1C}">
+                  <a14:useLocalDpi xmlns:a14="http://schemas.microsoft.com/office/drawing/2010/main" val="0"/>
+                </a:ext>
+              </a:extLst>
+            </a:blip>
+            <a:srcRect l="218" r="1089"/>
+            <a:stretch/>
+          </p:blipFill>
+          <p:spPr bwMode="auto">
+            <a:xfrm>
+              <a:off x="4856320" y="5016624"/>
+              <a:ext cx="4412379" cy="3034158"/>
+            </a:xfrm>
+            <a:prstGeom prst="rect">
+              <a:avLst/>
+            </a:prstGeom>
+            <a:noFill/>
+            <a:ln w="9525">
+              <a:noFill/>
+              <a:miter lim="800000"/>
+              <a:headEnd/>
+              <a:tailEnd/>
+            </a:ln>
+            <a:effectLst/>
+            <a:extLst>
+              <a:ext uri="{909E8E84-426E-40DD-AFC4-6F175D3DCCD1}">
+                <a14:hiddenFill xmlns:a14="http://schemas.microsoft.com/office/drawing/2010/main">
+                  <a:solidFill>
+                    <a:schemeClr val="accent1"/>
+                  </a:solidFill>
+                </a14:hiddenFill>
+              </a:ext>
+              <a:ext uri="{AF507438-7753-43E0-B8FC-AC1667EBCBE1}">
+                <a14:hiddenEffects xmlns:a14="http://schemas.microsoft.com/office/drawing/2010/main">
+                  <a:effectLst>
+                    <a:outerShdw dist="35921" dir="2700000" algn="ctr" rotWithShape="0">
+                      <a:schemeClr val="bg2"/>
+                    </a:outerShdw>
+                  </a:effectLst>
+                </a14:hiddenEffects>
+              </a:ext>
+            </a:extLst>
+          </p:spPr>
+        </p:pic>
+        <p:sp>
+          <p:nvSpPr>
+            <p:cNvPr id="25" name="フリーフォーム 24"/>
+            <p:cNvSpPr/>
+            <p:nvPr/>
+          </p:nvSpPr>
+          <p:spPr>
+            <a:xfrm>
+              <a:off x="5127625" y="5321300"/>
+              <a:ext cx="4038600" cy="2384425"/>
+            </a:xfrm>
+            <a:custGeom>
+              <a:avLst/>
+              <a:gdLst>
+                <a:gd name="connsiteX0" fmla="*/ 4038600 w 4038600"/>
+                <a:gd name="connsiteY0" fmla="*/ 9525 h 2384425"/>
+                <a:gd name="connsiteX1" fmla="*/ 539750 w 4038600"/>
+                <a:gd name="connsiteY1" fmla="*/ 0 h 2384425"/>
+                <a:gd name="connsiteX2" fmla="*/ 263525 w 4038600"/>
+                <a:gd name="connsiteY2" fmla="*/ 38100 h 2384425"/>
+                <a:gd name="connsiteX3" fmla="*/ 95250 w 4038600"/>
+                <a:gd name="connsiteY3" fmla="*/ 161925 h 2384425"/>
+                <a:gd name="connsiteX4" fmla="*/ 12700 w 4038600"/>
+                <a:gd name="connsiteY4" fmla="*/ 346075 h 2384425"/>
+                <a:gd name="connsiteX5" fmla="*/ 3175 w 4038600"/>
+                <a:gd name="connsiteY5" fmla="*/ 539750 h 2384425"/>
+                <a:gd name="connsiteX6" fmla="*/ 0 w 4038600"/>
+                <a:gd name="connsiteY6" fmla="*/ 2000250 h 2384425"/>
+                <a:gd name="connsiteX7" fmla="*/ 82550 w 4038600"/>
+                <a:gd name="connsiteY7" fmla="*/ 2178050 h 2384425"/>
+                <a:gd name="connsiteX8" fmla="*/ 250825 w 4038600"/>
+                <a:gd name="connsiteY8" fmla="*/ 2324100 h 2384425"/>
+                <a:gd name="connsiteX9" fmla="*/ 396875 w 4038600"/>
+                <a:gd name="connsiteY9" fmla="*/ 2371725 h 2384425"/>
+                <a:gd name="connsiteX10" fmla="*/ 612775 w 4038600"/>
+                <a:gd name="connsiteY10" fmla="*/ 2381250 h 2384425"/>
+                <a:gd name="connsiteX11" fmla="*/ 803275 w 4038600"/>
+                <a:gd name="connsiteY11" fmla="*/ 2241550 h 2384425"/>
+                <a:gd name="connsiteX12" fmla="*/ 869950 w 4038600"/>
+                <a:gd name="connsiteY12" fmla="*/ 2041525 h 2384425"/>
+                <a:gd name="connsiteX13" fmla="*/ 857250 w 4038600"/>
+                <a:gd name="connsiteY13" fmla="*/ 1898650 h 2384425"/>
+                <a:gd name="connsiteX14" fmla="*/ 752475 w 4038600"/>
+                <a:gd name="connsiteY14" fmla="*/ 1673225 h 2384425"/>
+                <a:gd name="connsiteX15" fmla="*/ 466725 w 4038600"/>
+                <a:gd name="connsiteY15" fmla="*/ 1200150 h 2384425"/>
+                <a:gd name="connsiteX16" fmla="*/ 419100 w 4038600"/>
+                <a:gd name="connsiteY16" fmla="*/ 981075 h 2384425"/>
+                <a:gd name="connsiteX17" fmla="*/ 438150 w 4038600"/>
+                <a:gd name="connsiteY17" fmla="*/ 781050 h 2384425"/>
+                <a:gd name="connsiteX18" fmla="*/ 558800 w 4038600"/>
+                <a:gd name="connsiteY18" fmla="*/ 676275 h 2384425"/>
+                <a:gd name="connsiteX19" fmla="*/ 711200 w 4038600"/>
+                <a:gd name="connsiteY19" fmla="*/ 612775 h 2384425"/>
+                <a:gd name="connsiteX20" fmla="*/ 885825 w 4038600"/>
+                <a:gd name="connsiteY20" fmla="*/ 622300 h 2384425"/>
+                <a:gd name="connsiteX21" fmla="*/ 1012825 w 4038600"/>
+                <a:gd name="connsiteY21" fmla="*/ 695325 h 2384425"/>
+                <a:gd name="connsiteX22" fmla="*/ 1085850 w 4038600"/>
+                <a:gd name="connsiteY22" fmla="*/ 873125 h 2384425"/>
+                <a:gd name="connsiteX23" fmla="*/ 1101725 w 4038600"/>
+                <a:gd name="connsiteY23" fmla="*/ 911225 h 2384425"/>
+                <a:gd name="connsiteX24" fmla="*/ 1149350 w 4038600"/>
+                <a:gd name="connsiteY24" fmla="*/ 1054100 h 2384425"/>
+                <a:gd name="connsiteX25" fmla="*/ 1196975 w 4038600"/>
+                <a:gd name="connsiteY25" fmla="*/ 1292225 h 2384425"/>
+                <a:gd name="connsiteX26" fmla="*/ 1247775 w 4038600"/>
+                <a:gd name="connsiteY26" fmla="*/ 1663700 h 2384425"/>
+                <a:gd name="connsiteX27" fmla="*/ 1295400 w 4038600"/>
+                <a:gd name="connsiteY27" fmla="*/ 1968500 h 2384425"/>
+                <a:gd name="connsiteX28" fmla="*/ 1409700 w 4038600"/>
+                <a:gd name="connsiteY28" fmla="*/ 2193925 h 2384425"/>
+                <a:gd name="connsiteX29" fmla="*/ 1514475 w 4038600"/>
+                <a:gd name="connsiteY29" fmla="*/ 2295525 h 2384425"/>
+                <a:gd name="connsiteX30" fmla="*/ 1660525 w 4038600"/>
+                <a:gd name="connsiteY30" fmla="*/ 2371725 h 2384425"/>
+                <a:gd name="connsiteX31" fmla="*/ 1851025 w 4038600"/>
+                <a:gd name="connsiteY31" fmla="*/ 2384425 h 2384425"/>
+                <a:gd name="connsiteX32" fmla="*/ 2070100 w 4038600"/>
+                <a:gd name="connsiteY32" fmla="*/ 2384425 h 2384425"/>
+              </a:gdLst>
+              <a:ahLst/>
+              <a:cxnLst>
+                <a:cxn ang="0">
+                  <a:pos x="connsiteX0" y="connsiteY0"/>
+                </a:cxn>
+                <a:cxn ang="0">
+                  <a:pos x="connsiteX1" y="connsiteY1"/>
+                </a:cxn>
+                <a:cxn ang="0">
+                  <a:pos x="connsiteX2" y="connsiteY2"/>
+                </a:cxn>
+                <a:cxn ang="0">
+                  <a:pos x="connsiteX3" y="connsiteY3"/>
+                </a:cxn>
+                <a:cxn ang="0">
+                  <a:pos x="connsiteX4" y="connsiteY4"/>
+                </a:cxn>
+                <a:cxn ang="0">
+                  <a:pos x="connsiteX5" y="connsiteY5"/>
+                </a:cxn>
+                <a:cxn ang="0">
+                  <a:pos x="connsiteX6" y="connsiteY6"/>
+                </a:cxn>
+                <a:cxn ang="0">
+                  <a:pos x="connsiteX7" y="connsiteY7"/>
+                </a:cxn>
+                <a:cxn ang="0">
+                  <a:pos x="connsiteX8" y="connsiteY8"/>
+                </a:cxn>
+                <a:cxn ang="0">
+                  <a:pos x="connsiteX9" y="connsiteY9"/>
+                </a:cxn>
+                <a:cxn ang="0">
+                  <a:pos x="connsiteX10" y="connsiteY10"/>
+                </a:cxn>
+                <a:cxn ang="0">
+                  <a:pos x="connsiteX11" y="connsiteY11"/>
+                </a:cxn>
+                <a:cxn ang="0">
+                  <a:pos x="connsiteX12" y="connsiteY12"/>
+                </a:cxn>
+                <a:cxn ang="0">
+                  <a:pos x="connsiteX13" y="connsiteY13"/>
+                </a:cxn>
+                <a:cxn ang="0">
+                  <a:pos x="connsiteX14" y="connsiteY14"/>
+                </a:cxn>
+                <a:cxn ang="0">
+                  <a:pos x="connsiteX15" y="connsiteY15"/>
+                </a:cxn>
+                <a:cxn ang="0">
+                  <a:pos x="connsiteX16" y="connsiteY16"/>
+                </a:cxn>
+                <a:cxn ang="0">
+                  <a:pos x="connsiteX17" y="connsiteY17"/>
+                </a:cxn>
+                <a:cxn ang="0">
+                  <a:pos x="connsiteX18" y="connsiteY18"/>
+                </a:cxn>
+                <a:cxn ang="0">
+                  <a:pos x="connsiteX19" y="connsiteY19"/>
+                </a:cxn>
+                <a:cxn ang="0">
+                  <a:pos x="connsiteX20" y="connsiteY20"/>
+                </a:cxn>
+                <a:cxn ang="0">
+                  <a:pos x="connsiteX21" y="connsiteY21"/>
+                </a:cxn>
+                <a:cxn ang="0">
+                  <a:pos x="connsiteX22" y="connsiteY22"/>
+                </a:cxn>
+                <a:cxn ang="0">
+                  <a:pos x="connsiteX23" y="connsiteY23"/>
+                </a:cxn>
+                <a:cxn ang="0">
+                  <a:pos x="connsiteX24" y="connsiteY24"/>
+                </a:cxn>
+                <a:cxn ang="0">
+                  <a:pos x="connsiteX25" y="connsiteY25"/>
+                </a:cxn>
+                <a:cxn ang="0">
+                  <a:pos x="connsiteX26" y="connsiteY26"/>
+                </a:cxn>
+                <a:cxn ang="0">
+                  <a:pos x="connsiteX27" y="connsiteY27"/>
+                </a:cxn>
+                <a:cxn ang="0">
+                  <a:pos x="connsiteX28" y="connsiteY28"/>
+                </a:cxn>
+                <a:cxn ang="0">
+                  <a:pos x="connsiteX29" y="connsiteY29"/>
+                </a:cxn>
+                <a:cxn ang="0">
+                  <a:pos x="connsiteX30" y="connsiteY30"/>
+                </a:cxn>
+                <a:cxn ang="0">
+                  <a:pos x="connsiteX31" y="connsiteY31"/>
+                </a:cxn>
+                <a:cxn ang="0">
+                  <a:pos x="connsiteX32" y="connsiteY32"/>
+                </a:cxn>
+              </a:cxnLst>
+              <a:rect l="l" t="t" r="r" b="b"/>
+              <a:pathLst>
+                <a:path w="4038600" h="2384425">
+                  <a:moveTo>
+                    <a:pt x="4038600" y="9525"/>
+                  </a:moveTo>
+                  <a:lnTo>
+                    <a:pt x="539750" y="0"/>
+                  </a:lnTo>
+                  <a:lnTo>
+                    <a:pt x="263525" y="38100"/>
+                  </a:lnTo>
+                  <a:lnTo>
+                    <a:pt x="95250" y="161925"/>
+                  </a:lnTo>
+                  <a:lnTo>
+                    <a:pt x="12700" y="346075"/>
+                  </a:lnTo>
+                  <a:lnTo>
+                    <a:pt x="3175" y="539750"/>
+                  </a:lnTo>
+                  <a:cubicBezTo>
+                    <a:pt x="2117" y="1026583"/>
+                    <a:pt x="1058" y="1513417"/>
+                    <a:pt x="0" y="2000250"/>
+                  </a:cubicBezTo>
+                  <a:lnTo>
+                    <a:pt x="82550" y="2178050"/>
+                  </a:lnTo>
+                  <a:lnTo>
+                    <a:pt x="250825" y="2324100"/>
+                  </a:lnTo>
+                  <a:lnTo>
+                    <a:pt x="396875" y="2371725"/>
+                  </a:lnTo>
+                  <a:lnTo>
+                    <a:pt x="612775" y="2381250"/>
+                  </a:lnTo>
+                  <a:lnTo>
+                    <a:pt x="803275" y="2241550"/>
+                  </a:lnTo>
+                  <a:lnTo>
+                    <a:pt x="869950" y="2041525"/>
+                  </a:lnTo>
+                  <a:lnTo>
+                    <a:pt x="857250" y="1898650"/>
+                  </a:lnTo>
+                  <a:lnTo>
+                    <a:pt x="752475" y="1673225"/>
+                  </a:lnTo>
+                  <a:lnTo>
+                    <a:pt x="466725" y="1200150"/>
+                  </a:lnTo>
+                  <a:lnTo>
+                    <a:pt x="419100" y="981075"/>
+                  </a:lnTo>
+                  <a:lnTo>
+                    <a:pt x="438150" y="781050"/>
+                  </a:lnTo>
+                  <a:lnTo>
+                    <a:pt x="558800" y="676275"/>
+                  </a:lnTo>
+                  <a:lnTo>
+                    <a:pt x="711200" y="612775"/>
+                  </a:lnTo>
+                  <a:lnTo>
+                    <a:pt x="885825" y="622300"/>
+                  </a:lnTo>
+                  <a:lnTo>
+                    <a:pt x="1012825" y="695325"/>
+                  </a:lnTo>
+                  <a:lnTo>
+                    <a:pt x="1085850" y="873125"/>
+                  </a:lnTo>
+                  <a:lnTo>
+                    <a:pt x="1101725" y="911225"/>
+                  </a:lnTo>
+                  <a:lnTo>
+                    <a:pt x="1149350" y="1054100"/>
+                  </a:lnTo>
+                  <a:lnTo>
+                    <a:pt x="1196975" y="1292225"/>
+                  </a:lnTo>
+                  <a:lnTo>
+                    <a:pt x="1247775" y="1663700"/>
+                  </a:lnTo>
+                  <a:lnTo>
+                    <a:pt x="1295400" y="1968500"/>
+                  </a:lnTo>
+                  <a:lnTo>
+                    <a:pt x="1409700" y="2193925"/>
+                  </a:lnTo>
+                  <a:lnTo>
+                    <a:pt x="1514475" y="2295525"/>
+                  </a:lnTo>
+                  <a:lnTo>
+                    <a:pt x="1660525" y="2371725"/>
+                  </a:lnTo>
+                  <a:lnTo>
+                    <a:pt x="1851025" y="2384425"/>
+                  </a:lnTo>
+                  <a:lnTo>
+                    <a:pt x="2070100" y="2384425"/>
+                  </a:lnTo>
+                </a:path>
+              </a:pathLst>
+            </a:custGeom>
+            <a:ln w="41275">
+              <a:noFill/>
+            </a:ln>
+            <a:effectLst>
+              <a:glow rad="228600">
+                <a:schemeClr val="accent1">
+                  <a:satMod val="175000"/>
+                  <a:alpha val="38000"/>
+                </a:schemeClr>
+              </a:glow>
+              <a:softEdge rad="0"/>
+            </a:effectLst>
+          </p:spPr>
+          <p:style>
+            <a:lnRef idx="1">
+              <a:schemeClr val="accent1"/>
+            </a:lnRef>
+            <a:fillRef idx="0">
+              <a:schemeClr val="accent1"/>
+            </a:fillRef>
+            <a:effectRef idx="0">
+              <a:schemeClr val="accent1"/>
+            </a:effectRef>
+            <a:fontRef idx="minor">
+              <a:schemeClr val="tx1"/>
+            </a:fontRef>
+          </p:style>
+          <p:txBody>
+            <a:bodyPr rtlCol="0" anchor="ctr"/>
+            <a:lstStyle/>
+            <a:p>
+              <a:pPr algn="ctr"/>
+              <a:endParaRPr kumimoji="1" lang="ja-JP" altLang="en-US"/>
+            </a:p>
+          </p:txBody>
+        </p:sp>
+        <p:sp>
+          <p:nvSpPr>
+            <p:cNvPr id="20" name="テキスト ボックス 19"/>
+            <p:cNvSpPr txBox="1"/>
+            <p:nvPr/>
+          </p:nvSpPr>
+          <p:spPr>
+            <a:xfrm>
+              <a:off x="8633048" y="5136634"/>
+              <a:ext cx="432048" cy="369332"/>
+            </a:xfrm>
+            <a:prstGeom prst="rect">
+              <a:avLst/>
+            </a:prstGeom>
+            <a:noFill/>
+            <a:ln>
+              <a:noFill/>
+            </a:ln>
+          </p:spPr>
+          <p:txBody>
+            <a:bodyPr wrap="square" rtlCol="0">
+              <a:spAutoFit/>
+            </a:bodyPr>
+            <a:lstStyle/>
+            <a:p>
+              <a:r>
+                <a:rPr kumimoji="1" lang="ja-JP" altLang="en-US" sz="1800" dirty="0" smtClean="0">
+                  <a:solidFill>
+                    <a:srgbClr val="C00000"/>
+                  </a:solidFill>
+                </a:rPr>
+                <a:t>①</a:t>
+              </a:r>
+              <a:endParaRPr kumimoji="1" lang="ja-JP" altLang="en-US" sz="1800" dirty="0">
+                <a:solidFill>
+                  <a:srgbClr val="C00000"/>
+                </a:solidFill>
+              </a:endParaRPr>
+            </a:p>
+          </p:txBody>
+        </p:sp>
+        <p:sp>
+          <p:nvSpPr>
+            <p:cNvPr id="28" name="テキスト ボックス 27"/>
+            <p:cNvSpPr txBox="1"/>
+            <p:nvPr/>
+          </p:nvSpPr>
+          <p:spPr>
+            <a:xfrm>
+              <a:off x="7068647" y="5111456"/>
+              <a:ext cx="432048" cy="369332"/>
+            </a:xfrm>
+            <a:prstGeom prst="rect">
+              <a:avLst/>
+            </a:prstGeom>
+            <a:noFill/>
+            <a:ln>
+              <a:noFill/>
+            </a:ln>
+          </p:spPr>
+          <p:txBody>
+            <a:bodyPr wrap="square" rtlCol="0">
+              <a:spAutoFit/>
+            </a:bodyPr>
+            <a:lstStyle/>
+            <a:p>
+              <a:r>
+                <a:rPr lang="ja-JP" altLang="en-US" sz="1800" dirty="0">
+                  <a:solidFill>
+                    <a:srgbClr val="C00000"/>
+                  </a:solidFill>
+                </a:rPr>
+                <a:t>②</a:t>
+              </a:r>
+              <a:endParaRPr kumimoji="1" lang="ja-JP" altLang="en-US" sz="1800" dirty="0">
+                <a:solidFill>
+                  <a:srgbClr val="C00000"/>
+                </a:solidFill>
+              </a:endParaRPr>
+            </a:p>
+          </p:txBody>
+        </p:sp>
+        <p:sp>
+          <p:nvSpPr>
+            <p:cNvPr id="29" name="テキスト ボックス 28"/>
+            <p:cNvSpPr txBox="1"/>
+            <p:nvPr/>
+          </p:nvSpPr>
+          <p:spPr>
+            <a:xfrm>
+              <a:off x="6544816" y="5111854"/>
+              <a:ext cx="432048" cy="369332"/>
+            </a:xfrm>
+            <a:prstGeom prst="rect">
+              <a:avLst/>
+            </a:prstGeom>
+            <a:noFill/>
+            <a:ln>
+              <a:noFill/>
+            </a:ln>
+          </p:spPr>
+          <p:txBody>
+            <a:bodyPr wrap="square" rtlCol="0">
+              <a:spAutoFit/>
+            </a:bodyPr>
+            <a:lstStyle/>
+            <a:p>
+              <a:r>
+                <a:rPr lang="ja-JP" altLang="en-US" sz="1800" dirty="0">
+                  <a:solidFill>
+                    <a:srgbClr val="C00000"/>
+                  </a:solidFill>
+                </a:rPr>
+                <a:t>③</a:t>
+              </a:r>
+              <a:endParaRPr kumimoji="1" lang="ja-JP" altLang="en-US" sz="1800" dirty="0">
+                <a:solidFill>
+                  <a:srgbClr val="C00000"/>
+                </a:solidFill>
+              </a:endParaRPr>
+            </a:p>
+          </p:txBody>
+        </p:sp>
+        <p:sp>
+          <p:nvSpPr>
+            <p:cNvPr id="30" name="テキスト ボックス 29"/>
+            <p:cNvSpPr txBox="1"/>
+            <p:nvPr/>
+          </p:nvSpPr>
+          <p:spPr>
+            <a:xfrm>
+              <a:off x="5176664" y="5160640"/>
+              <a:ext cx="432048" cy="369332"/>
+            </a:xfrm>
+            <a:prstGeom prst="rect">
+              <a:avLst/>
+            </a:prstGeom>
+            <a:noFill/>
+            <a:ln>
+              <a:noFill/>
+            </a:ln>
+          </p:spPr>
+          <p:txBody>
+            <a:bodyPr wrap="square" rtlCol="0">
+              <a:spAutoFit/>
+            </a:bodyPr>
+            <a:lstStyle/>
+            <a:p>
+              <a:r>
+                <a:rPr kumimoji="1" lang="ja-JP" altLang="en-US" sz="1800" dirty="0" smtClean="0">
+                  <a:solidFill>
+                    <a:srgbClr val="C00000"/>
+                  </a:solidFill>
+                </a:rPr>
+                <a:t>④</a:t>
+              </a:r>
+              <a:endParaRPr kumimoji="1" lang="ja-JP" altLang="en-US" sz="1800" dirty="0">
+                <a:solidFill>
+                  <a:srgbClr val="C00000"/>
+                </a:solidFill>
+              </a:endParaRPr>
+            </a:p>
+          </p:txBody>
+        </p:sp>
+        <p:sp>
+          <p:nvSpPr>
+            <p:cNvPr id="31" name="テキスト ボックス 30"/>
+            <p:cNvSpPr txBox="1"/>
+            <p:nvPr/>
+          </p:nvSpPr>
+          <p:spPr>
+            <a:xfrm>
+              <a:off x="4929361" y="6240760"/>
+              <a:ext cx="432048" cy="369332"/>
+            </a:xfrm>
+            <a:prstGeom prst="rect">
+              <a:avLst/>
+            </a:prstGeom>
+            <a:noFill/>
+            <a:ln>
+              <a:noFill/>
+            </a:ln>
+          </p:spPr>
+          <p:txBody>
+            <a:bodyPr wrap="square" rtlCol="0">
+              <a:spAutoFit/>
+            </a:bodyPr>
+            <a:lstStyle/>
+            <a:p>
+              <a:r>
+                <a:rPr lang="ja-JP" altLang="en-US" sz="1800" dirty="0">
+                  <a:solidFill>
+                    <a:srgbClr val="C00000"/>
+                  </a:solidFill>
+                </a:rPr>
+                <a:t>⑤</a:t>
+              </a:r>
+              <a:endParaRPr kumimoji="1" lang="ja-JP" altLang="en-US" sz="1800" dirty="0">
+                <a:solidFill>
+                  <a:srgbClr val="C00000"/>
+                </a:solidFill>
+              </a:endParaRPr>
+            </a:p>
+          </p:txBody>
+        </p:sp>
+        <p:sp>
+          <p:nvSpPr>
+            <p:cNvPr id="32" name="テキスト ボックス 31"/>
+            <p:cNvSpPr txBox="1"/>
+            <p:nvPr/>
+          </p:nvSpPr>
+          <p:spPr>
+            <a:xfrm>
+              <a:off x="6400800" y="7392888"/>
+              <a:ext cx="432048" cy="369332"/>
+            </a:xfrm>
+            <a:prstGeom prst="rect">
+              <a:avLst/>
+            </a:prstGeom>
+            <a:noFill/>
+            <a:ln>
+              <a:noFill/>
+            </a:ln>
+          </p:spPr>
+          <p:txBody>
+            <a:bodyPr wrap="square" rtlCol="0">
+              <a:spAutoFit/>
+            </a:bodyPr>
+            <a:lstStyle/>
+            <a:p>
+              <a:r>
+                <a:rPr lang="ja-JP" altLang="en-US" sz="1800" dirty="0">
+                  <a:solidFill>
+                    <a:srgbClr val="C00000"/>
+                  </a:solidFill>
+                </a:rPr>
+                <a:t>⑩</a:t>
+              </a:r>
+              <a:endParaRPr kumimoji="1" lang="ja-JP" altLang="en-US" sz="1800" dirty="0">
+                <a:solidFill>
+                  <a:srgbClr val="C00000"/>
+                </a:solidFill>
+              </a:endParaRPr>
+            </a:p>
+          </p:txBody>
+        </p:sp>
+        <p:sp>
+          <p:nvSpPr>
+            <p:cNvPr id="33" name="テキスト ボックス 32"/>
+            <p:cNvSpPr txBox="1"/>
+            <p:nvPr/>
+          </p:nvSpPr>
+          <p:spPr>
+            <a:xfrm>
+              <a:off x="6131920" y="6533703"/>
+              <a:ext cx="432048" cy="369332"/>
+            </a:xfrm>
+            <a:prstGeom prst="rect">
+              <a:avLst/>
+            </a:prstGeom>
+            <a:noFill/>
+            <a:ln>
+              <a:noFill/>
+            </a:ln>
+          </p:spPr>
+          <p:txBody>
+            <a:bodyPr wrap="square" rtlCol="0">
+              <a:spAutoFit/>
+            </a:bodyPr>
+            <a:lstStyle/>
+            <a:p>
+              <a:r>
+                <a:rPr lang="ja-JP" altLang="en-US" sz="1800" dirty="0">
+                  <a:solidFill>
+                    <a:srgbClr val="C00000"/>
+                  </a:solidFill>
+                </a:rPr>
+                <a:t>⑨</a:t>
+              </a:r>
+              <a:endParaRPr kumimoji="1" lang="ja-JP" altLang="en-US" sz="1800" dirty="0">
+                <a:solidFill>
+                  <a:srgbClr val="C00000"/>
+                </a:solidFill>
+              </a:endParaRPr>
+            </a:p>
+          </p:txBody>
+        </p:sp>
+        <p:sp>
+          <p:nvSpPr>
+            <p:cNvPr id="34" name="テキスト ボックス 33"/>
+            <p:cNvSpPr txBox="1"/>
+            <p:nvPr/>
+          </p:nvSpPr>
+          <p:spPr>
+            <a:xfrm>
+              <a:off x="5538135" y="6600800"/>
+              <a:ext cx="432048" cy="369332"/>
+            </a:xfrm>
+            <a:prstGeom prst="rect">
+              <a:avLst/>
+            </a:prstGeom>
+            <a:noFill/>
+            <a:ln>
+              <a:noFill/>
+            </a:ln>
+          </p:spPr>
+          <p:txBody>
+            <a:bodyPr wrap="square" rtlCol="0">
+              <a:spAutoFit/>
+            </a:bodyPr>
+            <a:lstStyle/>
+            <a:p>
+              <a:r>
+                <a:rPr lang="ja-JP" altLang="en-US" sz="1800" dirty="0">
+                  <a:solidFill>
+                    <a:srgbClr val="C00000"/>
+                  </a:solidFill>
+                </a:rPr>
+                <a:t>⑦</a:t>
+              </a:r>
+              <a:endParaRPr kumimoji="1" lang="ja-JP" altLang="en-US" sz="1800" dirty="0">
+                <a:solidFill>
+                  <a:srgbClr val="C00000"/>
+                </a:solidFill>
+              </a:endParaRPr>
+            </a:p>
+          </p:txBody>
+        </p:sp>
+        <p:sp>
+          <p:nvSpPr>
+            <p:cNvPr id="35" name="テキスト ボックス 34"/>
+            <p:cNvSpPr txBox="1"/>
+            <p:nvPr/>
+          </p:nvSpPr>
+          <p:spPr>
+            <a:xfrm>
+              <a:off x="5401593" y="7464896"/>
+              <a:ext cx="432048" cy="369332"/>
+            </a:xfrm>
+            <a:prstGeom prst="rect">
+              <a:avLst/>
+            </a:prstGeom>
+            <a:noFill/>
+            <a:ln>
+              <a:noFill/>
+            </a:ln>
+          </p:spPr>
+          <p:txBody>
+            <a:bodyPr wrap="square" rtlCol="0">
+              <a:spAutoFit/>
+            </a:bodyPr>
+            <a:lstStyle/>
+            <a:p>
+              <a:r>
+                <a:rPr lang="ja-JP" altLang="en-US" sz="1800" dirty="0">
+                  <a:solidFill>
+                    <a:srgbClr val="C00000"/>
+                  </a:solidFill>
+                </a:rPr>
+                <a:t>⑥</a:t>
+              </a:r>
+              <a:endParaRPr kumimoji="1" lang="ja-JP" altLang="en-US" sz="1800" dirty="0">
+                <a:solidFill>
+                  <a:srgbClr val="C00000"/>
+                </a:solidFill>
+              </a:endParaRPr>
+            </a:p>
+          </p:txBody>
+        </p:sp>
+        <p:sp>
+          <p:nvSpPr>
+            <p:cNvPr id="36" name="テキスト ボックス 35"/>
+            <p:cNvSpPr txBox="1"/>
+            <p:nvPr/>
+          </p:nvSpPr>
+          <p:spPr>
+            <a:xfrm>
+              <a:off x="5608712" y="5763706"/>
+              <a:ext cx="432048" cy="369332"/>
+            </a:xfrm>
+            <a:prstGeom prst="rect">
+              <a:avLst/>
+            </a:prstGeom>
+            <a:noFill/>
+            <a:ln>
+              <a:noFill/>
+            </a:ln>
+          </p:spPr>
+          <p:txBody>
+            <a:bodyPr wrap="square" rtlCol="0">
+              <a:spAutoFit/>
+            </a:bodyPr>
+            <a:lstStyle/>
+            <a:p>
+              <a:r>
+                <a:rPr lang="ja-JP" altLang="en-US" sz="1800" dirty="0">
+                  <a:solidFill>
+                    <a:srgbClr val="C00000"/>
+                  </a:solidFill>
+                </a:rPr>
+                <a:t>⑧</a:t>
+              </a:r>
+              <a:endParaRPr kumimoji="1" lang="ja-JP" altLang="en-US" sz="1800" dirty="0">
+                <a:solidFill>
+                  <a:srgbClr val="C00000"/>
+                </a:solidFill>
+              </a:endParaRPr>
+            </a:p>
+          </p:txBody>
+        </p:sp>
+        <p:cxnSp>
+          <p:nvCxnSpPr>
+            <p:cNvPr id="19" name="直線コネクタ 18"/>
+            <p:cNvCxnSpPr/>
+            <p:nvPr/>
+          </p:nvCxnSpPr>
+          <p:spPr>
+            <a:xfrm>
+              <a:off x="7500695" y="5063851"/>
+              <a:ext cx="0" cy="514898"/>
+            </a:xfrm>
+            <a:prstGeom prst="line">
+              <a:avLst/>
+            </a:prstGeom>
+            <a:ln w="28575">
+              <a:noFill/>
+            </a:ln>
+          </p:spPr>
+          <p:style>
+            <a:lnRef idx="1">
+              <a:schemeClr val="accent1"/>
+            </a:lnRef>
+            <a:fillRef idx="0">
+              <a:schemeClr val="accent1"/>
+            </a:fillRef>
+            <a:effectRef idx="0">
+              <a:schemeClr val="accent1"/>
+            </a:effectRef>
+            <a:fontRef idx="minor">
+              <a:schemeClr val="tx1"/>
+            </a:fontRef>
+          </p:style>
+        </p:cxnSp>
+        <p:cxnSp>
+          <p:nvCxnSpPr>
+            <p:cNvPr id="38" name="直線コネクタ 37"/>
+            <p:cNvCxnSpPr/>
+            <p:nvPr/>
+          </p:nvCxnSpPr>
+          <p:spPr>
+            <a:xfrm>
+              <a:off x="7048872" y="5087857"/>
+              <a:ext cx="0" cy="514898"/>
+            </a:xfrm>
+            <a:prstGeom prst="line">
+              <a:avLst/>
+            </a:prstGeom>
+            <a:ln w="28575">
+              <a:noFill/>
+            </a:ln>
+          </p:spPr>
+          <p:style>
+            <a:lnRef idx="1">
+              <a:schemeClr val="accent1"/>
+            </a:lnRef>
+            <a:fillRef idx="0">
+              <a:schemeClr val="accent1"/>
+            </a:fillRef>
+            <a:effectRef idx="0">
+              <a:schemeClr val="accent1"/>
+            </a:effectRef>
+            <a:fontRef idx="minor">
+              <a:schemeClr val="tx1"/>
+            </a:fontRef>
+          </p:style>
+        </p:cxnSp>
+        <p:cxnSp>
+          <p:nvCxnSpPr>
+            <p:cNvPr id="39" name="直線コネクタ 38"/>
+            <p:cNvCxnSpPr/>
+            <p:nvPr/>
+          </p:nvCxnSpPr>
+          <p:spPr>
+            <a:xfrm>
+              <a:off x="5680720" y="5032323"/>
+              <a:ext cx="0" cy="514898"/>
+            </a:xfrm>
+            <a:prstGeom prst="line">
+              <a:avLst/>
+            </a:prstGeom>
+            <a:ln w="28575">
+              <a:noFill/>
+            </a:ln>
+          </p:spPr>
+          <p:style>
+            <a:lnRef idx="1">
+              <a:schemeClr val="accent1"/>
+            </a:lnRef>
+            <a:fillRef idx="0">
+              <a:schemeClr val="accent1"/>
+            </a:fillRef>
+            <a:effectRef idx="0">
+              <a:schemeClr val="accent1"/>
+            </a:effectRef>
+            <a:fontRef idx="minor">
+              <a:schemeClr val="tx1"/>
+            </a:fontRef>
+          </p:style>
+        </p:cxnSp>
+        <p:cxnSp>
+          <p:nvCxnSpPr>
+            <p:cNvPr id="40" name="直線コネクタ 39"/>
+            <p:cNvCxnSpPr/>
+            <p:nvPr/>
+          </p:nvCxnSpPr>
+          <p:spPr>
+            <a:xfrm>
+              <a:off x="4912583" y="5763706"/>
+              <a:ext cx="489010" cy="0"/>
+            </a:xfrm>
+            <a:prstGeom prst="line">
+              <a:avLst/>
+            </a:prstGeom>
+            <a:ln w="28575">
+              <a:noFill/>
+            </a:ln>
+          </p:spPr>
+          <p:style>
+            <a:lnRef idx="1">
+              <a:schemeClr val="accent1"/>
+            </a:lnRef>
+            <a:fillRef idx="0">
+              <a:schemeClr val="accent1"/>
+            </a:fillRef>
+            <a:effectRef idx="0">
+              <a:schemeClr val="accent1"/>
+            </a:effectRef>
+            <a:fontRef idx="minor">
+              <a:schemeClr val="tx1"/>
+            </a:fontRef>
+          </p:style>
+        </p:cxnSp>
+        <p:cxnSp>
+          <p:nvCxnSpPr>
+            <p:cNvPr id="44" name="直線コネクタ 43"/>
+            <p:cNvCxnSpPr/>
+            <p:nvPr/>
+          </p:nvCxnSpPr>
+          <p:spPr>
+            <a:xfrm>
+              <a:off x="4856321" y="7176864"/>
+              <a:ext cx="489010" cy="0"/>
+            </a:xfrm>
+            <a:prstGeom prst="line">
+              <a:avLst/>
+            </a:prstGeom>
+            <a:ln w="28575">
+              <a:noFill/>
+            </a:ln>
+          </p:spPr>
+          <p:style>
+            <a:lnRef idx="1">
+              <a:schemeClr val="accent1"/>
+            </a:lnRef>
+            <a:fillRef idx="0">
+              <a:schemeClr val="accent1"/>
+            </a:fillRef>
+            <a:effectRef idx="0">
+              <a:schemeClr val="accent1"/>
+            </a:effectRef>
+            <a:fontRef idx="minor">
+              <a:schemeClr val="tx1"/>
+            </a:fontRef>
+          </p:style>
+        </p:cxnSp>
+        <p:cxnSp>
+          <p:nvCxnSpPr>
+            <p:cNvPr id="45" name="直線コネクタ 44"/>
+            <p:cNvCxnSpPr/>
+            <p:nvPr/>
+          </p:nvCxnSpPr>
+          <p:spPr>
+            <a:xfrm>
+              <a:off x="5755590" y="7176864"/>
+              <a:ext cx="429186" cy="0"/>
+            </a:xfrm>
+            <a:prstGeom prst="line">
+              <a:avLst/>
+            </a:prstGeom>
+            <a:ln w="28575">
+              <a:noFill/>
+            </a:ln>
+          </p:spPr>
+          <p:style>
+            <a:lnRef idx="1">
+              <a:schemeClr val="accent1"/>
+            </a:lnRef>
+            <a:fillRef idx="0">
+              <a:schemeClr val="accent1"/>
+            </a:fillRef>
+            <a:effectRef idx="0">
+              <a:schemeClr val="accent1"/>
+            </a:effectRef>
+            <a:fontRef idx="minor">
+              <a:schemeClr val="tx1"/>
+            </a:fontRef>
+          </p:style>
+        </p:cxnSp>
+        <p:cxnSp>
+          <p:nvCxnSpPr>
+            <p:cNvPr id="46" name="直線コネクタ 45"/>
+            <p:cNvCxnSpPr/>
+            <p:nvPr/>
+          </p:nvCxnSpPr>
+          <p:spPr>
+            <a:xfrm>
+              <a:off x="5319102" y="6238949"/>
+              <a:ext cx="489010" cy="0"/>
+            </a:xfrm>
+            <a:prstGeom prst="line">
+              <a:avLst/>
+            </a:prstGeom>
+            <a:ln w="28575">
+              <a:noFill/>
+            </a:ln>
+          </p:spPr>
+          <p:style>
+            <a:lnRef idx="1">
+              <a:schemeClr val="accent1"/>
+            </a:lnRef>
+            <a:fillRef idx="0">
+              <a:schemeClr val="accent1"/>
+            </a:fillRef>
+            <a:effectRef idx="0">
+              <a:schemeClr val="accent1"/>
+            </a:effectRef>
+            <a:fontRef idx="minor">
+              <a:schemeClr val="tx1"/>
+            </a:fontRef>
+          </p:style>
+        </p:cxnSp>
+        <p:cxnSp>
+          <p:nvCxnSpPr>
+            <p:cNvPr id="47" name="直線コネクタ 46"/>
+            <p:cNvCxnSpPr/>
+            <p:nvPr/>
+          </p:nvCxnSpPr>
+          <p:spPr>
+            <a:xfrm>
+              <a:off x="6055806" y="6436315"/>
+              <a:ext cx="489010" cy="0"/>
+            </a:xfrm>
+            <a:prstGeom prst="line">
+              <a:avLst/>
+            </a:prstGeom>
+            <a:ln w="28575">
+              <a:noFill/>
+            </a:ln>
+          </p:spPr>
+          <p:style>
+            <a:lnRef idx="1">
+              <a:schemeClr val="accent1"/>
+            </a:lnRef>
+            <a:fillRef idx="0">
+              <a:schemeClr val="accent1"/>
+            </a:fillRef>
+            <a:effectRef idx="0">
+              <a:schemeClr val="accent1"/>
+            </a:effectRef>
+            <a:fontRef idx="minor">
+              <a:schemeClr val="tx1"/>
+            </a:fontRef>
+          </p:style>
+        </p:cxnSp>
+        <p:cxnSp>
+          <p:nvCxnSpPr>
+            <p:cNvPr id="48" name="直線コネクタ 47"/>
+            <p:cNvCxnSpPr/>
+            <p:nvPr/>
+          </p:nvCxnSpPr>
+          <p:spPr>
+            <a:xfrm>
+              <a:off x="6256784" y="7248872"/>
+              <a:ext cx="341605" cy="0"/>
+            </a:xfrm>
+            <a:prstGeom prst="line">
+              <a:avLst/>
+            </a:prstGeom>
+            <a:ln w="28575">
+              <a:noFill/>
+            </a:ln>
+          </p:spPr>
+          <p:style>
+            <a:lnRef idx="1">
+              <a:schemeClr val="accent1"/>
+            </a:lnRef>
+            <a:fillRef idx="0">
+              <a:schemeClr val="accent1"/>
+            </a:fillRef>
+            <a:effectRef idx="0">
+              <a:schemeClr val="accent1"/>
+            </a:effectRef>
+            <a:fontRef idx="minor">
+              <a:schemeClr val="tx1"/>
+            </a:fontRef>
+          </p:style>
+        </p:cxnSp>
+        <p:cxnSp>
+          <p:nvCxnSpPr>
+            <p:cNvPr id="59" name="直線コネクタ 58"/>
+            <p:cNvCxnSpPr/>
+            <p:nvPr/>
+          </p:nvCxnSpPr>
+          <p:spPr>
+            <a:xfrm>
+              <a:off x="6904856" y="7464896"/>
+              <a:ext cx="0" cy="442115"/>
+            </a:xfrm>
+            <a:prstGeom prst="line">
+              <a:avLst/>
+            </a:prstGeom>
+            <a:ln w="28575">
+              <a:noFill/>
+            </a:ln>
+          </p:spPr>
+          <p:style>
+            <a:lnRef idx="1">
+              <a:schemeClr val="accent1"/>
+            </a:lnRef>
+            <a:fillRef idx="0">
+              <a:schemeClr val="accent1"/>
+            </a:fillRef>
+            <a:effectRef idx="0">
+              <a:schemeClr val="accent1"/>
+            </a:effectRef>
+            <a:fontRef idx="minor">
+              <a:schemeClr val="tx1"/>
+            </a:fontRef>
+          </p:style>
+        </p:cxnSp>
+        <p:cxnSp>
+          <p:nvCxnSpPr>
+            <p:cNvPr id="61" name="直線コネクタ 60"/>
+            <p:cNvCxnSpPr/>
+            <p:nvPr/>
+          </p:nvCxnSpPr>
+          <p:spPr>
+            <a:xfrm>
+              <a:off x="7336904" y="7464895"/>
+              <a:ext cx="0" cy="442115"/>
+            </a:xfrm>
+            <a:prstGeom prst="line">
+              <a:avLst/>
+            </a:prstGeom>
+            <a:ln w="28575">
+              <a:noFill/>
+            </a:ln>
+          </p:spPr>
+          <p:style>
+            <a:lnRef idx="1">
+              <a:schemeClr val="accent1"/>
+            </a:lnRef>
+            <a:fillRef idx="0">
+              <a:schemeClr val="accent1"/>
+            </a:fillRef>
+            <a:effectRef idx="0">
+              <a:schemeClr val="accent1"/>
+            </a:effectRef>
+            <a:fontRef idx="minor">
+              <a:schemeClr val="tx1"/>
+            </a:fontRef>
+          </p:style>
+        </p:cxnSp>
+        <p:cxnSp>
+          <p:nvCxnSpPr>
+            <p:cNvPr id="65" name="直線コネクタ 64"/>
+            <p:cNvCxnSpPr/>
+            <p:nvPr/>
+          </p:nvCxnSpPr>
+          <p:spPr>
+            <a:xfrm>
+              <a:off x="7336904" y="6991423"/>
+              <a:ext cx="0" cy="257449"/>
+            </a:xfrm>
+            <a:prstGeom prst="line">
+              <a:avLst/>
+            </a:prstGeom>
+            <a:ln w="28575">
+              <a:noFill/>
+            </a:ln>
+          </p:spPr>
+          <p:style>
+            <a:lnRef idx="1">
+              <a:schemeClr val="accent1"/>
+            </a:lnRef>
+            <a:fillRef idx="0">
+              <a:schemeClr val="accent1"/>
+            </a:fillRef>
+            <a:effectRef idx="0">
+              <a:schemeClr val="accent1"/>
+            </a:effectRef>
+            <a:fontRef idx="minor">
+              <a:schemeClr val="tx1"/>
+            </a:fontRef>
+          </p:style>
+        </p:cxnSp>
+        <p:cxnSp>
+          <p:nvCxnSpPr>
+            <p:cNvPr id="68" name="直線コネクタ 67"/>
+            <p:cNvCxnSpPr/>
+            <p:nvPr/>
+          </p:nvCxnSpPr>
+          <p:spPr>
+            <a:xfrm>
+              <a:off x="6921797" y="6991422"/>
+              <a:ext cx="0" cy="257449"/>
+            </a:xfrm>
+            <a:prstGeom prst="line">
+              <a:avLst/>
+            </a:prstGeom>
+            <a:ln w="28575">
+              <a:noFill/>
+            </a:ln>
+          </p:spPr>
+          <p:style>
+            <a:lnRef idx="1">
+              <a:schemeClr val="accent1"/>
+            </a:lnRef>
+            <a:fillRef idx="0">
+              <a:schemeClr val="accent1"/>
+            </a:fillRef>
+            <a:effectRef idx="0">
+              <a:schemeClr val="accent1"/>
+            </a:effectRef>
+            <a:fontRef idx="minor">
+              <a:schemeClr val="tx1"/>
+            </a:fontRef>
+          </p:style>
+        </p:cxnSp>
+        <p:cxnSp>
+          <p:nvCxnSpPr>
+            <p:cNvPr id="69" name="直線コネクタ 68"/>
+            <p:cNvCxnSpPr/>
+            <p:nvPr/>
+          </p:nvCxnSpPr>
+          <p:spPr>
+            <a:xfrm flipH="1">
+              <a:off x="6598389" y="6905553"/>
+              <a:ext cx="281385" cy="0"/>
+            </a:xfrm>
+            <a:prstGeom prst="line">
+              <a:avLst/>
+            </a:prstGeom>
+            <a:ln w="28575">
+              <a:noFill/>
+            </a:ln>
+          </p:spPr>
+          <p:style>
+            <a:lnRef idx="1">
+              <a:schemeClr val="accent1"/>
+            </a:lnRef>
+            <a:fillRef idx="0">
+              <a:schemeClr val="accent1"/>
+            </a:fillRef>
+            <a:effectRef idx="0">
+              <a:schemeClr val="accent1"/>
+            </a:effectRef>
+            <a:fontRef idx="minor">
+              <a:schemeClr val="tx1"/>
+            </a:fontRef>
+          </p:style>
+        </p:cxnSp>
+        <p:cxnSp>
+          <p:nvCxnSpPr>
+            <p:cNvPr id="71" name="直線コネクタ 70"/>
+            <p:cNvCxnSpPr/>
+            <p:nvPr/>
+          </p:nvCxnSpPr>
+          <p:spPr>
+            <a:xfrm flipH="1">
+              <a:off x="6563968" y="6096744"/>
+              <a:ext cx="281385" cy="0"/>
+            </a:xfrm>
+            <a:prstGeom prst="line">
+              <a:avLst/>
+            </a:prstGeom>
+            <a:ln w="28575">
+              <a:noFill/>
+            </a:ln>
+          </p:spPr>
+          <p:style>
+            <a:lnRef idx="1">
+              <a:schemeClr val="accent1"/>
+            </a:lnRef>
+            <a:fillRef idx="0">
+              <a:schemeClr val="accent1"/>
+            </a:fillRef>
+            <a:effectRef idx="0">
+              <a:schemeClr val="accent1"/>
+            </a:effectRef>
+            <a:fontRef idx="minor">
+              <a:schemeClr val="tx1"/>
+            </a:fontRef>
+          </p:style>
+        </p:cxnSp>
+        <p:cxnSp>
+          <p:nvCxnSpPr>
+            <p:cNvPr id="74" name="直線コネクタ 73"/>
+            <p:cNvCxnSpPr/>
+            <p:nvPr/>
+          </p:nvCxnSpPr>
+          <p:spPr>
+            <a:xfrm>
+              <a:off x="8345016" y="5763706"/>
+              <a:ext cx="0" cy="257449"/>
+            </a:xfrm>
+            <a:prstGeom prst="line">
+              <a:avLst/>
+            </a:prstGeom>
+            <a:ln w="28575">
+              <a:noFill/>
+            </a:ln>
+          </p:spPr>
+          <p:style>
+            <a:lnRef idx="1">
+              <a:schemeClr val="accent1"/>
+            </a:lnRef>
+            <a:fillRef idx="0">
+              <a:schemeClr val="accent1"/>
+            </a:fillRef>
+            <a:effectRef idx="0">
+              <a:schemeClr val="accent1"/>
+            </a:effectRef>
+            <a:fontRef idx="minor">
+              <a:schemeClr val="tx1"/>
+            </a:fontRef>
+          </p:style>
+        </p:cxnSp>
+        <p:cxnSp>
+          <p:nvCxnSpPr>
+            <p:cNvPr id="75" name="直線コネクタ 74"/>
+            <p:cNvCxnSpPr/>
+            <p:nvPr/>
+          </p:nvCxnSpPr>
+          <p:spPr>
+            <a:xfrm>
+              <a:off x="7048872" y="5750636"/>
+              <a:ext cx="0" cy="257449"/>
+            </a:xfrm>
+            <a:prstGeom prst="line">
+              <a:avLst/>
+            </a:prstGeom>
+            <a:ln w="28575">
+              <a:noFill/>
+            </a:ln>
+          </p:spPr>
+          <p:style>
+            <a:lnRef idx="1">
+              <a:schemeClr val="accent1"/>
+            </a:lnRef>
+            <a:fillRef idx="0">
+              <a:schemeClr val="accent1"/>
+            </a:fillRef>
+            <a:effectRef idx="0">
+              <a:schemeClr val="accent1"/>
+            </a:effectRef>
+            <a:fontRef idx="minor">
+              <a:schemeClr val="tx1"/>
+            </a:fontRef>
+          </p:style>
+        </p:cxnSp>
+        <p:cxnSp>
+          <p:nvCxnSpPr>
+            <p:cNvPr id="77" name="直線コネクタ 76"/>
+            <p:cNvCxnSpPr/>
+            <p:nvPr/>
+          </p:nvCxnSpPr>
+          <p:spPr>
+            <a:xfrm flipH="1" flipV="1">
+              <a:off x="7840960" y="7651864"/>
+              <a:ext cx="1" cy="271306"/>
+            </a:xfrm>
+            <a:prstGeom prst="line">
+              <a:avLst/>
+            </a:prstGeom>
+            <a:ln w="28575">
+              <a:noFill/>
+            </a:ln>
+          </p:spPr>
+          <p:style>
+            <a:lnRef idx="1">
+              <a:schemeClr val="accent1"/>
+            </a:lnRef>
+            <a:fillRef idx="0">
+              <a:schemeClr val="accent1"/>
+            </a:fillRef>
+            <a:effectRef idx="0">
+              <a:schemeClr val="accent1"/>
+            </a:effectRef>
+            <a:fontRef idx="minor">
+              <a:schemeClr val="tx1"/>
+            </a:fontRef>
+          </p:style>
+        </p:cxnSp>
+        <p:cxnSp>
+          <p:nvCxnSpPr>
+            <p:cNvPr id="80" name="直線コネクタ 79"/>
+            <p:cNvCxnSpPr/>
+            <p:nvPr/>
+          </p:nvCxnSpPr>
+          <p:spPr>
+            <a:xfrm flipH="1">
+              <a:off x="8063631" y="7402341"/>
+              <a:ext cx="281385" cy="0"/>
+            </a:xfrm>
+            <a:prstGeom prst="line">
+              <a:avLst/>
+            </a:prstGeom>
+            <a:ln w="28575">
+              <a:noFill/>
+            </a:ln>
+          </p:spPr>
+          <p:style>
+            <a:lnRef idx="1">
+              <a:schemeClr val="accent1"/>
+            </a:lnRef>
+            <a:fillRef idx="0">
+              <a:schemeClr val="accent1"/>
+            </a:fillRef>
+            <a:effectRef idx="0">
+              <a:schemeClr val="accent1"/>
+            </a:effectRef>
+            <a:fontRef idx="minor">
+              <a:schemeClr val="tx1"/>
+            </a:fontRef>
+          </p:style>
+        </p:cxnSp>
+        <p:cxnSp>
+          <p:nvCxnSpPr>
+            <p:cNvPr id="81" name="直線コネクタ 80"/>
+            <p:cNvCxnSpPr/>
+            <p:nvPr/>
+          </p:nvCxnSpPr>
+          <p:spPr>
+            <a:xfrm flipV="1">
+              <a:off x="7910661" y="6733978"/>
+              <a:ext cx="0" cy="236154"/>
+            </a:xfrm>
+            <a:prstGeom prst="line">
+              <a:avLst/>
+            </a:prstGeom>
+            <a:ln w="28575">
+              <a:noFill/>
+            </a:ln>
+          </p:spPr>
+          <p:style>
+            <a:lnRef idx="1">
+              <a:schemeClr val="accent1"/>
+            </a:lnRef>
+            <a:fillRef idx="0">
+              <a:schemeClr val="accent1"/>
+            </a:fillRef>
+            <a:effectRef idx="0">
+              <a:schemeClr val="accent1"/>
+            </a:effectRef>
+            <a:fontRef idx="minor">
+              <a:schemeClr val="tx1"/>
+            </a:fontRef>
+          </p:style>
+        </p:cxnSp>
+        <p:cxnSp>
+          <p:nvCxnSpPr>
+            <p:cNvPr id="85" name="直線コネクタ 84"/>
+            <p:cNvCxnSpPr/>
+            <p:nvPr/>
+          </p:nvCxnSpPr>
+          <p:spPr>
+            <a:xfrm flipV="1">
+              <a:off x="7392060" y="6277358"/>
+              <a:ext cx="0" cy="236154"/>
+            </a:xfrm>
+            <a:prstGeom prst="line">
+              <a:avLst/>
+            </a:prstGeom>
+            <a:ln w="28575">
+              <a:noFill/>
+            </a:ln>
+          </p:spPr>
+          <p:style>
+            <a:lnRef idx="1">
+              <a:schemeClr val="accent1"/>
+            </a:lnRef>
+            <a:fillRef idx="0">
+              <a:schemeClr val="accent1"/>
+            </a:fillRef>
+            <a:effectRef idx="0">
+              <a:schemeClr val="accent1"/>
+            </a:effectRef>
+            <a:fontRef idx="minor">
+              <a:schemeClr val="tx1"/>
+            </a:fontRef>
+          </p:style>
+        </p:cxnSp>
+        <p:cxnSp>
+          <p:nvCxnSpPr>
+            <p:cNvPr id="86" name="直線コネクタ 85"/>
+            <p:cNvCxnSpPr/>
+            <p:nvPr/>
+          </p:nvCxnSpPr>
+          <p:spPr>
+            <a:xfrm flipV="1">
+              <a:off x="7264896" y="6733978"/>
+              <a:ext cx="0" cy="236154"/>
+            </a:xfrm>
+            <a:prstGeom prst="line">
+              <a:avLst/>
+            </a:prstGeom>
+            <a:ln w="28575">
+              <a:noFill/>
+            </a:ln>
+          </p:spPr>
+          <p:style>
+            <a:lnRef idx="1">
+              <a:schemeClr val="accent1"/>
+            </a:lnRef>
+            <a:fillRef idx="0">
+              <a:schemeClr val="accent1"/>
+            </a:fillRef>
+            <a:effectRef idx="0">
+              <a:schemeClr val="accent1"/>
+            </a:effectRef>
+            <a:fontRef idx="minor">
+              <a:schemeClr val="tx1"/>
+            </a:fontRef>
+          </p:style>
+        </p:cxnSp>
+        <p:cxnSp>
+          <p:nvCxnSpPr>
+            <p:cNvPr id="88" name="直線コネクタ 87"/>
+            <p:cNvCxnSpPr/>
+            <p:nvPr/>
+          </p:nvCxnSpPr>
+          <p:spPr>
+            <a:xfrm flipV="1">
+              <a:off x="8204323" y="6267230"/>
+              <a:ext cx="0" cy="236154"/>
+            </a:xfrm>
+            <a:prstGeom prst="line">
+              <a:avLst/>
+            </a:prstGeom>
+            <a:ln w="28575">
+              <a:noFill/>
+            </a:ln>
+          </p:spPr>
+          <p:style>
+            <a:lnRef idx="1">
+              <a:schemeClr val="accent1"/>
+            </a:lnRef>
+            <a:fillRef idx="0">
+              <a:schemeClr val="accent1"/>
+            </a:fillRef>
+            <a:effectRef idx="0">
+              <a:schemeClr val="accent1"/>
+            </a:effectRef>
+            <a:fontRef idx="minor">
+              <a:schemeClr val="tx1"/>
+            </a:fontRef>
+          </p:style>
+        </p:cxnSp>
+        <p:cxnSp>
+          <p:nvCxnSpPr>
+            <p:cNvPr id="89" name="直線コネクタ 88"/>
+            <p:cNvCxnSpPr/>
+            <p:nvPr/>
+          </p:nvCxnSpPr>
+          <p:spPr>
+            <a:xfrm>
+              <a:off x="8356723" y="6655784"/>
+              <a:ext cx="204317" cy="0"/>
+            </a:xfrm>
+            <a:prstGeom prst="line">
+              <a:avLst/>
+            </a:prstGeom>
+            <a:ln w="28575">
+              <a:noFill/>
+            </a:ln>
+          </p:spPr>
+          <p:style>
+            <a:lnRef idx="1">
+              <a:schemeClr val="accent1"/>
+            </a:lnRef>
+            <a:fillRef idx="0">
+              <a:schemeClr val="accent1"/>
+            </a:fillRef>
+            <a:effectRef idx="0">
+              <a:schemeClr val="accent1"/>
+            </a:effectRef>
+            <a:fontRef idx="minor">
+              <a:schemeClr val="tx1"/>
+            </a:fontRef>
+          </p:style>
+        </p:cxnSp>
+        <p:cxnSp>
+          <p:nvCxnSpPr>
+            <p:cNvPr id="91" name="直線コネクタ 90"/>
+            <p:cNvCxnSpPr/>
+            <p:nvPr/>
+          </p:nvCxnSpPr>
+          <p:spPr>
+            <a:xfrm>
+              <a:off x="8356723" y="7575363"/>
+              <a:ext cx="204317" cy="0"/>
+            </a:xfrm>
+            <a:prstGeom prst="line">
+              <a:avLst/>
+            </a:prstGeom>
+            <a:ln w="28575">
+              <a:noFill/>
+            </a:ln>
+          </p:spPr>
+          <p:style>
+            <a:lnRef idx="1">
+              <a:schemeClr val="accent1"/>
+            </a:lnRef>
+            <a:fillRef idx="0">
+              <a:schemeClr val="accent1"/>
+            </a:fillRef>
+            <a:effectRef idx="0">
+              <a:schemeClr val="accent1"/>
+            </a:effectRef>
+            <a:fontRef idx="minor">
+              <a:schemeClr val="tx1"/>
+            </a:fontRef>
+          </p:style>
+        </p:cxnSp>
+        <p:cxnSp>
+          <p:nvCxnSpPr>
+            <p:cNvPr id="98" name="直線コネクタ 97"/>
+            <p:cNvCxnSpPr/>
+            <p:nvPr/>
+          </p:nvCxnSpPr>
+          <p:spPr>
+            <a:xfrm flipH="1">
+              <a:off x="8811764" y="7176864"/>
+              <a:ext cx="281385" cy="0"/>
+            </a:xfrm>
+            <a:prstGeom prst="line">
+              <a:avLst/>
+            </a:prstGeom>
+            <a:ln w="28575">
+              <a:noFill/>
+            </a:ln>
+          </p:spPr>
+          <p:style>
+            <a:lnRef idx="1">
+              <a:schemeClr val="accent1"/>
+            </a:lnRef>
+            <a:fillRef idx="0">
+              <a:schemeClr val="accent1"/>
+            </a:fillRef>
+            <a:effectRef idx="0">
+              <a:schemeClr val="accent1"/>
+            </a:effectRef>
+            <a:fontRef idx="minor">
+              <a:schemeClr val="tx1"/>
+            </a:fontRef>
+          </p:style>
+        </p:cxnSp>
+        <p:cxnSp>
+          <p:nvCxnSpPr>
+            <p:cNvPr id="99" name="直線コネクタ 98"/>
+            <p:cNvCxnSpPr/>
+            <p:nvPr/>
+          </p:nvCxnSpPr>
+          <p:spPr>
+            <a:xfrm flipH="1">
+              <a:off x="8794947" y="7575363"/>
+              <a:ext cx="281385" cy="0"/>
+            </a:xfrm>
+            <a:prstGeom prst="line">
+              <a:avLst/>
+            </a:prstGeom>
+            <a:ln w="28575">
+              <a:noFill/>
+            </a:ln>
+          </p:spPr>
+          <p:style>
+            <a:lnRef idx="1">
+              <a:schemeClr val="accent1"/>
+            </a:lnRef>
+            <a:fillRef idx="0">
+              <a:schemeClr val="accent1"/>
+            </a:fillRef>
+            <a:effectRef idx="0">
+              <a:schemeClr val="accent1"/>
+            </a:effectRef>
+            <a:fontRef idx="minor">
+              <a:schemeClr val="tx1"/>
+            </a:fontRef>
+          </p:style>
+        </p:cxnSp>
+      </p:grpSp>
+      <p:pic>
+        <p:nvPicPr>
+          <p:cNvPr id="1026" name="Picture 2" descr="C:\Users\HOMMA\Robokon\e-konbu\Illust\階段.png"/>
+          <p:cNvPicPr>
+            <a:picLocks noChangeAspect="1" noChangeArrowheads="1"/>
+          </p:cNvPicPr>
+          <p:nvPr/>
+        </p:nvPicPr>
+        <p:blipFill>
+          <a:blip r:embed="rId3" cstate="print">
+            <a:extLst>
+              <a:ext uri="{28A0092B-C50C-407E-A947-70E740481C1C}">
+                <a14:useLocalDpi xmlns:a14="http://schemas.microsoft.com/office/drawing/2010/main" val="0"/>
+              </a:ext>
+            </a:extLst>
+          </a:blip>
+          <a:srcRect/>
+          <a:stretch>
+            <a:fillRect/>
+          </a:stretch>
+        </p:blipFill>
+        <p:spPr bwMode="auto">
+          <a:xfrm>
+            <a:off x="7632526" y="7549588"/>
+            <a:ext cx="3038862" cy="353569"/>
+          </a:xfrm>
+          <a:prstGeom prst="rect">
+            <a:avLst/>
+          </a:prstGeom>
+          <a:noFill/>
+          <a:extLst>
+            <a:ext uri="{909E8E84-426E-40DD-AFC4-6F175D3DCCD1}">
+              <a14:hiddenFill xmlns:a14="http://schemas.microsoft.com/office/drawing/2010/main">
+                <a:solidFill>
+                  <a:srgbClr val="FFFFFF"/>
+                </a:solidFill>
+              </a14:hiddenFill>
+            </a:ext>
+          </a:extLst>
+        </p:spPr>
+      </p:pic>
+      <p:cxnSp>
+        <p:nvCxnSpPr>
+          <p:cNvPr id="102" name="直線コネクタ 101"/>
+          <p:cNvCxnSpPr/>
+          <p:nvPr/>
+        </p:nvCxnSpPr>
+        <p:spPr>
+          <a:xfrm>
+            <a:off x="9864774" y="7117113"/>
+            <a:ext cx="0" cy="1011050"/>
+          </a:xfrm>
+          <a:prstGeom prst="line">
+            <a:avLst/>
+          </a:prstGeom>
+          <a:ln w="28575">
+            <a:solidFill>
+              <a:schemeClr val="tx1"/>
+            </a:solidFill>
+            <a:prstDash val="sysDot"/>
+          </a:ln>
+        </p:spPr>
+        <p:style>
+          <a:lnRef idx="1">
+            <a:schemeClr val="accent1"/>
+          </a:lnRef>
+          <a:fillRef idx="0">
+            <a:schemeClr val="accent1"/>
+          </a:fillRef>
+          <a:effectRef idx="0">
+            <a:schemeClr val="accent1"/>
+          </a:effectRef>
+          <a:fontRef idx="minor">
+            <a:schemeClr val="tx1"/>
+          </a:fontRef>
+        </p:style>
+      </p:cxnSp>
+      <p:cxnSp>
+        <p:nvCxnSpPr>
+          <p:cNvPr id="104" name="直線コネクタ 103"/>
+          <p:cNvCxnSpPr/>
+          <p:nvPr/>
+        </p:nvCxnSpPr>
+        <p:spPr>
+          <a:xfrm>
+            <a:off x="7848550" y="7044063"/>
+            <a:ext cx="0" cy="1011050"/>
+          </a:xfrm>
+          <a:prstGeom prst="line">
+            <a:avLst/>
+          </a:prstGeom>
+          <a:ln w="28575">
+            <a:solidFill>
+              <a:schemeClr val="tx1"/>
+            </a:solidFill>
+            <a:prstDash val="sysDot"/>
+          </a:ln>
+        </p:spPr>
+        <p:style>
+          <a:lnRef idx="1">
+            <a:schemeClr val="accent1"/>
+          </a:lnRef>
+          <a:fillRef idx="0">
+            <a:schemeClr val="accent1"/>
+          </a:fillRef>
+          <a:effectRef idx="0">
+            <a:schemeClr val="accent1"/>
+          </a:effectRef>
+          <a:fontRef idx="minor">
+            <a:schemeClr val="tx1"/>
+          </a:fontRef>
+        </p:style>
+      </p:cxnSp>
+      <p:cxnSp>
+        <p:nvCxnSpPr>
+          <p:cNvPr id="105" name="直線コネクタ 104"/>
+          <p:cNvCxnSpPr/>
+          <p:nvPr/>
+        </p:nvCxnSpPr>
+        <p:spPr>
+          <a:xfrm>
+            <a:off x="8352606" y="7061192"/>
+            <a:ext cx="0" cy="1011050"/>
+          </a:xfrm>
+          <a:prstGeom prst="line">
+            <a:avLst/>
+          </a:prstGeom>
+          <a:ln w="28575">
+            <a:solidFill>
+              <a:schemeClr val="tx1"/>
+            </a:solidFill>
+            <a:prstDash val="sysDot"/>
+          </a:ln>
+        </p:spPr>
+        <p:style>
+          <a:lnRef idx="1">
+            <a:schemeClr val="accent1"/>
+          </a:lnRef>
+          <a:fillRef idx="0">
+            <a:schemeClr val="accent1"/>
+          </a:fillRef>
+          <a:effectRef idx="0">
+            <a:schemeClr val="accent1"/>
+          </a:effectRef>
+          <a:fontRef idx="minor">
+            <a:schemeClr val="tx1"/>
+          </a:fontRef>
+        </p:style>
+      </p:cxnSp>
+      <p:cxnSp>
+        <p:nvCxnSpPr>
+          <p:cNvPr id="106" name="直線コネクタ 105"/>
+          <p:cNvCxnSpPr/>
+          <p:nvPr/>
+        </p:nvCxnSpPr>
+        <p:spPr>
+          <a:xfrm>
+            <a:off x="8712646" y="7078774"/>
+            <a:ext cx="0" cy="1011050"/>
+          </a:xfrm>
+          <a:prstGeom prst="line">
+            <a:avLst/>
+          </a:prstGeom>
+          <a:ln w="28575">
+            <a:solidFill>
+              <a:schemeClr val="tx1"/>
+            </a:solidFill>
+            <a:prstDash val="sysDot"/>
+          </a:ln>
+        </p:spPr>
+        <p:style>
+          <a:lnRef idx="1">
+            <a:schemeClr val="accent1"/>
+          </a:lnRef>
+          <a:fillRef idx="0">
+            <a:schemeClr val="accent1"/>
+          </a:fillRef>
+          <a:effectRef idx="0">
+            <a:schemeClr val="accent1"/>
+          </a:effectRef>
+          <a:fontRef idx="minor">
+            <a:schemeClr val="tx1"/>
+          </a:fontRef>
+        </p:style>
+      </p:cxnSp>
+      <p:cxnSp>
+        <p:nvCxnSpPr>
+          <p:cNvPr id="107" name="直線コネクタ 106"/>
+          <p:cNvCxnSpPr/>
+          <p:nvPr/>
+        </p:nvCxnSpPr>
+        <p:spPr>
+          <a:xfrm>
+            <a:off x="7632526" y="7044063"/>
+            <a:ext cx="0" cy="1011050"/>
+          </a:xfrm>
+          <a:prstGeom prst="line">
+            <a:avLst/>
+          </a:prstGeom>
+          <a:ln w="28575">
+            <a:solidFill>
+              <a:schemeClr val="tx1"/>
+            </a:solidFill>
+            <a:prstDash val="sysDot"/>
+          </a:ln>
+        </p:spPr>
+        <p:style>
+          <a:lnRef idx="1">
+            <a:schemeClr val="accent1"/>
+          </a:lnRef>
+          <a:fillRef idx="0">
+            <a:schemeClr val="accent1"/>
+          </a:fillRef>
+          <a:effectRef idx="0">
+            <a:schemeClr val="accent1"/>
+          </a:effectRef>
+          <a:fontRef idx="minor">
+            <a:schemeClr val="tx1"/>
+          </a:fontRef>
+        </p:style>
+      </p:cxnSp>
+      <p:sp>
+        <p:nvSpPr>
+          <p:cNvPr id="103" name="テキスト ボックス 102"/>
+          <p:cNvSpPr txBox="1"/>
+          <p:nvPr/>
+        </p:nvSpPr>
+        <p:spPr>
+          <a:xfrm>
+            <a:off x="9936782" y="7201142"/>
+            <a:ext cx="1008112" cy="253916"/>
+          </a:xfrm>
+          <a:prstGeom prst="rect">
+            <a:avLst/>
+          </a:prstGeom>
+          <a:noFill/>
+        </p:spPr>
+        <p:txBody>
+          <a:bodyPr wrap="square" rtlCol="0">
+            <a:spAutoFit/>
+          </a:bodyPr>
+          <a:lstStyle/>
+          <a:p>
+            <a:r>
+              <a:rPr kumimoji="1" lang="ja-JP" altLang="en-US" sz="1050" dirty="0" smtClean="0"/>
+              <a:t>直角カーブへ</a:t>
+            </a:r>
+            <a:endParaRPr kumimoji="1" lang="ja-JP" altLang="en-US" sz="1050" dirty="0"/>
+          </a:p>
+        </p:txBody>
+      </p:sp>
+      <p:sp>
+        <p:nvSpPr>
+          <p:cNvPr id="110" name="テキスト ボックス 109"/>
+          <p:cNvSpPr txBox="1"/>
+          <p:nvPr/>
+        </p:nvSpPr>
+        <p:spPr>
+          <a:xfrm>
+            <a:off x="7554416" y="4754950"/>
+            <a:ext cx="2183937" cy="1546577"/>
+          </a:xfrm>
+          <a:prstGeom prst="rect">
+            <a:avLst/>
+          </a:prstGeom>
+          <a:noFill/>
+        </p:spPr>
+        <p:txBody>
+          <a:bodyPr wrap="square" rtlCol="0">
+            <a:spAutoFit/>
+          </a:bodyPr>
+          <a:lstStyle/>
+          <a:p>
+            <a:r>
+              <a:rPr kumimoji="1" lang="ja-JP" altLang="en-US" sz="1050" dirty="0" smtClean="0"/>
+              <a:t>　左図のようにコースは細かく区間に分割された区間で構成されているとした。走行体は区間の切り替わりを検知し、最適なパラメータで走行する。難所エリアでは</a:t>
+            </a:r>
+            <a:r>
+              <a:rPr lang="ja-JP" altLang="en-US" sz="1050" dirty="0"/>
+              <a:t>左で区切った区間より</a:t>
+            </a:r>
+            <a:r>
+              <a:rPr lang="ja-JP" altLang="en-US" sz="1050" dirty="0" smtClean="0"/>
+              <a:t>も細かく区間が存在している。下図のように階段エリアでの区間分割である。それぞれの区間での動作は</a:t>
+            </a:r>
+            <a:r>
+              <a:rPr lang="en-US" altLang="ja-JP" sz="1050" dirty="0" smtClean="0"/>
+              <a:t>P4</a:t>
+            </a:r>
+            <a:r>
+              <a:rPr lang="ja-JP" altLang="en-US" sz="1050" dirty="0" smtClean="0"/>
+              <a:t>走行戦略参照。</a:t>
+            </a:r>
+            <a:endParaRPr kumimoji="1" lang="ja-JP" altLang="en-US" sz="1050" dirty="0"/>
+          </a:p>
+        </p:txBody>
+      </p:sp>
+      <p:sp>
+        <p:nvSpPr>
+          <p:cNvPr id="108" name="角丸四角形吹き出し 107"/>
+          <p:cNvSpPr/>
+          <p:nvPr/>
+        </p:nvSpPr>
+        <p:spPr>
+          <a:xfrm>
+            <a:off x="8720211" y="6301527"/>
+            <a:ext cx="2160240" cy="607737"/>
+          </a:xfrm>
+          <a:prstGeom prst="wedgeRoundRectCallout">
+            <a:avLst>
+              <a:gd name="adj1" fmla="val -28329"/>
+              <a:gd name="adj2" fmla="val 87707"/>
+              <a:gd name="adj3" fmla="val 16667"/>
+            </a:avLst>
+          </a:prstGeom>
+          <a:noFill/>
+        </p:spPr>
+        <p:style>
+          <a:lnRef idx="2">
+            <a:schemeClr val="accent1">
+              <a:shade val="50000"/>
+            </a:schemeClr>
+          </a:lnRef>
+          <a:fillRef idx="1">
+            <a:schemeClr val="accent1"/>
+          </a:fillRef>
+          <a:effectRef idx="0">
+            <a:schemeClr val="accent1"/>
+          </a:effectRef>
+          <a:fontRef idx="minor">
+            <a:schemeClr val="lt1"/>
+          </a:fontRef>
+        </p:style>
+        <p:txBody>
+          <a:bodyPr rtlCol="0" anchor="ctr"/>
+          <a:lstStyle/>
+          <a:p>
+            <a:r>
+              <a:rPr lang="ja-JP" altLang="en-US" sz="1100" dirty="0">
+                <a:solidFill>
+                  <a:schemeClr val="tx1"/>
+                </a:solidFill>
+              </a:rPr>
+              <a:t>破線で区切った区間それぞれに対応したパラメータと</a:t>
+            </a:r>
+            <a:r>
+              <a:rPr lang="ja-JP" altLang="en-US" sz="1050" dirty="0">
+                <a:solidFill>
+                  <a:schemeClr val="tx1"/>
+                </a:solidFill>
+              </a:rPr>
+              <a:t>区間切替</a:t>
+            </a:r>
+            <a:r>
+              <a:rPr lang="ja-JP" altLang="en-US" sz="1050" dirty="0"/>
+              <a:t>条件がある</a:t>
+            </a:r>
+            <a:endParaRPr lang="ja-JP" altLang="en-US" sz="1050" dirty="0"/>
+          </a:p>
+        </p:txBody>
+      </p:sp>
     </p:spTree>
     <p:extLst>
       <p:ext uri="{BB962C8B-B14F-4D97-AF65-F5344CB8AC3E}">

--- a/models/モデルシートver0.pptx
+++ b/models/モデルシートver0.pptx
@@ -8022,6 +8022,2337 @@
           <a:chExt cx="0" cy="0"/>
         </a:xfrm>
       </p:grpSpPr>
+      <p:grpSp>
+        <p:nvGrpSpPr>
+          <p:cNvPr id="100" name="グループ化 99"/>
+          <p:cNvGrpSpPr/>
+          <p:nvPr/>
+        </p:nvGrpSpPr>
+        <p:grpSpPr>
+          <a:xfrm>
+            <a:off x="3024705" y="4966114"/>
+            <a:ext cx="4412379" cy="3034158"/>
+            <a:chOff x="4856320" y="5016624"/>
+            <a:chExt cx="4412379" cy="3034158"/>
+          </a:xfrm>
+        </p:grpSpPr>
+        <p:pic>
+          <p:nvPicPr>
+            <p:cNvPr id="9" name="Picture 2"/>
+            <p:cNvPicPr>
+              <a:picLocks noChangeAspect="1" noChangeArrowheads="1"/>
+            </p:cNvPicPr>
+            <p:nvPr/>
+          </p:nvPicPr>
+          <p:blipFill rotWithShape="1">
+            <a:blip r:embed="rId2" cstate="print">
+              <a:extLst>
+                <a:ext uri="{28A0092B-C50C-407E-A947-70E740481C1C}">
+                  <a14:useLocalDpi xmlns:a14="http://schemas.microsoft.com/office/drawing/2010/main" val="0"/>
+                </a:ext>
+              </a:extLst>
+            </a:blip>
+            <a:srcRect l="218" r="1089"/>
+            <a:stretch/>
+          </p:blipFill>
+          <p:spPr bwMode="auto">
+            <a:xfrm>
+              <a:off x="4856320" y="5016624"/>
+              <a:ext cx="4412379" cy="3034158"/>
+            </a:xfrm>
+            <a:prstGeom prst="rect">
+              <a:avLst/>
+            </a:prstGeom>
+            <a:noFill/>
+            <a:ln w="9525">
+              <a:noFill/>
+              <a:miter lim="800000"/>
+              <a:headEnd/>
+              <a:tailEnd/>
+            </a:ln>
+            <a:effectLst/>
+            <a:extLst>
+              <a:ext uri="{909E8E84-426E-40DD-AFC4-6F175D3DCCD1}">
+                <a14:hiddenFill xmlns:a14="http://schemas.microsoft.com/office/drawing/2010/main">
+                  <a:solidFill>
+                    <a:schemeClr val="accent1"/>
+                  </a:solidFill>
+                </a14:hiddenFill>
+              </a:ext>
+              <a:ext uri="{AF507438-7753-43E0-B8FC-AC1667EBCBE1}">
+                <a14:hiddenEffects xmlns:a14="http://schemas.microsoft.com/office/drawing/2010/main">
+                  <a:effectLst>
+                    <a:outerShdw dist="35921" dir="2700000" algn="ctr" rotWithShape="0">
+                      <a:schemeClr val="bg2"/>
+                    </a:outerShdw>
+                  </a:effectLst>
+                </a14:hiddenEffects>
+              </a:ext>
+            </a:extLst>
+          </p:spPr>
+        </p:pic>
+        <p:sp>
+          <p:nvSpPr>
+            <p:cNvPr id="25" name="フリーフォーム 24"/>
+            <p:cNvSpPr/>
+            <p:nvPr/>
+          </p:nvSpPr>
+          <p:spPr>
+            <a:xfrm>
+              <a:off x="5127625" y="5321300"/>
+              <a:ext cx="4038600" cy="2384425"/>
+            </a:xfrm>
+            <a:custGeom>
+              <a:avLst/>
+              <a:gdLst>
+                <a:gd name="connsiteX0" fmla="*/ 4038600 w 4038600"/>
+                <a:gd name="connsiteY0" fmla="*/ 9525 h 2384425"/>
+                <a:gd name="connsiteX1" fmla="*/ 539750 w 4038600"/>
+                <a:gd name="connsiteY1" fmla="*/ 0 h 2384425"/>
+                <a:gd name="connsiteX2" fmla="*/ 263525 w 4038600"/>
+                <a:gd name="connsiteY2" fmla="*/ 38100 h 2384425"/>
+                <a:gd name="connsiteX3" fmla="*/ 95250 w 4038600"/>
+                <a:gd name="connsiteY3" fmla="*/ 161925 h 2384425"/>
+                <a:gd name="connsiteX4" fmla="*/ 12700 w 4038600"/>
+                <a:gd name="connsiteY4" fmla="*/ 346075 h 2384425"/>
+                <a:gd name="connsiteX5" fmla="*/ 3175 w 4038600"/>
+                <a:gd name="connsiteY5" fmla="*/ 539750 h 2384425"/>
+                <a:gd name="connsiteX6" fmla="*/ 0 w 4038600"/>
+                <a:gd name="connsiteY6" fmla="*/ 2000250 h 2384425"/>
+                <a:gd name="connsiteX7" fmla="*/ 82550 w 4038600"/>
+                <a:gd name="connsiteY7" fmla="*/ 2178050 h 2384425"/>
+                <a:gd name="connsiteX8" fmla="*/ 250825 w 4038600"/>
+                <a:gd name="connsiteY8" fmla="*/ 2324100 h 2384425"/>
+                <a:gd name="connsiteX9" fmla="*/ 396875 w 4038600"/>
+                <a:gd name="connsiteY9" fmla="*/ 2371725 h 2384425"/>
+                <a:gd name="connsiteX10" fmla="*/ 612775 w 4038600"/>
+                <a:gd name="connsiteY10" fmla="*/ 2381250 h 2384425"/>
+                <a:gd name="connsiteX11" fmla="*/ 803275 w 4038600"/>
+                <a:gd name="connsiteY11" fmla="*/ 2241550 h 2384425"/>
+                <a:gd name="connsiteX12" fmla="*/ 869950 w 4038600"/>
+                <a:gd name="connsiteY12" fmla="*/ 2041525 h 2384425"/>
+                <a:gd name="connsiteX13" fmla="*/ 857250 w 4038600"/>
+                <a:gd name="connsiteY13" fmla="*/ 1898650 h 2384425"/>
+                <a:gd name="connsiteX14" fmla="*/ 752475 w 4038600"/>
+                <a:gd name="connsiteY14" fmla="*/ 1673225 h 2384425"/>
+                <a:gd name="connsiteX15" fmla="*/ 466725 w 4038600"/>
+                <a:gd name="connsiteY15" fmla="*/ 1200150 h 2384425"/>
+                <a:gd name="connsiteX16" fmla="*/ 419100 w 4038600"/>
+                <a:gd name="connsiteY16" fmla="*/ 981075 h 2384425"/>
+                <a:gd name="connsiteX17" fmla="*/ 438150 w 4038600"/>
+                <a:gd name="connsiteY17" fmla="*/ 781050 h 2384425"/>
+                <a:gd name="connsiteX18" fmla="*/ 558800 w 4038600"/>
+                <a:gd name="connsiteY18" fmla="*/ 676275 h 2384425"/>
+                <a:gd name="connsiteX19" fmla="*/ 711200 w 4038600"/>
+                <a:gd name="connsiteY19" fmla="*/ 612775 h 2384425"/>
+                <a:gd name="connsiteX20" fmla="*/ 885825 w 4038600"/>
+                <a:gd name="connsiteY20" fmla="*/ 622300 h 2384425"/>
+                <a:gd name="connsiteX21" fmla="*/ 1012825 w 4038600"/>
+                <a:gd name="connsiteY21" fmla="*/ 695325 h 2384425"/>
+                <a:gd name="connsiteX22" fmla="*/ 1085850 w 4038600"/>
+                <a:gd name="connsiteY22" fmla="*/ 873125 h 2384425"/>
+                <a:gd name="connsiteX23" fmla="*/ 1101725 w 4038600"/>
+                <a:gd name="connsiteY23" fmla="*/ 911225 h 2384425"/>
+                <a:gd name="connsiteX24" fmla="*/ 1149350 w 4038600"/>
+                <a:gd name="connsiteY24" fmla="*/ 1054100 h 2384425"/>
+                <a:gd name="connsiteX25" fmla="*/ 1196975 w 4038600"/>
+                <a:gd name="connsiteY25" fmla="*/ 1292225 h 2384425"/>
+                <a:gd name="connsiteX26" fmla="*/ 1247775 w 4038600"/>
+                <a:gd name="connsiteY26" fmla="*/ 1663700 h 2384425"/>
+                <a:gd name="connsiteX27" fmla="*/ 1295400 w 4038600"/>
+                <a:gd name="connsiteY27" fmla="*/ 1968500 h 2384425"/>
+                <a:gd name="connsiteX28" fmla="*/ 1409700 w 4038600"/>
+                <a:gd name="connsiteY28" fmla="*/ 2193925 h 2384425"/>
+                <a:gd name="connsiteX29" fmla="*/ 1514475 w 4038600"/>
+                <a:gd name="connsiteY29" fmla="*/ 2295525 h 2384425"/>
+                <a:gd name="connsiteX30" fmla="*/ 1660525 w 4038600"/>
+                <a:gd name="connsiteY30" fmla="*/ 2371725 h 2384425"/>
+                <a:gd name="connsiteX31" fmla="*/ 1851025 w 4038600"/>
+                <a:gd name="connsiteY31" fmla="*/ 2384425 h 2384425"/>
+                <a:gd name="connsiteX32" fmla="*/ 2070100 w 4038600"/>
+                <a:gd name="connsiteY32" fmla="*/ 2384425 h 2384425"/>
+              </a:gdLst>
+              <a:ahLst/>
+              <a:cxnLst>
+                <a:cxn ang="0">
+                  <a:pos x="connsiteX0" y="connsiteY0"/>
+                </a:cxn>
+                <a:cxn ang="0">
+                  <a:pos x="connsiteX1" y="connsiteY1"/>
+                </a:cxn>
+                <a:cxn ang="0">
+                  <a:pos x="connsiteX2" y="connsiteY2"/>
+                </a:cxn>
+                <a:cxn ang="0">
+                  <a:pos x="connsiteX3" y="connsiteY3"/>
+                </a:cxn>
+                <a:cxn ang="0">
+                  <a:pos x="connsiteX4" y="connsiteY4"/>
+                </a:cxn>
+                <a:cxn ang="0">
+                  <a:pos x="connsiteX5" y="connsiteY5"/>
+                </a:cxn>
+                <a:cxn ang="0">
+                  <a:pos x="connsiteX6" y="connsiteY6"/>
+                </a:cxn>
+                <a:cxn ang="0">
+                  <a:pos x="connsiteX7" y="connsiteY7"/>
+                </a:cxn>
+                <a:cxn ang="0">
+                  <a:pos x="connsiteX8" y="connsiteY8"/>
+                </a:cxn>
+                <a:cxn ang="0">
+                  <a:pos x="connsiteX9" y="connsiteY9"/>
+                </a:cxn>
+                <a:cxn ang="0">
+                  <a:pos x="connsiteX10" y="connsiteY10"/>
+                </a:cxn>
+                <a:cxn ang="0">
+                  <a:pos x="connsiteX11" y="connsiteY11"/>
+                </a:cxn>
+                <a:cxn ang="0">
+                  <a:pos x="connsiteX12" y="connsiteY12"/>
+                </a:cxn>
+                <a:cxn ang="0">
+                  <a:pos x="connsiteX13" y="connsiteY13"/>
+                </a:cxn>
+                <a:cxn ang="0">
+                  <a:pos x="connsiteX14" y="connsiteY14"/>
+                </a:cxn>
+                <a:cxn ang="0">
+                  <a:pos x="connsiteX15" y="connsiteY15"/>
+                </a:cxn>
+                <a:cxn ang="0">
+                  <a:pos x="connsiteX16" y="connsiteY16"/>
+                </a:cxn>
+                <a:cxn ang="0">
+                  <a:pos x="connsiteX17" y="connsiteY17"/>
+                </a:cxn>
+                <a:cxn ang="0">
+                  <a:pos x="connsiteX18" y="connsiteY18"/>
+                </a:cxn>
+                <a:cxn ang="0">
+                  <a:pos x="connsiteX19" y="connsiteY19"/>
+                </a:cxn>
+                <a:cxn ang="0">
+                  <a:pos x="connsiteX20" y="connsiteY20"/>
+                </a:cxn>
+                <a:cxn ang="0">
+                  <a:pos x="connsiteX21" y="connsiteY21"/>
+                </a:cxn>
+                <a:cxn ang="0">
+                  <a:pos x="connsiteX22" y="connsiteY22"/>
+                </a:cxn>
+                <a:cxn ang="0">
+                  <a:pos x="connsiteX23" y="connsiteY23"/>
+                </a:cxn>
+                <a:cxn ang="0">
+                  <a:pos x="connsiteX24" y="connsiteY24"/>
+                </a:cxn>
+                <a:cxn ang="0">
+                  <a:pos x="connsiteX25" y="connsiteY25"/>
+                </a:cxn>
+                <a:cxn ang="0">
+                  <a:pos x="connsiteX26" y="connsiteY26"/>
+                </a:cxn>
+                <a:cxn ang="0">
+                  <a:pos x="connsiteX27" y="connsiteY27"/>
+                </a:cxn>
+                <a:cxn ang="0">
+                  <a:pos x="connsiteX28" y="connsiteY28"/>
+                </a:cxn>
+                <a:cxn ang="0">
+                  <a:pos x="connsiteX29" y="connsiteY29"/>
+                </a:cxn>
+                <a:cxn ang="0">
+                  <a:pos x="connsiteX30" y="connsiteY30"/>
+                </a:cxn>
+                <a:cxn ang="0">
+                  <a:pos x="connsiteX31" y="connsiteY31"/>
+                </a:cxn>
+                <a:cxn ang="0">
+                  <a:pos x="connsiteX32" y="connsiteY32"/>
+                </a:cxn>
+              </a:cxnLst>
+              <a:rect l="l" t="t" r="r" b="b"/>
+              <a:pathLst>
+                <a:path w="4038600" h="2384425">
+                  <a:moveTo>
+                    <a:pt x="4038600" y="9525"/>
+                  </a:moveTo>
+                  <a:lnTo>
+                    <a:pt x="539750" y="0"/>
+                  </a:lnTo>
+                  <a:lnTo>
+                    <a:pt x="263525" y="38100"/>
+                  </a:lnTo>
+                  <a:lnTo>
+                    <a:pt x="95250" y="161925"/>
+                  </a:lnTo>
+                  <a:lnTo>
+                    <a:pt x="12700" y="346075"/>
+                  </a:lnTo>
+                  <a:lnTo>
+                    <a:pt x="3175" y="539750"/>
+                  </a:lnTo>
+                  <a:cubicBezTo>
+                    <a:pt x="2117" y="1026583"/>
+                    <a:pt x="1058" y="1513417"/>
+                    <a:pt x="0" y="2000250"/>
+                  </a:cubicBezTo>
+                  <a:lnTo>
+                    <a:pt x="82550" y="2178050"/>
+                  </a:lnTo>
+                  <a:lnTo>
+                    <a:pt x="250825" y="2324100"/>
+                  </a:lnTo>
+                  <a:lnTo>
+                    <a:pt x="396875" y="2371725"/>
+                  </a:lnTo>
+                  <a:lnTo>
+                    <a:pt x="612775" y="2381250"/>
+                  </a:lnTo>
+                  <a:lnTo>
+                    <a:pt x="803275" y="2241550"/>
+                  </a:lnTo>
+                  <a:lnTo>
+                    <a:pt x="869950" y="2041525"/>
+                  </a:lnTo>
+                  <a:lnTo>
+                    <a:pt x="857250" y="1898650"/>
+                  </a:lnTo>
+                  <a:lnTo>
+                    <a:pt x="752475" y="1673225"/>
+                  </a:lnTo>
+                  <a:lnTo>
+                    <a:pt x="466725" y="1200150"/>
+                  </a:lnTo>
+                  <a:lnTo>
+                    <a:pt x="419100" y="981075"/>
+                  </a:lnTo>
+                  <a:lnTo>
+                    <a:pt x="438150" y="781050"/>
+                  </a:lnTo>
+                  <a:lnTo>
+                    <a:pt x="558800" y="676275"/>
+                  </a:lnTo>
+                  <a:lnTo>
+                    <a:pt x="711200" y="612775"/>
+                  </a:lnTo>
+                  <a:lnTo>
+                    <a:pt x="885825" y="622300"/>
+                  </a:lnTo>
+                  <a:lnTo>
+                    <a:pt x="1012825" y="695325"/>
+                  </a:lnTo>
+                  <a:lnTo>
+                    <a:pt x="1085850" y="873125"/>
+                  </a:lnTo>
+                  <a:lnTo>
+                    <a:pt x="1101725" y="911225"/>
+                  </a:lnTo>
+                  <a:lnTo>
+                    <a:pt x="1149350" y="1054100"/>
+                  </a:lnTo>
+                  <a:lnTo>
+                    <a:pt x="1196975" y="1292225"/>
+                  </a:lnTo>
+                  <a:lnTo>
+                    <a:pt x="1247775" y="1663700"/>
+                  </a:lnTo>
+                  <a:lnTo>
+                    <a:pt x="1295400" y="1968500"/>
+                  </a:lnTo>
+                  <a:lnTo>
+                    <a:pt x="1409700" y="2193925"/>
+                  </a:lnTo>
+                  <a:lnTo>
+                    <a:pt x="1514475" y="2295525"/>
+                  </a:lnTo>
+                  <a:lnTo>
+                    <a:pt x="1660525" y="2371725"/>
+                  </a:lnTo>
+                  <a:lnTo>
+                    <a:pt x="1851025" y="2384425"/>
+                  </a:lnTo>
+                  <a:lnTo>
+                    <a:pt x="2070100" y="2384425"/>
+                  </a:lnTo>
+                </a:path>
+              </a:pathLst>
+            </a:custGeom>
+            <a:ln w="41275">
+              <a:noFill/>
+            </a:ln>
+            <a:effectLst>
+              <a:glow rad="228600">
+                <a:schemeClr val="accent1">
+                  <a:satMod val="175000"/>
+                  <a:alpha val="38000"/>
+                </a:schemeClr>
+              </a:glow>
+              <a:softEdge rad="0"/>
+            </a:effectLst>
+          </p:spPr>
+          <p:style>
+            <a:lnRef idx="1">
+              <a:schemeClr val="accent1"/>
+            </a:lnRef>
+            <a:fillRef idx="0">
+              <a:schemeClr val="accent1"/>
+            </a:fillRef>
+            <a:effectRef idx="0">
+              <a:schemeClr val="accent1"/>
+            </a:effectRef>
+            <a:fontRef idx="minor">
+              <a:schemeClr val="tx1"/>
+            </a:fontRef>
+          </p:style>
+          <p:txBody>
+            <a:bodyPr rtlCol="0" anchor="ctr"/>
+            <a:lstStyle/>
+            <a:p>
+              <a:pPr algn="ctr"/>
+              <a:endParaRPr kumimoji="1" lang="ja-JP" altLang="en-US"/>
+            </a:p>
+          </p:txBody>
+        </p:sp>
+        <p:sp>
+          <p:nvSpPr>
+            <p:cNvPr id="28" name="テキスト ボックス 27"/>
+            <p:cNvSpPr txBox="1"/>
+            <p:nvPr/>
+          </p:nvSpPr>
+          <p:spPr>
+            <a:xfrm>
+              <a:off x="7068647" y="5111456"/>
+              <a:ext cx="432048" cy="369332"/>
+            </a:xfrm>
+            <a:prstGeom prst="rect">
+              <a:avLst/>
+            </a:prstGeom>
+            <a:noFill/>
+            <a:ln>
+              <a:noFill/>
+            </a:ln>
+          </p:spPr>
+          <p:txBody>
+            <a:bodyPr wrap="square" rtlCol="0">
+              <a:spAutoFit/>
+            </a:bodyPr>
+            <a:lstStyle/>
+            <a:p>
+              <a:r>
+                <a:rPr lang="ja-JP" altLang="en-US" sz="1800" dirty="0">
+                  <a:solidFill>
+                    <a:srgbClr val="C00000"/>
+                  </a:solidFill>
+                </a:rPr>
+                <a:t>②</a:t>
+              </a:r>
+              <a:endParaRPr kumimoji="1" lang="ja-JP" altLang="en-US" sz="1800" dirty="0">
+                <a:solidFill>
+                  <a:srgbClr val="C00000"/>
+                </a:solidFill>
+              </a:endParaRPr>
+            </a:p>
+          </p:txBody>
+        </p:sp>
+        <p:sp>
+          <p:nvSpPr>
+            <p:cNvPr id="29" name="テキスト ボックス 28"/>
+            <p:cNvSpPr txBox="1"/>
+            <p:nvPr/>
+          </p:nvSpPr>
+          <p:spPr>
+            <a:xfrm>
+              <a:off x="6544816" y="5111854"/>
+              <a:ext cx="432048" cy="369332"/>
+            </a:xfrm>
+            <a:prstGeom prst="rect">
+              <a:avLst/>
+            </a:prstGeom>
+            <a:noFill/>
+            <a:ln>
+              <a:noFill/>
+            </a:ln>
+          </p:spPr>
+          <p:txBody>
+            <a:bodyPr wrap="square" rtlCol="0">
+              <a:spAutoFit/>
+            </a:bodyPr>
+            <a:lstStyle/>
+            <a:p>
+              <a:r>
+                <a:rPr lang="ja-JP" altLang="en-US" sz="1800" dirty="0">
+                  <a:solidFill>
+                    <a:srgbClr val="C00000"/>
+                  </a:solidFill>
+                </a:rPr>
+                <a:t>③</a:t>
+              </a:r>
+              <a:endParaRPr kumimoji="1" lang="ja-JP" altLang="en-US" sz="1800" dirty="0">
+                <a:solidFill>
+                  <a:srgbClr val="C00000"/>
+                </a:solidFill>
+              </a:endParaRPr>
+            </a:p>
+          </p:txBody>
+        </p:sp>
+        <p:sp>
+          <p:nvSpPr>
+            <p:cNvPr id="31" name="テキスト ボックス 30"/>
+            <p:cNvSpPr txBox="1"/>
+            <p:nvPr/>
+          </p:nvSpPr>
+          <p:spPr>
+            <a:xfrm>
+              <a:off x="4929361" y="6240760"/>
+              <a:ext cx="432048" cy="369332"/>
+            </a:xfrm>
+            <a:prstGeom prst="rect">
+              <a:avLst/>
+            </a:prstGeom>
+            <a:noFill/>
+            <a:ln>
+              <a:noFill/>
+            </a:ln>
+          </p:spPr>
+          <p:txBody>
+            <a:bodyPr wrap="square" rtlCol="0">
+              <a:spAutoFit/>
+            </a:bodyPr>
+            <a:lstStyle/>
+            <a:p>
+              <a:r>
+                <a:rPr lang="ja-JP" altLang="en-US" sz="1800" dirty="0">
+                  <a:solidFill>
+                    <a:srgbClr val="C00000"/>
+                  </a:solidFill>
+                </a:rPr>
+                <a:t>⑤</a:t>
+              </a:r>
+              <a:endParaRPr kumimoji="1" lang="ja-JP" altLang="en-US" sz="1800" dirty="0">
+                <a:solidFill>
+                  <a:srgbClr val="C00000"/>
+                </a:solidFill>
+              </a:endParaRPr>
+            </a:p>
+          </p:txBody>
+        </p:sp>
+        <p:sp>
+          <p:nvSpPr>
+            <p:cNvPr id="32" name="テキスト ボックス 31"/>
+            <p:cNvSpPr txBox="1"/>
+            <p:nvPr/>
+          </p:nvSpPr>
+          <p:spPr>
+            <a:xfrm>
+              <a:off x="6400800" y="7392888"/>
+              <a:ext cx="432048" cy="369332"/>
+            </a:xfrm>
+            <a:prstGeom prst="rect">
+              <a:avLst/>
+            </a:prstGeom>
+            <a:noFill/>
+            <a:ln>
+              <a:noFill/>
+            </a:ln>
+          </p:spPr>
+          <p:txBody>
+            <a:bodyPr wrap="square" rtlCol="0">
+              <a:spAutoFit/>
+            </a:bodyPr>
+            <a:lstStyle/>
+            <a:p>
+              <a:r>
+                <a:rPr lang="ja-JP" altLang="en-US" sz="1800" dirty="0">
+                  <a:solidFill>
+                    <a:srgbClr val="C00000"/>
+                  </a:solidFill>
+                </a:rPr>
+                <a:t>⑩</a:t>
+              </a:r>
+              <a:endParaRPr kumimoji="1" lang="ja-JP" altLang="en-US" sz="1800" dirty="0">
+                <a:solidFill>
+                  <a:srgbClr val="C00000"/>
+                </a:solidFill>
+              </a:endParaRPr>
+            </a:p>
+          </p:txBody>
+        </p:sp>
+        <p:sp>
+          <p:nvSpPr>
+            <p:cNvPr id="34" name="テキスト ボックス 33"/>
+            <p:cNvSpPr txBox="1"/>
+            <p:nvPr/>
+          </p:nvSpPr>
+          <p:spPr>
+            <a:xfrm>
+              <a:off x="5538135" y="6600800"/>
+              <a:ext cx="432048" cy="369332"/>
+            </a:xfrm>
+            <a:prstGeom prst="rect">
+              <a:avLst/>
+            </a:prstGeom>
+            <a:noFill/>
+            <a:ln>
+              <a:noFill/>
+            </a:ln>
+          </p:spPr>
+          <p:txBody>
+            <a:bodyPr wrap="square" rtlCol="0">
+              <a:spAutoFit/>
+            </a:bodyPr>
+            <a:lstStyle/>
+            <a:p>
+              <a:r>
+                <a:rPr lang="ja-JP" altLang="en-US" sz="1800" dirty="0">
+                  <a:solidFill>
+                    <a:srgbClr val="C00000"/>
+                  </a:solidFill>
+                </a:rPr>
+                <a:t>⑦</a:t>
+              </a:r>
+              <a:endParaRPr kumimoji="1" lang="ja-JP" altLang="en-US" sz="1800" dirty="0">
+                <a:solidFill>
+                  <a:srgbClr val="C00000"/>
+                </a:solidFill>
+              </a:endParaRPr>
+            </a:p>
+          </p:txBody>
+        </p:sp>
+        <p:sp>
+          <p:nvSpPr>
+            <p:cNvPr id="35" name="テキスト ボックス 34"/>
+            <p:cNvSpPr txBox="1"/>
+            <p:nvPr/>
+          </p:nvSpPr>
+          <p:spPr>
+            <a:xfrm>
+              <a:off x="5401593" y="7464896"/>
+              <a:ext cx="432048" cy="369332"/>
+            </a:xfrm>
+            <a:prstGeom prst="rect">
+              <a:avLst/>
+            </a:prstGeom>
+            <a:noFill/>
+            <a:ln>
+              <a:noFill/>
+            </a:ln>
+          </p:spPr>
+          <p:txBody>
+            <a:bodyPr wrap="square" rtlCol="0">
+              <a:spAutoFit/>
+            </a:bodyPr>
+            <a:lstStyle/>
+            <a:p>
+              <a:r>
+                <a:rPr lang="ja-JP" altLang="en-US" sz="1800" dirty="0">
+                  <a:solidFill>
+                    <a:srgbClr val="C00000"/>
+                  </a:solidFill>
+                </a:rPr>
+                <a:t>⑥</a:t>
+              </a:r>
+              <a:endParaRPr kumimoji="1" lang="ja-JP" altLang="en-US" sz="1800" dirty="0">
+                <a:solidFill>
+                  <a:srgbClr val="C00000"/>
+                </a:solidFill>
+              </a:endParaRPr>
+            </a:p>
+          </p:txBody>
+        </p:sp>
+        <p:sp>
+          <p:nvSpPr>
+            <p:cNvPr id="36" name="テキスト ボックス 35"/>
+            <p:cNvSpPr txBox="1"/>
+            <p:nvPr/>
+          </p:nvSpPr>
+          <p:spPr>
+            <a:xfrm>
+              <a:off x="5608712" y="5763706"/>
+              <a:ext cx="432048" cy="369332"/>
+            </a:xfrm>
+            <a:prstGeom prst="rect">
+              <a:avLst/>
+            </a:prstGeom>
+            <a:noFill/>
+            <a:ln>
+              <a:noFill/>
+            </a:ln>
+          </p:spPr>
+          <p:txBody>
+            <a:bodyPr wrap="square" rtlCol="0">
+              <a:spAutoFit/>
+            </a:bodyPr>
+            <a:lstStyle/>
+            <a:p>
+              <a:r>
+                <a:rPr lang="ja-JP" altLang="en-US" sz="1800" dirty="0">
+                  <a:solidFill>
+                    <a:srgbClr val="C00000"/>
+                  </a:solidFill>
+                </a:rPr>
+                <a:t>⑧</a:t>
+              </a:r>
+              <a:endParaRPr kumimoji="1" lang="ja-JP" altLang="en-US" sz="1800" dirty="0">
+                <a:solidFill>
+                  <a:srgbClr val="C00000"/>
+                </a:solidFill>
+              </a:endParaRPr>
+            </a:p>
+          </p:txBody>
+        </p:sp>
+        <p:cxnSp>
+          <p:nvCxnSpPr>
+            <p:cNvPr id="19" name="直線コネクタ 18"/>
+            <p:cNvCxnSpPr/>
+            <p:nvPr/>
+          </p:nvCxnSpPr>
+          <p:spPr>
+            <a:xfrm>
+              <a:off x="7500695" y="5063851"/>
+              <a:ext cx="0" cy="514898"/>
+            </a:xfrm>
+            <a:prstGeom prst="line">
+              <a:avLst/>
+            </a:prstGeom>
+            <a:ln w="28575">
+              <a:noFill/>
+            </a:ln>
+          </p:spPr>
+          <p:style>
+            <a:lnRef idx="1">
+              <a:schemeClr val="accent1"/>
+            </a:lnRef>
+            <a:fillRef idx="0">
+              <a:schemeClr val="accent1"/>
+            </a:fillRef>
+            <a:effectRef idx="0">
+              <a:schemeClr val="accent1"/>
+            </a:effectRef>
+            <a:fontRef idx="minor">
+              <a:schemeClr val="tx1"/>
+            </a:fontRef>
+          </p:style>
+        </p:cxnSp>
+        <p:cxnSp>
+          <p:nvCxnSpPr>
+            <p:cNvPr id="38" name="直線コネクタ 37"/>
+            <p:cNvCxnSpPr/>
+            <p:nvPr/>
+          </p:nvCxnSpPr>
+          <p:spPr>
+            <a:xfrm>
+              <a:off x="7048872" y="5087857"/>
+              <a:ext cx="0" cy="514898"/>
+            </a:xfrm>
+            <a:prstGeom prst="line">
+              <a:avLst/>
+            </a:prstGeom>
+            <a:ln w="28575">
+              <a:noFill/>
+            </a:ln>
+          </p:spPr>
+          <p:style>
+            <a:lnRef idx="1">
+              <a:schemeClr val="accent1"/>
+            </a:lnRef>
+            <a:fillRef idx="0">
+              <a:schemeClr val="accent1"/>
+            </a:fillRef>
+            <a:effectRef idx="0">
+              <a:schemeClr val="accent1"/>
+            </a:effectRef>
+            <a:fontRef idx="minor">
+              <a:schemeClr val="tx1"/>
+            </a:fontRef>
+          </p:style>
+        </p:cxnSp>
+        <p:cxnSp>
+          <p:nvCxnSpPr>
+            <p:cNvPr id="39" name="直線コネクタ 38"/>
+            <p:cNvCxnSpPr/>
+            <p:nvPr/>
+          </p:nvCxnSpPr>
+          <p:spPr>
+            <a:xfrm>
+              <a:off x="5680720" y="5032323"/>
+              <a:ext cx="0" cy="514898"/>
+            </a:xfrm>
+            <a:prstGeom prst="line">
+              <a:avLst/>
+            </a:prstGeom>
+            <a:ln w="28575">
+              <a:noFill/>
+            </a:ln>
+          </p:spPr>
+          <p:style>
+            <a:lnRef idx="1">
+              <a:schemeClr val="accent1"/>
+            </a:lnRef>
+            <a:fillRef idx="0">
+              <a:schemeClr val="accent1"/>
+            </a:fillRef>
+            <a:effectRef idx="0">
+              <a:schemeClr val="accent1"/>
+            </a:effectRef>
+            <a:fontRef idx="minor">
+              <a:schemeClr val="tx1"/>
+            </a:fontRef>
+          </p:style>
+        </p:cxnSp>
+        <p:cxnSp>
+          <p:nvCxnSpPr>
+            <p:cNvPr id="40" name="直線コネクタ 39"/>
+            <p:cNvCxnSpPr/>
+            <p:nvPr/>
+          </p:nvCxnSpPr>
+          <p:spPr>
+            <a:xfrm>
+              <a:off x="4912583" y="5763706"/>
+              <a:ext cx="489010" cy="0"/>
+            </a:xfrm>
+            <a:prstGeom prst="line">
+              <a:avLst/>
+            </a:prstGeom>
+            <a:ln w="28575">
+              <a:noFill/>
+            </a:ln>
+          </p:spPr>
+          <p:style>
+            <a:lnRef idx="1">
+              <a:schemeClr val="accent1"/>
+            </a:lnRef>
+            <a:fillRef idx="0">
+              <a:schemeClr val="accent1"/>
+            </a:fillRef>
+            <a:effectRef idx="0">
+              <a:schemeClr val="accent1"/>
+            </a:effectRef>
+            <a:fontRef idx="minor">
+              <a:schemeClr val="tx1"/>
+            </a:fontRef>
+          </p:style>
+        </p:cxnSp>
+        <p:cxnSp>
+          <p:nvCxnSpPr>
+            <p:cNvPr id="44" name="直線コネクタ 43"/>
+            <p:cNvCxnSpPr/>
+            <p:nvPr/>
+          </p:nvCxnSpPr>
+          <p:spPr>
+            <a:xfrm>
+              <a:off x="4856321" y="7176864"/>
+              <a:ext cx="489010" cy="0"/>
+            </a:xfrm>
+            <a:prstGeom prst="line">
+              <a:avLst/>
+            </a:prstGeom>
+            <a:ln w="28575">
+              <a:noFill/>
+            </a:ln>
+          </p:spPr>
+          <p:style>
+            <a:lnRef idx="1">
+              <a:schemeClr val="accent1"/>
+            </a:lnRef>
+            <a:fillRef idx="0">
+              <a:schemeClr val="accent1"/>
+            </a:fillRef>
+            <a:effectRef idx="0">
+              <a:schemeClr val="accent1"/>
+            </a:effectRef>
+            <a:fontRef idx="minor">
+              <a:schemeClr val="tx1"/>
+            </a:fontRef>
+          </p:style>
+        </p:cxnSp>
+        <p:cxnSp>
+          <p:nvCxnSpPr>
+            <p:cNvPr id="45" name="直線コネクタ 44"/>
+            <p:cNvCxnSpPr/>
+            <p:nvPr/>
+          </p:nvCxnSpPr>
+          <p:spPr>
+            <a:xfrm>
+              <a:off x="5755590" y="7176864"/>
+              <a:ext cx="429186" cy="0"/>
+            </a:xfrm>
+            <a:prstGeom prst="line">
+              <a:avLst/>
+            </a:prstGeom>
+            <a:ln w="28575">
+              <a:noFill/>
+            </a:ln>
+          </p:spPr>
+          <p:style>
+            <a:lnRef idx="1">
+              <a:schemeClr val="accent1"/>
+            </a:lnRef>
+            <a:fillRef idx="0">
+              <a:schemeClr val="accent1"/>
+            </a:fillRef>
+            <a:effectRef idx="0">
+              <a:schemeClr val="accent1"/>
+            </a:effectRef>
+            <a:fontRef idx="minor">
+              <a:schemeClr val="tx1"/>
+            </a:fontRef>
+          </p:style>
+        </p:cxnSp>
+        <p:cxnSp>
+          <p:nvCxnSpPr>
+            <p:cNvPr id="46" name="直線コネクタ 45"/>
+            <p:cNvCxnSpPr/>
+            <p:nvPr/>
+          </p:nvCxnSpPr>
+          <p:spPr>
+            <a:xfrm>
+              <a:off x="5319102" y="6238949"/>
+              <a:ext cx="489010" cy="0"/>
+            </a:xfrm>
+            <a:prstGeom prst="line">
+              <a:avLst/>
+            </a:prstGeom>
+            <a:ln w="28575">
+              <a:noFill/>
+            </a:ln>
+          </p:spPr>
+          <p:style>
+            <a:lnRef idx="1">
+              <a:schemeClr val="accent1"/>
+            </a:lnRef>
+            <a:fillRef idx="0">
+              <a:schemeClr val="accent1"/>
+            </a:fillRef>
+            <a:effectRef idx="0">
+              <a:schemeClr val="accent1"/>
+            </a:effectRef>
+            <a:fontRef idx="minor">
+              <a:schemeClr val="tx1"/>
+            </a:fontRef>
+          </p:style>
+        </p:cxnSp>
+        <p:cxnSp>
+          <p:nvCxnSpPr>
+            <p:cNvPr id="47" name="直線コネクタ 46"/>
+            <p:cNvCxnSpPr/>
+            <p:nvPr/>
+          </p:nvCxnSpPr>
+          <p:spPr>
+            <a:xfrm>
+              <a:off x="6055806" y="6436315"/>
+              <a:ext cx="489010" cy="0"/>
+            </a:xfrm>
+            <a:prstGeom prst="line">
+              <a:avLst/>
+            </a:prstGeom>
+            <a:ln w="28575">
+              <a:noFill/>
+            </a:ln>
+          </p:spPr>
+          <p:style>
+            <a:lnRef idx="1">
+              <a:schemeClr val="accent1"/>
+            </a:lnRef>
+            <a:fillRef idx="0">
+              <a:schemeClr val="accent1"/>
+            </a:fillRef>
+            <a:effectRef idx="0">
+              <a:schemeClr val="accent1"/>
+            </a:effectRef>
+            <a:fontRef idx="minor">
+              <a:schemeClr val="tx1"/>
+            </a:fontRef>
+          </p:style>
+        </p:cxnSp>
+        <p:cxnSp>
+          <p:nvCxnSpPr>
+            <p:cNvPr id="48" name="直線コネクタ 47"/>
+            <p:cNvCxnSpPr/>
+            <p:nvPr/>
+          </p:nvCxnSpPr>
+          <p:spPr>
+            <a:xfrm>
+              <a:off x="6256784" y="7248872"/>
+              <a:ext cx="341605" cy="0"/>
+            </a:xfrm>
+            <a:prstGeom prst="line">
+              <a:avLst/>
+            </a:prstGeom>
+            <a:ln w="28575">
+              <a:noFill/>
+            </a:ln>
+          </p:spPr>
+          <p:style>
+            <a:lnRef idx="1">
+              <a:schemeClr val="accent1"/>
+            </a:lnRef>
+            <a:fillRef idx="0">
+              <a:schemeClr val="accent1"/>
+            </a:fillRef>
+            <a:effectRef idx="0">
+              <a:schemeClr val="accent1"/>
+            </a:effectRef>
+            <a:fontRef idx="minor">
+              <a:schemeClr val="tx1"/>
+            </a:fontRef>
+          </p:style>
+        </p:cxnSp>
+        <p:cxnSp>
+          <p:nvCxnSpPr>
+            <p:cNvPr id="59" name="直線コネクタ 58"/>
+            <p:cNvCxnSpPr/>
+            <p:nvPr/>
+          </p:nvCxnSpPr>
+          <p:spPr>
+            <a:xfrm>
+              <a:off x="6904856" y="7464896"/>
+              <a:ext cx="0" cy="442115"/>
+            </a:xfrm>
+            <a:prstGeom prst="line">
+              <a:avLst/>
+            </a:prstGeom>
+            <a:ln w="28575">
+              <a:noFill/>
+            </a:ln>
+          </p:spPr>
+          <p:style>
+            <a:lnRef idx="1">
+              <a:schemeClr val="accent1"/>
+            </a:lnRef>
+            <a:fillRef idx="0">
+              <a:schemeClr val="accent1"/>
+            </a:fillRef>
+            <a:effectRef idx="0">
+              <a:schemeClr val="accent1"/>
+            </a:effectRef>
+            <a:fontRef idx="minor">
+              <a:schemeClr val="tx1"/>
+            </a:fontRef>
+          </p:style>
+        </p:cxnSp>
+        <p:cxnSp>
+          <p:nvCxnSpPr>
+            <p:cNvPr id="61" name="直線コネクタ 60"/>
+            <p:cNvCxnSpPr/>
+            <p:nvPr/>
+          </p:nvCxnSpPr>
+          <p:spPr>
+            <a:xfrm>
+              <a:off x="7336904" y="7464895"/>
+              <a:ext cx="0" cy="442115"/>
+            </a:xfrm>
+            <a:prstGeom prst="line">
+              <a:avLst/>
+            </a:prstGeom>
+            <a:ln w="28575">
+              <a:noFill/>
+            </a:ln>
+          </p:spPr>
+          <p:style>
+            <a:lnRef idx="1">
+              <a:schemeClr val="accent1"/>
+            </a:lnRef>
+            <a:fillRef idx="0">
+              <a:schemeClr val="accent1"/>
+            </a:fillRef>
+            <a:effectRef idx="0">
+              <a:schemeClr val="accent1"/>
+            </a:effectRef>
+            <a:fontRef idx="minor">
+              <a:schemeClr val="tx1"/>
+            </a:fontRef>
+          </p:style>
+        </p:cxnSp>
+        <p:cxnSp>
+          <p:nvCxnSpPr>
+            <p:cNvPr id="65" name="直線コネクタ 64"/>
+            <p:cNvCxnSpPr/>
+            <p:nvPr/>
+          </p:nvCxnSpPr>
+          <p:spPr>
+            <a:xfrm>
+              <a:off x="7336904" y="6991423"/>
+              <a:ext cx="0" cy="257449"/>
+            </a:xfrm>
+            <a:prstGeom prst="line">
+              <a:avLst/>
+            </a:prstGeom>
+            <a:ln w="28575">
+              <a:noFill/>
+            </a:ln>
+          </p:spPr>
+          <p:style>
+            <a:lnRef idx="1">
+              <a:schemeClr val="accent1"/>
+            </a:lnRef>
+            <a:fillRef idx="0">
+              <a:schemeClr val="accent1"/>
+            </a:fillRef>
+            <a:effectRef idx="0">
+              <a:schemeClr val="accent1"/>
+            </a:effectRef>
+            <a:fontRef idx="minor">
+              <a:schemeClr val="tx1"/>
+            </a:fontRef>
+          </p:style>
+        </p:cxnSp>
+        <p:cxnSp>
+          <p:nvCxnSpPr>
+            <p:cNvPr id="68" name="直線コネクタ 67"/>
+            <p:cNvCxnSpPr/>
+            <p:nvPr/>
+          </p:nvCxnSpPr>
+          <p:spPr>
+            <a:xfrm>
+              <a:off x="6921797" y="6991422"/>
+              <a:ext cx="0" cy="257449"/>
+            </a:xfrm>
+            <a:prstGeom prst="line">
+              <a:avLst/>
+            </a:prstGeom>
+            <a:ln w="28575">
+              <a:noFill/>
+            </a:ln>
+          </p:spPr>
+          <p:style>
+            <a:lnRef idx="1">
+              <a:schemeClr val="accent1"/>
+            </a:lnRef>
+            <a:fillRef idx="0">
+              <a:schemeClr val="accent1"/>
+            </a:fillRef>
+            <a:effectRef idx="0">
+              <a:schemeClr val="accent1"/>
+            </a:effectRef>
+            <a:fontRef idx="minor">
+              <a:schemeClr val="tx1"/>
+            </a:fontRef>
+          </p:style>
+        </p:cxnSp>
+        <p:cxnSp>
+          <p:nvCxnSpPr>
+            <p:cNvPr id="69" name="直線コネクタ 68"/>
+            <p:cNvCxnSpPr/>
+            <p:nvPr/>
+          </p:nvCxnSpPr>
+          <p:spPr>
+            <a:xfrm flipH="1">
+              <a:off x="6598389" y="6905553"/>
+              <a:ext cx="281385" cy="0"/>
+            </a:xfrm>
+            <a:prstGeom prst="line">
+              <a:avLst/>
+            </a:prstGeom>
+            <a:ln w="28575">
+              <a:noFill/>
+            </a:ln>
+          </p:spPr>
+          <p:style>
+            <a:lnRef idx="1">
+              <a:schemeClr val="accent1"/>
+            </a:lnRef>
+            <a:fillRef idx="0">
+              <a:schemeClr val="accent1"/>
+            </a:fillRef>
+            <a:effectRef idx="0">
+              <a:schemeClr val="accent1"/>
+            </a:effectRef>
+            <a:fontRef idx="minor">
+              <a:schemeClr val="tx1"/>
+            </a:fontRef>
+          </p:style>
+        </p:cxnSp>
+        <p:cxnSp>
+          <p:nvCxnSpPr>
+            <p:cNvPr id="71" name="直線コネクタ 70"/>
+            <p:cNvCxnSpPr/>
+            <p:nvPr/>
+          </p:nvCxnSpPr>
+          <p:spPr>
+            <a:xfrm flipH="1">
+              <a:off x="6563968" y="6096744"/>
+              <a:ext cx="281385" cy="0"/>
+            </a:xfrm>
+            <a:prstGeom prst="line">
+              <a:avLst/>
+            </a:prstGeom>
+            <a:ln w="28575">
+              <a:noFill/>
+            </a:ln>
+          </p:spPr>
+          <p:style>
+            <a:lnRef idx="1">
+              <a:schemeClr val="accent1"/>
+            </a:lnRef>
+            <a:fillRef idx="0">
+              <a:schemeClr val="accent1"/>
+            </a:fillRef>
+            <a:effectRef idx="0">
+              <a:schemeClr val="accent1"/>
+            </a:effectRef>
+            <a:fontRef idx="minor">
+              <a:schemeClr val="tx1"/>
+            </a:fontRef>
+          </p:style>
+        </p:cxnSp>
+        <p:cxnSp>
+          <p:nvCxnSpPr>
+            <p:cNvPr id="74" name="直線コネクタ 73"/>
+            <p:cNvCxnSpPr/>
+            <p:nvPr/>
+          </p:nvCxnSpPr>
+          <p:spPr>
+            <a:xfrm>
+              <a:off x="8345016" y="5763706"/>
+              <a:ext cx="0" cy="257449"/>
+            </a:xfrm>
+            <a:prstGeom prst="line">
+              <a:avLst/>
+            </a:prstGeom>
+            <a:ln w="28575">
+              <a:noFill/>
+            </a:ln>
+          </p:spPr>
+          <p:style>
+            <a:lnRef idx="1">
+              <a:schemeClr val="accent1"/>
+            </a:lnRef>
+            <a:fillRef idx="0">
+              <a:schemeClr val="accent1"/>
+            </a:fillRef>
+            <a:effectRef idx="0">
+              <a:schemeClr val="accent1"/>
+            </a:effectRef>
+            <a:fontRef idx="minor">
+              <a:schemeClr val="tx1"/>
+            </a:fontRef>
+          </p:style>
+        </p:cxnSp>
+        <p:cxnSp>
+          <p:nvCxnSpPr>
+            <p:cNvPr id="75" name="直線コネクタ 74"/>
+            <p:cNvCxnSpPr/>
+            <p:nvPr/>
+          </p:nvCxnSpPr>
+          <p:spPr>
+            <a:xfrm>
+              <a:off x="7048872" y="5750636"/>
+              <a:ext cx="0" cy="257449"/>
+            </a:xfrm>
+            <a:prstGeom prst="line">
+              <a:avLst/>
+            </a:prstGeom>
+            <a:ln w="28575">
+              <a:noFill/>
+            </a:ln>
+          </p:spPr>
+          <p:style>
+            <a:lnRef idx="1">
+              <a:schemeClr val="accent1"/>
+            </a:lnRef>
+            <a:fillRef idx="0">
+              <a:schemeClr val="accent1"/>
+            </a:fillRef>
+            <a:effectRef idx="0">
+              <a:schemeClr val="accent1"/>
+            </a:effectRef>
+            <a:fontRef idx="minor">
+              <a:schemeClr val="tx1"/>
+            </a:fontRef>
+          </p:style>
+        </p:cxnSp>
+        <p:cxnSp>
+          <p:nvCxnSpPr>
+            <p:cNvPr id="77" name="直線コネクタ 76"/>
+            <p:cNvCxnSpPr/>
+            <p:nvPr/>
+          </p:nvCxnSpPr>
+          <p:spPr>
+            <a:xfrm flipH="1" flipV="1">
+              <a:off x="7840960" y="7651864"/>
+              <a:ext cx="1" cy="271306"/>
+            </a:xfrm>
+            <a:prstGeom prst="line">
+              <a:avLst/>
+            </a:prstGeom>
+            <a:ln w="28575">
+              <a:noFill/>
+            </a:ln>
+          </p:spPr>
+          <p:style>
+            <a:lnRef idx="1">
+              <a:schemeClr val="accent1"/>
+            </a:lnRef>
+            <a:fillRef idx="0">
+              <a:schemeClr val="accent1"/>
+            </a:fillRef>
+            <a:effectRef idx="0">
+              <a:schemeClr val="accent1"/>
+            </a:effectRef>
+            <a:fontRef idx="minor">
+              <a:schemeClr val="tx1"/>
+            </a:fontRef>
+          </p:style>
+        </p:cxnSp>
+        <p:cxnSp>
+          <p:nvCxnSpPr>
+            <p:cNvPr id="80" name="直線コネクタ 79"/>
+            <p:cNvCxnSpPr/>
+            <p:nvPr/>
+          </p:nvCxnSpPr>
+          <p:spPr>
+            <a:xfrm flipH="1">
+              <a:off x="8063631" y="7402341"/>
+              <a:ext cx="281385" cy="0"/>
+            </a:xfrm>
+            <a:prstGeom prst="line">
+              <a:avLst/>
+            </a:prstGeom>
+            <a:ln w="28575">
+              <a:noFill/>
+            </a:ln>
+          </p:spPr>
+          <p:style>
+            <a:lnRef idx="1">
+              <a:schemeClr val="accent1"/>
+            </a:lnRef>
+            <a:fillRef idx="0">
+              <a:schemeClr val="accent1"/>
+            </a:fillRef>
+            <a:effectRef idx="0">
+              <a:schemeClr val="accent1"/>
+            </a:effectRef>
+            <a:fontRef idx="minor">
+              <a:schemeClr val="tx1"/>
+            </a:fontRef>
+          </p:style>
+        </p:cxnSp>
+        <p:cxnSp>
+          <p:nvCxnSpPr>
+            <p:cNvPr id="81" name="直線コネクタ 80"/>
+            <p:cNvCxnSpPr/>
+            <p:nvPr/>
+          </p:nvCxnSpPr>
+          <p:spPr>
+            <a:xfrm flipV="1">
+              <a:off x="7910661" y="6733978"/>
+              <a:ext cx="0" cy="236154"/>
+            </a:xfrm>
+            <a:prstGeom prst="line">
+              <a:avLst/>
+            </a:prstGeom>
+            <a:ln w="28575">
+              <a:noFill/>
+            </a:ln>
+          </p:spPr>
+          <p:style>
+            <a:lnRef idx="1">
+              <a:schemeClr val="accent1"/>
+            </a:lnRef>
+            <a:fillRef idx="0">
+              <a:schemeClr val="accent1"/>
+            </a:fillRef>
+            <a:effectRef idx="0">
+              <a:schemeClr val="accent1"/>
+            </a:effectRef>
+            <a:fontRef idx="minor">
+              <a:schemeClr val="tx1"/>
+            </a:fontRef>
+          </p:style>
+        </p:cxnSp>
+        <p:cxnSp>
+          <p:nvCxnSpPr>
+            <p:cNvPr id="85" name="直線コネクタ 84"/>
+            <p:cNvCxnSpPr/>
+            <p:nvPr/>
+          </p:nvCxnSpPr>
+          <p:spPr>
+            <a:xfrm flipV="1">
+              <a:off x="7392060" y="6277358"/>
+              <a:ext cx="0" cy="236154"/>
+            </a:xfrm>
+            <a:prstGeom prst="line">
+              <a:avLst/>
+            </a:prstGeom>
+            <a:ln w="28575">
+              <a:noFill/>
+            </a:ln>
+          </p:spPr>
+          <p:style>
+            <a:lnRef idx="1">
+              <a:schemeClr val="accent1"/>
+            </a:lnRef>
+            <a:fillRef idx="0">
+              <a:schemeClr val="accent1"/>
+            </a:fillRef>
+            <a:effectRef idx="0">
+              <a:schemeClr val="accent1"/>
+            </a:effectRef>
+            <a:fontRef idx="minor">
+              <a:schemeClr val="tx1"/>
+            </a:fontRef>
+          </p:style>
+        </p:cxnSp>
+        <p:cxnSp>
+          <p:nvCxnSpPr>
+            <p:cNvPr id="86" name="直線コネクタ 85"/>
+            <p:cNvCxnSpPr/>
+            <p:nvPr/>
+          </p:nvCxnSpPr>
+          <p:spPr>
+            <a:xfrm flipV="1">
+              <a:off x="7264896" y="6733978"/>
+              <a:ext cx="0" cy="236154"/>
+            </a:xfrm>
+            <a:prstGeom prst="line">
+              <a:avLst/>
+            </a:prstGeom>
+            <a:ln w="28575">
+              <a:noFill/>
+            </a:ln>
+          </p:spPr>
+          <p:style>
+            <a:lnRef idx="1">
+              <a:schemeClr val="accent1"/>
+            </a:lnRef>
+            <a:fillRef idx="0">
+              <a:schemeClr val="accent1"/>
+            </a:fillRef>
+            <a:effectRef idx="0">
+              <a:schemeClr val="accent1"/>
+            </a:effectRef>
+            <a:fontRef idx="minor">
+              <a:schemeClr val="tx1"/>
+            </a:fontRef>
+          </p:style>
+        </p:cxnSp>
+        <p:cxnSp>
+          <p:nvCxnSpPr>
+            <p:cNvPr id="88" name="直線コネクタ 87"/>
+            <p:cNvCxnSpPr/>
+            <p:nvPr/>
+          </p:nvCxnSpPr>
+          <p:spPr>
+            <a:xfrm flipV="1">
+              <a:off x="8204323" y="6267230"/>
+              <a:ext cx="0" cy="236154"/>
+            </a:xfrm>
+            <a:prstGeom prst="line">
+              <a:avLst/>
+            </a:prstGeom>
+            <a:ln w="28575">
+              <a:noFill/>
+            </a:ln>
+          </p:spPr>
+          <p:style>
+            <a:lnRef idx="1">
+              <a:schemeClr val="accent1"/>
+            </a:lnRef>
+            <a:fillRef idx="0">
+              <a:schemeClr val="accent1"/>
+            </a:fillRef>
+            <a:effectRef idx="0">
+              <a:schemeClr val="accent1"/>
+            </a:effectRef>
+            <a:fontRef idx="minor">
+              <a:schemeClr val="tx1"/>
+            </a:fontRef>
+          </p:style>
+        </p:cxnSp>
+        <p:cxnSp>
+          <p:nvCxnSpPr>
+            <p:cNvPr id="89" name="直線コネクタ 88"/>
+            <p:cNvCxnSpPr/>
+            <p:nvPr/>
+          </p:nvCxnSpPr>
+          <p:spPr>
+            <a:xfrm>
+              <a:off x="8356723" y="6655784"/>
+              <a:ext cx="204317" cy="0"/>
+            </a:xfrm>
+            <a:prstGeom prst="line">
+              <a:avLst/>
+            </a:prstGeom>
+            <a:ln w="28575">
+              <a:noFill/>
+            </a:ln>
+          </p:spPr>
+          <p:style>
+            <a:lnRef idx="1">
+              <a:schemeClr val="accent1"/>
+            </a:lnRef>
+            <a:fillRef idx="0">
+              <a:schemeClr val="accent1"/>
+            </a:fillRef>
+            <a:effectRef idx="0">
+              <a:schemeClr val="accent1"/>
+            </a:effectRef>
+            <a:fontRef idx="minor">
+              <a:schemeClr val="tx1"/>
+            </a:fontRef>
+          </p:style>
+        </p:cxnSp>
+        <p:cxnSp>
+          <p:nvCxnSpPr>
+            <p:cNvPr id="91" name="直線コネクタ 90"/>
+            <p:cNvCxnSpPr/>
+            <p:nvPr/>
+          </p:nvCxnSpPr>
+          <p:spPr>
+            <a:xfrm>
+              <a:off x="8356723" y="7575363"/>
+              <a:ext cx="204317" cy="0"/>
+            </a:xfrm>
+            <a:prstGeom prst="line">
+              <a:avLst/>
+            </a:prstGeom>
+            <a:ln w="28575">
+              <a:noFill/>
+            </a:ln>
+          </p:spPr>
+          <p:style>
+            <a:lnRef idx="1">
+              <a:schemeClr val="accent1"/>
+            </a:lnRef>
+            <a:fillRef idx="0">
+              <a:schemeClr val="accent1"/>
+            </a:fillRef>
+            <a:effectRef idx="0">
+              <a:schemeClr val="accent1"/>
+            </a:effectRef>
+            <a:fontRef idx="minor">
+              <a:schemeClr val="tx1"/>
+            </a:fontRef>
+          </p:style>
+        </p:cxnSp>
+        <p:cxnSp>
+          <p:nvCxnSpPr>
+            <p:cNvPr id="98" name="直線コネクタ 97"/>
+            <p:cNvCxnSpPr/>
+            <p:nvPr/>
+          </p:nvCxnSpPr>
+          <p:spPr>
+            <a:xfrm flipH="1">
+              <a:off x="8811764" y="7176864"/>
+              <a:ext cx="281385" cy="0"/>
+            </a:xfrm>
+            <a:prstGeom prst="line">
+              <a:avLst/>
+            </a:prstGeom>
+            <a:ln w="28575">
+              <a:noFill/>
+            </a:ln>
+          </p:spPr>
+          <p:style>
+            <a:lnRef idx="1">
+              <a:schemeClr val="accent1"/>
+            </a:lnRef>
+            <a:fillRef idx="0">
+              <a:schemeClr val="accent1"/>
+            </a:fillRef>
+            <a:effectRef idx="0">
+              <a:schemeClr val="accent1"/>
+            </a:effectRef>
+            <a:fontRef idx="minor">
+              <a:schemeClr val="tx1"/>
+            </a:fontRef>
+          </p:style>
+        </p:cxnSp>
+        <p:cxnSp>
+          <p:nvCxnSpPr>
+            <p:cNvPr id="99" name="直線コネクタ 98"/>
+            <p:cNvCxnSpPr/>
+            <p:nvPr/>
+          </p:nvCxnSpPr>
+          <p:spPr>
+            <a:xfrm flipH="1">
+              <a:off x="8794947" y="7575363"/>
+              <a:ext cx="281385" cy="0"/>
+            </a:xfrm>
+            <a:prstGeom prst="line">
+              <a:avLst/>
+            </a:prstGeom>
+            <a:ln w="28575">
+              <a:noFill/>
+            </a:ln>
+          </p:spPr>
+          <p:style>
+            <a:lnRef idx="1">
+              <a:schemeClr val="accent1"/>
+            </a:lnRef>
+            <a:fillRef idx="0">
+              <a:schemeClr val="accent1"/>
+            </a:fillRef>
+            <a:effectRef idx="0">
+              <a:schemeClr val="accent1"/>
+            </a:effectRef>
+            <a:fontRef idx="minor">
+              <a:schemeClr val="tx1"/>
+            </a:fontRef>
+          </p:style>
+        </p:cxnSp>
+        <p:sp>
+          <p:nvSpPr>
+            <p:cNvPr id="20" name="テキスト ボックス 19"/>
+            <p:cNvSpPr txBox="1"/>
+            <p:nvPr/>
+          </p:nvSpPr>
+          <p:spPr>
+            <a:xfrm>
+              <a:off x="8633048" y="5136634"/>
+              <a:ext cx="432048" cy="369332"/>
+            </a:xfrm>
+            <a:prstGeom prst="rect">
+              <a:avLst/>
+            </a:prstGeom>
+            <a:noFill/>
+            <a:ln>
+              <a:noFill/>
+            </a:ln>
+          </p:spPr>
+          <p:txBody>
+            <a:bodyPr wrap="square" rtlCol="0">
+              <a:spAutoFit/>
+            </a:bodyPr>
+            <a:lstStyle/>
+            <a:p>
+              <a:r>
+                <a:rPr kumimoji="1" lang="ja-JP" altLang="en-US" sz="1800" dirty="0" smtClean="0">
+                  <a:solidFill>
+                    <a:srgbClr val="C00000"/>
+                  </a:solidFill>
+                </a:rPr>
+                <a:t>①</a:t>
+              </a:r>
+              <a:endParaRPr kumimoji="1" lang="ja-JP" altLang="en-US" sz="1800" dirty="0">
+                <a:solidFill>
+                  <a:srgbClr val="C00000"/>
+                </a:solidFill>
+              </a:endParaRPr>
+            </a:p>
+          </p:txBody>
+        </p:sp>
+        <p:sp>
+          <p:nvSpPr>
+            <p:cNvPr id="33" name="テキスト ボックス 32"/>
+            <p:cNvSpPr txBox="1"/>
+            <p:nvPr/>
+          </p:nvSpPr>
+          <p:spPr>
+            <a:xfrm>
+              <a:off x="6131920" y="6533703"/>
+              <a:ext cx="432048" cy="369332"/>
+            </a:xfrm>
+            <a:prstGeom prst="rect">
+              <a:avLst/>
+            </a:prstGeom>
+            <a:noFill/>
+            <a:ln>
+              <a:noFill/>
+            </a:ln>
+          </p:spPr>
+          <p:txBody>
+            <a:bodyPr wrap="square" rtlCol="0">
+              <a:spAutoFit/>
+            </a:bodyPr>
+            <a:lstStyle/>
+            <a:p>
+              <a:r>
+                <a:rPr lang="ja-JP" altLang="en-US" sz="1800" dirty="0">
+                  <a:solidFill>
+                    <a:srgbClr val="C00000"/>
+                  </a:solidFill>
+                </a:rPr>
+                <a:t>⑨</a:t>
+              </a:r>
+              <a:endParaRPr kumimoji="1" lang="ja-JP" altLang="en-US" sz="1800" dirty="0">
+                <a:solidFill>
+                  <a:srgbClr val="C00000"/>
+                </a:solidFill>
+              </a:endParaRPr>
+            </a:p>
+          </p:txBody>
+        </p:sp>
+        <p:sp>
+          <p:nvSpPr>
+            <p:cNvPr id="30" name="テキスト ボックス 29"/>
+            <p:cNvSpPr txBox="1"/>
+            <p:nvPr/>
+          </p:nvSpPr>
+          <p:spPr>
+            <a:xfrm>
+              <a:off x="5176664" y="5160640"/>
+              <a:ext cx="432048" cy="369332"/>
+            </a:xfrm>
+            <a:prstGeom prst="rect">
+              <a:avLst/>
+            </a:prstGeom>
+            <a:noFill/>
+            <a:ln>
+              <a:noFill/>
+            </a:ln>
+          </p:spPr>
+          <p:txBody>
+            <a:bodyPr wrap="square" rtlCol="0">
+              <a:spAutoFit/>
+            </a:bodyPr>
+            <a:lstStyle/>
+            <a:p>
+              <a:r>
+                <a:rPr kumimoji="1" lang="ja-JP" altLang="en-US" sz="1800" dirty="0" smtClean="0">
+                  <a:solidFill>
+                    <a:srgbClr val="C00000"/>
+                  </a:solidFill>
+                </a:rPr>
+                <a:t>④</a:t>
+              </a:r>
+              <a:endParaRPr kumimoji="1" lang="ja-JP" altLang="en-US" sz="1800" dirty="0">
+                <a:solidFill>
+                  <a:srgbClr val="C00000"/>
+                </a:solidFill>
+              </a:endParaRPr>
+            </a:p>
+          </p:txBody>
+        </p:sp>
+      </p:grpSp>
+      <p:sp>
+        <p:nvSpPr>
+          <p:cNvPr id="1037" name="フリーフォーム 1036"/>
+          <p:cNvSpPr/>
+          <p:nvPr/>
+        </p:nvSpPr>
+        <p:spPr>
+          <a:xfrm>
+            <a:off x="3302000" y="5276850"/>
+            <a:ext cx="4032250" cy="2374900"/>
+          </a:xfrm>
+          <a:custGeom>
+            <a:avLst/>
+            <a:gdLst>
+              <a:gd name="connsiteX0" fmla="*/ 4032250 w 4032250"/>
+              <a:gd name="connsiteY0" fmla="*/ 3175 h 2374900"/>
+              <a:gd name="connsiteX1" fmla="*/ 485775 w 4032250"/>
+              <a:gd name="connsiteY1" fmla="*/ 0 h 2374900"/>
+              <a:gd name="connsiteX2" fmla="*/ 323850 w 4032250"/>
+              <a:gd name="connsiteY2" fmla="*/ 12700 h 2374900"/>
+              <a:gd name="connsiteX3" fmla="*/ 222250 w 4032250"/>
+              <a:gd name="connsiteY3" fmla="*/ 44450 h 2374900"/>
+              <a:gd name="connsiteX4" fmla="*/ 171450 w 4032250"/>
+              <a:gd name="connsiteY4" fmla="*/ 82550 h 2374900"/>
+              <a:gd name="connsiteX5" fmla="*/ 120650 w 4032250"/>
+              <a:gd name="connsiteY5" fmla="*/ 130175 h 2374900"/>
+              <a:gd name="connsiteX6" fmla="*/ 63500 w 4032250"/>
+              <a:gd name="connsiteY6" fmla="*/ 203200 h 2374900"/>
+              <a:gd name="connsiteX7" fmla="*/ 25400 w 4032250"/>
+              <a:gd name="connsiteY7" fmla="*/ 292100 h 2374900"/>
+              <a:gd name="connsiteX8" fmla="*/ 12700 w 4032250"/>
+              <a:gd name="connsiteY8" fmla="*/ 409575 h 2374900"/>
+              <a:gd name="connsiteX9" fmla="*/ 3175 w 4032250"/>
+              <a:gd name="connsiteY9" fmla="*/ 549275 h 2374900"/>
+              <a:gd name="connsiteX10" fmla="*/ 3175 w 4032250"/>
+              <a:gd name="connsiteY10" fmla="*/ 593725 h 2374900"/>
+              <a:gd name="connsiteX11" fmla="*/ 0 w 4032250"/>
+              <a:gd name="connsiteY11" fmla="*/ 1889125 h 2374900"/>
+              <a:gd name="connsiteX12" fmla="*/ 15875 w 4032250"/>
+              <a:gd name="connsiteY12" fmla="*/ 2003425 h 2374900"/>
+              <a:gd name="connsiteX13" fmla="*/ 38100 w 4032250"/>
+              <a:gd name="connsiteY13" fmla="*/ 2060575 h 2374900"/>
+              <a:gd name="connsiteX14" fmla="*/ 63500 w 4032250"/>
+              <a:gd name="connsiteY14" fmla="*/ 2098675 h 2374900"/>
+              <a:gd name="connsiteX15" fmla="*/ 120650 w 4032250"/>
+              <a:gd name="connsiteY15" fmla="*/ 2200275 h 2374900"/>
+              <a:gd name="connsiteX16" fmla="*/ 187325 w 4032250"/>
+              <a:gd name="connsiteY16" fmla="*/ 2263775 h 2374900"/>
+              <a:gd name="connsiteX17" fmla="*/ 263525 w 4032250"/>
+              <a:gd name="connsiteY17" fmla="*/ 2314575 h 2374900"/>
+              <a:gd name="connsiteX18" fmla="*/ 336550 w 4032250"/>
+              <a:gd name="connsiteY18" fmla="*/ 2343150 h 2374900"/>
+              <a:gd name="connsiteX19" fmla="*/ 447675 w 4032250"/>
+              <a:gd name="connsiteY19" fmla="*/ 2368550 h 2374900"/>
+              <a:gd name="connsiteX20" fmla="*/ 619125 w 4032250"/>
+              <a:gd name="connsiteY20" fmla="*/ 2352675 h 2374900"/>
+              <a:gd name="connsiteX21" fmla="*/ 723900 w 4032250"/>
+              <a:gd name="connsiteY21" fmla="*/ 2286000 h 2374900"/>
+              <a:gd name="connsiteX22" fmla="*/ 815975 w 4032250"/>
+              <a:gd name="connsiteY22" fmla="*/ 2206625 h 2374900"/>
+              <a:gd name="connsiteX23" fmla="*/ 847725 w 4032250"/>
+              <a:gd name="connsiteY23" fmla="*/ 2098675 h 2374900"/>
+              <a:gd name="connsiteX24" fmla="*/ 850900 w 4032250"/>
+              <a:gd name="connsiteY24" fmla="*/ 2019300 h 2374900"/>
+              <a:gd name="connsiteX25" fmla="*/ 844550 w 4032250"/>
+              <a:gd name="connsiteY25" fmla="*/ 1927225 h 2374900"/>
+              <a:gd name="connsiteX26" fmla="*/ 831850 w 4032250"/>
+              <a:gd name="connsiteY26" fmla="*/ 1825625 h 2374900"/>
+              <a:gd name="connsiteX27" fmla="*/ 803275 w 4032250"/>
+              <a:gd name="connsiteY27" fmla="*/ 1771650 h 2374900"/>
+              <a:gd name="connsiteX28" fmla="*/ 771525 w 4032250"/>
+              <a:gd name="connsiteY28" fmla="*/ 1708150 h 2374900"/>
+              <a:gd name="connsiteX29" fmla="*/ 473075 w 4032250"/>
+              <a:gd name="connsiteY29" fmla="*/ 1203325 h 2374900"/>
+              <a:gd name="connsiteX30" fmla="*/ 422275 w 4032250"/>
+              <a:gd name="connsiteY30" fmla="*/ 977900 h 2374900"/>
+              <a:gd name="connsiteX31" fmla="*/ 431800 w 4032250"/>
+              <a:gd name="connsiteY31" fmla="*/ 841375 h 2374900"/>
+              <a:gd name="connsiteX32" fmla="*/ 476250 w 4032250"/>
+              <a:gd name="connsiteY32" fmla="*/ 736600 h 2374900"/>
+              <a:gd name="connsiteX33" fmla="*/ 549275 w 4032250"/>
+              <a:gd name="connsiteY33" fmla="*/ 682625 h 2374900"/>
+              <a:gd name="connsiteX34" fmla="*/ 682625 w 4032250"/>
+              <a:gd name="connsiteY34" fmla="*/ 625475 h 2374900"/>
+              <a:gd name="connsiteX35" fmla="*/ 793750 w 4032250"/>
+              <a:gd name="connsiteY35" fmla="*/ 619125 h 2374900"/>
+              <a:gd name="connsiteX36" fmla="*/ 866775 w 4032250"/>
+              <a:gd name="connsiteY36" fmla="*/ 625475 h 2374900"/>
+              <a:gd name="connsiteX37" fmla="*/ 958850 w 4032250"/>
+              <a:gd name="connsiteY37" fmla="*/ 663575 h 2374900"/>
+              <a:gd name="connsiteX38" fmla="*/ 1012825 w 4032250"/>
+              <a:gd name="connsiteY38" fmla="*/ 720725 h 2374900"/>
+              <a:gd name="connsiteX39" fmla="*/ 1047750 w 4032250"/>
+              <a:gd name="connsiteY39" fmla="*/ 793750 h 2374900"/>
+              <a:gd name="connsiteX40" fmla="*/ 1069975 w 4032250"/>
+              <a:gd name="connsiteY40" fmla="*/ 850900 h 2374900"/>
+              <a:gd name="connsiteX41" fmla="*/ 1143000 w 4032250"/>
+              <a:gd name="connsiteY41" fmla="*/ 1035050 h 2374900"/>
+              <a:gd name="connsiteX42" fmla="*/ 1155700 w 4032250"/>
+              <a:gd name="connsiteY42" fmla="*/ 1104900 h 2374900"/>
+              <a:gd name="connsiteX43" fmla="*/ 1171575 w 4032250"/>
+              <a:gd name="connsiteY43" fmla="*/ 1155700 h 2374900"/>
+              <a:gd name="connsiteX44" fmla="*/ 1181100 w 4032250"/>
+              <a:gd name="connsiteY44" fmla="*/ 1203325 h 2374900"/>
+              <a:gd name="connsiteX45" fmla="*/ 1187450 w 4032250"/>
+              <a:gd name="connsiteY45" fmla="*/ 1244600 h 2374900"/>
+              <a:gd name="connsiteX46" fmla="*/ 1203325 w 4032250"/>
+              <a:gd name="connsiteY46" fmla="*/ 1371600 h 2374900"/>
+              <a:gd name="connsiteX47" fmla="*/ 1216025 w 4032250"/>
+              <a:gd name="connsiteY47" fmla="*/ 1435100 h 2374900"/>
+              <a:gd name="connsiteX48" fmla="*/ 1225550 w 4032250"/>
+              <a:gd name="connsiteY48" fmla="*/ 1562100 h 2374900"/>
+              <a:gd name="connsiteX49" fmla="*/ 1244600 w 4032250"/>
+              <a:gd name="connsiteY49" fmla="*/ 1689100 h 2374900"/>
+              <a:gd name="connsiteX50" fmla="*/ 1279525 w 4032250"/>
+              <a:gd name="connsiteY50" fmla="*/ 1838325 h 2374900"/>
+              <a:gd name="connsiteX51" fmla="*/ 1289050 w 4032250"/>
+              <a:gd name="connsiteY51" fmla="*/ 1927225 h 2374900"/>
+              <a:gd name="connsiteX52" fmla="*/ 1317625 w 4032250"/>
+              <a:gd name="connsiteY52" fmla="*/ 2009775 h 2374900"/>
+              <a:gd name="connsiteX53" fmla="*/ 1343025 w 4032250"/>
+              <a:gd name="connsiteY53" fmla="*/ 2079625 h 2374900"/>
+              <a:gd name="connsiteX54" fmla="*/ 1365250 w 4032250"/>
+              <a:gd name="connsiteY54" fmla="*/ 2130425 h 2374900"/>
+              <a:gd name="connsiteX55" fmla="*/ 1384300 w 4032250"/>
+              <a:gd name="connsiteY55" fmla="*/ 2168525 h 2374900"/>
+              <a:gd name="connsiteX56" fmla="*/ 1425575 w 4032250"/>
+              <a:gd name="connsiteY56" fmla="*/ 2222500 h 2374900"/>
+              <a:gd name="connsiteX57" fmla="*/ 1476375 w 4032250"/>
+              <a:gd name="connsiteY57" fmla="*/ 2257425 h 2374900"/>
+              <a:gd name="connsiteX58" fmla="*/ 1514475 w 4032250"/>
+              <a:gd name="connsiteY58" fmla="*/ 2273300 h 2374900"/>
+              <a:gd name="connsiteX59" fmla="*/ 1552575 w 4032250"/>
+              <a:gd name="connsiteY59" fmla="*/ 2301875 h 2374900"/>
+              <a:gd name="connsiteX60" fmla="*/ 1628775 w 4032250"/>
+              <a:gd name="connsiteY60" fmla="*/ 2336800 h 2374900"/>
+              <a:gd name="connsiteX61" fmla="*/ 1695450 w 4032250"/>
+              <a:gd name="connsiteY61" fmla="*/ 2355850 h 2374900"/>
+              <a:gd name="connsiteX62" fmla="*/ 1736725 w 4032250"/>
+              <a:gd name="connsiteY62" fmla="*/ 2365375 h 2374900"/>
+              <a:gd name="connsiteX63" fmla="*/ 1768475 w 4032250"/>
+              <a:gd name="connsiteY63" fmla="*/ 2365375 h 2374900"/>
+              <a:gd name="connsiteX64" fmla="*/ 1787525 w 4032250"/>
+              <a:gd name="connsiteY64" fmla="*/ 2365375 h 2374900"/>
+              <a:gd name="connsiteX65" fmla="*/ 1851025 w 4032250"/>
+              <a:gd name="connsiteY65" fmla="*/ 2371725 h 2374900"/>
+              <a:gd name="connsiteX66" fmla="*/ 1917700 w 4032250"/>
+              <a:gd name="connsiteY66" fmla="*/ 2374900 h 2374900"/>
+              <a:gd name="connsiteX67" fmla="*/ 1965325 w 4032250"/>
+              <a:gd name="connsiteY67" fmla="*/ 2374900 h 2374900"/>
+              <a:gd name="connsiteX68" fmla="*/ 2022475 w 4032250"/>
+              <a:gd name="connsiteY68" fmla="*/ 2374900 h 2374900"/>
+              <a:gd name="connsiteX69" fmla="*/ 2051050 w 4032250"/>
+              <a:gd name="connsiteY69" fmla="*/ 2374900 h 2374900"/>
+              <a:gd name="connsiteX70" fmla="*/ 2051050 w 4032250"/>
+              <a:gd name="connsiteY70" fmla="*/ 2374900 h 2374900"/>
+            </a:gdLst>
+            <a:ahLst/>
+            <a:cxnLst>
+              <a:cxn ang="0">
+                <a:pos x="connsiteX0" y="connsiteY0"/>
+              </a:cxn>
+              <a:cxn ang="0">
+                <a:pos x="connsiteX1" y="connsiteY1"/>
+              </a:cxn>
+              <a:cxn ang="0">
+                <a:pos x="connsiteX2" y="connsiteY2"/>
+              </a:cxn>
+              <a:cxn ang="0">
+                <a:pos x="connsiteX3" y="connsiteY3"/>
+              </a:cxn>
+              <a:cxn ang="0">
+                <a:pos x="connsiteX4" y="connsiteY4"/>
+              </a:cxn>
+              <a:cxn ang="0">
+                <a:pos x="connsiteX5" y="connsiteY5"/>
+              </a:cxn>
+              <a:cxn ang="0">
+                <a:pos x="connsiteX6" y="connsiteY6"/>
+              </a:cxn>
+              <a:cxn ang="0">
+                <a:pos x="connsiteX7" y="connsiteY7"/>
+              </a:cxn>
+              <a:cxn ang="0">
+                <a:pos x="connsiteX8" y="connsiteY8"/>
+              </a:cxn>
+              <a:cxn ang="0">
+                <a:pos x="connsiteX9" y="connsiteY9"/>
+              </a:cxn>
+              <a:cxn ang="0">
+                <a:pos x="connsiteX10" y="connsiteY10"/>
+              </a:cxn>
+              <a:cxn ang="0">
+                <a:pos x="connsiteX11" y="connsiteY11"/>
+              </a:cxn>
+              <a:cxn ang="0">
+                <a:pos x="connsiteX12" y="connsiteY12"/>
+              </a:cxn>
+              <a:cxn ang="0">
+                <a:pos x="connsiteX13" y="connsiteY13"/>
+              </a:cxn>
+              <a:cxn ang="0">
+                <a:pos x="connsiteX14" y="connsiteY14"/>
+              </a:cxn>
+              <a:cxn ang="0">
+                <a:pos x="connsiteX15" y="connsiteY15"/>
+              </a:cxn>
+              <a:cxn ang="0">
+                <a:pos x="connsiteX16" y="connsiteY16"/>
+              </a:cxn>
+              <a:cxn ang="0">
+                <a:pos x="connsiteX17" y="connsiteY17"/>
+              </a:cxn>
+              <a:cxn ang="0">
+                <a:pos x="connsiteX18" y="connsiteY18"/>
+              </a:cxn>
+              <a:cxn ang="0">
+                <a:pos x="connsiteX19" y="connsiteY19"/>
+              </a:cxn>
+              <a:cxn ang="0">
+                <a:pos x="connsiteX20" y="connsiteY20"/>
+              </a:cxn>
+              <a:cxn ang="0">
+                <a:pos x="connsiteX21" y="connsiteY21"/>
+              </a:cxn>
+              <a:cxn ang="0">
+                <a:pos x="connsiteX22" y="connsiteY22"/>
+              </a:cxn>
+              <a:cxn ang="0">
+                <a:pos x="connsiteX23" y="connsiteY23"/>
+              </a:cxn>
+              <a:cxn ang="0">
+                <a:pos x="connsiteX24" y="connsiteY24"/>
+              </a:cxn>
+              <a:cxn ang="0">
+                <a:pos x="connsiteX25" y="connsiteY25"/>
+              </a:cxn>
+              <a:cxn ang="0">
+                <a:pos x="connsiteX26" y="connsiteY26"/>
+              </a:cxn>
+              <a:cxn ang="0">
+                <a:pos x="connsiteX27" y="connsiteY27"/>
+              </a:cxn>
+              <a:cxn ang="0">
+                <a:pos x="connsiteX28" y="connsiteY28"/>
+              </a:cxn>
+              <a:cxn ang="0">
+                <a:pos x="connsiteX29" y="connsiteY29"/>
+              </a:cxn>
+              <a:cxn ang="0">
+                <a:pos x="connsiteX30" y="connsiteY30"/>
+              </a:cxn>
+              <a:cxn ang="0">
+                <a:pos x="connsiteX31" y="connsiteY31"/>
+              </a:cxn>
+              <a:cxn ang="0">
+                <a:pos x="connsiteX32" y="connsiteY32"/>
+              </a:cxn>
+              <a:cxn ang="0">
+                <a:pos x="connsiteX33" y="connsiteY33"/>
+              </a:cxn>
+              <a:cxn ang="0">
+                <a:pos x="connsiteX34" y="connsiteY34"/>
+              </a:cxn>
+              <a:cxn ang="0">
+                <a:pos x="connsiteX35" y="connsiteY35"/>
+              </a:cxn>
+              <a:cxn ang="0">
+                <a:pos x="connsiteX36" y="connsiteY36"/>
+              </a:cxn>
+              <a:cxn ang="0">
+                <a:pos x="connsiteX37" y="connsiteY37"/>
+              </a:cxn>
+              <a:cxn ang="0">
+                <a:pos x="connsiteX38" y="connsiteY38"/>
+              </a:cxn>
+              <a:cxn ang="0">
+                <a:pos x="connsiteX39" y="connsiteY39"/>
+              </a:cxn>
+              <a:cxn ang="0">
+                <a:pos x="connsiteX40" y="connsiteY40"/>
+              </a:cxn>
+              <a:cxn ang="0">
+                <a:pos x="connsiteX41" y="connsiteY41"/>
+              </a:cxn>
+              <a:cxn ang="0">
+                <a:pos x="connsiteX42" y="connsiteY42"/>
+              </a:cxn>
+              <a:cxn ang="0">
+                <a:pos x="connsiteX43" y="connsiteY43"/>
+              </a:cxn>
+              <a:cxn ang="0">
+                <a:pos x="connsiteX44" y="connsiteY44"/>
+              </a:cxn>
+              <a:cxn ang="0">
+                <a:pos x="connsiteX45" y="connsiteY45"/>
+              </a:cxn>
+              <a:cxn ang="0">
+                <a:pos x="connsiteX46" y="connsiteY46"/>
+              </a:cxn>
+              <a:cxn ang="0">
+                <a:pos x="connsiteX47" y="connsiteY47"/>
+              </a:cxn>
+              <a:cxn ang="0">
+                <a:pos x="connsiteX48" y="connsiteY48"/>
+              </a:cxn>
+              <a:cxn ang="0">
+                <a:pos x="connsiteX49" y="connsiteY49"/>
+              </a:cxn>
+              <a:cxn ang="0">
+                <a:pos x="connsiteX50" y="connsiteY50"/>
+              </a:cxn>
+              <a:cxn ang="0">
+                <a:pos x="connsiteX51" y="connsiteY51"/>
+              </a:cxn>
+              <a:cxn ang="0">
+                <a:pos x="connsiteX52" y="connsiteY52"/>
+              </a:cxn>
+              <a:cxn ang="0">
+                <a:pos x="connsiteX53" y="connsiteY53"/>
+              </a:cxn>
+              <a:cxn ang="0">
+                <a:pos x="connsiteX54" y="connsiteY54"/>
+              </a:cxn>
+              <a:cxn ang="0">
+                <a:pos x="connsiteX55" y="connsiteY55"/>
+              </a:cxn>
+              <a:cxn ang="0">
+                <a:pos x="connsiteX56" y="connsiteY56"/>
+              </a:cxn>
+              <a:cxn ang="0">
+                <a:pos x="connsiteX57" y="connsiteY57"/>
+              </a:cxn>
+              <a:cxn ang="0">
+                <a:pos x="connsiteX58" y="connsiteY58"/>
+              </a:cxn>
+              <a:cxn ang="0">
+                <a:pos x="connsiteX59" y="connsiteY59"/>
+              </a:cxn>
+              <a:cxn ang="0">
+                <a:pos x="connsiteX60" y="connsiteY60"/>
+              </a:cxn>
+              <a:cxn ang="0">
+                <a:pos x="connsiteX61" y="connsiteY61"/>
+              </a:cxn>
+              <a:cxn ang="0">
+                <a:pos x="connsiteX62" y="connsiteY62"/>
+              </a:cxn>
+              <a:cxn ang="0">
+                <a:pos x="connsiteX63" y="connsiteY63"/>
+              </a:cxn>
+              <a:cxn ang="0">
+                <a:pos x="connsiteX64" y="connsiteY64"/>
+              </a:cxn>
+              <a:cxn ang="0">
+                <a:pos x="connsiteX65" y="connsiteY65"/>
+              </a:cxn>
+              <a:cxn ang="0">
+                <a:pos x="connsiteX66" y="connsiteY66"/>
+              </a:cxn>
+              <a:cxn ang="0">
+                <a:pos x="connsiteX67" y="connsiteY67"/>
+              </a:cxn>
+              <a:cxn ang="0">
+                <a:pos x="connsiteX68" y="connsiteY68"/>
+              </a:cxn>
+              <a:cxn ang="0">
+                <a:pos x="connsiteX69" y="connsiteY69"/>
+              </a:cxn>
+              <a:cxn ang="0">
+                <a:pos x="connsiteX70" y="connsiteY70"/>
+              </a:cxn>
+            </a:cxnLst>
+            <a:rect l="l" t="t" r="r" b="b"/>
+            <a:pathLst>
+              <a:path w="4032250" h="2374900">
+                <a:moveTo>
+                  <a:pt x="4032250" y="3175"/>
+                </a:moveTo>
+                <a:lnTo>
+                  <a:pt x="485775" y="0"/>
+                </a:lnTo>
+                <a:lnTo>
+                  <a:pt x="323850" y="12700"/>
+                </a:lnTo>
+                <a:lnTo>
+                  <a:pt x="222250" y="44450"/>
+                </a:lnTo>
+                <a:lnTo>
+                  <a:pt x="171450" y="82550"/>
+                </a:lnTo>
+                <a:lnTo>
+                  <a:pt x="120650" y="130175"/>
+                </a:lnTo>
+                <a:lnTo>
+                  <a:pt x="63500" y="203200"/>
+                </a:lnTo>
+                <a:lnTo>
+                  <a:pt x="25400" y="292100"/>
+                </a:lnTo>
+                <a:lnTo>
+                  <a:pt x="12700" y="409575"/>
+                </a:lnTo>
+                <a:lnTo>
+                  <a:pt x="3175" y="549275"/>
+                </a:lnTo>
+                <a:lnTo>
+                  <a:pt x="3175" y="593725"/>
+                </a:lnTo>
+                <a:cubicBezTo>
+                  <a:pt x="2117" y="1025525"/>
+                  <a:pt x="1058" y="1457325"/>
+                  <a:pt x="0" y="1889125"/>
+                </a:cubicBezTo>
+                <a:lnTo>
+                  <a:pt x="15875" y="2003425"/>
+                </a:lnTo>
+                <a:lnTo>
+                  <a:pt x="38100" y="2060575"/>
+                </a:lnTo>
+                <a:lnTo>
+                  <a:pt x="63500" y="2098675"/>
+                </a:lnTo>
+                <a:lnTo>
+                  <a:pt x="120650" y="2200275"/>
+                </a:lnTo>
+                <a:lnTo>
+                  <a:pt x="187325" y="2263775"/>
+                </a:lnTo>
+                <a:lnTo>
+                  <a:pt x="263525" y="2314575"/>
+                </a:lnTo>
+                <a:lnTo>
+                  <a:pt x="336550" y="2343150"/>
+                </a:lnTo>
+                <a:lnTo>
+                  <a:pt x="447675" y="2368550"/>
+                </a:lnTo>
+                <a:lnTo>
+                  <a:pt x="619125" y="2352675"/>
+                </a:lnTo>
+                <a:lnTo>
+                  <a:pt x="723900" y="2286000"/>
+                </a:lnTo>
+                <a:lnTo>
+                  <a:pt x="815975" y="2206625"/>
+                </a:lnTo>
+                <a:lnTo>
+                  <a:pt x="847725" y="2098675"/>
+                </a:lnTo>
+                <a:lnTo>
+                  <a:pt x="850900" y="2019300"/>
+                </a:lnTo>
+                <a:lnTo>
+                  <a:pt x="844550" y="1927225"/>
+                </a:lnTo>
+                <a:lnTo>
+                  <a:pt x="831850" y="1825625"/>
+                </a:lnTo>
+                <a:lnTo>
+                  <a:pt x="803275" y="1771650"/>
+                </a:lnTo>
+                <a:lnTo>
+                  <a:pt x="771525" y="1708150"/>
+                </a:lnTo>
+                <a:lnTo>
+                  <a:pt x="473075" y="1203325"/>
+                </a:lnTo>
+                <a:lnTo>
+                  <a:pt x="422275" y="977900"/>
+                </a:lnTo>
+                <a:lnTo>
+                  <a:pt x="431800" y="841375"/>
+                </a:lnTo>
+                <a:lnTo>
+                  <a:pt x="476250" y="736600"/>
+                </a:lnTo>
+                <a:lnTo>
+                  <a:pt x="549275" y="682625"/>
+                </a:lnTo>
+                <a:lnTo>
+                  <a:pt x="682625" y="625475"/>
+                </a:lnTo>
+                <a:lnTo>
+                  <a:pt x="793750" y="619125"/>
+                </a:lnTo>
+                <a:lnTo>
+                  <a:pt x="866775" y="625475"/>
+                </a:lnTo>
+                <a:lnTo>
+                  <a:pt x="958850" y="663575"/>
+                </a:lnTo>
+                <a:lnTo>
+                  <a:pt x="1012825" y="720725"/>
+                </a:lnTo>
+                <a:lnTo>
+                  <a:pt x="1047750" y="793750"/>
+                </a:lnTo>
+                <a:lnTo>
+                  <a:pt x="1069975" y="850900"/>
+                </a:lnTo>
+                <a:lnTo>
+                  <a:pt x="1143000" y="1035050"/>
+                </a:lnTo>
+                <a:lnTo>
+                  <a:pt x="1155700" y="1104900"/>
+                </a:lnTo>
+                <a:lnTo>
+                  <a:pt x="1171575" y="1155700"/>
+                </a:lnTo>
+                <a:lnTo>
+                  <a:pt x="1181100" y="1203325"/>
+                </a:lnTo>
+                <a:lnTo>
+                  <a:pt x="1187450" y="1244600"/>
+                </a:lnTo>
+                <a:lnTo>
+                  <a:pt x="1203325" y="1371600"/>
+                </a:lnTo>
+                <a:lnTo>
+                  <a:pt x="1216025" y="1435100"/>
+                </a:lnTo>
+                <a:lnTo>
+                  <a:pt x="1225550" y="1562100"/>
+                </a:lnTo>
+                <a:lnTo>
+                  <a:pt x="1244600" y="1689100"/>
+                </a:lnTo>
+                <a:lnTo>
+                  <a:pt x="1279525" y="1838325"/>
+                </a:lnTo>
+                <a:lnTo>
+                  <a:pt x="1289050" y="1927225"/>
+                </a:lnTo>
+                <a:lnTo>
+                  <a:pt x="1317625" y="2009775"/>
+                </a:lnTo>
+                <a:lnTo>
+                  <a:pt x="1343025" y="2079625"/>
+                </a:lnTo>
+                <a:lnTo>
+                  <a:pt x="1365250" y="2130425"/>
+                </a:lnTo>
+                <a:lnTo>
+                  <a:pt x="1384300" y="2168525"/>
+                </a:lnTo>
+                <a:lnTo>
+                  <a:pt x="1425575" y="2222500"/>
+                </a:lnTo>
+                <a:lnTo>
+                  <a:pt x="1476375" y="2257425"/>
+                </a:lnTo>
+                <a:lnTo>
+                  <a:pt x="1514475" y="2273300"/>
+                </a:lnTo>
+                <a:lnTo>
+                  <a:pt x="1552575" y="2301875"/>
+                </a:lnTo>
+                <a:lnTo>
+                  <a:pt x="1628775" y="2336800"/>
+                </a:lnTo>
+                <a:lnTo>
+                  <a:pt x="1695450" y="2355850"/>
+                </a:lnTo>
+                <a:lnTo>
+                  <a:pt x="1736725" y="2365375"/>
+                </a:lnTo>
+                <a:lnTo>
+                  <a:pt x="1768475" y="2365375"/>
+                </a:lnTo>
+                <a:lnTo>
+                  <a:pt x="1787525" y="2365375"/>
+                </a:lnTo>
+                <a:lnTo>
+                  <a:pt x="1851025" y="2371725"/>
+                </a:lnTo>
+                <a:lnTo>
+                  <a:pt x="1917700" y="2374900"/>
+                </a:lnTo>
+                <a:lnTo>
+                  <a:pt x="1965325" y="2374900"/>
+                </a:lnTo>
+                <a:lnTo>
+                  <a:pt x="2022475" y="2374900"/>
+                </a:lnTo>
+                <a:lnTo>
+                  <a:pt x="2051050" y="2374900"/>
+                </a:lnTo>
+                <a:lnTo>
+                  <a:pt x="2051050" y="2374900"/>
+                </a:lnTo>
+              </a:path>
+            </a:pathLst>
+          </a:custGeom>
+          <a:ln w="15875">
+            <a:solidFill>
+              <a:schemeClr val="accent1">
+                <a:shade val="95000"/>
+                <a:satMod val="105000"/>
+                <a:alpha val="3000"/>
+              </a:schemeClr>
+            </a:solidFill>
+          </a:ln>
+          <a:effectLst>
+            <a:glow rad="215900">
+              <a:schemeClr val="accent1">
+                <a:alpha val="52000"/>
+              </a:schemeClr>
+            </a:glow>
+          </a:effectLst>
+        </p:spPr>
+        <p:style>
+          <a:lnRef idx="1">
+            <a:schemeClr val="accent1"/>
+          </a:lnRef>
+          <a:fillRef idx="0">
+            <a:schemeClr val="accent1"/>
+          </a:fillRef>
+          <a:effectRef idx="0">
+            <a:schemeClr val="accent1"/>
+          </a:effectRef>
+          <a:fontRef idx="minor">
+            <a:schemeClr val="tx1"/>
+          </a:fontRef>
+        </p:style>
+        <p:txBody>
+          <a:bodyPr rtlCol="0" anchor="ctr"/>
+          <a:lstStyle/>
+          <a:p>
+            <a:pPr algn="ctr"/>
+            <a:endParaRPr kumimoji="1" lang="ja-JP" altLang="en-US"/>
+          </a:p>
+        </p:txBody>
+      </p:sp>
       <p:pic>
         <p:nvPicPr>
           <p:cNvPr id="2" name="Picture 2"/>
@@ -9399,1703 +11730,6 @@
           </a:p>
         </p:txBody>
       </p:sp>
-      <p:grpSp>
-        <p:nvGrpSpPr>
-          <p:cNvPr id="100" name="グループ化 99"/>
-          <p:cNvGrpSpPr/>
-          <p:nvPr/>
-        </p:nvGrpSpPr>
-        <p:grpSpPr>
-          <a:xfrm>
-            <a:off x="3024705" y="4966114"/>
-            <a:ext cx="4412379" cy="3034158"/>
-            <a:chOff x="4856320" y="5016624"/>
-            <a:chExt cx="4412379" cy="3034158"/>
-          </a:xfrm>
-        </p:grpSpPr>
-        <p:pic>
-          <p:nvPicPr>
-            <p:cNvPr id="9" name="Picture 2"/>
-            <p:cNvPicPr>
-              <a:picLocks noChangeAspect="1" noChangeArrowheads="1"/>
-            </p:cNvPicPr>
-            <p:nvPr/>
-          </p:nvPicPr>
-          <p:blipFill rotWithShape="1">
-            <a:blip r:embed="rId2" cstate="print">
-              <a:extLst>
-                <a:ext uri="{28A0092B-C50C-407E-A947-70E740481C1C}">
-                  <a14:useLocalDpi xmlns:a14="http://schemas.microsoft.com/office/drawing/2010/main" val="0"/>
-                </a:ext>
-              </a:extLst>
-            </a:blip>
-            <a:srcRect l="218" r="1089"/>
-            <a:stretch/>
-          </p:blipFill>
-          <p:spPr bwMode="auto">
-            <a:xfrm>
-              <a:off x="4856320" y="5016624"/>
-              <a:ext cx="4412379" cy="3034158"/>
-            </a:xfrm>
-            <a:prstGeom prst="rect">
-              <a:avLst/>
-            </a:prstGeom>
-            <a:noFill/>
-            <a:ln w="9525">
-              <a:noFill/>
-              <a:miter lim="800000"/>
-              <a:headEnd/>
-              <a:tailEnd/>
-            </a:ln>
-            <a:effectLst/>
-            <a:extLst>
-              <a:ext uri="{909E8E84-426E-40DD-AFC4-6F175D3DCCD1}">
-                <a14:hiddenFill xmlns:a14="http://schemas.microsoft.com/office/drawing/2010/main">
-                  <a:solidFill>
-                    <a:schemeClr val="accent1"/>
-                  </a:solidFill>
-                </a14:hiddenFill>
-              </a:ext>
-              <a:ext uri="{AF507438-7753-43E0-B8FC-AC1667EBCBE1}">
-                <a14:hiddenEffects xmlns:a14="http://schemas.microsoft.com/office/drawing/2010/main">
-                  <a:effectLst>
-                    <a:outerShdw dist="35921" dir="2700000" algn="ctr" rotWithShape="0">
-                      <a:schemeClr val="bg2"/>
-                    </a:outerShdw>
-                  </a:effectLst>
-                </a14:hiddenEffects>
-              </a:ext>
-            </a:extLst>
-          </p:spPr>
-        </p:pic>
-        <p:sp>
-          <p:nvSpPr>
-            <p:cNvPr id="25" name="フリーフォーム 24"/>
-            <p:cNvSpPr/>
-            <p:nvPr/>
-          </p:nvSpPr>
-          <p:spPr>
-            <a:xfrm>
-              <a:off x="5127625" y="5321300"/>
-              <a:ext cx="4038600" cy="2384425"/>
-            </a:xfrm>
-            <a:custGeom>
-              <a:avLst/>
-              <a:gdLst>
-                <a:gd name="connsiteX0" fmla="*/ 4038600 w 4038600"/>
-                <a:gd name="connsiteY0" fmla="*/ 9525 h 2384425"/>
-                <a:gd name="connsiteX1" fmla="*/ 539750 w 4038600"/>
-                <a:gd name="connsiteY1" fmla="*/ 0 h 2384425"/>
-                <a:gd name="connsiteX2" fmla="*/ 263525 w 4038600"/>
-                <a:gd name="connsiteY2" fmla="*/ 38100 h 2384425"/>
-                <a:gd name="connsiteX3" fmla="*/ 95250 w 4038600"/>
-                <a:gd name="connsiteY3" fmla="*/ 161925 h 2384425"/>
-                <a:gd name="connsiteX4" fmla="*/ 12700 w 4038600"/>
-                <a:gd name="connsiteY4" fmla="*/ 346075 h 2384425"/>
-                <a:gd name="connsiteX5" fmla="*/ 3175 w 4038600"/>
-                <a:gd name="connsiteY5" fmla="*/ 539750 h 2384425"/>
-                <a:gd name="connsiteX6" fmla="*/ 0 w 4038600"/>
-                <a:gd name="connsiteY6" fmla="*/ 2000250 h 2384425"/>
-                <a:gd name="connsiteX7" fmla="*/ 82550 w 4038600"/>
-                <a:gd name="connsiteY7" fmla="*/ 2178050 h 2384425"/>
-                <a:gd name="connsiteX8" fmla="*/ 250825 w 4038600"/>
-                <a:gd name="connsiteY8" fmla="*/ 2324100 h 2384425"/>
-                <a:gd name="connsiteX9" fmla="*/ 396875 w 4038600"/>
-                <a:gd name="connsiteY9" fmla="*/ 2371725 h 2384425"/>
-                <a:gd name="connsiteX10" fmla="*/ 612775 w 4038600"/>
-                <a:gd name="connsiteY10" fmla="*/ 2381250 h 2384425"/>
-                <a:gd name="connsiteX11" fmla="*/ 803275 w 4038600"/>
-                <a:gd name="connsiteY11" fmla="*/ 2241550 h 2384425"/>
-                <a:gd name="connsiteX12" fmla="*/ 869950 w 4038600"/>
-                <a:gd name="connsiteY12" fmla="*/ 2041525 h 2384425"/>
-                <a:gd name="connsiteX13" fmla="*/ 857250 w 4038600"/>
-                <a:gd name="connsiteY13" fmla="*/ 1898650 h 2384425"/>
-                <a:gd name="connsiteX14" fmla="*/ 752475 w 4038600"/>
-                <a:gd name="connsiteY14" fmla="*/ 1673225 h 2384425"/>
-                <a:gd name="connsiteX15" fmla="*/ 466725 w 4038600"/>
-                <a:gd name="connsiteY15" fmla="*/ 1200150 h 2384425"/>
-                <a:gd name="connsiteX16" fmla="*/ 419100 w 4038600"/>
-                <a:gd name="connsiteY16" fmla="*/ 981075 h 2384425"/>
-                <a:gd name="connsiteX17" fmla="*/ 438150 w 4038600"/>
-                <a:gd name="connsiteY17" fmla="*/ 781050 h 2384425"/>
-                <a:gd name="connsiteX18" fmla="*/ 558800 w 4038600"/>
-                <a:gd name="connsiteY18" fmla="*/ 676275 h 2384425"/>
-                <a:gd name="connsiteX19" fmla="*/ 711200 w 4038600"/>
-                <a:gd name="connsiteY19" fmla="*/ 612775 h 2384425"/>
-                <a:gd name="connsiteX20" fmla="*/ 885825 w 4038600"/>
-                <a:gd name="connsiteY20" fmla="*/ 622300 h 2384425"/>
-                <a:gd name="connsiteX21" fmla="*/ 1012825 w 4038600"/>
-                <a:gd name="connsiteY21" fmla="*/ 695325 h 2384425"/>
-                <a:gd name="connsiteX22" fmla="*/ 1085850 w 4038600"/>
-                <a:gd name="connsiteY22" fmla="*/ 873125 h 2384425"/>
-                <a:gd name="connsiteX23" fmla="*/ 1101725 w 4038600"/>
-                <a:gd name="connsiteY23" fmla="*/ 911225 h 2384425"/>
-                <a:gd name="connsiteX24" fmla="*/ 1149350 w 4038600"/>
-                <a:gd name="connsiteY24" fmla="*/ 1054100 h 2384425"/>
-                <a:gd name="connsiteX25" fmla="*/ 1196975 w 4038600"/>
-                <a:gd name="connsiteY25" fmla="*/ 1292225 h 2384425"/>
-                <a:gd name="connsiteX26" fmla="*/ 1247775 w 4038600"/>
-                <a:gd name="connsiteY26" fmla="*/ 1663700 h 2384425"/>
-                <a:gd name="connsiteX27" fmla="*/ 1295400 w 4038600"/>
-                <a:gd name="connsiteY27" fmla="*/ 1968500 h 2384425"/>
-                <a:gd name="connsiteX28" fmla="*/ 1409700 w 4038600"/>
-                <a:gd name="connsiteY28" fmla="*/ 2193925 h 2384425"/>
-                <a:gd name="connsiteX29" fmla="*/ 1514475 w 4038600"/>
-                <a:gd name="connsiteY29" fmla="*/ 2295525 h 2384425"/>
-                <a:gd name="connsiteX30" fmla="*/ 1660525 w 4038600"/>
-                <a:gd name="connsiteY30" fmla="*/ 2371725 h 2384425"/>
-                <a:gd name="connsiteX31" fmla="*/ 1851025 w 4038600"/>
-                <a:gd name="connsiteY31" fmla="*/ 2384425 h 2384425"/>
-                <a:gd name="connsiteX32" fmla="*/ 2070100 w 4038600"/>
-                <a:gd name="connsiteY32" fmla="*/ 2384425 h 2384425"/>
-              </a:gdLst>
-              <a:ahLst/>
-              <a:cxnLst>
-                <a:cxn ang="0">
-                  <a:pos x="connsiteX0" y="connsiteY0"/>
-                </a:cxn>
-                <a:cxn ang="0">
-                  <a:pos x="connsiteX1" y="connsiteY1"/>
-                </a:cxn>
-                <a:cxn ang="0">
-                  <a:pos x="connsiteX2" y="connsiteY2"/>
-                </a:cxn>
-                <a:cxn ang="0">
-                  <a:pos x="connsiteX3" y="connsiteY3"/>
-                </a:cxn>
-                <a:cxn ang="0">
-                  <a:pos x="connsiteX4" y="connsiteY4"/>
-                </a:cxn>
-                <a:cxn ang="0">
-                  <a:pos x="connsiteX5" y="connsiteY5"/>
-                </a:cxn>
-                <a:cxn ang="0">
-                  <a:pos x="connsiteX6" y="connsiteY6"/>
-                </a:cxn>
-                <a:cxn ang="0">
-                  <a:pos x="connsiteX7" y="connsiteY7"/>
-                </a:cxn>
-                <a:cxn ang="0">
-                  <a:pos x="connsiteX8" y="connsiteY8"/>
-                </a:cxn>
-                <a:cxn ang="0">
-                  <a:pos x="connsiteX9" y="connsiteY9"/>
-                </a:cxn>
-                <a:cxn ang="0">
-                  <a:pos x="connsiteX10" y="connsiteY10"/>
-                </a:cxn>
-                <a:cxn ang="0">
-                  <a:pos x="connsiteX11" y="connsiteY11"/>
-                </a:cxn>
-                <a:cxn ang="0">
-                  <a:pos x="connsiteX12" y="connsiteY12"/>
-                </a:cxn>
-                <a:cxn ang="0">
-                  <a:pos x="connsiteX13" y="connsiteY13"/>
-                </a:cxn>
-                <a:cxn ang="0">
-                  <a:pos x="connsiteX14" y="connsiteY14"/>
-                </a:cxn>
-                <a:cxn ang="0">
-                  <a:pos x="connsiteX15" y="connsiteY15"/>
-                </a:cxn>
-                <a:cxn ang="0">
-                  <a:pos x="connsiteX16" y="connsiteY16"/>
-                </a:cxn>
-                <a:cxn ang="0">
-                  <a:pos x="connsiteX17" y="connsiteY17"/>
-                </a:cxn>
-                <a:cxn ang="0">
-                  <a:pos x="connsiteX18" y="connsiteY18"/>
-                </a:cxn>
-                <a:cxn ang="0">
-                  <a:pos x="connsiteX19" y="connsiteY19"/>
-                </a:cxn>
-                <a:cxn ang="0">
-                  <a:pos x="connsiteX20" y="connsiteY20"/>
-                </a:cxn>
-                <a:cxn ang="0">
-                  <a:pos x="connsiteX21" y="connsiteY21"/>
-                </a:cxn>
-                <a:cxn ang="0">
-                  <a:pos x="connsiteX22" y="connsiteY22"/>
-                </a:cxn>
-                <a:cxn ang="0">
-                  <a:pos x="connsiteX23" y="connsiteY23"/>
-                </a:cxn>
-                <a:cxn ang="0">
-                  <a:pos x="connsiteX24" y="connsiteY24"/>
-                </a:cxn>
-                <a:cxn ang="0">
-                  <a:pos x="connsiteX25" y="connsiteY25"/>
-                </a:cxn>
-                <a:cxn ang="0">
-                  <a:pos x="connsiteX26" y="connsiteY26"/>
-                </a:cxn>
-                <a:cxn ang="0">
-                  <a:pos x="connsiteX27" y="connsiteY27"/>
-                </a:cxn>
-                <a:cxn ang="0">
-                  <a:pos x="connsiteX28" y="connsiteY28"/>
-                </a:cxn>
-                <a:cxn ang="0">
-                  <a:pos x="connsiteX29" y="connsiteY29"/>
-                </a:cxn>
-                <a:cxn ang="0">
-                  <a:pos x="connsiteX30" y="connsiteY30"/>
-                </a:cxn>
-                <a:cxn ang="0">
-                  <a:pos x="connsiteX31" y="connsiteY31"/>
-                </a:cxn>
-                <a:cxn ang="0">
-                  <a:pos x="connsiteX32" y="connsiteY32"/>
-                </a:cxn>
-              </a:cxnLst>
-              <a:rect l="l" t="t" r="r" b="b"/>
-              <a:pathLst>
-                <a:path w="4038600" h="2384425">
-                  <a:moveTo>
-                    <a:pt x="4038600" y="9525"/>
-                  </a:moveTo>
-                  <a:lnTo>
-                    <a:pt x="539750" y="0"/>
-                  </a:lnTo>
-                  <a:lnTo>
-                    <a:pt x="263525" y="38100"/>
-                  </a:lnTo>
-                  <a:lnTo>
-                    <a:pt x="95250" y="161925"/>
-                  </a:lnTo>
-                  <a:lnTo>
-                    <a:pt x="12700" y="346075"/>
-                  </a:lnTo>
-                  <a:lnTo>
-                    <a:pt x="3175" y="539750"/>
-                  </a:lnTo>
-                  <a:cubicBezTo>
-                    <a:pt x="2117" y="1026583"/>
-                    <a:pt x="1058" y="1513417"/>
-                    <a:pt x="0" y="2000250"/>
-                  </a:cubicBezTo>
-                  <a:lnTo>
-                    <a:pt x="82550" y="2178050"/>
-                  </a:lnTo>
-                  <a:lnTo>
-                    <a:pt x="250825" y="2324100"/>
-                  </a:lnTo>
-                  <a:lnTo>
-                    <a:pt x="396875" y="2371725"/>
-                  </a:lnTo>
-                  <a:lnTo>
-                    <a:pt x="612775" y="2381250"/>
-                  </a:lnTo>
-                  <a:lnTo>
-                    <a:pt x="803275" y="2241550"/>
-                  </a:lnTo>
-                  <a:lnTo>
-                    <a:pt x="869950" y="2041525"/>
-                  </a:lnTo>
-                  <a:lnTo>
-                    <a:pt x="857250" y="1898650"/>
-                  </a:lnTo>
-                  <a:lnTo>
-                    <a:pt x="752475" y="1673225"/>
-                  </a:lnTo>
-                  <a:lnTo>
-                    <a:pt x="466725" y="1200150"/>
-                  </a:lnTo>
-                  <a:lnTo>
-                    <a:pt x="419100" y="981075"/>
-                  </a:lnTo>
-                  <a:lnTo>
-                    <a:pt x="438150" y="781050"/>
-                  </a:lnTo>
-                  <a:lnTo>
-                    <a:pt x="558800" y="676275"/>
-                  </a:lnTo>
-                  <a:lnTo>
-                    <a:pt x="711200" y="612775"/>
-                  </a:lnTo>
-                  <a:lnTo>
-                    <a:pt x="885825" y="622300"/>
-                  </a:lnTo>
-                  <a:lnTo>
-                    <a:pt x="1012825" y="695325"/>
-                  </a:lnTo>
-                  <a:lnTo>
-                    <a:pt x="1085850" y="873125"/>
-                  </a:lnTo>
-                  <a:lnTo>
-                    <a:pt x="1101725" y="911225"/>
-                  </a:lnTo>
-                  <a:lnTo>
-                    <a:pt x="1149350" y="1054100"/>
-                  </a:lnTo>
-                  <a:lnTo>
-                    <a:pt x="1196975" y="1292225"/>
-                  </a:lnTo>
-                  <a:lnTo>
-                    <a:pt x="1247775" y="1663700"/>
-                  </a:lnTo>
-                  <a:lnTo>
-                    <a:pt x="1295400" y="1968500"/>
-                  </a:lnTo>
-                  <a:lnTo>
-                    <a:pt x="1409700" y="2193925"/>
-                  </a:lnTo>
-                  <a:lnTo>
-                    <a:pt x="1514475" y="2295525"/>
-                  </a:lnTo>
-                  <a:lnTo>
-                    <a:pt x="1660525" y="2371725"/>
-                  </a:lnTo>
-                  <a:lnTo>
-                    <a:pt x="1851025" y="2384425"/>
-                  </a:lnTo>
-                  <a:lnTo>
-                    <a:pt x="2070100" y="2384425"/>
-                  </a:lnTo>
-                </a:path>
-              </a:pathLst>
-            </a:custGeom>
-            <a:ln w="41275">
-              <a:noFill/>
-            </a:ln>
-            <a:effectLst>
-              <a:glow rad="228600">
-                <a:schemeClr val="accent1">
-                  <a:satMod val="175000"/>
-                  <a:alpha val="38000"/>
-                </a:schemeClr>
-              </a:glow>
-              <a:softEdge rad="0"/>
-            </a:effectLst>
-          </p:spPr>
-          <p:style>
-            <a:lnRef idx="1">
-              <a:schemeClr val="accent1"/>
-            </a:lnRef>
-            <a:fillRef idx="0">
-              <a:schemeClr val="accent1"/>
-            </a:fillRef>
-            <a:effectRef idx="0">
-              <a:schemeClr val="accent1"/>
-            </a:effectRef>
-            <a:fontRef idx="minor">
-              <a:schemeClr val="tx1"/>
-            </a:fontRef>
-          </p:style>
-          <p:txBody>
-            <a:bodyPr rtlCol="0" anchor="ctr"/>
-            <a:lstStyle/>
-            <a:p>
-              <a:pPr algn="ctr"/>
-              <a:endParaRPr kumimoji="1" lang="ja-JP" altLang="en-US"/>
-            </a:p>
-          </p:txBody>
-        </p:sp>
-        <p:sp>
-          <p:nvSpPr>
-            <p:cNvPr id="20" name="テキスト ボックス 19"/>
-            <p:cNvSpPr txBox="1"/>
-            <p:nvPr/>
-          </p:nvSpPr>
-          <p:spPr>
-            <a:xfrm>
-              <a:off x="8633048" y="5136634"/>
-              <a:ext cx="432048" cy="369332"/>
-            </a:xfrm>
-            <a:prstGeom prst="rect">
-              <a:avLst/>
-            </a:prstGeom>
-            <a:noFill/>
-            <a:ln>
-              <a:noFill/>
-            </a:ln>
-          </p:spPr>
-          <p:txBody>
-            <a:bodyPr wrap="square" rtlCol="0">
-              <a:spAutoFit/>
-            </a:bodyPr>
-            <a:lstStyle/>
-            <a:p>
-              <a:r>
-                <a:rPr kumimoji="1" lang="ja-JP" altLang="en-US" sz="1800" dirty="0" smtClean="0">
-                  <a:solidFill>
-                    <a:srgbClr val="C00000"/>
-                  </a:solidFill>
-                </a:rPr>
-                <a:t>①</a:t>
-              </a:r>
-              <a:endParaRPr kumimoji="1" lang="ja-JP" altLang="en-US" sz="1800" dirty="0">
-                <a:solidFill>
-                  <a:srgbClr val="C00000"/>
-                </a:solidFill>
-              </a:endParaRPr>
-            </a:p>
-          </p:txBody>
-        </p:sp>
-        <p:sp>
-          <p:nvSpPr>
-            <p:cNvPr id="28" name="テキスト ボックス 27"/>
-            <p:cNvSpPr txBox="1"/>
-            <p:nvPr/>
-          </p:nvSpPr>
-          <p:spPr>
-            <a:xfrm>
-              <a:off x="7068647" y="5111456"/>
-              <a:ext cx="432048" cy="369332"/>
-            </a:xfrm>
-            <a:prstGeom prst="rect">
-              <a:avLst/>
-            </a:prstGeom>
-            <a:noFill/>
-            <a:ln>
-              <a:noFill/>
-            </a:ln>
-          </p:spPr>
-          <p:txBody>
-            <a:bodyPr wrap="square" rtlCol="0">
-              <a:spAutoFit/>
-            </a:bodyPr>
-            <a:lstStyle/>
-            <a:p>
-              <a:r>
-                <a:rPr lang="ja-JP" altLang="en-US" sz="1800" dirty="0">
-                  <a:solidFill>
-                    <a:srgbClr val="C00000"/>
-                  </a:solidFill>
-                </a:rPr>
-                <a:t>②</a:t>
-              </a:r>
-              <a:endParaRPr kumimoji="1" lang="ja-JP" altLang="en-US" sz="1800" dirty="0">
-                <a:solidFill>
-                  <a:srgbClr val="C00000"/>
-                </a:solidFill>
-              </a:endParaRPr>
-            </a:p>
-          </p:txBody>
-        </p:sp>
-        <p:sp>
-          <p:nvSpPr>
-            <p:cNvPr id="29" name="テキスト ボックス 28"/>
-            <p:cNvSpPr txBox="1"/>
-            <p:nvPr/>
-          </p:nvSpPr>
-          <p:spPr>
-            <a:xfrm>
-              <a:off x="6544816" y="5111854"/>
-              <a:ext cx="432048" cy="369332"/>
-            </a:xfrm>
-            <a:prstGeom prst="rect">
-              <a:avLst/>
-            </a:prstGeom>
-            <a:noFill/>
-            <a:ln>
-              <a:noFill/>
-            </a:ln>
-          </p:spPr>
-          <p:txBody>
-            <a:bodyPr wrap="square" rtlCol="0">
-              <a:spAutoFit/>
-            </a:bodyPr>
-            <a:lstStyle/>
-            <a:p>
-              <a:r>
-                <a:rPr lang="ja-JP" altLang="en-US" sz="1800" dirty="0">
-                  <a:solidFill>
-                    <a:srgbClr val="C00000"/>
-                  </a:solidFill>
-                </a:rPr>
-                <a:t>③</a:t>
-              </a:r>
-              <a:endParaRPr kumimoji="1" lang="ja-JP" altLang="en-US" sz="1800" dirty="0">
-                <a:solidFill>
-                  <a:srgbClr val="C00000"/>
-                </a:solidFill>
-              </a:endParaRPr>
-            </a:p>
-          </p:txBody>
-        </p:sp>
-        <p:sp>
-          <p:nvSpPr>
-            <p:cNvPr id="30" name="テキスト ボックス 29"/>
-            <p:cNvSpPr txBox="1"/>
-            <p:nvPr/>
-          </p:nvSpPr>
-          <p:spPr>
-            <a:xfrm>
-              <a:off x="5176664" y="5160640"/>
-              <a:ext cx="432048" cy="369332"/>
-            </a:xfrm>
-            <a:prstGeom prst="rect">
-              <a:avLst/>
-            </a:prstGeom>
-            <a:noFill/>
-            <a:ln>
-              <a:noFill/>
-            </a:ln>
-          </p:spPr>
-          <p:txBody>
-            <a:bodyPr wrap="square" rtlCol="0">
-              <a:spAutoFit/>
-            </a:bodyPr>
-            <a:lstStyle/>
-            <a:p>
-              <a:r>
-                <a:rPr kumimoji="1" lang="ja-JP" altLang="en-US" sz="1800" dirty="0" smtClean="0">
-                  <a:solidFill>
-                    <a:srgbClr val="C00000"/>
-                  </a:solidFill>
-                </a:rPr>
-                <a:t>④</a:t>
-              </a:r>
-              <a:endParaRPr kumimoji="1" lang="ja-JP" altLang="en-US" sz="1800" dirty="0">
-                <a:solidFill>
-                  <a:srgbClr val="C00000"/>
-                </a:solidFill>
-              </a:endParaRPr>
-            </a:p>
-          </p:txBody>
-        </p:sp>
-        <p:sp>
-          <p:nvSpPr>
-            <p:cNvPr id="31" name="テキスト ボックス 30"/>
-            <p:cNvSpPr txBox="1"/>
-            <p:nvPr/>
-          </p:nvSpPr>
-          <p:spPr>
-            <a:xfrm>
-              <a:off x="4929361" y="6240760"/>
-              <a:ext cx="432048" cy="369332"/>
-            </a:xfrm>
-            <a:prstGeom prst="rect">
-              <a:avLst/>
-            </a:prstGeom>
-            <a:noFill/>
-            <a:ln>
-              <a:noFill/>
-            </a:ln>
-          </p:spPr>
-          <p:txBody>
-            <a:bodyPr wrap="square" rtlCol="0">
-              <a:spAutoFit/>
-            </a:bodyPr>
-            <a:lstStyle/>
-            <a:p>
-              <a:r>
-                <a:rPr lang="ja-JP" altLang="en-US" sz="1800" dirty="0">
-                  <a:solidFill>
-                    <a:srgbClr val="C00000"/>
-                  </a:solidFill>
-                </a:rPr>
-                <a:t>⑤</a:t>
-              </a:r>
-              <a:endParaRPr kumimoji="1" lang="ja-JP" altLang="en-US" sz="1800" dirty="0">
-                <a:solidFill>
-                  <a:srgbClr val="C00000"/>
-                </a:solidFill>
-              </a:endParaRPr>
-            </a:p>
-          </p:txBody>
-        </p:sp>
-        <p:sp>
-          <p:nvSpPr>
-            <p:cNvPr id="32" name="テキスト ボックス 31"/>
-            <p:cNvSpPr txBox="1"/>
-            <p:nvPr/>
-          </p:nvSpPr>
-          <p:spPr>
-            <a:xfrm>
-              <a:off x="6400800" y="7392888"/>
-              <a:ext cx="432048" cy="369332"/>
-            </a:xfrm>
-            <a:prstGeom prst="rect">
-              <a:avLst/>
-            </a:prstGeom>
-            <a:noFill/>
-            <a:ln>
-              <a:noFill/>
-            </a:ln>
-          </p:spPr>
-          <p:txBody>
-            <a:bodyPr wrap="square" rtlCol="0">
-              <a:spAutoFit/>
-            </a:bodyPr>
-            <a:lstStyle/>
-            <a:p>
-              <a:r>
-                <a:rPr lang="ja-JP" altLang="en-US" sz="1800" dirty="0">
-                  <a:solidFill>
-                    <a:srgbClr val="C00000"/>
-                  </a:solidFill>
-                </a:rPr>
-                <a:t>⑩</a:t>
-              </a:r>
-              <a:endParaRPr kumimoji="1" lang="ja-JP" altLang="en-US" sz="1800" dirty="0">
-                <a:solidFill>
-                  <a:srgbClr val="C00000"/>
-                </a:solidFill>
-              </a:endParaRPr>
-            </a:p>
-          </p:txBody>
-        </p:sp>
-        <p:sp>
-          <p:nvSpPr>
-            <p:cNvPr id="33" name="テキスト ボックス 32"/>
-            <p:cNvSpPr txBox="1"/>
-            <p:nvPr/>
-          </p:nvSpPr>
-          <p:spPr>
-            <a:xfrm>
-              <a:off x="6131920" y="6533703"/>
-              <a:ext cx="432048" cy="369332"/>
-            </a:xfrm>
-            <a:prstGeom prst="rect">
-              <a:avLst/>
-            </a:prstGeom>
-            <a:noFill/>
-            <a:ln>
-              <a:noFill/>
-            </a:ln>
-          </p:spPr>
-          <p:txBody>
-            <a:bodyPr wrap="square" rtlCol="0">
-              <a:spAutoFit/>
-            </a:bodyPr>
-            <a:lstStyle/>
-            <a:p>
-              <a:r>
-                <a:rPr lang="ja-JP" altLang="en-US" sz="1800" dirty="0">
-                  <a:solidFill>
-                    <a:srgbClr val="C00000"/>
-                  </a:solidFill>
-                </a:rPr>
-                <a:t>⑨</a:t>
-              </a:r>
-              <a:endParaRPr kumimoji="1" lang="ja-JP" altLang="en-US" sz="1800" dirty="0">
-                <a:solidFill>
-                  <a:srgbClr val="C00000"/>
-                </a:solidFill>
-              </a:endParaRPr>
-            </a:p>
-          </p:txBody>
-        </p:sp>
-        <p:sp>
-          <p:nvSpPr>
-            <p:cNvPr id="34" name="テキスト ボックス 33"/>
-            <p:cNvSpPr txBox="1"/>
-            <p:nvPr/>
-          </p:nvSpPr>
-          <p:spPr>
-            <a:xfrm>
-              <a:off x="5538135" y="6600800"/>
-              <a:ext cx="432048" cy="369332"/>
-            </a:xfrm>
-            <a:prstGeom prst="rect">
-              <a:avLst/>
-            </a:prstGeom>
-            <a:noFill/>
-            <a:ln>
-              <a:noFill/>
-            </a:ln>
-          </p:spPr>
-          <p:txBody>
-            <a:bodyPr wrap="square" rtlCol="0">
-              <a:spAutoFit/>
-            </a:bodyPr>
-            <a:lstStyle/>
-            <a:p>
-              <a:r>
-                <a:rPr lang="ja-JP" altLang="en-US" sz="1800" dirty="0">
-                  <a:solidFill>
-                    <a:srgbClr val="C00000"/>
-                  </a:solidFill>
-                </a:rPr>
-                <a:t>⑦</a:t>
-              </a:r>
-              <a:endParaRPr kumimoji="1" lang="ja-JP" altLang="en-US" sz="1800" dirty="0">
-                <a:solidFill>
-                  <a:srgbClr val="C00000"/>
-                </a:solidFill>
-              </a:endParaRPr>
-            </a:p>
-          </p:txBody>
-        </p:sp>
-        <p:sp>
-          <p:nvSpPr>
-            <p:cNvPr id="35" name="テキスト ボックス 34"/>
-            <p:cNvSpPr txBox="1"/>
-            <p:nvPr/>
-          </p:nvSpPr>
-          <p:spPr>
-            <a:xfrm>
-              <a:off x="5401593" y="7464896"/>
-              <a:ext cx="432048" cy="369332"/>
-            </a:xfrm>
-            <a:prstGeom prst="rect">
-              <a:avLst/>
-            </a:prstGeom>
-            <a:noFill/>
-            <a:ln>
-              <a:noFill/>
-            </a:ln>
-          </p:spPr>
-          <p:txBody>
-            <a:bodyPr wrap="square" rtlCol="0">
-              <a:spAutoFit/>
-            </a:bodyPr>
-            <a:lstStyle/>
-            <a:p>
-              <a:r>
-                <a:rPr lang="ja-JP" altLang="en-US" sz="1800" dirty="0">
-                  <a:solidFill>
-                    <a:srgbClr val="C00000"/>
-                  </a:solidFill>
-                </a:rPr>
-                <a:t>⑥</a:t>
-              </a:r>
-              <a:endParaRPr kumimoji="1" lang="ja-JP" altLang="en-US" sz="1800" dirty="0">
-                <a:solidFill>
-                  <a:srgbClr val="C00000"/>
-                </a:solidFill>
-              </a:endParaRPr>
-            </a:p>
-          </p:txBody>
-        </p:sp>
-        <p:sp>
-          <p:nvSpPr>
-            <p:cNvPr id="36" name="テキスト ボックス 35"/>
-            <p:cNvSpPr txBox="1"/>
-            <p:nvPr/>
-          </p:nvSpPr>
-          <p:spPr>
-            <a:xfrm>
-              <a:off x="5608712" y="5763706"/>
-              <a:ext cx="432048" cy="369332"/>
-            </a:xfrm>
-            <a:prstGeom prst="rect">
-              <a:avLst/>
-            </a:prstGeom>
-            <a:noFill/>
-            <a:ln>
-              <a:noFill/>
-            </a:ln>
-          </p:spPr>
-          <p:txBody>
-            <a:bodyPr wrap="square" rtlCol="0">
-              <a:spAutoFit/>
-            </a:bodyPr>
-            <a:lstStyle/>
-            <a:p>
-              <a:r>
-                <a:rPr lang="ja-JP" altLang="en-US" sz="1800" dirty="0">
-                  <a:solidFill>
-                    <a:srgbClr val="C00000"/>
-                  </a:solidFill>
-                </a:rPr>
-                <a:t>⑧</a:t>
-              </a:r>
-              <a:endParaRPr kumimoji="1" lang="ja-JP" altLang="en-US" sz="1800" dirty="0">
-                <a:solidFill>
-                  <a:srgbClr val="C00000"/>
-                </a:solidFill>
-              </a:endParaRPr>
-            </a:p>
-          </p:txBody>
-        </p:sp>
-        <p:cxnSp>
-          <p:nvCxnSpPr>
-            <p:cNvPr id="19" name="直線コネクタ 18"/>
-            <p:cNvCxnSpPr/>
-            <p:nvPr/>
-          </p:nvCxnSpPr>
-          <p:spPr>
-            <a:xfrm>
-              <a:off x="7500695" y="5063851"/>
-              <a:ext cx="0" cy="514898"/>
-            </a:xfrm>
-            <a:prstGeom prst="line">
-              <a:avLst/>
-            </a:prstGeom>
-            <a:ln w="28575">
-              <a:noFill/>
-            </a:ln>
-          </p:spPr>
-          <p:style>
-            <a:lnRef idx="1">
-              <a:schemeClr val="accent1"/>
-            </a:lnRef>
-            <a:fillRef idx="0">
-              <a:schemeClr val="accent1"/>
-            </a:fillRef>
-            <a:effectRef idx="0">
-              <a:schemeClr val="accent1"/>
-            </a:effectRef>
-            <a:fontRef idx="minor">
-              <a:schemeClr val="tx1"/>
-            </a:fontRef>
-          </p:style>
-        </p:cxnSp>
-        <p:cxnSp>
-          <p:nvCxnSpPr>
-            <p:cNvPr id="38" name="直線コネクタ 37"/>
-            <p:cNvCxnSpPr/>
-            <p:nvPr/>
-          </p:nvCxnSpPr>
-          <p:spPr>
-            <a:xfrm>
-              <a:off x="7048872" y="5087857"/>
-              <a:ext cx="0" cy="514898"/>
-            </a:xfrm>
-            <a:prstGeom prst="line">
-              <a:avLst/>
-            </a:prstGeom>
-            <a:ln w="28575">
-              <a:noFill/>
-            </a:ln>
-          </p:spPr>
-          <p:style>
-            <a:lnRef idx="1">
-              <a:schemeClr val="accent1"/>
-            </a:lnRef>
-            <a:fillRef idx="0">
-              <a:schemeClr val="accent1"/>
-            </a:fillRef>
-            <a:effectRef idx="0">
-              <a:schemeClr val="accent1"/>
-            </a:effectRef>
-            <a:fontRef idx="minor">
-              <a:schemeClr val="tx1"/>
-            </a:fontRef>
-          </p:style>
-        </p:cxnSp>
-        <p:cxnSp>
-          <p:nvCxnSpPr>
-            <p:cNvPr id="39" name="直線コネクタ 38"/>
-            <p:cNvCxnSpPr/>
-            <p:nvPr/>
-          </p:nvCxnSpPr>
-          <p:spPr>
-            <a:xfrm>
-              <a:off x="5680720" y="5032323"/>
-              <a:ext cx="0" cy="514898"/>
-            </a:xfrm>
-            <a:prstGeom prst="line">
-              <a:avLst/>
-            </a:prstGeom>
-            <a:ln w="28575">
-              <a:noFill/>
-            </a:ln>
-          </p:spPr>
-          <p:style>
-            <a:lnRef idx="1">
-              <a:schemeClr val="accent1"/>
-            </a:lnRef>
-            <a:fillRef idx="0">
-              <a:schemeClr val="accent1"/>
-            </a:fillRef>
-            <a:effectRef idx="0">
-              <a:schemeClr val="accent1"/>
-            </a:effectRef>
-            <a:fontRef idx="minor">
-              <a:schemeClr val="tx1"/>
-            </a:fontRef>
-          </p:style>
-        </p:cxnSp>
-        <p:cxnSp>
-          <p:nvCxnSpPr>
-            <p:cNvPr id="40" name="直線コネクタ 39"/>
-            <p:cNvCxnSpPr/>
-            <p:nvPr/>
-          </p:nvCxnSpPr>
-          <p:spPr>
-            <a:xfrm>
-              <a:off x="4912583" y="5763706"/>
-              <a:ext cx="489010" cy="0"/>
-            </a:xfrm>
-            <a:prstGeom prst="line">
-              <a:avLst/>
-            </a:prstGeom>
-            <a:ln w="28575">
-              <a:noFill/>
-            </a:ln>
-          </p:spPr>
-          <p:style>
-            <a:lnRef idx="1">
-              <a:schemeClr val="accent1"/>
-            </a:lnRef>
-            <a:fillRef idx="0">
-              <a:schemeClr val="accent1"/>
-            </a:fillRef>
-            <a:effectRef idx="0">
-              <a:schemeClr val="accent1"/>
-            </a:effectRef>
-            <a:fontRef idx="minor">
-              <a:schemeClr val="tx1"/>
-            </a:fontRef>
-          </p:style>
-        </p:cxnSp>
-        <p:cxnSp>
-          <p:nvCxnSpPr>
-            <p:cNvPr id="44" name="直線コネクタ 43"/>
-            <p:cNvCxnSpPr/>
-            <p:nvPr/>
-          </p:nvCxnSpPr>
-          <p:spPr>
-            <a:xfrm>
-              <a:off x="4856321" y="7176864"/>
-              <a:ext cx="489010" cy="0"/>
-            </a:xfrm>
-            <a:prstGeom prst="line">
-              <a:avLst/>
-            </a:prstGeom>
-            <a:ln w="28575">
-              <a:noFill/>
-            </a:ln>
-          </p:spPr>
-          <p:style>
-            <a:lnRef idx="1">
-              <a:schemeClr val="accent1"/>
-            </a:lnRef>
-            <a:fillRef idx="0">
-              <a:schemeClr val="accent1"/>
-            </a:fillRef>
-            <a:effectRef idx="0">
-              <a:schemeClr val="accent1"/>
-            </a:effectRef>
-            <a:fontRef idx="minor">
-              <a:schemeClr val="tx1"/>
-            </a:fontRef>
-          </p:style>
-        </p:cxnSp>
-        <p:cxnSp>
-          <p:nvCxnSpPr>
-            <p:cNvPr id="45" name="直線コネクタ 44"/>
-            <p:cNvCxnSpPr/>
-            <p:nvPr/>
-          </p:nvCxnSpPr>
-          <p:spPr>
-            <a:xfrm>
-              <a:off x="5755590" y="7176864"/>
-              <a:ext cx="429186" cy="0"/>
-            </a:xfrm>
-            <a:prstGeom prst="line">
-              <a:avLst/>
-            </a:prstGeom>
-            <a:ln w="28575">
-              <a:noFill/>
-            </a:ln>
-          </p:spPr>
-          <p:style>
-            <a:lnRef idx="1">
-              <a:schemeClr val="accent1"/>
-            </a:lnRef>
-            <a:fillRef idx="0">
-              <a:schemeClr val="accent1"/>
-            </a:fillRef>
-            <a:effectRef idx="0">
-              <a:schemeClr val="accent1"/>
-            </a:effectRef>
-            <a:fontRef idx="minor">
-              <a:schemeClr val="tx1"/>
-            </a:fontRef>
-          </p:style>
-        </p:cxnSp>
-        <p:cxnSp>
-          <p:nvCxnSpPr>
-            <p:cNvPr id="46" name="直線コネクタ 45"/>
-            <p:cNvCxnSpPr/>
-            <p:nvPr/>
-          </p:nvCxnSpPr>
-          <p:spPr>
-            <a:xfrm>
-              <a:off x="5319102" y="6238949"/>
-              <a:ext cx="489010" cy="0"/>
-            </a:xfrm>
-            <a:prstGeom prst="line">
-              <a:avLst/>
-            </a:prstGeom>
-            <a:ln w="28575">
-              <a:noFill/>
-            </a:ln>
-          </p:spPr>
-          <p:style>
-            <a:lnRef idx="1">
-              <a:schemeClr val="accent1"/>
-            </a:lnRef>
-            <a:fillRef idx="0">
-              <a:schemeClr val="accent1"/>
-            </a:fillRef>
-            <a:effectRef idx="0">
-              <a:schemeClr val="accent1"/>
-            </a:effectRef>
-            <a:fontRef idx="minor">
-              <a:schemeClr val="tx1"/>
-            </a:fontRef>
-          </p:style>
-        </p:cxnSp>
-        <p:cxnSp>
-          <p:nvCxnSpPr>
-            <p:cNvPr id="47" name="直線コネクタ 46"/>
-            <p:cNvCxnSpPr/>
-            <p:nvPr/>
-          </p:nvCxnSpPr>
-          <p:spPr>
-            <a:xfrm>
-              <a:off x="6055806" y="6436315"/>
-              <a:ext cx="489010" cy="0"/>
-            </a:xfrm>
-            <a:prstGeom prst="line">
-              <a:avLst/>
-            </a:prstGeom>
-            <a:ln w="28575">
-              <a:noFill/>
-            </a:ln>
-          </p:spPr>
-          <p:style>
-            <a:lnRef idx="1">
-              <a:schemeClr val="accent1"/>
-            </a:lnRef>
-            <a:fillRef idx="0">
-              <a:schemeClr val="accent1"/>
-            </a:fillRef>
-            <a:effectRef idx="0">
-              <a:schemeClr val="accent1"/>
-            </a:effectRef>
-            <a:fontRef idx="minor">
-              <a:schemeClr val="tx1"/>
-            </a:fontRef>
-          </p:style>
-        </p:cxnSp>
-        <p:cxnSp>
-          <p:nvCxnSpPr>
-            <p:cNvPr id="48" name="直線コネクタ 47"/>
-            <p:cNvCxnSpPr/>
-            <p:nvPr/>
-          </p:nvCxnSpPr>
-          <p:spPr>
-            <a:xfrm>
-              <a:off x="6256784" y="7248872"/>
-              <a:ext cx="341605" cy="0"/>
-            </a:xfrm>
-            <a:prstGeom prst="line">
-              <a:avLst/>
-            </a:prstGeom>
-            <a:ln w="28575">
-              <a:noFill/>
-            </a:ln>
-          </p:spPr>
-          <p:style>
-            <a:lnRef idx="1">
-              <a:schemeClr val="accent1"/>
-            </a:lnRef>
-            <a:fillRef idx="0">
-              <a:schemeClr val="accent1"/>
-            </a:fillRef>
-            <a:effectRef idx="0">
-              <a:schemeClr val="accent1"/>
-            </a:effectRef>
-            <a:fontRef idx="minor">
-              <a:schemeClr val="tx1"/>
-            </a:fontRef>
-          </p:style>
-        </p:cxnSp>
-        <p:cxnSp>
-          <p:nvCxnSpPr>
-            <p:cNvPr id="59" name="直線コネクタ 58"/>
-            <p:cNvCxnSpPr/>
-            <p:nvPr/>
-          </p:nvCxnSpPr>
-          <p:spPr>
-            <a:xfrm>
-              <a:off x="6904856" y="7464896"/>
-              <a:ext cx="0" cy="442115"/>
-            </a:xfrm>
-            <a:prstGeom prst="line">
-              <a:avLst/>
-            </a:prstGeom>
-            <a:ln w="28575">
-              <a:noFill/>
-            </a:ln>
-          </p:spPr>
-          <p:style>
-            <a:lnRef idx="1">
-              <a:schemeClr val="accent1"/>
-            </a:lnRef>
-            <a:fillRef idx="0">
-              <a:schemeClr val="accent1"/>
-            </a:fillRef>
-            <a:effectRef idx="0">
-              <a:schemeClr val="accent1"/>
-            </a:effectRef>
-            <a:fontRef idx="minor">
-              <a:schemeClr val="tx1"/>
-            </a:fontRef>
-          </p:style>
-        </p:cxnSp>
-        <p:cxnSp>
-          <p:nvCxnSpPr>
-            <p:cNvPr id="61" name="直線コネクタ 60"/>
-            <p:cNvCxnSpPr/>
-            <p:nvPr/>
-          </p:nvCxnSpPr>
-          <p:spPr>
-            <a:xfrm>
-              <a:off x="7336904" y="7464895"/>
-              <a:ext cx="0" cy="442115"/>
-            </a:xfrm>
-            <a:prstGeom prst="line">
-              <a:avLst/>
-            </a:prstGeom>
-            <a:ln w="28575">
-              <a:noFill/>
-            </a:ln>
-          </p:spPr>
-          <p:style>
-            <a:lnRef idx="1">
-              <a:schemeClr val="accent1"/>
-            </a:lnRef>
-            <a:fillRef idx="0">
-              <a:schemeClr val="accent1"/>
-            </a:fillRef>
-            <a:effectRef idx="0">
-              <a:schemeClr val="accent1"/>
-            </a:effectRef>
-            <a:fontRef idx="minor">
-              <a:schemeClr val="tx1"/>
-            </a:fontRef>
-          </p:style>
-        </p:cxnSp>
-        <p:cxnSp>
-          <p:nvCxnSpPr>
-            <p:cNvPr id="65" name="直線コネクタ 64"/>
-            <p:cNvCxnSpPr/>
-            <p:nvPr/>
-          </p:nvCxnSpPr>
-          <p:spPr>
-            <a:xfrm>
-              <a:off x="7336904" y="6991423"/>
-              <a:ext cx="0" cy="257449"/>
-            </a:xfrm>
-            <a:prstGeom prst="line">
-              <a:avLst/>
-            </a:prstGeom>
-            <a:ln w="28575">
-              <a:noFill/>
-            </a:ln>
-          </p:spPr>
-          <p:style>
-            <a:lnRef idx="1">
-              <a:schemeClr val="accent1"/>
-            </a:lnRef>
-            <a:fillRef idx="0">
-              <a:schemeClr val="accent1"/>
-            </a:fillRef>
-            <a:effectRef idx="0">
-              <a:schemeClr val="accent1"/>
-            </a:effectRef>
-            <a:fontRef idx="minor">
-              <a:schemeClr val="tx1"/>
-            </a:fontRef>
-          </p:style>
-        </p:cxnSp>
-        <p:cxnSp>
-          <p:nvCxnSpPr>
-            <p:cNvPr id="68" name="直線コネクタ 67"/>
-            <p:cNvCxnSpPr/>
-            <p:nvPr/>
-          </p:nvCxnSpPr>
-          <p:spPr>
-            <a:xfrm>
-              <a:off x="6921797" y="6991422"/>
-              <a:ext cx="0" cy="257449"/>
-            </a:xfrm>
-            <a:prstGeom prst="line">
-              <a:avLst/>
-            </a:prstGeom>
-            <a:ln w="28575">
-              <a:noFill/>
-            </a:ln>
-          </p:spPr>
-          <p:style>
-            <a:lnRef idx="1">
-              <a:schemeClr val="accent1"/>
-            </a:lnRef>
-            <a:fillRef idx="0">
-              <a:schemeClr val="accent1"/>
-            </a:fillRef>
-            <a:effectRef idx="0">
-              <a:schemeClr val="accent1"/>
-            </a:effectRef>
-            <a:fontRef idx="minor">
-              <a:schemeClr val="tx1"/>
-            </a:fontRef>
-          </p:style>
-        </p:cxnSp>
-        <p:cxnSp>
-          <p:nvCxnSpPr>
-            <p:cNvPr id="69" name="直線コネクタ 68"/>
-            <p:cNvCxnSpPr/>
-            <p:nvPr/>
-          </p:nvCxnSpPr>
-          <p:spPr>
-            <a:xfrm flipH="1">
-              <a:off x="6598389" y="6905553"/>
-              <a:ext cx="281385" cy="0"/>
-            </a:xfrm>
-            <a:prstGeom prst="line">
-              <a:avLst/>
-            </a:prstGeom>
-            <a:ln w="28575">
-              <a:noFill/>
-            </a:ln>
-          </p:spPr>
-          <p:style>
-            <a:lnRef idx="1">
-              <a:schemeClr val="accent1"/>
-            </a:lnRef>
-            <a:fillRef idx="0">
-              <a:schemeClr val="accent1"/>
-            </a:fillRef>
-            <a:effectRef idx="0">
-              <a:schemeClr val="accent1"/>
-            </a:effectRef>
-            <a:fontRef idx="minor">
-              <a:schemeClr val="tx1"/>
-            </a:fontRef>
-          </p:style>
-        </p:cxnSp>
-        <p:cxnSp>
-          <p:nvCxnSpPr>
-            <p:cNvPr id="71" name="直線コネクタ 70"/>
-            <p:cNvCxnSpPr/>
-            <p:nvPr/>
-          </p:nvCxnSpPr>
-          <p:spPr>
-            <a:xfrm flipH="1">
-              <a:off x="6563968" y="6096744"/>
-              <a:ext cx="281385" cy="0"/>
-            </a:xfrm>
-            <a:prstGeom prst="line">
-              <a:avLst/>
-            </a:prstGeom>
-            <a:ln w="28575">
-              <a:noFill/>
-            </a:ln>
-          </p:spPr>
-          <p:style>
-            <a:lnRef idx="1">
-              <a:schemeClr val="accent1"/>
-            </a:lnRef>
-            <a:fillRef idx="0">
-              <a:schemeClr val="accent1"/>
-            </a:fillRef>
-            <a:effectRef idx="0">
-              <a:schemeClr val="accent1"/>
-            </a:effectRef>
-            <a:fontRef idx="minor">
-              <a:schemeClr val="tx1"/>
-            </a:fontRef>
-          </p:style>
-        </p:cxnSp>
-        <p:cxnSp>
-          <p:nvCxnSpPr>
-            <p:cNvPr id="74" name="直線コネクタ 73"/>
-            <p:cNvCxnSpPr/>
-            <p:nvPr/>
-          </p:nvCxnSpPr>
-          <p:spPr>
-            <a:xfrm>
-              <a:off x="8345016" y="5763706"/>
-              <a:ext cx="0" cy="257449"/>
-            </a:xfrm>
-            <a:prstGeom prst="line">
-              <a:avLst/>
-            </a:prstGeom>
-            <a:ln w="28575">
-              <a:noFill/>
-            </a:ln>
-          </p:spPr>
-          <p:style>
-            <a:lnRef idx="1">
-              <a:schemeClr val="accent1"/>
-            </a:lnRef>
-            <a:fillRef idx="0">
-              <a:schemeClr val="accent1"/>
-            </a:fillRef>
-            <a:effectRef idx="0">
-              <a:schemeClr val="accent1"/>
-            </a:effectRef>
-            <a:fontRef idx="minor">
-              <a:schemeClr val="tx1"/>
-            </a:fontRef>
-          </p:style>
-        </p:cxnSp>
-        <p:cxnSp>
-          <p:nvCxnSpPr>
-            <p:cNvPr id="75" name="直線コネクタ 74"/>
-            <p:cNvCxnSpPr/>
-            <p:nvPr/>
-          </p:nvCxnSpPr>
-          <p:spPr>
-            <a:xfrm>
-              <a:off x="7048872" y="5750636"/>
-              <a:ext cx="0" cy="257449"/>
-            </a:xfrm>
-            <a:prstGeom prst="line">
-              <a:avLst/>
-            </a:prstGeom>
-            <a:ln w="28575">
-              <a:noFill/>
-            </a:ln>
-          </p:spPr>
-          <p:style>
-            <a:lnRef idx="1">
-              <a:schemeClr val="accent1"/>
-            </a:lnRef>
-            <a:fillRef idx="0">
-              <a:schemeClr val="accent1"/>
-            </a:fillRef>
-            <a:effectRef idx="0">
-              <a:schemeClr val="accent1"/>
-            </a:effectRef>
-            <a:fontRef idx="minor">
-              <a:schemeClr val="tx1"/>
-            </a:fontRef>
-          </p:style>
-        </p:cxnSp>
-        <p:cxnSp>
-          <p:nvCxnSpPr>
-            <p:cNvPr id="77" name="直線コネクタ 76"/>
-            <p:cNvCxnSpPr/>
-            <p:nvPr/>
-          </p:nvCxnSpPr>
-          <p:spPr>
-            <a:xfrm flipH="1" flipV="1">
-              <a:off x="7840960" y="7651864"/>
-              <a:ext cx="1" cy="271306"/>
-            </a:xfrm>
-            <a:prstGeom prst="line">
-              <a:avLst/>
-            </a:prstGeom>
-            <a:ln w="28575">
-              <a:noFill/>
-            </a:ln>
-          </p:spPr>
-          <p:style>
-            <a:lnRef idx="1">
-              <a:schemeClr val="accent1"/>
-            </a:lnRef>
-            <a:fillRef idx="0">
-              <a:schemeClr val="accent1"/>
-            </a:fillRef>
-            <a:effectRef idx="0">
-              <a:schemeClr val="accent1"/>
-            </a:effectRef>
-            <a:fontRef idx="minor">
-              <a:schemeClr val="tx1"/>
-            </a:fontRef>
-          </p:style>
-        </p:cxnSp>
-        <p:cxnSp>
-          <p:nvCxnSpPr>
-            <p:cNvPr id="80" name="直線コネクタ 79"/>
-            <p:cNvCxnSpPr/>
-            <p:nvPr/>
-          </p:nvCxnSpPr>
-          <p:spPr>
-            <a:xfrm flipH="1">
-              <a:off x="8063631" y="7402341"/>
-              <a:ext cx="281385" cy="0"/>
-            </a:xfrm>
-            <a:prstGeom prst="line">
-              <a:avLst/>
-            </a:prstGeom>
-            <a:ln w="28575">
-              <a:noFill/>
-            </a:ln>
-          </p:spPr>
-          <p:style>
-            <a:lnRef idx="1">
-              <a:schemeClr val="accent1"/>
-            </a:lnRef>
-            <a:fillRef idx="0">
-              <a:schemeClr val="accent1"/>
-            </a:fillRef>
-            <a:effectRef idx="0">
-              <a:schemeClr val="accent1"/>
-            </a:effectRef>
-            <a:fontRef idx="minor">
-              <a:schemeClr val="tx1"/>
-            </a:fontRef>
-          </p:style>
-        </p:cxnSp>
-        <p:cxnSp>
-          <p:nvCxnSpPr>
-            <p:cNvPr id="81" name="直線コネクタ 80"/>
-            <p:cNvCxnSpPr/>
-            <p:nvPr/>
-          </p:nvCxnSpPr>
-          <p:spPr>
-            <a:xfrm flipV="1">
-              <a:off x="7910661" y="6733978"/>
-              <a:ext cx="0" cy="236154"/>
-            </a:xfrm>
-            <a:prstGeom prst="line">
-              <a:avLst/>
-            </a:prstGeom>
-            <a:ln w="28575">
-              <a:noFill/>
-            </a:ln>
-          </p:spPr>
-          <p:style>
-            <a:lnRef idx="1">
-              <a:schemeClr val="accent1"/>
-            </a:lnRef>
-            <a:fillRef idx="0">
-              <a:schemeClr val="accent1"/>
-            </a:fillRef>
-            <a:effectRef idx="0">
-              <a:schemeClr val="accent1"/>
-            </a:effectRef>
-            <a:fontRef idx="minor">
-              <a:schemeClr val="tx1"/>
-            </a:fontRef>
-          </p:style>
-        </p:cxnSp>
-        <p:cxnSp>
-          <p:nvCxnSpPr>
-            <p:cNvPr id="85" name="直線コネクタ 84"/>
-            <p:cNvCxnSpPr/>
-            <p:nvPr/>
-          </p:nvCxnSpPr>
-          <p:spPr>
-            <a:xfrm flipV="1">
-              <a:off x="7392060" y="6277358"/>
-              <a:ext cx="0" cy="236154"/>
-            </a:xfrm>
-            <a:prstGeom prst="line">
-              <a:avLst/>
-            </a:prstGeom>
-            <a:ln w="28575">
-              <a:noFill/>
-            </a:ln>
-          </p:spPr>
-          <p:style>
-            <a:lnRef idx="1">
-              <a:schemeClr val="accent1"/>
-            </a:lnRef>
-            <a:fillRef idx="0">
-              <a:schemeClr val="accent1"/>
-            </a:fillRef>
-            <a:effectRef idx="0">
-              <a:schemeClr val="accent1"/>
-            </a:effectRef>
-            <a:fontRef idx="minor">
-              <a:schemeClr val="tx1"/>
-            </a:fontRef>
-          </p:style>
-        </p:cxnSp>
-        <p:cxnSp>
-          <p:nvCxnSpPr>
-            <p:cNvPr id="86" name="直線コネクタ 85"/>
-            <p:cNvCxnSpPr/>
-            <p:nvPr/>
-          </p:nvCxnSpPr>
-          <p:spPr>
-            <a:xfrm flipV="1">
-              <a:off x="7264896" y="6733978"/>
-              <a:ext cx="0" cy="236154"/>
-            </a:xfrm>
-            <a:prstGeom prst="line">
-              <a:avLst/>
-            </a:prstGeom>
-            <a:ln w="28575">
-              <a:noFill/>
-            </a:ln>
-          </p:spPr>
-          <p:style>
-            <a:lnRef idx="1">
-              <a:schemeClr val="accent1"/>
-            </a:lnRef>
-            <a:fillRef idx="0">
-              <a:schemeClr val="accent1"/>
-            </a:fillRef>
-            <a:effectRef idx="0">
-              <a:schemeClr val="accent1"/>
-            </a:effectRef>
-            <a:fontRef idx="minor">
-              <a:schemeClr val="tx1"/>
-            </a:fontRef>
-          </p:style>
-        </p:cxnSp>
-        <p:cxnSp>
-          <p:nvCxnSpPr>
-            <p:cNvPr id="88" name="直線コネクタ 87"/>
-            <p:cNvCxnSpPr/>
-            <p:nvPr/>
-          </p:nvCxnSpPr>
-          <p:spPr>
-            <a:xfrm flipV="1">
-              <a:off x="8204323" y="6267230"/>
-              <a:ext cx="0" cy="236154"/>
-            </a:xfrm>
-            <a:prstGeom prst="line">
-              <a:avLst/>
-            </a:prstGeom>
-            <a:ln w="28575">
-              <a:noFill/>
-            </a:ln>
-          </p:spPr>
-          <p:style>
-            <a:lnRef idx="1">
-              <a:schemeClr val="accent1"/>
-            </a:lnRef>
-            <a:fillRef idx="0">
-              <a:schemeClr val="accent1"/>
-            </a:fillRef>
-            <a:effectRef idx="0">
-              <a:schemeClr val="accent1"/>
-            </a:effectRef>
-            <a:fontRef idx="minor">
-              <a:schemeClr val="tx1"/>
-            </a:fontRef>
-          </p:style>
-        </p:cxnSp>
-        <p:cxnSp>
-          <p:nvCxnSpPr>
-            <p:cNvPr id="89" name="直線コネクタ 88"/>
-            <p:cNvCxnSpPr/>
-            <p:nvPr/>
-          </p:nvCxnSpPr>
-          <p:spPr>
-            <a:xfrm>
-              <a:off x="8356723" y="6655784"/>
-              <a:ext cx="204317" cy="0"/>
-            </a:xfrm>
-            <a:prstGeom prst="line">
-              <a:avLst/>
-            </a:prstGeom>
-            <a:ln w="28575">
-              <a:noFill/>
-            </a:ln>
-          </p:spPr>
-          <p:style>
-            <a:lnRef idx="1">
-              <a:schemeClr val="accent1"/>
-            </a:lnRef>
-            <a:fillRef idx="0">
-              <a:schemeClr val="accent1"/>
-            </a:fillRef>
-            <a:effectRef idx="0">
-              <a:schemeClr val="accent1"/>
-            </a:effectRef>
-            <a:fontRef idx="minor">
-              <a:schemeClr val="tx1"/>
-            </a:fontRef>
-          </p:style>
-        </p:cxnSp>
-        <p:cxnSp>
-          <p:nvCxnSpPr>
-            <p:cNvPr id="91" name="直線コネクタ 90"/>
-            <p:cNvCxnSpPr/>
-            <p:nvPr/>
-          </p:nvCxnSpPr>
-          <p:spPr>
-            <a:xfrm>
-              <a:off x="8356723" y="7575363"/>
-              <a:ext cx="204317" cy="0"/>
-            </a:xfrm>
-            <a:prstGeom prst="line">
-              <a:avLst/>
-            </a:prstGeom>
-            <a:ln w="28575">
-              <a:noFill/>
-            </a:ln>
-          </p:spPr>
-          <p:style>
-            <a:lnRef idx="1">
-              <a:schemeClr val="accent1"/>
-            </a:lnRef>
-            <a:fillRef idx="0">
-              <a:schemeClr val="accent1"/>
-            </a:fillRef>
-            <a:effectRef idx="0">
-              <a:schemeClr val="accent1"/>
-            </a:effectRef>
-            <a:fontRef idx="minor">
-              <a:schemeClr val="tx1"/>
-            </a:fontRef>
-          </p:style>
-        </p:cxnSp>
-        <p:cxnSp>
-          <p:nvCxnSpPr>
-            <p:cNvPr id="98" name="直線コネクタ 97"/>
-            <p:cNvCxnSpPr/>
-            <p:nvPr/>
-          </p:nvCxnSpPr>
-          <p:spPr>
-            <a:xfrm flipH="1">
-              <a:off x="8811764" y="7176864"/>
-              <a:ext cx="281385" cy="0"/>
-            </a:xfrm>
-            <a:prstGeom prst="line">
-              <a:avLst/>
-            </a:prstGeom>
-            <a:ln w="28575">
-              <a:noFill/>
-            </a:ln>
-          </p:spPr>
-          <p:style>
-            <a:lnRef idx="1">
-              <a:schemeClr val="accent1"/>
-            </a:lnRef>
-            <a:fillRef idx="0">
-              <a:schemeClr val="accent1"/>
-            </a:fillRef>
-            <a:effectRef idx="0">
-              <a:schemeClr val="accent1"/>
-            </a:effectRef>
-            <a:fontRef idx="minor">
-              <a:schemeClr val="tx1"/>
-            </a:fontRef>
-          </p:style>
-        </p:cxnSp>
-        <p:cxnSp>
-          <p:nvCxnSpPr>
-            <p:cNvPr id="99" name="直線コネクタ 98"/>
-            <p:cNvCxnSpPr/>
-            <p:nvPr/>
-          </p:nvCxnSpPr>
-          <p:spPr>
-            <a:xfrm flipH="1">
-              <a:off x="8794947" y="7575363"/>
-              <a:ext cx="281385" cy="0"/>
-            </a:xfrm>
-            <a:prstGeom prst="line">
-              <a:avLst/>
-            </a:prstGeom>
-            <a:ln w="28575">
-              <a:noFill/>
-            </a:ln>
-          </p:spPr>
-          <p:style>
-            <a:lnRef idx="1">
-              <a:schemeClr val="accent1"/>
-            </a:lnRef>
-            <a:fillRef idx="0">
-              <a:schemeClr val="accent1"/>
-            </a:fillRef>
-            <a:effectRef idx="0">
-              <a:schemeClr val="accent1"/>
-            </a:effectRef>
-            <a:fontRef idx="minor">
-              <a:schemeClr val="tx1"/>
-            </a:fontRef>
-          </p:style>
-        </p:cxnSp>
-      </p:grpSp>
       <p:pic>
         <p:nvPicPr>
           <p:cNvPr id="1026" name="Picture 2" descr="C:\Users\HOMMA\Robokon\e-konbu\Illust\階段.png"/>
@@ -11453,10 +12087,1094 @@
               <a:rPr lang="ja-JP" altLang="en-US" sz="1050" dirty="0"/>
               <a:t>条件がある</a:t>
             </a:r>
-            <a:endParaRPr lang="ja-JP" altLang="en-US" sz="1050" dirty="0"/>
           </a:p>
         </p:txBody>
       </p:sp>
+      <p:cxnSp>
+        <p:nvCxnSpPr>
+          <p:cNvPr id="10" name="直線コネクタ 9"/>
+          <p:cNvCxnSpPr/>
+          <p:nvPr/>
+        </p:nvCxnSpPr>
+        <p:spPr>
+          <a:xfrm>
+            <a:off x="5669080" y="5060946"/>
+            <a:ext cx="0" cy="369730"/>
+          </a:xfrm>
+          <a:prstGeom prst="line">
+            <a:avLst/>
+          </a:prstGeom>
+          <a:ln w="19050">
+            <a:solidFill>
+              <a:srgbClr val="C00000"/>
+            </a:solidFill>
+          </a:ln>
+        </p:spPr>
+        <p:style>
+          <a:lnRef idx="1">
+            <a:schemeClr val="accent1"/>
+          </a:lnRef>
+          <a:fillRef idx="0">
+            <a:schemeClr val="accent1"/>
+          </a:fillRef>
+          <a:effectRef idx="0">
+            <a:schemeClr val="accent1"/>
+          </a:effectRef>
+          <a:fontRef idx="minor">
+            <a:schemeClr val="tx1"/>
+          </a:fontRef>
+        </p:style>
+      </p:cxnSp>
+      <p:cxnSp>
+        <p:nvCxnSpPr>
+          <p:cNvPr id="60" name="直線コネクタ 59"/>
+          <p:cNvCxnSpPr/>
+          <p:nvPr/>
+        </p:nvCxnSpPr>
+        <p:spPr>
+          <a:xfrm>
+            <a:off x="5230894" y="5054397"/>
+            <a:ext cx="0" cy="369730"/>
+          </a:xfrm>
+          <a:prstGeom prst="line">
+            <a:avLst/>
+          </a:prstGeom>
+          <a:ln w="19050">
+            <a:solidFill>
+              <a:srgbClr val="C00000"/>
+            </a:solidFill>
+          </a:ln>
+        </p:spPr>
+        <p:style>
+          <a:lnRef idx="1">
+            <a:schemeClr val="accent1"/>
+          </a:lnRef>
+          <a:fillRef idx="0">
+            <a:schemeClr val="accent1"/>
+          </a:fillRef>
+          <a:effectRef idx="0">
+            <a:schemeClr val="accent1"/>
+          </a:effectRef>
+          <a:fontRef idx="minor">
+            <a:schemeClr val="tx1"/>
+          </a:fontRef>
+        </p:style>
+      </p:cxnSp>
+      <p:cxnSp>
+        <p:nvCxnSpPr>
+          <p:cNvPr id="62" name="直線コネクタ 61"/>
+          <p:cNvCxnSpPr/>
+          <p:nvPr/>
+        </p:nvCxnSpPr>
+        <p:spPr>
+          <a:xfrm>
+            <a:off x="3731992" y="5054397"/>
+            <a:ext cx="0" cy="369730"/>
+          </a:xfrm>
+          <a:prstGeom prst="line">
+            <a:avLst/>
+          </a:prstGeom>
+          <a:ln w="19050">
+            <a:solidFill>
+              <a:srgbClr val="C00000"/>
+            </a:solidFill>
+          </a:ln>
+        </p:spPr>
+        <p:style>
+          <a:lnRef idx="1">
+            <a:schemeClr val="accent1"/>
+          </a:lnRef>
+          <a:fillRef idx="0">
+            <a:schemeClr val="accent1"/>
+          </a:fillRef>
+          <a:effectRef idx="0">
+            <a:schemeClr val="accent1"/>
+          </a:effectRef>
+          <a:fontRef idx="minor">
+            <a:schemeClr val="tx1"/>
+          </a:fontRef>
+        </p:style>
+      </p:cxnSp>
+      <p:cxnSp>
+        <p:nvCxnSpPr>
+          <p:cNvPr id="63" name="直線コネクタ 62"/>
+          <p:cNvCxnSpPr/>
+          <p:nvPr/>
+        </p:nvCxnSpPr>
+        <p:spPr>
+          <a:xfrm>
+            <a:off x="5078121" y="7470350"/>
+            <a:ext cx="0" cy="369730"/>
+          </a:xfrm>
+          <a:prstGeom prst="line">
+            <a:avLst/>
+          </a:prstGeom>
+          <a:ln w="19050">
+            <a:solidFill>
+              <a:srgbClr val="C00000"/>
+            </a:solidFill>
+          </a:ln>
+        </p:spPr>
+        <p:style>
+          <a:lnRef idx="1">
+            <a:schemeClr val="accent1"/>
+          </a:lnRef>
+          <a:fillRef idx="0">
+            <a:schemeClr val="accent1"/>
+          </a:fillRef>
+          <a:effectRef idx="0">
+            <a:schemeClr val="accent1"/>
+          </a:effectRef>
+          <a:fontRef idx="minor">
+            <a:schemeClr val="tx1"/>
+          </a:fontRef>
+        </p:style>
+      </p:cxnSp>
+      <p:cxnSp>
+        <p:nvCxnSpPr>
+          <p:cNvPr id="64" name="直線コネクタ 63"/>
+          <p:cNvCxnSpPr/>
+          <p:nvPr/>
+        </p:nvCxnSpPr>
+        <p:spPr>
+          <a:xfrm flipH="1">
+            <a:off x="3097749" y="5713196"/>
+            <a:ext cx="389738" cy="0"/>
+          </a:xfrm>
+          <a:prstGeom prst="line">
+            <a:avLst/>
+          </a:prstGeom>
+          <a:ln w="19050">
+            <a:solidFill>
+              <a:srgbClr val="C00000"/>
+            </a:solidFill>
+          </a:ln>
+        </p:spPr>
+        <p:style>
+          <a:lnRef idx="1">
+            <a:schemeClr val="accent1"/>
+          </a:lnRef>
+          <a:fillRef idx="0">
+            <a:schemeClr val="accent1"/>
+          </a:fillRef>
+          <a:effectRef idx="0">
+            <a:schemeClr val="accent1"/>
+          </a:effectRef>
+          <a:fontRef idx="minor">
+            <a:schemeClr val="tx1"/>
+          </a:fontRef>
+        </p:style>
+      </p:cxnSp>
+      <p:cxnSp>
+        <p:nvCxnSpPr>
+          <p:cNvPr id="70" name="直線コネクタ 69"/>
+          <p:cNvCxnSpPr/>
+          <p:nvPr/>
+        </p:nvCxnSpPr>
+        <p:spPr>
+          <a:xfrm flipH="1">
+            <a:off x="3080968" y="6945459"/>
+            <a:ext cx="389738" cy="0"/>
+          </a:xfrm>
+          <a:prstGeom prst="line">
+            <a:avLst/>
+          </a:prstGeom>
+          <a:ln w="19050">
+            <a:solidFill>
+              <a:srgbClr val="C00000"/>
+            </a:solidFill>
+          </a:ln>
+        </p:spPr>
+        <p:style>
+          <a:lnRef idx="1">
+            <a:schemeClr val="accent1"/>
+          </a:lnRef>
+          <a:fillRef idx="0">
+            <a:schemeClr val="accent1"/>
+          </a:fillRef>
+          <a:effectRef idx="0">
+            <a:schemeClr val="accent1"/>
+          </a:effectRef>
+          <a:fontRef idx="minor">
+            <a:schemeClr val="tx1"/>
+          </a:fontRef>
+        </p:style>
+      </p:cxnSp>
+      <p:cxnSp>
+        <p:nvCxnSpPr>
+          <p:cNvPr id="72" name="直線コネクタ 71"/>
+          <p:cNvCxnSpPr/>
+          <p:nvPr/>
+        </p:nvCxnSpPr>
+        <p:spPr>
+          <a:xfrm flipH="1">
+            <a:off x="3923975" y="6909264"/>
+            <a:ext cx="300216" cy="169510"/>
+          </a:xfrm>
+          <a:prstGeom prst="line">
+            <a:avLst/>
+          </a:prstGeom>
+          <a:ln w="19050">
+            <a:solidFill>
+              <a:srgbClr val="C00000"/>
+            </a:solidFill>
+          </a:ln>
+        </p:spPr>
+        <p:style>
+          <a:lnRef idx="1">
+            <a:schemeClr val="accent1"/>
+          </a:lnRef>
+          <a:fillRef idx="0">
+            <a:schemeClr val="accent1"/>
+          </a:fillRef>
+          <a:effectRef idx="0">
+            <a:schemeClr val="accent1"/>
+          </a:effectRef>
+          <a:fontRef idx="minor">
+            <a:schemeClr val="tx1"/>
+          </a:fontRef>
+        </p:style>
+      </p:cxnSp>
+      <p:cxnSp>
+        <p:nvCxnSpPr>
+          <p:cNvPr id="76" name="直線コネクタ 75"/>
+          <p:cNvCxnSpPr/>
+          <p:nvPr/>
+        </p:nvCxnSpPr>
+        <p:spPr>
+          <a:xfrm flipH="1">
+            <a:off x="3611353" y="6370631"/>
+            <a:ext cx="331488" cy="164485"/>
+          </a:xfrm>
+          <a:prstGeom prst="line">
+            <a:avLst/>
+          </a:prstGeom>
+          <a:ln w="19050">
+            <a:solidFill>
+              <a:srgbClr val="C00000"/>
+            </a:solidFill>
+          </a:ln>
+        </p:spPr>
+        <p:style>
+          <a:lnRef idx="1">
+            <a:schemeClr val="accent1"/>
+          </a:lnRef>
+          <a:fillRef idx="0">
+            <a:schemeClr val="accent1"/>
+          </a:fillRef>
+          <a:effectRef idx="0">
+            <a:schemeClr val="accent1"/>
+          </a:effectRef>
+          <a:fontRef idx="minor">
+            <a:schemeClr val="tx1"/>
+          </a:fontRef>
+        </p:style>
+      </p:cxnSp>
+      <p:cxnSp>
+        <p:nvCxnSpPr>
+          <p:cNvPr id="136" name="直線コネクタ 135"/>
+          <p:cNvCxnSpPr/>
+          <p:nvPr/>
+        </p:nvCxnSpPr>
+        <p:spPr>
+          <a:xfrm flipH="1">
+            <a:off x="4289076" y="6385805"/>
+            <a:ext cx="336546" cy="123605"/>
+          </a:xfrm>
+          <a:prstGeom prst="line">
+            <a:avLst/>
+          </a:prstGeom>
+          <a:ln w="19050">
+            <a:solidFill>
+              <a:srgbClr val="C00000"/>
+            </a:solidFill>
+          </a:ln>
+        </p:spPr>
+        <p:style>
+          <a:lnRef idx="1">
+            <a:schemeClr val="accent1"/>
+          </a:lnRef>
+          <a:fillRef idx="0">
+            <a:schemeClr val="accent1"/>
+          </a:fillRef>
+          <a:effectRef idx="0">
+            <a:schemeClr val="accent1"/>
+          </a:effectRef>
+          <a:fontRef idx="minor">
+            <a:schemeClr val="tx1"/>
+          </a:fontRef>
+        </p:style>
+      </p:cxnSp>
+      <p:cxnSp>
+        <p:nvCxnSpPr>
+          <p:cNvPr id="137" name="直線コネクタ 136"/>
+          <p:cNvCxnSpPr/>
+          <p:nvPr/>
+        </p:nvCxnSpPr>
+        <p:spPr>
+          <a:xfrm flipH="1">
+            <a:off x="4425169" y="7107336"/>
+            <a:ext cx="336546" cy="123605"/>
+          </a:xfrm>
+          <a:prstGeom prst="line">
+            <a:avLst/>
+          </a:prstGeom>
+          <a:ln w="19050">
+            <a:solidFill>
+              <a:srgbClr val="C00000"/>
+            </a:solidFill>
+          </a:ln>
+        </p:spPr>
+        <p:style>
+          <a:lnRef idx="1">
+            <a:schemeClr val="accent1"/>
+          </a:lnRef>
+          <a:fillRef idx="0">
+            <a:schemeClr val="accent1"/>
+          </a:fillRef>
+          <a:effectRef idx="0">
+            <a:schemeClr val="accent1"/>
+          </a:effectRef>
+          <a:fontRef idx="minor">
+            <a:schemeClr val="tx1"/>
+          </a:fontRef>
+        </p:style>
+      </p:cxnSp>
+      <p:cxnSp>
+        <p:nvCxnSpPr>
+          <p:cNvPr id="138" name="直線コネクタ 137"/>
+          <p:cNvCxnSpPr/>
+          <p:nvPr/>
+        </p:nvCxnSpPr>
+        <p:spPr>
+          <a:xfrm>
+            <a:off x="5433281" y="6954200"/>
+            <a:ext cx="0" cy="214938"/>
+          </a:xfrm>
+          <a:prstGeom prst="line">
+            <a:avLst/>
+          </a:prstGeom>
+          <a:ln w="19050">
+            <a:solidFill>
+              <a:srgbClr val="C00000"/>
+            </a:solidFill>
+          </a:ln>
+        </p:spPr>
+        <p:style>
+          <a:lnRef idx="1">
+            <a:schemeClr val="accent1"/>
+          </a:lnRef>
+          <a:fillRef idx="0">
+            <a:schemeClr val="accent1"/>
+          </a:fillRef>
+          <a:effectRef idx="0">
+            <a:schemeClr val="accent1"/>
+          </a:effectRef>
+          <a:fontRef idx="minor">
+            <a:schemeClr val="tx1"/>
+          </a:fontRef>
+        </p:style>
+      </p:cxnSp>
+      <p:cxnSp>
+        <p:nvCxnSpPr>
+          <p:cNvPr id="139" name="直線コネクタ 138"/>
+          <p:cNvCxnSpPr/>
+          <p:nvPr/>
+        </p:nvCxnSpPr>
+        <p:spPr>
+          <a:xfrm>
+            <a:off x="5516295" y="7417384"/>
+            <a:ext cx="0" cy="214938"/>
+          </a:xfrm>
+          <a:prstGeom prst="line">
+            <a:avLst/>
+          </a:prstGeom>
+          <a:ln w="19050">
+            <a:solidFill>
+              <a:srgbClr val="C00000"/>
+            </a:solidFill>
+          </a:ln>
+        </p:spPr>
+        <p:style>
+          <a:lnRef idx="1">
+            <a:schemeClr val="accent1"/>
+          </a:lnRef>
+          <a:fillRef idx="0">
+            <a:schemeClr val="accent1"/>
+          </a:fillRef>
+          <a:effectRef idx="0">
+            <a:schemeClr val="accent1"/>
+          </a:effectRef>
+          <a:fontRef idx="minor">
+            <a:schemeClr val="tx1"/>
+          </a:fontRef>
+        </p:style>
+      </p:cxnSp>
+      <p:cxnSp>
+        <p:nvCxnSpPr>
+          <p:cNvPr id="140" name="直線コネクタ 139"/>
+          <p:cNvCxnSpPr/>
+          <p:nvPr/>
+        </p:nvCxnSpPr>
+        <p:spPr>
+          <a:xfrm>
+            <a:off x="5100563" y="6945459"/>
+            <a:ext cx="0" cy="214938"/>
+          </a:xfrm>
+          <a:prstGeom prst="line">
+            <a:avLst/>
+          </a:prstGeom>
+          <a:ln w="19050">
+            <a:solidFill>
+              <a:srgbClr val="C00000"/>
+            </a:solidFill>
+          </a:ln>
+        </p:spPr>
+        <p:style>
+          <a:lnRef idx="1">
+            <a:schemeClr val="accent1"/>
+          </a:lnRef>
+          <a:fillRef idx="0">
+            <a:schemeClr val="accent1"/>
+          </a:fillRef>
+          <a:effectRef idx="0">
+            <a:schemeClr val="accent1"/>
+          </a:effectRef>
+          <a:fontRef idx="minor">
+            <a:schemeClr val="tx1"/>
+          </a:fontRef>
+        </p:style>
+      </p:cxnSp>
+      <p:cxnSp>
+        <p:nvCxnSpPr>
+          <p:cNvPr id="141" name="直線コネクタ 140"/>
+          <p:cNvCxnSpPr/>
+          <p:nvPr/>
+        </p:nvCxnSpPr>
+        <p:spPr>
+          <a:xfrm flipH="1" flipV="1">
+            <a:off x="4766774" y="6800799"/>
+            <a:ext cx="206025" cy="746"/>
+          </a:xfrm>
+          <a:prstGeom prst="line">
+            <a:avLst/>
+          </a:prstGeom>
+          <a:ln w="19050">
+            <a:solidFill>
+              <a:srgbClr val="C00000"/>
+            </a:solidFill>
+          </a:ln>
+        </p:spPr>
+        <p:style>
+          <a:lnRef idx="1">
+            <a:schemeClr val="accent1"/>
+          </a:lnRef>
+          <a:fillRef idx="0">
+            <a:schemeClr val="accent1"/>
+          </a:fillRef>
+          <a:effectRef idx="0">
+            <a:schemeClr val="accent1"/>
+          </a:effectRef>
+          <a:fontRef idx="minor">
+            <a:schemeClr val="tx1"/>
+          </a:fontRef>
+        </p:style>
+      </p:cxnSp>
+      <p:cxnSp>
+        <p:nvCxnSpPr>
+          <p:cNvPr id="142" name="直線コネクタ 141"/>
+          <p:cNvCxnSpPr/>
+          <p:nvPr/>
+        </p:nvCxnSpPr>
+        <p:spPr>
+          <a:xfrm flipH="1">
+            <a:off x="4773291" y="6046234"/>
+            <a:ext cx="199508" cy="0"/>
+          </a:xfrm>
+          <a:prstGeom prst="line">
+            <a:avLst/>
+          </a:prstGeom>
+          <a:ln w="19050">
+            <a:solidFill>
+              <a:srgbClr val="C00000"/>
+            </a:solidFill>
+          </a:ln>
+        </p:spPr>
+        <p:style>
+          <a:lnRef idx="1">
+            <a:schemeClr val="accent1"/>
+          </a:lnRef>
+          <a:fillRef idx="0">
+            <a:schemeClr val="accent1"/>
+          </a:fillRef>
+          <a:effectRef idx="0">
+            <a:schemeClr val="accent1"/>
+          </a:effectRef>
+          <a:fontRef idx="minor">
+            <a:schemeClr val="tx1"/>
+          </a:fontRef>
+        </p:style>
+      </p:cxnSp>
+      <p:cxnSp>
+        <p:nvCxnSpPr>
+          <p:cNvPr id="143" name="直線コネクタ 142"/>
+          <p:cNvCxnSpPr/>
+          <p:nvPr/>
+        </p:nvCxnSpPr>
+        <p:spPr>
+          <a:xfrm flipV="1">
+            <a:off x="5217257" y="5727099"/>
+            <a:ext cx="0" cy="212933"/>
+          </a:xfrm>
+          <a:prstGeom prst="line">
+            <a:avLst/>
+          </a:prstGeom>
+          <a:ln w="19050">
+            <a:solidFill>
+              <a:srgbClr val="C00000"/>
+            </a:solidFill>
+          </a:ln>
+        </p:spPr>
+        <p:style>
+          <a:lnRef idx="1">
+            <a:schemeClr val="accent1"/>
+          </a:lnRef>
+          <a:fillRef idx="0">
+            <a:schemeClr val="accent1"/>
+          </a:fillRef>
+          <a:effectRef idx="0">
+            <a:schemeClr val="accent1"/>
+          </a:effectRef>
+          <a:fontRef idx="minor">
+            <a:schemeClr val="tx1"/>
+          </a:fontRef>
+        </p:style>
+      </p:cxnSp>
+      <p:cxnSp>
+        <p:nvCxnSpPr>
+          <p:cNvPr id="144" name="直線コネクタ 143"/>
+          <p:cNvCxnSpPr/>
+          <p:nvPr/>
+        </p:nvCxnSpPr>
+        <p:spPr>
+          <a:xfrm flipV="1">
+            <a:off x="6472808" y="5727099"/>
+            <a:ext cx="0" cy="213767"/>
+          </a:xfrm>
+          <a:prstGeom prst="line">
+            <a:avLst/>
+          </a:prstGeom>
+          <a:ln w="19050">
+            <a:solidFill>
+              <a:srgbClr val="C00000"/>
+            </a:solidFill>
+          </a:ln>
+        </p:spPr>
+        <p:style>
+          <a:lnRef idx="1">
+            <a:schemeClr val="accent1"/>
+          </a:lnRef>
+          <a:fillRef idx="0">
+            <a:schemeClr val="accent1"/>
+          </a:fillRef>
+          <a:effectRef idx="0">
+            <a:schemeClr val="accent1"/>
+          </a:effectRef>
+          <a:fontRef idx="minor">
+            <a:schemeClr val="tx1"/>
+          </a:fontRef>
+        </p:style>
+      </p:cxnSp>
+      <p:cxnSp>
+        <p:nvCxnSpPr>
+          <p:cNvPr id="146" name="直線コネクタ 145"/>
+          <p:cNvCxnSpPr/>
+          <p:nvPr/>
+        </p:nvCxnSpPr>
+        <p:spPr>
+          <a:xfrm>
+            <a:off x="6997693" y="6022703"/>
+            <a:ext cx="212662" cy="0"/>
+          </a:xfrm>
+          <a:prstGeom prst="line">
+            <a:avLst/>
+          </a:prstGeom>
+          <a:ln w="19050">
+            <a:solidFill>
+              <a:srgbClr val="C00000"/>
+            </a:solidFill>
+          </a:ln>
+        </p:spPr>
+        <p:style>
+          <a:lnRef idx="1">
+            <a:schemeClr val="accent1"/>
+          </a:lnRef>
+          <a:fillRef idx="0">
+            <a:schemeClr val="accent1"/>
+          </a:fillRef>
+          <a:effectRef idx="0">
+            <a:schemeClr val="accent1"/>
+          </a:effectRef>
+          <a:fontRef idx="minor">
+            <a:schemeClr val="tx1"/>
+          </a:fontRef>
+        </p:style>
+      </p:cxnSp>
+      <p:cxnSp>
+        <p:nvCxnSpPr>
+          <p:cNvPr id="148" name="直線コネクタ 147"/>
+          <p:cNvCxnSpPr/>
+          <p:nvPr/>
+        </p:nvCxnSpPr>
+        <p:spPr>
+          <a:xfrm>
+            <a:off x="7000670" y="7117113"/>
+            <a:ext cx="212662" cy="0"/>
+          </a:xfrm>
+          <a:prstGeom prst="line">
+            <a:avLst/>
+          </a:prstGeom>
+          <a:ln w="19050">
+            <a:solidFill>
+              <a:srgbClr val="C00000"/>
+            </a:solidFill>
+          </a:ln>
+        </p:spPr>
+        <p:style>
+          <a:lnRef idx="1">
+            <a:schemeClr val="accent1"/>
+          </a:lnRef>
+          <a:fillRef idx="0">
+            <a:schemeClr val="accent1"/>
+          </a:fillRef>
+          <a:effectRef idx="0">
+            <a:schemeClr val="accent1"/>
+          </a:effectRef>
+          <a:fontRef idx="minor">
+            <a:schemeClr val="tx1"/>
+          </a:fontRef>
+        </p:style>
+      </p:cxnSp>
+      <p:cxnSp>
+        <p:nvCxnSpPr>
+          <p:cNvPr id="149" name="直線コネクタ 148"/>
+          <p:cNvCxnSpPr/>
+          <p:nvPr/>
+        </p:nvCxnSpPr>
+        <p:spPr>
+          <a:xfrm>
+            <a:off x="7000670" y="7470350"/>
+            <a:ext cx="212662" cy="0"/>
+          </a:xfrm>
+          <a:prstGeom prst="line">
+            <a:avLst/>
+          </a:prstGeom>
+          <a:ln w="19050">
+            <a:solidFill>
+              <a:srgbClr val="C00000"/>
+            </a:solidFill>
+          </a:ln>
+        </p:spPr>
+        <p:style>
+          <a:lnRef idx="1">
+            <a:schemeClr val="accent1"/>
+          </a:lnRef>
+          <a:fillRef idx="0">
+            <a:schemeClr val="accent1"/>
+          </a:fillRef>
+          <a:effectRef idx="0">
+            <a:schemeClr val="accent1"/>
+          </a:effectRef>
+          <a:fontRef idx="minor">
+            <a:schemeClr val="tx1"/>
+          </a:fontRef>
+        </p:style>
+      </p:cxnSp>
+      <p:cxnSp>
+        <p:nvCxnSpPr>
+          <p:cNvPr id="150" name="直線コネクタ 149"/>
+          <p:cNvCxnSpPr/>
+          <p:nvPr/>
+        </p:nvCxnSpPr>
+        <p:spPr>
+          <a:xfrm>
+            <a:off x="5513281" y="7686756"/>
+            <a:ext cx="0" cy="169745"/>
+          </a:xfrm>
+          <a:prstGeom prst="line">
+            <a:avLst/>
+          </a:prstGeom>
+          <a:ln w="19050">
+            <a:solidFill>
+              <a:srgbClr val="C00000"/>
+            </a:solidFill>
+          </a:ln>
+        </p:spPr>
+        <p:style>
+          <a:lnRef idx="1">
+            <a:schemeClr val="accent1"/>
+          </a:lnRef>
+          <a:fillRef idx="0">
+            <a:schemeClr val="accent1"/>
+          </a:fillRef>
+          <a:effectRef idx="0">
+            <a:schemeClr val="accent1"/>
+          </a:effectRef>
+          <a:fontRef idx="minor">
+            <a:schemeClr val="tx1"/>
+          </a:fontRef>
+        </p:style>
+      </p:cxnSp>
+      <p:cxnSp>
+        <p:nvCxnSpPr>
+          <p:cNvPr id="152" name="直線コネクタ 151"/>
+          <p:cNvCxnSpPr/>
+          <p:nvPr/>
+        </p:nvCxnSpPr>
+        <p:spPr>
+          <a:xfrm>
+            <a:off x="6083702" y="7655215"/>
+            <a:ext cx="0" cy="196729"/>
+          </a:xfrm>
+          <a:prstGeom prst="line">
+            <a:avLst/>
+          </a:prstGeom>
+          <a:ln w="19050">
+            <a:solidFill>
+              <a:srgbClr val="C00000"/>
+            </a:solidFill>
+          </a:ln>
+        </p:spPr>
+        <p:style>
+          <a:lnRef idx="1">
+            <a:schemeClr val="accent1"/>
+          </a:lnRef>
+          <a:fillRef idx="0">
+            <a:schemeClr val="accent1"/>
+          </a:fillRef>
+          <a:effectRef idx="0">
+            <a:schemeClr val="accent1"/>
+          </a:effectRef>
+          <a:fontRef idx="minor">
+            <a:schemeClr val="tx1"/>
+          </a:fontRef>
+        </p:style>
+      </p:cxnSp>
+      <p:cxnSp>
+        <p:nvCxnSpPr>
+          <p:cNvPr id="153" name="直線コネクタ 152"/>
+          <p:cNvCxnSpPr/>
+          <p:nvPr/>
+        </p:nvCxnSpPr>
+        <p:spPr>
+          <a:xfrm flipH="1">
+            <a:off x="6244400" y="7455058"/>
+            <a:ext cx="216024" cy="0"/>
+          </a:xfrm>
+          <a:prstGeom prst="line">
+            <a:avLst/>
+          </a:prstGeom>
+          <a:ln w="19050">
+            <a:solidFill>
+              <a:srgbClr val="C00000"/>
+            </a:solidFill>
+          </a:ln>
+        </p:spPr>
+        <p:style>
+          <a:lnRef idx="1">
+            <a:schemeClr val="accent1"/>
+          </a:lnRef>
+          <a:fillRef idx="0">
+            <a:schemeClr val="accent1"/>
+          </a:fillRef>
+          <a:effectRef idx="0">
+            <a:schemeClr val="accent1"/>
+          </a:effectRef>
+          <a:fontRef idx="minor">
+            <a:schemeClr val="tx1"/>
+          </a:fontRef>
+        </p:style>
+      </p:cxnSp>
+      <p:cxnSp>
+        <p:nvCxnSpPr>
+          <p:cNvPr id="156" name="直線コネクタ 155"/>
+          <p:cNvCxnSpPr/>
+          <p:nvPr/>
+        </p:nvCxnSpPr>
+        <p:spPr>
+          <a:xfrm flipH="1">
+            <a:off x="6244400" y="7044063"/>
+            <a:ext cx="216024" cy="0"/>
+          </a:xfrm>
+          <a:prstGeom prst="line">
+            <a:avLst/>
+          </a:prstGeom>
+          <a:ln w="19050">
+            <a:solidFill>
+              <a:srgbClr val="C00000"/>
+            </a:solidFill>
+          </a:ln>
+        </p:spPr>
+        <p:style>
+          <a:lnRef idx="1">
+            <a:schemeClr val="accent1"/>
+          </a:lnRef>
+          <a:fillRef idx="0">
+            <a:schemeClr val="accent1"/>
+          </a:fillRef>
+          <a:effectRef idx="0">
+            <a:schemeClr val="accent1"/>
+          </a:effectRef>
+          <a:fontRef idx="minor">
+            <a:schemeClr val="tx1"/>
+          </a:fontRef>
+        </p:style>
+      </p:cxnSp>
+      <p:cxnSp>
+        <p:nvCxnSpPr>
+          <p:cNvPr id="162" name="直線コネクタ 161"/>
+          <p:cNvCxnSpPr/>
+          <p:nvPr/>
+        </p:nvCxnSpPr>
+        <p:spPr>
+          <a:xfrm flipV="1">
+            <a:off x="6079046" y="6719119"/>
+            <a:ext cx="0" cy="195404"/>
+          </a:xfrm>
+          <a:prstGeom prst="line">
+            <a:avLst/>
+          </a:prstGeom>
+          <a:ln w="19050">
+            <a:solidFill>
+              <a:srgbClr val="C00000"/>
+            </a:solidFill>
+          </a:ln>
+        </p:spPr>
+        <p:style>
+          <a:lnRef idx="1">
+            <a:schemeClr val="accent1"/>
+          </a:lnRef>
+          <a:fillRef idx="0">
+            <a:schemeClr val="accent1"/>
+          </a:fillRef>
+          <a:effectRef idx="0">
+            <a:schemeClr val="accent1"/>
+          </a:effectRef>
+          <a:fontRef idx="minor">
+            <a:schemeClr val="tx1"/>
+          </a:fontRef>
+        </p:style>
+      </p:cxnSp>
+      <p:cxnSp>
+        <p:nvCxnSpPr>
+          <p:cNvPr id="164" name="直線コネクタ 163"/>
+          <p:cNvCxnSpPr/>
+          <p:nvPr/>
+        </p:nvCxnSpPr>
+        <p:spPr>
+          <a:xfrm flipV="1">
+            <a:off x="5392688" y="6719119"/>
+            <a:ext cx="0" cy="195404"/>
+          </a:xfrm>
+          <a:prstGeom prst="line">
+            <a:avLst/>
+          </a:prstGeom>
+          <a:ln w="19050">
+            <a:solidFill>
+              <a:srgbClr val="C00000"/>
+            </a:solidFill>
+          </a:ln>
+        </p:spPr>
+        <p:style>
+          <a:lnRef idx="1">
+            <a:schemeClr val="accent1"/>
+          </a:lnRef>
+          <a:fillRef idx="0">
+            <a:schemeClr val="accent1"/>
+          </a:fillRef>
+          <a:effectRef idx="0">
+            <a:schemeClr val="accent1"/>
+          </a:effectRef>
+          <a:fontRef idx="minor">
+            <a:schemeClr val="tx1"/>
+          </a:fontRef>
+        </p:style>
+      </p:cxnSp>
+      <p:cxnSp>
+        <p:nvCxnSpPr>
+          <p:cNvPr id="165" name="直線コネクタ 164"/>
+          <p:cNvCxnSpPr/>
+          <p:nvPr/>
+        </p:nvCxnSpPr>
+        <p:spPr>
+          <a:xfrm flipV="1">
+            <a:off x="5320680" y="6216720"/>
+            <a:ext cx="0" cy="195404"/>
+          </a:xfrm>
+          <a:prstGeom prst="line">
+            <a:avLst/>
+          </a:prstGeom>
+          <a:ln w="19050">
+            <a:solidFill>
+              <a:srgbClr val="C00000"/>
+            </a:solidFill>
+          </a:ln>
+        </p:spPr>
+        <p:style>
+          <a:lnRef idx="1">
+            <a:schemeClr val="accent1"/>
+          </a:lnRef>
+          <a:fillRef idx="0">
+            <a:schemeClr val="accent1"/>
+          </a:fillRef>
+          <a:effectRef idx="0">
+            <a:schemeClr val="accent1"/>
+          </a:effectRef>
+          <a:fontRef idx="minor">
+            <a:schemeClr val="tx1"/>
+          </a:fontRef>
+        </p:style>
+      </p:cxnSp>
+      <p:cxnSp>
+        <p:nvCxnSpPr>
+          <p:cNvPr id="166" name="直線コネクタ 165"/>
+          <p:cNvCxnSpPr/>
+          <p:nvPr/>
+        </p:nvCxnSpPr>
+        <p:spPr>
+          <a:xfrm flipV="1">
+            <a:off x="5752728" y="6243653"/>
+            <a:ext cx="0" cy="195404"/>
+          </a:xfrm>
+          <a:prstGeom prst="line">
+            <a:avLst/>
+          </a:prstGeom>
+          <a:ln w="19050">
+            <a:solidFill>
+              <a:srgbClr val="C00000"/>
+            </a:solidFill>
+          </a:ln>
+        </p:spPr>
+        <p:style>
+          <a:lnRef idx="1">
+            <a:schemeClr val="accent1"/>
+          </a:lnRef>
+          <a:fillRef idx="0">
+            <a:schemeClr val="accent1"/>
+          </a:fillRef>
+          <a:effectRef idx="0">
+            <a:schemeClr val="accent1"/>
+          </a:effectRef>
+          <a:fontRef idx="minor">
+            <a:schemeClr val="tx1"/>
+          </a:fontRef>
+        </p:style>
+      </p:cxnSp>
+      <p:cxnSp>
+        <p:nvCxnSpPr>
+          <p:cNvPr id="167" name="直線コネクタ 166"/>
+          <p:cNvCxnSpPr/>
+          <p:nvPr/>
+        </p:nvCxnSpPr>
+        <p:spPr>
+          <a:xfrm flipV="1">
+            <a:off x="6256784" y="6237095"/>
+            <a:ext cx="0" cy="195404"/>
+          </a:xfrm>
+          <a:prstGeom prst="line">
+            <a:avLst/>
+          </a:prstGeom>
+          <a:ln w="19050">
+            <a:solidFill>
+              <a:srgbClr val="C00000"/>
+            </a:solidFill>
+          </a:ln>
+        </p:spPr>
+        <p:style>
+          <a:lnRef idx="1">
+            <a:schemeClr val="accent1"/>
+          </a:lnRef>
+          <a:fillRef idx="0">
+            <a:schemeClr val="accent1"/>
+          </a:fillRef>
+          <a:effectRef idx="0">
+            <a:schemeClr val="accent1"/>
+          </a:effectRef>
+          <a:fontRef idx="minor">
+            <a:schemeClr val="tx1"/>
+          </a:fontRef>
+        </p:style>
+      </p:cxnSp>
+      <p:cxnSp>
+        <p:nvCxnSpPr>
+          <p:cNvPr id="168" name="直線コネクタ 167"/>
+          <p:cNvCxnSpPr/>
+          <p:nvPr/>
+        </p:nvCxnSpPr>
+        <p:spPr>
+          <a:xfrm>
+            <a:off x="6523768" y="6559582"/>
+            <a:ext cx="206996" cy="0"/>
+          </a:xfrm>
+          <a:prstGeom prst="line">
+            <a:avLst/>
+          </a:prstGeom>
+          <a:ln w="19050">
+            <a:solidFill>
+              <a:srgbClr val="C00000"/>
+            </a:solidFill>
+          </a:ln>
+        </p:spPr>
+        <p:style>
+          <a:lnRef idx="1">
+            <a:schemeClr val="accent1"/>
+          </a:lnRef>
+          <a:fillRef idx="0">
+            <a:schemeClr val="accent1"/>
+          </a:fillRef>
+          <a:effectRef idx="0">
+            <a:schemeClr val="accent1"/>
+          </a:effectRef>
+          <a:fontRef idx="minor">
+            <a:schemeClr val="tx1"/>
+          </a:fontRef>
+        </p:style>
+      </p:cxnSp>
+      <p:cxnSp>
+        <p:nvCxnSpPr>
+          <p:cNvPr id="170" name="直線コネクタ 169"/>
+          <p:cNvCxnSpPr/>
+          <p:nvPr/>
+        </p:nvCxnSpPr>
+        <p:spPr>
+          <a:xfrm>
+            <a:off x="6525108" y="7464896"/>
+            <a:ext cx="206996" cy="0"/>
+          </a:xfrm>
+          <a:prstGeom prst="line">
+            <a:avLst/>
+          </a:prstGeom>
+          <a:ln w="19050">
+            <a:solidFill>
+              <a:srgbClr val="C00000"/>
+            </a:solidFill>
+          </a:ln>
+        </p:spPr>
+        <p:style>
+          <a:lnRef idx="1">
+            <a:schemeClr val="accent1"/>
+          </a:lnRef>
+          <a:fillRef idx="0">
+            <a:schemeClr val="accent1"/>
+          </a:fillRef>
+          <a:effectRef idx="0">
+            <a:schemeClr val="accent1"/>
+          </a:effectRef>
+          <a:fontRef idx="minor">
+            <a:schemeClr val="tx1"/>
+          </a:fontRef>
+        </p:style>
+      </p:cxnSp>
     </p:spTree>
     <p:extLst>
       <p:ext uri="{BB962C8B-B14F-4D97-AF65-F5344CB8AC3E}">
